--- a/训练中心创客交叉融合空间建设/doc/创客融合空间运行模式.pptx
+++ b/训练中心创客交叉融合空间建设/doc/创客融合空间运行模式.pptx
@@ -238,7 +238,7 @@
           <a:p>
             <a:fld id="{408926B9-0AE9-4841-8807-A52893CAC8ED}" type="datetimeFigureOut">
               <a:rPr lang="zh-CN" altLang="en-US" smtClean="0"/>
-              <a:t>2014/3/19</a:t>
+              <a:t>3/19/14</a:t>
             </a:fld>
             <a:endParaRPr lang="zh-CN" altLang="en-US"/>
           </a:p>
@@ -408,7 +408,7 @@
           <a:p>
             <a:fld id="{408926B9-0AE9-4841-8807-A52893CAC8ED}" type="datetimeFigureOut">
               <a:rPr lang="zh-CN" altLang="en-US" smtClean="0"/>
-              <a:t>2014/3/19</a:t>
+              <a:t>3/19/14</a:t>
             </a:fld>
             <a:endParaRPr lang="zh-CN" altLang="en-US"/>
           </a:p>
@@ -588,7 +588,7 @@
           <a:p>
             <a:fld id="{408926B9-0AE9-4841-8807-A52893CAC8ED}" type="datetimeFigureOut">
               <a:rPr lang="zh-CN" altLang="en-US" smtClean="0"/>
-              <a:t>2014/3/19</a:t>
+              <a:t>3/19/14</a:t>
             </a:fld>
             <a:endParaRPr lang="zh-CN" altLang="en-US"/>
           </a:p>
@@ -758,7 +758,7 @@
           <a:p>
             <a:fld id="{408926B9-0AE9-4841-8807-A52893CAC8ED}" type="datetimeFigureOut">
               <a:rPr lang="zh-CN" altLang="en-US" smtClean="0"/>
-              <a:t>2014/3/19</a:t>
+              <a:t>3/19/14</a:t>
             </a:fld>
             <a:endParaRPr lang="zh-CN" altLang="en-US"/>
           </a:p>
@@ -1002,7 +1002,7 @@
           <a:p>
             <a:fld id="{408926B9-0AE9-4841-8807-A52893CAC8ED}" type="datetimeFigureOut">
               <a:rPr lang="zh-CN" altLang="en-US" smtClean="0"/>
-              <a:t>2014/3/19</a:t>
+              <a:t>3/19/14</a:t>
             </a:fld>
             <a:endParaRPr lang="zh-CN" altLang="en-US"/>
           </a:p>
@@ -1234,7 +1234,7 @@
           <a:p>
             <a:fld id="{408926B9-0AE9-4841-8807-A52893CAC8ED}" type="datetimeFigureOut">
               <a:rPr lang="zh-CN" altLang="en-US" smtClean="0"/>
-              <a:t>2014/3/19</a:t>
+              <a:t>3/19/14</a:t>
             </a:fld>
             <a:endParaRPr lang="zh-CN" altLang="en-US"/>
           </a:p>
@@ -1601,7 +1601,7 @@
           <a:p>
             <a:fld id="{408926B9-0AE9-4841-8807-A52893CAC8ED}" type="datetimeFigureOut">
               <a:rPr lang="zh-CN" altLang="en-US" smtClean="0"/>
-              <a:t>2014/3/19</a:t>
+              <a:t>3/19/14</a:t>
             </a:fld>
             <a:endParaRPr lang="zh-CN" altLang="en-US"/>
           </a:p>
@@ -1719,7 +1719,7 @@
           <a:p>
             <a:fld id="{408926B9-0AE9-4841-8807-A52893CAC8ED}" type="datetimeFigureOut">
               <a:rPr lang="zh-CN" altLang="en-US" smtClean="0"/>
-              <a:t>2014/3/19</a:t>
+              <a:t>3/19/14</a:t>
             </a:fld>
             <a:endParaRPr lang="zh-CN" altLang="en-US"/>
           </a:p>
@@ -1814,7 +1814,7 @@
           <a:p>
             <a:fld id="{408926B9-0AE9-4841-8807-A52893CAC8ED}" type="datetimeFigureOut">
               <a:rPr lang="zh-CN" altLang="en-US" smtClean="0"/>
-              <a:t>2014/3/19</a:t>
+              <a:t>3/19/14</a:t>
             </a:fld>
             <a:endParaRPr lang="zh-CN" altLang="en-US"/>
           </a:p>
@@ -2091,7 +2091,7 @@
           <a:p>
             <a:fld id="{408926B9-0AE9-4841-8807-A52893CAC8ED}" type="datetimeFigureOut">
               <a:rPr lang="zh-CN" altLang="en-US" smtClean="0"/>
-              <a:t>2014/3/19</a:t>
+              <a:t>3/19/14</a:t>
             </a:fld>
             <a:endParaRPr lang="zh-CN" altLang="en-US"/>
           </a:p>
@@ -2348,7 +2348,7 @@
           <a:p>
             <a:fld id="{408926B9-0AE9-4841-8807-A52893CAC8ED}" type="datetimeFigureOut">
               <a:rPr lang="zh-CN" altLang="en-US" smtClean="0"/>
-              <a:t>2014/3/19</a:t>
+              <a:t>3/19/14</a:t>
             </a:fld>
             <a:endParaRPr lang="zh-CN" altLang="en-US"/>
           </a:p>
@@ -2561,7 +2561,7 @@
           <a:p>
             <a:fld id="{408926B9-0AE9-4841-8807-A52893CAC8ED}" type="datetimeFigureOut">
               <a:rPr lang="zh-CN" altLang="en-US" smtClean="0"/>
-              <a:t>2014/3/19</a:t>
+              <a:t>3/19/14</a:t>
             </a:fld>
             <a:endParaRPr lang="zh-CN" altLang="en-US"/>
           </a:p>
@@ -4545,6 +4545,176 @@
           </a:p>
         </p:txBody>
       </p:sp>
+      <p:pic>
+        <p:nvPicPr>
+          <p:cNvPr id="2" name="Picture 1" descr="精雕产品.JPG"/>
+          <p:cNvPicPr>
+            <a:picLocks noChangeAspect="1"/>
+          </p:cNvPicPr>
+          <p:nvPr/>
+        </p:nvPicPr>
+        <p:blipFill>
+          <a:blip r:embed="rId3">
+            <a:extLst>
+              <a:ext uri="{28A0092B-C50C-407E-A947-70E740481C1C}">
+                <a14:useLocalDpi xmlns:a14="http://schemas.microsoft.com/office/drawing/2010/main" val="0"/>
+              </a:ext>
+            </a:extLst>
+          </a:blip>
+          <a:stretch>
+            <a:fillRect/>
+          </a:stretch>
+        </p:blipFill>
+        <p:spPr>
+          <a:xfrm>
+            <a:off x="727397" y="534313"/>
+            <a:ext cx="1214468" cy="910851"/>
+          </a:xfrm>
+          <a:prstGeom prst="rect">
+            <a:avLst/>
+          </a:prstGeom>
+          <a:ln>
+            <a:noFill/>
+          </a:ln>
+          <a:effectLst>
+            <a:softEdge rad="112500"/>
+          </a:effectLst>
+        </p:spPr>
+      </p:pic>
+      <p:pic>
+        <p:nvPicPr>
+          <p:cNvPr id="4" name="Picture 3" descr="Cisco Telepresence.jpg"/>
+          <p:cNvPicPr>
+            <a:picLocks noChangeAspect="1"/>
+          </p:cNvPicPr>
+          <p:nvPr/>
+        </p:nvPicPr>
+        <p:blipFill>
+          <a:blip r:embed="rId4" cstate="print">
+            <a:extLst>
+              <a:ext uri="{28A0092B-C50C-407E-A947-70E740481C1C}">
+                <a14:useLocalDpi xmlns:a14="http://schemas.microsoft.com/office/drawing/2010/main" val="0"/>
+              </a:ext>
+            </a:extLst>
+          </a:blip>
+          <a:stretch>
+            <a:fillRect/>
+          </a:stretch>
+        </p:blipFill>
+        <p:spPr>
+          <a:xfrm>
+            <a:off x="7221592" y="4878520"/>
+            <a:ext cx="1372568" cy="915045"/>
+          </a:xfrm>
+          <a:prstGeom prst="rect">
+            <a:avLst/>
+          </a:prstGeom>
+        </p:spPr>
+      </p:pic>
+      <p:pic>
+        <p:nvPicPr>
+          <p:cNvPr id="3" name="Picture 2" descr="Cisco_logo.svg.png"/>
+          <p:cNvPicPr>
+            <a:picLocks noChangeAspect="1"/>
+          </p:cNvPicPr>
+          <p:nvPr/>
+        </p:nvPicPr>
+        <p:blipFill>
+          <a:blip r:embed="rId5">
+            <a:extLst>
+              <a:ext uri="{28A0092B-C50C-407E-A947-70E740481C1C}">
+                <a14:useLocalDpi xmlns:a14="http://schemas.microsoft.com/office/drawing/2010/main" val="0"/>
+              </a:ext>
+            </a:extLst>
+          </a:blip>
+          <a:stretch>
+            <a:fillRect/>
+          </a:stretch>
+        </p:blipFill>
+        <p:spPr>
+          <a:xfrm>
+            <a:off x="7700196" y="5707094"/>
+            <a:ext cx="917196" cy="515923"/>
+          </a:xfrm>
+          <a:prstGeom prst="rect">
+            <a:avLst/>
+          </a:prstGeom>
+        </p:spPr>
+      </p:pic>
+      <p:sp>
+        <p:nvSpPr>
+          <p:cNvPr id="5" name="TextBox 4"/>
+          <p:cNvSpPr txBox="1"/>
+          <p:nvPr/>
+        </p:nvSpPr>
+        <p:spPr>
+          <a:xfrm>
+            <a:off x="-565329" y="1966896"/>
+            <a:ext cx="2723823" cy="646331"/>
+          </a:xfrm>
+          <a:prstGeom prst="rect">
+            <a:avLst/>
+          </a:prstGeom>
+          <a:noFill/>
+        </p:spPr>
+        <p:txBody>
+          <a:bodyPr wrap="none" rtlCol="0">
+            <a:spAutoFit/>
+          </a:bodyPr>
+          <a:lstStyle/>
+          <a:p>
+            <a:r>
+              <a:rPr lang="zh-CN" altLang="en-US" dirty="0" smtClean="0"/>
+              <a:t>运作标准</a:t>
+            </a:r>
+            <a:r>
+              <a:rPr lang="en-US" altLang="zh-CN" dirty="0" smtClean="0"/>
+              <a:t>Code</a:t>
+            </a:r>
+          </a:p>
+          <a:p>
+            <a:r>
+              <a:rPr lang="zh-CN" altLang="zh-CN" dirty="0" smtClean="0"/>
+              <a:t>（</a:t>
+            </a:r>
+            <a:r>
+              <a:rPr lang="zh-CN" altLang="en-US" dirty="0" smtClean="0"/>
+              <a:t>需要用法律语言描述）</a:t>
+            </a:r>
+            <a:endParaRPr lang="en-US" altLang="zh-CN" dirty="0" smtClean="0"/>
+          </a:p>
+        </p:txBody>
+      </p:sp>
+      <p:pic>
+        <p:nvPicPr>
+          <p:cNvPr id="6" name="Picture 5" descr="4-forces-four-forces.png"/>
+          <p:cNvPicPr>
+            <a:picLocks noChangeAspect="1"/>
+          </p:cNvPicPr>
+          <p:nvPr/>
+        </p:nvPicPr>
+        <p:blipFill>
+          <a:blip r:embed="rId6">
+            <a:extLst>
+              <a:ext uri="{28A0092B-C50C-407E-A947-70E740481C1C}">
+                <a14:useLocalDpi xmlns:a14="http://schemas.microsoft.com/office/drawing/2010/main" val="0"/>
+              </a:ext>
+            </a:extLst>
+          </a:blip>
+          <a:stretch>
+            <a:fillRect/>
+          </a:stretch>
+        </p:blipFill>
+        <p:spPr>
+          <a:xfrm>
+            <a:off x="6536130" y="1717184"/>
+            <a:ext cx="5626233" cy="3565922"/>
+          </a:xfrm>
+          <a:prstGeom prst="rect">
+            <a:avLst/>
+          </a:prstGeom>
+        </p:spPr>
+      </p:pic>
     </p:spTree>
     <p:extLst>
       <p:ext uri="{BB962C8B-B14F-4D97-AF65-F5344CB8AC3E}">
@@ -4601,7 +4771,7 @@
     </a:clrScheme>
     <a:fontScheme name="Office Theme">
       <a:majorFont>
-        <a:latin typeface="Calibri Light" panose="020F0302020204030204"/>
+        <a:latin typeface="Calibri Light"/>
         <a:ea typeface=""/>
         <a:cs typeface=""/>
         <a:font script="Jpan" typeface="ＭＳ Ｐゴシック"/>
@@ -4636,7 +4806,7 @@
         <a:font script="Geor" typeface="Sylfaen"/>
       </a:majorFont>
       <a:minorFont>
-        <a:latin typeface="Calibri" panose="020F0502020204030204"/>
+        <a:latin typeface="Calibri"/>
         <a:ea typeface=""/>
         <a:cs typeface=""/>
         <a:font script="Jpan" typeface="ＭＳ Ｐゴシック"/>
@@ -4813,7 +4983,7 @@
   <a:extraClrSchemeLst/>
   <a:extLst>
     <a:ext uri="{05A4C25C-085E-4340-85A3-A5531E510DB2}">
-      <thm15:themeFamily xmlns:thm15="http://schemas.microsoft.com/office/thememl/2012/main" name="Office Theme" id="{62F939B6-93AF-4DB8-9C6B-D6C7DFDC589F}" vid="{4A3C46E8-61CC-4603-A589-7422A47A8E4A}"/>
+      <thm15:themeFamily xmlns:thm15="http://schemas.microsoft.com/office/thememl/2012/main" xmlns="" name="Office Theme" id="{62F939B6-93AF-4DB8-9C6B-D6C7DFDC589F}" vid="{4A3C46E8-61CC-4603-A589-7422A47A8E4A}"/>
     </a:ext>
   </a:extLst>
 </a:theme>

--- a/训练中心创客交叉融合空间建设/doc/创客融合空间运行模式.pptx
+++ b/训练中心创客交叉融合空间建设/doc/创客融合空间运行模式.pptx
@@ -104,6 +104,22 @@
       </a:defRPr>
     </a:lvl9pPr>
   </p:defaultTextStyle>
+  <p:extLst>
+    <p:ext uri="{EFAFB233-063F-42B5-8137-9DF3F51BA10A}">
+      <p15:sldGuideLst xmlns:p15="http://schemas.microsoft.com/office/powerpoint/2012/main">
+        <p15:guide id="1" orient="horz" pos="2160">
+          <p15:clr>
+            <a:srgbClr val="A4A3A4"/>
+          </p15:clr>
+        </p15:guide>
+        <p15:guide id="2" pos="2880">
+          <p15:clr>
+            <a:srgbClr val="A4A3A4"/>
+          </p15:clr>
+        </p15:guide>
+      </p15:sldGuideLst>
+    </p:ext>
+  </p:extLst>
 </p:presentation>
 </file>
 
@@ -238,7 +254,7 @@
           <a:p>
             <a:fld id="{408926B9-0AE9-4841-8807-A52893CAC8ED}" type="datetimeFigureOut">
               <a:rPr lang="zh-CN" altLang="en-US" smtClean="0"/>
-              <a:t>3/19/14</a:t>
+              <a:t>2014/4/1</a:t>
             </a:fld>
             <a:endParaRPr lang="zh-CN" altLang="en-US"/>
           </a:p>
@@ -408,7 +424,7 @@
           <a:p>
             <a:fld id="{408926B9-0AE9-4841-8807-A52893CAC8ED}" type="datetimeFigureOut">
               <a:rPr lang="zh-CN" altLang="en-US" smtClean="0"/>
-              <a:t>3/19/14</a:t>
+              <a:t>2014/4/1</a:t>
             </a:fld>
             <a:endParaRPr lang="zh-CN" altLang="en-US"/>
           </a:p>
@@ -588,7 +604,7 @@
           <a:p>
             <a:fld id="{408926B9-0AE9-4841-8807-A52893CAC8ED}" type="datetimeFigureOut">
               <a:rPr lang="zh-CN" altLang="en-US" smtClean="0"/>
-              <a:t>3/19/14</a:t>
+              <a:t>2014/4/1</a:t>
             </a:fld>
             <a:endParaRPr lang="zh-CN" altLang="en-US"/>
           </a:p>
@@ -758,7 +774,7 @@
           <a:p>
             <a:fld id="{408926B9-0AE9-4841-8807-A52893CAC8ED}" type="datetimeFigureOut">
               <a:rPr lang="zh-CN" altLang="en-US" smtClean="0"/>
-              <a:t>3/19/14</a:t>
+              <a:t>2014/4/1</a:t>
             </a:fld>
             <a:endParaRPr lang="zh-CN" altLang="en-US"/>
           </a:p>
@@ -1002,7 +1018,7 @@
           <a:p>
             <a:fld id="{408926B9-0AE9-4841-8807-A52893CAC8ED}" type="datetimeFigureOut">
               <a:rPr lang="zh-CN" altLang="en-US" smtClean="0"/>
-              <a:t>3/19/14</a:t>
+              <a:t>2014/4/1</a:t>
             </a:fld>
             <a:endParaRPr lang="zh-CN" altLang="en-US"/>
           </a:p>
@@ -1234,7 +1250,7 @@
           <a:p>
             <a:fld id="{408926B9-0AE9-4841-8807-A52893CAC8ED}" type="datetimeFigureOut">
               <a:rPr lang="zh-CN" altLang="en-US" smtClean="0"/>
-              <a:t>3/19/14</a:t>
+              <a:t>2014/4/1</a:t>
             </a:fld>
             <a:endParaRPr lang="zh-CN" altLang="en-US"/>
           </a:p>
@@ -1601,7 +1617,7 @@
           <a:p>
             <a:fld id="{408926B9-0AE9-4841-8807-A52893CAC8ED}" type="datetimeFigureOut">
               <a:rPr lang="zh-CN" altLang="en-US" smtClean="0"/>
-              <a:t>3/19/14</a:t>
+              <a:t>2014/4/1</a:t>
             </a:fld>
             <a:endParaRPr lang="zh-CN" altLang="en-US"/>
           </a:p>
@@ -1719,7 +1735,7 @@
           <a:p>
             <a:fld id="{408926B9-0AE9-4841-8807-A52893CAC8ED}" type="datetimeFigureOut">
               <a:rPr lang="zh-CN" altLang="en-US" smtClean="0"/>
-              <a:t>3/19/14</a:t>
+              <a:t>2014/4/1</a:t>
             </a:fld>
             <a:endParaRPr lang="zh-CN" altLang="en-US"/>
           </a:p>
@@ -1814,7 +1830,7 @@
           <a:p>
             <a:fld id="{408926B9-0AE9-4841-8807-A52893CAC8ED}" type="datetimeFigureOut">
               <a:rPr lang="zh-CN" altLang="en-US" smtClean="0"/>
-              <a:t>3/19/14</a:t>
+              <a:t>2014/4/1</a:t>
             </a:fld>
             <a:endParaRPr lang="zh-CN" altLang="en-US"/>
           </a:p>
@@ -2091,7 +2107,7 @@
           <a:p>
             <a:fld id="{408926B9-0AE9-4841-8807-A52893CAC8ED}" type="datetimeFigureOut">
               <a:rPr lang="zh-CN" altLang="en-US" smtClean="0"/>
-              <a:t>3/19/14</a:t>
+              <a:t>2014/4/1</a:t>
             </a:fld>
             <a:endParaRPr lang="zh-CN" altLang="en-US"/>
           </a:p>
@@ -2348,7 +2364,7 @@
           <a:p>
             <a:fld id="{408926B9-0AE9-4841-8807-A52893CAC8ED}" type="datetimeFigureOut">
               <a:rPr lang="zh-CN" altLang="en-US" smtClean="0"/>
-              <a:t>3/19/14</a:t>
+              <a:t>2014/4/1</a:t>
             </a:fld>
             <a:endParaRPr lang="zh-CN" altLang="en-US"/>
           </a:p>
@@ -2561,7 +2577,7 @@
           <a:p>
             <a:fld id="{408926B9-0AE9-4841-8807-A52893CAC8ED}" type="datetimeFigureOut">
               <a:rPr lang="zh-CN" altLang="en-US" smtClean="0"/>
-              <a:t>3/19/14</a:t>
+              <a:t>2014/4/1</a:t>
             </a:fld>
             <a:endParaRPr lang="zh-CN" altLang="en-US"/>
           </a:p>
@@ -2966,6 +2982,46 @@
           <a:chExt cx="0" cy="0"/>
         </a:xfrm>
       </p:grpSpPr>
+      <p:sp>
+        <p:nvSpPr>
+          <p:cNvPr id="8" name="Trapezoid 7"/>
+          <p:cNvSpPr/>
+          <p:nvPr/>
+        </p:nvSpPr>
+        <p:spPr>
+          <a:xfrm>
+            <a:off x="3082187" y="1340090"/>
+            <a:ext cx="2880000" cy="257803"/>
+          </a:xfrm>
+          <a:prstGeom prst="trapezoid">
+            <a:avLst/>
+          </a:prstGeom>
+        </p:spPr>
+        <p:style>
+          <a:lnRef idx="2">
+            <a:schemeClr val="accent5">
+              <a:shade val="50000"/>
+            </a:schemeClr>
+          </a:lnRef>
+          <a:fillRef idx="1">
+            <a:schemeClr val="accent5"/>
+          </a:fillRef>
+          <a:effectRef idx="0">
+            <a:schemeClr val="accent5"/>
+          </a:effectRef>
+          <a:fontRef idx="minor">
+            <a:schemeClr val="lt1"/>
+          </a:fontRef>
+        </p:style>
+        <p:txBody>
+          <a:bodyPr rtlCol="0" anchor="ctr"/>
+          <a:lstStyle/>
+          <a:p>
+            <a:pPr algn="ctr"/>
+            <a:endParaRPr lang="zh-CN" altLang="en-US"/>
+          </a:p>
+        </p:txBody>
+      </p:sp>
       <p:grpSp>
         <p:nvGrpSpPr>
           <p:cNvPr id="41" name="Group 40"/>
@@ -2974,10 +3030,10 @@
         </p:nvGrpSpPr>
         <p:grpSpPr>
           <a:xfrm>
-            <a:off x="1281042" y="1837088"/>
-            <a:ext cx="1510724" cy="1259398"/>
-            <a:chOff x="-179853" y="1110764"/>
-            <a:chExt cx="1510724" cy="1259398"/>
+            <a:off x="1474134" y="1837088"/>
+            <a:ext cx="1317632" cy="1259398"/>
+            <a:chOff x="13239" y="1110764"/>
+            <a:chExt cx="1317632" cy="1259398"/>
           </a:xfrm>
         </p:grpSpPr>
         <p:pic>
@@ -3018,8 +3074,8 @@
           </p:nvSpPr>
           <p:spPr>
             <a:xfrm>
-              <a:off x="-179853" y="1797923"/>
-              <a:ext cx="1440000" cy="360000"/>
+              <a:off x="13239" y="1797923"/>
+              <a:ext cx="1246907" cy="360000"/>
             </a:xfrm>
             <a:prstGeom prst="rect">
               <a:avLst/>
@@ -3051,21 +3107,6 @@
             <a:p>
               <a:pPr algn="ctr"/>
               <a:r>
-                <a:rPr lang="en-US" altLang="zh-CN" sz="1200" dirty="0" err="1" smtClean="0">
-                  <a:solidFill>
-                    <a:sysClr val="windowText" lastClr="000000"/>
-                  </a:solidFill>
-                  <a:effectLst>
-                    <a:glow rad="228600">
-                      <a:schemeClr val="bg1">
-                        <a:alpha val="40000"/>
-                      </a:schemeClr>
-                    </a:glow>
-                  </a:effectLst>
-                </a:rPr>
-                <a:t>Git</a:t>
-              </a:r>
-              <a:r>
                 <a:rPr lang="zh-CN" altLang="en-US" sz="1200" dirty="0" smtClean="0">
                   <a:solidFill>
                     <a:sysClr val="windowText" lastClr="000000"/>
@@ -3078,7 +3119,7 @@
                     </a:glow>
                   </a:effectLst>
                 </a:rPr>
-                <a:t>模块化服务</a:t>
+                <a:t>标准操作规程</a:t>
               </a:r>
               <a:endParaRPr lang="zh-CN" altLang="en-US" sz="1200" dirty="0">
                 <a:solidFill>
@@ -3104,7 +3145,7 @@
         </p:nvSpPr>
         <p:spPr>
           <a:xfrm>
-            <a:off x="1256870" y="3571555"/>
+            <a:off x="1480183" y="3480045"/>
             <a:ext cx="1152000" cy="432000"/>
           </a:xfrm>
           <a:prstGeom prst="rect">
@@ -3134,7 +3175,7 @@
             <a:pPr algn="ctr"/>
             <a:r>
               <a:rPr lang="zh-CN" altLang="en-US" sz="1200" dirty="0" smtClean="0"/>
-              <a:t>学生科技社团</a:t>
+              <a:t>学生社团</a:t>
             </a:r>
             <a:endParaRPr lang="zh-CN" altLang="en-US" sz="1200" dirty="0"/>
           </a:p>
@@ -3148,7 +3189,7 @@
         </p:nvSpPr>
         <p:spPr>
           <a:xfrm>
-            <a:off x="1256870" y="4108187"/>
+            <a:off x="1480183" y="3922004"/>
             <a:ext cx="1152000" cy="432000"/>
           </a:xfrm>
           <a:prstGeom prst="rect">
@@ -3178,11 +3219,11 @@
             <a:pPr algn="ctr"/>
             <a:r>
               <a:rPr lang="zh-CN" altLang="en-US" sz="1200" dirty="0"/>
-              <a:t>知识产权</a:t>
+              <a:t>知识</a:t>
             </a:r>
             <a:r>
               <a:rPr lang="zh-CN" altLang="en-US" sz="1200" dirty="0" smtClean="0"/>
-              <a:t>管理</a:t>
+              <a:t>共享团队</a:t>
             </a:r>
             <a:endParaRPr lang="zh-CN" altLang="en-US" sz="1200" dirty="0"/>
           </a:p>
@@ -3196,7 +3237,7 @@
         </p:nvSpPr>
         <p:spPr>
           <a:xfrm>
-            <a:off x="1256870" y="4608676"/>
+            <a:off x="1480183" y="4363963"/>
             <a:ext cx="1152000" cy="432000"/>
           </a:xfrm>
           <a:prstGeom prst="rect">
@@ -3232,368 +3273,6 @@
           </a:p>
         </p:txBody>
       </p:sp>
-      <p:grpSp>
-        <p:nvGrpSpPr>
-          <p:cNvPr id="34" name="Group 33"/>
-          <p:cNvGrpSpPr/>
-          <p:nvPr/>
-        </p:nvGrpSpPr>
-        <p:grpSpPr>
-          <a:xfrm>
-            <a:off x="1438561" y="100338"/>
-            <a:ext cx="5760000" cy="905461"/>
-            <a:chOff x="1246056" y="-208382"/>
-            <a:chExt cx="5760000" cy="905461"/>
-          </a:xfrm>
-        </p:grpSpPr>
-        <p:sp>
-          <p:nvSpPr>
-            <p:cNvPr id="17" name="Rectangle 16"/>
-            <p:cNvSpPr/>
-            <p:nvPr/>
-          </p:nvSpPr>
-          <p:spPr>
-            <a:xfrm>
-              <a:off x="1246056" y="157079"/>
-              <a:ext cx="5760000" cy="540000"/>
-            </a:xfrm>
-            <a:prstGeom prst="rect">
-              <a:avLst/>
-            </a:prstGeom>
-          </p:spPr>
-          <p:style>
-            <a:lnRef idx="2">
-              <a:schemeClr val="accent6">
-                <a:shade val="50000"/>
-              </a:schemeClr>
-            </a:lnRef>
-            <a:fillRef idx="1">
-              <a:schemeClr val="accent6"/>
-            </a:fillRef>
-            <a:effectRef idx="0">
-              <a:schemeClr val="accent6"/>
-            </a:effectRef>
-            <a:fontRef idx="minor">
-              <a:schemeClr val="lt1"/>
-            </a:fontRef>
-          </p:style>
-          <p:txBody>
-            <a:bodyPr rtlCol="0" anchor="ctr"/>
-            <a:lstStyle/>
-            <a:p>
-              <a:pPr algn="ctr"/>
-              <a:r>
-                <a:rPr lang="zh-CN" altLang="en-US" dirty="0" smtClean="0"/>
-                <a:t>训练中心 先进加工制造 数字信息</a:t>
-              </a:r>
-              <a:r>
-                <a:rPr lang="zh-CN" altLang="en-US" dirty="0"/>
-                <a:t>平台</a:t>
-              </a:r>
-            </a:p>
-          </p:txBody>
-        </p:sp>
-        <p:sp>
-          <p:nvSpPr>
-            <p:cNvPr id="19" name="Rectangle 18"/>
-            <p:cNvSpPr/>
-            <p:nvPr/>
-          </p:nvSpPr>
-          <p:spPr>
-            <a:xfrm>
-              <a:off x="1246056" y="-208382"/>
-              <a:ext cx="1152000" cy="360000"/>
-            </a:xfrm>
-            <a:prstGeom prst="rect">
-              <a:avLst/>
-            </a:prstGeom>
-            <a:solidFill>
-              <a:schemeClr val="accent6">
-                <a:lumMod val="60000"/>
-                <a:lumOff val="40000"/>
-              </a:schemeClr>
-            </a:solidFill>
-          </p:spPr>
-          <p:style>
-            <a:lnRef idx="2">
-              <a:schemeClr val="accent6">
-                <a:shade val="50000"/>
-              </a:schemeClr>
-            </a:lnRef>
-            <a:fillRef idx="1">
-              <a:schemeClr val="accent6"/>
-            </a:fillRef>
-            <a:effectRef idx="0">
-              <a:schemeClr val="accent6"/>
-            </a:effectRef>
-            <a:fontRef idx="minor">
-              <a:schemeClr val="lt1"/>
-            </a:fontRef>
-          </p:style>
-          <p:txBody>
-            <a:bodyPr rtlCol="0" anchor="ctr"/>
-            <a:lstStyle/>
-            <a:p>
-              <a:pPr algn="ctr"/>
-              <a:r>
-                <a:rPr lang="zh-CN" altLang="en-US" sz="1200" dirty="0"/>
-                <a:t>精雕系统</a:t>
-              </a:r>
-            </a:p>
-          </p:txBody>
-        </p:sp>
-        <p:sp>
-          <p:nvSpPr>
-            <p:cNvPr id="20" name="Rectangle 19"/>
-            <p:cNvSpPr/>
-            <p:nvPr/>
-          </p:nvSpPr>
-          <p:spPr>
-            <a:xfrm>
-              <a:off x="2398056" y="-208382"/>
-              <a:ext cx="1152000" cy="360000"/>
-            </a:xfrm>
-            <a:prstGeom prst="rect">
-              <a:avLst/>
-            </a:prstGeom>
-            <a:solidFill>
-              <a:schemeClr val="accent6">
-                <a:lumMod val="60000"/>
-                <a:lumOff val="40000"/>
-              </a:schemeClr>
-            </a:solidFill>
-          </p:spPr>
-          <p:style>
-            <a:lnRef idx="2">
-              <a:schemeClr val="accent6">
-                <a:shade val="50000"/>
-              </a:schemeClr>
-            </a:lnRef>
-            <a:fillRef idx="1">
-              <a:schemeClr val="accent6"/>
-            </a:fillRef>
-            <a:effectRef idx="0">
-              <a:schemeClr val="accent6"/>
-            </a:effectRef>
-            <a:fontRef idx="minor">
-              <a:schemeClr val="lt1"/>
-            </a:fontRef>
-          </p:style>
-          <p:txBody>
-            <a:bodyPr rtlCol="0" anchor="ctr"/>
-            <a:lstStyle/>
-            <a:p>
-              <a:pPr algn="ctr"/>
-              <a:r>
-                <a:rPr lang="zh-CN" altLang="en-US" sz="1200" dirty="0"/>
-                <a:t>激光切割</a:t>
-              </a:r>
-            </a:p>
-          </p:txBody>
-        </p:sp>
-        <p:sp>
-          <p:nvSpPr>
-            <p:cNvPr id="21" name="Rectangle 20"/>
-            <p:cNvSpPr/>
-            <p:nvPr/>
-          </p:nvSpPr>
-          <p:spPr>
-            <a:xfrm>
-              <a:off x="3550056" y="-208382"/>
-              <a:ext cx="1152000" cy="360000"/>
-            </a:xfrm>
-            <a:prstGeom prst="rect">
-              <a:avLst/>
-            </a:prstGeom>
-            <a:solidFill>
-              <a:schemeClr val="accent6">
-                <a:lumMod val="60000"/>
-                <a:lumOff val="40000"/>
-              </a:schemeClr>
-            </a:solidFill>
-          </p:spPr>
-          <p:style>
-            <a:lnRef idx="2">
-              <a:schemeClr val="accent6">
-                <a:shade val="50000"/>
-              </a:schemeClr>
-            </a:lnRef>
-            <a:fillRef idx="1">
-              <a:schemeClr val="accent6"/>
-            </a:fillRef>
-            <a:effectRef idx="0">
-              <a:schemeClr val="accent6"/>
-            </a:effectRef>
-            <a:fontRef idx="minor">
-              <a:schemeClr val="lt1"/>
-            </a:fontRef>
-          </p:style>
-          <p:txBody>
-            <a:bodyPr rtlCol="0" anchor="ctr"/>
-            <a:lstStyle/>
-            <a:p>
-              <a:pPr algn="ctr"/>
-              <a:r>
-                <a:rPr lang="zh-CN" altLang="en-US" sz="1200" dirty="0" smtClean="0"/>
-                <a:t>快速成型制造</a:t>
-              </a:r>
-            </a:p>
-          </p:txBody>
-        </p:sp>
-        <p:sp>
-          <p:nvSpPr>
-            <p:cNvPr id="22" name="Rectangle 21"/>
-            <p:cNvSpPr/>
-            <p:nvPr/>
-          </p:nvSpPr>
-          <p:spPr>
-            <a:xfrm>
-              <a:off x="4702056" y="-208382"/>
-              <a:ext cx="1152000" cy="360000"/>
-            </a:xfrm>
-            <a:prstGeom prst="rect">
-              <a:avLst/>
-            </a:prstGeom>
-            <a:solidFill>
-              <a:schemeClr val="accent6">
-                <a:lumMod val="60000"/>
-                <a:lumOff val="40000"/>
-              </a:schemeClr>
-            </a:solidFill>
-          </p:spPr>
-          <p:style>
-            <a:lnRef idx="2">
-              <a:schemeClr val="accent6">
-                <a:shade val="50000"/>
-              </a:schemeClr>
-            </a:lnRef>
-            <a:fillRef idx="1">
-              <a:schemeClr val="accent6"/>
-            </a:fillRef>
-            <a:effectRef idx="0">
-              <a:schemeClr val="accent6"/>
-            </a:effectRef>
-            <a:fontRef idx="minor">
-              <a:schemeClr val="lt1"/>
-            </a:fontRef>
-          </p:style>
-          <p:txBody>
-            <a:bodyPr rtlCol="0" anchor="ctr"/>
-            <a:lstStyle/>
-            <a:p>
-              <a:pPr algn="ctr"/>
-              <a:r>
-                <a:rPr lang="zh-CN" altLang="en-US" sz="1200" dirty="0" smtClean="0"/>
-                <a:t>柔性制造单元</a:t>
-              </a:r>
-            </a:p>
-          </p:txBody>
-        </p:sp>
-        <p:sp>
-          <p:nvSpPr>
-            <p:cNvPr id="23" name="Rectangle 22"/>
-            <p:cNvSpPr/>
-            <p:nvPr/>
-          </p:nvSpPr>
-          <p:spPr>
-            <a:xfrm>
-              <a:off x="5854056" y="-208382"/>
-              <a:ext cx="1152000" cy="360000"/>
-            </a:xfrm>
-            <a:prstGeom prst="rect">
-              <a:avLst/>
-            </a:prstGeom>
-            <a:solidFill>
-              <a:schemeClr val="accent6">
-                <a:lumMod val="60000"/>
-                <a:lumOff val="40000"/>
-              </a:schemeClr>
-            </a:solidFill>
-          </p:spPr>
-          <p:style>
-            <a:lnRef idx="2">
-              <a:schemeClr val="accent6">
-                <a:shade val="50000"/>
-              </a:schemeClr>
-            </a:lnRef>
-            <a:fillRef idx="1">
-              <a:schemeClr val="accent6"/>
-            </a:fillRef>
-            <a:effectRef idx="0">
-              <a:schemeClr val="accent6"/>
-            </a:effectRef>
-            <a:fontRef idx="minor">
-              <a:schemeClr val="lt1"/>
-            </a:fontRef>
-          </p:style>
-          <p:txBody>
-            <a:bodyPr rtlCol="0" anchor="ctr"/>
-            <a:lstStyle/>
-            <a:p>
-              <a:pPr algn="ctr"/>
-              <a:r>
-                <a:rPr lang="zh-CN" altLang="en-US" sz="1200" dirty="0" smtClean="0"/>
-                <a:t>多工种协同</a:t>
-              </a:r>
-              <a:endParaRPr lang="zh-CN" altLang="en-US" sz="1200" dirty="0"/>
-            </a:p>
-          </p:txBody>
-        </p:sp>
-      </p:grpSp>
-      <p:sp>
-        <p:nvSpPr>
-          <p:cNvPr id="24" name="Rectangle 23"/>
-          <p:cNvSpPr/>
-          <p:nvPr/>
-        </p:nvSpPr>
-        <p:spPr>
-          <a:xfrm>
-            <a:off x="228957" y="2608857"/>
-            <a:ext cx="432651" cy="3325091"/>
-          </a:xfrm>
-          <a:prstGeom prst="rect">
-            <a:avLst/>
-          </a:prstGeom>
-        </p:spPr>
-        <p:style>
-          <a:lnRef idx="1">
-            <a:schemeClr val="accent3"/>
-          </a:lnRef>
-          <a:fillRef idx="2">
-            <a:schemeClr val="accent3"/>
-          </a:fillRef>
-          <a:effectRef idx="1">
-            <a:schemeClr val="accent3"/>
-          </a:effectRef>
-          <a:fontRef idx="minor">
-            <a:schemeClr val="dk1"/>
-          </a:fontRef>
-        </p:style>
-        <p:txBody>
-          <a:bodyPr rtlCol="0" anchor="ctr"/>
-          <a:lstStyle/>
-          <a:p>
-            <a:pPr algn="ctr"/>
-            <a:r>
-              <a:rPr lang="zh-CN" altLang="en-US" dirty="0" smtClean="0"/>
-              <a:t>实践教学单元</a:t>
-            </a:r>
-            <a:endParaRPr lang="en-US" altLang="zh-CN" dirty="0" smtClean="0"/>
-          </a:p>
-          <a:p>
-            <a:pPr algn="ctr"/>
-            <a:endParaRPr lang="en-US" altLang="zh-CN" dirty="0" smtClean="0"/>
-          </a:p>
-          <a:p>
-            <a:pPr algn="ctr"/>
-            <a:r>
-              <a:rPr lang="zh-CN" altLang="en-US" dirty="0" smtClean="0"/>
-              <a:t>学生项目</a:t>
-            </a:r>
-            <a:endParaRPr lang="zh-CN" altLang="en-US" dirty="0"/>
-          </a:p>
-        </p:txBody>
-      </p:sp>
       <p:sp>
         <p:nvSpPr>
           <p:cNvPr id="26" name="Rectangle 25"/>
@@ -3602,7 +3281,7 @@
         </p:nvSpPr>
         <p:spPr>
           <a:xfrm>
-            <a:off x="1256870" y="5120770"/>
+            <a:off x="1480183" y="4795963"/>
             <a:ext cx="1152000" cy="432000"/>
           </a:xfrm>
           <a:prstGeom prst="rect">
@@ -3632,7 +3311,11 @@
             <a:pPr algn="ctr"/>
             <a:r>
               <a:rPr lang="zh-CN" altLang="en-US" sz="1200" dirty="0" smtClean="0"/>
-              <a:t>法律架构</a:t>
+              <a:t>法律</a:t>
+            </a:r>
+            <a:r>
+              <a:rPr lang="zh-CN" altLang="en-US" sz="1200" dirty="0" smtClean="0"/>
+              <a:t>支持团队</a:t>
             </a:r>
             <a:endParaRPr lang="zh-CN" altLang="en-US" sz="1200" dirty="0"/>
           </a:p>
@@ -3646,7 +3329,7 @@
         </p:nvSpPr>
         <p:spPr>
           <a:xfrm>
-            <a:off x="2632184" y="6039637"/>
+            <a:off x="2632184" y="5234101"/>
             <a:ext cx="3600001" cy="432000"/>
           </a:xfrm>
           <a:prstGeom prst="rect">
@@ -3690,8 +3373,8 @@
         </p:nvSpPr>
         <p:spPr>
           <a:xfrm>
-            <a:off x="1383625" y="2202072"/>
-            <a:ext cx="4968000" cy="720000"/>
+            <a:off x="1597891" y="2202072"/>
+            <a:ext cx="4753734" cy="720000"/>
           </a:xfrm>
           <a:prstGeom prst="roundRect">
             <a:avLst/>
@@ -3879,6 +3562,86 @@
         </p:sp>
         <p:sp>
           <p:nvSpPr>
+            <p:cNvPr id="46" name="Rectangle 45"/>
+            <p:cNvSpPr/>
+            <p:nvPr/>
+          </p:nvSpPr>
+          <p:spPr>
+            <a:xfrm>
+              <a:off x="6119437" y="4170388"/>
+              <a:ext cx="2129701" cy="827814"/>
+            </a:xfrm>
+            <a:prstGeom prst="rect">
+              <a:avLst/>
+            </a:prstGeom>
+            <a:noFill/>
+            <a:ln>
+              <a:noFill/>
+            </a:ln>
+          </p:spPr>
+          <p:style>
+            <a:lnRef idx="2">
+              <a:schemeClr val="accent1">
+                <a:shade val="50000"/>
+              </a:schemeClr>
+            </a:lnRef>
+            <a:fillRef idx="1">
+              <a:schemeClr val="accent1"/>
+            </a:fillRef>
+            <a:effectRef idx="0">
+              <a:schemeClr val="accent1"/>
+            </a:effectRef>
+            <a:fontRef idx="minor">
+              <a:schemeClr val="lt1"/>
+            </a:fontRef>
+          </p:style>
+          <p:txBody>
+            <a:bodyPr rtlCol="0" anchor="ctr"/>
+            <a:lstStyle/>
+            <a:p>
+              <a:pPr algn="ctr"/>
+              <a:r>
+                <a:rPr lang="en-US" altLang="zh-CN" dirty="0" smtClean="0">
+                  <a:solidFill>
+                    <a:schemeClr val="tx1"/>
+                  </a:solidFill>
+                </a:rPr>
+                <a:t>Tele Presence</a:t>
+              </a:r>
+              <a:r>
+                <a:rPr lang="zh-CN" altLang="en-US" dirty="0" smtClean="0">
+                  <a:solidFill>
+                    <a:schemeClr val="tx1"/>
+                  </a:solidFill>
+                </a:rPr>
+                <a:t>技术</a:t>
+              </a:r>
+              <a:endParaRPr lang="en-US" altLang="zh-CN" dirty="0" smtClean="0">
+                <a:solidFill>
+                  <a:schemeClr val="tx1"/>
+                </a:solidFill>
+              </a:endParaRPr>
+            </a:p>
+            <a:p>
+              <a:pPr algn="ctr"/>
+              <a:r>
+                <a:rPr lang="zh-CN" altLang="en-US" dirty="0" smtClean="0">
+                  <a:solidFill>
+                    <a:schemeClr val="tx1"/>
+                  </a:solidFill>
+                </a:rPr>
+                <a:t>视频会议</a:t>
+              </a:r>
+              <a:endParaRPr lang="zh-CN" altLang="en-US" dirty="0">
+                <a:solidFill>
+                  <a:schemeClr val="tx1"/>
+                </a:solidFill>
+              </a:endParaRPr>
+            </a:p>
+          </p:txBody>
+        </p:sp>
+        <p:sp>
+          <p:nvSpPr>
             <p:cNvPr id="28" name="Rounded Rectangle 27"/>
             <p:cNvSpPr/>
             <p:nvPr/>
@@ -3963,86 +3726,6 @@
             </a:p>
           </p:txBody>
         </p:sp>
-        <p:sp>
-          <p:nvSpPr>
-            <p:cNvPr id="46" name="Rectangle 45"/>
-            <p:cNvSpPr/>
-            <p:nvPr/>
-          </p:nvSpPr>
-          <p:spPr>
-            <a:xfrm>
-              <a:off x="6119437" y="4170388"/>
-              <a:ext cx="2129701" cy="827814"/>
-            </a:xfrm>
-            <a:prstGeom prst="rect">
-              <a:avLst/>
-            </a:prstGeom>
-            <a:noFill/>
-            <a:ln>
-              <a:noFill/>
-            </a:ln>
-          </p:spPr>
-          <p:style>
-            <a:lnRef idx="2">
-              <a:schemeClr val="accent1">
-                <a:shade val="50000"/>
-              </a:schemeClr>
-            </a:lnRef>
-            <a:fillRef idx="1">
-              <a:schemeClr val="accent1"/>
-            </a:fillRef>
-            <a:effectRef idx="0">
-              <a:schemeClr val="accent1"/>
-            </a:effectRef>
-            <a:fontRef idx="minor">
-              <a:schemeClr val="lt1"/>
-            </a:fontRef>
-          </p:style>
-          <p:txBody>
-            <a:bodyPr rtlCol="0" anchor="ctr"/>
-            <a:lstStyle/>
-            <a:p>
-              <a:pPr algn="ctr"/>
-              <a:r>
-                <a:rPr lang="en-US" altLang="zh-CN" dirty="0" smtClean="0">
-                  <a:solidFill>
-                    <a:schemeClr val="tx1"/>
-                  </a:solidFill>
-                </a:rPr>
-                <a:t>Tele Presence</a:t>
-              </a:r>
-              <a:r>
-                <a:rPr lang="zh-CN" altLang="en-US" dirty="0" smtClean="0">
-                  <a:solidFill>
-                    <a:schemeClr val="tx1"/>
-                  </a:solidFill>
-                </a:rPr>
-                <a:t>技术</a:t>
-              </a:r>
-              <a:endParaRPr lang="en-US" altLang="zh-CN" dirty="0" smtClean="0">
-                <a:solidFill>
-                  <a:schemeClr val="tx1"/>
-                </a:solidFill>
-              </a:endParaRPr>
-            </a:p>
-            <a:p>
-              <a:pPr algn="ctr"/>
-              <a:r>
-                <a:rPr lang="zh-CN" altLang="en-US" dirty="0" smtClean="0">
-                  <a:solidFill>
-                    <a:schemeClr val="tx1"/>
-                  </a:solidFill>
-                </a:rPr>
-                <a:t>视频会议</a:t>
-              </a:r>
-              <a:endParaRPr lang="zh-CN" altLang="en-US" dirty="0">
-                <a:solidFill>
-                  <a:schemeClr val="tx1"/>
-                </a:solidFill>
-              </a:endParaRPr>
-            </a:p>
-          </p:txBody>
-        </p:sp>
       </p:grpSp>
       <p:sp>
         <p:nvSpPr>
@@ -4100,7 +3783,7 @@
         <p:spPr>
           <a:xfrm>
             <a:off x="2632185" y="3480046"/>
-            <a:ext cx="3600001" cy="1800000"/>
+            <a:ext cx="3600001" cy="1754055"/>
           </a:xfrm>
           <a:prstGeom prst="rect">
             <a:avLst/>
@@ -4191,15 +3874,11 @@
               </a:pPr>
               <a:r>
                 <a:rPr lang="zh-CN" altLang="en-US" dirty="0"/>
-                <a:t>专属</a:t>
-              </a:r>
-              <a:r>
-                <a:rPr lang="en-US" altLang="zh-CN" dirty="0" err="1" smtClean="0"/>
-                <a:t>GitLab</a:t>
+                <a:t>数据</a:t>
               </a:r>
               <a:r>
                 <a:rPr lang="zh-CN" altLang="en-US" dirty="0" smtClean="0"/>
-                <a:t>数据平台</a:t>
+                <a:t>服务及版本控制平台</a:t>
               </a:r>
               <a:endParaRPr lang="zh-CN" altLang="en-US" dirty="0"/>
             </a:p>
@@ -4408,64 +4087,13 @@
       </p:grpSp>
       <p:sp>
         <p:nvSpPr>
-          <p:cNvPr id="51" name="Rectangle 50"/>
-          <p:cNvSpPr/>
-          <p:nvPr/>
-        </p:nvSpPr>
-        <p:spPr>
-          <a:xfrm>
-            <a:off x="2956187" y="1045760"/>
-            <a:ext cx="1152000" cy="432000"/>
-          </a:xfrm>
-          <a:prstGeom prst="rect">
-            <a:avLst/>
-          </a:prstGeom>
-          <a:ln>
-            <a:noFill/>
-          </a:ln>
-        </p:spPr>
-        <p:style>
-          <a:lnRef idx="2">
-            <a:schemeClr val="accent1">
-              <a:shade val="50000"/>
-            </a:schemeClr>
-          </a:lnRef>
-          <a:fillRef idx="1">
-            <a:schemeClr val="accent1"/>
-          </a:fillRef>
-          <a:effectRef idx="0">
-            <a:schemeClr val="accent1"/>
-          </a:effectRef>
-          <a:fontRef idx="minor">
-            <a:schemeClr val="lt1"/>
-          </a:fontRef>
-        </p:style>
-        <p:txBody>
-          <a:bodyPr rtlCol="0" anchor="ctr"/>
-          <a:lstStyle/>
-          <a:p>
-            <a:pPr algn="ctr"/>
-            <a:r>
-              <a:rPr lang="en-US" altLang="zh-CN" sz="1200" dirty="0" err="1" smtClean="0"/>
-              <a:t>Git</a:t>
-            </a:r>
-            <a:r>
-              <a:rPr lang="zh-CN" altLang="en-US" sz="1200" dirty="0" smtClean="0"/>
-              <a:t>模块化</a:t>
-            </a:r>
-            <a:endParaRPr lang="zh-CN" altLang="en-US" sz="1200" dirty="0"/>
-          </a:p>
-        </p:txBody>
-      </p:sp>
-      <p:sp>
-        <p:nvSpPr>
           <p:cNvPr id="52" name="Rectangle 51"/>
           <p:cNvSpPr/>
           <p:nvPr/>
         </p:nvSpPr>
         <p:spPr>
           <a:xfrm>
-            <a:off x="1256870" y="5717948"/>
+            <a:off x="1480183" y="5231669"/>
             <a:ext cx="1152000" cy="432000"/>
           </a:xfrm>
           <a:prstGeom prst="rect">
@@ -4509,7 +4137,7 @@
         </p:nvSpPr>
         <p:spPr>
           <a:xfrm>
-            <a:off x="1256870" y="6315126"/>
+            <a:off x="1480183" y="5667375"/>
             <a:ext cx="1152000" cy="432000"/>
           </a:xfrm>
           <a:prstGeom prst="rect">
@@ -4545,42 +4173,389 @@
           </a:p>
         </p:txBody>
       </p:sp>
-      <p:pic>
-        <p:nvPicPr>
-          <p:cNvPr id="2" name="Picture 1" descr="精雕产品.JPG"/>
-          <p:cNvPicPr>
-            <a:picLocks noChangeAspect="1"/>
-          </p:cNvPicPr>
+      <p:grpSp>
+        <p:nvGrpSpPr>
+          <p:cNvPr id="7" name="Group 6"/>
+          <p:cNvGrpSpPr/>
           <p:nvPr/>
-        </p:nvPicPr>
-        <p:blipFill>
-          <a:blip r:embed="rId3">
-            <a:extLst>
-              <a:ext uri="{28A0092B-C50C-407E-A947-70E740481C1C}">
-                <a14:useLocalDpi xmlns:a14="http://schemas.microsoft.com/office/drawing/2010/main" val="0"/>
-              </a:ext>
-            </a:extLst>
-          </a:blip>
-          <a:stretch>
-            <a:fillRect/>
-          </a:stretch>
-        </p:blipFill>
-        <p:spPr>
+        </p:nvGrpSpPr>
+        <p:grpSpPr>
           <a:xfrm>
-            <a:off x="727397" y="534313"/>
-            <a:ext cx="1214468" cy="910851"/>
+            <a:off x="727397" y="496870"/>
+            <a:ext cx="6471164" cy="1344826"/>
+            <a:chOff x="727397" y="100338"/>
+            <a:chExt cx="6471164" cy="1344826"/>
           </a:xfrm>
-          <a:prstGeom prst="rect">
-            <a:avLst/>
-          </a:prstGeom>
-          <a:ln>
-            <a:noFill/>
-          </a:ln>
-          <a:effectLst>
-            <a:softEdge rad="112500"/>
-          </a:effectLst>
-        </p:spPr>
-      </p:pic>
+        </p:grpSpPr>
+        <p:grpSp>
+          <p:nvGrpSpPr>
+            <p:cNvPr id="34" name="Group 33"/>
+            <p:cNvGrpSpPr/>
+            <p:nvPr/>
+          </p:nvGrpSpPr>
+          <p:grpSpPr>
+            <a:xfrm>
+              <a:off x="1438561" y="100338"/>
+              <a:ext cx="5760000" cy="905461"/>
+              <a:chOff x="1246056" y="-208382"/>
+              <a:chExt cx="5760000" cy="905461"/>
+            </a:xfrm>
+          </p:grpSpPr>
+          <p:sp>
+            <p:nvSpPr>
+              <p:cNvPr id="17" name="Rectangle 16"/>
+              <p:cNvSpPr/>
+              <p:nvPr/>
+            </p:nvSpPr>
+            <p:spPr>
+              <a:xfrm>
+                <a:off x="1246056" y="157079"/>
+                <a:ext cx="5760000" cy="540000"/>
+              </a:xfrm>
+              <a:prstGeom prst="rect">
+                <a:avLst/>
+              </a:prstGeom>
+            </p:spPr>
+            <p:style>
+              <a:lnRef idx="2">
+                <a:schemeClr val="accent6">
+                  <a:shade val="50000"/>
+                </a:schemeClr>
+              </a:lnRef>
+              <a:fillRef idx="1">
+                <a:schemeClr val="accent6"/>
+              </a:fillRef>
+              <a:effectRef idx="0">
+                <a:schemeClr val="accent6"/>
+              </a:effectRef>
+              <a:fontRef idx="minor">
+                <a:schemeClr val="lt1"/>
+              </a:fontRef>
+            </p:style>
+            <p:txBody>
+              <a:bodyPr rtlCol="0" anchor="ctr"/>
+              <a:lstStyle/>
+              <a:p>
+                <a:pPr algn="ctr"/>
+                <a:r>
+                  <a:rPr lang="zh-CN" altLang="en-US" dirty="0" smtClean="0"/>
+                  <a:t>训练中心 先进加工制造 数字信息</a:t>
+                </a:r>
+                <a:r>
+                  <a:rPr lang="zh-CN" altLang="en-US" dirty="0"/>
+                  <a:t>平台</a:t>
+                </a:r>
+              </a:p>
+            </p:txBody>
+          </p:sp>
+          <p:sp>
+            <p:nvSpPr>
+              <p:cNvPr id="19" name="Rectangle 18"/>
+              <p:cNvSpPr/>
+              <p:nvPr/>
+            </p:nvSpPr>
+            <p:spPr>
+              <a:xfrm>
+                <a:off x="1246056" y="-208382"/>
+                <a:ext cx="1152000" cy="360000"/>
+              </a:xfrm>
+              <a:prstGeom prst="rect">
+                <a:avLst/>
+              </a:prstGeom>
+              <a:solidFill>
+                <a:schemeClr val="accent6">
+                  <a:lumMod val="60000"/>
+                  <a:lumOff val="40000"/>
+                </a:schemeClr>
+              </a:solidFill>
+            </p:spPr>
+            <p:style>
+              <a:lnRef idx="2">
+                <a:schemeClr val="accent6">
+                  <a:shade val="50000"/>
+                </a:schemeClr>
+              </a:lnRef>
+              <a:fillRef idx="1">
+                <a:schemeClr val="accent6"/>
+              </a:fillRef>
+              <a:effectRef idx="0">
+                <a:schemeClr val="accent6"/>
+              </a:effectRef>
+              <a:fontRef idx="minor">
+                <a:schemeClr val="lt1"/>
+              </a:fontRef>
+            </p:style>
+            <p:txBody>
+              <a:bodyPr rtlCol="0" anchor="ctr"/>
+              <a:lstStyle/>
+              <a:p>
+                <a:pPr algn="ctr"/>
+                <a:r>
+                  <a:rPr lang="zh-CN" altLang="en-US" sz="1200" b="1" dirty="0">
+                    <a:solidFill>
+                      <a:schemeClr val="tx1"/>
+                    </a:solidFill>
+                  </a:rPr>
+                  <a:t>精雕系统</a:t>
+                </a:r>
+              </a:p>
+            </p:txBody>
+          </p:sp>
+          <p:sp>
+            <p:nvSpPr>
+              <p:cNvPr id="20" name="Rectangle 19"/>
+              <p:cNvSpPr/>
+              <p:nvPr/>
+            </p:nvSpPr>
+            <p:spPr>
+              <a:xfrm>
+                <a:off x="2398056" y="-208382"/>
+                <a:ext cx="1152000" cy="360000"/>
+              </a:xfrm>
+              <a:prstGeom prst="rect">
+                <a:avLst/>
+              </a:prstGeom>
+              <a:solidFill>
+                <a:schemeClr val="accent6">
+                  <a:lumMod val="60000"/>
+                  <a:lumOff val="40000"/>
+                </a:schemeClr>
+              </a:solidFill>
+            </p:spPr>
+            <p:style>
+              <a:lnRef idx="2">
+                <a:schemeClr val="accent6">
+                  <a:shade val="50000"/>
+                </a:schemeClr>
+              </a:lnRef>
+              <a:fillRef idx="1">
+                <a:schemeClr val="accent6"/>
+              </a:fillRef>
+              <a:effectRef idx="0">
+                <a:schemeClr val="accent6"/>
+              </a:effectRef>
+              <a:fontRef idx="minor">
+                <a:schemeClr val="lt1"/>
+              </a:fontRef>
+            </p:style>
+            <p:txBody>
+              <a:bodyPr rtlCol="0" anchor="ctr"/>
+              <a:lstStyle/>
+              <a:p>
+                <a:pPr algn="ctr"/>
+                <a:r>
+                  <a:rPr lang="zh-CN" altLang="en-US" sz="1200" b="1" dirty="0">
+                    <a:solidFill>
+                      <a:schemeClr val="tx1"/>
+                    </a:solidFill>
+                  </a:rPr>
+                  <a:t>激光切割</a:t>
+                </a:r>
+              </a:p>
+            </p:txBody>
+          </p:sp>
+          <p:sp>
+            <p:nvSpPr>
+              <p:cNvPr id="21" name="Rectangle 20"/>
+              <p:cNvSpPr/>
+              <p:nvPr/>
+            </p:nvSpPr>
+            <p:spPr>
+              <a:xfrm>
+                <a:off x="3550056" y="-208382"/>
+                <a:ext cx="1152000" cy="360000"/>
+              </a:xfrm>
+              <a:prstGeom prst="rect">
+                <a:avLst/>
+              </a:prstGeom>
+              <a:solidFill>
+                <a:schemeClr val="accent6">
+                  <a:lumMod val="60000"/>
+                  <a:lumOff val="40000"/>
+                </a:schemeClr>
+              </a:solidFill>
+            </p:spPr>
+            <p:style>
+              <a:lnRef idx="2">
+                <a:schemeClr val="accent6">
+                  <a:shade val="50000"/>
+                </a:schemeClr>
+              </a:lnRef>
+              <a:fillRef idx="1">
+                <a:schemeClr val="accent6"/>
+              </a:fillRef>
+              <a:effectRef idx="0">
+                <a:schemeClr val="accent6"/>
+              </a:effectRef>
+              <a:fontRef idx="minor">
+                <a:schemeClr val="lt1"/>
+              </a:fontRef>
+            </p:style>
+            <p:txBody>
+              <a:bodyPr rtlCol="0" anchor="ctr"/>
+              <a:lstStyle/>
+              <a:p>
+                <a:pPr algn="ctr"/>
+                <a:r>
+                  <a:rPr lang="zh-CN" altLang="en-US" sz="1200" b="1" dirty="0" smtClean="0">
+                    <a:solidFill>
+                      <a:schemeClr val="tx1"/>
+                    </a:solidFill>
+                  </a:rPr>
+                  <a:t>快速成型制造</a:t>
+                </a:r>
+              </a:p>
+            </p:txBody>
+          </p:sp>
+          <p:sp>
+            <p:nvSpPr>
+              <p:cNvPr id="22" name="Rectangle 21"/>
+              <p:cNvSpPr/>
+              <p:nvPr/>
+            </p:nvSpPr>
+            <p:spPr>
+              <a:xfrm>
+                <a:off x="4702056" y="-208382"/>
+                <a:ext cx="1152000" cy="360000"/>
+              </a:xfrm>
+              <a:prstGeom prst="rect">
+                <a:avLst/>
+              </a:prstGeom>
+              <a:solidFill>
+                <a:schemeClr val="accent6">
+                  <a:lumMod val="60000"/>
+                  <a:lumOff val="40000"/>
+                </a:schemeClr>
+              </a:solidFill>
+            </p:spPr>
+            <p:style>
+              <a:lnRef idx="2">
+                <a:schemeClr val="accent6">
+                  <a:shade val="50000"/>
+                </a:schemeClr>
+              </a:lnRef>
+              <a:fillRef idx="1">
+                <a:schemeClr val="accent6"/>
+              </a:fillRef>
+              <a:effectRef idx="0">
+                <a:schemeClr val="accent6"/>
+              </a:effectRef>
+              <a:fontRef idx="minor">
+                <a:schemeClr val="lt1"/>
+              </a:fontRef>
+            </p:style>
+            <p:txBody>
+              <a:bodyPr rtlCol="0" anchor="ctr"/>
+              <a:lstStyle/>
+              <a:p>
+                <a:pPr algn="ctr"/>
+                <a:r>
+                  <a:rPr lang="zh-CN" altLang="en-US" sz="1200" b="1" dirty="0" smtClean="0">
+                    <a:solidFill>
+                      <a:schemeClr val="tx1"/>
+                    </a:solidFill>
+                  </a:rPr>
+                  <a:t>柔性制造单元</a:t>
+                </a:r>
+              </a:p>
+            </p:txBody>
+          </p:sp>
+          <p:sp>
+            <p:nvSpPr>
+              <p:cNvPr id="23" name="Rectangle 22"/>
+              <p:cNvSpPr/>
+              <p:nvPr/>
+            </p:nvSpPr>
+            <p:spPr>
+              <a:xfrm>
+                <a:off x="5854056" y="-208382"/>
+                <a:ext cx="1152000" cy="360000"/>
+              </a:xfrm>
+              <a:prstGeom prst="rect">
+                <a:avLst/>
+              </a:prstGeom>
+              <a:solidFill>
+                <a:schemeClr val="accent6">
+                  <a:lumMod val="60000"/>
+                  <a:lumOff val="40000"/>
+                </a:schemeClr>
+              </a:solidFill>
+            </p:spPr>
+            <p:style>
+              <a:lnRef idx="2">
+                <a:schemeClr val="accent6">
+                  <a:shade val="50000"/>
+                </a:schemeClr>
+              </a:lnRef>
+              <a:fillRef idx="1">
+                <a:schemeClr val="accent6"/>
+              </a:fillRef>
+              <a:effectRef idx="0">
+                <a:schemeClr val="accent6"/>
+              </a:effectRef>
+              <a:fontRef idx="minor">
+                <a:schemeClr val="lt1"/>
+              </a:fontRef>
+            </p:style>
+            <p:txBody>
+              <a:bodyPr rtlCol="0" anchor="ctr"/>
+              <a:lstStyle/>
+              <a:p>
+                <a:pPr algn="ctr"/>
+                <a:r>
+                  <a:rPr lang="zh-CN" altLang="en-US" sz="1200" b="1" dirty="0" smtClean="0">
+                    <a:solidFill>
+                      <a:schemeClr val="tx1"/>
+                    </a:solidFill>
+                  </a:rPr>
+                  <a:t>多工种协同</a:t>
+                </a:r>
+                <a:endParaRPr lang="zh-CN" altLang="en-US" sz="1200" b="1" dirty="0">
+                  <a:solidFill>
+                    <a:schemeClr val="tx1"/>
+                  </a:solidFill>
+                </a:endParaRPr>
+              </a:p>
+            </p:txBody>
+          </p:sp>
+        </p:grpSp>
+        <p:pic>
+          <p:nvPicPr>
+            <p:cNvPr id="2" name="Picture 1" descr="精雕产品.JPG"/>
+            <p:cNvPicPr>
+              <a:picLocks noChangeAspect="1"/>
+            </p:cNvPicPr>
+            <p:nvPr/>
+          </p:nvPicPr>
+          <p:blipFill>
+            <a:blip r:embed="rId3" cstate="print">
+              <a:extLst>
+                <a:ext uri="{28A0092B-C50C-407E-A947-70E740481C1C}">
+                  <a14:useLocalDpi xmlns:a14="http://schemas.microsoft.com/office/drawing/2010/main" val="0"/>
+                </a:ext>
+              </a:extLst>
+            </a:blip>
+            <a:stretch>
+              <a:fillRect/>
+            </a:stretch>
+          </p:blipFill>
+          <p:spPr>
+            <a:xfrm>
+              <a:off x="727397" y="534313"/>
+              <a:ext cx="1214468" cy="910851"/>
+            </a:xfrm>
+            <a:prstGeom prst="rect">
+              <a:avLst/>
+            </a:prstGeom>
+            <a:ln>
+              <a:noFill/>
+            </a:ln>
+            <a:effectLst>
+              <a:softEdge rad="112500"/>
+            </a:effectLst>
+          </p:spPr>
+        </p:pic>
+      </p:grpSp>
       <p:pic>
         <p:nvPicPr>
           <p:cNvPr id="4" name="Picture 3" descr="Cisco Telepresence.jpg"/>
@@ -4620,7 +4595,7 @@
           <p:nvPr/>
         </p:nvPicPr>
         <p:blipFill>
-          <a:blip r:embed="rId5">
+          <a:blip r:embed="rId5" cstate="print">
             <a:extLst>
               <a:ext uri="{28A0092B-C50C-407E-A947-70E740481C1C}">
                 <a14:useLocalDpi xmlns:a14="http://schemas.microsoft.com/office/drawing/2010/main" val="0"/>
@@ -4643,78 +4618,254 @@
       </p:pic>
       <p:sp>
         <p:nvSpPr>
-          <p:cNvPr id="5" name="TextBox 4"/>
-          <p:cNvSpPr txBox="1"/>
+          <p:cNvPr id="45" name="Rectangle 44"/>
+          <p:cNvSpPr/>
           <p:nvPr/>
         </p:nvSpPr>
         <p:spPr>
           <a:xfrm>
-            <a:off x="-565329" y="1966896"/>
-            <a:ext cx="2723823" cy="646331"/>
+            <a:off x="2632185" y="5660873"/>
+            <a:ext cx="756000" cy="432000"/>
           </a:xfrm>
           <a:prstGeom prst="rect">
             <a:avLst/>
           </a:prstGeom>
-          <a:noFill/>
+          <a:solidFill>
+            <a:schemeClr val="accent1">
+              <a:lumMod val="50000"/>
+            </a:schemeClr>
+          </a:solidFill>
         </p:spPr>
-        <p:txBody>
-          <a:bodyPr wrap="none" rtlCol="0">
-            <a:spAutoFit/>
-          </a:bodyPr>
-          <a:lstStyle/>
-          <a:p>
-            <a:r>
-              <a:rPr lang="zh-CN" altLang="en-US" dirty="0" smtClean="0"/>
-              <a:t>运作标准</a:t>
-            </a:r>
-            <a:r>
-              <a:rPr lang="en-US" altLang="zh-CN" dirty="0" smtClean="0"/>
-              <a:t>Code</a:t>
-            </a:r>
-          </a:p>
-          <a:p>
-            <a:r>
-              <a:rPr lang="zh-CN" altLang="zh-CN" dirty="0" smtClean="0"/>
-              <a:t>（</a:t>
-            </a:r>
-            <a:r>
-              <a:rPr lang="zh-CN" altLang="en-US" dirty="0" smtClean="0"/>
-              <a:t>需要用法律语言描述）</a:t>
-            </a:r>
-            <a:endParaRPr lang="en-US" altLang="zh-CN" dirty="0" smtClean="0"/>
-          </a:p>
-        </p:txBody>
-      </p:sp>
-      <p:pic>
-        <p:nvPicPr>
-          <p:cNvPr id="6" name="Picture 5" descr="4-forces-four-forces.png"/>
-          <p:cNvPicPr>
-            <a:picLocks noChangeAspect="1"/>
-          </p:cNvPicPr>
+        <p:style>
+          <a:lnRef idx="2">
+            <a:schemeClr val="accent1">
+              <a:shade val="50000"/>
+            </a:schemeClr>
+          </a:lnRef>
+          <a:fillRef idx="1">
+            <a:schemeClr val="accent1"/>
+          </a:fillRef>
+          <a:effectRef idx="0">
+            <a:schemeClr val="accent1"/>
+          </a:effectRef>
+          <a:fontRef idx="minor">
+            <a:schemeClr val="lt1"/>
+          </a:fontRef>
+        </p:style>
+        <p:txBody>
+          <a:bodyPr rtlCol="0" anchor="ctr"/>
+          <a:lstStyle/>
+          <a:p>
+            <a:pPr algn="ctr"/>
+            <a:r>
+              <a:rPr lang="zh-CN" altLang="en-US" sz="1000" dirty="0" smtClean="0"/>
+              <a:t>专利管理</a:t>
+            </a:r>
+            <a:endParaRPr lang="zh-CN" altLang="en-US" sz="1000" dirty="0"/>
+          </a:p>
+        </p:txBody>
+      </p:sp>
+      <p:sp>
+        <p:nvSpPr>
+          <p:cNvPr id="47" name="Rectangle 46"/>
+          <p:cNvSpPr/>
           <p:nvPr/>
-        </p:nvPicPr>
-        <p:blipFill>
-          <a:blip r:embed="rId6">
-            <a:extLst>
-              <a:ext uri="{28A0092B-C50C-407E-A947-70E740481C1C}">
-                <a14:useLocalDpi xmlns:a14="http://schemas.microsoft.com/office/drawing/2010/main" val="0"/>
-              </a:ext>
-            </a:extLst>
-          </a:blip>
-          <a:stretch>
-            <a:fillRect/>
-          </a:stretch>
-        </p:blipFill>
+        </p:nvSpPr>
         <p:spPr>
           <a:xfrm>
-            <a:off x="6536130" y="1717184"/>
-            <a:ext cx="5626233" cy="3565922"/>
+            <a:off x="3388185" y="5660873"/>
+            <a:ext cx="1000011" cy="432000"/>
+          </a:xfrm>
+          <a:prstGeom prst="rect">
+            <a:avLst/>
+          </a:prstGeom>
+          <a:solidFill>
+            <a:schemeClr val="accent1">
+              <a:lumMod val="50000"/>
+            </a:schemeClr>
+          </a:solidFill>
+        </p:spPr>
+        <p:style>
+          <a:lnRef idx="2">
+            <a:schemeClr val="accent1">
+              <a:shade val="50000"/>
+            </a:schemeClr>
+          </a:lnRef>
+          <a:fillRef idx="1">
+            <a:schemeClr val="accent1"/>
+          </a:fillRef>
+          <a:effectRef idx="0">
+            <a:schemeClr val="accent1"/>
+          </a:effectRef>
+          <a:fontRef idx="minor">
+            <a:schemeClr val="lt1"/>
+          </a:fontRef>
+        </p:style>
+        <p:txBody>
+          <a:bodyPr rtlCol="0" anchor="ctr"/>
+          <a:lstStyle/>
+          <a:p>
+            <a:pPr algn="ctr"/>
+            <a:r>
+              <a:rPr lang="zh-CN" altLang="en-US" sz="1000" dirty="0" smtClean="0"/>
+              <a:t>供应链战略</a:t>
+            </a:r>
+            <a:endParaRPr lang="zh-CN" altLang="en-US" sz="1000" dirty="0"/>
+          </a:p>
+        </p:txBody>
+      </p:sp>
+      <p:sp>
+        <p:nvSpPr>
+          <p:cNvPr id="50" name="Rectangle 49"/>
+          <p:cNvSpPr/>
+          <p:nvPr/>
+        </p:nvSpPr>
+        <p:spPr>
+          <a:xfrm>
+            <a:off x="4388196" y="5660873"/>
+            <a:ext cx="756000" cy="432000"/>
+          </a:xfrm>
+          <a:prstGeom prst="rect">
+            <a:avLst/>
+          </a:prstGeom>
+          <a:solidFill>
+            <a:schemeClr val="accent1">
+              <a:lumMod val="50000"/>
+            </a:schemeClr>
+          </a:solidFill>
+        </p:spPr>
+        <p:style>
+          <a:lnRef idx="2">
+            <a:schemeClr val="accent1">
+              <a:shade val="50000"/>
+            </a:schemeClr>
+          </a:lnRef>
+          <a:fillRef idx="1">
+            <a:schemeClr val="accent1"/>
+          </a:fillRef>
+          <a:effectRef idx="0">
+            <a:schemeClr val="accent1"/>
+          </a:effectRef>
+          <a:fontRef idx="minor">
+            <a:schemeClr val="lt1"/>
+          </a:fontRef>
+        </p:style>
+        <p:txBody>
+          <a:bodyPr rtlCol="0" anchor="ctr"/>
+          <a:lstStyle/>
+          <a:p>
+            <a:pPr algn="ctr"/>
+            <a:r>
+              <a:rPr lang="zh-CN" altLang="en-US" sz="1000" dirty="0" smtClean="0"/>
+              <a:t>法律维权</a:t>
+            </a:r>
+            <a:endParaRPr lang="zh-CN" altLang="en-US" sz="1000" dirty="0"/>
+          </a:p>
+        </p:txBody>
+      </p:sp>
+      <p:sp>
+        <p:nvSpPr>
+          <p:cNvPr id="54" name="Rectangle 53"/>
+          <p:cNvSpPr/>
+          <p:nvPr/>
+        </p:nvSpPr>
+        <p:spPr>
+          <a:xfrm>
+            <a:off x="5144195" y="5660873"/>
+            <a:ext cx="1087989" cy="432000"/>
+          </a:xfrm>
+          <a:prstGeom prst="rect">
+            <a:avLst/>
+          </a:prstGeom>
+          <a:solidFill>
+            <a:schemeClr val="accent1">
+              <a:lumMod val="50000"/>
+            </a:schemeClr>
+          </a:solidFill>
+        </p:spPr>
+        <p:style>
+          <a:lnRef idx="2">
+            <a:schemeClr val="accent1">
+              <a:shade val="50000"/>
+            </a:schemeClr>
+          </a:lnRef>
+          <a:fillRef idx="1">
+            <a:schemeClr val="accent1"/>
+          </a:fillRef>
+          <a:effectRef idx="0">
+            <a:schemeClr val="accent1"/>
+          </a:effectRef>
+          <a:fontRef idx="minor">
+            <a:schemeClr val="lt1"/>
+          </a:fontRef>
+        </p:style>
+        <p:txBody>
+          <a:bodyPr rtlCol="0" anchor="ctr"/>
+          <a:lstStyle/>
+          <a:p>
+            <a:pPr algn="ctr"/>
+            <a:r>
+              <a:rPr lang="zh-CN" altLang="en-US" sz="1000" dirty="0" smtClean="0"/>
+              <a:t>商业模型画布</a:t>
+            </a:r>
+            <a:endParaRPr lang="zh-CN" altLang="en-US" sz="1000" dirty="0"/>
+          </a:p>
+        </p:txBody>
+      </p:sp>
+      <p:sp>
+        <p:nvSpPr>
+          <p:cNvPr id="24" name="Rectangle 23"/>
+          <p:cNvSpPr/>
+          <p:nvPr/>
+        </p:nvSpPr>
+        <p:spPr>
+          <a:xfrm>
+            <a:off x="1041484" y="2774284"/>
+            <a:ext cx="432651" cy="3325091"/>
           </a:xfrm>
           <a:prstGeom prst="rect">
             <a:avLst/>
           </a:prstGeom>
         </p:spPr>
-      </p:pic>
+        <p:style>
+          <a:lnRef idx="1">
+            <a:schemeClr val="accent3"/>
+          </a:lnRef>
+          <a:fillRef idx="2">
+            <a:schemeClr val="accent3"/>
+          </a:fillRef>
+          <a:effectRef idx="1">
+            <a:schemeClr val="accent3"/>
+          </a:effectRef>
+          <a:fontRef idx="minor">
+            <a:schemeClr val="dk1"/>
+          </a:fontRef>
+        </p:style>
+        <p:txBody>
+          <a:bodyPr rtlCol="0" anchor="ctr"/>
+          <a:lstStyle/>
+          <a:p>
+            <a:pPr algn="ctr"/>
+            <a:r>
+              <a:rPr lang="zh-CN" altLang="en-US" dirty="0" smtClean="0"/>
+              <a:t>实践教学单元</a:t>
+            </a:r>
+            <a:endParaRPr lang="en-US" altLang="zh-CN" dirty="0" smtClean="0"/>
+          </a:p>
+          <a:p>
+            <a:pPr algn="ctr"/>
+            <a:endParaRPr lang="en-US" altLang="zh-CN" dirty="0" smtClean="0"/>
+          </a:p>
+          <a:p>
+            <a:pPr algn="ctr"/>
+            <a:r>
+              <a:rPr lang="zh-CN" altLang="en-US" dirty="0" smtClean="0"/>
+              <a:t>学生项目</a:t>
+            </a:r>
+            <a:endParaRPr lang="zh-CN" altLang="en-US" dirty="0"/>
+          </a:p>
+        </p:txBody>
+      </p:sp>
     </p:spTree>
     <p:extLst>
       <p:ext uri="{BB962C8B-B14F-4D97-AF65-F5344CB8AC3E}">
@@ -4983,7 +5134,7 @@
   <a:extraClrSchemeLst/>
   <a:extLst>
     <a:ext uri="{05A4C25C-085E-4340-85A3-A5531E510DB2}">
-      <thm15:themeFamily xmlns:thm15="http://schemas.microsoft.com/office/thememl/2012/main" xmlns="" name="Office Theme" id="{62F939B6-93AF-4DB8-9C6B-D6C7DFDC589F}" vid="{4A3C46E8-61CC-4603-A589-7422A47A8E4A}"/>
+      <thm15:themeFamily xmlns:thm15="http://schemas.microsoft.com/office/thememl/2012/main" name="Office Theme" id="{62F939B6-93AF-4DB8-9C6B-D6C7DFDC589F}" vid="{4A3C46E8-61CC-4603-A589-7422A47A8E4A}"/>
     </a:ext>
   </a:extLst>
 </a:theme>

--- a/训练中心创客交叉融合空间建设/doc/创客融合空间运行模式.pptx
+++ b/训练中心创客交叉融合空间建设/doc/创客融合空间运行模式.pptx
@@ -6,6 +6,7 @@
   </p:sldMasterIdLst>
   <p:sldIdLst>
     <p:sldId id="256" r:id="rId2"/>
+    <p:sldId id="257" r:id="rId3"/>
   </p:sldIdLst>
   <p:sldSz cx="9144000" cy="6858000" type="screen4x3"/>
   <p:notesSz cx="6858000" cy="9144000"/>
@@ -254,7 +255,7 @@
           <a:p>
             <a:fld id="{408926B9-0AE9-4841-8807-A52893CAC8ED}" type="datetimeFigureOut">
               <a:rPr lang="zh-CN" altLang="en-US" smtClean="0"/>
-              <a:t>2014/4/1</a:t>
+              <a:t>2014/5/21</a:t>
             </a:fld>
             <a:endParaRPr lang="zh-CN" altLang="en-US"/>
           </a:p>
@@ -424,7 +425,7 @@
           <a:p>
             <a:fld id="{408926B9-0AE9-4841-8807-A52893CAC8ED}" type="datetimeFigureOut">
               <a:rPr lang="zh-CN" altLang="en-US" smtClean="0"/>
-              <a:t>2014/4/1</a:t>
+              <a:t>2014/5/21</a:t>
             </a:fld>
             <a:endParaRPr lang="zh-CN" altLang="en-US"/>
           </a:p>
@@ -604,7 +605,7 @@
           <a:p>
             <a:fld id="{408926B9-0AE9-4841-8807-A52893CAC8ED}" type="datetimeFigureOut">
               <a:rPr lang="zh-CN" altLang="en-US" smtClean="0"/>
-              <a:t>2014/4/1</a:t>
+              <a:t>2014/5/21</a:t>
             </a:fld>
             <a:endParaRPr lang="zh-CN" altLang="en-US"/>
           </a:p>
@@ -774,7 +775,7 @@
           <a:p>
             <a:fld id="{408926B9-0AE9-4841-8807-A52893CAC8ED}" type="datetimeFigureOut">
               <a:rPr lang="zh-CN" altLang="en-US" smtClean="0"/>
-              <a:t>2014/4/1</a:t>
+              <a:t>2014/5/21</a:t>
             </a:fld>
             <a:endParaRPr lang="zh-CN" altLang="en-US"/>
           </a:p>
@@ -1018,7 +1019,7 @@
           <a:p>
             <a:fld id="{408926B9-0AE9-4841-8807-A52893CAC8ED}" type="datetimeFigureOut">
               <a:rPr lang="zh-CN" altLang="en-US" smtClean="0"/>
-              <a:t>2014/4/1</a:t>
+              <a:t>2014/5/21</a:t>
             </a:fld>
             <a:endParaRPr lang="zh-CN" altLang="en-US"/>
           </a:p>
@@ -1250,7 +1251,7 @@
           <a:p>
             <a:fld id="{408926B9-0AE9-4841-8807-A52893CAC8ED}" type="datetimeFigureOut">
               <a:rPr lang="zh-CN" altLang="en-US" smtClean="0"/>
-              <a:t>2014/4/1</a:t>
+              <a:t>2014/5/21</a:t>
             </a:fld>
             <a:endParaRPr lang="zh-CN" altLang="en-US"/>
           </a:p>
@@ -1617,7 +1618,7 @@
           <a:p>
             <a:fld id="{408926B9-0AE9-4841-8807-A52893CAC8ED}" type="datetimeFigureOut">
               <a:rPr lang="zh-CN" altLang="en-US" smtClean="0"/>
-              <a:t>2014/4/1</a:t>
+              <a:t>2014/5/21</a:t>
             </a:fld>
             <a:endParaRPr lang="zh-CN" altLang="en-US"/>
           </a:p>
@@ -1735,7 +1736,7 @@
           <a:p>
             <a:fld id="{408926B9-0AE9-4841-8807-A52893CAC8ED}" type="datetimeFigureOut">
               <a:rPr lang="zh-CN" altLang="en-US" smtClean="0"/>
-              <a:t>2014/4/1</a:t>
+              <a:t>2014/5/21</a:t>
             </a:fld>
             <a:endParaRPr lang="zh-CN" altLang="en-US"/>
           </a:p>
@@ -1830,7 +1831,7 @@
           <a:p>
             <a:fld id="{408926B9-0AE9-4841-8807-A52893CAC8ED}" type="datetimeFigureOut">
               <a:rPr lang="zh-CN" altLang="en-US" smtClean="0"/>
-              <a:t>2014/4/1</a:t>
+              <a:t>2014/5/21</a:t>
             </a:fld>
             <a:endParaRPr lang="zh-CN" altLang="en-US"/>
           </a:p>
@@ -2107,7 +2108,7 @@
           <a:p>
             <a:fld id="{408926B9-0AE9-4841-8807-A52893CAC8ED}" type="datetimeFigureOut">
               <a:rPr lang="zh-CN" altLang="en-US" smtClean="0"/>
-              <a:t>2014/4/1</a:t>
+              <a:t>2014/5/21</a:t>
             </a:fld>
             <a:endParaRPr lang="zh-CN" altLang="en-US"/>
           </a:p>
@@ -2364,7 +2365,7 @@
           <a:p>
             <a:fld id="{408926B9-0AE9-4841-8807-A52893CAC8ED}" type="datetimeFigureOut">
               <a:rPr lang="zh-CN" altLang="en-US" smtClean="0"/>
-              <a:t>2014/4/1</a:t>
+              <a:t>2014/5/21</a:t>
             </a:fld>
             <a:endParaRPr lang="zh-CN" altLang="en-US"/>
           </a:p>
@@ -2577,7 +2578,7 @@
           <a:p>
             <a:fld id="{408926B9-0AE9-4841-8807-A52893CAC8ED}" type="datetimeFigureOut">
               <a:rPr lang="zh-CN" altLang="en-US" smtClean="0"/>
-              <a:t>2014/4/1</a:t>
+              <a:t>2014/5/21</a:t>
             </a:fld>
             <a:endParaRPr lang="zh-CN" altLang="en-US"/>
           </a:p>
@@ -3311,11 +3312,7 @@
             <a:pPr algn="ctr"/>
             <a:r>
               <a:rPr lang="zh-CN" altLang="en-US" sz="1200" dirty="0" smtClean="0"/>
-              <a:t>法律</a:t>
-            </a:r>
-            <a:r>
-              <a:rPr lang="zh-CN" altLang="en-US" sz="1200" dirty="0" smtClean="0"/>
-              <a:t>支持团队</a:t>
+              <a:t>法律支持团队</a:t>
             </a:r>
             <a:endParaRPr lang="zh-CN" altLang="en-US" sz="1200" dirty="0"/>
           </a:p>
@@ -4879,6 +4876,316 @@
 </p:sld>
 </file>
 
+<file path=ppt/slides/slide2.xml><?xml version="1.0" encoding="utf-8"?>
+<p:sld xmlns:a="http://schemas.openxmlformats.org/drawingml/2006/main" xmlns:r="http://schemas.openxmlformats.org/officeDocument/2006/relationships" xmlns:p="http://schemas.openxmlformats.org/presentationml/2006/main">
+  <p:cSld>
+    <p:spTree>
+      <p:nvGrpSpPr>
+        <p:cNvPr id="1" name=""/>
+        <p:cNvGrpSpPr/>
+        <p:nvPr/>
+      </p:nvGrpSpPr>
+      <p:grpSpPr>
+        <a:xfrm>
+          <a:off x="0" y="0"/>
+          <a:ext cx="0" cy="0"/>
+          <a:chOff x="0" y="0"/>
+          <a:chExt cx="0" cy="0"/>
+        </a:xfrm>
+      </p:grpSpPr>
+      <p:sp>
+        <p:nvSpPr>
+          <p:cNvPr id="2" name="Rounded Rectangle 1"/>
+          <p:cNvSpPr/>
+          <p:nvPr/>
+        </p:nvSpPr>
+        <p:spPr>
+          <a:xfrm>
+            <a:off x="1134371" y="1004515"/>
+            <a:ext cx="406400" cy="3999347"/>
+          </a:xfrm>
+          <a:prstGeom prst="roundRect">
+            <a:avLst/>
+          </a:prstGeom>
+        </p:spPr>
+        <p:style>
+          <a:lnRef idx="2">
+            <a:schemeClr val="accent1">
+              <a:shade val="50000"/>
+            </a:schemeClr>
+          </a:lnRef>
+          <a:fillRef idx="1">
+            <a:schemeClr val="accent1"/>
+          </a:fillRef>
+          <a:effectRef idx="0">
+            <a:schemeClr val="accent1"/>
+          </a:effectRef>
+          <a:fontRef idx="minor">
+            <a:schemeClr val="lt1"/>
+          </a:fontRef>
+        </p:style>
+        <p:txBody>
+          <a:bodyPr rtlCol="0" anchor="ctr"/>
+          <a:lstStyle/>
+          <a:p>
+            <a:pPr algn="ctr"/>
+            <a:r>
+              <a:rPr lang="zh-CN" altLang="en-US" dirty="0" smtClean="0"/>
+              <a:t>系统集成设计导引</a:t>
+            </a:r>
+            <a:endParaRPr lang="zh-CN" altLang="en-US" dirty="0"/>
+          </a:p>
+        </p:txBody>
+      </p:sp>
+      <p:sp>
+        <p:nvSpPr>
+          <p:cNvPr id="3" name="Rounded Rectangle 2"/>
+          <p:cNvSpPr/>
+          <p:nvPr/>
+        </p:nvSpPr>
+        <p:spPr>
+          <a:xfrm>
+            <a:off x="3057480" y="5666631"/>
+            <a:ext cx="1884219" cy="849746"/>
+          </a:xfrm>
+          <a:prstGeom prst="roundRect">
+            <a:avLst/>
+          </a:prstGeom>
+        </p:spPr>
+        <p:style>
+          <a:lnRef idx="2">
+            <a:schemeClr val="accent1">
+              <a:shade val="50000"/>
+            </a:schemeClr>
+          </a:lnRef>
+          <a:fillRef idx="1">
+            <a:schemeClr val="accent1"/>
+          </a:fillRef>
+          <a:effectRef idx="0">
+            <a:schemeClr val="accent1"/>
+          </a:effectRef>
+          <a:fontRef idx="minor">
+            <a:schemeClr val="lt1"/>
+          </a:fontRef>
+        </p:style>
+        <p:txBody>
+          <a:bodyPr rtlCol="0" anchor="ctr"/>
+          <a:lstStyle/>
+          <a:p>
+            <a:pPr algn="ctr"/>
+            <a:r>
+              <a:rPr lang="zh-CN" altLang="en-US" dirty="0" smtClean="0"/>
+              <a:t>现场制造工程师</a:t>
+            </a:r>
+            <a:endParaRPr lang="en-US" altLang="zh-CN" dirty="0" smtClean="0"/>
+          </a:p>
+          <a:p>
+            <a:pPr algn="ctr"/>
+            <a:r>
+              <a:rPr lang="zh-CN" altLang="en-US" dirty="0" smtClean="0"/>
+              <a:t>暨创客导师</a:t>
+            </a:r>
+            <a:endParaRPr lang="zh-CN" altLang="en-US" dirty="0"/>
+          </a:p>
+        </p:txBody>
+      </p:sp>
+      <p:sp>
+        <p:nvSpPr>
+          <p:cNvPr id="5" name="Rectangle 4"/>
+          <p:cNvSpPr/>
+          <p:nvPr/>
+        </p:nvSpPr>
+        <p:spPr>
+          <a:xfrm>
+            <a:off x="1877657" y="1263135"/>
+            <a:ext cx="378690" cy="3482109"/>
+          </a:xfrm>
+          <a:prstGeom prst="rect">
+            <a:avLst/>
+          </a:prstGeom>
+          <a:pattFill prst="dkHorz">
+            <a:fgClr>
+              <a:schemeClr val="accent1"/>
+            </a:fgClr>
+            <a:bgClr>
+              <a:schemeClr val="bg1"/>
+            </a:bgClr>
+          </a:pattFill>
+          <a:ln>
+            <a:noFill/>
+          </a:ln>
+        </p:spPr>
+        <p:style>
+          <a:lnRef idx="2">
+            <a:schemeClr val="accent1">
+              <a:shade val="50000"/>
+            </a:schemeClr>
+          </a:lnRef>
+          <a:fillRef idx="1">
+            <a:schemeClr val="accent1"/>
+          </a:fillRef>
+          <a:effectRef idx="0">
+            <a:schemeClr val="accent1"/>
+          </a:effectRef>
+          <a:fontRef idx="minor">
+            <a:schemeClr val="lt1"/>
+          </a:fontRef>
+        </p:style>
+        <p:txBody>
+          <a:bodyPr rtlCol="0" anchor="ctr"/>
+          <a:lstStyle/>
+          <a:p>
+            <a:pPr algn="ctr"/>
+            <a:endParaRPr lang="zh-CN" altLang="en-US"/>
+          </a:p>
+        </p:txBody>
+      </p:sp>
+      <p:sp>
+        <p:nvSpPr>
+          <p:cNvPr id="7" name="TextBox 6"/>
+          <p:cNvSpPr txBox="1"/>
+          <p:nvPr/>
+        </p:nvSpPr>
+        <p:spPr>
+          <a:xfrm>
+            <a:off x="1871336" y="4762051"/>
+            <a:ext cx="385011" cy="1754326"/>
+          </a:xfrm>
+          <a:prstGeom prst="rect">
+            <a:avLst/>
+          </a:prstGeom>
+          <a:noFill/>
+        </p:spPr>
+        <p:txBody>
+          <a:bodyPr wrap="square" rtlCol="0">
+            <a:spAutoFit/>
+          </a:bodyPr>
+          <a:lstStyle/>
+          <a:p>
+            <a:r>
+              <a:rPr lang="zh-CN" altLang="en-US" dirty="0" smtClean="0"/>
+              <a:t>清华</a:t>
+            </a:r>
+            <a:endParaRPr lang="en-US" altLang="zh-CN" dirty="0" smtClean="0"/>
+          </a:p>
+          <a:p>
+            <a:r>
+              <a:rPr lang="zh-CN" altLang="en-US" dirty="0" smtClean="0"/>
+              <a:t>科研探究</a:t>
+            </a:r>
+            <a:endParaRPr lang="zh-CN" altLang="en-US" dirty="0"/>
+          </a:p>
+        </p:txBody>
+      </p:sp>
+      <p:sp>
+        <p:nvSpPr>
+          <p:cNvPr id="8" name="Rounded Rectangle 7"/>
+          <p:cNvSpPr/>
+          <p:nvPr/>
+        </p:nvSpPr>
+        <p:spPr>
+          <a:xfrm>
+            <a:off x="2586912" y="1004515"/>
+            <a:ext cx="406400" cy="3999347"/>
+          </a:xfrm>
+          <a:prstGeom prst="roundRect">
+            <a:avLst/>
+          </a:prstGeom>
+        </p:spPr>
+        <p:style>
+          <a:lnRef idx="2">
+            <a:schemeClr val="accent1">
+              <a:shade val="50000"/>
+            </a:schemeClr>
+          </a:lnRef>
+          <a:fillRef idx="1">
+            <a:schemeClr val="accent1"/>
+          </a:fillRef>
+          <a:effectRef idx="0">
+            <a:schemeClr val="accent1"/>
+          </a:effectRef>
+          <a:fontRef idx="minor">
+            <a:schemeClr val="lt1"/>
+          </a:fontRef>
+        </p:style>
+        <p:txBody>
+          <a:bodyPr rtlCol="0" anchor="ctr"/>
+          <a:lstStyle/>
+          <a:p>
+            <a:pPr algn="ctr"/>
+            <a:r>
+              <a:rPr lang="zh-CN" altLang="en-US" dirty="0"/>
+              <a:t>产品</a:t>
+            </a:r>
+            <a:r>
+              <a:rPr lang="zh-CN" altLang="en-US" dirty="0" smtClean="0"/>
+              <a:t>战略与个人战略课程</a:t>
+            </a:r>
+            <a:endParaRPr lang="en-US" altLang="zh-CN" dirty="0" smtClean="0"/>
+          </a:p>
+        </p:txBody>
+      </p:sp>
+      <p:sp>
+        <p:nvSpPr>
+          <p:cNvPr id="9" name="Rounded Rectangle 8"/>
+          <p:cNvSpPr/>
+          <p:nvPr/>
+        </p:nvSpPr>
+        <p:spPr>
+          <a:xfrm>
+            <a:off x="4316302" y="1004515"/>
+            <a:ext cx="406400" cy="3999347"/>
+          </a:xfrm>
+          <a:prstGeom prst="roundRect">
+            <a:avLst/>
+          </a:prstGeom>
+        </p:spPr>
+        <p:style>
+          <a:lnRef idx="2">
+            <a:schemeClr val="accent1">
+              <a:shade val="50000"/>
+            </a:schemeClr>
+          </a:lnRef>
+          <a:fillRef idx="1">
+            <a:schemeClr val="accent1"/>
+          </a:fillRef>
+          <a:effectRef idx="0">
+            <a:schemeClr val="accent1"/>
+          </a:effectRef>
+          <a:fontRef idx="minor">
+            <a:schemeClr val="lt1"/>
+          </a:fontRef>
+        </p:style>
+        <p:txBody>
+          <a:bodyPr rtlCol="0" anchor="ctr"/>
+          <a:lstStyle/>
+          <a:p>
+            <a:pPr algn="ctr"/>
+            <a:r>
+              <a:rPr lang="zh-CN" altLang="en-US" dirty="0"/>
+              <a:t>产品</a:t>
+            </a:r>
+            <a:r>
+              <a:rPr lang="zh-CN" altLang="en-US" dirty="0" smtClean="0"/>
+              <a:t>战略与个人战略课程</a:t>
+            </a:r>
+            <a:endParaRPr lang="en-US" altLang="zh-CN" dirty="0" smtClean="0"/>
+          </a:p>
+        </p:txBody>
+      </p:sp>
+    </p:spTree>
+    <p:extLst>
+      <p:ext uri="{BB962C8B-B14F-4D97-AF65-F5344CB8AC3E}">
+        <p14:creationId xmlns:p14="http://schemas.microsoft.com/office/powerpoint/2010/main" val="3619139336"/>
+      </p:ext>
+    </p:extLst>
+  </p:cSld>
+  <p:clrMapOvr>
+    <a:masterClrMapping/>
+  </p:clrMapOvr>
+</p:sld>
+</file>
+
 <file path=ppt/theme/theme1.xml><?xml version="1.0" encoding="utf-8"?>
 <a:theme xmlns:a="http://schemas.openxmlformats.org/drawingml/2006/main" name="Office Theme">
   <a:themeElements>

--- a/训练中心创客交叉融合空间建设/doc/创客融合空间运行模式.pptx
+++ b/训练中心创客交叉融合空间建设/doc/创客融合空间运行模式.pptx
@@ -7,6 +7,11 @@
   <p:sldIdLst>
     <p:sldId id="256" r:id="rId2"/>
     <p:sldId id="257" r:id="rId3"/>
+    <p:sldId id="259" r:id="rId4"/>
+    <p:sldId id="258" r:id="rId5"/>
+    <p:sldId id="260" r:id="rId6"/>
+    <p:sldId id="261" r:id="rId7"/>
+    <p:sldId id="262" r:id="rId8"/>
   </p:sldIdLst>
   <p:sldSz cx="9144000" cy="6858000" type="screen4x3"/>
   <p:notesSz cx="6858000" cy="9144000"/>
@@ -5186,6 +5191,325 @@
 </p:sld>
 </file>
 
+<file path=ppt/slides/slide3.xml><?xml version="1.0" encoding="utf-8"?>
+<p:sld xmlns:a="http://schemas.openxmlformats.org/drawingml/2006/main" xmlns:r="http://schemas.openxmlformats.org/officeDocument/2006/relationships" xmlns:p="http://schemas.openxmlformats.org/presentationml/2006/main">
+  <p:cSld>
+    <p:spTree>
+      <p:nvGrpSpPr>
+        <p:cNvPr id="1" name=""/>
+        <p:cNvGrpSpPr/>
+        <p:nvPr/>
+      </p:nvGrpSpPr>
+      <p:grpSpPr>
+        <a:xfrm>
+          <a:off x="0" y="0"/>
+          <a:ext cx="0" cy="0"/>
+          <a:chOff x="0" y="0"/>
+          <a:chExt cx="0" cy="0"/>
+        </a:xfrm>
+      </p:grpSpPr>
+      <p:pic>
+        <p:nvPicPr>
+          <p:cNvPr id="2" name="Picture 1" descr="XMind - D:\Git Projects\Toyhouse_2014\docs\创客交叉融合项目.xmind"/>
+          <p:cNvPicPr>
+            <a:picLocks noChangeAspect="1"/>
+          </p:cNvPicPr>
+          <p:nvPr/>
+        </p:nvPicPr>
+        <p:blipFill rotWithShape="1">
+          <a:blip r:embed="rId2">
+            <a:extLst>
+              <a:ext uri="{28A0092B-C50C-407E-A947-70E740481C1C}">
+                <a14:useLocalDpi xmlns:a14="http://schemas.microsoft.com/office/drawing/2010/main" val="0"/>
+              </a:ext>
+            </a:extLst>
+          </a:blip>
+          <a:srcRect l="1677" t="10909" r="4795" b="8956"/>
+          <a:stretch/>
+        </p:blipFill>
+        <p:spPr>
+          <a:xfrm>
+            <a:off x="104141" y="475248"/>
+            <a:ext cx="8935719" cy="5907505"/>
+          </a:xfrm>
+          <a:prstGeom prst="rect">
+            <a:avLst/>
+          </a:prstGeom>
+          <a:ln>
+            <a:noFill/>
+          </a:ln>
+          <a:effectLst>
+            <a:softEdge rad="112500"/>
+          </a:effectLst>
+        </p:spPr>
+      </p:pic>
+    </p:spTree>
+    <p:extLst>
+      <p:ext uri="{BB962C8B-B14F-4D97-AF65-F5344CB8AC3E}">
+        <p14:creationId xmlns:p14="http://schemas.microsoft.com/office/powerpoint/2010/main" val="3328486342"/>
+      </p:ext>
+    </p:extLst>
+  </p:cSld>
+  <p:clrMapOvr>
+    <a:masterClrMapping/>
+  </p:clrMapOvr>
+</p:sld>
+</file>
+
+<file path=ppt/slides/slide4.xml><?xml version="1.0" encoding="utf-8"?>
+<p:sld xmlns:a="http://schemas.openxmlformats.org/drawingml/2006/main" xmlns:r="http://schemas.openxmlformats.org/officeDocument/2006/relationships" xmlns:p="http://schemas.openxmlformats.org/presentationml/2006/main">
+  <p:cSld>
+    <p:spTree>
+      <p:nvGrpSpPr>
+        <p:cNvPr id="1" name=""/>
+        <p:cNvGrpSpPr/>
+        <p:nvPr/>
+      </p:nvGrpSpPr>
+      <p:grpSpPr>
+        <a:xfrm>
+          <a:off x="0" y="0"/>
+          <a:ext cx="0" cy="0"/>
+          <a:chOff x="0" y="0"/>
+          <a:chExt cx="0" cy="0"/>
+        </a:xfrm>
+      </p:grpSpPr>
+      <p:pic>
+        <p:nvPicPr>
+          <p:cNvPr id="2" name="Picture 1" descr="XMind - D:\Git Projects\Toyhouse_2014\docs\创客交叉融合项目.xmind"/>
+          <p:cNvPicPr>
+            <a:picLocks noChangeAspect="1"/>
+          </p:cNvPicPr>
+          <p:nvPr/>
+        </p:nvPicPr>
+        <p:blipFill rotWithShape="1">
+          <a:blip r:embed="rId2">
+            <a:extLst>
+              <a:ext uri="{28A0092B-C50C-407E-A947-70E740481C1C}">
+                <a14:useLocalDpi xmlns:a14="http://schemas.microsoft.com/office/drawing/2010/main" val="0"/>
+              </a:ext>
+            </a:extLst>
+          </a:blip>
+          <a:srcRect l="9575" t="24375" r="13525" b="29564"/>
+          <a:stretch/>
+        </p:blipFill>
+        <p:spPr>
+          <a:xfrm>
+            <a:off x="1154545" y="1849582"/>
+            <a:ext cx="6834910" cy="3158836"/>
+          </a:xfrm>
+          <a:prstGeom prst="rect">
+            <a:avLst/>
+          </a:prstGeom>
+        </p:spPr>
+      </p:pic>
+    </p:spTree>
+    <p:extLst>
+      <p:ext uri="{BB962C8B-B14F-4D97-AF65-F5344CB8AC3E}">
+        <p14:creationId xmlns:p14="http://schemas.microsoft.com/office/powerpoint/2010/main" val="1652720744"/>
+      </p:ext>
+    </p:extLst>
+  </p:cSld>
+  <p:clrMapOvr>
+    <a:masterClrMapping/>
+  </p:clrMapOvr>
+</p:sld>
+</file>
+
+<file path=ppt/slides/slide5.xml><?xml version="1.0" encoding="utf-8"?>
+<p:sld xmlns:a="http://schemas.openxmlformats.org/drawingml/2006/main" xmlns:r="http://schemas.openxmlformats.org/officeDocument/2006/relationships" xmlns:p="http://schemas.openxmlformats.org/presentationml/2006/main">
+  <p:cSld>
+    <p:spTree>
+      <p:nvGrpSpPr>
+        <p:cNvPr id="1" name=""/>
+        <p:cNvGrpSpPr/>
+        <p:nvPr/>
+      </p:nvGrpSpPr>
+      <p:grpSpPr>
+        <a:xfrm>
+          <a:off x="0" y="0"/>
+          <a:ext cx="0" cy="0"/>
+          <a:chOff x="0" y="0"/>
+          <a:chExt cx="0" cy="0"/>
+        </a:xfrm>
+      </p:grpSpPr>
+      <p:pic>
+        <p:nvPicPr>
+          <p:cNvPr id="2" name="Picture 1" descr="XMind - D:\Git Projects\Toyhouse_2014\docs\创客交叉融合项目.xmind"/>
+          <p:cNvPicPr>
+            <a:picLocks noChangeAspect="1"/>
+          </p:cNvPicPr>
+          <p:nvPr/>
+        </p:nvPicPr>
+        <p:blipFill rotWithShape="1">
+          <a:blip r:embed="rId2">
+            <a:extLst>
+              <a:ext uri="{28A0092B-C50C-407E-A947-70E740481C1C}">
+                <a14:useLocalDpi xmlns:a14="http://schemas.microsoft.com/office/drawing/2010/main" val="0"/>
+              </a:ext>
+            </a:extLst>
+          </a:blip>
+          <a:srcRect l="2301" t="18452" r="5004" b="22558"/>
+          <a:stretch/>
+        </p:blipFill>
+        <p:spPr>
+          <a:xfrm>
+            <a:off x="86035" y="1226250"/>
+            <a:ext cx="8971930" cy="4405500"/>
+          </a:xfrm>
+          <a:prstGeom prst="rect">
+            <a:avLst/>
+          </a:prstGeom>
+          <a:ln>
+            <a:noFill/>
+          </a:ln>
+          <a:effectLst>
+            <a:softEdge rad="112500"/>
+          </a:effectLst>
+        </p:spPr>
+      </p:pic>
+    </p:spTree>
+    <p:extLst>
+      <p:ext uri="{BB962C8B-B14F-4D97-AF65-F5344CB8AC3E}">
+        <p14:creationId xmlns:p14="http://schemas.microsoft.com/office/powerpoint/2010/main" val="3613218833"/>
+      </p:ext>
+    </p:extLst>
+  </p:cSld>
+  <p:clrMapOvr>
+    <a:masterClrMapping/>
+  </p:clrMapOvr>
+</p:sld>
+</file>
+
+<file path=ppt/slides/slide6.xml><?xml version="1.0" encoding="utf-8"?>
+<p:sld xmlns:a="http://schemas.openxmlformats.org/drawingml/2006/main" xmlns:r="http://schemas.openxmlformats.org/officeDocument/2006/relationships" xmlns:p="http://schemas.openxmlformats.org/presentationml/2006/main">
+  <p:cSld>
+    <p:spTree>
+      <p:nvGrpSpPr>
+        <p:cNvPr id="1" name=""/>
+        <p:cNvGrpSpPr/>
+        <p:nvPr/>
+      </p:nvGrpSpPr>
+      <p:grpSpPr>
+        <a:xfrm>
+          <a:off x="0" y="0"/>
+          <a:ext cx="0" cy="0"/>
+          <a:chOff x="0" y="0"/>
+          <a:chExt cx="0" cy="0"/>
+        </a:xfrm>
+      </p:grpSpPr>
+      <p:pic>
+        <p:nvPicPr>
+          <p:cNvPr id="2" name="Picture 1" descr="XMind - D:\Git Projects\Toyhouse_2014\docs\创客交叉融合项目.xmind"/>
+          <p:cNvPicPr>
+            <a:picLocks noChangeAspect="1"/>
+          </p:cNvPicPr>
+          <p:nvPr/>
+        </p:nvPicPr>
+        <p:blipFill rotWithShape="1">
+          <a:blip r:embed="rId2">
+            <a:extLst>
+              <a:ext uri="{28A0092B-C50C-407E-A947-70E740481C1C}">
+                <a14:useLocalDpi xmlns:a14="http://schemas.microsoft.com/office/drawing/2010/main" val="0"/>
+              </a:ext>
+            </a:extLst>
+          </a:blip>
+          <a:srcRect l="11030" t="9561" r="24957" b="7475"/>
+          <a:stretch/>
+        </p:blipFill>
+        <p:spPr>
+          <a:xfrm>
+            <a:off x="1152000" y="-1"/>
+            <a:ext cx="6840000" cy="6840000"/>
+          </a:xfrm>
+          <a:prstGeom prst="rect">
+            <a:avLst/>
+          </a:prstGeom>
+          <a:ln>
+            <a:noFill/>
+          </a:ln>
+          <a:effectLst>
+            <a:softEdge rad="112500"/>
+          </a:effectLst>
+        </p:spPr>
+      </p:pic>
+    </p:spTree>
+    <p:extLst>
+      <p:ext uri="{BB962C8B-B14F-4D97-AF65-F5344CB8AC3E}">
+        <p14:creationId xmlns:p14="http://schemas.microsoft.com/office/powerpoint/2010/main" val="2128521870"/>
+      </p:ext>
+    </p:extLst>
+  </p:cSld>
+  <p:clrMapOvr>
+    <a:masterClrMapping/>
+  </p:clrMapOvr>
+</p:sld>
+</file>
+
+<file path=ppt/slides/slide7.xml><?xml version="1.0" encoding="utf-8"?>
+<p:sld xmlns:a="http://schemas.openxmlformats.org/drawingml/2006/main" xmlns:r="http://schemas.openxmlformats.org/officeDocument/2006/relationships" xmlns:p="http://schemas.openxmlformats.org/presentationml/2006/main">
+  <p:cSld>
+    <p:spTree>
+      <p:nvGrpSpPr>
+        <p:cNvPr id="1" name=""/>
+        <p:cNvGrpSpPr/>
+        <p:nvPr/>
+      </p:nvGrpSpPr>
+      <p:grpSpPr>
+        <a:xfrm>
+          <a:off x="0" y="0"/>
+          <a:ext cx="0" cy="0"/>
+          <a:chOff x="0" y="0"/>
+          <a:chExt cx="0" cy="0"/>
+        </a:xfrm>
+      </p:grpSpPr>
+      <p:pic>
+        <p:nvPicPr>
+          <p:cNvPr id="2" name="Picture 1" descr="XMind - D:\Git Projects\Toyhouse_2014\docs\创客交叉融合项目.xmind"/>
+          <p:cNvPicPr>
+            <a:picLocks noChangeAspect="1"/>
+          </p:cNvPicPr>
+          <p:nvPr/>
+        </p:nvPicPr>
+        <p:blipFill rotWithShape="1">
+          <a:blip r:embed="rId2">
+            <a:extLst>
+              <a:ext uri="{28A0092B-C50C-407E-A947-70E740481C1C}">
+                <a14:useLocalDpi xmlns:a14="http://schemas.microsoft.com/office/drawing/2010/main" val="0"/>
+              </a:ext>
+            </a:extLst>
+          </a:blip>
+          <a:srcRect l="4786" t="20702" r="6818" b="19299"/>
+          <a:stretch/>
+        </p:blipFill>
+        <p:spPr>
+          <a:xfrm>
+            <a:off x="80862" y="1076827"/>
+            <a:ext cx="8982277" cy="4704347"/>
+          </a:xfrm>
+          <a:prstGeom prst="rect">
+            <a:avLst/>
+          </a:prstGeom>
+          <a:ln>
+            <a:noFill/>
+          </a:ln>
+          <a:effectLst>
+            <a:softEdge rad="112500"/>
+          </a:effectLst>
+        </p:spPr>
+      </p:pic>
+    </p:spTree>
+    <p:extLst>
+      <p:ext uri="{BB962C8B-B14F-4D97-AF65-F5344CB8AC3E}">
+        <p14:creationId xmlns:p14="http://schemas.microsoft.com/office/powerpoint/2010/main" val="2415470605"/>
+      </p:ext>
+    </p:extLst>
+  </p:cSld>
+  <p:clrMapOvr>
+    <a:masterClrMapping/>
+  </p:clrMapOvr>
+</p:sld>
+</file>
+
 <file path=ppt/theme/theme1.xml><?xml version="1.0" encoding="utf-8"?>
 <a:theme xmlns:a="http://schemas.openxmlformats.org/drawingml/2006/main" name="Office Theme">
   <a:themeElements>

--- a/训练中心创客交叉融合空间建设/doc/创客融合空间运行模式.pptx
+++ b/训练中心创客交叉融合空间建设/doc/创客融合空间运行模式.pptx
@@ -14,6 +14,7 @@
     <p:sldId id="263" r:id="rId8"/>
     <p:sldId id="267" r:id="rId9"/>
     <p:sldId id="271" r:id="rId10"/>
+    <p:sldId id="274" r:id="rId11"/>
   </p:sldIdLst>
   <p:sldSz cx="9144000" cy="6858000" type="screen4x3"/>
   <p:notesSz cx="6858000" cy="9144000"/>
@@ -15447,7 +15448,7 @@
           <a:p>
             <a:fld id="{408926B9-0AE9-4841-8807-A52893CAC8ED}" type="datetimeFigureOut">
               <a:rPr lang="zh-CN" altLang="en-US" smtClean="0"/>
-              <a:t>2014/5/23</a:t>
+              <a:t>2014/5/24</a:t>
             </a:fld>
             <a:endParaRPr lang="zh-CN" altLang="en-US"/>
           </a:p>
@@ -15617,7 +15618,7 @@
           <a:p>
             <a:fld id="{408926B9-0AE9-4841-8807-A52893CAC8ED}" type="datetimeFigureOut">
               <a:rPr lang="zh-CN" altLang="en-US" smtClean="0"/>
-              <a:t>2014/5/23</a:t>
+              <a:t>2014/5/24</a:t>
             </a:fld>
             <a:endParaRPr lang="zh-CN" altLang="en-US"/>
           </a:p>
@@ -15797,7 +15798,7 @@
           <a:p>
             <a:fld id="{408926B9-0AE9-4841-8807-A52893CAC8ED}" type="datetimeFigureOut">
               <a:rPr lang="zh-CN" altLang="en-US" smtClean="0"/>
-              <a:t>2014/5/23</a:t>
+              <a:t>2014/5/24</a:t>
             </a:fld>
             <a:endParaRPr lang="zh-CN" altLang="en-US"/>
           </a:p>
@@ -15967,7 +15968,7 @@
           <a:p>
             <a:fld id="{408926B9-0AE9-4841-8807-A52893CAC8ED}" type="datetimeFigureOut">
               <a:rPr lang="zh-CN" altLang="en-US" smtClean="0"/>
-              <a:t>2014/5/23</a:t>
+              <a:t>2014/5/24</a:t>
             </a:fld>
             <a:endParaRPr lang="zh-CN" altLang="en-US"/>
           </a:p>
@@ -16211,7 +16212,7 @@
           <a:p>
             <a:fld id="{408926B9-0AE9-4841-8807-A52893CAC8ED}" type="datetimeFigureOut">
               <a:rPr lang="zh-CN" altLang="en-US" smtClean="0"/>
-              <a:t>2014/5/23</a:t>
+              <a:t>2014/5/24</a:t>
             </a:fld>
             <a:endParaRPr lang="zh-CN" altLang="en-US"/>
           </a:p>
@@ -16443,7 +16444,7 @@
           <a:p>
             <a:fld id="{408926B9-0AE9-4841-8807-A52893CAC8ED}" type="datetimeFigureOut">
               <a:rPr lang="zh-CN" altLang="en-US" smtClean="0"/>
-              <a:t>2014/5/23</a:t>
+              <a:t>2014/5/24</a:t>
             </a:fld>
             <a:endParaRPr lang="zh-CN" altLang="en-US"/>
           </a:p>
@@ -16810,7 +16811,7 @@
           <a:p>
             <a:fld id="{408926B9-0AE9-4841-8807-A52893CAC8ED}" type="datetimeFigureOut">
               <a:rPr lang="zh-CN" altLang="en-US" smtClean="0"/>
-              <a:t>2014/5/23</a:t>
+              <a:t>2014/5/24</a:t>
             </a:fld>
             <a:endParaRPr lang="zh-CN" altLang="en-US"/>
           </a:p>
@@ -16928,7 +16929,7 @@
           <a:p>
             <a:fld id="{408926B9-0AE9-4841-8807-A52893CAC8ED}" type="datetimeFigureOut">
               <a:rPr lang="zh-CN" altLang="en-US" smtClean="0"/>
-              <a:t>2014/5/23</a:t>
+              <a:t>2014/5/24</a:t>
             </a:fld>
             <a:endParaRPr lang="zh-CN" altLang="en-US"/>
           </a:p>
@@ -17023,7 +17024,7 @@
           <a:p>
             <a:fld id="{408926B9-0AE9-4841-8807-A52893CAC8ED}" type="datetimeFigureOut">
               <a:rPr lang="zh-CN" altLang="en-US" smtClean="0"/>
-              <a:t>2014/5/23</a:t>
+              <a:t>2014/5/24</a:t>
             </a:fld>
             <a:endParaRPr lang="zh-CN" altLang="en-US"/>
           </a:p>
@@ -17300,7 +17301,7 @@
           <a:p>
             <a:fld id="{408926B9-0AE9-4841-8807-A52893CAC8ED}" type="datetimeFigureOut">
               <a:rPr lang="zh-CN" altLang="en-US" smtClean="0"/>
-              <a:t>2014/5/23</a:t>
+              <a:t>2014/5/24</a:t>
             </a:fld>
             <a:endParaRPr lang="zh-CN" altLang="en-US"/>
           </a:p>
@@ -17557,7 +17558,7 @@
           <a:p>
             <a:fld id="{408926B9-0AE9-4841-8807-A52893CAC8ED}" type="datetimeFigureOut">
               <a:rPr lang="zh-CN" altLang="en-US" smtClean="0"/>
-              <a:t>2014/5/23</a:t>
+              <a:t>2014/5/24</a:t>
             </a:fld>
             <a:endParaRPr lang="zh-CN" altLang="en-US"/>
           </a:p>
@@ -17770,7 +17771,7 @@
           <a:p>
             <a:fld id="{408926B9-0AE9-4841-8807-A52893CAC8ED}" type="datetimeFigureOut">
               <a:rPr lang="zh-CN" altLang="en-US" smtClean="0"/>
-              <a:t>2014/5/23</a:t>
+              <a:t>2014/5/24</a:t>
             </a:fld>
             <a:endParaRPr lang="zh-CN" altLang="en-US"/>
           </a:p>
@@ -20075,6 +20076,150 @@
 </p:sld>
 </file>
 
+<file path=ppt/slides/slide10.xml><?xml version="1.0" encoding="utf-8"?>
+<p:sld xmlns:a="http://schemas.openxmlformats.org/drawingml/2006/main" xmlns:r="http://schemas.openxmlformats.org/officeDocument/2006/relationships" xmlns:p="http://schemas.openxmlformats.org/presentationml/2006/main">
+  <p:cSld>
+    <p:spTree>
+      <p:nvGrpSpPr>
+        <p:cNvPr id="1" name=""/>
+        <p:cNvGrpSpPr/>
+        <p:nvPr/>
+      </p:nvGrpSpPr>
+      <p:grpSpPr>
+        <a:xfrm>
+          <a:off x="0" y="0"/>
+          <a:ext cx="0" cy="0"/>
+          <a:chOff x="0" y="0"/>
+          <a:chExt cx="0" cy="0"/>
+        </a:xfrm>
+      </p:grpSpPr>
+      <p:sp>
+        <p:nvSpPr>
+          <p:cNvPr id="5" name="Title 4"/>
+          <p:cNvSpPr>
+            <a:spLocks noGrp="1"/>
+          </p:cNvSpPr>
+          <p:nvPr>
+            <p:ph type="title"/>
+          </p:nvPr>
+        </p:nvSpPr>
+        <p:spPr/>
+        <p:txBody>
+          <a:bodyPr/>
+          <a:lstStyle/>
+          <a:p>
+            <a:r>
+              <a:rPr lang="zh-CN" altLang="en-US" dirty="0" smtClean="0"/>
+              <a:t>我的空间，我做主！</a:t>
+            </a:r>
+            <a:endParaRPr lang="zh-CN" altLang="en-US" dirty="0"/>
+          </a:p>
+        </p:txBody>
+      </p:sp>
+      <p:sp>
+        <p:nvSpPr>
+          <p:cNvPr id="6" name="Content Placeholder 5"/>
+          <p:cNvSpPr>
+            <a:spLocks noGrp="1"/>
+          </p:cNvSpPr>
+          <p:nvPr>
+            <p:ph idx="1"/>
+          </p:nvPr>
+        </p:nvSpPr>
+        <p:spPr/>
+        <p:txBody>
+          <a:bodyPr/>
+          <a:lstStyle/>
+          <a:p>
+            <a:r>
+              <a:rPr lang="zh-CN" altLang="en-US" dirty="0" smtClean="0"/>
+              <a:t>开放空间，从规划设计开始：</a:t>
+            </a:r>
+            <a:endParaRPr lang="en-US" altLang="zh-CN" dirty="0" smtClean="0"/>
+          </a:p>
+          <a:p>
+            <a:pPr lvl="1"/>
+            <a:r>
+              <a:rPr lang="zh-CN" altLang="en-US" dirty="0" smtClean="0"/>
+              <a:t>中心室内视觉系统及导引标识系统设计</a:t>
+            </a:r>
+            <a:endParaRPr lang="en-US" altLang="zh-CN" dirty="0" smtClean="0"/>
+          </a:p>
+          <a:p>
+            <a:pPr lvl="2"/>
+            <a:r>
+              <a:rPr lang="zh-CN" altLang="en-US" dirty="0" smtClean="0"/>
+              <a:t>交叉结合人因工程、心理学、室内设计、色彩等专业知识</a:t>
+            </a:r>
+            <a:endParaRPr lang="en-US" altLang="zh-CN" dirty="0" smtClean="0"/>
+          </a:p>
+          <a:p>
+            <a:pPr lvl="1"/>
+            <a:r>
+              <a:rPr lang="zh-CN" altLang="en-US" dirty="0" smtClean="0"/>
+              <a:t>中心文化墙</a:t>
+            </a:r>
+            <a:endParaRPr lang="en-US" altLang="zh-CN" dirty="0" smtClean="0"/>
+          </a:p>
+          <a:p>
+            <a:pPr lvl="2"/>
+            <a:r>
+              <a:rPr lang="zh-CN" altLang="en-US" dirty="0" smtClean="0"/>
+              <a:t>邀请中心教师职工，协同美术学院、新闻学院、信息科学技术学院等</a:t>
+            </a:r>
+            <a:endParaRPr lang="en-US" altLang="zh-CN" dirty="0" smtClean="0"/>
+          </a:p>
+          <a:p>
+            <a:pPr lvl="2"/>
+            <a:r>
+              <a:rPr lang="zh-CN" altLang="en-US" dirty="0" smtClean="0"/>
+              <a:t>利用精雕机、激光切割机等数控加工设备制作</a:t>
+            </a:r>
+            <a:endParaRPr lang="en-US" altLang="zh-CN" dirty="0" smtClean="0"/>
+          </a:p>
+          <a:p>
+            <a:pPr lvl="1"/>
+            <a:r>
+              <a:rPr lang="zh-CN" altLang="en-US" dirty="0" smtClean="0"/>
+              <a:t>智能空间管理系统</a:t>
+            </a:r>
+            <a:endParaRPr lang="en-US" altLang="zh-CN" dirty="0" smtClean="0"/>
+          </a:p>
+          <a:p>
+            <a:pPr lvl="2"/>
+            <a:r>
+              <a:rPr lang="zh-CN" altLang="en-US" dirty="0" smtClean="0"/>
+              <a:t>门禁系统、预约管理系统</a:t>
+            </a:r>
+            <a:endParaRPr lang="en-US" altLang="zh-CN" dirty="0" smtClean="0"/>
+          </a:p>
+          <a:p>
+            <a:pPr lvl="2"/>
+            <a:r>
+              <a:rPr lang="zh-CN" altLang="en-US" dirty="0" smtClean="0"/>
+              <a:t>邀请中心教师职工，协同创新社等学生社团进行联合开发</a:t>
+            </a:r>
+            <a:endParaRPr lang="en-US" altLang="zh-CN" dirty="0" smtClean="0"/>
+          </a:p>
+          <a:p>
+            <a:pPr lvl="1"/>
+            <a:endParaRPr lang="en-US" altLang="zh-CN" dirty="0" smtClean="0"/>
+          </a:p>
+        </p:txBody>
+      </p:sp>
+    </p:spTree>
+    <p:extLst>
+      <p:ext uri="{BB962C8B-B14F-4D97-AF65-F5344CB8AC3E}">
+        <p14:creationId xmlns:p14="http://schemas.microsoft.com/office/powerpoint/2010/main" val="2017164343"/>
+      </p:ext>
+    </p:extLst>
+  </p:cSld>
+  <p:clrMapOvr>
+    <a:masterClrMapping/>
+  </p:clrMapOvr>
+</p:sld>
+</file>
+
 <file path=ppt/slides/slide2.xml><?xml version="1.0" encoding="utf-8"?>
 <p:sld xmlns:a="http://schemas.openxmlformats.org/drawingml/2006/main" xmlns:r="http://schemas.openxmlformats.org/officeDocument/2006/relationships" xmlns:p="http://schemas.openxmlformats.org/presentationml/2006/main">
   <p:cSld>
@@ -22303,7 +22448,7 @@
           <p:nvPr>
             <p:extLst>
               <p:ext uri="{D42A27DB-BD31-4B8C-83A1-F6EECF244321}">
-                <p14:modId xmlns:p14="http://schemas.microsoft.com/office/powerpoint/2010/main" val="2364365614"/>
+                <p14:modId xmlns:p14="http://schemas.microsoft.com/office/powerpoint/2010/main" val="252406805"/>
               </p:ext>
             </p:extLst>
           </p:nvPr>
@@ -22478,10 +22623,16 @@
                         </a:spcAft>
                       </a:pPr>
                       <a:r>
-                        <a:rPr lang="zh-CN" sz="1100" kern="100" dirty="0">
+                        <a:rPr lang="zh-CN" sz="1100" kern="100" dirty="0" smtClean="0">
                           <a:effectLst/>
                         </a:rPr>
-                        <a:t>系统集成实践</a:t>
+                        <a:t>系统集成</a:t>
+                      </a:r>
+                      <a:r>
+                        <a:rPr lang="zh-CN" altLang="en-US" sz="1100" kern="100" dirty="0" smtClean="0">
+                          <a:effectLst/>
+                        </a:rPr>
+                        <a:t>创新</a:t>
                       </a:r>
                       <a:endParaRPr lang="zh-CN" sz="1100" kern="100" dirty="0">
                         <a:effectLst/>
@@ -22915,7 +23066,7 @@
                         <a:rPr lang="zh-CN" altLang="en-US" sz="1100" kern="100" dirty="0" smtClean="0">
                           <a:effectLst/>
                         </a:rPr>
-                        <a:t>基础电子训练</a:t>
+                        <a:t>电子创新</a:t>
                       </a:r>
                       <a:endParaRPr lang="zh-CN" sz="1100" kern="100" dirty="0">
                         <a:effectLst/>
@@ -23243,7 +23394,7 @@
                           <a:ea typeface="宋体" panose="02010600030101010101" pitchFamily="2" charset="-122"/>
                           <a:cs typeface="Times New Roman" panose="02020603050405020304" pitchFamily="18" charset="0"/>
                         </a:rPr>
-                        <a:t>基础机械训练</a:t>
+                        <a:t>机电创新</a:t>
                       </a:r>
                       <a:endParaRPr lang="zh-CN" sz="1100" kern="100" dirty="0">
                         <a:effectLst/>
@@ -24183,10 +24334,16 @@
                         </a:spcAft>
                       </a:pPr>
                       <a:r>
-                        <a:rPr lang="zh-CN" sz="1100" kern="100" dirty="0">
+                        <a:rPr lang="zh-CN" altLang="en-US" sz="1100" kern="100" dirty="0" smtClean="0">
                           <a:effectLst/>
                         </a:rPr>
-                        <a:t>基础制造</a:t>
+                        <a:t>特种</a:t>
+                      </a:r>
+                      <a:r>
+                        <a:rPr lang="zh-CN" sz="1100" kern="100" dirty="0" smtClean="0">
+                          <a:effectLst/>
+                        </a:rPr>
+                        <a:t>制造</a:t>
                       </a:r>
                       <a:endParaRPr lang="zh-CN" sz="1100" kern="100" dirty="0">
                         <a:effectLst/>

--- a/训练中心创客交叉融合空间建设/doc/创客融合空间运行模式.pptx
+++ b/训练中心创客交叉融合空间建设/doc/创客融合空间运行模式.pptx
@@ -12,9 +12,10 @@
     <p:sldId id="270" r:id="rId6"/>
     <p:sldId id="273" r:id="rId7"/>
     <p:sldId id="263" r:id="rId8"/>
-    <p:sldId id="267" r:id="rId9"/>
-    <p:sldId id="271" r:id="rId10"/>
-    <p:sldId id="274" r:id="rId11"/>
+    <p:sldId id="275" r:id="rId9"/>
+    <p:sldId id="267" r:id="rId10"/>
+    <p:sldId id="271" r:id="rId11"/>
+    <p:sldId id="274" r:id="rId12"/>
   </p:sldIdLst>
   <p:sldSz cx="9144000" cy="6858000" type="screen4x3"/>
   <p:notesSz cx="6858000" cy="9144000"/>
@@ -6622,1366 +6623,6 @@
       <dsp:cNvGrpSpPr/>
     </dsp:nvGrpSpPr>
     <dsp:grpSpPr/>
-    <dsp:sp modelId="{288E25FE-C886-4621-A966-59C9FC5509D9}">
-      <dsp:nvSpPr>
-        <dsp:cNvPr id="0" name=""/>
-        <dsp:cNvSpPr/>
-      </dsp:nvSpPr>
-      <dsp:spPr>
-        <a:xfrm>
-          <a:off x="962" y="0"/>
-          <a:ext cx="2503103" cy="4856163"/>
-        </a:xfrm>
-        <a:prstGeom prst="roundRect">
-          <a:avLst>
-            <a:gd name="adj" fmla="val 10000"/>
-          </a:avLst>
-        </a:prstGeom>
-        <a:solidFill>
-          <a:schemeClr val="accent1">
-            <a:tint val="40000"/>
-            <a:hueOff val="0"/>
-            <a:satOff val="0"/>
-            <a:lumOff val="0"/>
-            <a:alphaOff val="0"/>
-          </a:schemeClr>
-        </a:solidFill>
-        <a:ln>
-          <a:noFill/>
-        </a:ln>
-        <a:effectLst/>
-      </dsp:spPr>
-      <dsp:style>
-        <a:lnRef idx="0">
-          <a:scrgbClr r="0" g="0" b="0"/>
-        </a:lnRef>
-        <a:fillRef idx="1">
-          <a:scrgbClr r="0" g="0" b="0"/>
-        </a:fillRef>
-        <a:effectRef idx="0">
-          <a:scrgbClr r="0" g="0" b="0"/>
-        </a:effectRef>
-        <a:fontRef idx="minor"/>
-      </dsp:style>
-      <dsp:txBody>
-        <a:bodyPr spcFirstLastPara="0" vert="horz" wrap="square" lIns="91440" tIns="91440" rIns="91440" bIns="91440" numCol="1" spcCol="1270" anchor="ctr" anchorCtr="0">
-          <a:noAutofit/>
-        </a:bodyPr>
-        <a:lstStyle/>
-        <a:p>
-          <a:pPr lvl="0" algn="ctr" defTabSz="1066800">
-            <a:lnSpc>
-              <a:spcPct val="90000"/>
-            </a:lnSpc>
-            <a:spcBef>
-              <a:spcPct val="0"/>
-            </a:spcBef>
-            <a:spcAft>
-              <a:spcPct val="35000"/>
-            </a:spcAft>
-          </a:pPr>
-          <a:r>
-            <a:rPr lang="en-US" altLang="zh-CN" sz="2400" kern="1200" dirty="0" smtClean="0"/>
-            <a:t>A. </a:t>
-          </a:r>
-          <a:r>
-            <a:rPr lang="zh-CN" altLang="en-US" sz="2400" kern="1200" dirty="0" smtClean="0"/>
-            <a:t>中心信息平台</a:t>
-          </a:r>
-          <a:endParaRPr lang="zh-CN" altLang="en-US" sz="2400" kern="1200" dirty="0"/>
-        </a:p>
-      </dsp:txBody>
-      <dsp:txXfrm>
-        <a:off x="962" y="0"/>
-        <a:ext cx="2503103" cy="1456848"/>
-      </dsp:txXfrm>
-    </dsp:sp>
-    <dsp:sp modelId="{D253D9BD-89F6-4692-8B70-DFD77DBF5F99}">
-      <dsp:nvSpPr>
-        <dsp:cNvPr id="0" name=""/>
-        <dsp:cNvSpPr/>
-      </dsp:nvSpPr>
-      <dsp:spPr>
-        <a:xfrm>
-          <a:off x="251273" y="1457086"/>
-          <a:ext cx="2002482" cy="466231"/>
-        </a:xfrm>
-        <a:prstGeom prst="roundRect">
-          <a:avLst>
-            <a:gd name="adj" fmla="val 10000"/>
-          </a:avLst>
-        </a:prstGeom>
-        <a:solidFill>
-          <a:schemeClr val="accent1">
-            <a:hueOff val="0"/>
-            <a:satOff val="0"/>
-            <a:lumOff val="0"/>
-            <a:alphaOff val="0"/>
-          </a:schemeClr>
-        </a:solidFill>
-        <a:ln w="12700" cap="flat" cmpd="sng" algn="ctr">
-          <a:solidFill>
-            <a:schemeClr val="lt1">
-              <a:hueOff val="0"/>
-              <a:satOff val="0"/>
-              <a:lumOff val="0"/>
-              <a:alphaOff val="0"/>
-            </a:schemeClr>
-          </a:solidFill>
-          <a:prstDash val="solid"/>
-          <a:miter lim="800000"/>
-        </a:ln>
-        <a:effectLst/>
-      </dsp:spPr>
-      <dsp:style>
-        <a:lnRef idx="2">
-          <a:scrgbClr r="0" g="0" b="0"/>
-        </a:lnRef>
-        <a:fillRef idx="1">
-          <a:scrgbClr r="0" g="0" b="0"/>
-        </a:fillRef>
-        <a:effectRef idx="0">
-          <a:scrgbClr r="0" g="0" b="0"/>
-        </a:effectRef>
-        <a:fontRef idx="minor">
-          <a:schemeClr val="lt1"/>
-        </a:fontRef>
-      </dsp:style>
-      <dsp:txBody>
-        <a:bodyPr spcFirstLastPara="0" vert="horz" wrap="square" lIns="40640" tIns="30480" rIns="40640" bIns="30480" numCol="1" spcCol="1270" anchor="ctr" anchorCtr="0">
-          <a:noAutofit/>
-        </a:bodyPr>
-        <a:lstStyle/>
-        <a:p>
-          <a:pPr lvl="0" algn="ctr" defTabSz="711200">
-            <a:lnSpc>
-              <a:spcPct val="90000"/>
-            </a:lnSpc>
-            <a:spcBef>
-              <a:spcPct val="0"/>
-            </a:spcBef>
-            <a:spcAft>
-              <a:spcPct val="35000"/>
-            </a:spcAft>
-          </a:pPr>
-          <a:r>
-            <a:rPr lang="zh-CN" altLang="en-US" sz="1600" kern="1200" dirty="0" smtClean="0"/>
-            <a:t>资源展示与云平台</a:t>
-          </a:r>
-          <a:endParaRPr lang="zh-CN" altLang="en-US" sz="1600" kern="1200" dirty="0"/>
-        </a:p>
-      </dsp:txBody>
-      <dsp:txXfrm>
-        <a:off x="264928" y="1470741"/>
-        <a:ext cx="1975172" cy="438921"/>
-      </dsp:txXfrm>
-    </dsp:sp>
-    <dsp:sp modelId="{7B83F59D-9490-4852-884A-7D43CD4F0C39}">
-      <dsp:nvSpPr>
-        <dsp:cNvPr id="0" name=""/>
-        <dsp:cNvSpPr/>
-      </dsp:nvSpPr>
-      <dsp:spPr>
-        <a:xfrm>
-          <a:off x="251273" y="1995045"/>
-          <a:ext cx="2002482" cy="466231"/>
-        </a:xfrm>
-        <a:prstGeom prst="roundRect">
-          <a:avLst>
-            <a:gd name="adj" fmla="val 10000"/>
-          </a:avLst>
-        </a:prstGeom>
-        <a:solidFill>
-          <a:schemeClr val="accent1">
-            <a:hueOff val="0"/>
-            <a:satOff val="0"/>
-            <a:lumOff val="0"/>
-            <a:alphaOff val="0"/>
-          </a:schemeClr>
-        </a:solidFill>
-        <a:ln w="12700" cap="flat" cmpd="sng" algn="ctr">
-          <a:solidFill>
-            <a:schemeClr val="lt1">
-              <a:hueOff val="0"/>
-              <a:satOff val="0"/>
-              <a:lumOff val="0"/>
-              <a:alphaOff val="0"/>
-            </a:schemeClr>
-          </a:solidFill>
-          <a:prstDash val="solid"/>
-          <a:miter lim="800000"/>
-        </a:ln>
-        <a:effectLst/>
-      </dsp:spPr>
-      <dsp:style>
-        <a:lnRef idx="2">
-          <a:scrgbClr r="0" g="0" b="0"/>
-        </a:lnRef>
-        <a:fillRef idx="1">
-          <a:scrgbClr r="0" g="0" b="0"/>
-        </a:fillRef>
-        <a:effectRef idx="0">
-          <a:scrgbClr r="0" g="0" b="0"/>
-        </a:effectRef>
-        <a:fontRef idx="minor">
-          <a:schemeClr val="lt1"/>
-        </a:fontRef>
-      </dsp:style>
-      <dsp:txBody>
-        <a:bodyPr spcFirstLastPara="0" vert="horz" wrap="square" lIns="40640" tIns="30480" rIns="40640" bIns="30480" numCol="1" spcCol="1270" anchor="ctr" anchorCtr="0">
-          <a:noAutofit/>
-        </a:bodyPr>
-        <a:lstStyle/>
-        <a:p>
-          <a:pPr lvl="0" algn="ctr" defTabSz="711200">
-            <a:lnSpc>
-              <a:spcPct val="90000"/>
-            </a:lnSpc>
-            <a:spcBef>
-              <a:spcPct val="0"/>
-            </a:spcBef>
-            <a:spcAft>
-              <a:spcPct val="35000"/>
-            </a:spcAft>
-          </a:pPr>
-          <a:r>
-            <a:rPr lang="zh-CN" altLang="en-US" sz="1600" kern="1200" dirty="0" smtClean="0"/>
-            <a:t>全球在线学习资料库</a:t>
-          </a:r>
-          <a:endParaRPr lang="zh-CN" altLang="en-US" sz="1600" kern="1200" dirty="0"/>
-        </a:p>
-      </dsp:txBody>
-      <dsp:txXfrm>
-        <a:off x="264928" y="2008700"/>
-        <a:ext cx="1975172" cy="438921"/>
-      </dsp:txXfrm>
-    </dsp:sp>
-    <dsp:sp modelId="{AC342D32-7D85-4628-A875-F0372EB8990B}">
-      <dsp:nvSpPr>
-        <dsp:cNvPr id="0" name=""/>
-        <dsp:cNvSpPr/>
-      </dsp:nvSpPr>
-      <dsp:spPr>
-        <a:xfrm>
-          <a:off x="251273" y="2533005"/>
-          <a:ext cx="2002482" cy="466231"/>
-        </a:xfrm>
-        <a:prstGeom prst="roundRect">
-          <a:avLst>
-            <a:gd name="adj" fmla="val 10000"/>
-          </a:avLst>
-        </a:prstGeom>
-        <a:solidFill>
-          <a:schemeClr val="accent1">
-            <a:hueOff val="0"/>
-            <a:satOff val="0"/>
-            <a:lumOff val="0"/>
-            <a:alphaOff val="0"/>
-          </a:schemeClr>
-        </a:solidFill>
-        <a:ln w="12700" cap="flat" cmpd="sng" algn="ctr">
-          <a:solidFill>
-            <a:schemeClr val="lt1">
-              <a:hueOff val="0"/>
-              <a:satOff val="0"/>
-              <a:lumOff val="0"/>
-              <a:alphaOff val="0"/>
-            </a:schemeClr>
-          </a:solidFill>
-          <a:prstDash val="solid"/>
-          <a:miter lim="800000"/>
-        </a:ln>
-        <a:effectLst/>
-      </dsp:spPr>
-      <dsp:style>
-        <a:lnRef idx="2">
-          <a:scrgbClr r="0" g="0" b="0"/>
-        </a:lnRef>
-        <a:fillRef idx="1">
-          <a:scrgbClr r="0" g="0" b="0"/>
-        </a:fillRef>
-        <a:effectRef idx="0">
-          <a:scrgbClr r="0" g="0" b="0"/>
-        </a:effectRef>
-        <a:fontRef idx="minor">
-          <a:schemeClr val="lt1"/>
-        </a:fontRef>
-      </dsp:style>
-      <dsp:txBody>
-        <a:bodyPr spcFirstLastPara="0" vert="horz" wrap="square" lIns="40640" tIns="30480" rIns="40640" bIns="30480" numCol="1" spcCol="1270" anchor="ctr" anchorCtr="0">
-          <a:noAutofit/>
-        </a:bodyPr>
-        <a:lstStyle/>
-        <a:p>
-          <a:pPr lvl="0" algn="ctr" defTabSz="711200">
-            <a:lnSpc>
-              <a:spcPct val="90000"/>
-            </a:lnSpc>
-            <a:spcBef>
-              <a:spcPct val="0"/>
-            </a:spcBef>
-            <a:spcAft>
-              <a:spcPct val="35000"/>
-            </a:spcAft>
-          </a:pPr>
-          <a:r>
-            <a:rPr lang="zh-CN" altLang="en-US" sz="1600" kern="1200" dirty="0" smtClean="0"/>
-            <a:t>在线开放课程</a:t>
-          </a:r>
-          <a:endParaRPr lang="zh-CN" altLang="en-US" sz="1600" kern="1200" dirty="0"/>
-        </a:p>
-      </dsp:txBody>
-      <dsp:txXfrm>
-        <a:off x="264928" y="2546660"/>
-        <a:ext cx="1975172" cy="438921"/>
-      </dsp:txXfrm>
-    </dsp:sp>
-    <dsp:sp modelId="{0990EDE3-62A7-4D72-98FF-0F1A695CE6CA}">
-      <dsp:nvSpPr>
-        <dsp:cNvPr id="0" name=""/>
-        <dsp:cNvSpPr/>
-      </dsp:nvSpPr>
-      <dsp:spPr>
-        <a:xfrm>
-          <a:off x="251273" y="3070965"/>
-          <a:ext cx="2002482" cy="466231"/>
-        </a:xfrm>
-        <a:prstGeom prst="roundRect">
-          <a:avLst>
-            <a:gd name="adj" fmla="val 10000"/>
-          </a:avLst>
-        </a:prstGeom>
-        <a:solidFill>
-          <a:schemeClr val="accent1">
-            <a:hueOff val="0"/>
-            <a:satOff val="0"/>
-            <a:lumOff val="0"/>
-            <a:alphaOff val="0"/>
-          </a:schemeClr>
-        </a:solidFill>
-        <a:ln w="12700" cap="flat" cmpd="sng" algn="ctr">
-          <a:solidFill>
-            <a:schemeClr val="lt1">
-              <a:hueOff val="0"/>
-              <a:satOff val="0"/>
-              <a:lumOff val="0"/>
-              <a:alphaOff val="0"/>
-            </a:schemeClr>
-          </a:solidFill>
-          <a:prstDash val="solid"/>
-          <a:miter lim="800000"/>
-        </a:ln>
-        <a:effectLst/>
-      </dsp:spPr>
-      <dsp:style>
-        <a:lnRef idx="2">
-          <a:scrgbClr r="0" g="0" b="0"/>
-        </a:lnRef>
-        <a:fillRef idx="1">
-          <a:scrgbClr r="0" g="0" b="0"/>
-        </a:fillRef>
-        <a:effectRef idx="0">
-          <a:scrgbClr r="0" g="0" b="0"/>
-        </a:effectRef>
-        <a:fontRef idx="minor">
-          <a:schemeClr val="lt1"/>
-        </a:fontRef>
-      </dsp:style>
-      <dsp:txBody>
-        <a:bodyPr spcFirstLastPara="0" vert="horz" wrap="square" lIns="40640" tIns="30480" rIns="40640" bIns="30480" numCol="1" spcCol="1270" anchor="ctr" anchorCtr="0">
-          <a:noAutofit/>
-        </a:bodyPr>
-        <a:lstStyle/>
-        <a:p>
-          <a:pPr lvl="0" algn="ctr" defTabSz="711200">
-            <a:lnSpc>
-              <a:spcPct val="90000"/>
-            </a:lnSpc>
-            <a:spcBef>
-              <a:spcPct val="0"/>
-            </a:spcBef>
-            <a:spcAft>
-              <a:spcPct val="35000"/>
-            </a:spcAft>
-          </a:pPr>
-          <a:r>
-            <a:rPr lang="zh-CN" altLang="en-US" sz="1600" kern="1200" dirty="0" smtClean="0"/>
-            <a:t>标准流程及模板</a:t>
-          </a:r>
-          <a:endParaRPr lang="zh-CN" altLang="en-US" sz="1600" kern="1200" dirty="0"/>
-        </a:p>
-      </dsp:txBody>
-      <dsp:txXfrm>
-        <a:off x="264928" y="3084620"/>
-        <a:ext cx="1975172" cy="438921"/>
-      </dsp:txXfrm>
-    </dsp:sp>
-    <dsp:sp modelId="{8ED340B9-6DF9-4961-9517-86A0E8EC9966}">
-      <dsp:nvSpPr>
-        <dsp:cNvPr id="0" name=""/>
-        <dsp:cNvSpPr/>
-      </dsp:nvSpPr>
-      <dsp:spPr>
-        <a:xfrm>
-          <a:off x="251273" y="3608925"/>
-          <a:ext cx="2002482" cy="466231"/>
-        </a:xfrm>
-        <a:prstGeom prst="roundRect">
-          <a:avLst>
-            <a:gd name="adj" fmla="val 10000"/>
-          </a:avLst>
-        </a:prstGeom>
-        <a:solidFill>
-          <a:schemeClr val="accent1">
-            <a:hueOff val="0"/>
-            <a:satOff val="0"/>
-            <a:lumOff val="0"/>
-            <a:alphaOff val="0"/>
-          </a:schemeClr>
-        </a:solidFill>
-        <a:ln w="12700" cap="flat" cmpd="sng" algn="ctr">
-          <a:solidFill>
-            <a:schemeClr val="lt1">
-              <a:hueOff val="0"/>
-              <a:satOff val="0"/>
-              <a:lumOff val="0"/>
-              <a:alphaOff val="0"/>
-            </a:schemeClr>
-          </a:solidFill>
-          <a:prstDash val="solid"/>
-          <a:miter lim="800000"/>
-        </a:ln>
-        <a:effectLst/>
-      </dsp:spPr>
-      <dsp:style>
-        <a:lnRef idx="2">
-          <a:scrgbClr r="0" g="0" b="0"/>
-        </a:lnRef>
-        <a:fillRef idx="1">
-          <a:scrgbClr r="0" g="0" b="0"/>
-        </a:fillRef>
-        <a:effectRef idx="0">
-          <a:scrgbClr r="0" g="0" b="0"/>
-        </a:effectRef>
-        <a:fontRef idx="minor">
-          <a:schemeClr val="lt1"/>
-        </a:fontRef>
-      </dsp:style>
-      <dsp:txBody>
-        <a:bodyPr spcFirstLastPara="0" vert="horz" wrap="square" lIns="40640" tIns="30480" rIns="40640" bIns="30480" numCol="1" spcCol="1270" anchor="ctr" anchorCtr="0">
-          <a:noAutofit/>
-        </a:bodyPr>
-        <a:lstStyle/>
-        <a:p>
-          <a:pPr lvl="0" algn="ctr" defTabSz="711200">
-            <a:lnSpc>
-              <a:spcPct val="90000"/>
-            </a:lnSpc>
-            <a:spcBef>
-              <a:spcPct val="0"/>
-            </a:spcBef>
-            <a:spcAft>
-              <a:spcPct val="35000"/>
-            </a:spcAft>
-          </a:pPr>
-          <a:r>
-            <a:rPr lang="zh-CN" altLang="en-US" sz="1600" kern="1200" dirty="0" smtClean="0"/>
-            <a:t>学生成果展示</a:t>
-          </a:r>
-          <a:endParaRPr lang="zh-CN" altLang="en-US" sz="1600" kern="1200" dirty="0"/>
-        </a:p>
-      </dsp:txBody>
-      <dsp:txXfrm>
-        <a:off x="264928" y="3622580"/>
-        <a:ext cx="1975172" cy="438921"/>
-      </dsp:txXfrm>
-    </dsp:sp>
-    <dsp:sp modelId="{57944BE7-B38E-4C34-B89C-F933C3671334}">
-      <dsp:nvSpPr>
-        <dsp:cNvPr id="0" name=""/>
-        <dsp:cNvSpPr/>
-      </dsp:nvSpPr>
-      <dsp:spPr>
-        <a:xfrm>
-          <a:off x="251273" y="4146885"/>
-          <a:ext cx="2002482" cy="466231"/>
-        </a:xfrm>
-        <a:prstGeom prst="roundRect">
-          <a:avLst>
-            <a:gd name="adj" fmla="val 10000"/>
-          </a:avLst>
-        </a:prstGeom>
-        <a:solidFill>
-          <a:schemeClr val="accent1">
-            <a:hueOff val="0"/>
-            <a:satOff val="0"/>
-            <a:lumOff val="0"/>
-            <a:alphaOff val="0"/>
-          </a:schemeClr>
-        </a:solidFill>
-        <a:ln w="12700" cap="flat" cmpd="sng" algn="ctr">
-          <a:solidFill>
-            <a:schemeClr val="lt1">
-              <a:hueOff val="0"/>
-              <a:satOff val="0"/>
-              <a:lumOff val="0"/>
-              <a:alphaOff val="0"/>
-            </a:schemeClr>
-          </a:solidFill>
-          <a:prstDash val="solid"/>
-          <a:miter lim="800000"/>
-        </a:ln>
-        <a:effectLst/>
-      </dsp:spPr>
-      <dsp:style>
-        <a:lnRef idx="2">
-          <a:scrgbClr r="0" g="0" b="0"/>
-        </a:lnRef>
-        <a:fillRef idx="1">
-          <a:scrgbClr r="0" g="0" b="0"/>
-        </a:fillRef>
-        <a:effectRef idx="0">
-          <a:scrgbClr r="0" g="0" b="0"/>
-        </a:effectRef>
-        <a:fontRef idx="minor">
-          <a:schemeClr val="lt1"/>
-        </a:fontRef>
-      </dsp:style>
-      <dsp:txBody>
-        <a:bodyPr spcFirstLastPara="0" vert="horz" wrap="square" lIns="40640" tIns="30480" rIns="40640" bIns="30480" numCol="1" spcCol="1270" anchor="ctr" anchorCtr="0">
-          <a:noAutofit/>
-        </a:bodyPr>
-        <a:lstStyle/>
-        <a:p>
-          <a:pPr lvl="0" algn="ctr" defTabSz="711200">
-            <a:lnSpc>
-              <a:spcPct val="90000"/>
-            </a:lnSpc>
-            <a:spcBef>
-              <a:spcPct val="0"/>
-            </a:spcBef>
-            <a:spcAft>
-              <a:spcPct val="35000"/>
-            </a:spcAft>
-          </a:pPr>
-          <a:r>
-            <a:rPr lang="zh-CN" altLang="en-US" sz="1600" kern="1200" dirty="0" smtClean="0"/>
-            <a:t>资源预约系统</a:t>
-          </a:r>
-          <a:endParaRPr lang="zh-CN" altLang="en-US" sz="1600" kern="1200" dirty="0"/>
-        </a:p>
-      </dsp:txBody>
-      <dsp:txXfrm>
-        <a:off x="264928" y="4160540"/>
-        <a:ext cx="1975172" cy="438921"/>
-      </dsp:txXfrm>
-    </dsp:sp>
-    <dsp:sp modelId="{58281310-1F62-4787-B0EA-65659D294050}">
-      <dsp:nvSpPr>
-        <dsp:cNvPr id="0" name=""/>
-        <dsp:cNvSpPr/>
-      </dsp:nvSpPr>
-      <dsp:spPr>
-        <a:xfrm>
-          <a:off x="2691798" y="0"/>
-          <a:ext cx="2503103" cy="4856163"/>
-        </a:xfrm>
-        <a:prstGeom prst="roundRect">
-          <a:avLst>
-            <a:gd name="adj" fmla="val 10000"/>
-          </a:avLst>
-        </a:prstGeom>
-        <a:solidFill>
-          <a:schemeClr val="accent1">
-            <a:tint val="40000"/>
-            <a:hueOff val="0"/>
-            <a:satOff val="0"/>
-            <a:lumOff val="0"/>
-            <a:alphaOff val="0"/>
-          </a:schemeClr>
-        </a:solidFill>
-        <a:ln>
-          <a:noFill/>
-        </a:ln>
-        <a:effectLst/>
-      </dsp:spPr>
-      <dsp:style>
-        <a:lnRef idx="0">
-          <a:scrgbClr r="0" g="0" b="0"/>
-        </a:lnRef>
-        <a:fillRef idx="1">
-          <a:scrgbClr r="0" g="0" b="0"/>
-        </a:fillRef>
-        <a:effectRef idx="0">
-          <a:scrgbClr r="0" g="0" b="0"/>
-        </a:effectRef>
-        <a:fontRef idx="minor"/>
-      </dsp:style>
-      <dsp:txBody>
-        <a:bodyPr spcFirstLastPara="0" vert="horz" wrap="square" lIns="91440" tIns="91440" rIns="91440" bIns="91440" numCol="1" spcCol="1270" anchor="ctr" anchorCtr="0">
-          <a:noAutofit/>
-        </a:bodyPr>
-        <a:lstStyle/>
-        <a:p>
-          <a:pPr lvl="0" algn="ctr" defTabSz="1066800">
-            <a:lnSpc>
-              <a:spcPct val="90000"/>
-            </a:lnSpc>
-            <a:spcBef>
-              <a:spcPct val="0"/>
-            </a:spcBef>
-            <a:spcAft>
-              <a:spcPct val="35000"/>
-            </a:spcAft>
-          </a:pPr>
-          <a:r>
-            <a:rPr lang="en-US" altLang="zh-CN" sz="2400" kern="1200" dirty="0" smtClean="0"/>
-            <a:t>B. </a:t>
-          </a:r>
-          <a:r>
-            <a:rPr lang="zh-CN" altLang="en-US" sz="2400" kern="1200" dirty="0" smtClean="0"/>
-            <a:t>服务流程</a:t>
-          </a:r>
-          <a:endParaRPr lang="zh-CN" altLang="en-US" kern="1200" dirty="0"/>
-        </a:p>
-      </dsp:txBody>
-      <dsp:txXfrm>
-        <a:off x="2691798" y="0"/>
-        <a:ext cx="2503103" cy="1456848"/>
-      </dsp:txXfrm>
-    </dsp:sp>
-    <dsp:sp modelId="{4AA64F67-2B0D-4B13-8E1D-ED9A3A06BE4E}">
-      <dsp:nvSpPr>
-        <dsp:cNvPr id="0" name=""/>
-        <dsp:cNvSpPr/>
-      </dsp:nvSpPr>
-      <dsp:spPr>
-        <a:xfrm>
-          <a:off x="2942108" y="1457263"/>
-          <a:ext cx="2002482" cy="954041"/>
-        </a:xfrm>
-        <a:prstGeom prst="roundRect">
-          <a:avLst>
-            <a:gd name="adj" fmla="val 10000"/>
-          </a:avLst>
-        </a:prstGeom>
-        <a:solidFill>
-          <a:schemeClr val="accent1">
-            <a:hueOff val="0"/>
-            <a:satOff val="0"/>
-            <a:lumOff val="0"/>
-            <a:alphaOff val="0"/>
-          </a:schemeClr>
-        </a:solidFill>
-        <a:ln w="12700" cap="flat" cmpd="sng" algn="ctr">
-          <a:solidFill>
-            <a:schemeClr val="lt1">
-              <a:hueOff val="0"/>
-              <a:satOff val="0"/>
-              <a:lumOff val="0"/>
-              <a:alphaOff val="0"/>
-            </a:schemeClr>
-          </a:solidFill>
-          <a:prstDash val="solid"/>
-          <a:miter lim="800000"/>
-        </a:ln>
-        <a:effectLst/>
-      </dsp:spPr>
-      <dsp:style>
-        <a:lnRef idx="2">
-          <a:scrgbClr r="0" g="0" b="0"/>
-        </a:lnRef>
-        <a:fillRef idx="1">
-          <a:scrgbClr r="0" g="0" b="0"/>
-        </a:fillRef>
-        <a:effectRef idx="0">
-          <a:scrgbClr r="0" g="0" b="0"/>
-        </a:effectRef>
-        <a:fontRef idx="minor">
-          <a:schemeClr val="lt1"/>
-        </a:fontRef>
-      </dsp:style>
-      <dsp:txBody>
-        <a:bodyPr spcFirstLastPara="0" vert="horz" wrap="square" lIns="40640" tIns="30480" rIns="40640" bIns="30480" numCol="1" spcCol="1270" anchor="ctr" anchorCtr="0">
-          <a:noAutofit/>
-        </a:bodyPr>
-        <a:lstStyle/>
-        <a:p>
-          <a:pPr lvl="0" algn="ctr" defTabSz="711200">
-            <a:lnSpc>
-              <a:spcPct val="90000"/>
-            </a:lnSpc>
-            <a:spcBef>
-              <a:spcPct val="0"/>
-            </a:spcBef>
-            <a:spcAft>
-              <a:spcPct val="35000"/>
-            </a:spcAft>
-          </a:pPr>
-          <a:r>
-            <a:rPr lang="zh-CN" altLang="en-US" sz="1600" kern="1200" dirty="0" smtClean="0"/>
-            <a:t>基础工业实习</a:t>
-          </a:r>
-          <a:endParaRPr lang="zh-CN" altLang="en-US" sz="1600" kern="1200" dirty="0"/>
-        </a:p>
-      </dsp:txBody>
-      <dsp:txXfrm>
-        <a:off x="2970051" y="1485206"/>
-        <a:ext cx="1946596" cy="898155"/>
-      </dsp:txXfrm>
-    </dsp:sp>
-    <dsp:sp modelId="{9416161F-6AB2-418A-8E1B-5517DB72273E}">
-      <dsp:nvSpPr>
-        <dsp:cNvPr id="0" name=""/>
-        <dsp:cNvSpPr/>
-      </dsp:nvSpPr>
-      <dsp:spPr>
-        <a:xfrm>
-          <a:off x="2942108" y="2558081"/>
-          <a:ext cx="2002482" cy="954041"/>
-        </a:xfrm>
-        <a:prstGeom prst="roundRect">
-          <a:avLst>
-            <a:gd name="adj" fmla="val 10000"/>
-          </a:avLst>
-        </a:prstGeom>
-        <a:solidFill>
-          <a:schemeClr val="accent1">
-            <a:hueOff val="0"/>
-            <a:satOff val="0"/>
-            <a:lumOff val="0"/>
-            <a:alphaOff val="0"/>
-          </a:schemeClr>
-        </a:solidFill>
-        <a:ln w="12700" cap="flat" cmpd="sng" algn="ctr">
-          <a:solidFill>
-            <a:schemeClr val="lt1">
-              <a:hueOff val="0"/>
-              <a:satOff val="0"/>
-              <a:lumOff val="0"/>
-              <a:alphaOff val="0"/>
-            </a:schemeClr>
-          </a:solidFill>
-          <a:prstDash val="solid"/>
-          <a:miter lim="800000"/>
-        </a:ln>
-        <a:effectLst/>
-      </dsp:spPr>
-      <dsp:style>
-        <a:lnRef idx="2">
-          <a:scrgbClr r="0" g="0" b="0"/>
-        </a:lnRef>
-        <a:fillRef idx="1">
-          <a:scrgbClr r="0" g="0" b="0"/>
-        </a:fillRef>
-        <a:effectRef idx="0">
-          <a:scrgbClr r="0" g="0" b="0"/>
-        </a:effectRef>
-        <a:fontRef idx="minor">
-          <a:schemeClr val="lt1"/>
-        </a:fontRef>
-      </dsp:style>
-      <dsp:txBody>
-        <a:bodyPr spcFirstLastPara="0" vert="horz" wrap="square" lIns="40640" tIns="30480" rIns="40640" bIns="30480" numCol="1" spcCol="1270" anchor="ctr" anchorCtr="0">
-          <a:noAutofit/>
-        </a:bodyPr>
-        <a:lstStyle/>
-        <a:p>
-          <a:pPr lvl="0" algn="ctr" defTabSz="711200">
-            <a:lnSpc>
-              <a:spcPct val="90000"/>
-            </a:lnSpc>
-            <a:spcBef>
-              <a:spcPct val="0"/>
-            </a:spcBef>
-            <a:spcAft>
-              <a:spcPct val="35000"/>
-            </a:spcAft>
-          </a:pPr>
-          <a:r>
-            <a:rPr lang="zh-CN" altLang="en-US" sz="1600" kern="1200" dirty="0" smtClean="0"/>
-            <a:t>系统类、战略类、设计类课程</a:t>
-          </a:r>
-          <a:endParaRPr lang="zh-CN" altLang="en-US" sz="1600" kern="1200" dirty="0"/>
-        </a:p>
-      </dsp:txBody>
-      <dsp:txXfrm>
-        <a:off x="2970051" y="2586024"/>
-        <a:ext cx="1946596" cy="898155"/>
-      </dsp:txXfrm>
-    </dsp:sp>
-    <dsp:sp modelId="{5C4EA968-D21E-435D-81E9-18383051B82F}">
-      <dsp:nvSpPr>
-        <dsp:cNvPr id="0" name=""/>
-        <dsp:cNvSpPr/>
-      </dsp:nvSpPr>
-      <dsp:spPr>
-        <a:xfrm>
-          <a:off x="2942108" y="3658898"/>
-          <a:ext cx="2002482" cy="954041"/>
-        </a:xfrm>
-        <a:prstGeom prst="roundRect">
-          <a:avLst>
-            <a:gd name="adj" fmla="val 10000"/>
-          </a:avLst>
-        </a:prstGeom>
-        <a:solidFill>
-          <a:schemeClr val="accent1">
-            <a:hueOff val="0"/>
-            <a:satOff val="0"/>
-            <a:lumOff val="0"/>
-            <a:alphaOff val="0"/>
-          </a:schemeClr>
-        </a:solidFill>
-        <a:ln w="12700" cap="flat" cmpd="sng" algn="ctr">
-          <a:solidFill>
-            <a:schemeClr val="lt1">
-              <a:hueOff val="0"/>
-              <a:satOff val="0"/>
-              <a:lumOff val="0"/>
-              <a:alphaOff val="0"/>
-            </a:schemeClr>
-          </a:solidFill>
-          <a:prstDash val="solid"/>
-          <a:miter lim="800000"/>
-        </a:ln>
-        <a:effectLst/>
-      </dsp:spPr>
-      <dsp:style>
-        <a:lnRef idx="2">
-          <a:scrgbClr r="0" g="0" b="0"/>
-        </a:lnRef>
-        <a:fillRef idx="1">
-          <a:scrgbClr r="0" g="0" b="0"/>
-        </a:fillRef>
-        <a:effectRef idx="0">
-          <a:scrgbClr r="0" g="0" b="0"/>
-        </a:effectRef>
-        <a:fontRef idx="minor">
-          <a:schemeClr val="lt1"/>
-        </a:fontRef>
-      </dsp:style>
-      <dsp:txBody>
-        <a:bodyPr spcFirstLastPara="0" vert="horz" wrap="square" lIns="40640" tIns="30480" rIns="40640" bIns="30480" numCol="1" spcCol="1270" anchor="ctr" anchorCtr="0">
-          <a:noAutofit/>
-        </a:bodyPr>
-        <a:lstStyle/>
-        <a:p>
-          <a:pPr lvl="0" algn="ctr" defTabSz="711200">
-            <a:lnSpc>
-              <a:spcPct val="90000"/>
-            </a:lnSpc>
-            <a:spcBef>
-              <a:spcPct val="0"/>
-            </a:spcBef>
-            <a:spcAft>
-              <a:spcPct val="35000"/>
-            </a:spcAft>
-          </a:pPr>
-          <a:r>
-            <a:rPr lang="zh-CN" altLang="en-US" sz="1600" kern="1200" dirty="0" smtClean="0"/>
-            <a:t>学生创新实践活动</a:t>
-          </a:r>
-          <a:endParaRPr lang="en-US" altLang="zh-CN" sz="1600" kern="1200" dirty="0" smtClean="0"/>
-        </a:p>
-        <a:p>
-          <a:pPr lvl="0" algn="ctr" defTabSz="711200">
-            <a:lnSpc>
-              <a:spcPct val="90000"/>
-            </a:lnSpc>
-            <a:spcBef>
-              <a:spcPct val="0"/>
-            </a:spcBef>
-            <a:spcAft>
-              <a:spcPct val="35000"/>
-            </a:spcAft>
-          </a:pPr>
-          <a:r>
-            <a:rPr lang="zh-CN" altLang="en-US" sz="1600" kern="1200" dirty="0" smtClean="0"/>
-            <a:t>（竞赛、创客活动）</a:t>
-          </a:r>
-          <a:endParaRPr lang="zh-CN" altLang="en-US" sz="1600" kern="1200" dirty="0"/>
-        </a:p>
-      </dsp:txBody>
-      <dsp:txXfrm>
-        <a:off x="2970051" y="3686841"/>
-        <a:ext cx="1946596" cy="898155"/>
-      </dsp:txXfrm>
-    </dsp:sp>
-    <dsp:sp modelId="{7E2B7AB8-D8EA-4E32-AA90-AF6B0B07CA78}">
-      <dsp:nvSpPr>
-        <dsp:cNvPr id="0" name=""/>
-        <dsp:cNvSpPr/>
-      </dsp:nvSpPr>
-      <dsp:spPr>
-        <a:xfrm>
-          <a:off x="5382634" y="0"/>
-          <a:ext cx="2503103" cy="4856163"/>
-        </a:xfrm>
-        <a:prstGeom prst="roundRect">
-          <a:avLst>
-            <a:gd name="adj" fmla="val 10000"/>
-          </a:avLst>
-        </a:prstGeom>
-        <a:solidFill>
-          <a:schemeClr val="accent1">
-            <a:tint val="40000"/>
-            <a:hueOff val="0"/>
-            <a:satOff val="0"/>
-            <a:lumOff val="0"/>
-            <a:alphaOff val="0"/>
-          </a:schemeClr>
-        </a:solidFill>
-        <a:ln>
-          <a:noFill/>
-        </a:ln>
-        <a:effectLst/>
-      </dsp:spPr>
-      <dsp:style>
-        <a:lnRef idx="0">
-          <a:scrgbClr r="0" g="0" b="0"/>
-        </a:lnRef>
-        <a:fillRef idx="1">
-          <a:scrgbClr r="0" g="0" b="0"/>
-        </a:fillRef>
-        <a:effectRef idx="0">
-          <a:scrgbClr r="0" g="0" b="0"/>
-        </a:effectRef>
-        <a:fontRef idx="minor"/>
-      </dsp:style>
-      <dsp:txBody>
-        <a:bodyPr spcFirstLastPara="0" vert="horz" wrap="square" lIns="91440" tIns="91440" rIns="91440" bIns="91440" numCol="1" spcCol="1270" anchor="ctr" anchorCtr="0">
-          <a:noAutofit/>
-        </a:bodyPr>
-        <a:lstStyle/>
-        <a:p>
-          <a:pPr lvl="0" algn="ctr" defTabSz="1066800">
-            <a:lnSpc>
-              <a:spcPct val="90000"/>
-            </a:lnSpc>
-            <a:spcBef>
-              <a:spcPct val="0"/>
-            </a:spcBef>
-            <a:spcAft>
-              <a:spcPct val="35000"/>
-            </a:spcAft>
-          </a:pPr>
-          <a:r>
-            <a:rPr lang="en-US" altLang="zh-CN" sz="2400" kern="1200" dirty="0" smtClean="0"/>
-            <a:t>C. </a:t>
-          </a:r>
-          <a:r>
-            <a:rPr lang="zh-CN" altLang="en-US" sz="2400" kern="1200" dirty="0" smtClean="0"/>
-            <a:t>实体空间设计</a:t>
-          </a:r>
-          <a:endParaRPr lang="zh-CN" altLang="en-US" sz="2400" kern="1200" dirty="0"/>
-        </a:p>
-      </dsp:txBody>
-      <dsp:txXfrm>
-        <a:off x="5382634" y="0"/>
-        <a:ext cx="2503103" cy="1456848"/>
-      </dsp:txXfrm>
-    </dsp:sp>
-    <dsp:sp modelId="{89BB89BF-A212-415E-A4A1-687A44ACD648}">
-      <dsp:nvSpPr>
-        <dsp:cNvPr id="0" name=""/>
-        <dsp:cNvSpPr/>
-      </dsp:nvSpPr>
-      <dsp:spPr>
-        <a:xfrm>
-          <a:off x="5632944" y="1457767"/>
-          <a:ext cx="2002482" cy="561790"/>
-        </a:xfrm>
-        <a:prstGeom prst="roundRect">
-          <a:avLst>
-            <a:gd name="adj" fmla="val 10000"/>
-          </a:avLst>
-        </a:prstGeom>
-        <a:solidFill>
-          <a:schemeClr val="accent1">
-            <a:hueOff val="0"/>
-            <a:satOff val="0"/>
-            <a:lumOff val="0"/>
-            <a:alphaOff val="0"/>
-          </a:schemeClr>
-        </a:solidFill>
-        <a:ln w="12700" cap="flat" cmpd="sng" algn="ctr">
-          <a:solidFill>
-            <a:schemeClr val="lt1">
-              <a:hueOff val="0"/>
-              <a:satOff val="0"/>
-              <a:lumOff val="0"/>
-              <a:alphaOff val="0"/>
-            </a:schemeClr>
-          </a:solidFill>
-          <a:prstDash val="solid"/>
-          <a:miter lim="800000"/>
-        </a:ln>
-        <a:effectLst/>
-      </dsp:spPr>
-      <dsp:style>
-        <a:lnRef idx="2">
-          <a:scrgbClr r="0" g="0" b="0"/>
-        </a:lnRef>
-        <a:fillRef idx="1">
-          <a:scrgbClr r="0" g="0" b="0"/>
-        </a:fillRef>
-        <a:effectRef idx="0">
-          <a:scrgbClr r="0" g="0" b="0"/>
-        </a:effectRef>
-        <a:fontRef idx="minor">
-          <a:schemeClr val="lt1"/>
-        </a:fontRef>
-      </dsp:style>
-      <dsp:txBody>
-        <a:bodyPr spcFirstLastPara="0" vert="horz" wrap="square" lIns="40640" tIns="30480" rIns="40640" bIns="30480" numCol="1" spcCol="1270" anchor="ctr" anchorCtr="0">
-          <a:noAutofit/>
-        </a:bodyPr>
-        <a:lstStyle/>
-        <a:p>
-          <a:pPr lvl="0" algn="ctr" defTabSz="711200">
-            <a:lnSpc>
-              <a:spcPct val="90000"/>
-            </a:lnSpc>
-            <a:spcBef>
-              <a:spcPct val="0"/>
-            </a:spcBef>
-            <a:spcAft>
-              <a:spcPct val="35000"/>
-            </a:spcAft>
-          </a:pPr>
-          <a:r>
-            <a:rPr lang="zh-CN" altLang="en-US" sz="1600" kern="1200" dirty="0" smtClean="0"/>
-            <a:t>基础实习工作室</a:t>
-          </a:r>
-          <a:endParaRPr lang="zh-CN" altLang="en-US" sz="1600" kern="1200" dirty="0"/>
-        </a:p>
-      </dsp:txBody>
-      <dsp:txXfrm>
-        <a:off x="5649398" y="1474221"/>
-        <a:ext cx="1969574" cy="528882"/>
-      </dsp:txXfrm>
-    </dsp:sp>
-    <dsp:sp modelId="{7873841A-283E-4E98-A030-E5BE5FEA6643}">
-      <dsp:nvSpPr>
-        <dsp:cNvPr id="0" name=""/>
-        <dsp:cNvSpPr/>
-      </dsp:nvSpPr>
-      <dsp:spPr>
-        <a:xfrm>
-          <a:off x="5632944" y="2105987"/>
-          <a:ext cx="2002482" cy="561790"/>
-        </a:xfrm>
-        <a:prstGeom prst="roundRect">
-          <a:avLst>
-            <a:gd name="adj" fmla="val 10000"/>
-          </a:avLst>
-        </a:prstGeom>
-        <a:solidFill>
-          <a:schemeClr val="accent1">
-            <a:hueOff val="0"/>
-            <a:satOff val="0"/>
-            <a:lumOff val="0"/>
-            <a:alphaOff val="0"/>
-          </a:schemeClr>
-        </a:solidFill>
-        <a:ln w="12700" cap="flat" cmpd="sng" algn="ctr">
-          <a:solidFill>
-            <a:schemeClr val="lt1">
-              <a:hueOff val="0"/>
-              <a:satOff val="0"/>
-              <a:lumOff val="0"/>
-              <a:alphaOff val="0"/>
-            </a:schemeClr>
-          </a:solidFill>
-          <a:prstDash val="solid"/>
-          <a:miter lim="800000"/>
-        </a:ln>
-        <a:effectLst/>
-      </dsp:spPr>
-      <dsp:style>
-        <a:lnRef idx="2">
-          <a:scrgbClr r="0" g="0" b="0"/>
-        </a:lnRef>
-        <a:fillRef idx="1">
-          <a:scrgbClr r="0" g="0" b="0"/>
-        </a:fillRef>
-        <a:effectRef idx="0">
-          <a:scrgbClr r="0" g="0" b="0"/>
-        </a:effectRef>
-        <a:fontRef idx="minor">
-          <a:schemeClr val="lt1"/>
-        </a:fontRef>
-      </dsp:style>
-      <dsp:txBody>
-        <a:bodyPr spcFirstLastPara="0" vert="horz" wrap="square" lIns="40640" tIns="30480" rIns="40640" bIns="30480" numCol="1" spcCol="1270" anchor="ctr" anchorCtr="0">
-          <a:noAutofit/>
-        </a:bodyPr>
-        <a:lstStyle/>
-        <a:p>
-          <a:pPr lvl="0" algn="ctr" defTabSz="711200">
-            <a:lnSpc>
-              <a:spcPct val="90000"/>
-            </a:lnSpc>
-            <a:spcBef>
-              <a:spcPct val="0"/>
-            </a:spcBef>
-            <a:spcAft>
-              <a:spcPct val="35000"/>
-            </a:spcAft>
-          </a:pPr>
-          <a:r>
-            <a:rPr lang="zh-CN" altLang="en-US" sz="1600" kern="1200" dirty="0" smtClean="0"/>
-            <a:t>先进制造系统</a:t>
-          </a:r>
-          <a:endParaRPr lang="zh-CN" altLang="en-US" sz="1600" kern="1200" dirty="0"/>
-        </a:p>
-      </dsp:txBody>
-      <dsp:txXfrm>
-        <a:off x="5649398" y="2122441"/>
-        <a:ext cx="1969574" cy="528882"/>
-      </dsp:txXfrm>
-    </dsp:sp>
-    <dsp:sp modelId="{131F08B0-DE35-4740-923D-93E22C91042D}">
-      <dsp:nvSpPr>
-        <dsp:cNvPr id="0" name=""/>
-        <dsp:cNvSpPr/>
-      </dsp:nvSpPr>
-      <dsp:spPr>
-        <a:xfrm>
-          <a:off x="5632944" y="2754206"/>
-          <a:ext cx="2002482" cy="561790"/>
-        </a:xfrm>
-        <a:prstGeom prst="roundRect">
-          <a:avLst>
-            <a:gd name="adj" fmla="val 10000"/>
-          </a:avLst>
-        </a:prstGeom>
-        <a:solidFill>
-          <a:schemeClr val="accent1">
-            <a:hueOff val="0"/>
-            <a:satOff val="0"/>
-            <a:lumOff val="0"/>
-            <a:alphaOff val="0"/>
-          </a:schemeClr>
-        </a:solidFill>
-        <a:ln w="12700" cap="flat" cmpd="sng" algn="ctr">
-          <a:solidFill>
-            <a:schemeClr val="lt1">
-              <a:hueOff val="0"/>
-              <a:satOff val="0"/>
-              <a:lumOff val="0"/>
-              <a:alphaOff val="0"/>
-            </a:schemeClr>
-          </a:solidFill>
-          <a:prstDash val="solid"/>
-          <a:miter lim="800000"/>
-        </a:ln>
-        <a:effectLst/>
-      </dsp:spPr>
-      <dsp:style>
-        <a:lnRef idx="2">
-          <a:scrgbClr r="0" g="0" b="0"/>
-        </a:lnRef>
-        <a:fillRef idx="1">
-          <a:scrgbClr r="0" g="0" b="0"/>
-        </a:fillRef>
-        <a:effectRef idx="0">
-          <a:scrgbClr r="0" g="0" b="0"/>
-        </a:effectRef>
-        <a:fontRef idx="minor">
-          <a:schemeClr val="lt1"/>
-        </a:fontRef>
-      </dsp:style>
-      <dsp:txBody>
-        <a:bodyPr spcFirstLastPara="0" vert="horz" wrap="square" lIns="40640" tIns="30480" rIns="40640" bIns="30480" numCol="1" spcCol="1270" anchor="ctr" anchorCtr="0">
-          <a:noAutofit/>
-        </a:bodyPr>
-        <a:lstStyle/>
-        <a:p>
-          <a:pPr lvl="0" algn="ctr" defTabSz="711200">
-            <a:lnSpc>
-              <a:spcPct val="90000"/>
-            </a:lnSpc>
-            <a:spcBef>
-              <a:spcPct val="0"/>
-            </a:spcBef>
-            <a:spcAft>
-              <a:spcPct val="35000"/>
-            </a:spcAft>
-          </a:pPr>
-          <a:r>
-            <a:rPr lang="zh-CN" altLang="en-US" sz="1600" kern="1200" dirty="0" smtClean="0"/>
-            <a:t>研讨室及团队室</a:t>
-          </a:r>
-          <a:endParaRPr lang="en-US" altLang="zh-CN" sz="1600" kern="1200" dirty="0" smtClean="0"/>
-        </a:p>
-      </dsp:txBody>
-      <dsp:txXfrm>
-        <a:off x="5649398" y="2770660"/>
-        <a:ext cx="1969574" cy="528882"/>
-      </dsp:txXfrm>
-    </dsp:sp>
-    <dsp:sp modelId="{EC0BBE67-E7EE-4BDB-922B-9733BABB2322}">
-      <dsp:nvSpPr>
-        <dsp:cNvPr id="0" name=""/>
-        <dsp:cNvSpPr/>
-      </dsp:nvSpPr>
-      <dsp:spPr>
-        <a:xfrm>
-          <a:off x="5632944" y="3402426"/>
-          <a:ext cx="2002482" cy="561790"/>
-        </a:xfrm>
-        <a:prstGeom prst="roundRect">
-          <a:avLst>
-            <a:gd name="adj" fmla="val 10000"/>
-          </a:avLst>
-        </a:prstGeom>
-        <a:solidFill>
-          <a:schemeClr val="accent1">
-            <a:hueOff val="0"/>
-            <a:satOff val="0"/>
-            <a:lumOff val="0"/>
-            <a:alphaOff val="0"/>
-          </a:schemeClr>
-        </a:solidFill>
-        <a:ln w="12700" cap="flat" cmpd="sng" algn="ctr">
-          <a:solidFill>
-            <a:schemeClr val="lt1">
-              <a:hueOff val="0"/>
-              <a:satOff val="0"/>
-              <a:lumOff val="0"/>
-              <a:alphaOff val="0"/>
-            </a:schemeClr>
-          </a:solidFill>
-          <a:prstDash val="solid"/>
-          <a:miter lim="800000"/>
-        </a:ln>
-        <a:effectLst/>
-      </dsp:spPr>
-      <dsp:style>
-        <a:lnRef idx="2">
-          <a:scrgbClr r="0" g="0" b="0"/>
-        </a:lnRef>
-        <a:fillRef idx="1">
-          <a:scrgbClr r="0" g="0" b="0"/>
-        </a:fillRef>
-        <a:effectRef idx="0">
-          <a:scrgbClr r="0" g="0" b="0"/>
-        </a:effectRef>
-        <a:fontRef idx="minor">
-          <a:schemeClr val="lt1"/>
-        </a:fontRef>
-      </dsp:style>
-      <dsp:txBody>
-        <a:bodyPr spcFirstLastPara="0" vert="horz" wrap="square" lIns="40640" tIns="30480" rIns="40640" bIns="30480" numCol="1" spcCol="1270" anchor="ctr" anchorCtr="0">
-          <a:noAutofit/>
-        </a:bodyPr>
-        <a:lstStyle/>
-        <a:p>
-          <a:pPr lvl="0" algn="ctr" defTabSz="711200">
-            <a:lnSpc>
-              <a:spcPct val="90000"/>
-            </a:lnSpc>
-            <a:spcBef>
-              <a:spcPct val="0"/>
-            </a:spcBef>
-            <a:spcAft>
-              <a:spcPct val="35000"/>
-            </a:spcAft>
-          </a:pPr>
-          <a:r>
-            <a:rPr lang="zh-CN" altLang="en-US" sz="1600" kern="1200" dirty="0" smtClean="0"/>
-            <a:t>文化区</a:t>
-          </a:r>
-          <a:endParaRPr lang="en-US" altLang="zh-CN" sz="1600" kern="1200" dirty="0" smtClean="0"/>
-        </a:p>
-      </dsp:txBody>
-      <dsp:txXfrm>
-        <a:off x="5649398" y="3418880"/>
-        <a:ext cx="1969574" cy="528882"/>
-      </dsp:txXfrm>
-    </dsp:sp>
-    <dsp:sp modelId="{79C28DAB-55F1-4DB0-AE20-2AAA42F8608A}">
-      <dsp:nvSpPr>
-        <dsp:cNvPr id="0" name=""/>
-        <dsp:cNvSpPr/>
-      </dsp:nvSpPr>
-      <dsp:spPr>
-        <a:xfrm>
-          <a:off x="5632944" y="4050645"/>
-          <a:ext cx="2002482" cy="561790"/>
-        </a:xfrm>
-        <a:prstGeom prst="roundRect">
-          <a:avLst>
-            <a:gd name="adj" fmla="val 10000"/>
-          </a:avLst>
-        </a:prstGeom>
-        <a:solidFill>
-          <a:schemeClr val="accent1">
-            <a:hueOff val="0"/>
-            <a:satOff val="0"/>
-            <a:lumOff val="0"/>
-            <a:alphaOff val="0"/>
-          </a:schemeClr>
-        </a:solidFill>
-        <a:ln w="12700" cap="flat" cmpd="sng" algn="ctr">
-          <a:solidFill>
-            <a:schemeClr val="lt1">
-              <a:hueOff val="0"/>
-              <a:satOff val="0"/>
-              <a:lumOff val="0"/>
-              <a:alphaOff val="0"/>
-            </a:schemeClr>
-          </a:solidFill>
-          <a:prstDash val="solid"/>
-          <a:miter lim="800000"/>
-        </a:ln>
-        <a:effectLst/>
-      </dsp:spPr>
-      <dsp:style>
-        <a:lnRef idx="2">
-          <a:scrgbClr r="0" g="0" b="0"/>
-        </a:lnRef>
-        <a:fillRef idx="1">
-          <a:scrgbClr r="0" g="0" b="0"/>
-        </a:fillRef>
-        <a:effectRef idx="0">
-          <a:scrgbClr r="0" g="0" b="0"/>
-        </a:effectRef>
-        <a:fontRef idx="minor">
-          <a:schemeClr val="lt1"/>
-        </a:fontRef>
-      </dsp:style>
-      <dsp:txBody>
-        <a:bodyPr spcFirstLastPara="0" vert="horz" wrap="square" lIns="40640" tIns="30480" rIns="40640" bIns="30480" numCol="1" spcCol="1270" anchor="ctr" anchorCtr="0">
-          <a:noAutofit/>
-        </a:bodyPr>
-        <a:lstStyle/>
-        <a:p>
-          <a:pPr lvl="0" algn="ctr" defTabSz="711200">
-            <a:lnSpc>
-              <a:spcPct val="90000"/>
-            </a:lnSpc>
-            <a:spcBef>
-              <a:spcPct val="0"/>
-            </a:spcBef>
-            <a:spcAft>
-              <a:spcPct val="35000"/>
-            </a:spcAft>
-          </a:pPr>
-          <a:r>
-            <a:rPr lang="zh-CN" altLang="en-US" sz="1600" kern="1200" dirty="0" smtClean="0"/>
-            <a:t>讨论室及工作区</a:t>
-          </a:r>
-          <a:endParaRPr lang="zh-CN" altLang="en-US" sz="1600" kern="1200" dirty="0"/>
-        </a:p>
-      </dsp:txBody>
-      <dsp:txXfrm>
-        <a:off x="5649398" y="4067099"/>
-        <a:ext cx="1969574" cy="528882"/>
-      </dsp:txXfrm>
-    </dsp:sp>
   </dsp:spTree>
 </dsp:drawing>
 </file>
@@ -9807,1729 +8448,6 @@
       <dsp:cNvGrpSpPr/>
     </dsp:nvGrpSpPr>
     <dsp:grpSpPr/>
-    <dsp:sp modelId="{288E25FE-C886-4621-A966-59C9FC5509D9}">
-      <dsp:nvSpPr>
-        <dsp:cNvPr id="0" name=""/>
-        <dsp:cNvSpPr/>
-      </dsp:nvSpPr>
-      <dsp:spPr>
-        <a:xfrm>
-          <a:off x="2551" y="0"/>
-          <a:ext cx="2503880" cy="4856163"/>
-        </a:xfrm>
-        <a:prstGeom prst="roundRect">
-          <a:avLst>
-            <a:gd name="adj" fmla="val 10000"/>
-          </a:avLst>
-        </a:prstGeom>
-        <a:solidFill>
-          <a:schemeClr val="accent6">
-            <a:lumMod val="40000"/>
-            <a:lumOff val="60000"/>
-          </a:schemeClr>
-        </a:solidFill>
-        <a:ln>
-          <a:noFill/>
-        </a:ln>
-        <a:effectLst/>
-      </dsp:spPr>
-      <dsp:style>
-        <a:lnRef idx="0">
-          <a:scrgbClr r="0" g="0" b="0"/>
-        </a:lnRef>
-        <a:fillRef idx="1">
-          <a:scrgbClr r="0" g="0" b="0"/>
-        </a:fillRef>
-        <a:effectRef idx="0">
-          <a:scrgbClr r="0" g="0" b="0"/>
-        </a:effectRef>
-        <a:fontRef idx="minor"/>
-      </dsp:style>
-      <dsp:txBody>
-        <a:bodyPr spcFirstLastPara="0" vert="horz" wrap="square" lIns="91440" tIns="91440" rIns="91440" bIns="91440" numCol="1" spcCol="1270" anchor="ctr" anchorCtr="0">
-          <a:noAutofit/>
-        </a:bodyPr>
-        <a:lstStyle/>
-        <a:p>
-          <a:pPr lvl="0" algn="ctr" defTabSz="1066800">
-            <a:lnSpc>
-              <a:spcPct val="90000"/>
-            </a:lnSpc>
-            <a:spcBef>
-              <a:spcPct val="0"/>
-            </a:spcBef>
-            <a:spcAft>
-              <a:spcPct val="35000"/>
-            </a:spcAft>
-          </a:pPr>
-          <a:r>
-            <a:rPr lang="zh-CN" altLang="en-US" sz="2400" kern="1200" dirty="0" smtClean="0"/>
-            <a:t>全球覆盖</a:t>
-          </a:r>
-          <a:endParaRPr lang="zh-CN" altLang="en-US" sz="2400" kern="1200" dirty="0"/>
-        </a:p>
-      </dsp:txBody>
-      <dsp:txXfrm>
-        <a:off x="2551" y="0"/>
-        <a:ext cx="2503880" cy="1456848"/>
-      </dsp:txXfrm>
-    </dsp:sp>
-    <dsp:sp modelId="{C9E76E66-494A-4C95-8D03-5D11BF2BC152}">
-      <dsp:nvSpPr>
-        <dsp:cNvPr id="0" name=""/>
-        <dsp:cNvSpPr/>
-      </dsp:nvSpPr>
-      <dsp:spPr>
-        <a:xfrm>
-          <a:off x="252939" y="1456967"/>
-          <a:ext cx="2003104" cy="707439"/>
-        </a:xfrm>
-        <a:prstGeom prst="roundRect">
-          <a:avLst>
-            <a:gd name="adj" fmla="val 10000"/>
-          </a:avLst>
-        </a:prstGeom>
-        <a:solidFill>
-          <a:schemeClr val="accent6"/>
-        </a:solidFill>
-        <a:ln w="12700" cap="flat" cmpd="sng" algn="ctr">
-          <a:solidFill>
-            <a:schemeClr val="accent6">
-              <a:shade val="50000"/>
-            </a:schemeClr>
-          </a:solidFill>
-          <a:prstDash val="solid"/>
-          <a:miter lim="800000"/>
-        </a:ln>
-        <a:effectLst/>
-      </dsp:spPr>
-      <dsp:style>
-        <a:lnRef idx="2">
-          <a:schemeClr val="accent6">
-            <a:shade val="50000"/>
-          </a:schemeClr>
-        </a:lnRef>
-        <a:fillRef idx="1">
-          <a:schemeClr val="accent6"/>
-        </a:fillRef>
-        <a:effectRef idx="0">
-          <a:schemeClr val="accent6"/>
-        </a:effectRef>
-        <a:fontRef idx="minor">
-          <a:schemeClr val="lt1"/>
-        </a:fontRef>
-      </dsp:style>
-      <dsp:txBody>
-        <a:bodyPr spcFirstLastPara="0" vert="horz" wrap="square" lIns="40640" tIns="30480" rIns="40640" bIns="30480" numCol="1" spcCol="1270" anchor="ctr" anchorCtr="0">
-          <a:noAutofit/>
-        </a:bodyPr>
-        <a:lstStyle/>
-        <a:p>
-          <a:pPr lvl="0" algn="ctr" defTabSz="711200">
-            <a:lnSpc>
-              <a:spcPct val="90000"/>
-            </a:lnSpc>
-            <a:spcBef>
-              <a:spcPct val="0"/>
-            </a:spcBef>
-            <a:spcAft>
-              <a:spcPct val="35000"/>
-            </a:spcAft>
-          </a:pPr>
-          <a:r>
-            <a:rPr lang="zh-CN" altLang="en-US" sz="1600" kern="1200" dirty="0" smtClean="0"/>
-            <a:t>校内师生</a:t>
-          </a:r>
-          <a:endParaRPr lang="zh-CN" altLang="en-US" sz="1600" kern="1200" dirty="0"/>
-        </a:p>
-      </dsp:txBody>
-      <dsp:txXfrm>
-        <a:off x="273659" y="1477687"/>
-        <a:ext cx="1961664" cy="665999"/>
-      </dsp:txXfrm>
-    </dsp:sp>
-    <dsp:sp modelId="{9ADB364C-2B62-4AF0-A3E7-3D832401C6DA}">
-      <dsp:nvSpPr>
-        <dsp:cNvPr id="0" name=""/>
-        <dsp:cNvSpPr/>
-      </dsp:nvSpPr>
-      <dsp:spPr>
-        <a:xfrm>
-          <a:off x="252939" y="2273243"/>
-          <a:ext cx="2003104" cy="707439"/>
-        </a:xfrm>
-        <a:prstGeom prst="roundRect">
-          <a:avLst>
-            <a:gd name="adj" fmla="val 10000"/>
-          </a:avLst>
-        </a:prstGeom>
-        <a:solidFill>
-          <a:schemeClr val="accent6"/>
-        </a:solidFill>
-        <a:ln w="12700" cap="flat" cmpd="sng" algn="ctr">
-          <a:solidFill>
-            <a:schemeClr val="accent6">
-              <a:shade val="50000"/>
-            </a:schemeClr>
-          </a:solidFill>
-          <a:prstDash val="solid"/>
-          <a:miter lim="800000"/>
-        </a:ln>
-        <a:effectLst/>
-      </dsp:spPr>
-      <dsp:style>
-        <a:lnRef idx="2">
-          <a:schemeClr val="accent6">
-            <a:shade val="50000"/>
-          </a:schemeClr>
-        </a:lnRef>
-        <a:fillRef idx="1">
-          <a:schemeClr val="accent6"/>
-        </a:fillRef>
-        <a:effectRef idx="0">
-          <a:schemeClr val="accent6"/>
-        </a:effectRef>
-        <a:fontRef idx="minor">
-          <a:schemeClr val="lt1"/>
-        </a:fontRef>
-      </dsp:style>
-      <dsp:txBody>
-        <a:bodyPr spcFirstLastPara="0" vert="horz" wrap="square" lIns="40640" tIns="30480" rIns="40640" bIns="30480" numCol="1" spcCol="1270" anchor="ctr" anchorCtr="0">
-          <a:noAutofit/>
-        </a:bodyPr>
-        <a:lstStyle/>
-        <a:p>
-          <a:pPr lvl="0" algn="ctr" defTabSz="711200">
-            <a:lnSpc>
-              <a:spcPct val="90000"/>
-            </a:lnSpc>
-            <a:spcBef>
-              <a:spcPct val="0"/>
-            </a:spcBef>
-            <a:spcAft>
-              <a:spcPct val="35000"/>
-            </a:spcAft>
-          </a:pPr>
-          <a:r>
-            <a:rPr lang="zh-CN" altLang="en-US" sz="1600" kern="1200" dirty="0" smtClean="0"/>
-            <a:t>驻校创客</a:t>
-          </a:r>
-          <a:endParaRPr lang="zh-CN" altLang="en-US" sz="1600" kern="1200" dirty="0"/>
-        </a:p>
-      </dsp:txBody>
-      <dsp:txXfrm>
-        <a:off x="273659" y="2293963"/>
-        <a:ext cx="1961664" cy="665999"/>
-      </dsp:txXfrm>
-    </dsp:sp>
-    <dsp:sp modelId="{77B555E2-232C-456E-9D31-F65FE50F5A42}">
-      <dsp:nvSpPr>
-        <dsp:cNvPr id="0" name=""/>
-        <dsp:cNvSpPr/>
-      </dsp:nvSpPr>
-      <dsp:spPr>
-        <a:xfrm>
-          <a:off x="252939" y="3089520"/>
-          <a:ext cx="2003104" cy="707439"/>
-        </a:xfrm>
-        <a:prstGeom prst="roundRect">
-          <a:avLst>
-            <a:gd name="adj" fmla="val 10000"/>
-          </a:avLst>
-        </a:prstGeom>
-        <a:solidFill>
-          <a:schemeClr val="accent6"/>
-        </a:solidFill>
-        <a:ln w="12700" cap="flat" cmpd="sng" algn="ctr">
-          <a:solidFill>
-            <a:schemeClr val="accent6">
-              <a:shade val="50000"/>
-            </a:schemeClr>
-          </a:solidFill>
-          <a:prstDash val="solid"/>
-          <a:miter lim="800000"/>
-        </a:ln>
-        <a:effectLst/>
-      </dsp:spPr>
-      <dsp:style>
-        <a:lnRef idx="2">
-          <a:schemeClr val="accent6">
-            <a:shade val="50000"/>
-          </a:schemeClr>
-        </a:lnRef>
-        <a:fillRef idx="1">
-          <a:schemeClr val="accent6"/>
-        </a:fillRef>
-        <a:effectRef idx="0">
-          <a:schemeClr val="accent6"/>
-        </a:effectRef>
-        <a:fontRef idx="minor">
-          <a:schemeClr val="lt1"/>
-        </a:fontRef>
-      </dsp:style>
-      <dsp:txBody>
-        <a:bodyPr spcFirstLastPara="0" vert="horz" wrap="square" lIns="40640" tIns="30480" rIns="40640" bIns="30480" numCol="1" spcCol="1270" anchor="ctr" anchorCtr="0">
-          <a:noAutofit/>
-        </a:bodyPr>
-        <a:lstStyle/>
-        <a:p>
-          <a:pPr lvl="0" algn="ctr" defTabSz="711200">
-            <a:lnSpc>
-              <a:spcPct val="90000"/>
-            </a:lnSpc>
-            <a:spcBef>
-              <a:spcPct val="0"/>
-            </a:spcBef>
-            <a:spcAft>
-              <a:spcPct val="35000"/>
-            </a:spcAft>
-          </a:pPr>
-          <a:r>
-            <a:rPr lang="zh-CN" altLang="en-US" sz="1600" kern="1200" dirty="0" smtClean="0"/>
-            <a:t>企业产业人士</a:t>
-          </a:r>
-          <a:endParaRPr lang="en-US" altLang="zh-CN" sz="1600" kern="1200" dirty="0" smtClean="0"/>
-        </a:p>
-      </dsp:txBody>
-      <dsp:txXfrm>
-        <a:off x="273659" y="3110240"/>
-        <a:ext cx="1961664" cy="665999"/>
-      </dsp:txXfrm>
-    </dsp:sp>
-    <dsp:sp modelId="{5955D71D-FB34-473F-A7C8-012E8E85ABAE}">
-      <dsp:nvSpPr>
-        <dsp:cNvPr id="0" name=""/>
-        <dsp:cNvSpPr/>
-      </dsp:nvSpPr>
-      <dsp:spPr>
-        <a:xfrm>
-          <a:off x="252939" y="3905796"/>
-          <a:ext cx="2003104" cy="707439"/>
-        </a:xfrm>
-        <a:prstGeom prst="roundRect">
-          <a:avLst>
-            <a:gd name="adj" fmla="val 10000"/>
-          </a:avLst>
-        </a:prstGeom>
-        <a:solidFill>
-          <a:schemeClr val="accent6"/>
-        </a:solidFill>
-        <a:ln w="12700" cap="flat" cmpd="sng" algn="ctr">
-          <a:solidFill>
-            <a:schemeClr val="accent6">
-              <a:shade val="50000"/>
-            </a:schemeClr>
-          </a:solidFill>
-          <a:prstDash val="solid"/>
-          <a:miter lim="800000"/>
-        </a:ln>
-        <a:effectLst/>
-      </dsp:spPr>
-      <dsp:style>
-        <a:lnRef idx="2">
-          <a:schemeClr val="accent6">
-            <a:shade val="50000"/>
-          </a:schemeClr>
-        </a:lnRef>
-        <a:fillRef idx="1">
-          <a:schemeClr val="accent6"/>
-        </a:fillRef>
-        <a:effectRef idx="0">
-          <a:schemeClr val="accent6"/>
-        </a:effectRef>
-        <a:fontRef idx="minor">
-          <a:schemeClr val="lt1"/>
-        </a:fontRef>
-      </dsp:style>
-      <dsp:txBody>
-        <a:bodyPr spcFirstLastPara="0" vert="horz" wrap="square" lIns="40640" tIns="30480" rIns="40640" bIns="30480" numCol="1" spcCol="1270" anchor="ctr" anchorCtr="0">
-          <a:noAutofit/>
-        </a:bodyPr>
-        <a:lstStyle/>
-        <a:p>
-          <a:pPr lvl="0" algn="ctr" defTabSz="711200">
-            <a:lnSpc>
-              <a:spcPct val="90000"/>
-            </a:lnSpc>
-            <a:spcBef>
-              <a:spcPct val="0"/>
-            </a:spcBef>
-            <a:spcAft>
-              <a:spcPct val="35000"/>
-            </a:spcAft>
-          </a:pPr>
-          <a:r>
-            <a:rPr lang="zh-CN" altLang="en-US" sz="1600" kern="1200" dirty="0" smtClean="0"/>
-            <a:t>全球创客社区</a:t>
-          </a:r>
-          <a:endParaRPr lang="en-US" altLang="zh-CN" sz="1600" kern="1200" dirty="0" smtClean="0"/>
-        </a:p>
-      </dsp:txBody>
-      <dsp:txXfrm>
-        <a:off x="273659" y="3926516"/>
-        <a:ext cx="1961664" cy="665999"/>
-      </dsp:txXfrm>
-    </dsp:sp>
-    <dsp:sp modelId="{FF30C5DC-9D57-4726-9C2F-E5D84DC526DB}">
-      <dsp:nvSpPr>
-        <dsp:cNvPr id="0" name=""/>
-        <dsp:cNvSpPr/>
-      </dsp:nvSpPr>
-      <dsp:spPr>
-        <a:xfrm>
-          <a:off x="2694223" y="0"/>
-          <a:ext cx="2503880" cy="4856163"/>
-        </a:xfrm>
-        <a:prstGeom prst="roundRect">
-          <a:avLst>
-            <a:gd name="adj" fmla="val 10000"/>
-          </a:avLst>
-        </a:prstGeom>
-        <a:solidFill>
-          <a:schemeClr val="accent1">
-            <a:tint val="40000"/>
-            <a:hueOff val="0"/>
-            <a:satOff val="0"/>
-            <a:lumOff val="0"/>
-            <a:alphaOff val="0"/>
-          </a:schemeClr>
-        </a:solidFill>
-        <a:ln>
-          <a:noFill/>
-        </a:ln>
-        <a:effectLst/>
-      </dsp:spPr>
-      <dsp:style>
-        <a:lnRef idx="0">
-          <a:scrgbClr r="0" g="0" b="0"/>
-        </a:lnRef>
-        <a:fillRef idx="1">
-          <a:scrgbClr r="0" g="0" b="0"/>
-        </a:fillRef>
-        <a:effectRef idx="0">
-          <a:scrgbClr r="0" g="0" b="0"/>
-        </a:effectRef>
-        <a:fontRef idx="minor"/>
-      </dsp:style>
-      <dsp:txBody>
-        <a:bodyPr spcFirstLastPara="0" vert="horz" wrap="square" lIns="91440" tIns="91440" rIns="91440" bIns="91440" numCol="1" spcCol="1270" anchor="ctr" anchorCtr="0">
-          <a:noAutofit/>
-        </a:bodyPr>
-        <a:lstStyle/>
-        <a:p>
-          <a:pPr lvl="0" algn="ctr" defTabSz="1066800">
-            <a:lnSpc>
-              <a:spcPct val="90000"/>
-            </a:lnSpc>
-            <a:spcBef>
-              <a:spcPct val="0"/>
-            </a:spcBef>
-            <a:spcAft>
-              <a:spcPct val="35000"/>
-            </a:spcAft>
-          </a:pPr>
-          <a:r>
-            <a:rPr lang="en-US" altLang="zh-CN" sz="2400" kern="1200" dirty="0" smtClean="0"/>
-            <a:t>A. </a:t>
-          </a:r>
-          <a:r>
-            <a:rPr lang="zh-CN" altLang="en-US" sz="2400" kern="1200" dirty="0" smtClean="0"/>
-            <a:t>中心信息平台</a:t>
-          </a:r>
-          <a:endParaRPr lang="zh-CN" altLang="en-US" kern="1200" dirty="0"/>
-        </a:p>
-      </dsp:txBody>
-      <dsp:txXfrm>
-        <a:off x="2694223" y="0"/>
-        <a:ext cx="2503880" cy="1456848"/>
-      </dsp:txXfrm>
-    </dsp:sp>
-    <dsp:sp modelId="{D253D9BD-89F6-4692-8B70-DFD77DBF5F99}">
-      <dsp:nvSpPr>
-        <dsp:cNvPr id="0" name=""/>
-        <dsp:cNvSpPr/>
-      </dsp:nvSpPr>
-      <dsp:spPr>
-        <a:xfrm>
-          <a:off x="2944611" y="1457086"/>
-          <a:ext cx="2003104" cy="466231"/>
-        </a:xfrm>
-        <a:prstGeom prst="roundRect">
-          <a:avLst>
-            <a:gd name="adj" fmla="val 10000"/>
-          </a:avLst>
-        </a:prstGeom>
-        <a:solidFill>
-          <a:schemeClr val="accent1">
-            <a:hueOff val="0"/>
-            <a:satOff val="0"/>
-            <a:lumOff val="0"/>
-            <a:alphaOff val="0"/>
-          </a:schemeClr>
-        </a:solidFill>
-        <a:ln w="12700" cap="flat" cmpd="sng" algn="ctr">
-          <a:solidFill>
-            <a:schemeClr val="lt1">
-              <a:hueOff val="0"/>
-              <a:satOff val="0"/>
-              <a:lumOff val="0"/>
-              <a:alphaOff val="0"/>
-            </a:schemeClr>
-          </a:solidFill>
-          <a:prstDash val="solid"/>
-          <a:miter lim="800000"/>
-        </a:ln>
-        <a:effectLst/>
-      </dsp:spPr>
-      <dsp:style>
-        <a:lnRef idx="2">
-          <a:scrgbClr r="0" g="0" b="0"/>
-        </a:lnRef>
-        <a:fillRef idx="1">
-          <a:scrgbClr r="0" g="0" b="0"/>
-        </a:fillRef>
-        <a:effectRef idx="0">
-          <a:scrgbClr r="0" g="0" b="0"/>
-        </a:effectRef>
-        <a:fontRef idx="minor">
-          <a:schemeClr val="lt1"/>
-        </a:fontRef>
-      </dsp:style>
-      <dsp:txBody>
-        <a:bodyPr spcFirstLastPara="0" vert="horz" wrap="square" lIns="40640" tIns="30480" rIns="40640" bIns="30480" numCol="1" spcCol="1270" anchor="ctr" anchorCtr="0">
-          <a:noAutofit/>
-        </a:bodyPr>
-        <a:lstStyle/>
-        <a:p>
-          <a:pPr lvl="0" algn="ctr" defTabSz="711200">
-            <a:lnSpc>
-              <a:spcPct val="90000"/>
-            </a:lnSpc>
-            <a:spcBef>
-              <a:spcPct val="0"/>
-            </a:spcBef>
-            <a:spcAft>
-              <a:spcPct val="35000"/>
-            </a:spcAft>
-          </a:pPr>
-          <a:r>
-            <a:rPr lang="zh-CN" altLang="en-US" sz="1600" kern="1200" dirty="0" smtClean="0"/>
-            <a:t>资源展示与云平台</a:t>
-          </a:r>
-          <a:endParaRPr lang="zh-CN" altLang="en-US" sz="1600" kern="1200" dirty="0"/>
-        </a:p>
-      </dsp:txBody>
-      <dsp:txXfrm>
-        <a:off x="2958266" y="1470741"/>
-        <a:ext cx="1975794" cy="438921"/>
-      </dsp:txXfrm>
-    </dsp:sp>
-    <dsp:sp modelId="{7B83F59D-9490-4852-884A-7D43CD4F0C39}">
-      <dsp:nvSpPr>
-        <dsp:cNvPr id="0" name=""/>
-        <dsp:cNvSpPr/>
-      </dsp:nvSpPr>
-      <dsp:spPr>
-        <a:xfrm>
-          <a:off x="2944611" y="1995045"/>
-          <a:ext cx="2003104" cy="466231"/>
-        </a:xfrm>
-        <a:prstGeom prst="roundRect">
-          <a:avLst>
-            <a:gd name="adj" fmla="val 10000"/>
-          </a:avLst>
-        </a:prstGeom>
-        <a:solidFill>
-          <a:schemeClr val="accent1">
-            <a:hueOff val="0"/>
-            <a:satOff val="0"/>
-            <a:lumOff val="0"/>
-            <a:alphaOff val="0"/>
-          </a:schemeClr>
-        </a:solidFill>
-        <a:ln w="12700" cap="flat" cmpd="sng" algn="ctr">
-          <a:solidFill>
-            <a:schemeClr val="lt1">
-              <a:hueOff val="0"/>
-              <a:satOff val="0"/>
-              <a:lumOff val="0"/>
-              <a:alphaOff val="0"/>
-            </a:schemeClr>
-          </a:solidFill>
-          <a:prstDash val="solid"/>
-          <a:miter lim="800000"/>
-        </a:ln>
-        <a:effectLst/>
-      </dsp:spPr>
-      <dsp:style>
-        <a:lnRef idx="2">
-          <a:scrgbClr r="0" g="0" b="0"/>
-        </a:lnRef>
-        <a:fillRef idx="1">
-          <a:scrgbClr r="0" g="0" b="0"/>
-        </a:fillRef>
-        <a:effectRef idx="0">
-          <a:scrgbClr r="0" g="0" b="0"/>
-        </a:effectRef>
-        <a:fontRef idx="minor">
-          <a:schemeClr val="lt1"/>
-        </a:fontRef>
-      </dsp:style>
-      <dsp:txBody>
-        <a:bodyPr spcFirstLastPara="0" vert="horz" wrap="square" lIns="40640" tIns="30480" rIns="40640" bIns="30480" numCol="1" spcCol="1270" anchor="ctr" anchorCtr="0">
-          <a:noAutofit/>
-        </a:bodyPr>
-        <a:lstStyle/>
-        <a:p>
-          <a:pPr lvl="0" algn="ctr" defTabSz="711200">
-            <a:lnSpc>
-              <a:spcPct val="90000"/>
-            </a:lnSpc>
-            <a:spcBef>
-              <a:spcPct val="0"/>
-            </a:spcBef>
-            <a:spcAft>
-              <a:spcPct val="35000"/>
-            </a:spcAft>
-          </a:pPr>
-          <a:r>
-            <a:rPr lang="zh-CN" altLang="en-US" sz="1600" kern="1200" dirty="0" smtClean="0"/>
-            <a:t>全球在线学习资料库</a:t>
-          </a:r>
-          <a:endParaRPr lang="zh-CN" altLang="en-US" sz="1600" kern="1200" dirty="0"/>
-        </a:p>
-      </dsp:txBody>
-      <dsp:txXfrm>
-        <a:off x="2958266" y="2008700"/>
-        <a:ext cx="1975794" cy="438921"/>
-      </dsp:txXfrm>
-    </dsp:sp>
-    <dsp:sp modelId="{AC342D32-7D85-4628-A875-F0372EB8990B}">
-      <dsp:nvSpPr>
-        <dsp:cNvPr id="0" name=""/>
-        <dsp:cNvSpPr/>
-      </dsp:nvSpPr>
-      <dsp:spPr>
-        <a:xfrm>
-          <a:off x="2944611" y="2533005"/>
-          <a:ext cx="2003104" cy="466231"/>
-        </a:xfrm>
-        <a:prstGeom prst="roundRect">
-          <a:avLst>
-            <a:gd name="adj" fmla="val 10000"/>
-          </a:avLst>
-        </a:prstGeom>
-        <a:solidFill>
-          <a:schemeClr val="accent1">
-            <a:hueOff val="0"/>
-            <a:satOff val="0"/>
-            <a:lumOff val="0"/>
-            <a:alphaOff val="0"/>
-          </a:schemeClr>
-        </a:solidFill>
-        <a:ln w="12700" cap="flat" cmpd="sng" algn="ctr">
-          <a:solidFill>
-            <a:schemeClr val="lt1">
-              <a:hueOff val="0"/>
-              <a:satOff val="0"/>
-              <a:lumOff val="0"/>
-              <a:alphaOff val="0"/>
-            </a:schemeClr>
-          </a:solidFill>
-          <a:prstDash val="solid"/>
-          <a:miter lim="800000"/>
-        </a:ln>
-        <a:effectLst/>
-      </dsp:spPr>
-      <dsp:style>
-        <a:lnRef idx="2">
-          <a:scrgbClr r="0" g="0" b="0"/>
-        </a:lnRef>
-        <a:fillRef idx="1">
-          <a:scrgbClr r="0" g="0" b="0"/>
-        </a:fillRef>
-        <a:effectRef idx="0">
-          <a:scrgbClr r="0" g="0" b="0"/>
-        </a:effectRef>
-        <a:fontRef idx="minor">
-          <a:schemeClr val="lt1"/>
-        </a:fontRef>
-      </dsp:style>
-      <dsp:txBody>
-        <a:bodyPr spcFirstLastPara="0" vert="horz" wrap="square" lIns="40640" tIns="30480" rIns="40640" bIns="30480" numCol="1" spcCol="1270" anchor="ctr" anchorCtr="0">
-          <a:noAutofit/>
-        </a:bodyPr>
-        <a:lstStyle/>
-        <a:p>
-          <a:pPr lvl="0" algn="ctr" defTabSz="711200">
-            <a:lnSpc>
-              <a:spcPct val="90000"/>
-            </a:lnSpc>
-            <a:spcBef>
-              <a:spcPct val="0"/>
-            </a:spcBef>
-            <a:spcAft>
-              <a:spcPct val="35000"/>
-            </a:spcAft>
-          </a:pPr>
-          <a:r>
-            <a:rPr lang="zh-CN" altLang="en-US" sz="1600" kern="1200" dirty="0" smtClean="0"/>
-            <a:t>在线开放课程</a:t>
-          </a:r>
-          <a:endParaRPr lang="zh-CN" altLang="en-US" sz="1600" kern="1200" dirty="0"/>
-        </a:p>
-      </dsp:txBody>
-      <dsp:txXfrm>
-        <a:off x="2958266" y="2546660"/>
-        <a:ext cx="1975794" cy="438921"/>
-      </dsp:txXfrm>
-    </dsp:sp>
-    <dsp:sp modelId="{0990EDE3-62A7-4D72-98FF-0F1A695CE6CA}">
-      <dsp:nvSpPr>
-        <dsp:cNvPr id="0" name=""/>
-        <dsp:cNvSpPr/>
-      </dsp:nvSpPr>
-      <dsp:spPr>
-        <a:xfrm>
-          <a:off x="2944611" y="3070965"/>
-          <a:ext cx="2003104" cy="466231"/>
-        </a:xfrm>
-        <a:prstGeom prst="roundRect">
-          <a:avLst>
-            <a:gd name="adj" fmla="val 10000"/>
-          </a:avLst>
-        </a:prstGeom>
-        <a:solidFill>
-          <a:schemeClr val="accent1">
-            <a:hueOff val="0"/>
-            <a:satOff val="0"/>
-            <a:lumOff val="0"/>
-            <a:alphaOff val="0"/>
-          </a:schemeClr>
-        </a:solidFill>
-        <a:ln w="12700" cap="flat" cmpd="sng" algn="ctr">
-          <a:solidFill>
-            <a:schemeClr val="lt1">
-              <a:hueOff val="0"/>
-              <a:satOff val="0"/>
-              <a:lumOff val="0"/>
-              <a:alphaOff val="0"/>
-            </a:schemeClr>
-          </a:solidFill>
-          <a:prstDash val="solid"/>
-          <a:miter lim="800000"/>
-        </a:ln>
-        <a:effectLst/>
-      </dsp:spPr>
-      <dsp:style>
-        <a:lnRef idx="2">
-          <a:scrgbClr r="0" g="0" b="0"/>
-        </a:lnRef>
-        <a:fillRef idx="1">
-          <a:scrgbClr r="0" g="0" b="0"/>
-        </a:fillRef>
-        <a:effectRef idx="0">
-          <a:scrgbClr r="0" g="0" b="0"/>
-        </a:effectRef>
-        <a:fontRef idx="minor">
-          <a:schemeClr val="lt1"/>
-        </a:fontRef>
-      </dsp:style>
-      <dsp:txBody>
-        <a:bodyPr spcFirstLastPara="0" vert="horz" wrap="square" lIns="40640" tIns="30480" rIns="40640" bIns="30480" numCol="1" spcCol="1270" anchor="ctr" anchorCtr="0">
-          <a:noAutofit/>
-        </a:bodyPr>
-        <a:lstStyle/>
-        <a:p>
-          <a:pPr lvl="0" algn="ctr" defTabSz="711200">
-            <a:lnSpc>
-              <a:spcPct val="90000"/>
-            </a:lnSpc>
-            <a:spcBef>
-              <a:spcPct val="0"/>
-            </a:spcBef>
-            <a:spcAft>
-              <a:spcPct val="35000"/>
-            </a:spcAft>
-          </a:pPr>
-          <a:r>
-            <a:rPr lang="zh-CN" altLang="en-US" sz="1600" kern="1200" dirty="0" smtClean="0"/>
-            <a:t>标准流程及模板</a:t>
-          </a:r>
-          <a:endParaRPr lang="zh-CN" altLang="en-US" sz="1600" kern="1200" dirty="0"/>
-        </a:p>
-      </dsp:txBody>
-      <dsp:txXfrm>
-        <a:off x="2958266" y="3084620"/>
-        <a:ext cx="1975794" cy="438921"/>
-      </dsp:txXfrm>
-    </dsp:sp>
-    <dsp:sp modelId="{8ED340B9-6DF9-4961-9517-86A0E8EC9966}">
-      <dsp:nvSpPr>
-        <dsp:cNvPr id="0" name=""/>
-        <dsp:cNvSpPr/>
-      </dsp:nvSpPr>
-      <dsp:spPr>
-        <a:xfrm>
-          <a:off x="2944611" y="3608925"/>
-          <a:ext cx="2003104" cy="466231"/>
-        </a:xfrm>
-        <a:prstGeom prst="roundRect">
-          <a:avLst>
-            <a:gd name="adj" fmla="val 10000"/>
-          </a:avLst>
-        </a:prstGeom>
-        <a:solidFill>
-          <a:schemeClr val="accent1">
-            <a:hueOff val="0"/>
-            <a:satOff val="0"/>
-            <a:lumOff val="0"/>
-            <a:alphaOff val="0"/>
-          </a:schemeClr>
-        </a:solidFill>
-        <a:ln w="12700" cap="flat" cmpd="sng" algn="ctr">
-          <a:solidFill>
-            <a:schemeClr val="lt1">
-              <a:hueOff val="0"/>
-              <a:satOff val="0"/>
-              <a:lumOff val="0"/>
-              <a:alphaOff val="0"/>
-            </a:schemeClr>
-          </a:solidFill>
-          <a:prstDash val="solid"/>
-          <a:miter lim="800000"/>
-        </a:ln>
-        <a:effectLst/>
-      </dsp:spPr>
-      <dsp:style>
-        <a:lnRef idx="2">
-          <a:scrgbClr r="0" g="0" b="0"/>
-        </a:lnRef>
-        <a:fillRef idx="1">
-          <a:scrgbClr r="0" g="0" b="0"/>
-        </a:fillRef>
-        <a:effectRef idx="0">
-          <a:scrgbClr r="0" g="0" b="0"/>
-        </a:effectRef>
-        <a:fontRef idx="minor">
-          <a:schemeClr val="lt1"/>
-        </a:fontRef>
-      </dsp:style>
-      <dsp:txBody>
-        <a:bodyPr spcFirstLastPara="0" vert="horz" wrap="square" lIns="40640" tIns="30480" rIns="40640" bIns="30480" numCol="1" spcCol="1270" anchor="ctr" anchorCtr="0">
-          <a:noAutofit/>
-        </a:bodyPr>
-        <a:lstStyle/>
-        <a:p>
-          <a:pPr lvl="0" algn="ctr" defTabSz="711200">
-            <a:lnSpc>
-              <a:spcPct val="90000"/>
-            </a:lnSpc>
-            <a:spcBef>
-              <a:spcPct val="0"/>
-            </a:spcBef>
-            <a:spcAft>
-              <a:spcPct val="35000"/>
-            </a:spcAft>
-          </a:pPr>
-          <a:r>
-            <a:rPr lang="zh-CN" altLang="en-US" sz="1600" kern="1200" dirty="0" smtClean="0"/>
-            <a:t>学生成果展示</a:t>
-          </a:r>
-          <a:endParaRPr lang="zh-CN" altLang="en-US" sz="1600" kern="1200" dirty="0"/>
-        </a:p>
-      </dsp:txBody>
-      <dsp:txXfrm>
-        <a:off x="2958266" y="3622580"/>
-        <a:ext cx="1975794" cy="438921"/>
-      </dsp:txXfrm>
-    </dsp:sp>
-    <dsp:sp modelId="{57944BE7-B38E-4C34-B89C-F933C3671334}">
-      <dsp:nvSpPr>
-        <dsp:cNvPr id="0" name=""/>
-        <dsp:cNvSpPr/>
-      </dsp:nvSpPr>
-      <dsp:spPr>
-        <a:xfrm>
-          <a:off x="2944611" y="4146885"/>
-          <a:ext cx="2003104" cy="466231"/>
-        </a:xfrm>
-        <a:prstGeom prst="roundRect">
-          <a:avLst>
-            <a:gd name="adj" fmla="val 10000"/>
-          </a:avLst>
-        </a:prstGeom>
-        <a:solidFill>
-          <a:schemeClr val="accent1">
-            <a:hueOff val="0"/>
-            <a:satOff val="0"/>
-            <a:lumOff val="0"/>
-            <a:alphaOff val="0"/>
-          </a:schemeClr>
-        </a:solidFill>
-        <a:ln w="12700" cap="flat" cmpd="sng" algn="ctr">
-          <a:solidFill>
-            <a:schemeClr val="lt1">
-              <a:hueOff val="0"/>
-              <a:satOff val="0"/>
-              <a:lumOff val="0"/>
-              <a:alphaOff val="0"/>
-            </a:schemeClr>
-          </a:solidFill>
-          <a:prstDash val="solid"/>
-          <a:miter lim="800000"/>
-        </a:ln>
-        <a:effectLst/>
-      </dsp:spPr>
-      <dsp:style>
-        <a:lnRef idx="2">
-          <a:scrgbClr r="0" g="0" b="0"/>
-        </a:lnRef>
-        <a:fillRef idx="1">
-          <a:scrgbClr r="0" g="0" b="0"/>
-        </a:fillRef>
-        <a:effectRef idx="0">
-          <a:scrgbClr r="0" g="0" b="0"/>
-        </a:effectRef>
-        <a:fontRef idx="minor">
-          <a:schemeClr val="lt1"/>
-        </a:fontRef>
-      </dsp:style>
-      <dsp:txBody>
-        <a:bodyPr spcFirstLastPara="0" vert="horz" wrap="square" lIns="40640" tIns="30480" rIns="40640" bIns="30480" numCol="1" spcCol="1270" anchor="ctr" anchorCtr="0">
-          <a:noAutofit/>
-        </a:bodyPr>
-        <a:lstStyle/>
-        <a:p>
-          <a:pPr lvl="0" algn="ctr" defTabSz="711200">
-            <a:lnSpc>
-              <a:spcPct val="90000"/>
-            </a:lnSpc>
-            <a:spcBef>
-              <a:spcPct val="0"/>
-            </a:spcBef>
-            <a:spcAft>
-              <a:spcPct val="35000"/>
-            </a:spcAft>
-          </a:pPr>
-          <a:r>
-            <a:rPr lang="zh-CN" altLang="en-US" sz="1600" kern="1200" dirty="0" smtClean="0"/>
-            <a:t>资源预约系统</a:t>
-          </a:r>
-          <a:endParaRPr lang="zh-CN" altLang="en-US" sz="1600" kern="1200" dirty="0"/>
-        </a:p>
-      </dsp:txBody>
-      <dsp:txXfrm>
-        <a:off x="2958266" y="4160540"/>
-        <a:ext cx="1975794" cy="438921"/>
-      </dsp:txXfrm>
-    </dsp:sp>
-    <dsp:sp modelId="{58281310-1F62-4787-B0EA-65659D294050}">
-      <dsp:nvSpPr>
-        <dsp:cNvPr id="0" name=""/>
-        <dsp:cNvSpPr/>
-      </dsp:nvSpPr>
-      <dsp:spPr>
-        <a:xfrm>
-          <a:off x="5385895" y="0"/>
-          <a:ext cx="2503880" cy="4856163"/>
-        </a:xfrm>
-        <a:prstGeom prst="roundRect">
-          <a:avLst>
-            <a:gd name="adj" fmla="val 10000"/>
-          </a:avLst>
-        </a:prstGeom>
-        <a:solidFill>
-          <a:schemeClr val="accent1">
-            <a:tint val="40000"/>
-            <a:hueOff val="0"/>
-            <a:satOff val="0"/>
-            <a:lumOff val="0"/>
-            <a:alphaOff val="0"/>
-          </a:schemeClr>
-        </a:solidFill>
-        <a:ln>
-          <a:noFill/>
-        </a:ln>
-        <a:effectLst/>
-      </dsp:spPr>
-      <dsp:style>
-        <a:lnRef idx="0">
-          <a:scrgbClr r="0" g="0" b="0"/>
-        </a:lnRef>
-        <a:fillRef idx="1">
-          <a:scrgbClr r="0" g="0" b="0"/>
-        </a:fillRef>
-        <a:effectRef idx="0">
-          <a:scrgbClr r="0" g="0" b="0"/>
-        </a:effectRef>
-        <a:fontRef idx="minor"/>
-      </dsp:style>
-      <dsp:txBody>
-        <a:bodyPr spcFirstLastPara="0" vert="horz" wrap="square" lIns="91440" tIns="91440" rIns="91440" bIns="91440" numCol="1" spcCol="1270" anchor="ctr" anchorCtr="0">
-          <a:noAutofit/>
-        </a:bodyPr>
-        <a:lstStyle/>
-        <a:p>
-          <a:pPr lvl="0" algn="ctr" defTabSz="1066800">
-            <a:lnSpc>
-              <a:spcPct val="90000"/>
-            </a:lnSpc>
-            <a:spcBef>
-              <a:spcPct val="0"/>
-            </a:spcBef>
-            <a:spcAft>
-              <a:spcPct val="35000"/>
-            </a:spcAft>
-          </a:pPr>
-          <a:r>
-            <a:rPr lang="en-US" altLang="zh-CN" sz="2400" kern="1200" dirty="0" smtClean="0"/>
-            <a:t>B. </a:t>
-          </a:r>
-          <a:r>
-            <a:rPr lang="zh-CN" altLang="en-US" sz="2400" kern="1200" dirty="0" smtClean="0"/>
-            <a:t>服务流程</a:t>
-          </a:r>
-          <a:endParaRPr lang="zh-CN" altLang="en-US" kern="1200" dirty="0"/>
-        </a:p>
-      </dsp:txBody>
-      <dsp:txXfrm>
-        <a:off x="5385895" y="0"/>
-        <a:ext cx="2503880" cy="1456848"/>
-      </dsp:txXfrm>
-    </dsp:sp>
-    <dsp:sp modelId="{4AA64F67-2B0D-4B13-8E1D-ED9A3A06BE4E}">
-      <dsp:nvSpPr>
-        <dsp:cNvPr id="0" name=""/>
-        <dsp:cNvSpPr/>
-      </dsp:nvSpPr>
-      <dsp:spPr>
-        <a:xfrm>
-          <a:off x="5636283" y="1457263"/>
-          <a:ext cx="2003104" cy="954041"/>
-        </a:xfrm>
-        <a:prstGeom prst="roundRect">
-          <a:avLst>
-            <a:gd name="adj" fmla="val 10000"/>
-          </a:avLst>
-        </a:prstGeom>
-        <a:solidFill>
-          <a:schemeClr val="accent1">
-            <a:hueOff val="0"/>
-            <a:satOff val="0"/>
-            <a:lumOff val="0"/>
-            <a:alphaOff val="0"/>
-          </a:schemeClr>
-        </a:solidFill>
-        <a:ln w="12700" cap="flat" cmpd="sng" algn="ctr">
-          <a:solidFill>
-            <a:schemeClr val="lt1">
-              <a:hueOff val="0"/>
-              <a:satOff val="0"/>
-              <a:lumOff val="0"/>
-              <a:alphaOff val="0"/>
-            </a:schemeClr>
-          </a:solidFill>
-          <a:prstDash val="solid"/>
-          <a:miter lim="800000"/>
-        </a:ln>
-        <a:effectLst/>
-      </dsp:spPr>
-      <dsp:style>
-        <a:lnRef idx="2">
-          <a:scrgbClr r="0" g="0" b="0"/>
-        </a:lnRef>
-        <a:fillRef idx="1">
-          <a:scrgbClr r="0" g="0" b="0"/>
-        </a:fillRef>
-        <a:effectRef idx="0">
-          <a:scrgbClr r="0" g="0" b="0"/>
-        </a:effectRef>
-        <a:fontRef idx="minor">
-          <a:schemeClr val="lt1"/>
-        </a:fontRef>
-      </dsp:style>
-      <dsp:txBody>
-        <a:bodyPr spcFirstLastPara="0" vert="horz" wrap="square" lIns="40640" tIns="30480" rIns="40640" bIns="30480" numCol="1" spcCol="1270" anchor="ctr" anchorCtr="0">
-          <a:noAutofit/>
-        </a:bodyPr>
-        <a:lstStyle/>
-        <a:p>
-          <a:pPr lvl="0" algn="ctr" defTabSz="711200">
-            <a:lnSpc>
-              <a:spcPct val="90000"/>
-            </a:lnSpc>
-            <a:spcBef>
-              <a:spcPct val="0"/>
-            </a:spcBef>
-            <a:spcAft>
-              <a:spcPct val="35000"/>
-            </a:spcAft>
-          </a:pPr>
-          <a:r>
-            <a:rPr lang="zh-CN" altLang="en-US" sz="1600" kern="1200" dirty="0" smtClean="0"/>
-            <a:t>基础工业实习</a:t>
-          </a:r>
-          <a:endParaRPr lang="zh-CN" altLang="en-US" sz="1600" kern="1200" dirty="0"/>
-        </a:p>
-      </dsp:txBody>
-      <dsp:txXfrm>
-        <a:off x="5664226" y="1485206"/>
-        <a:ext cx="1947218" cy="898155"/>
-      </dsp:txXfrm>
-    </dsp:sp>
-    <dsp:sp modelId="{9416161F-6AB2-418A-8E1B-5517DB72273E}">
-      <dsp:nvSpPr>
-        <dsp:cNvPr id="0" name=""/>
-        <dsp:cNvSpPr/>
-      </dsp:nvSpPr>
-      <dsp:spPr>
-        <a:xfrm>
-          <a:off x="5636283" y="2558081"/>
-          <a:ext cx="2003104" cy="954041"/>
-        </a:xfrm>
-        <a:prstGeom prst="roundRect">
-          <a:avLst>
-            <a:gd name="adj" fmla="val 10000"/>
-          </a:avLst>
-        </a:prstGeom>
-        <a:solidFill>
-          <a:schemeClr val="accent1">
-            <a:hueOff val="0"/>
-            <a:satOff val="0"/>
-            <a:lumOff val="0"/>
-            <a:alphaOff val="0"/>
-          </a:schemeClr>
-        </a:solidFill>
-        <a:ln w="12700" cap="flat" cmpd="sng" algn="ctr">
-          <a:solidFill>
-            <a:schemeClr val="lt1">
-              <a:hueOff val="0"/>
-              <a:satOff val="0"/>
-              <a:lumOff val="0"/>
-              <a:alphaOff val="0"/>
-            </a:schemeClr>
-          </a:solidFill>
-          <a:prstDash val="solid"/>
-          <a:miter lim="800000"/>
-        </a:ln>
-        <a:effectLst/>
-      </dsp:spPr>
-      <dsp:style>
-        <a:lnRef idx="2">
-          <a:scrgbClr r="0" g="0" b="0"/>
-        </a:lnRef>
-        <a:fillRef idx="1">
-          <a:scrgbClr r="0" g="0" b="0"/>
-        </a:fillRef>
-        <a:effectRef idx="0">
-          <a:scrgbClr r="0" g="0" b="0"/>
-        </a:effectRef>
-        <a:fontRef idx="minor">
-          <a:schemeClr val="lt1"/>
-        </a:fontRef>
-      </dsp:style>
-      <dsp:txBody>
-        <a:bodyPr spcFirstLastPara="0" vert="horz" wrap="square" lIns="40640" tIns="30480" rIns="40640" bIns="30480" numCol="1" spcCol="1270" anchor="ctr" anchorCtr="0">
-          <a:noAutofit/>
-        </a:bodyPr>
-        <a:lstStyle/>
-        <a:p>
-          <a:pPr lvl="0" algn="ctr" defTabSz="711200">
-            <a:lnSpc>
-              <a:spcPct val="90000"/>
-            </a:lnSpc>
-            <a:spcBef>
-              <a:spcPct val="0"/>
-            </a:spcBef>
-            <a:spcAft>
-              <a:spcPct val="35000"/>
-            </a:spcAft>
-          </a:pPr>
-          <a:r>
-            <a:rPr lang="zh-CN" altLang="en-US" sz="1600" kern="1200" dirty="0" smtClean="0"/>
-            <a:t>系统类、战略类、设计类课程</a:t>
-          </a:r>
-          <a:endParaRPr lang="zh-CN" altLang="en-US" sz="1600" kern="1200" dirty="0"/>
-        </a:p>
-      </dsp:txBody>
-      <dsp:txXfrm>
-        <a:off x="5664226" y="2586024"/>
-        <a:ext cx="1947218" cy="898155"/>
-      </dsp:txXfrm>
-    </dsp:sp>
-    <dsp:sp modelId="{5C4EA968-D21E-435D-81E9-18383051B82F}">
-      <dsp:nvSpPr>
-        <dsp:cNvPr id="0" name=""/>
-        <dsp:cNvSpPr/>
-      </dsp:nvSpPr>
-      <dsp:spPr>
-        <a:xfrm>
-          <a:off x="5636283" y="3658898"/>
-          <a:ext cx="2003104" cy="954041"/>
-        </a:xfrm>
-        <a:prstGeom prst="roundRect">
-          <a:avLst>
-            <a:gd name="adj" fmla="val 10000"/>
-          </a:avLst>
-        </a:prstGeom>
-        <a:solidFill>
-          <a:schemeClr val="accent1">
-            <a:hueOff val="0"/>
-            <a:satOff val="0"/>
-            <a:lumOff val="0"/>
-            <a:alphaOff val="0"/>
-          </a:schemeClr>
-        </a:solidFill>
-        <a:ln w="12700" cap="flat" cmpd="sng" algn="ctr">
-          <a:solidFill>
-            <a:schemeClr val="lt1">
-              <a:hueOff val="0"/>
-              <a:satOff val="0"/>
-              <a:lumOff val="0"/>
-              <a:alphaOff val="0"/>
-            </a:schemeClr>
-          </a:solidFill>
-          <a:prstDash val="solid"/>
-          <a:miter lim="800000"/>
-        </a:ln>
-        <a:effectLst/>
-      </dsp:spPr>
-      <dsp:style>
-        <a:lnRef idx="2">
-          <a:scrgbClr r="0" g="0" b="0"/>
-        </a:lnRef>
-        <a:fillRef idx="1">
-          <a:scrgbClr r="0" g="0" b="0"/>
-        </a:fillRef>
-        <a:effectRef idx="0">
-          <a:scrgbClr r="0" g="0" b="0"/>
-        </a:effectRef>
-        <a:fontRef idx="minor">
-          <a:schemeClr val="lt1"/>
-        </a:fontRef>
-      </dsp:style>
-      <dsp:txBody>
-        <a:bodyPr spcFirstLastPara="0" vert="horz" wrap="square" lIns="40640" tIns="30480" rIns="40640" bIns="30480" numCol="1" spcCol="1270" anchor="ctr" anchorCtr="0">
-          <a:noAutofit/>
-        </a:bodyPr>
-        <a:lstStyle/>
-        <a:p>
-          <a:pPr lvl="0" algn="ctr" defTabSz="711200">
-            <a:lnSpc>
-              <a:spcPct val="90000"/>
-            </a:lnSpc>
-            <a:spcBef>
-              <a:spcPct val="0"/>
-            </a:spcBef>
-            <a:spcAft>
-              <a:spcPct val="35000"/>
-            </a:spcAft>
-          </a:pPr>
-          <a:r>
-            <a:rPr lang="zh-CN" altLang="en-US" sz="1600" kern="1200" dirty="0" smtClean="0"/>
-            <a:t>学生创新实践活动</a:t>
-          </a:r>
-          <a:endParaRPr lang="en-US" altLang="zh-CN" sz="1600" kern="1200" dirty="0" smtClean="0"/>
-        </a:p>
-        <a:p>
-          <a:pPr lvl="0" algn="ctr" defTabSz="711200">
-            <a:lnSpc>
-              <a:spcPct val="90000"/>
-            </a:lnSpc>
-            <a:spcBef>
-              <a:spcPct val="0"/>
-            </a:spcBef>
-            <a:spcAft>
-              <a:spcPct val="35000"/>
-            </a:spcAft>
-          </a:pPr>
-          <a:r>
-            <a:rPr lang="zh-CN" altLang="en-US" sz="1600" kern="1200" dirty="0" smtClean="0"/>
-            <a:t>（竞赛、创客活动）</a:t>
-          </a:r>
-          <a:endParaRPr lang="zh-CN" altLang="en-US" sz="1600" kern="1200" dirty="0"/>
-        </a:p>
-      </dsp:txBody>
-      <dsp:txXfrm>
-        <a:off x="5664226" y="3686841"/>
-        <a:ext cx="1947218" cy="898155"/>
-      </dsp:txXfrm>
-    </dsp:sp>
-    <dsp:sp modelId="{7E2B7AB8-D8EA-4E32-AA90-AF6B0B07CA78}">
-      <dsp:nvSpPr>
-        <dsp:cNvPr id="0" name=""/>
-        <dsp:cNvSpPr/>
-      </dsp:nvSpPr>
-      <dsp:spPr>
-        <a:xfrm>
-          <a:off x="8077567" y="0"/>
-          <a:ext cx="2503880" cy="4856163"/>
-        </a:xfrm>
-        <a:prstGeom prst="roundRect">
-          <a:avLst>
-            <a:gd name="adj" fmla="val 10000"/>
-          </a:avLst>
-        </a:prstGeom>
-        <a:solidFill>
-          <a:schemeClr val="accent1">
-            <a:tint val="40000"/>
-            <a:hueOff val="0"/>
-            <a:satOff val="0"/>
-            <a:lumOff val="0"/>
-            <a:alphaOff val="0"/>
-          </a:schemeClr>
-        </a:solidFill>
-        <a:ln>
-          <a:noFill/>
-        </a:ln>
-        <a:effectLst/>
-      </dsp:spPr>
-      <dsp:style>
-        <a:lnRef idx="0">
-          <a:scrgbClr r="0" g="0" b="0"/>
-        </a:lnRef>
-        <a:fillRef idx="1">
-          <a:scrgbClr r="0" g="0" b="0"/>
-        </a:fillRef>
-        <a:effectRef idx="0">
-          <a:scrgbClr r="0" g="0" b="0"/>
-        </a:effectRef>
-        <a:fontRef idx="minor"/>
-      </dsp:style>
-      <dsp:txBody>
-        <a:bodyPr spcFirstLastPara="0" vert="horz" wrap="square" lIns="91440" tIns="91440" rIns="91440" bIns="91440" numCol="1" spcCol="1270" anchor="ctr" anchorCtr="0">
-          <a:noAutofit/>
-        </a:bodyPr>
-        <a:lstStyle/>
-        <a:p>
-          <a:pPr lvl="0" algn="ctr" defTabSz="1066800">
-            <a:lnSpc>
-              <a:spcPct val="90000"/>
-            </a:lnSpc>
-            <a:spcBef>
-              <a:spcPct val="0"/>
-            </a:spcBef>
-            <a:spcAft>
-              <a:spcPct val="35000"/>
-            </a:spcAft>
-          </a:pPr>
-          <a:r>
-            <a:rPr lang="en-US" altLang="zh-CN" sz="2400" kern="1200" dirty="0" smtClean="0"/>
-            <a:t>C. </a:t>
-          </a:r>
-          <a:r>
-            <a:rPr lang="zh-CN" altLang="en-US" sz="2400" kern="1200" dirty="0" smtClean="0"/>
-            <a:t>实体空间设计</a:t>
-          </a:r>
-          <a:endParaRPr lang="zh-CN" altLang="en-US" sz="2400" kern="1200" dirty="0"/>
-        </a:p>
-      </dsp:txBody>
-      <dsp:txXfrm>
-        <a:off x="8077567" y="0"/>
-        <a:ext cx="2503880" cy="1456848"/>
-      </dsp:txXfrm>
-    </dsp:sp>
-    <dsp:sp modelId="{89BB89BF-A212-415E-A4A1-687A44ACD648}">
-      <dsp:nvSpPr>
-        <dsp:cNvPr id="0" name=""/>
-        <dsp:cNvSpPr/>
-      </dsp:nvSpPr>
-      <dsp:spPr>
-        <a:xfrm>
-          <a:off x="8327955" y="1457767"/>
-          <a:ext cx="2003104" cy="561790"/>
-        </a:xfrm>
-        <a:prstGeom prst="roundRect">
-          <a:avLst>
-            <a:gd name="adj" fmla="val 10000"/>
-          </a:avLst>
-        </a:prstGeom>
-        <a:solidFill>
-          <a:schemeClr val="accent1">
-            <a:hueOff val="0"/>
-            <a:satOff val="0"/>
-            <a:lumOff val="0"/>
-            <a:alphaOff val="0"/>
-          </a:schemeClr>
-        </a:solidFill>
-        <a:ln w="12700" cap="flat" cmpd="sng" algn="ctr">
-          <a:solidFill>
-            <a:schemeClr val="lt1">
-              <a:hueOff val="0"/>
-              <a:satOff val="0"/>
-              <a:lumOff val="0"/>
-              <a:alphaOff val="0"/>
-            </a:schemeClr>
-          </a:solidFill>
-          <a:prstDash val="solid"/>
-          <a:miter lim="800000"/>
-        </a:ln>
-        <a:effectLst/>
-      </dsp:spPr>
-      <dsp:style>
-        <a:lnRef idx="2">
-          <a:scrgbClr r="0" g="0" b="0"/>
-        </a:lnRef>
-        <a:fillRef idx="1">
-          <a:scrgbClr r="0" g="0" b="0"/>
-        </a:fillRef>
-        <a:effectRef idx="0">
-          <a:scrgbClr r="0" g="0" b="0"/>
-        </a:effectRef>
-        <a:fontRef idx="minor">
-          <a:schemeClr val="lt1"/>
-        </a:fontRef>
-      </dsp:style>
-      <dsp:txBody>
-        <a:bodyPr spcFirstLastPara="0" vert="horz" wrap="square" lIns="40640" tIns="30480" rIns="40640" bIns="30480" numCol="1" spcCol="1270" anchor="ctr" anchorCtr="0">
-          <a:noAutofit/>
-        </a:bodyPr>
-        <a:lstStyle/>
-        <a:p>
-          <a:pPr lvl="0" algn="ctr" defTabSz="711200">
-            <a:lnSpc>
-              <a:spcPct val="90000"/>
-            </a:lnSpc>
-            <a:spcBef>
-              <a:spcPct val="0"/>
-            </a:spcBef>
-            <a:spcAft>
-              <a:spcPct val="35000"/>
-            </a:spcAft>
-          </a:pPr>
-          <a:r>
-            <a:rPr lang="zh-CN" altLang="en-US" sz="1600" kern="1200" dirty="0" smtClean="0"/>
-            <a:t>基础实习工作室</a:t>
-          </a:r>
-          <a:endParaRPr lang="zh-CN" altLang="en-US" sz="1600" kern="1200" dirty="0"/>
-        </a:p>
-      </dsp:txBody>
-      <dsp:txXfrm>
-        <a:off x="8344409" y="1474221"/>
-        <a:ext cx="1970196" cy="528882"/>
-      </dsp:txXfrm>
-    </dsp:sp>
-    <dsp:sp modelId="{7873841A-283E-4E98-A030-E5BE5FEA6643}">
-      <dsp:nvSpPr>
-        <dsp:cNvPr id="0" name=""/>
-        <dsp:cNvSpPr/>
-      </dsp:nvSpPr>
-      <dsp:spPr>
-        <a:xfrm>
-          <a:off x="8327955" y="2105987"/>
-          <a:ext cx="2003104" cy="561790"/>
-        </a:xfrm>
-        <a:prstGeom prst="roundRect">
-          <a:avLst>
-            <a:gd name="adj" fmla="val 10000"/>
-          </a:avLst>
-        </a:prstGeom>
-        <a:solidFill>
-          <a:schemeClr val="accent1">
-            <a:hueOff val="0"/>
-            <a:satOff val="0"/>
-            <a:lumOff val="0"/>
-            <a:alphaOff val="0"/>
-          </a:schemeClr>
-        </a:solidFill>
-        <a:ln w="12700" cap="flat" cmpd="sng" algn="ctr">
-          <a:solidFill>
-            <a:schemeClr val="lt1">
-              <a:hueOff val="0"/>
-              <a:satOff val="0"/>
-              <a:lumOff val="0"/>
-              <a:alphaOff val="0"/>
-            </a:schemeClr>
-          </a:solidFill>
-          <a:prstDash val="solid"/>
-          <a:miter lim="800000"/>
-        </a:ln>
-        <a:effectLst/>
-      </dsp:spPr>
-      <dsp:style>
-        <a:lnRef idx="2">
-          <a:scrgbClr r="0" g="0" b="0"/>
-        </a:lnRef>
-        <a:fillRef idx="1">
-          <a:scrgbClr r="0" g="0" b="0"/>
-        </a:fillRef>
-        <a:effectRef idx="0">
-          <a:scrgbClr r="0" g="0" b="0"/>
-        </a:effectRef>
-        <a:fontRef idx="minor">
-          <a:schemeClr val="lt1"/>
-        </a:fontRef>
-      </dsp:style>
-      <dsp:txBody>
-        <a:bodyPr spcFirstLastPara="0" vert="horz" wrap="square" lIns="40640" tIns="30480" rIns="40640" bIns="30480" numCol="1" spcCol="1270" anchor="ctr" anchorCtr="0">
-          <a:noAutofit/>
-        </a:bodyPr>
-        <a:lstStyle/>
-        <a:p>
-          <a:pPr lvl="0" algn="ctr" defTabSz="711200">
-            <a:lnSpc>
-              <a:spcPct val="90000"/>
-            </a:lnSpc>
-            <a:spcBef>
-              <a:spcPct val="0"/>
-            </a:spcBef>
-            <a:spcAft>
-              <a:spcPct val="35000"/>
-            </a:spcAft>
-          </a:pPr>
-          <a:r>
-            <a:rPr lang="zh-CN" altLang="en-US" sz="1600" kern="1200" dirty="0" smtClean="0"/>
-            <a:t>先进制造系统</a:t>
-          </a:r>
-          <a:endParaRPr lang="zh-CN" altLang="en-US" sz="1600" kern="1200" dirty="0"/>
-        </a:p>
-      </dsp:txBody>
-      <dsp:txXfrm>
-        <a:off x="8344409" y="2122441"/>
-        <a:ext cx="1970196" cy="528882"/>
-      </dsp:txXfrm>
-    </dsp:sp>
-    <dsp:sp modelId="{131F08B0-DE35-4740-923D-93E22C91042D}">
-      <dsp:nvSpPr>
-        <dsp:cNvPr id="0" name=""/>
-        <dsp:cNvSpPr/>
-      </dsp:nvSpPr>
-      <dsp:spPr>
-        <a:xfrm>
-          <a:off x="8327955" y="2754206"/>
-          <a:ext cx="2003104" cy="561790"/>
-        </a:xfrm>
-        <a:prstGeom prst="roundRect">
-          <a:avLst>
-            <a:gd name="adj" fmla="val 10000"/>
-          </a:avLst>
-        </a:prstGeom>
-        <a:solidFill>
-          <a:schemeClr val="accent1">
-            <a:hueOff val="0"/>
-            <a:satOff val="0"/>
-            <a:lumOff val="0"/>
-            <a:alphaOff val="0"/>
-          </a:schemeClr>
-        </a:solidFill>
-        <a:ln w="12700" cap="flat" cmpd="sng" algn="ctr">
-          <a:solidFill>
-            <a:schemeClr val="lt1">
-              <a:hueOff val="0"/>
-              <a:satOff val="0"/>
-              <a:lumOff val="0"/>
-              <a:alphaOff val="0"/>
-            </a:schemeClr>
-          </a:solidFill>
-          <a:prstDash val="solid"/>
-          <a:miter lim="800000"/>
-        </a:ln>
-        <a:effectLst/>
-      </dsp:spPr>
-      <dsp:style>
-        <a:lnRef idx="2">
-          <a:scrgbClr r="0" g="0" b="0"/>
-        </a:lnRef>
-        <a:fillRef idx="1">
-          <a:scrgbClr r="0" g="0" b="0"/>
-        </a:fillRef>
-        <a:effectRef idx="0">
-          <a:scrgbClr r="0" g="0" b="0"/>
-        </a:effectRef>
-        <a:fontRef idx="minor">
-          <a:schemeClr val="lt1"/>
-        </a:fontRef>
-      </dsp:style>
-      <dsp:txBody>
-        <a:bodyPr spcFirstLastPara="0" vert="horz" wrap="square" lIns="40640" tIns="30480" rIns="40640" bIns="30480" numCol="1" spcCol="1270" anchor="ctr" anchorCtr="0">
-          <a:noAutofit/>
-        </a:bodyPr>
-        <a:lstStyle/>
-        <a:p>
-          <a:pPr lvl="0" algn="ctr" defTabSz="711200">
-            <a:lnSpc>
-              <a:spcPct val="90000"/>
-            </a:lnSpc>
-            <a:spcBef>
-              <a:spcPct val="0"/>
-            </a:spcBef>
-            <a:spcAft>
-              <a:spcPct val="35000"/>
-            </a:spcAft>
-          </a:pPr>
-          <a:r>
-            <a:rPr lang="zh-CN" altLang="en-US" sz="1600" kern="1200" dirty="0" smtClean="0"/>
-            <a:t>研讨室及团队室</a:t>
-          </a:r>
-          <a:endParaRPr lang="en-US" altLang="zh-CN" sz="1600" kern="1200" dirty="0" smtClean="0"/>
-        </a:p>
-      </dsp:txBody>
-      <dsp:txXfrm>
-        <a:off x="8344409" y="2770660"/>
-        <a:ext cx="1970196" cy="528882"/>
-      </dsp:txXfrm>
-    </dsp:sp>
-    <dsp:sp modelId="{EC0BBE67-E7EE-4BDB-922B-9733BABB2322}">
-      <dsp:nvSpPr>
-        <dsp:cNvPr id="0" name=""/>
-        <dsp:cNvSpPr/>
-      </dsp:nvSpPr>
-      <dsp:spPr>
-        <a:xfrm>
-          <a:off x="8327955" y="3402426"/>
-          <a:ext cx="2003104" cy="561790"/>
-        </a:xfrm>
-        <a:prstGeom prst="roundRect">
-          <a:avLst>
-            <a:gd name="adj" fmla="val 10000"/>
-          </a:avLst>
-        </a:prstGeom>
-        <a:solidFill>
-          <a:schemeClr val="accent1">
-            <a:hueOff val="0"/>
-            <a:satOff val="0"/>
-            <a:lumOff val="0"/>
-            <a:alphaOff val="0"/>
-          </a:schemeClr>
-        </a:solidFill>
-        <a:ln w="12700" cap="flat" cmpd="sng" algn="ctr">
-          <a:solidFill>
-            <a:schemeClr val="lt1">
-              <a:hueOff val="0"/>
-              <a:satOff val="0"/>
-              <a:lumOff val="0"/>
-              <a:alphaOff val="0"/>
-            </a:schemeClr>
-          </a:solidFill>
-          <a:prstDash val="solid"/>
-          <a:miter lim="800000"/>
-        </a:ln>
-        <a:effectLst/>
-      </dsp:spPr>
-      <dsp:style>
-        <a:lnRef idx="2">
-          <a:scrgbClr r="0" g="0" b="0"/>
-        </a:lnRef>
-        <a:fillRef idx="1">
-          <a:scrgbClr r="0" g="0" b="0"/>
-        </a:fillRef>
-        <a:effectRef idx="0">
-          <a:scrgbClr r="0" g="0" b="0"/>
-        </a:effectRef>
-        <a:fontRef idx="minor">
-          <a:schemeClr val="lt1"/>
-        </a:fontRef>
-      </dsp:style>
-      <dsp:txBody>
-        <a:bodyPr spcFirstLastPara="0" vert="horz" wrap="square" lIns="40640" tIns="30480" rIns="40640" bIns="30480" numCol="1" spcCol="1270" anchor="ctr" anchorCtr="0">
-          <a:noAutofit/>
-        </a:bodyPr>
-        <a:lstStyle/>
-        <a:p>
-          <a:pPr lvl="0" algn="ctr" defTabSz="711200">
-            <a:lnSpc>
-              <a:spcPct val="90000"/>
-            </a:lnSpc>
-            <a:spcBef>
-              <a:spcPct val="0"/>
-            </a:spcBef>
-            <a:spcAft>
-              <a:spcPct val="35000"/>
-            </a:spcAft>
-          </a:pPr>
-          <a:r>
-            <a:rPr lang="zh-CN" altLang="en-US" sz="1600" kern="1200" dirty="0" smtClean="0"/>
-            <a:t>文化区</a:t>
-          </a:r>
-          <a:endParaRPr lang="en-US" altLang="zh-CN" sz="1600" kern="1200" dirty="0" smtClean="0"/>
-        </a:p>
-      </dsp:txBody>
-      <dsp:txXfrm>
-        <a:off x="8344409" y="3418880"/>
-        <a:ext cx="1970196" cy="528882"/>
-      </dsp:txXfrm>
-    </dsp:sp>
-    <dsp:sp modelId="{79C28DAB-55F1-4DB0-AE20-2AAA42F8608A}">
-      <dsp:nvSpPr>
-        <dsp:cNvPr id="0" name=""/>
-        <dsp:cNvSpPr/>
-      </dsp:nvSpPr>
-      <dsp:spPr>
-        <a:xfrm>
-          <a:off x="8327955" y="4050645"/>
-          <a:ext cx="2003104" cy="561790"/>
-        </a:xfrm>
-        <a:prstGeom prst="roundRect">
-          <a:avLst>
-            <a:gd name="adj" fmla="val 10000"/>
-          </a:avLst>
-        </a:prstGeom>
-        <a:solidFill>
-          <a:schemeClr val="accent1">
-            <a:hueOff val="0"/>
-            <a:satOff val="0"/>
-            <a:lumOff val="0"/>
-            <a:alphaOff val="0"/>
-          </a:schemeClr>
-        </a:solidFill>
-        <a:ln w="12700" cap="flat" cmpd="sng" algn="ctr">
-          <a:solidFill>
-            <a:schemeClr val="lt1">
-              <a:hueOff val="0"/>
-              <a:satOff val="0"/>
-              <a:lumOff val="0"/>
-              <a:alphaOff val="0"/>
-            </a:schemeClr>
-          </a:solidFill>
-          <a:prstDash val="solid"/>
-          <a:miter lim="800000"/>
-        </a:ln>
-        <a:effectLst/>
-      </dsp:spPr>
-      <dsp:style>
-        <a:lnRef idx="2">
-          <a:scrgbClr r="0" g="0" b="0"/>
-        </a:lnRef>
-        <a:fillRef idx="1">
-          <a:scrgbClr r="0" g="0" b="0"/>
-        </a:fillRef>
-        <a:effectRef idx="0">
-          <a:scrgbClr r="0" g="0" b="0"/>
-        </a:effectRef>
-        <a:fontRef idx="minor">
-          <a:schemeClr val="lt1"/>
-        </a:fontRef>
-      </dsp:style>
-      <dsp:txBody>
-        <a:bodyPr spcFirstLastPara="0" vert="horz" wrap="square" lIns="40640" tIns="30480" rIns="40640" bIns="30480" numCol="1" spcCol="1270" anchor="ctr" anchorCtr="0">
-          <a:noAutofit/>
-        </a:bodyPr>
-        <a:lstStyle/>
-        <a:p>
-          <a:pPr lvl="0" algn="ctr" defTabSz="711200">
-            <a:lnSpc>
-              <a:spcPct val="90000"/>
-            </a:lnSpc>
-            <a:spcBef>
-              <a:spcPct val="0"/>
-            </a:spcBef>
-            <a:spcAft>
-              <a:spcPct val="35000"/>
-            </a:spcAft>
-          </a:pPr>
-          <a:r>
-            <a:rPr lang="zh-CN" altLang="en-US" sz="1600" kern="1200" dirty="0" smtClean="0"/>
-            <a:t>讨论室及工作区</a:t>
-          </a:r>
-          <a:endParaRPr lang="zh-CN" altLang="en-US" sz="1600" kern="1200" dirty="0"/>
-        </a:p>
-      </dsp:txBody>
-      <dsp:txXfrm>
-        <a:off x="8344409" y="4067099"/>
-        <a:ext cx="1970196" cy="528882"/>
-      </dsp:txXfrm>
-    </dsp:sp>
   </dsp:spTree>
 </dsp:drawing>
 </file>
@@ -15448,7 +12366,7 @@
           <a:p>
             <a:fld id="{408926B9-0AE9-4841-8807-A52893CAC8ED}" type="datetimeFigureOut">
               <a:rPr lang="zh-CN" altLang="en-US" smtClean="0"/>
-              <a:t>2014/5/24</a:t>
+              <a:t>2014/5/26</a:t>
             </a:fld>
             <a:endParaRPr lang="zh-CN" altLang="en-US"/>
           </a:p>
@@ -15618,7 +12536,7 @@
           <a:p>
             <a:fld id="{408926B9-0AE9-4841-8807-A52893CAC8ED}" type="datetimeFigureOut">
               <a:rPr lang="zh-CN" altLang="en-US" smtClean="0"/>
-              <a:t>2014/5/24</a:t>
+              <a:t>2014/5/26</a:t>
             </a:fld>
             <a:endParaRPr lang="zh-CN" altLang="en-US"/>
           </a:p>
@@ -15798,7 +12716,7 @@
           <a:p>
             <a:fld id="{408926B9-0AE9-4841-8807-A52893CAC8ED}" type="datetimeFigureOut">
               <a:rPr lang="zh-CN" altLang="en-US" smtClean="0"/>
-              <a:t>2014/5/24</a:t>
+              <a:t>2014/5/26</a:t>
             </a:fld>
             <a:endParaRPr lang="zh-CN" altLang="en-US"/>
           </a:p>
@@ -15968,7 +12886,7 @@
           <a:p>
             <a:fld id="{408926B9-0AE9-4841-8807-A52893CAC8ED}" type="datetimeFigureOut">
               <a:rPr lang="zh-CN" altLang="en-US" smtClean="0"/>
-              <a:t>2014/5/24</a:t>
+              <a:t>2014/5/26</a:t>
             </a:fld>
             <a:endParaRPr lang="zh-CN" altLang="en-US"/>
           </a:p>
@@ -16212,7 +13130,7 @@
           <a:p>
             <a:fld id="{408926B9-0AE9-4841-8807-A52893CAC8ED}" type="datetimeFigureOut">
               <a:rPr lang="zh-CN" altLang="en-US" smtClean="0"/>
-              <a:t>2014/5/24</a:t>
+              <a:t>2014/5/26</a:t>
             </a:fld>
             <a:endParaRPr lang="zh-CN" altLang="en-US"/>
           </a:p>
@@ -16444,7 +13362,7 @@
           <a:p>
             <a:fld id="{408926B9-0AE9-4841-8807-A52893CAC8ED}" type="datetimeFigureOut">
               <a:rPr lang="zh-CN" altLang="en-US" smtClean="0"/>
-              <a:t>2014/5/24</a:t>
+              <a:t>2014/5/26</a:t>
             </a:fld>
             <a:endParaRPr lang="zh-CN" altLang="en-US"/>
           </a:p>
@@ -16811,7 +13729,7 @@
           <a:p>
             <a:fld id="{408926B9-0AE9-4841-8807-A52893CAC8ED}" type="datetimeFigureOut">
               <a:rPr lang="zh-CN" altLang="en-US" smtClean="0"/>
-              <a:t>2014/5/24</a:t>
+              <a:t>2014/5/26</a:t>
             </a:fld>
             <a:endParaRPr lang="zh-CN" altLang="en-US"/>
           </a:p>
@@ -16929,7 +13847,7 @@
           <a:p>
             <a:fld id="{408926B9-0AE9-4841-8807-A52893CAC8ED}" type="datetimeFigureOut">
               <a:rPr lang="zh-CN" altLang="en-US" smtClean="0"/>
-              <a:t>2014/5/24</a:t>
+              <a:t>2014/5/26</a:t>
             </a:fld>
             <a:endParaRPr lang="zh-CN" altLang="en-US"/>
           </a:p>
@@ -17024,7 +13942,7 @@
           <a:p>
             <a:fld id="{408926B9-0AE9-4841-8807-A52893CAC8ED}" type="datetimeFigureOut">
               <a:rPr lang="zh-CN" altLang="en-US" smtClean="0"/>
-              <a:t>2014/5/24</a:t>
+              <a:t>2014/5/26</a:t>
             </a:fld>
             <a:endParaRPr lang="zh-CN" altLang="en-US"/>
           </a:p>
@@ -17301,7 +14219,7 @@
           <a:p>
             <a:fld id="{408926B9-0AE9-4841-8807-A52893CAC8ED}" type="datetimeFigureOut">
               <a:rPr lang="zh-CN" altLang="en-US" smtClean="0"/>
-              <a:t>2014/5/24</a:t>
+              <a:t>2014/5/26</a:t>
             </a:fld>
             <a:endParaRPr lang="zh-CN" altLang="en-US"/>
           </a:p>
@@ -17558,7 +14476,7 @@
           <a:p>
             <a:fld id="{408926B9-0AE9-4841-8807-A52893CAC8ED}" type="datetimeFigureOut">
               <a:rPr lang="zh-CN" altLang="en-US" smtClean="0"/>
-              <a:t>2014/5/24</a:t>
+              <a:t>2014/5/26</a:t>
             </a:fld>
             <a:endParaRPr lang="zh-CN" altLang="en-US"/>
           </a:p>
@@ -17771,7 +14689,7 @@
           <a:p>
             <a:fld id="{408926B9-0AE9-4841-8807-A52893CAC8ED}" type="datetimeFigureOut">
               <a:rPr lang="zh-CN" altLang="en-US" smtClean="0"/>
-              <a:t>2014/5/24</a:t>
+              <a:t>2014/5/26</a:t>
             </a:fld>
             <a:endParaRPr lang="zh-CN" altLang="en-US"/>
           </a:p>
@@ -20095,6 +17013,1264 @@
       </p:grpSpPr>
       <p:sp>
         <p:nvSpPr>
+          <p:cNvPr id="7" name="Title 6"/>
+          <p:cNvSpPr>
+            <a:spLocks noGrp="1"/>
+          </p:cNvSpPr>
+          <p:nvPr>
+            <p:ph type="title"/>
+          </p:nvPr>
+        </p:nvSpPr>
+        <p:spPr/>
+        <p:txBody>
+          <a:bodyPr/>
+          <a:lstStyle/>
+          <a:p>
+            <a:r>
+              <a:rPr lang="zh-CN" altLang="en-US" dirty="0" smtClean="0"/>
+              <a:t>从创意到实现的系列教学活动</a:t>
+            </a:r>
+            <a:endParaRPr lang="zh-CN" altLang="en-US" dirty="0"/>
+          </a:p>
+        </p:txBody>
+      </p:sp>
+      <p:graphicFrame>
+        <p:nvGraphicFramePr>
+          <p:cNvPr id="9" name="Content Placeholder 8"/>
+          <p:cNvGraphicFramePr>
+            <a:graphicFrameLocks noGrp="1"/>
+          </p:cNvGraphicFramePr>
+          <p:nvPr>
+            <p:ph sz="half" idx="2"/>
+            <p:extLst>
+              <p:ext uri="{D42A27DB-BD31-4B8C-83A1-F6EECF244321}">
+                <p14:modId xmlns:p14="http://schemas.microsoft.com/office/powerpoint/2010/main" val="1337348135"/>
+              </p:ext>
+            </p:extLst>
+          </p:nvPr>
+        </p:nvGraphicFramePr>
+        <p:xfrm>
+          <a:off x="4629150" y="1557771"/>
+          <a:ext cx="4124960" cy="2225040"/>
+        </p:xfrm>
+        <a:graphic>
+          <a:graphicData uri="http://schemas.openxmlformats.org/drawingml/2006/table">
+            <a:tbl>
+              <a:tblPr firstRow="1" bandRow="1">
+                <a:tableStyleId>{5940675A-B579-460E-94D1-54222C63F5DA}</a:tableStyleId>
+              </a:tblPr>
+              <a:tblGrid>
+                <a:gridCol w="816610"/>
+                <a:gridCol w="619760"/>
+                <a:gridCol w="734060"/>
+                <a:gridCol w="848360"/>
+                <a:gridCol w="476885"/>
+                <a:gridCol w="629285"/>
+              </a:tblGrid>
+              <a:tr h="370840">
+                <a:tc>
+                  <a:txBody>
+                    <a:bodyPr/>
+                    <a:lstStyle/>
+                    <a:p>
+                      <a:pPr algn="just">
+                        <a:spcAft>
+                          <a:spcPts val="0"/>
+                        </a:spcAft>
+                      </a:pPr>
+                      <a:r>
+                        <a:rPr lang="en-US" sz="1200" kern="100" dirty="0">
+                          <a:effectLst/>
+                        </a:rPr>
+                        <a:t> </a:t>
+                      </a:r>
+                      <a:endParaRPr lang="zh-CN" sz="1050" kern="100" dirty="0">
+                        <a:effectLst/>
+                        <a:latin typeface="Calibri" panose="020F0502020204030204" pitchFamily="34" charset="0"/>
+                        <a:ea typeface="宋体" panose="02010600030101010101" pitchFamily="2" charset="-122"/>
+                        <a:cs typeface="Times New Roman" panose="02020603050405020304" pitchFamily="18" charset="0"/>
+                      </a:endParaRPr>
+                    </a:p>
+                  </a:txBody>
+                  <a:tcPr marL="68580" marR="68580" marT="0" marB="0" anchor="ctr"/>
+                </a:tc>
+                <a:tc>
+                  <a:txBody>
+                    <a:bodyPr/>
+                    <a:lstStyle/>
+                    <a:p>
+                      <a:pPr algn="just">
+                        <a:spcAft>
+                          <a:spcPts val="0"/>
+                        </a:spcAft>
+                      </a:pPr>
+                      <a:r>
+                        <a:rPr lang="zh-CN" sz="1200" kern="100" dirty="0">
+                          <a:effectLst/>
+                        </a:rPr>
+                        <a:t>大一</a:t>
+                      </a:r>
+                      <a:endParaRPr lang="zh-CN" sz="1050" kern="100" dirty="0">
+                        <a:effectLst/>
+                        <a:latin typeface="Calibri" panose="020F0502020204030204" pitchFamily="34" charset="0"/>
+                        <a:ea typeface="宋体" panose="02010600030101010101" pitchFamily="2" charset="-122"/>
+                        <a:cs typeface="Times New Roman" panose="02020603050405020304" pitchFamily="18" charset="0"/>
+                      </a:endParaRPr>
+                    </a:p>
+                  </a:txBody>
+                  <a:tcPr marL="68580" marR="68580" marT="0" marB="0" anchor="ctr"/>
+                </a:tc>
+                <a:tc>
+                  <a:txBody>
+                    <a:bodyPr/>
+                    <a:lstStyle/>
+                    <a:p>
+                      <a:pPr algn="just">
+                        <a:spcAft>
+                          <a:spcPts val="0"/>
+                        </a:spcAft>
+                      </a:pPr>
+                      <a:r>
+                        <a:rPr lang="zh-CN" sz="1200" kern="100">
+                          <a:effectLst/>
+                        </a:rPr>
+                        <a:t>大二</a:t>
+                      </a:r>
+                      <a:endParaRPr lang="zh-CN" sz="1050" kern="100">
+                        <a:effectLst/>
+                        <a:latin typeface="Calibri" panose="020F0502020204030204" pitchFamily="34" charset="0"/>
+                        <a:ea typeface="宋体" panose="02010600030101010101" pitchFamily="2" charset="-122"/>
+                        <a:cs typeface="Times New Roman" panose="02020603050405020304" pitchFamily="18" charset="0"/>
+                      </a:endParaRPr>
+                    </a:p>
+                  </a:txBody>
+                  <a:tcPr marL="68580" marR="68580" marT="0" marB="0" anchor="ctr"/>
+                </a:tc>
+                <a:tc>
+                  <a:txBody>
+                    <a:bodyPr/>
+                    <a:lstStyle/>
+                    <a:p>
+                      <a:pPr algn="just">
+                        <a:spcAft>
+                          <a:spcPts val="0"/>
+                        </a:spcAft>
+                      </a:pPr>
+                      <a:r>
+                        <a:rPr lang="zh-CN" sz="1200" kern="100">
+                          <a:effectLst/>
+                        </a:rPr>
+                        <a:t>大三</a:t>
+                      </a:r>
+                      <a:endParaRPr lang="zh-CN" sz="1050" kern="100">
+                        <a:effectLst/>
+                        <a:latin typeface="Calibri" panose="020F0502020204030204" pitchFamily="34" charset="0"/>
+                        <a:ea typeface="宋体" panose="02010600030101010101" pitchFamily="2" charset="-122"/>
+                        <a:cs typeface="Times New Roman" panose="02020603050405020304" pitchFamily="18" charset="0"/>
+                      </a:endParaRPr>
+                    </a:p>
+                  </a:txBody>
+                  <a:tcPr marL="68580" marR="68580" marT="0" marB="0" anchor="ctr"/>
+                </a:tc>
+                <a:tc>
+                  <a:txBody>
+                    <a:bodyPr/>
+                    <a:lstStyle/>
+                    <a:p>
+                      <a:pPr algn="just">
+                        <a:spcAft>
+                          <a:spcPts val="0"/>
+                        </a:spcAft>
+                      </a:pPr>
+                      <a:r>
+                        <a:rPr lang="zh-CN" sz="1200" kern="100">
+                          <a:effectLst/>
+                        </a:rPr>
+                        <a:t>大四</a:t>
+                      </a:r>
+                      <a:endParaRPr lang="zh-CN" sz="1050" kern="100">
+                        <a:effectLst/>
+                        <a:latin typeface="Calibri" panose="020F0502020204030204" pitchFamily="34" charset="0"/>
+                        <a:ea typeface="宋体" panose="02010600030101010101" pitchFamily="2" charset="-122"/>
+                        <a:cs typeface="Times New Roman" panose="02020603050405020304" pitchFamily="18" charset="0"/>
+                      </a:endParaRPr>
+                    </a:p>
+                  </a:txBody>
+                  <a:tcPr marL="68580" marR="68580" marT="0" marB="0" anchor="ctr"/>
+                </a:tc>
+                <a:tc>
+                  <a:txBody>
+                    <a:bodyPr/>
+                    <a:lstStyle/>
+                    <a:p>
+                      <a:pPr algn="just">
+                        <a:spcAft>
+                          <a:spcPts val="0"/>
+                        </a:spcAft>
+                      </a:pPr>
+                      <a:r>
+                        <a:rPr lang="zh-CN" sz="1200" kern="100">
+                          <a:effectLst/>
+                        </a:rPr>
+                        <a:t>研究生</a:t>
+                      </a:r>
+                      <a:endParaRPr lang="zh-CN" sz="1050" kern="100">
+                        <a:effectLst/>
+                        <a:latin typeface="Calibri" panose="020F0502020204030204" pitchFamily="34" charset="0"/>
+                        <a:ea typeface="宋体" panose="02010600030101010101" pitchFamily="2" charset="-122"/>
+                        <a:cs typeface="Times New Roman" panose="02020603050405020304" pitchFamily="18" charset="0"/>
+                      </a:endParaRPr>
+                    </a:p>
+                  </a:txBody>
+                  <a:tcPr marL="68580" marR="68580" marT="0" marB="0" anchor="ctr"/>
+                </a:tc>
+              </a:tr>
+              <a:tr h="370840">
+                <a:tc>
+                  <a:txBody>
+                    <a:bodyPr/>
+                    <a:lstStyle/>
+                    <a:p>
+                      <a:pPr algn="just">
+                        <a:spcAft>
+                          <a:spcPts val="0"/>
+                        </a:spcAft>
+                      </a:pPr>
+                      <a:r>
+                        <a:rPr lang="zh-CN" sz="1200" kern="100">
+                          <a:effectLst/>
+                        </a:rPr>
+                        <a:t>基本素养 </a:t>
+                      </a:r>
+                      <a:endParaRPr lang="zh-CN" sz="1050" kern="100">
+                        <a:effectLst/>
+                        <a:latin typeface="Calibri" panose="020F0502020204030204" pitchFamily="34" charset="0"/>
+                        <a:ea typeface="宋体" panose="02010600030101010101" pitchFamily="2" charset="-122"/>
+                        <a:cs typeface="Times New Roman" panose="02020603050405020304" pitchFamily="18" charset="0"/>
+                      </a:endParaRPr>
+                    </a:p>
+                  </a:txBody>
+                  <a:tcPr marL="68580" marR="68580" marT="0" marB="0" anchor="ctr"/>
+                </a:tc>
+                <a:tc>
+                  <a:txBody>
+                    <a:bodyPr/>
+                    <a:lstStyle/>
+                    <a:p>
+                      <a:pPr algn="r">
+                        <a:spcAft>
+                          <a:spcPts val="0"/>
+                        </a:spcAft>
+                      </a:pPr>
+                      <a:r>
+                        <a:rPr lang="zh-CN" sz="900" kern="100" dirty="0">
+                          <a:effectLst/>
+                        </a:rPr>
+                        <a:t>入学导引</a:t>
+                      </a:r>
+                      <a:endParaRPr lang="zh-CN" sz="1050" kern="100" dirty="0">
+                        <a:effectLst/>
+                        <a:latin typeface="Calibri" panose="020F0502020204030204" pitchFamily="34" charset="0"/>
+                        <a:ea typeface="宋体" panose="02010600030101010101" pitchFamily="2" charset="-122"/>
+                        <a:cs typeface="Times New Roman" panose="02020603050405020304" pitchFamily="18" charset="0"/>
+                      </a:endParaRPr>
+                    </a:p>
+                  </a:txBody>
+                  <a:tcPr marL="68580" marR="68580" marT="0" marB="0" anchor="b">
+                    <a:solidFill>
+                      <a:schemeClr val="accent2">
+                        <a:lumMod val="60000"/>
+                        <a:lumOff val="40000"/>
+                      </a:schemeClr>
+                    </a:solidFill>
+                  </a:tcPr>
+                </a:tc>
+                <a:tc>
+                  <a:txBody>
+                    <a:bodyPr/>
+                    <a:lstStyle/>
+                    <a:p>
+                      <a:pPr algn="r">
+                        <a:spcAft>
+                          <a:spcPts val="0"/>
+                        </a:spcAft>
+                      </a:pPr>
+                      <a:r>
+                        <a:rPr lang="en-US" sz="900" kern="100" dirty="0">
+                          <a:effectLst/>
+                        </a:rPr>
+                        <a:t> </a:t>
+                      </a:r>
+                      <a:endParaRPr lang="zh-CN" sz="1050" kern="100" dirty="0">
+                        <a:effectLst/>
+                        <a:latin typeface="Calibri" panose="020F0502020204030204" pitchFamily="34" charset="0"/>
+                        <a:ea typeface="宋体" panose="02010600030101010101" pitchFamily="2" charset="-122"/>
+                        <a:cs typeface="Times New Roman" panose="02020603050405020304" pitchFamily="18" charset="0"/>
+                      </a:endParaRPr>
+                    </a:p>
+                  </a:txBody>
+                  <a:tcPr marL="68580" marR="68580" marT="0" marB="0" anchor="b"/>
+                </a:tc>
+                <a:tc>
+                  <a:txBody>
+                    <a:bodyPr/>
+                    <a:lstStyle/>
+                    <a:p>
+                      <a:pPr algn="r">
+                        <a:spcAft>
+                          <a:spcPts val="0"/>
+                        </a:spcAft>
+                      </a:pPr>
+                      <a:r>
+                        <a:rPr lang="en-US" sz="900" kern="100" dirty="0">
+                          <a:effectLst/>
+                        </a:rPr>
+                        <a:t> </a:t>
+                      </a:r>
+                      <a:endParaRPr lang="zh-CN" sz="1050" kern="100" dirty="0">
+                        <a:effectLst/>
+                        <a:latin typeface="Calibri" panose="020F0502020204030204" pitchFamily="34" charset="0"/>
+                        <a:ea typeface="宋体" panose="02010600030101010101" pitchFamily="2" charset="-122"/>
+                        <a:cs typeface="Times New Roman" panose="02020603050405020304" pitchFamily="18" charset="0"/>
+                      </a:endParaRPr>
+                    </a:p>
+                  </a:txBody>
+                  <a:tcPr marL="68580" marR="68580" marT="0" marB="0" anchor="b"/>
+                </a:tc>
+                <a:tc>
+                  <a:txBody>
+                    <a:bodyPr/>
+                    <a:lstStyle/>
+                    <a:p>
+                      <a:pPr algn="r">
+                        <a:spcAft>
+                          <a:spcPts val="0"/>
+                        </a:spcAft>
+                      </a:pPr>
+                      <a:r>
+                        <a:rPr lang="en-US" sz="900" kern="100">
+                          <a:effectLst/>
+                        </a:rPr>
+                        <a:t> </a:t>
+                      </a:r>
+                      <a:endParaRPr lang="zh-CN" sz="1050" kern="100">
+                        <a:effectLst/>
+                        <a:latin typeface="Calibri" panose="020F0502020204030204" pitchFamily="34" charset="0"/>
+                        <a:ea typeface="宋体" panose="02010600030101010101" pitchFamily="2" charset="-122"/>
+                        <a:cs typeface="Times New Roman" panose="02020603050405020304" pitchFamily="18" charset="0"/>
+                      </a:endParaRPr>
+                    </a:p>
+                  </a:txBody>
+                  <a:tcPr marL="68580" marR="68580" marT="0" marB="0" anchor="b"/>
+                </a:tc>
+                <a:tc>
+                  <a:txBody>
+                    <a:bodyPr/>
+                    <a:lstStyle/>
+                    <a:p>
+                      <a:pPr algn="r">
+                        <a:spcAft>
+                          <a:spcPts val="0"/>
+                        </a:spcAft>
+                      </a:pPr>
+                      <a:r>
+                        <a:rPr lang="en-US" sz="900" kern="100" dirty="0">
+                          <a:effectLst/>
+                        </a:rPr>
+                        <a:t> </a:t>
+                      </a:r>
+                      <a:endParaRPr lang="zh-CN" sz="1050" kern="100" dirty="0">
+                        <a:effectLst/>
+                        <a:latin typeface="Calibri" panose="020F0502020204030204" pitchFamily="34" charset="0"/>
+                        <a:ea typeface="宋体" panose="02010600030101010101" pitchFamily="2" charset="-122"/>
+                        <a:cs typeface="Times New Roman" panose="02020603050405020304" pitchFamily="18" charset="0"/>
+                      </a:endParaRPr>
+                    </a:p>
+                  </a:txBody>
+                  <a:tcPr marL="68580" marR="68580" marT="0" marB="0" anchor="b">
+                    <a:solidFill>
+                      <a:schemeClr val="accent2">
+                        <a:lumMod val="60000"/>
+                        <a:lumOff val="40000"/>
+                      </a:schemeClr>
+                    </a:solidFill>
+                  </a:tcPr>
+                </a:tc>
+              </a:tr>
+              <a:tr h="370840">
+                <a:tc>
+                  <a:txBody>
+                    <a:bodyPr/>
+                    <a:lstStyle/>
+                    <a:p>
+                      <a:pPr algn="just">
+                        <a:spcAft>
+                          <a:spcPts val="0"/>
+                        </a:spcAft>
+                      </a:pPr>
+                      <a:r>
+                        <a:rPr lang="zh-CN" sz="1200" kern="100" dirty="0">
+                          <a:effectLst/>
+                        </a:rPr>
+                        <a:t>设计方法</a:t>
+                      </a:r>
+                      <a:endParaRPr lang="zh-CN" sz="1050" kern="100" dirty="0">
+                        <a:effectLst/>
+                        <a:latin typeface="Calibri" panose="020F0502020204030204" pitchFamily="34" charset="0"/>
+                        <a:ea typeface="宋体" panose="02010600030101010101" pitchFamily="2" charset="-122"/>
+                        <a:cs typeface="Times New Roman" panose="02020603050405020304" pitchFamily="18" charset="0"/>
+                      </a:endParaRPr>
+                    </a:p>
+                  </a:txBody>
+                  <a:tcPr marL="68580" marR="68580" marT="0" marB="0" anchor="ctr"/>
+                </a:tc>
+                <a:tc>
+                  <a:txBody>
+                    <a:bodyPr/>
+                    <a:lstStyle/>
+                    <a:p>
+                      <a:pPr algn="r">
+                        <a:spcAft>
+                          <a:spcPts val="0"/>
+                        </a:spcAft>
+                      </a:pPr>
+                      <a:r>
+                        <a:rPr lang="en-US" sz="900" kern="100">
+                          <a:effectLst/>
+                        </a:rPr>
+                        <a:t> </a:t>
+                      </a:r>
+                      <a:endParaRPr lang="zh-CN" sz="1050" kern="100">
+                        <a:effectLst/>
+                        <a:latin typeface="Calibri" panose="020F0502020204030204" pitchFamily="34" charset="0"/>
+                        <a:ea typeface="宋体" panose="02010600030101010101" pitchFamily="2" charset="-122"/>
+                        <a:cs typeface="Times New Roman" panose="02020603050405020304" pitchFamily="18" charset="0"/>
+                      </a:endParaRPr>
+                    </a:p>
+                  </a:txBody>
+                  <a:tcPr marL="68580" marR="68580" marT="0" marB="0" anchor="b"/>
+                </a:tc>
+                <a:tc>
+                  <a:txBody>
+                    <a:bodyPr/>
+                    <a:lstStyle/>
+                    <a:p>
+                      <a:pPr algn="r">
+                        <a:spcAft>
+                          <a:spcPts val="0"/>
+                        </a:spcAft>
+                      </a:pPr>
+                      <a:r>
+                        <a:rPr lang="en-US" sz="900" kern="100" dirty="0">
+                          <a:effectLst/>
+                        </a:rPr>
+                        <a:t> </a:t>
+                      </a:r>
+                      <a:endParaRPr lang="zh-CN" sz="1050" kern="100" dirty="0">
+                        <a:effectLst/>
+                        <a:latin typeface="Calibri" panose="020F0502020204030204" pitchFamily="34" charset="0"/>
+                        <a:ea typeface="宋体" panose="02010600030101010101" pitchFamily="2" charset="-122"/>
+                        <a:cs typeface="Times New Roman" panose="02020603050405020304" pitchFamily="18" charset="0"/>
+                      </a:endParaRPr>
+                    </a:p>
+                  </a:txBody>
+                  <a:tcPr marL="68580" marR="68580" marT="0" marB="0" anchor="b">
+                    <a:solidFill>
+                      <a:schemeClr val="accent2">
+                        <a:lumMod val="60000"/>
+                        <a:lumOff val="40000"/>
+                      </a:schemeClr>
+                    </a:solidFill>
+                  </a:tcPr>
+                </a:tc>
+                <a:tc>
+                  <a:txBody>
+                    <a:bodyPr/>
+                    <a:lstStyle/>
+                    <a:p>
+                      <a:pPr algn="r">
+                        <a:spcAft>
+                          <a:spcPts val="0"/>
+                        </a:spcAft>
+                      </a:pPr>
+                      <a:r>
+                        <a:rPr lang="en-US" sz="900" kern="100" dirty="0">
+                          <a:effectLst/>
+                        </a:rPr>
+                        <a:t> </a:t>
+                      </a:r>
+                      <a:endParaRPr lang="zh-CN" sz="1050" kern="100" dirty="0">
+                        <a:effectLst/>
+                        <a:latin typeface="Calibri" panose="020F0502020204030204" pitchFamily="34" charset="0"/>
+                        <a:ea typeface="宋体" panose="02010600030101010101" pitchFamily="2" charset="-122"/>
+                        <a:cs typeface="Times New Roman" panose="02020603050405020304" pitchFamily="18" charset="0"/>
+                      </a:endParaRPr>
+                    </a:p>
+                  </a:txBody>
+                  <a:tcPr marL="68580" marR="68580" marT="0" marB="0" anchor="b"/>
+                </a:tc>
+                <a:tc>
+                  <a:txBody>
+                    <a:bodyPr/>
+                    <a:lstStyle/>
+                    <a:p>
+                      <a:pPr algn="r">
+                        <a:spcAft>
+                          <a:spcPts val="0"/>
+                        </a:spcAft>
+                      </a:pPr>
+                      <a:r>
+                        <a:rPr lang="en-US" sz="900" kern="100">
+                          <a:effectLst/>
+                        </a:rPr>
+                        <a:t> </a:t>
+                      </a:r>
+                      <a:endParaRPr lang="zh-CN" sz="1050" kern="100">
+                        <a:effectLst/>
+                        <a:latin typeface="Calibri" panose="020F0502020204030204" pitchFamily="34" charset="0"/>
+                        <a:ea typeface="宋体" panose="02010600030101010101" pitchFamily="2" charset="-122"/>
+                        <a:cs typeface="Times New Roman" panose="02020603050405020304" pitchFamily="18" charset="0"/>
+                      </a:endParaRPr>
+                    </a:p>
+                  </a:txBody>
+                  <a:tcPr marL="68580" marR="68580" marT="0" marB="0" anchor="b"/>
+                </a:tc>
+                <a:tc>
+                  <a:txBody>
+                    <a:bodyPr/>
+                    <a:lstStyle/>
+                    <a:p>
+                      <a:pPr algn="r">
+                        <a:spcAft>
+                          <a:spcPts val="0"/>
+                        </a:spcAft>
+                      </a:pPr>
+                      <a:r>
+                        <a:rPr lang="en-US" sz="900" kern="100" dirty="0">
+                          <a:effectLst/>
+                        </a:rPr>
+                        <a:t> </a:t>
+                      </a:r>
+                      <a:endParaRPr lang="zh-CN" sz="1050" kern="100" dirty="0">
+                        <a:effectLst/>
+                        <a:latin typeface="Calibri" panose="020F0502020204030204" pitchFamily="34" charset="0"/>
+                        <a:ea typeface="宋体" panose="02010600030101010101" pitchFamily="2" charset="-122"/>
+                        <a:cs typeface="Times New Roman" panose="02020603050405020304" pitchFamily="18" charset="0"/>
+                      </a:endParaRPr>
+                    </a:p>
+                  </a:txBody>
+                  <a:tcPr marL="68580" marR="68580" marT="0" marB="0" anchor="b">
+                    <a:solidFill>
+                      <a:schemeClr val="accent2">
+                        <a:lumMod val="60000"/>
+                        <a:lumOff val="40000"/>
+                      </a:schemeClr>
+                    </a:solidFill>
+                  </a:tcPr>
+                </a:tc>
+              </a:tr>
+              <a:tr h="370840">
+                <a:tc>
+                  <a:txBody>
+                    <a:bodyPr/>
+                    <a:lstStyle/>
+                    <a:p>
+                      <a:pPr algn="just">
+                        <a:spcAft>
+                          <a:spcPts val="0"/>
+                        </a:spcAft>
+                      </a:pPr>
+                      <a:r>
+                        <a:rPr lang="zh-CN" sz="1200" kern="100" dirty="0">
+                          <a:effectLst/>
+                        </a:rPr>
+                        <a:t>产品战略</a:t>
+                      </a:r>
+                      <a:endParaRPr lang="zh-CN" sz="1050" kern="100" dirty="0">
+                        <a:effectLst/>
+                        <a:latin typeface="Calibri" panose="020F0502020204030204" pitchFamily="34" charset="0"/>
+                        <a:ea typeface="宋体" panose="02010600030101010101" pitchFamily="2" charset="-122"/>
+                        <a:cs typeface="Times New Roman" panose="02020603050405020304" pitchFamily="18" charset="0"/>
+                      </a:endParaRPr>
+                    </a:p>
+                  </a:txBody>
+                  <a:tcPr marL="68580" marR="68580" marT="0" marB="0" anchor="ctr"/>
+                </a:tc>
+                <a:tc>
+                  <a:txBody>
+                    <a:bodyPr/>
+                    <a:lstStyle/>
+                    <a:p>
+                      <a:pPr algn="r">
+                        <a:spcAft>
+                          <a:spcPts val="0"/>
+                        </a:spcAft>
+                      </a:pPr>
+                      <a:r>
+                        <a:rPr lang="zh-CN" sz="900" kern="100" dirty="0">
+                          <a:effectLst/>
+                        </a:rPr>
+                        <a:t>个人战略</a:t>
+                      </a:r>
+                      <a:endParaRPr lang="zh-CN" sz="1050" kern="100" dirty="0">
+                        <a:effectLst/>
+                        <a:latin typeface="Calibri" panose="020F0502020204030204" pitchFamily="34" charset="0"/>
+                        <a:ea typeface="宋体" panose="02010600030101010101" pitchFamily="2" charset="-122"/>
+                        <a:cs typeface="Times New Roman" panose="02020603050405020304" pitchFamily="18" charset="0"/>
+                      </a:endParaRPr>
+                    </a:p>
+                  </a:txBody>
+                  <a:tcPr marL="68580" marR="68580" marT="0" marB="0" anchor="b">
+                    <a:solidFill>
+                      <a:schemeClr val="accent2">
+                        <a:lumMod val="60000"/>
+                        <a:lumOff val="40000"/>
+                      </a:schemeClr>
+                    </a:solidFill>
+                  </a:tcPr>
+                </a:tc>
+                <a:tc>
+                  <a:txBody>
+                    <a:bodyPr/>
+                    <a:lstStyle/>
+                    <a:p>
+                      <a:pPr algn="r">
+                        <a:spcAft>
+                          <a:spcPts val="0"/>
+                        </a:spcAft>
+                      </a:pPr>
+                      <a:r>
+                        <a:rPr lang="zh-CN" sz="900" kern="100" dirty="0">
+                          <a:effectLst/>
+                        </a:rPr>
+                        <a:t>产品战略</a:t>
+                      </a:r>
+                      <a:endParaRPr lang="zh-CN" sz="1050" kern="100" dirty="0">
+                        <a:effectLst/>
+                        <a:latin typeface="Calibri" panose="020F0502020204030204" pitchFamily="34" charset="0"/>
+                        <a:ea typeface="宋体" panose="02010600030101010101" pitchFamily="2" charset="-122"/>
+                        <a:cs typeface="Times New Roman" panose="02020603050405020304" pitchFamily="18" charset="0"/>
+                      </a:endParaRPr>
+                    </a:p>
+                  </a:txBody>
+                  <a:tcPr marL="68580" marR="68580" marT="0" marB="0" anchor="b">
+                    <a:solidFill>
+                      <a:schemeClr val="accent2">
+                        <a:lumMod val="60000"/>
+                        <a:lumOff val="40000"/>
+                      </a:schemeClr>
+                    </a:solidFill>
+                  </a:tcPr>
+                </a:tc>
+                <a:tc>
+                  <a:txBody>
+                    <a:bodyPr/>
+                    <a:lstStyle/>
+                    <a:p>
+                      <a:pPr algn="r">
+                        <a:spcAft>
+                          <a:spcPts val="0"/>
+                        </a:spcAft>
+                      </a:pPr>
+                      <a:r>
+                        <a:rPr lang="en-US" sz="900" kern="100" dirty="0">
+                          <a:effectLst/>
+                        </a:rPr>
+                        <a:t> </a:t>
+                      </a:r>
+                      <a:endParaRPr lang="zh-CN" sz="1050" kern="100" dirty="0">
+                        <a:effectLst/>
+                        <a:latin typeface="Calibri" panose="020F0502020204030204" pitchFamily="34" charset="0"/>
+                        <a:ea typeface="宋体" panose="02010600030101010101" pitchFamily="2" charset="-122"/>
+                        <a:cs typeface="Times New Roman" panose="02020603050405020304" pitchFamily="18" charset="0"/>
+                      </a:endParaRPr>
+                    </a:p>
+                  </a:txBody>
+                  <a:tcPr marL="68580" marR="68580" marT="0" marB="0" anchor="b"/>
+                </a:tc>
+                <a:tc>
+                  <a:txBody>
+                    <a:bodyPr/>
+                    <a:lstStyle/>
+                    <a:p>
+                      <a:pPr algn="r">
+                        <a:spcAft>
+                          <a:spcPts val="0"/>
+                        </a:spcAft>
+                      </a:pPr>
+                      <a:r>
+                        <a:rPr lang="en-US" sz="900" kern="100" dirty="0">
+                          <a:effectLst/>
+                        </a:rPr>
+                        <a:t> </a:t>
+                      </a:r>
+                      <a:endParaRPr lang="zh-CN" sz="1050" kern="100" dirty="0">
+                        <a:effectLst/>
+                        <a:latin typeface="Calibri" panose="020F0502020204030204" pitchFamily="34" charset="0"/>
+                        <a:ea typeface="宋体" panose="02010600030101010101" pitchFamily="2" charset="-122"/>
+                        <a:cs typeface="Times New Roman" panose="02020603050405020304" pitchFamily="18" charset="0"/>
+                      </a:endParaRPr>
+                    </a:p>
+                  </a:txBody>
+                  <a:tcPr marL="68580" marR="68580" marT="0" marB="0" anchor="b"/>
+                </a:tc>
+                <a:tc>
+                  <a:txBody>
+                    <a:bodyPr/>
+                    <a:lstStyle/>
+                    <a:p>
+                      <a:pPr algn="r">
+                        <a:spcAft>
+                          <a:spcPts val="0"/>
+                        </a:spcAft>
+                      </a:pPr>
+                      <a:r>
+                        <a:rPr lang="en-US" sz="900" kern="100" dirty="0">
+                          <a:effectLst/>
+                        </a:rPr>
+                        <a:t> </a:t>
+                      </a:r>
+                      <a:endParaRPr lang="zh-CN" sz="1050" kern="100" dirty="0">
+                        <a:effectLst/>
+                        <a:latin typeface="Calibri" panose="020F0502020204030204" pitchFamily="34" charset="0"/>
+                        <a:ea typeface="宋体" panose="02010600030101010101" pitchFamily="2" charset="-122"/>
+                        <a:cs typeface="Times New Roman" panose="02020603050405020304" pitchFamily="18" charset="0"/>
+                      </a:endParaRPr>
+                    </a:p>
+                  </a:txBody>
+                  <a:tcPr marL="68580" marR="68580" marT="0" marB="0" anchor="b">
+                    <a:solidFill>
+                      <a:schemeClr val="accent2">
+                        <a:lumMod val="60000"/>
+                        <a:lumOff val="40000"/>
+                      </a:schemeClr>
+                    </a:solidFill>
+                  </a:tcPr>
+                </a:tc>
+              </a:tr>
+              <a:tr h="370840">
+                <a:tc>
+                  <a:txBody>
+                    <a:bodyPr/>
+                    <a:lstStyle/>
+                    <a:p>
+                      <a:pPr algn="just">
+                        <a:spcAft>
+                          <a:spcPts val="0"/>
+                        </a:spcAft>
+                      </a:pPr>
+                      <a:r>
+                        <a:rPr lang="zh-CN" sz="1200" kern="100">
+                          <a:effectLst/>
+                        </a:rPr>
+                        <a:t>实践实现</a:t>
+                      </a:r>
+                      <a:endParaRPr lang="zh-CN" sz="1050" kern="100">
+                        <a:effectLst/>
+                        <a:latin typeface="Calibri" panose="020F0502020204030204" pitchFamily="34" charset="0"/>
+                        <a:ea typeface="宋体" panose="02010600030101010101" pitchFamily="2" charset="-122"/>
+                        <a:cs typeface="Times New Roman" panose="02020603050405020304" pitchFamily="18" charset="0"/>
+                      </a:endParaRPr>
+                    </a:p>
+                  </a:txBody>
+                  <a:tcPr marL="68580" marR="68580" marT="0" marB="0" anchor="ctr"/>
+                </a:tc>
+                <a:tc>
+                  <a:txBody>
+                    <a:bodyPr/>
+                    <a:lstStyle/>
+                    <a:p>
+                      <a:pPr algn="r">
+                        <a:spcAft>
+                          <a:spcPts val="0"/>
+                        </a:spcAft>
+                      </a:pPr>
+                      <a:r>
+                        <a:rPr lang="en-US" sz="900" kern="100">
+                          <a:effectLst/>
+                        </a:rPr>
+                        <a:t> </a:t>
+                      </a:r>
+                      <a:endParaRPr lang="zh-CN" sz="1050" kern="100">
+                        <a:effectLst/>
+                        <a:latin typeface="Calibri" panose="020F0502020204030204" pitchFamily="34" charset="0"/>
+                        <a:ea typeface="宋体" panose="02010600030101010101" pitchFamily="2" charset="-122"/>
+                        <a:cs typeface="Times New Roman" panose="02020603050405020304" pitchFamily="18" charset="0"/>
+                      </a:endParaRPr>
+                    </a:p>
+                  </a:txBody>
+                  <a:tcPr marL="68580" marR="68580" marT="0" marB="0" anchor="b"/>
+                </a:tc>
+                <a:tc>
+                  <a:txBody>
+                    <a:bodyPr/>
+                    <a:lstStyle/>
+                    <a:p>
+                      <a:pPr algn="r">
+                        <a:spcAft>
+                          <a:spcPts val="0"/>
+                        </a:spcAft>
+                      </a:pPr>
+                      <a:r>
+                        <a:rPr lang="zh-CN" sz="900" kern="100" dirty="0">
+                          <a:effectLst/>
+                        </a:rPr>
+                        <a:t>跨课程结合</a:t>
+                      </a:r>
+                      <a:endParaRPr lang="zh-CN" sz="1050" kern="100" dirty="0">
+                        <a:effectLst/>
+                        <a:latin typeface="Calibri" panose="020F0502020204030204" pitchFamily="34" charset="0"/>
+                        <a:ea typeface="宋体" panose="02010600030101010101" pitchFamily="2" charset="-122"/>
+                        <a:cs typeface="Times New Roman" panose="02020603050405020304" pitchFamily="18" charset="0"/>
+                      </a:endParaRPr>
+                    </a:p>
+                  </a:txBody>
+                  <a:tcPr marL="68580" marR="68580" marT="0" marB="0" anchor="b">
+                    <a:solidFill>
+                      <a:schemeClr val="accent2">
+                        <a:lumMod val="60000"/>
+                        <a:lumOff val="40000"/>
+                      </a:schemeClr>
+                    </a:solidFill>
+                  </a:tcPr>
+                </a:tc>
+                <a:tc>
+                  <a:txBody>
+                    <a:bodyPr/>
+                    <a:lstStyle/>
+                    <a:p>
+                      <a:pPr algn="r">
+                        <a:spcAft>
+                          <a:spcPts val="0"/>
+                        </a:spcAft>
+                      </a:pPr>
+                      <a:r>
+                        <a:rPr lang="zh-CN" sz="900" kern="100" dirty="0">
+                          <a:effectLst/>
+                        </a:rPr>
+                        <a:t>专业课程项目</a:t>
+                      </a:r>
+                      <a:endParaRPr lang="zh-CN" sz="1050" kern="100" dirty="0">
+                        <a:effectLst/>
+                        <a:latin typeface="Calibri" panose="020F0502020204030204" pitchFamily="34" charset="0"/>
+                        <a:ea typeface="宋体" panose="02010600030101010101" pitchFamily="2" charset="-122"/>
+                        <a:cs typeface="Times New Roman" panose="02020603050405020304" pitchFamily="18" charset="0"/>
+                      </a:endParaRPr>
+                    </a:p>
+                  </a:txBody>
+                  <a:tcPr marL="68580" marR="68580" marT="0" marB="0" anchor="b">
+                    <a:solidFill>
+                      <a:schemeClr val="accent2">
+                        <a:lumMod val="60000"/>
+                        <a:lumOff val="40000"/>
+                      </a:schemeClr>
+                    </a:solidFill>
+                  </a:tcPr>
+                </a:tc>
+                <a:tc>
+                  <a:txBody>
+                    <a:bodyPr/>
+                    <a:lstStyle/>
+                    <a:p>
+                      <a:pPr algn="r">
+                        <a:spcAft>
+                          <a:spcPts val="0"/>
+                        </a:spcAft>
+                      </a:pPr>
+                      <a:r>
+                        <a:rPr lang="en-US" sz="900" kern="100" dirty="0">
+                          <a:effectLst/>
+                        </a:rPr>
+                        <a:t> </a:t>
+                      </a:r>
+                      <a:endParaRPr lang="zh-CN" sz="1050" kern="100" dirty="0">
+                        <a:effectLst/>
+                        <a:latin typeface="Calibri" panose="020F0502020204030204" pitchFamily="34" charset="0"/>
+                        <a:ea typeface="宋体" panose="02010600030101010101" pitchFamily="2" charset="-122"/>
+                        <a:cs typeface="Times New Roman" panose="02020603050405020304" pitchFamily="18" charset="0"/>
+                      </a:endParaRPr>
+                    </a:p>
+                  </a:txBody>
+                  <a:tcPr marL="68580" marR="68580" marT="0" marB="0" anchor="b"/>
+                </a:tc>
+                <a:tc>
+                  <a:txBody>
+                    <a:bodyPr/>
+                    <a:lstStyle/>
+                    <a:p>
+                      <a:pPr algn="r">
+                        <a:spcAft>
+                          <a:spcPts val="0"/>
+                        </a:spcAft>
+                      </a:pPr>
+                      <a:r>
+                        <a:rPr lang="en-US" sz="900" kern="100" dirty="0">
+                          <a:effectLst/>
+                        </a:rPr>
+                        <a:t> </a:t>
+                      </a:r>
+                      <a:endParaRPr lang="zh-CN" sz="1050" kern="100" dirty="0">
+                        <a:effectLst/>
+                        <a:latin typeface="Calibri" panose="020F0502020204030204" pitchFamily="34" charset="0"/>
+                        <a:ea typeface="宋体" panose="02010600030101010101" pitchFamily="2" charset="-122"/>
+                        <a:cs typeface="Times New Roman" panose="02020603050405020304" pitchFamily="18" charset="0"/>
+                      </a:endParaRPr>
+                    </a:p>
+                  </a:txBody>
+                  <a:tcPr marL="68580" marR="68580" marT="0" marB="0" anchor="b">
+                    <a:solidFill>
+                      <a:schemeClr val="accent2">
+                        <a:lumMod val="60000"/>
+                        <a:lumOff val="40000"/>
+                      </a:schemeClr>
+                    </a:solidFill>
+                  </a:tcPr>
+                </a:tc>
+              </a:tr>
+              <a:tr h="370840">
+                <a:tc>
+                  <a:txBody>
+                    <a:bodyPr/>
+                    <a:lstStyle/>
+                    <a:p>
+                      <a:pPr algn="just">
+                        <a:spcAft>
+                          <a:spcPts val="0"/>
+                        </a:spcAft>
+                      </a:pPr>
+                      <a:r>
+                        <a:rPr lang="zh-CN" sz="1200" kern="100" dirty="0">
+                          <a:effectLst/>
+                        </a:rPr>
+                        <a:t>产品整合</a:t>
+                      </a:r>
+                      <a:endParaRPr lang="zh-CN" sz="1050" kern="100" dirty="0">
+                        <a:effectLst/>
+                        <a:latin typeface="Calibri" panose="020F0502020204030204" pitchFamily="34" charset="0"/>
+                        <a:ea typeface="宋体" panose="02010600030101010101" pitchFamily="2" charset="-122"/>
+                        <a:cs typeface="Times New Roman" panose="02020603050405020304" pitchFamily="18" charset="0"/>
+                      </a:endParaRPr>
+                    </a:p>
+                  </a:txBody>
+                  <a:tcPr marL="68580" marR="68580" marT="0" marB="0" anchor="ctr"/>
+                </a:tc>
+                <a:tc>
+                  <a:txBody>
+                    <a:bodyPr/>
+                    <a:lstStyle/>
+                    <a:p>
+                      <a:pPr algn="r">
+                        <a:spcAft>
+                          <a:spcPts val="0"/>
+                        </a:spcAft>
+                      </a:pPr>
+                      <a:r>
+                        <a:rPr lang="en-US" sz="900" kern="100">
+                          <a:effectLst/>
+                        </a:rPr>
+                        <a:t> </a:t>
+                      </a:r>
+                      <a:endParaRPr lang="zh-CN" sz="1050" kern="100">
+                        <a:effectLst/>
+                        <a:latin typeface="Calibri" panose="020F0502020204030204" pitchFamily="34" charset="0"/>
+                        <a:ea typeface="宋体" panose="02010600030101010101" pitchFamily="2" charset="-122"/>
+                        <a:cs typeface="Times New Roman" panose="02020603050405020304" pitchFamily="18" charset="0"/>
+                      </a:endParaRPr>
+                    </a:p>
+                  </a:txBody>
+                  <a:tcPr marL="68580" marR="68580" marT="0" marB="0" anchor="b"/>
+                </a:tc>
+                <a:tc>
+                  <a:txBody>
+                    <a:bodyPr/>
+                    <a:lstStyle/>
+                    <a:p>
+                      <a:pPr algn="r">
+                        <a:spcAft>
+                          <a:spcPts val="0"/>
+                        </a:spcAft>
+                      </a:pPr>
+                      <a:r>
+                        <a:rPr lang="en-US" sz="900" kern="100">
+                          <a:effectLst/>
+                        </a:rPr>
+                        <a:t> </a:t>
+                      </a:r>
+                      <a:endParaRPr lang="zh-CN" sz="1050" kern="100">
+                        <a:effectLst/>
+                        <a:latin typeface="Calibri" panose="020F0502020204030204" pitchFamily="34" charset="0"/>
+                        <a:ea typeface="宋体" panose="02010600030101010101" pitchFamily="2" charset="-122"/>
+                        <a:cs typeface="Times New Roman" panose="02020603050405020304" pitchFamily="18" charset="0"/>
+                      </a:endParaRPr>
+                    </a:p>
+                  </a:txBody>
+                  <a:tcPr marL="68580" marR="68580" marT="0" marB="0" anchor="b"/>
+                </a:tc>
+                <a:tc>
+                  <a:txBody>
+                    <a:bodyPr/>
+                    <a:lstStyle/>
+                    <a:p>
+                      <a:pPr algn="r">
+                        <a:spcAft>
+                          <a:spcPts val="0"/>
+                        </a:spcAft>
+                      </a:pPr>
+                      <a:r>
+                        <a:rPr lang="en-US" sz="900" kern="100" dirty="0">
+                          <a:effectLst/>
+                        </a:rPr>
+                        <a:t> </a:t>
+                      </a:r>
+                      <a:endParaRPr lang="zh-CN" sz="1050" kern="100" dirty="0">
+                        <a:effectLst/>
+                        <a:latin typeface="Calibri" panose="020F0502020204030204" pitchFamily="34" charset="0"/>
+                        <a:ea typeface="宋体" panose="02010600030101010101" pitchFamily="2" charset="-122"/>
+                        <a:cs typeface="Times New Roman" panose="02020603050405020304" pitchFamily="18" charset="0"/>
+                      </a:endParaRPr>
+                    </a:p>
+                  </a:txBody>
+                  <a:tcPr marL="68580" marR="68580" marT="0" marB="0" anchor="b">
+                    <a:solidFill>
+                      <a:schemeClr val="accent2">
+                        <a:lumMod val="60000"/>
+                        <a:lumOff val="40000"/>
+                      </a:schemeClr>
+                    </a:solidFill>
+                  </a:tcPr>
+                </a:tc>
+                <a:tc>
+                  <a:txBody>
+                    <a:bodyPr/>
+                    <a:lstStyle/>
+                    <a:p>
+                      <a:pPr algn="r">
+                        <a:spcAft>
+                          <a:spcPts val="0"/>
+                        </a:spcAft>
+                      </a:pPr>
+                      <a:r>
+                        <a:rPr lang="en-US" sz="900" kern="100" dirty="0">
+                          <a:effectLst/>
+                        </a:rPr>
+                        <a:t> </a:t>
+                      </a:r>
+                      <a:endParaRPr lang="zh-CN" sz="1050" kern="100" dirty="0">
+                        <a:effectLst/>
+                        <a:latin typeface="Calibri" panose="020F0502020204030204" pitchFamily="34" charset="0"/>
+                        <a:ea typeface="宋体" panose="02010600030101010101" pitchFamily="2" charset="-122"/>
+                        <a:cs typeface="Times New Roman" panose="02020603050405020304" pitchFamily="18" charset="0"/>
+                      </a:endParaRPr>
+                    </a:p>
+                  </a:txBody>
+                  <a:tcPr marL="68580" marR="68580" marT="0" marB="0" anchor="b">
+                    <a:solidFill>
+                      <a:schemeClr val="accent2">
+                        <a:lumMod val="60000"/>
+                        <a:lumOff val="40000"/>
+                      </a:schemeClr>
+                    </a:solidFill>
+                  </a:tcPr>
+                </a:tc>
+                <a:tc>
+                  <a:txBody>
+                    <a:bodyPr/>
+                    <a:lstStyle/>
+                    <a:p>
+                      <a:pPr algn="r">
+                        <a:spcAft>
+                          <a:spcPts val="0"/>
+                        </a:spcAft>
+                      </a:pPr>
+                      <a:r>
+                        <a:rPr lang="en-US" sz="900" kern="100" dirty="0">
+                          <a:effectLst/>
+                        </a:rPr>
+                        <a:t> </a:t>
+                      </a:r>
+                      <a:endParaRPr lang="zh-CN" sz="1050" kern="100" dirty="0">
+                        <a:effectLst/>
+                        <a:latin typeface="Calibri" panose="020F0502020204030204" pitchFamily="34" charset="0"/>
+                        <a:ea typeface="宋体" panose="02010600030101010101" pitchFamily="2" charset="-122"/>
+                        <a:cs typeface="Times New Roman" panose="02020603050405020304" pitchFamily="18" charset="0"/>
+                      </a:endParaRPr>
+                    </a:p>
+                  </a:txBody>
+                  <a:tcPr marL="68580" marR="68580" marT="0" marB="0" anchor="b">
+                    <a:solidFill>
+                      <a:schemeClr val="accent2">
+                        <a:lumMod val="60000"/>
+                        <a:lumOff val="40000"/>
+                      </a:schemeClr>
+                    </a:solidFill>
+                  </a:tcPr>
+                </a:tc>
+              </a:tr>
+            </a:tbl>
+          </a:graphicData>
+        </a:graphic>
+      </p:graphicFrame>
+      <p:sp>
+        <p:nvSpPr>
+          <p:cNvPr id="11" name="Content Placeholder 10"/>
+          <p:cNvSpPr>
+            <a:spLocks noGrp="1"/>
+          </p:cNvSpPr>
+          <p:nvPr>
+            <p:ph sz="half" idx="1"/>
+          </p:nvPr>
+        </p:nvSpPr>
+        <p:spPr>
+          <a:xfrm>
+            <a:off x="628650" y="1407825"/>
+            <a:ext cx="3714750" cy="4769138"/>
+          </a:xfrm>
+        </p:spPr>
+        <p:txBody>
+          <a:bodyPr>
+            <a:normAutofit/>
+          </a:bodyPr>
+          <a:lstStyle/>
+          <a:p>
+            <a:pPr lvl="0">
+              <a:lnSpc>
+                <a:spcPct val="150000"/>
+              </a:lnSpc>
+            </a:pPr>
+            <a:r>
+              <a:rPr lang="zh-CN" altLang="zh-CN" sz="1400" dirty="0"/>
+              <a:t>基础课程系列</a:t>
+            </a:r>
+          </a:p>
+          <a:p>
+            <a:pPr marL="457200" lvl="3">
+              <a:lnSpc>
+                <a:spcPct val="150000"/>
+              </a:lnSpc>
+              <a:spcBef>
+                <a:spcPts val="0"/>
+              </a:spcBef>
+            </a:pPr>
+            <a:r>
+              <a:rPr lang="zh-CN" altLang="zh-CN" b="1" dirty="0"/>
+              <a:t>基本素养</a:t>
+            </a:r>
+            <a:r>
+              <a:rPr lang="zh-CN" altLang="zh-CN" dirty="0"/>
+              <a:t>：跨学科导引课，知识产权、法律、市场、媒体整合体验</a:t>
+            </a:r>
+          </a:p>
+          <a:p>
+            <a:pPr marL="457200" lvl="3">
+              <a:lnSpc>
+                <a:spcPct val="150000"/>
+              </a:lnSpc>
+              <a:spcBef>
+                <a:spcPts val="0"/>
+              </a:spcBef>
+            </a:pPr>
+            <a:r>
+              <a:rPr lang="zh-CN" altLang="zh-CN" b="1" dirty="0"/>
+              <a:t>设计方法</a:t>
+            </a:r>
+            <a:r>
+              <a:rPr lang="zh-CN" altLang="zh-CN" dirty="0"/>
+              <a:t>：交互设计，信息设计，服务设计</a:t>
+            </a:r>
+          </a:p>
+          <a:p>
+            <a:pPr marL="457200" lvl="3">
+              <a:lnSpc>
+                <a:spcPct val="150000"/>
+              </a:lnSpc>
+              <a:spcBef>
+                <a:spcPts val="0"/>
+              </a:spcBef>
+            </a:pPr>
+            <a:r>
+              <a:rPr lang="zh-CN" altLang="zh-CN" b="1" dirty="0"/>
+              <a:t>产品战略</a:t>
+            </a:r>
+            <a:r>
+              <a:rPr lang="zh-CN" altLang="zh-CN" dirty="0"/>
+              <a:t>：个人发展战略、行业调研、全球供应链、国际贸易等</a:t>
+            </a:r>
+          </a:p>
+          <a:p>
+            <a:pPr marL="457200" lvl="3">
+              <a:lnSpc>
+                <a:spcPct val="150000"/>
+              </a:lnSpc>
+              <a:spcBef>
+                <a:spcPts val="0"/>
+              </a:spcBef>
+            </a:pPr>
+            <a:r>
+              <a:rPr lang="zh-CN" altLang="zh-CN" b="1" dirty="0"/>
+              <a:t>实践实现</a:t>
+            </a:r>
+            <a:r>
+              <a:rPr lang="zh-CN" altLang="zh-CN" dirty="0"/>
+              <a:t>：工程设计，加工制造，材料，加工工艺，数控加工等</a:t>
+            </a:r>
+          </a:p>
+          <a:p>
+            <a:pPr marL="457200" lvl="3">
+              <a:lnSpc>
+                <a:spcPct val="150000"/>
+              </a:lnSpc>
+              <a:spcBef>
+                <a:spcPts val="0"/>
+              </a:spcBef>
+            </a:pPr>
+            <a:r>
+              <a:rPr lang="zh-CN" altLang="zh-CN" b="1" dirty="0"/>
+              <a:t>产品整合</a:t>
+            </a:r>
+            <a:r>
+              <a:rPr lang="zh-CN" altLang="zh-CN" dirty="0"/>
+              <a:t>：系统集成</a:t>
+            </a:r>
+            <a:r>
+              <a:rPr lang="zh-CN" altLang="zh-CN" dirty="0" smtClean="0"/>
+              <a:t>设计</a:t>
+            </a:r>
+            <a:endParaRPr lang="zh-CN" altLang="zh-CN" dirty="0"/>
+          </a:p>
+        </p:txBody>
+      </p:sp>
+    </p:spTree>
+    <p:extLst>
+      <p:ext uri="{BB962C8B-B14F-4D97-AF65-F5344CB8AC3E}">
+        <p14:creationId xmlns:p14="http://schemas.microsoft.com/office/powerpoint/2010/main" val="740928500"/>
+      </p:ext>
+    </p:extLst>
+  </p:cSld>
+  <p:clrMapOvr>
+    <a:masterClrMapping/>
+  </p:clrMapOvr>
+</p:sld>
+</file>
+
+<file path=ppt/slides/slide11.xml><?xml version="1.0" encoding="utf-8"?>
+<p:sld xmlns:a="http://schemas.openxmlformats.org/drawingml/2006/main" xmlns:r="http://schemas.openxmlformats.org/officeDocument/2006/relationships" xmlns:p="http://schemas.openxmlformats.org/presentationml/2006/main">
+  <p:cSld>
+    <p:spTree>
+      <p:nvGrpSpPr>
+        <p:cNvPr id="1" name=""/>
+        <p:cNvGrpSpPr/>
+        <p:nvPr/>
+      </p:nvGrpSpPr>
+      <p:grpSpPr>
+        <a:xfrm>
+          <a:off x="0" y="0"/>
+          <a:ext cx="0" cy="0"/>
+          <a:chOff x="0" y="0"/>
+          <a:chExt cx="0" cy="0"/>
+        </a:xfrm>
+      </p:grpSpPr>
+      <p:sp>
+        <p:nvSpPr>
           <p:cNvPr id="5" name="Title 4"/>
           <p:cNvSpPr>
             <a:spLocks noGrp="1"/>
@@ -20110,7 +18286,11 @@
           <a:p>
             <a:r>
               <a:rPr lang="zh-CN" altLang="en-US" dirty="0" smtClean="0"/>
-              <a:t>我的空间，我做主！</a:t>
+              <a:t>我的空间，我</a:t>
+            </a:r>
+            <a:r>
+              <a:rPr lang="zh-CN" altLang="en-US" dirty="0" smtClean="0"/>
+              <a:t>做主</a:t>
             </a:r>
             <a:endParaRPr lang="zh-CN" altLang="en-US" dirty="0"/>
           </a:p>
@@ -20133,7 +18313,7 @@
           <a:p>
             <a:r>
               <a:rPr lang="zh-CN" altLang="en-US" dirty="0" smtClean="0"/>
-              <a:t>开放空间，从规划设计开始：</a:t>
+              <a:t>开放空间：</a:t>
             </a:r>
             <a:endParaRPr lang="en-US" altLang="zh-CN" dirty="0" smtClean="0"/>
           </a:p>
@@ -20189,7 +18369,11 @@
             <a:pPr lvl="2"/>
             <a:r>
               <a:rPr lang="zh-CN" altLang="en-US" dirty="0" smtClean="0"/>
-              <a:t>门禁系统、预约管理系统</a:t>
+              <a:t>门禁系统、预约</a:t>
+            </a:r>
+            <a:r>
+              <a:rPr lang="zh-CN" altLang="en-US" dirty="0" smtClean="0"/>
+              <a:t>管理系统、资源使用监控系统、室内环境控制系统等</a:t>
             </a:r>
             <a:endParaRPr lang="en-US" altLang="zh-CN" dirty="0" smtClean="0"/>
           </a:p>
@@ -24686,6 +22870,3027 @@
           </a:fontRef>
         </p:style>
       </p:cxnSp>
+      <p:cxnSp>
+        <p:nvCxnSpPr>
+          <p:cNvPr id="41" name="Straight Arrow Connector 40"/>
+          <p:cNvCxnSpPr>
+            <a:stCxn id="6" idx="0"/>
+            <a:endCxn id="7" idx="2"/>
+          </p:cNvCxnSpPr>
+          <p:nvPr/>
+        </p:nvCxnSpPr>
+        <p:spPr>
+          <a:xfrm flipV="1">
+            <a:off x="4706482" y="1315616"/>
+            <a:ext cx="2" cy="2099387"/>
+          </a:xfrm>
+          <a:prstGeom prst="straightConnector1">
+            <a:avLst/>
+          </a:prstGeom>
+          <a:ln w="19050">
+            <a:solidFill>
+              <a:srgbClr val="C00000"/>
+            </a:solidFill>
+            <a:tailEnd type="triangle"/>
+          </a:ln>
+        </p:spPr>
+        <p:style>
+          <a:lnRef idx="1">
+            <a:schemeClr val="accent1"/>
+          </a:lnRef>
+          <a:fillRef idx="0">
+            <a:schemeClr val="accent1"/>
+          </a:fillRef>
+          <a:effectRef idx="0">
+            <a:schemeClr val="accent1"/>
+          </a:effectRef>
+          <a:fontRef idx="minor">
+            <a:schemeClr val="tx1"/>
+          </a:fontRef>
+        </p:style>
+      </p:cxnSp>
+      <p:cxnSp>
+        <p:nvCxnSpPr>
+          <p:cNvPr id="46" name="Straight Arrow Connector 45"/>
+          <p:cNvCxnSpPr/>
+          <p:nvPr/>
+        </p:nvCxnSpPr>
+        <p:spPr>
+          <a:xfrm flipV="1">
+            <a:off x="101108" y="2121865"/>
+            <a:ext cx="0" cy="2057259"/>
+          </a:xfrm>
+          <a:prstGeom prst="straightConnector1">
+            <a:avLst/>
+          </a:prstGeom>
+          <a:ln w="19050">
+            <a:solidFill>
+              <a:schemeClr val="accent1"/>
+            </a:solidFill>
+            <a:tailEnd type="triangle"/>
+          </a:ln>
+        </p:spPr>
+        <p:style>
+          <a:lnRef idx="1">
+            <a:schemeClr val="accent1"/>
+          </a:lnRef>
+          <a:fillRef idx="0">
+            <a:schemeClr val="accent1"/>
+          </a:fillRef>
+          <a:effectRef idx="0">
+            <a:schemeClr val="accent1"/>
+          </a:effectRef>
+          <a:fontRef idx="minor">
+            <a:schemeClr val="tx1"/>
+          </a:fontRef>
+        </p:style>
+      </p:cxnSp>
+      <p:sp>
+        <p:nvSpPr>
+          <p:cNvPr id="49" name="TextBox 48"/>
+          <p:cNvSpPr txBox="1"/>
+          <p:nvPr/>
+        </p:nvSpPr>
+        <p:spPr>
+          <a:xfrm>
+            <a:off x="-60160" y="1110343"/>
+            <a:ext cx="322536" cy="829296"/>
+          </a:xfrm>
+          <a:prstGeom prst="rect">
+            <a:avLst/>
+          </a:prstGeom>
+          <a:noFill/>
+        </p:spPr>
+        <p:txBody>
+          <a:bodyPr wrap="square" rtlCol="0">
+            <a:spAutoFit/>
+          </a:bodyPr>
+          <a:lstStyle/>
+          <a:p>
+            <a:pPr algn="ctr"/>
+            <a:r>
+              <a:rPr lang="zh-CN" altLang="en-US" sz="1200" dirty="0" smtClean="0"/>
+              <a:t>系统集成</a:t>
+            </a:r>
+            <a:endParaRPr lang="zh-CN" altLang="en-US" sz="1200" dirty="0"/>
+          </a:p>
+        </p:txBody>
+      </p:sp>
+      <p:sp>
+        <p:nvSpPr>
+          <p:cNvPr id="50" name="TextBox 49"/>
+          <p:cNvSpPr txBox="1"/>
+          <p:nvPr/>
+        </p:nvSpPr>
+        <p:spPr>
+          <a:xfrm>
+            <a:off x="-60160" y="4390617"/>
+            <a:ext cx="322536" cy="830997"/>
+          </a:xfrm>
+          <a:prstGeom prst="rect">
+            <a:avLst/>
+          </a:prstGeom>
+          <a:noFill/>
+        </p:spPr>
+        <p:txBody>
+          <a:bodyPr wrap="square" rtlCol="0">
+            <a:spAutoFit/>
+          </a:bodyPr>
+          <a:lstStyle/>
+          <a:p>
+            <a:pPr algn="ctr"/>
+            <a:r>
+              <a:rPr lang="zh-CN" altLang="en-US" sz="1200" dirty="0" smtClean="0"/>
+              <a:t>基础训练</a:t>
+            </a:r>
+            <a:endParaRPr lang="zh-CN" altLang="en-US" sz="1200" dirty="0"/>
+          </a:p>
+        </p:txBody>
+      </p:sp>
+      <p:sp>
+        <p:nvSpPr>
+          <p:cNvPr id="16" name="TextBox 15"/>
+          <p:cNvSpPr txBox="1"/>
+          <p:nvPr/>
+        </p:nvSpPr>
+        <p:spPr>
+          <a:xfrm>
+            <a:off x="6596070" y="135980"/>
+            <a:ext cx="1967250" cy="369332"/>
+          </a:xfrm>
+          <a:prstGeom prst="rect">
+            <a:avLst/>
+          </a:prstGeom>
+          <a:noFill/>
+        </p:spPr>
+        <p:txBody>
+          <a:bodyPr wrap="square" rtlCol="0">
+            <a:spAutoFit/>
+          </a:bodyPr>
+          <a:lstStyle/>
+          <a:p>
+            <a:pPr algn="ctr"/>
+            <a:r>
+              <a:rPr lang="zh-CN" altLang="en-US" b="1" dirty="0" smtClean="0"/>
+              <a:t>中心功能区布局</a:t>
+            </a:r>
+            <a:endParaRPr lang="en-US" altLang="zh-CN" b="1" dirty="0"/>
+          </a:p>
+        </p:txBody>
+      </p:sp>
+      <p:grpSp>
+        <p:nvGrpSpPr>
+          <p:cNvPr id="20" name="Group 19"/>
+          <p:cNvGrpSpPr/>
+          <p:nvPr/>
+        </p:nvGrpSpPr>
+        <p:grpSpPr>
+          <a:xfrm>
+            <a:off x="6067505" y="278361"/>
+            <a:ext cx="2952190" cy="6814021"/>
+            <a:chOff x="6067505" y="278361"/>
+            <a:chExt cx="2952190" cy="6814021"/>
+          </a:xfrm>
+        </p:grpSpPr>
+        <p:cxnSp>
+          <p:nvCxnSpPr>
+            <p:cNvPr id="30" name="Straight Connector 29"/>
+            <p:cNvCxnSpPr/>
+            <p:nvPr/>
+          </p:nvCxnSpPr>
+          <p:spPr>
+            <a:xfrm>
+              <a:off x="9019118" y="770516"/>
+              <a:ext cx="0" cy="4940805"/>
+            </a:xfrm>
+            <a:prstGeom prst="line">
+              <a:avLst/>
+            </a:prstGeom>
+            <a:ln w="12700">
+              <a:solidFill>
+                <a:schemeClr val="tx1"/>
+              </a:solidFill>
+              <a:prstDash val="dash"/>
+            </a:ln>
+          </p:spPr>
+          <p:style>
+            <a:lnRef idx="1">
+              <a:schemeClr val="accent1"/>
+            </a:lnRef>
+            <a:fillRef idx="0">
+              <a:schemeClr val="accent1"/>
+            </a:fillRef>
+            <a:effectRef idx="0">
+              <a:schemeClr val="accent1"/>
+            </a:effectRef>
+            <a:fontRef idx="minor">
+              <a:schemeClr val="tx1"/>
+            </a:fontRef>
+          </p:style>
+        </p:cxnSp>
+        <p:cxnSp>
+          <p:nvCxnSpPr>
+            <p:cNvPr id="31" name="Straight Connector 30"/>
+            <p:cNvCxnSpPr/>
+            <p:nvPr/>
+          </p:nvCxnSpPr>
+          <p:spPr>
+            <a:xfrm>
+              <a:off x="6575963" y="770516"/>
+              <a:ext cx="0" cy="4940805"/>
+            </a:xfrm>
+            <a:prstGeom prst="line">
+              <a:avLst/>
+            </a:prstGeom>
+            <a:ln w="12700">
+              <a:solidFill>
+                <a:schemeClr val="tx1"/>
+              </a:solidFill>
+              <a:prstDash val="dash"/>
+            </a:ln>
+          </p:spPr>
+          <p:style>
+            <a:lnRef idx="1">
+              <a:schemeClr val="accent1"/>
+            </a:lnRef>
+            <a:fillRef idx="0">
+              <a:schemeClr val="accent1"/>
+            </a:fillRef>
+            <a:effectRef idx="0">
+              <a:schemeClr val="accent1"/>
+            </a:effectRef>
+            <a:fontRef idx="minor">
+              <a:schemeClr val="tx1"/>
+            </a:fontRef>
+          </p:style>
+        </p:cxnSp>
+        <p:pic>
+          <p:nvPicPr>
+            <p:cNvPr id="17" name="Picture 16"/>
+            <p:cNvPicPr>
+              <a:picLocks noChangeAspect="1"/>
+            </p:cNvPicPr>
+            <p:nvPr/>
+          </p:nvPicPr>
+          <p:blipFill>
+            <a:blip r:embed="rId2" cstate="print">
+              <a:extLst>
+                <a:ext uri="{BEBA8EAE-BF5A-486C-A8C5-ECC9F3942E4B}">
+                  <a14:imgProps xmlns:a14="http://schemas.microsoft.com/office/drawing/2010/main">
+                    <a14:imgLayer r:embed="rId3">
+                      <a14:imgEffect>
+                        <a14:brightnessContrast bright="-32000" contrast="50000"/>
+                      </a14:imgEffect>
+                    </a14:imgLayer>
+                  </a14:imgProps>
+                </a:ext>
+                <a:ext uri="{28A0092B-C50C-407E-A947-70E740481C1C}">
+                  <a14:useLocalDpi xmlns:a14="http://schemas.microsoft.com/office/drawing/2010/main" val="0"/>
+                </a:ext>
+              </a:extLst>
+            </a:blip>
+            <a:stretch>
+              <a:fillRect/>
+            </a:stretch>
+          </p:blipFill>
+          <p:spPr>
+            <a:xfrm>
+              <a:off x="6973179" y="6012382"/>
+              <a:ext cx="1213033" cy="1080000"/>
+            </a:xfrm>
+            <a:prstGeom prst="rect">
+              <a:avLst/>
+            </a:prstGeom>
+            <a:noFill/>
+            <a:scene3d>
+              <a:camera prst="orthographicFront">
+                <a:rot lat="3013874" lon="18942458" rev="19392703"/>
+              </a:camera>
+              <a:lightRig rig="threePt" dir="t"/>
+            </a:scene3d>
+          </p:spPr>
+        </p:pic>
+        <p:pic>
+          <p:nvPicPr>
+            <p:cNvPr id="15" name="Picture 14"/>
+            <p:cNvPicPr>
+              <a:picLocks noChangeAspect="1"/>
+            </p:cNvPicPr>
+            <p:nvPr/>
+          </p:nvPicPr>
+          <p:blipFill>
+            <a:blip r:embed="rId4" cstate="print">
+              <a:extLst>
+                <a:ext uri="{BEBA8EAE-BF5A-486C-A8C5-ECC9F3942E4B}">
+                  <a14:imgProps xmlns:a14="http://schemas.microsoft.com/office/drawing/2010/main">
+                    <a14:imgLayer r:embed="rId5">
+                      <a14:imgEffect>
+                        <a14:brightnessContrast bright="-32000" contrast="50000"/>
+                      </a14:imgEffect>
+                    </a14:imgLayer>
+                  </a14:imgProps>
+                </a:ext>
+                <a:ext uri="{28A0092B-C50C-407E-A947-70E740481C1C}">
+                  <a14:useLocalDpi xmlns:a14="http://schemas.microsoft.com/office/drawing/2010/main" val="0"/>
+                </a:ext>
+              </a:extLst>
+            </a:blip>
+            <a:stretch>
+              <a:fillRect/>
+            </a:stretch>
+          </p:blipFill>
+          <p:spPr>
+            <a:xfrm>
+              <a:off x="6139695" y="5472750"/>
+              <a:ext cx="2880000" cy="1171726"/>
+            </a:xfrm>
+            <a:prstGeom prst="rect">
+              <a:avLst/>
+            </a:prstGeom>
+            <a:noFill/>
+            <a:scene3d>
+              <a:camera prst="orthographicFront">
+                <a:rot lat="3013874" lon="18942458" rev="19392703"/>
+              </a:camera>
+              <a:lightRig rig="threePt" dir="t"/>
+            </a:scene3d>
+          </p:spPr>
+        </p:pic>
+        <p:pic>
+          <p:nvPicPr>
+            <p:cNvPr id="14" name="Picture 13"/>
+            <p:cNvPicPr>
+              <a:picLocks noChangeAspect="1"/>
+            </p:cNvPicPr>
+            <p:nvPr/>
+          </p:nvPicPr>
+          <p:blipFill>
+            <a:blip r:embed="rId6" cstate="print">
+              <a:extLst>
+                <a:ext uri="{BEBA8EAE-BF5A-486C-A8C5-ECC9F3942E4B}">
+                  <a14:imgProps xmlns:a14="http://schemas.microsoft.com/office/drawing/2010/main">
+                    <a14:imgLayer r:embed="rId7">
+                      <a14:imgEffect>
+                        <a14:brightnessContrast bright="-32000" contrast="50000"/>
+                      </a14:imgEffect>
+                    </a14:imgLayer>
+                  </a14:imgProps>
+                </a:ext>
+                <a:ext uri="{28A0092B-C50C-407E-A947-70E740481C1C}">
+                  <a14:useLocalDpi xmlns:a14="http://schemas.microsoft.com/office/drawing/2010/main" val="0"/>
+                </a:ext>
+              </a:extLst>
+            </a:blip>
+            <a:stretch>
+              <a:fillRect/>
+            </a:stretch>
+          </p:blipFill>
+          <p:spPr>
+            <a:xfrm>
+              <a:off x="6139695" y="4816017"/>
+              <a:ext cx="2880000" cy="1288829"/>
+            </a:xfrm>
+            <a:prstGeom prst="rect">
+              <a:avLst/>
+            </a:prstGeom>
+            <a:noFill/>
+            <a:scene3d>
+              <a:camera prst="orthographicFront">
+                <a:rot lat="3013874" lon="18942458" rev="19392703"/>
+              </a:camera>
+              <a:lightRig rig="threePt" dir="t"/>
+            </a:scene3d>
+          </p:spPr>
+        </p:pic>
+        <p:pic>
+          <p:nvPicPr>
+            <p:cNvPr id="10" name="Picture 9"/>
+            <p:cNvPicPr>
+              <a:picLocks noChangeAspect="1"/>
+            </p:cNvPicPr>
+            <p:nvPr/>
+          </p:nvPicPr>
+          <p:blipFill>
+            <a:blip r:embed="rId8" cstate="print">
+              <a:extLst>
+                <a:ext uri="{BEBA8EAE-BF5A-486C-A8C5-ECC9F3942E4B}">
+                  <a14:imgProps xmlns:a14="http://schemas.microsoft.com/office/drawing/2010/main">
+                    <a14:imgLayer r:embed="rId9">
+                      <a14:imgEffect>
+                        <a14:brightnessContrast bright="-32000" contrast="50000"/>
+                      </a14:imgEffect>
+                    </a14:imgLayer>
+                  </a14:imgProps>
+                </a:ext>
+                <a:ext uri="{28A0092B-C50C-407E-A947-70E740481C1C}">
+                  <a14:useLocalDpi xmlns:a14="http://schemas.microsoft.com/office/drawing/2010/main" val="0"/>
+                </a:ext>
+              </a:extLst>
+            </a:blip>
+            <a:stretch>
+              <a:fillRect/>
+            </a:stretch>
+          </p:blipFill>
+          <p:spPr>
+            <a:xfrm>
+              <a:off x="6139695" y="4104370"/>
+              <a:ext cx="2880000" cy="1343743"/>
+            </a:xfrm>
+            <a:prstGeom prst="rect">
+              <a:avLst/>
+            </a:prstGeom>
+            <a:noFill/>
+            <a:scene3d>
+              <a:camera prst="orthographicFront">
+                <a:rot lat="3013874" lon="18942458" rev="19392703"/>
+              </a:camera>
+              <a:lightRig rig="threePt" dir="t"/>
+            </a:scene3d>
+          </p:spPr>
+        </p:pic>
+        <p:pic>
+          <p:nvPicPr>
+            <p:cNvPr id="11" name="Picture 10"/>
+            <p:cNvPicPr>
+              <a:picLocks noChangeAspect="1"/>
+            </p:cNvPicPr>
+            <p:nvPr/>
+          </p:nvPicPr>
+          <p:blipFill>
+            <a:blip r:embed="rId10" cstate="print">
+              <a:extLst>
+                <a:ext uri="{BEBA8EAE-BF5A-486C-A8C5-ECC9F3942E4B}">
+                  <a14:imgProps xmlns:a14="http://schemas.microsoft.com/office/drawing/2010/main">
+                    <a14:imgLayer r:embed="rId11">
+                      <a14:imgEffect>
+                        <a14:brightnessContrast bright="-32000" contrast="50000"/>
+                      </a14:imgEffect>
+                    </a14:imgLayer>
+                  </a14:imgProps>
+                </a:ext>
+                <a:ext uri="{28A0092B-C50C-407E-A947-70E740481C1C}">
+                  <a14:useLocalDpi xmlns:a14="http://schemas.microsoft.com/office/drawing/2010/main" val="0"/>
+                </a:ext>
+              </a:extLst>
+            </a:blip>
+            <a:stretch>
+              <a:fillRect/>
+            </a:stretch>
+          </p:blipFill>
+          <p:spPr>
+            <a:xfrm>
+              <a:off x="6139695" y="3438248"/>
+              <a:ext cx="2880000" cy="1298218"/>
+            </a:xfrm>
+            <a:prstGeom prst="rect">
+              <a:avLst/>
+            </a:prstGeom>
+            <a:noFill/>
+            <a:scene3d>
+              <a:camera prst="orthographicFront">
+                <a:rot lat="3013874" lon="18942458" rev="19392703"/>
+              </a:camera>
+              <a:lightRig rig="threePt" dir="t"/>
+            </a:scene3d>
+          </p:spPr>
+        </p:pic>
+        <p:pic>
+          <p:nvPicPr>
+            <p:cNvPr id="12" name="Picture 11"/>
+            <p:cNvPicPr>
+              <a:picLocks noChangeAspect="1"/>
+            </p:cNvPicPr>
+            <p:nvPr/>
+          </p:nvPicPr>
+          <p:blipFill>
+            <a:blip r:embed="rId12" cstate="print">
+              <a:extLst>
+                <a:ext uri="{BEBA8EAE-BF5A-486C-A8C5-ECC9F3942E4B}">
+                  <a14:imgProps xmlns:a14="http://schemas.microsoft.com/office/drawing/2010/main">
+                    <a14:imgLayer r:embed="rId13">
+                      <a14:imgEffect>
+                        <a14:brightnessContrast bright="-32000" contrast="50000"/>
+                      </a14:imgEffect>
+                    </a14:imgLayer>
+                  </a14:imgProps>
+                </a:ext>
+                <a:ext uri="{28A0092B-C50C-407E-A947-70E740481C1C}">
+                  <a14:useLocalDpi xmlns:a14="http://schemas.microsoft.com/office/drawing/2010/main" val="0"/>
+                </a:ext>
+              </a:extLst>
+            </a:blip>
+            <a:stretch>
+              <a:fillRect/>
+            </a:stretch>
+          </p:blipFill>
+          <p:spPr>
+            <a:xfrm>
+              <a:off x="6139695" y="2760172"/>
+              <a:ext cx="2880000" cy="1310172"/>
+            </a:xfrm>
+            <a:prstGeom prst="rect">
+              <a:avLst/>
+            </a:prstGeom>
+            <a:noFill/>
+            <a:scene3d>
+              <a:camera prst="orthographicFront">
+                <a:rot lat="3013874" lon="18942458" rev="19392703"/>
+              </a:camera>
+              <a:lightRig rig="threePt" dir="t"/>
+            </a:scene3d>
+          </p:spPr>
+        </p:pic>
+        <p:pic>
+          <p:nvPicPr>
+            <p:cNvPr id="13" name="Picture 12"/>
+            <p:cNvPicPr>
+              <a:picLocks noChangeAspect="1"/>
+            </p:cNvPicPr>
+            <p:nvPr/>
+          </p:nvPicPr>
+          <p:blipFill>
+            <a:blip r:embed="rId14" cstate="print">
+              <a:extLst>
+                <a:ext uri="{BEBA8EAE-BF5A-486C-A8C5-ECC9F3942E4B}">
+                  <a14:imgProps xmlns:a14="http://schemas.microsoft.com/office/drawing/2010/main">
+                    <a14:imgLayer r:embed="rId15">
+                      <a14:imgEffect>
+                        <a14:brightnessContrast bright="-32000" contrast="50000"/>
+                      </a14:imgEffect>
+                    </a14:imgLayer>
+                  </a14:imgProps>
+                </a:ext>
+                <a:ext uri="{28A0092B-C50C-407E-A947-70E740481C1C}">
+                  <a14:useLocalDpi xmlns:a14="http://schemas.microsoft.com/office/drawing/2010/main" val="0"/>
+                </a:ext>
+              </a:extLst>
+            </a:blip>
+            <a:stretch>
+              <a:fillRect/>
+            </a:stretch>
+          </p:blipFill>
+          <p:spPr>
+            <a:xfrm>
+              <a:off x="6139695" y="1858610"/>
+              <a:ext cx="2880000" cy="1533658"/>
+            </a:xfrm>
+            <a:prstGeom prst="rect">
+              <a:avLst/>
+            </a:prstGeom>
+            <a:noFill/>
+            <a:scene3d>
+              <a:camera prst="orthographicFront">
+                <a:rot lat="3013874" lon="18942458" rev="19392703"/>
+              </a:camera>
+              <a:lightRig rig="threePt" dir="t"/>
+            </a:scene3d>
+          </p:spPr>
+        </p:pic>
+        <p:pic>
+          <p:nvPicPr>
+            <p:cNvPr id="4" name="Picture 3"/>
+            <p:cNvPicPr>
+              <a:picLocks noChangeAspect="1"/>
+            </p:cNvPicPr>
+            <p:nvPr/>
+          </p:nvPicPr>
+          <p:blipFill>
+            <a:blip r:embed="rId16" cstate="print">
+              <a:extLst>
+                <a:ext uri="{BEBA8EAE-BF5A-486C-A8C5-ECC9F3942E4B}">
+                  <a14:imgProps xmlns:a14="http://schemas.microsoft.com/office/drawing/2010/main">
+                    <a14:imgLayer r:embed="rId17">
+                      <a14:imgEffect>
+                        <a14:brightnessContrast bright="-32000" contrast="50000"/>
+                      </a14:imgEffect>
+                    </a14:imgLayer>
+                  </a14:imgProps>
+                </a:ext>
+                <a:ext uri="{28A0092B-C50C-407E-A947-70E740481C1C}">
+                  <a14:useLocalDpi xmlns:a14="http://schemas.microsoft.com/office/drawing/2010/main" val="0"/>
+                </a:ext>
+              </a:extLst>
+            </a:blip>
+            <a:stretch>
+              <a:fillRect/>
+            </a:stretch>
+          </p:blipFill>
+          <p:spPr>
+            <a:xfrm>
+              <a:off x="6139695" y="1107384"/>
+              <a:ext cx="2880000" cy="1383322"/>
+            </a:xfrm>
+            <a:prstGeom prst="rect">
+              <a:avLst/>
+            </a:prstGeom>
+            <a:noFill/>
+            <a:scene3d>
+              <a:camera prst="orthographicFront">
+                <a:rot lat="3013874" lon="18942458" rev="19392703"/>
+              </a:camera>
+              <a:lightRig rig="threePt" dir="t"/>
+            </a:scene3d>
+          </p:spPr>
+        </p:pic>
+        <p:pic>
+          <p:nvPicPr>
+            <p:cNvPr id="3" name="Picture 2"/>
+            <p:cNvPicPr>
+              <a:picLocks noChangeAspect="1"/>
+            </p:cNvPicPr>
+            <p:nvPr/>
+          </p:nvPicPr>
+          <p:blipFill>
+            <a:blip r:embed="rId18" cstate="print">
+              <a:extLst>
+                <a:ext uri="{BEBA8EAE-BF5A-486C-A8C5-ECC9F3942E4B}">
+                  <a14:imgProps xmlns:a14="http://schemas.microsoft.com/office/drawing/2010/main">
+                    <a14:imgLayer r:embed="rId19">
+                      <a14:imgEffect>
+                        <a14:brightnessContrast bright="-32000" contrast="50000"/>
+                      </a14:imgEffect>
+                    </a14:imgLayer>
+                  </a14:imgProps>
+                </a:ext>
+                <a:ext uri="{28A0092B-C50C-407E-A947-70E740481C1C}">
+                  <a14:useLocalDpi xmlns:a14="http://schemas.microsoft.com/office/drawing/2010/main" val="0"/>
+                </a:ext>
+              </a:extLst>
+            </a:blip>
+            <a:stretch>
+              <a:fillRect/>
+            </a:stretch>
+          </p:blipFill>
+          <p:spPr>
+            <a:xfrm>
+              <a:off x="6139695" y="278361"/>
+              <a:ext cx="2880000" cy="1461119"/>
+            </a:xfrm>
+            <a:prstGeom prst="rect">
+              <a:avLst/>
+            </a:prstGeom>
+            <a:noFill/>
+            <a:scene3d>
+              <a:camera prst="orthographicFront">
+                <a:rot lat="3013874" lon="18942458" rev="19392703"/>
+              </a:camera>
+              <a:lightRig rig="threePt" dir="t"/>
+            </a:scene3d>
+          </p:spPr>
+        </p:pic>
+        <p:cxnSp>
+          <p:nvCxnSpPr>
+            <p:cNvPr id="19" name="Straight Connector 18"/>
+            <p:cNvCxnSpPr/>
+            <p:nvPr/>
+          </p:nvCxnSpPr>
+          <p:spPr>
+            <a:xfrm>
+              <a:off x="6067505" y="1375775"/>
+              <a:ext cx="0" cy="4940805"/>
+            </a:xfrm>
+            <a:prstGeom prst="line">
+              <a:avLst/>
+            </a:prstGeom>
+            <a:ln w="12700">
+              <a:solidFill>
+                <a:schemeClr val="tx1"/>
+              </a:solidFill>
+              <a:prstDash val="dash"/>
+            </a:ln>
+          </p:spPr>
+          <p:style>
+            <a:lnRef idx="1">
+              <a:schemeClr val="accent1"/>
+            </a:lnRef>
+            <a:fillRef idx="0">
+              <a:schemeClr val="accent1"/>
+            </a:fillRef>
+            <a:effectRef idx="0">
+              <a:schemeClr val="accent1"/>
+            </a:effectRef>
+            <a:fontRef idx="minor">
+              <a:schemeClr val="tx1"/>
+            </a:fontRef>
+          </p:style>
+        </p:cxnSp>
+        <p:cxnSp>
+          <p:nvCxnSpPr>
+            <p:cNvPr id="29" name="Straight Connector 28"/>
+            <p:cNvCxnSpPr/>
+            <p:nvPr/>
+          </p:nvCxnSpPr>
+          <p:spPr>
+            <a:xfrm>
+              <a:off x="8597323" y="1375775"/>
+              <a:ext cx="0" cy="4940805"/>
+            </a:xfrm>
+            <a:prstGeom prst="line">
+              <a:avLst/>
+            </a:prstGeom>
+            <a:ln w="12700">
+              <a:solidFill>
+                <a:schemeClr val="tx1"/>
+              </a:solidFill>
+              <a:prstDash val="dash"/>
+            </a:ln>
+          </p:spPr>
+          <p:style>
+            <a:lnRef idx="1">
+              <a:schemeClr val="accent1"/>
+            </a:lnRef>
+            <a:fillRef idx="0">
+              <a:schemeClr val="accent1"/>
+            </a:fillRef>
+            <a:effectRef idx="0">
+              <a:schemeClr val="accent1"/>
+            </a:effectRef>
+            <a:fontRef idx="minor">
+              <a:schemeClr val="tx1"/>
+            </a:fontRef>
+          </p:style>
+        </p:cxnSp>
+      </p:grpSp>
+    </p:spTree>
+    <p:extLst>
+      <p:ext uri="{BB962C8B-B14F-4D97-AF65-F5344CB8AC3E}">
+        <p14:creationId xmlns:p14="http://schemas.microsoft.com/office/powerpoint/2010/main" val="3242098025"/>
+      </p:ext>
+    </p:extLst>
+  </p:cSld>
+  <p:clrMapOvr>
+    <a:masterClrMapping/>
+  </p:clrMapOvr>
+  <p:timing>
+    <p:tnLst>
+      <p:par>
+        <p:cTn id="1" dur="indefinite" restart="never" nodeType="tmRoot"/>
+      </p:par>
+    </p:tnLst>
+  </p:timing>
+</p:sld>
+</file>
+
+<file path=ppt/slides/slide8.xml><?xml version="1.0" encoding="utf-8"?>
+<p:sld xmlns:a="http://schemas.openxmlformats.org/drawingml/2006/main" xmlns:r="http://schemas.openxmlformats.org/officeDocument/2006/relationships" xmlns:p="http://schemas.openxmlformats.org/presentationml/2006/main">
+  <p:cSld>
+    <p:spTree>
+      <p:nvGrpSpPr>
+        <p:cNvPr id="1" name=""/>
+        <p:cNvGrpSpPr/>
+        <p:nvPr/>
+      </p:nvGrpSpPr>
+      <p:grpSpPr>
+        <a:xfrm>
+          <a:off x="0" y="0"/>
+          <a:ext cx="0" cy="0"/>
+          <a:chOff x="0" y="0"/>
+          <a:chExt cx="0" cy="0"/>
+        </a:xfrm>
+      </p:grpSpPr>
+      <p:graphicFrame>
+        <p:nvGraphicFramePr>
+          <p:cNvPr id="2" name="Table 1"/>
+          <p:cNvGraphicFramePr>
+            <a:graphicFrameLocks noGrp="1"/>
+          </p:cNvGraphicFramePr>
+          <p:nvPr>
+            <p:extLst/>
+          </p:nvPr>
+        </p:nvGraphicFramePr>
+        <p:xfrm>
+          <a:off x="215545" y="157020"/>
+          <a:ext cx="5795700" cy="6674825"/>
+        </p:xfrm>
+        <a:graphic>
+          <a:graphicData uri="http://schemas.openxmlformats.org/drawingml/2006/table">
+            <a:tbl>
+              <a:tblPr firstRow="1" firstCol="1" bandRow="1">
+                <a:tableStyleId>{5C22544A-7EE6-4342-B048-85BDC9FD1C3A}</a:tableStyleId>
+              </a:tblPr>
+              <a:tblGrid>
+                <a:gridCol w="1013950"/>
+                <a:gridCol w="455150"/>
+                <a:gridCol w="1604500"/>
+                <a:gridCol w="2722100"/>
+              </a:tblGrid>
+              <a:tr h="365709">
+                <a:tc>
+                  <a:txBody>
+                    <a:bodyPr/>
+                    <a:lstStyle/>
+                    <a:p>
+                      <a:pPr algn="ctr">
+                        <a:lnSpc>
+                          <a:spcPct val="120000"/>
+                        </a:lnSpc>
+                        <a:spcAft>
+                          <a:spcPts val="0"/>
+                        </a:spcAft>
+                      </a:pPr>
+                      <a:r>
+                        <a:rPr lang="en-US" sz="1100" kern="100" dirty="0">
+                          <a:effectLst/>
+                        </a:rPr>
+                        <a:t> </a:t>
+                      </a:r>
+                      <a:endParaRPr lang="zh-CN" sz="1100" kern="100" dirty="0">
+                        <a:effectLst/>
+                        <a:latin typeface="Calibri" panose="020F0502020204030204" pitchFamily="34" charset="0"/>
+                        <a:ea typeface="宋体" panose="02010600030101010101" pitchFamily="2" charset="-122"/>
+                        <a:cs typeface="Times New Roman" panose="02020603050405020304" pitchFamily="18" charset="0"/>
+                      </a:endParaRPr>
+                    </a:p>
+                  </a:txBody>
+                  <a:tcPr marL="72000" marR="72000" marT="72000" marB="72000" anchor="ctr"/>
+                </a:tc>
+                <a:tc>
+                  <a:txBody>
+                    <a:bodyPr/>
+                    <a:lstStyle/>
+                    <a:p>
+                      <a:pPr marL="0" marR="0" indent="0" algn="ctr" defTabSz="914400" rtl="0" eaLnBrk="1" fontAlgn="auto" latinLnBrk="0" hangingPunct="1">
+                        <a:lnSpc>
+                          <a:spcPct val="120000"/>
+                        </a:lnSpc>
+                        <a:spcBef>
+                          <a:spcPts val="0"/>
+                        </a:spcBef>
+                        <a:spcAft>
+                          <a:spcPts val="0"/>
+                        </a:spcAft>
+                        <a:buClrTx/>
+                        <a:buSzTx/>
+                        <a:buFontTx/>
+                        <a:buNone/>
+                        <a:tabLst/>
+                        <a:defRPr/>
+                      </a:pPr>
+                      <a:r>
+                        <a:rPr lang="zh-CN" altLang="en-US" sz="1100" kern="100" dirty="0" smtClean="0">
+                          <a:effectLst/>
+                        </a:rPr>
+                        <a:t>楼层</a:t>
+                      </a:r>
+                      <a:endParaRPr lang="zh-CN" altLang="zh-CN" sz="1100" kern="100" dirty="0" smtClean="0">
+                        <a:effectLst/>
+                        <a:latin typeface="Calibri" panose="020F0502020204030204" pitchFamily="34" charset="0"/>
+                        <a:ea typeface="+mn-ea"/>
+                        <a:cs typeface="Times New Roman" panose="02020603050405020304" pitchFamily="18" charset="0"/>
+                      </a:endParaRPr>
+                    </a:p>
+                  </a:txBody>
+                  <a:tcPr marL="72000" marR="72000" marT="72000" marB="72000" anchor="ctr"/>
+                </a:tc>
+                <a:tc>
+                  <a:txBody>
+                    <a:bodyPr/>
+                    <a:lstStyle/>
+                    <a:p>
+                      <a:pPr algn="ctr">
+                        <a:lnSpc>
+                          <a:spcPct val="120000"/>
+                        </a:lnSpc>
+                        <a:spcAft>
+                          <a:spcPts val="0"/>
+                        </a:spcAft>
+                      </a:pPr>
+                      <a:r>
+                        <a:rPr lang="en-US" sz="1100" kern="100" dirty="0">
+                          <a:effectLst/>
+                        </a:rPr>
+                        <a:t> </a:t>
+                      </a:r>
+                      <a:r>
+                        <a:rPr lang="zh-CN" altLang="en-US" sz="1100" kern="100" dirty="0" smtClean="0">
+                          <a:effectLst/>
+                        </a:rPr>
+                        <a:t>功能区域</a:t>
+                      </a:r>
+                      <a:endParaRPr lang="zh-CN" sz="1100" kern="100" dirty="0">
+                        <a:effectLst/>
+                        <a:latin typeface="Calibri" panose="020F0502020204030204" pitchFamily="34" charset="0"/>
+                        <a:ea typeface="宋体" panose="02010600030101010101" pitchFamily="2" charset="-122"/>
+                        <a:cs typeface="Times New Roman" panose="02020603050405020304" pitchFamily="18" charset="0"/>
+                      </a:endParaRPr>
+                    </a:p>
+                  </a:txBody>
+                  <a:tcPr marL="72000" marR="72000" marT="72000" marB="72000" anchor="ctr"/>
+                </a:tc>
+                <a:tc>
+                  <a:txBody>
+                    <a:bodyPr/>
+                    <a:lstStyle/>
+                    <a:p>
+                      <a:pPr algn="ctr">
+                        <a:lnSpc>
+                          <a:spcPct val="120000"/>
+                        </a:lnSpc>
+                        <a:spcAft>
+                          <a:spcPts val="0"/>
+                        </a:spcAft>
+                      </a:pPr>
+                      <a:r>
+                        <a:rPr lang="en-US" sz="1100" kern="100" dirty="0">
+                          <a:effectLst/>
+                        </a:rPr>
+                        <a:t> </a:t>
+                      </a:r>
+                      <a:r>
+                        <a:rPr lang="zh-CN" altLang="en-US" sz="1100" kern="100" dirty="0" smtClean="0">
+                          <a:effectLst/>
+                        </a:rPr>
+                        <a:t>覆盖活动系列</a:t>
+                      </a:r>
+                      <a:endParaRPr lang="zh-CN" sz="1100" kern="100" dirty="0">
+                        <a:effectLst/>
+                        <a:latin typeface="Calibri" panose="020F0502020204030204" pitchFamily="34" charset="0"/>
+                        <a:ea typeface="宋体" panose="02010600030101010101" pitchFamily="2" charset="-122"/>
+                        <a:cs typeface="Times New Roman" panose="02020603050405020304" pitchFamily="18" charset="0"/>
+                      </a:endParaRPr>
+                    </a:p>
+                  </a:txBody>
+                  <a:tcPr marL="72000" marR="72000" marT="72000" marB="72000" anchor="ctr"/>
+                </a:tc>
+              </a:tr>
+              <a:tr h="933138">
+                <a:tc>
+                  <a:txBody>
+                    <a:bodyPr/>
+                    <a:lstStyle/>
+                    <a:p>
+                      <a:pPr algn="just">
+                        <a:lnSpc>
+                          <a:spcPct val="120000"/>
+                        </a:lnSpc>
+                        <a:spcAft>
+                          <a:spcPts val="0"/>
+                        </a:spcAft>
+                      </a:pPr>
+                      <a:r>
+                        <a:rPr lang="zh-CN" sz="1100" kern="100" dirty="0" smtClean="0">
+                          <a:effectLst/>
+                        </a:rPr>
+                        <a:t>系统集成</a:t>
+                      </a:r>
+                      <a:r>
+                        <a:rPr lang="zh-CN" altLang="en-US" sz="1100" kern="100" dirty="0" smtClean="0">
+                          <a:effectLst/>
+                        </a:rPr>
+                        <a:t>创新</a:t>
+                      </a:r>
+                      <a:endParaRPr lang="zh-CN" sz="1100" kern="100" dirty="0">
+                        <a:effectLst/>
+                        <a:latin typeface="Calibri" panose="020F0502020204030204" pitchFamily="34" charset="0"/>
+                        <a:ea typeface="宋体" panose="02010600030101010101" pitchFamily="2" charset="-122"/>
+                        <a:cs typeface="Times New Roman" panose="02020603050405020304" pitchFamily="18" charset="0"/>
+                      </a:endParaRPr>
+                    </a:p>
+                  </a:txBody>
+                  <a:tcPr marL="72000" marR="72000" marT="72000" marB="72000" anchor="ctr"/>
+                </a:tc>
+                <a:tc>
+                  <a:txBody>
+                    <a:bodyPr/>
+                    <a:lstStyle/>
+                    <a:p>
+                      <a:pPr algn="ctr">
+                        <a:lnSpc>
+                          <a:spcPct val="120000"/>
+                        </a:lnSpc>
+                        <a:spcAft>
+                          <a:spcPts val="0"/>
+                        </a:spcAft>
+                      </a:pPr>
+                      <a:r>
+                        <a:rPr lang="en-US" sz="1100" b="1" kern="100" dirty="0">
+                          <a:effectLst/>
+                        </a:rPr>
+                        <a:t>6F</a:t>
+                      </a:r>
+                      <a:endParaRPr lang="zh-CN" sz="1100" b="1" kern="100" dirty="0">
+                        <a:effectLst/>
+                        <a:latin typeface="Calibri" panose="020F0502020204030204" pitchFamily="34" charset="0"/>
+                        <a:ea typeface="宋体" panose="02010600030101010101" pitchFamily="2" charset="-122"/>
+                        <a:cs typeface="Times New Roman" panose="02020603050405020304" pitchFamily="18" charset="0"/>
+                      </a:endParaRPr>
+                    </a:p>
+                  </a:txBody>
+                  <a:tcPr marL="72000" marR="72000" marT="72000" marB="72000" anchor="ctr"/>
+                </a:tc>
+                <a:tc>
+                  <a:txBody>
+                    <a:bodyPr/>
+                    <a:lstStyle/>
+                    <a:p>
+                      <a:pPr marL="171450" indent="-171450" algn="just">
+                        <a:lnSpc>
+                          <a:spcPct val="120000"/>
+                        </a:lnSpc>
+                        <a:spcAft>
+                          <a:spcPts val="0"/>
+                        </a:spcAft>
+                        <a:buFontTx/>
+                        <a:buChar char="-"/>
+                      </a:pPr>
+                      <a:r>
+                        <a:rPr lang="zh-CN" altLang="en-US" sz="1100" kern="100" dirty="0" smtClean="0">
+                          <a:effectLst/>
+                          <a:latin typeface="+mn-lt"/>
+                          <a:ea typeface="+mn-ea"/>
+                          <a:cs typeface="+mn-cs"/>
+                        </a:rPr>
+                        <a:t>三创基地</a:t>
+                      </a:r>
+                      <a:endParaRPr lang="en-US" altLang="zh-CN" sz="1100" kern="100" dirty="0" smtClean="0">
+                        <a:effectLst/>
+                        <a:latin typeface="+mn-lt"/>
+                        <a:ea typeface="+mn-ea"/>
+                        <a:cs typeface="+mn-cs"/>
+                      </a:endParaRPr>
+                    </a:p>
+                    <a:p>
+                      <a:pPr marL="171450" indent="-171450" algn="just">
+                        <a:lnSpc>
+                          <a:spcPct val="120000"/>
+                        </a:lnSpc>
+                        <a:spcAft>
+                          <a:spcPts val="0"/>
+                        </a:spcAft>
+                        <a:buFontTx/>
+                        <a:buChar char="-"/>
+                      </a:pPr>
+                      <a:r>
+                        <a:rPr lang="zh-CN" altLang="en-US" sz="1100" kern="100" dirty="0" smtClean="0">
+                          <a:effectLst/>
+                          <a:latin typeface="+mn-lt"/>
+                          <a:ea typeface="+mn-ea"/>
+                          <a:cs typeface="+mn-cs"/>
+                        </a:rPr>
+                        <a:t>视频会议终端</a:t>
+                      </a:r>
+                      <a:endParaRPr lang="en-US" altLang="zh-CN" sz="1100" kern="100" dirty="0" smtClean="0">
+                        <a:effectLst/>
+                        <a:latin typeface="+mn-lt"/>
+                        <a:ea typeface="+mn-ea"/>
+                        <a:cs typeface="+mn-cs"/>
+                      </a:endParaRPr>
+                    </a:p>
+                    <a:p>
+                      <a:pPr marL="171450" marR="0" indent="-171450" algn="just" defTabSz="914400" rtl="0" eaLnBrk="1" fontAlgn="auto" latinLnBrk="0" hangingPunct="1">
+                        <a:lnSpc>
+                          <a:spcPct val="120000"/>
+                        </a:lnSpc>
+                        <a:spcBef>
+                          <a:spcPts val="0"/>
+                        </a:spcBef>
+                        <a:spcAft>
+                          <a:spcPts val="0"/>
+                        </a:spcAft>
+                        <a:buClrTx/>
+                        <a:buSzTx/>
+                        <a:buFontTx/>
+                        <a:buChar char="-"/>
+                        <a:tabLst/>
+                        <a:defRPr/>
+                      </a:pPr>
+                      <a:r>
+                        <a:rPr lang="zh-CN" altLang="en-US" sz="1100" kern="100" dirty="0" smtClean="0">
+                          <a:effectLst/>
+                          <a:latin typeface="Calibri" panose="020F0502020204030204" pitchFamily="34" charset="0"/>
+                          <a:ea typeface="+mn-ea"/>
+                          <a:cs typeface="Times New Roman" panose="02020603050405020304" pitchFamily="18" charset="0"/>
+                        </a:rPr>
+                        <a:t>邢家鲤图书室</a:t>
+                      </a:r>
+                      <a:endParaRPr lang="en-US" altLang="zh-CN" sz="1100" kern="100" dirty="0" smtClean="0">
+                        <a:effectLst/>
+                        <a:latin typeface="Calibri" panose="020F0502020204030204" pitchFamily="34" charset="0"/>
+                        <a:ea typeface="+mn-ea"/>
+                        <a:cs typeface="Times New Roman" panose="02020603050405020304" pitchFamily="18" charset="0"/>
+                      </a:endParaRPr>
+                    </a:p>
+                    <a:p>
+                      <a:pPr marL="171450" indent="-171450" algn="just">
+                        <a:lnSpc>
+                          <a:spcPct val="120000"/>
+                        </a:lnSpc>
+                        <a:spcAft>
+                          <a:spcPts val="0"/>
+                        </a:spcAft>
+                        <a:buFontTx/>
+                        <a:buChar char="-"/>
+                      </a:pPr>
+                      <a:r>
+                        <a:rPr lang="zh-CN" altLang="en-US" sz="1100" kern="100" dirty="0" smtClean="0">
+                          <a:effectLst/>
+                          <a:latin typeface="+mn-lt"/>
+                          <a:ea typeface="+mn-ea"/>
+                          <a:cs typeface="+mn-cs"/>
+                        </a:rPr>
+                        <a:t>智慧家居等示范项目</a:t>
+                      </a:r>
+                      <a:endParaRPr lang="en-US" altLang="zh-CN" sz="1100" kern="100" dirty="0" smtClean="0">
+                        <a:effectLst/>
+                        <a:latin typeface="+mn-lt"/>
+                        <a:ea typeface="+mn-ea"/>
+                        <a:cs typeface="+mn-cs"/>
+                      </a:endParaRPr>
+                    </a:p>
+                  </a:txBody>
+                  <a:tcPr marL="72000" marR="72000" marT="72000" marB="72000" anchor="ctr"/>
+                </a:tc>
+                <a:tc>
+                  <a:txBody>
+                    <a:bodyPr/>
+                    <a:lstStyle/>
+                    <a:p>
+                      <a:pPr marL="171450" indent="-171450" algn="just">
+                        <a:lnSpc>
+                          <a:spcPct val="120000"/>
+                        </a:lnSpc>
+                        <a:spcAft>
+                          <a:spcPts val="0"/>
+                        </a:spcAft>
+                        <a:buFontTx/>
+                        <a:buChar char="-"/>
+                      </a:pPr>
+                      <a:r>
+                        <a:rPr lang="zh-CN" altLang="en-US" sz="1100" kern="100" dirty="0" smtClean="0">
+                          <a:effectLst/>
+                        </a:rPr>
+                        <a:t>导引课</a:t>
+                      </a:r>
+                      <a:endParaRPr lang="en-US" altLang="zh-CN" sz="1100" kern="100" dirty="0" smtClean="0">
+                        <a:effectLst/>
+                      </a:endParaRPr>
+                    </a:p>
+                    <a:p>
+                      <a:pPr marL="171450" indent="-171450" algn="just">
+                        <a:lnSpc>
+                          <a:spcPct val="120000"/>
+                        </a:lnSpc>
+                        <a:spcAft>
+                          <a:spcPts val="0"/>
+                        </a:spcAft>
+                        <a:buFontTx/>
+                        <a:buChar char="-"/>
+                      </a:pPr>
+                      <a:r>
+                        <a:rPr lang="zh-CN" altLang="en-US" sz="1100" kern="100" dirty="0" smtClean="0">
+                          <a:effectLst/>
+                        </a:rPr>
+                        <a:t>战略课</a:t>
+                      </a:r>
+                      <a:endParaRPr lang="en-US" altLang="zh-CN" sz="1100" kern="100" dirty="0" smtClean="0">
+                        <a:effectLst/>
+                      </a:endParaRPr>
+                    </a:p>
+                    <a:p>
+                      <a:pPr marL="171450" indent="-171450" algn="just">
+                        <a:lnSpc>
+                          <a:spcPct val="120000"/>
+                        </a:lnSpc>
+                        <a:spcAft>
+                          <a:spcPts val="0"/>
+                        </a:spcAft>
+                        <a:buFontTx/>
+                        <a:buChar char="-"/>
+                      </a:pPr>
+                      <a:r>
+                        <a:rPr lang="zh-CN" altLang="en-US" sz="1100" kern="100" dirty="0" smtClean="0">
+                          <a:effectLst/>
+                        </a:rPr>
+                        <a:t>项目为导向的系统集成设计与产品开发</a:t>
+                      </a:r>
+                      <a:endParaRPr lang="zh-CN" sz="1100" kern="100" dirty="0">
+                        <a:effectLst/>
+                        <a:latin typeface="Calibri" panose="020F0502020204030204" pitchFamily="34" charset="0"/>
+                        <a:ea typeface="宋体" panose="02010600030101010101" pitchFamily="2" charset="-122"/>
+                        <a:cs typeface="Times New Roman" panose="02020603050405020304" pitchFamily="18" charset="0"/>
+                      </a:endParaRPr>
+                    </a:p>
+                  </a:txBody>
+                  <a:tcPr marL="72000" marR="72000" marT="72000" marB="72000" anchor="ctr"/>
+                </a:tc>
+              </a:tr>
+              <a:tr h="731420">
+                <a:tc>
+                  <a:txBody>
+                    <a:bodyPr/>
+                    <a:lstStyle/>
+                    <a:p>
+                      <a:pPr algn="just">
+                        <a:lnSpc>
+                          <a:spcPct val="120000"/>
+                        </a:lnSpc>
+                        <a:spcAft>
+                          <a:spcPts val="0"/>
+                        </a:spcAft>
+                      </a:pPr>
+                      <a:r>
+                        <a:rPr lang="zh-CN" sz="1100" kern="100" dirty="0">
+                          <a:effectLst/>
+                        </a:rPr>
+                        <a:t>主题创新</a:t>
+                      </a:r>
+                      <a:endParaRPr lang="zh-CN" sz="1100" kern="100" dirty="0">
+                        <a:effectLst/>
+                        <a:latin typeface="Calibri" panose="020F0502020204030204" pitchFamily="34" charset="0"/>
+                        <a:ea typeface="宋体" panose="02010600030101010101" pitchFamily="2" charset="-122"/>
+                        <a:cs typeface="Times New Roman" panose="02020603050405020304" pitchFamily="18" charset="0"/>
+                      </a:endParaRPr>
+                    </a:p>
+                  </a:txBody>
+                  <a:tcPr marL="72000" marR="72000" marT="72000" marB="72000" anchor="ctr"/>
+                </a:tc>
+                <a:tc>
+                  <a:txBody>
+                    <a:bodyPr/>
+                    <a:lstStyle/>
+                    <a:p>
+                      <a:pPr algn="ctr">
+                        <a:lnSpc>
+                          <a:spcPct val="120000"/>
+                        </a:lnSpc>
+                        <a:spcAft>
+                          <a:spcPts val="0"/>
+                        </a:spcAft>
+                      </a:pPr>
+                      <a:r>
+                        <a:rPr lang="en-US" sz="1100" b="1" kern="100" dirty="0">
+                          <a:effectLst/>
+                        </a:rPr>
+                        <a:t>5F</a:t>
+                      </a:r>
+                      <a:endParaRPr lang="zh-CN" sz="1100" b="1" kern="100" dirty="0">
+                        <a:effectLst/>
+                        <a:latin typeface="Calibri" panose="020F0502020204030204" pitchFamily="34" charset="0"/>
+                        <a:ea typeface="宋体" panose="02010600030101010101" pitchFamily="2" charset="-122"/>
+                        <a:cs typeface="Times New Roman" panose="02020603050405020304" pitchFamily="18" charset="0"/>
+                      </a:endParaRPr>
+                    </a:p>
+                  </a:txBody>
+                  <a:tcPr marL="72000" marR="72000" marT="72000" marB="72000" anchor="ctr"/>
+                </a:tc>
+                <a:tc>
+                  <a:txBody>
+                    <a:bodyPr/>
+                    <a:lstStyle/>
+                    <a:p>
+                      <a:pPr marL="171450" indent="-171450" algn="just">
+                        <a:lnSpc>
+                          <a:spcPct val="120000"/>
+                        </a:lnSpc>
+                        <a:spcAft>
+                          <a:spcPts val="0"/>
+                        </a:spcAft>
+                        <a:buFontTx/>
+                        <a:buChar char="-"/>
+                      </a:pPr>
+                      <a:r>
+                        <a:rPr lang="zh-CN" sz="1100" kern="100" dirty="0" smtClean="0">
+                          <a:effectLst/>
+                        </a:rPr>
+                        <a:t>电子实习</a:t>
+                      </a:r>
+                      <a:endParaRPr lang="en-US" altLang="zh-CN" sz="1100" kern="100" dirty="0" smtClean="0">
+                        <a:effectLst/>
+                      </a:endParaRPr>
+                    </a:p>
+                    <a:p>
+                      <a:pPr marL="171450" indent="-171450" algn="just">
+                        <a:lnSpc>
+                          <a:spcPct val="120000"/>
+                        </a:lnSpc>
+                        <a:spcAft>
+                          <a:spcPts val="0"/>
+                        </a:spcAft>
+                        <a:buFontTx/>
+                        <a:buChar char="-"/>
+                      </a:pPr>
+                      <a:r>
+                        <a:rPr lang="zh-CN" sz="1100" kern="100" dirty="0" smtClean="0">
+                          <a:effectLst/>
+                        </a:rPr>
+                        <a:t>电子</a:t>
+                      </a:r>
+                      <a:r>
+                        <a:rPr lang="zh-CN" sz="1100" kern="100" dirty="0">
+                          <a:effectLst/>
+                        </a:rPr>
+                        <a:t>创新</a:t>
+                      </a:r>
+                      <a:endParaRPr lang="zh-CN" sz="1100" kern="100" dirty="0">
+                        <a:effectLst/>
+                        <a:latin typeface="Calibri" panose="020F0502020204030204" pitchFamily="34" charset="0"/>
+                        <a:ea typeface="宋体" panose="02010600030101010101" pitchFamily="2" charset="-122"/>
+                        <a:cs typeface="Times New Roman" panose="02020603050405020304" pitchFamily="18" charset="0"/>
+                      </a:endParaRPr>
+                    </a:p>
+                  </a:txBody>
+                  <a:tcPr marL="72000" marR="72000" marT="72000" marB="72000" anchor="ctr"/>
+                </a:tc>
+                <a:tc>
+                  <a:txBody>
+                    <a:bodyPr/>
+                    <a:lstStyle/>
+                    <a:p>
+                      <a:pPr marL="171450" indent="-171450" algn="just">
+                        <a:lnSpc>
+                          <a:spcPct val="120000"/>
+                        </a:lnSpc>
+                        <a:spcAft>
+                          <a:spcPts val="0"/>
+                        </a:spcAft>
+                        <a:buFontTx/>
+                        <a:buChar char="-"/>
+                      </a:pPr>
+                      <a:r>
+                        <a:rPr lang="zh-CN" altLang="en-US" sz="1100" kern="100" dirty="0" smtClean="0">
+                          <a:effectLst/>
+                        </a:rPr>
+                        <a:t>科技</a:t>
+                      </a:r>
+                      <a:r>
+                        <a:rPr lang="zh-CN" sz="1100" kern="100" dirty="0" smtClean="0">
+                          <a:effectLst/>
+                        </a:rPr>
+                        <a:t>竞赛</a:t>
+                      </a:r>
+                      <a:endParaRPr lang="en-US" altLang="zh-CN" sz="1100" kern="100" dirty="0" smtClean="0">
+                        <a:effectLst/>
+                      </a:endParaRPr>
+                    </a:p>
+                    <a:p>
+                      <a:pPr marL="171450" indent="-171450" algn="just">
+                        <a:lnSpc>
+                          <a:spcPct val="120000"/>
+                        </a:lnSpc>
+                        <a:spcAft>
+                          <a:spcPts val="0"/>
+                        </a:spcAft>
+                        <a:buFontTx/>
+                        <a:buChar char="-"/>
+                      </a:pPr>
+                      <a:r>
+                        <a:rPr lang="zh-CN" altLang="en-US" sz="1100" kern="100" dirty="0" smtClean="0">
+                          <a:effectLst/>
+                          <a:latin typeface="Calibri" panose="020F0502020204030204" pitchFamily="34" charset="0"/>
+                          <a:ea typeface="宋体" panose="02010600030101010101" pitchFamily="2" charset="-122"/>
+                          <a:cs typeface="Times New Roman" panose="02020603050405020304" pitchFamily="18" charset="0"/>
+                        </a:rPr>
+                        <a:t>与课程结合的创新项目</a:t>
+                      </a:r>
+                      <a:endParaRPr lang="en-US" altLang="zh-CN" sz="1100" kern="100" dirty="0" smtClean="0">
+                        <a:effectLst/>
+                        <a:latin typeface="Calibri" panose="020F0502020204030204" pitchFamily="34" charset="0"/>
+                        <a:ea typeface="宋体" panose="02010600030101010101" pitchFamily="2" charset="-122"/>
+                        <a:cs typeface="Times New Roman" panose="02020603050405020304" pitchFamily="18" charset="0"/>
+                      </a:endParaRPr>
+                    </a:p>
+                  </a:txBody>
+                  <a:tcPr marL="72000" marR="72000" marT="72000" marB="72000" anchor="ctr"/>
+                </a:tc>
+              </a:tr>
+              <a:tr h="530545">
+                <a:tc>
+                  <a:txBody>
+                    <a:bodyPr/>
+                    <a:lstStyle/>
+                    <a:p>
+                      <a:pPr algn="just">
+                        <a:lnSpc>
+                          <a:spcPct val="120000"/>
+                        </a:lnSpc>
+                        <a:spcAft>
+                          <a:spcPts val="0"/>
+                        </a:spcAft>
+                      </a:pPr>
+                      <a:r>
+                        <a:rPr lang="zh-CN" altLang="en-US" sz="1100" kern="100" dirty="0" smtClean="0">
+                          <a:effectLst/>
+                        </a:rPr>
+                        <a:t>电子创新</a:t>
+                      </a:r>
+                      <a:endParaRPr lang="zh-CN" sz="1100" kern="100" dirty="0">
+                        <a:effectLst/>
+                        <a:latin typeface="Calibri" panose="020F0502020204030204" pitchFamily="34" charset="0"/>
+                        <a:ea typeface="宋体" panose="02010600030101010101" pitchFamily="2" charset="-122"/>
+                        <a:cs typeface="Times New Roman" panose="02020603050405020304" pitchFamily="18" charset="0"/>
+                      </a:endParaRPr>
+                    </a:p>
+                  </a:txBody>
+                  <a:tcPr marL="72000" marR="72000" marT="72000" marB="72000" anchor="ctr"/>
+                </a:tc>
+                <a:tc>
+                  <a:txBody>
+                    <a:bodyPr/>
+                    <a:lstStyle/>
+                    <a:p>
+                      <a:pPr algn="ctr">
+                        <a:lnSpc>
+                          <a:spcPct val="120000"/>
+                        </a:lnSpc>
+                        <a:spcAft>
+                          <a:spcPts val="0"/>
+                        </a:spcAft>
+                      </a:pPr>
+                      <a:r>
+                        <a:rPr lang="en-US" sz="1100" b="1" kern="100" dirty="0">
+                          <a:effectLst/>
+                        </a:rPr>
+                        <a:t>4F</a:t>
+                      </a:r>
+                      <a:endParaRPr lang="zh-CN" sz="1100" b="1" kern="100" dirty="0">
+                        <a:effectLst/>
+                        <a:latin typeface="Calibri" panose="020F0502020204030204" pitchFamily="34" charset="0"/>
+                        <a:ea typeface="宋体" panose="02010600030101010101" pitchFamily="2" charset="-122"/>
+                        <a:cs typeface="Times New Roman" panose="02020603050405020304" pitchFamily="18" charset="0"/>
+                      </a:endParaRPr>
+                    </a:p>
+                  </a:txBody>
+                  <a:tcPr marL="72000" marR="72000" marT="72000" marB="72000" anchor="ctr"/>
+                </a:tc>
+                <a:tc>
+                  <a:txBody>
+                    <a:bodyPr/>
+                    <a:lstStyle/>
+                    <a:p>
+                      <a:pPr marL="171450" indent="-171450" algn="just">
+                        <a:lnSpc>
+                          <a:spcPct val="120000"/>
+                        </a:lnSpc>
+                        <a:spcAft>
+                          <a:spcPts val="0"/>
+                        </a:spcAft>
+                        <a:buFontTx/>
+                        <a:buChar char="-"/>
+                      </a:pPr>
+                      <a:r>
+                        <a:rPr lang="zh-CN" altLang="en-US" sz="1100" kern="100" dirty="0" smtClean="0">
+                          <a:effectLst/>
+                        </a:rPr>
+                        <a:t>基础电子实习</a:t>
+                      </a:r>
+                      <a:endParaRPr lang="en-US" altLang="zh-CN" sz="1100" kern="100" dirty="0" smtClean="0">
+                        <a:effectLst/>
+                      </a:endParaRPr>
+                    </a:p>
+                    <a:p>
+                      <a:pPr marL="171450" indent="-171450" algn="just">
+                        <a:lnSpc>
+                          <a:spcPct val="120000"/>
+                        </a:lnSpc>
+                        <a:spcAft>
+                          <a:spcPts val="0"/>
+                        </a:spcAft>
+                        <a:buFontTx/>
+                        <a:buChar char="-"/>
+                      </a:pPr>
+                      <a:r>
+                        <a:rPr lang="zh-CN" altLang="en-US" sz="1100" kern="100" dirty="0" smtClean="0">
+                          <a:effectLst/>
+                          <a:latin typeface="Calibri" panose="020F0502020204030204" pitchFamily="34" charset="0"/>
+                          <a:ea typeface="宋体" panose="02010600030101010101" pitchFamily="2" charset="-122"/>
+                          <a:cs typeface="Times New Roman" panose="02020603050405020304" pitchFamily="18" charset="0"/>
+                        </a:rPr>
+                        <a:t>电子类加工</a:t>
+                      </a:r>
+                      <a:endParaRPr lang="zh-CN" sz="1100" kern="100" dirty="0">
+                        <a:effectLst/>
+                        <a:latin typeface="Calibri" panose="020F0502020204030204" pitchFamily="34" charset="0"/>
+                        <a:ea typeface="宋体" panose="02010600030101010101" pitchFamily="2" charset="-122"/>
+                        <a:cs typeface="Times New Roman" panose="02020603050405020304" pitchFamily="18" charset="0"/>
+                      </a:endParaRPr>
+                    </a:p>
+                  </a:txBody>
+                  <a:tcPr marL="72000" marR="72000" marT="72000" marB="72000" anchor="ctr"/>
+                </a:tc>
+                <a:tc>
+                  <a:txBody>
+                    <a:bodyPr/>
+                    <a:lstStyle/>
+                    <a:p>
+                      <a:pPr marL="171450" indent="-171450" algn="just">
+                        <a:lnSpc>
+                          <a:spcPct val="120000"/>
+                        </a:lnSpc>
+                        <a:spcAft>
+                          <a:spcPts val="0"/>
+                        </a:spcAft>
+                        <a:buFontTx/>
+                        <a:buChar char="-"/>
+                      </a:pPr>
+                      <a:r>
+                        <a:rPr lang="zh-CN" altLang="en-US" sz="1100" kern="100" dirty="0" smtClean="0">
+                          <a:effectLst/>
+                        </a:rPr>
+                        <a:t>基础电子实习课程</a:t>
+                      </a:r>
+                      <a:endParaRPr lang="en-US" altLang="zh-CN" sz="1100" kern="100" dirty="0" smtClean="0">
+                        <a:effectLst/>
+                      </a:endParaRPr>
+                    </a:p>
+                    <a:p>
+                      <a:pPr marL="171450" indent="-171450" algn="just">
+                        <a:lnSpc>
+                          <a:spcPct val="120000"/>
+                        </a:lnSpc>
+                        <a:spcAft>
+                          <a:spcPts val="0"/>
+                        </a:spcAft>
+                        <a:buFontTx/>
+                        <a:buChar char="-"/>
+                      </a:pPr>
+                      <a:r>
+                        <a:rPr lang="zh-CN" altLang="en-US" sz="1100" kern="100" dirty="0" smtClean="0">
+                          <a:effectLst/>
+                          <a:latin typeface="Calibri" panose="020F0502020204030204" pitchFamily="34" charset="0"/>
+                          <a:ea typeface="宋体" panose="02010600030101010101" pitchFamily="2" charset="-122"/>
+                          <a:cs typeface="Times New Roman" panose="02020603050405020304" pitchFamily="18" charset="0"/>
+                        </a:rPr>
+                        <a:t>电子创新项目</a:t>
+                      </a:r>
+                      <a:endParaRPr lang="en-US" altLang="zh-CN" sz="1100" kern="100" dirty="0" smtClean="0">
+                        <a:effectLst/>
+                        <a:latin typeface="Calibri" panose="020F0502020204030204" pitchFamily="34" charset="0"/>
+                        <a:ea typeface="宋体" panose="02010600030101010101" pitchFamily="2" charset="-122"/>
+                        <a:cs typeface="Times New Roman" panose="02020603050405020304" pitchFamily="18" charset="0"/>
+                      </a:endParaRPr>
+                    </a:p>
+                  </a:txBody>
+                  <a:tcPr marL="72000" marR="72000" marT="72000" marB="72000" anchor="ctr"/>
+                </a:tc>
+              </a:tr>
+              <a:tr h="530545">
+                <a:tc>
+                  <a:txBody>
+                    <a:bodyPr/>
+                    <a:lstStyle/>
+                    <a:p>
+                      <a:pPr algn="just">
+                        <a:lnSpc>
+                          <a:spcPct val="120000"/>
+                        </a:lnSpc>
+                        <a:spcAft>
+                          <a:spcPts val="0"/>
+                        </a:spcAft>
+                      </a:pPr>
+                      <a:r>
+                        <a:rPr lang="zh-CN" altLang="en-US" sz="1100" kern="100" dirty="0" smtClean="0">
+                          <a:effectLst/>
+                        </a:rPr>
+                        <a:t>管理与文化</a:t>
+                      </a:r>
+                      <a:endParaRPr lang="zh-CN" sz="1100" kern="100" dirty="0">
+                        <a:effectLst/>
+                        <a:latin typeface="Calibri" panose="020F0502020204030204" pitchFamily="34" charset="0"/>
+                        <a:ea typeface="宋体" panose="02010600030101010101" pitchFamily="2" charset="-122"/>
+                        <a:cs typeface="Times New Roman" panose="02020603050405020304" pitchFamily="18" charset="0"/>
+                      </a:endParaRPr>
+                    </a:p>
+                  </a:txBody>
+                  <a:tcPr marL="72000" marR="72000" marT="72000" marB="72000" anchor="ctr"/>
+                </a:tc>
+                <a:tc>
+                  <a:txBody>
+                    <a:bodyPr/>
+                    <a:lstStyle/>
+                    <a:p>
+                      <a:pPr algn="ctr">
+                        <a:lnSpc>
+                          <a:spcPct val="120000"/>
+                        </a:lnSpc>
+                        <a:spcAft>
+                          <a:spcPts val="0"/>
+                        </a:spcAft>
+                      </a:pPr>
+                      <a:r>
+                        <a:rPr lang="en-US" sz="1100" b="1" kern="100" dirty="0">
+                          <a:effectLst/>
+                        </a:rPr>
+                        <a:t>3F</a:t>
+                      </a:r>
+                      <a:endParaRPr lang="zh-CN" sz="1100" b="1" kern="100" dirty="0">
+                        <a:effectLst/>
+                        <a:latin typeface="Calibri" panose="020F0502020204030204" pitchFamily="34" charset="0"/>
+                        <a:ea typeface="宋体" panose="02010600030101010101" pitchFamily="2" charset="-122"/>
+                        <a:cs typeface="Times New Roman" panose="02020603050405020304" pitchFamily="18" charset="0"/>
+                      </a:endParaRPr>
+                    </a:p>
+                  </a:txBody>
+                  <a:tcPr marL="72000" marR="72000" marT="72000" marB="72000" anchor="ctr"/>
+                </a:tc>
+                <a:tc>
+                  <a:txBody>
+                    <a:bodyPr/>
+                    <a:lstStyle/>
+                    <a:p>
+                      <a:pPr marL="171450" indent="-171450" algn="just">
+                        <a:lnSpc>
+                          <a:spcPct val="120000"/>
+                        </a:lnSpc>
+                        <a:spcAft>
+                          <a:spcPts val="0"/>
+                        </a:spcAft>
+                        <a:buFontTx/>
+                        <a:buChar char="-"/>
+                      </a:pPr>
+                      <a:r>
+                        <a:rPr lang="zh-CN" altLang="en-US" sz="1100" kern="100" dirty="0" smtClean="0">
+                          <a:effectLst/>
+                          <a:latin typeface="Calibri" panose="020F0502020204030204" pitchFamily="34" charset="0"/>
+                          <a:ea typeface="宋体" panose="02010600030101010101" pitchFamily="2" charset="-122"/>
+                          <a:cs typeface="Times New Roman" panose="02020603050405020304" pitchFamily="18" charset="0"/>
+                        </a:rPr>
+                        <a:t>管理空间</a:t>
+                      </a:r>
+                      <a:endParaRPr lang="en-US" altLang="zh-CN" sz="1100" kern="100" dirty="0" smtClean="0">
+                        <a:effectLst/>
+                        <a:latin typeface="Calibri" panose="020F0502020204030204" pitchFamily="34" charset="0"/>
+                        <a:ea typeface="宋体" panose="02010600030101010101" pitchFamily="2" charset="-122"/>
+                        <a:cs typeface="Times New Roman" panose="02020603050405020304" pitchFamily="18" charset="0"/>
+                      </a:endParaRPr>
+                    </a:p>
+                  </a:txBody>
+                  <a:tcPr marL="72000" marR="72000" marT="72000" marB="72000" anchor="ctr"/>
+                </a:tc>
+                <a:tc>
+                  <a:txBody>
+                    <a:bodyPr/>
+                    <a:lstStyle/>
+                    <a:p>
+                      <a:pPr marL="171450" indent="-171450" algn="just">
+                        <a:lnSpc>
+                          <a:spcPct val="120000"/>
+                        </a:lnSpc>
+                        <a:spcAft>
+                          <a:spcPts val="0"/>
+                        </a:spcAft>
+                        <a:buFontTx/>
+                        <a:buChar char="-"/>
+                      </a:pPr>
+                      <a:r>
+                        <a:rPr lang="zh-CN" altLang="en-US" sz="1100" kern="100" dirty="0" smtClean="0">
+                          <a:effectLst/>
+                          <a:latin typeface="Calibri" panose="020F0502020204030204" pitchFamily="34" charset="0"/>
+                          <a:ea typeface="宋体" panose="02010600030101010101" pitchFamily="2" charset="-122"/>
+                          <a:cs typeface="Times New Roman" panose="02020603050405020304" pitchFamily="18" charset="0"/>
+                        </a:rPr>
+                        <a:t>行政与运行管理</a:t>
+                      </a:r>
+                      <a:endParaRPr lang="en-US" altLang="zh-CN" sz="1100" kern="100" dirty="0" smtClean="0">
+                        <a:effectLst/>
+                        <a:latin typeface="Calibri" panose="020F0502020204030204" pitchFamily="34" charset="0"/>
+                        <a:ea typeface="宋体" panose="02010600030101010101" pitchFamily="2" charset="-122"/>
+                        <a:cs typeface="Times New Roman" panose="02020603050405020304" pitchFamily="18" charset="0"/>
+                      </a:endParaRPr>
+                    </a:p>
+                    <a:p>
+                      <a:pPr marL="171450" indent="-171450" algn="just">
+                        <a:lnSpc>
+                          <a:spcPct val="120000"/>
+                        </a:lnSpc>
+                        <a:spcAft>
+                          <a:spcPts val="0"/>
+                        </a:spcAft>
+                        <a:buFontTx/>
+                        <a:buChar char="-"/>
+                      </a:pPr>
+                      <a:r>
+                        <a:rPr lang="zh-CN" altLang="en-US" sz="1100" kern="100" dirty="0" smtClean="0">
+                          <a:effectLst/>
+                          <a:latin typeface="Calibri" panose="020F0502020204030204" pitchFamily="34" charset="0"/>
+                          <a:ea typeface="宋体" panose="02010600030101010101" pitchFamily="2" charset="-122"/>
+                          <a:cs typeface="Times New Roman" panose="02020603050405020304" pitchFamily="18" charset="0"/>
+                        </a:rPr>
+                        <a:t>主题研讨与文化交流</a:t>
+                      </a:r>
+                      <a:endParaRPr lang="zh-CN" sz="1100" kern="100" dirty="0">
+                        <a:effectLst/>
+                        <a:latin typeface="Calibri" panose="020F0502020204030204" pitchFamily="34" charset="0"/>
+                        <a:ea typeface="宋体" panose="02010600030101010101" pitchFamily="2" charset="-122"/>
+                        <a:cs typeface="Times New Roman" panose="02020603050405020304" pitchFamily="18" charset="0"/>
+                      </a:endParaRPr>
+                    </a:p>
+                  </a:txBody>
+                  <a:tcPr marL="72000" marR="72000" marT="72000" marB="72000" anchor="ctr"/>
+                </a:tc>
+              </a:tr>
+              <a:tr h="731841">
+                <a:tc>
+                  <a:txBody>
+                    <a:bodyPr/>
+                    <a:lstStyle/>
+                    <a:p>
+                      <a:pPr algn="just">
+                        <a:lnSpc>
+                          <a:spcPct val="120000"/>
+                        </a:lnSpc>
+                        <a:spcAft>
+                          <a:spcPts val="0"/>
+                        </a:spcAft>
+                      </a:pPr>
+                      <a:r>
+                        <a:rPr lang="zh-CN" altLang="en-US" sz="1100" kern="100" dirty="0" smtClean="0">
+                          <a:effectLst/>
+                          <a:latin typeface="Calibri" panose="020F0502020204030204" pitchFamily="34" charset="0"/>
+                          <a:ea typeface="宋体" panose="02010600030101010101" pitchFamily="2" charset="-122"/>
+                          <a:cs typeface="Times New Roman" panose="02020603050405020304" pitchFamily="18" charset="0"/>
+                        </a:rPr>
+                        <a:t>机电创新</a:t>
+                      </a:r>
+                      <a:endParaRPr lang="zh-CN" sz="1100" kern="100" dirty="0">
+                        <a:effectLst/>
+                        <a:latin typeface="Calibri" panose="020F0502020204030204" pitchFamily="34" charset="0"/>
+                        <a:ea typeface="宋体" panose="02010600030101010101" pitchFamily="2" charset="-122"/>
+                        <a:cs typeface="Times New Roman" panose="02020603050405020304" pitchFamily="18" charset="0"/>
+                      </a:endParaRPr>
+                    </a:p>
+                  </a:txBody>
+                  <a:tcPr marL="72000" marR="72000" marT="72000" marB="72000" anchor="ctr"/>
+                </a:tc>
+                <a:tc>
+                  <a:txBody>
+                    <a:bodyPr/>
+                    <a:lstStyle/>
+                    <a:p>
+                      <a:pPr algn="ctr">
+                        <a:lnSpc>
+                          <a:spcPct val="120000"/>
+                        </a:lnSpc>
+                        <a:spcAft>
+                          <a:spcPts val="0"/>
+                        </a:spcAft>
+                      </a:pPr>
+                      <a:r>
+                        <a:rPr lang="en-US" sz="1100" b="1" kern="100" dirty="0">
+                          <a:effectLst/>
+                        </a:rPr>
+                        <a:t>2F</a:t>
+                      </a:r>
+                      <a:endParaRPr lang="zh-CN" sz="1100" b="1" kern="100" dirty="0">
+                        <a:effectLst/>
+                        <a:latin typeface="Calibri" panose="020F0502020204030204" pitchFamily="34" charset="0"/>
+                        <a:ea typeface="宋体" panose="02010600030101010101" pitchFamily="2" charset="-122"/>
+                        <a:cs typeface="Times New Roman" panose="02020603050405020304" pitchFamily="18" charset="0"/>
+                      </a:endParaRPr>
+                    </a:p>
+                  </a:txBody>
+                  <a:tcPr marL="72000" marR="72000" marT="72000" marB="72000" anchor="ctr"/>
+                </a:tc>
+                <a:tc>
+                  <a:txBody>
+                    <a:bodyPr/>
+                    <a:lstStyle/>
+                    <a:p>
+                      <a:pPr marL="171450" indent="-171450" algn="just">
+                        <a:lnSpc>
+                          <a:spcPct val="120000"/>
+                        </a:lnSpc>
+                        <a:spcAft>
+                          <a:spcPts val="0"/>
+                        </a:spcAft>
+                        <a:buFontTx/>
+                        <a:buChar char="-"/>
+                      </a:pPr>
+                      <a:r>
+                        <a:rPr lang="zh-CN" altLang="en-US" sz="1100" kern="100" dirty="0" smtClean="0">
+                          <a:effectLst/>
+                          <a:latin typeface="Calibri" panose="020F0502020204030204" pitchFamily="34" charset="0"/>
+                          <a:ea typeface="宋体" panose="02010600030101010101" pitchFamily="2" charset="-122"/>
+                          <a:cs typeface="Times New Roman" panose="02020603050405020304" pitchFamily="18" charset="0"/>
+                        </a:rPr>
+                        <a:t>钳工实习</a:t>
+                      </a:r>
+                      <a:endParaRPr lang="en-US" altLang="zh-CN" sz="1100" kern="100" dirty="0" smtClean="0">
+                        <a:effectLst/>
+                        <a:latin typeface="Calibri" panose="020F0502020204030204" pitchFamily="34" charset="0"/>
+                        <a:ea typeface="宋体" panose="02010600030101010101" pitchFamily="2" charset="-122"/>
+                        <a:cs typeface="Times New Roman" panose="02020603050405020304" pitchFamily="18" charset="0"/>
+                      </a:endParaRPr>
+                    </a:p>
+                    <a:p>
+                      <a:pPr marL="171450" indent="-171450" algn="just">
+                        <a:lnSpc>
+                          <a:spcPct val="120000"/>
+                        </a:lnSpc>
+                        <a:spcAft>
+                          <a:spcPts val="0"/>
+                        </a:spcAft>
+                        <a:buFontTx/>
+                        <a:buChar char="-"/>
+                      </a:pPr>
+                      <a:r>
+                        <a:rPr lang="zh-CN" altLang="en-US" sz="1100" kern="100" dirty="0" smtClean="0">
+                          <a:effectLst/>
+                          <a:latin typeface="Calibri" panose="020F0502020204030204" pitchFamily="34" charset="0"/>
+                          <a:ea typeface="宋体" panose="02010600030101010101" pitchFamily="2" charset="-122"/>
+                          <a:cs typeface="Times New Roman" panose="02020603050405020304" pitchFamily="18" charset="0"/>
+                        </a:rPr>
+                        <a:t>木工实习</a:t>
+                      </a:r>
+                      <a:endParaRPr lang="en-US" altLang="zh-CN" sz="1100" kern="100" dirty="0" smtClean="0">
+                        <a:effectLst/>
+                        <a:latin typeface="Calibri" panose="020F0502020204030204" pitchFamily="34" charset="0"/>
+                        <a:ea typeface="宋体" panose="02010600030101010101" pitchFamily="2" charset="-122"/>
+                        <a:cs typeface="Times New Roman" panose="02020603050405020304" pitchFamily="18" charset="0"/>
+                      </a:endParaRPr>
+                    </a:p>
+                    <a:p>
+                      <a:pPr marL="171450" indent="-171450" algn="just">
+                        <a:lnSpc>
+                          <a:spcPct val="120000"/>
+                        </a:lnSpc>
+                        <a:spcAft>
+                          <a:spcPts val="0"/>
+                        </a:spcAft>
+                        <a:buFontTx/>
+                        <a:buChar char="-"/>
+                      </a:pPr>
+                      <a:r>
+                        <a:rPr lang="zh-CN" altLang="en-US" sz="1100" kern="100" dirty="0" smtClean="0">
+                          <a:effectLst/>
+                          <a:latin typeface="Calibri" panose="020F0502020204030204" pitchFamily="34" charset="0"/>
+                          <a:ea typeface="宋体" panose="02010600030101010101" pitchFamily="2" charset="-122"/>
+                          <a:cs typeface="Times New Roman" panose="02020603050405020304" pitchFamily="18" charset="0"/>
+                        </a:rPr>
+                        <a:t>机器人、</a:t>
+                      </a:r>
+                      <a:r>
+                        <a:rPr lang="en-US" altLang="zh-CN" sz="1100" kern="100" dirty="0" smtClean="0">
+                          <a:effectLst/>
+                          <a:latin typeface="Calibri" panose="020F0502020204030204" pitchFamily="34" charset="0"/>
+                          <a:ea typeface="宋体" panose="02010600030101010101" pitchFamily="2" charset="-122"/>
+                          <a:cs typeface="Times New Roman" panose="02020603050405020304" pitchFamily="18" charset="0"/>
+                        </a:rPr>
+                        <a:t>3D</a:t>
+                      </a:r>
+                      <a:r>
+                        <a:rPr lang="zh-CN" altLang="en-US" sz="1100" kern="100" dirty="0" smtClean="0">
+                          <a:effectLst/>
+                          <a:latin typeface="Calibri" panose="020F0502020204030204" pitchFamily="34" charset="0"/>
+                          <a:ea typeface="宋体" panose="02010600030101010101" pitchFamily="2" charset="-122"/>
+                          <a:cs typeface="Times New Roman" panose="02020603050405020304" pitchFamily="18" charset="0"/>
+                        </a:rPr>
+                        <a:t>打印</a:t>
+                      </a:r>
+                      <a:endParaRPr lang="zh-CN" sz="1100" kern="100" dirty="0">
+                        <a:effectLst/>
+                        <a:latin typeface="Calibri" panose="020F0502020204030204" pitchFamily="34" charset="0"/>
+                        <a:ea typeface="宋体" panose="02010600030101010101" pitchFamily="2" charset="-122"/>
+                        <a:cs typeface="Times New Roman" panose="02020603050405020304" pitchFamily="18" charset="0"/>
+                      </a:endParaRPr>
+                    </a:p>
+                  </a:txBody>
+                  <a:tcPr marL="72000" marR="72000" marT="72000" marB="72000" anchor="ctr"/>
+                </a:tc>
+                <a:tc>
+                  <a:txBody>
+                    <a:bodyPr/>
+                    <a:lstStyle/>
+                    <a:p>
+                      <a:pPr marL="171450" indent="-171450" algn="just">
+                        <a:lnSpc>
+                          <a:spcPct val="120000"/>
+                        </a:lnSpc>
+                        <a:spcAft>
+                          <a:spcPts val="0"/>
+                        </a:spcAft>
+                        <a:buFontTx/>
+                        <a:buChar char="-"/>
+                      </a:pPr>
+                      <a:r>
+                        <a:rPr lang="zh-CN" altLang="en-US" sz="1100" kern="100" dirty="0" smtClean="0">
+                          <a:effectLst/>
+                          <a:latin typeface="Calibri" panose="020F0502020204030204" pitchFamily="34" charset="0"/>
+                          <a:ea typeface="宋体" panose="02010600030101010101" pitchFamily="2" charset="-122"/>
+                          <a:cs typeface="Times New Roman" panose="02020603050405020304" pitchFamily="18" charset="0"/>
+                        </a:rPr>
+                        <a:t>基础金工实习课程</a:t>
+                      </a:r>
+                      <a:endParaRPr lang="en-US" altLang="zh-CN" sz="1100" kern="100" dirty="0" smtClean="0">
+                        <a:effectLst/>
+                        <a:latin typeface="Calibri" panose="020F0502020204030204" pitchFamily="34" charset="0"/>
+                        <a:ea typeface="宋体" panose="02010600030101010101" pitchFamily="2" charset="-122"/>
+                        <a:cs typeface="Times New Roman" panose="02020603050405020304" pitchFamily="18" charset="0"/>
+                      </a:endParaRPr>
+                    </a:p>
+                    <a:p>
+                      <a:pPr marL="171450" indent="-171450" algn="just">
+                        <a:lnSpc>
+                          <a:spcPct val="120000"/>
+                        </a:lnSpc>
+                        <a:spcAft>
+                          <a:spcPts val="0"/>
+                        </a:spcAft>
+                        <a:buFontTx/>
+                        <a:buChar char="-"/>
+                      </a:pPr>
+                      <a:r>
+                        <a:rPr lang="zh-CN" altLang="en-US" sz="1100" kern="100" dirty="0" smtClean="0">
+                          <a:effectLst/>
+                          <a:latin typeface="Calibri" panose="020F0502020204030204" pitchFamily="34" charset="0"/>
+                          <a:ea typeface="宋体" panose="02010600030101010101" pitchFamily="2" charset="-122"/>
+                          <a:cs typeface="Times New Roman" panose="02020603050405020304" pitchFamily="18" charset="0"/>
+                        </a:rPr>
+                        <a:t>团队训练课程</a:t>
+                      </a:r>
+                      <a:endParaRPr lang="zh-CN" sz="1100" kern="100" dirty="0">
+                        <a:effectLst/>
+                        <a:latin typeface="Calibri" panose="020F0502020204030204" pitchFamily="34" charset="0"/>
+                        <a:ea typeface="宋体" panose="02010600030101010101" pitchFamily="2" charset="-122"/>
+                        <a:cs typeface="Times New Roman" panose="02020603050405020304" pitchFamily="18" charset="0"/>
+                      </a:endParaRPr>
+                    </a:p>
+                  </a:txBody>
+                  <a:tcPr marL="72000" marR="72000" marT="72000" marB="72000" anchor="ctr"/>
+                </a:tc>
+              </a:tr>
+              <a:tr h="734574">
+                <a:tc>
+                  <a:txBody>
+                    <a:bodyPr/>
+                    <a:lstStyle/>
+                    <a:p>
+                      <a:pPr algn="just">
+                        <a:lnSpc>
+                          <a:spcPct val="120000"/>
+                        </a:lnSpc>
+                        <a:spcAft>
+                          <a:spcPts val="0"/>
+                        </a:spcAft>
+                      </a:pPr>
+                      <a:r>
+                        <a:rPr lang="zh-CN" altLang="en-US" sz="1100" kern="100" dirty="0" smtClean="0">
+                          <a:effectLst/>
+                          <a:latin typeface="Calibri" panose="020F0502020204030204" pitchFamily="34" charset="0"/>
+                          <a:ea typeface="宋体" panose="02010600030101010101" pitchFamily="2" charset="-122"/>
+                          <a:cs typeface="Times New Roman" panose="02020603050405020304" pitchFamily="18" charset="0"/>
+                        </a:rPr>
+                        <a:t>开放展示</a:t>
+                      </a:r>
+                      <a:endParaRPr lang="zh-CN" sz="1100" kern="100" dirty="0">
+                        <a:effectLst/>
+                        <a:latin typeface="Calibri" panose="020F0502020204030204" pitchFamily="34" charset="0"/>
+                        <a:ea typeface="宋体" panose="02010600030101010101" pitchFamily="2" charset="-122"/>
+                        <a:cs typeface="Times New Roman" panose="02020603050405020304" pitchFamily="18" charset="0"/>
+                      </a:endParaRPr>
+                    </a:p>
+                  </a:txBody>
+                  <a:tcPr marL="72000" marR="72000" marT="72000" marB="72000" anchor="ctr">
+                    <a:lnB w="12700" cap="flat" cmpd="sng" algn="ctr">
+                      <a:solidFill>
+                        <a:schemeClr val="tx1"/>
+                      </a:solidFill>
+                      <a:prstDash val="solid"/>
+                      <a:round/>
+                      <a:headEnd type="none" w="med" len="med"/>
+                      <a:tailEnd type="none" w="med" len="med"/>
+                    </a:lnB>
+                  </a:tcPr>
+                </a:tc>
+                <a:tc>
+                  <a:txBody>
+                    <a:bodyPr/>
+                    <a:lstStyle/>
+                    <a:p>
+                      <a:pPr algn="ctr">
+                        <a:lnSpc>
+                          <a:spcPct val="120000"/>
+                        </a:lnSpc>
+                        <a:spcAft>
+                          <a:spcPts val="0"/>
+                        </a:spcAft>
+                      </a:pPr>
+                      <a:r>
+                        <a:rPr lang="en-US" sz="1100" b="1" kern="100" dirty="0">
+                          <a:effectLst/>
+                        </a:rPr>
+                        <a:t>1F</a:t>
+                      </a:r>
+                      <a:endParaRPr lang="zh-CN" sz="1100" b="1" kern="100" dirty="0">
+                        <a:effectLst/>
+                        <a:latin typeface="Calibri" panose="020F0502020204030204" pitchFamily="34" charset="0"/>
+                        <a:ea typeface="宋体" panose="02010600030101010101" pitchFamily="2" charset="-122"/>
+                        <a:cs typeface="Times New Roman" panose="02020603050405020304" pitchFamily="18" charset="0"/>
+                      </a:endParaRPr>
+                    </a:p>
+                  </a:txBody>
+                  <a:tcPr marL="72000" marR="72000" marT="72000" marB="72000" anchor="ctr">
+                    <a:lnB w="12700" cap="flat" cmpd="sng" algn="ctr">
+                      <a:solidFill>
+                        <a:schemeClr val="tx1"/>
+                      </a:solidFill>
+                      <a:prstDash val="solid"/>
+                      <a:round/>
+                      <a:headEnd type="none" w="med" len="med"/>
+                      <a:tailEnd type="none" w="med" len="med"/>
+                    </a:lnB>
+                  </a:tcPr>
+                </a:tc>
+                <a:tc>
+                  <a:txBody>
+                    <a:bodyPr/>
+                    <a:lstStyle/>
+                    <a:p>
+                      <a:pPr marL="171450" indent="-171450" algn="just">
+                        <a:lnSpc>
+                          <a:spcPct val="120000"/>
+                        </a:lnSpc>
+                        <a:spcAft>
+                          <a:spcPts val="0"/>
+                        </a:spcAft>
+                        <a:buFontTx/>
+                        <a:buChar char="-"/>
+                      </a:pPr>
+                      <a:r>
+                        <a:rPr lang="zh-CN" altLang="en-US" sz="1100" kern="100" dirty="0" smtClean="0">
+                          <a:effectLst/>
+                          <a:latin typeface="Calibri" panose="020F0502020204030204" pitchFamily="34" charset="0"/>
+                          <a:ea typeface="宋体" panose="02010600030101010101" pitchFamily="2" charset="-122"/>
+                          <a:cs typeface="Times New Roman" panose="02020603050405020304" pitchFamily="18" charset="0"/>
+                        </a:rPr>
+                        <a:t>中心大厅</a:t>
+                      </a:r>
+                      <a:endParaRPr lang="en-US" altLang="zh-CN" sz="1100" kern="100" dirty="0" smtClean="0">
+                        <a:effectLst/>
+                        <a:latin typeface="Calibri" panose="020F0502020204030204" pitchFamily="34" charset="0"/>
+                        <a:ea typeface="宋体" panose="02010600030101010101" pitchFamily="2" charset="-122"/>
+                        <a:cs typeface="Times New Roman" panose="02020603050405020304" pitchFamily="18" charset="0"/>
+                      </a:endParaRPr>
+                    </a:p>
+                    <a:p>
+                      <a:pPr marL="171450" indent="-171450" algn="just">
+                        <a:lnSpc>
+                          <a:spcPct val="120000"/>
+                        </a:lnSpc>
+                        <a:spcAft>
+                          <a:spcPts val="0"/>
+                        </a:spcAft>
+                        <a:buFontTx/>
+                        <a:buChar char="-"/>
+                      </a:pPr>
+                      <a:r>
+                        <a:rPr lang="zh-CN" altLang="en-US" sz="1100" kern="100" dirty="0" smtClean="0">
+                          <a:effectLst/>
+                          <a:latin typeface="Calibri" panose="020F0502020204030204" pitchFamily="34" charset="0"/>
+                          <a:ea typeface="宋体" panose="02010600030101010101" pitchFamily="2" charset="-122"/>
+                          <a:cs typeface="Times New Roman" panose="02020603050405020304" pitchFamily="18" charset="0"/>
+                        </a:rPr>
+                        <a:t>特种加工、三坐标</a:t>
+                      </a:r>
+                      <a:endParaRPr lang="en-US" altLang="zh-CN" sz="1100" kern="100" dirty="0" smtClean="0">
+                        <a:effectLst/>
+                        <a:latin typeface="Calibri" panose="020F0502020204030204" pitchFamily="34" charset="0"/>
+                        <a:ea typeface="宋体" panose="02010600030101010101" pitchFamily="2" charset="-122"/>
+                        <a:cs typeface="Times New Roman" panose="02020603050405020304" pitchFamily="18" charset="0"/>
+                      </a:endParaRPr>
+                    </a:p>
+                    <a:p>
+                      <a:pPr marL="171450" indent="-171450" algn="just">
+                        <a:lnSpc>
+                          <a:spcPct val="120000"/>
+                        </a:lnSpc>
+                        <a:spcAft>
+                          <a:spcPts val="0"/>
+                        </a:spcAft>
+                        <a:buFontTx/>
+                        <a:buChar char="-"/>
+                      </a:pPr>
+                      <a:r>
+                        <a:rPr lang="en-US" altLang="zh-CN" sz="1100" kern="100" dirty="0" smtClean="0">
+                          <a:effectLst/>
+                          <a:latin typeface="Calibri" panose="020F0502020204030204" pitchFamily="34" charset="0"/>
+                          <a:ea typeface="宋体" panose="02010600030101010101" pitchFamily="2" charset="-122"/>
+                          <a:cs typeface="Times New Roman" panose="02020603050405020304" pitchFamily="18" charset="0"/>
+                        </a:rPr>
+                        <a:t>CADCAM</a:t>
+                      </a:r>
+                      <a:endParaRPr lang="zh-CN" sz="1100" kern="100" dirty="0">
+                        <a:effectLst/>
+                        <a:latin typeface="Calibri" panose="020F0502020204030204" pitchFamily="34" charset="0"/>
+                        <a:ea typeface="宋体" panose="02010600030101010101" pitchFamily="2" charset="-122"/>
+                        <a:cs typeface="Times New Roman" panose="02020603050405020304" pitchFamily="18" charset="0"/>
+                      </a:endParaRPr>
+                    </a:p>
+                  </a:txBody>
+                  <a:tcPr marL="72000" marR="72000" marT="72000" marB="72000" anchor="ctr">
+                    <a:lnB w="12700" cap="flat" cmpd="sng" algn="ctr">
+                      <a:solidFill>
+                        <a:schemeClr val="tx1"/>
+                      </a:solidFill>
+                      <a:prstDash val="solid"/>
+                      <a:round/>
+                      <a:headEnd type="none" w="med" len="med"/>
+                      <a:tailEnd type="none" w="med" len="med"/>
+                    </a:lnB>
+                  </a:tcPr>
+                </a:tc>
+                <a:tc>
+                  <a:txBody>
+                    <a:bodyPr/>
+                    <a:lstStyle/>
+                    <a:p>
+                      <a:pPr marL="171450" indent="-171450" algn="just">
+                        <a:lnSpc>
+                          <a:spcPct val="120000"/>
+                        </a:lnSpc>
+                        <a:spcAft>
+                          <a:spcPts val="0"/>
+                        </a:spcAft>
+                        <a:buFontTx/>
+                        <a:buChar char="-"/>
+                      </a:pPr>
+                      <a:r>
+                        <a:rPr lang="zh-CN" altLang="en-US" sz="1100" kern="100" dirty="0" smtClean="0">
+                          <a:effectLst/>
+                          <a:latin typeface="Calibri" panose="020F0502020204030204" pitchFamily="34" charset="0"/>
+                          <a:ea typeface="宋体" panose="02010600030101010101" pitchFamily="2" charset="-122"/>
+                          <a:cs typeface="Times New Roman" panose="02020603050405020304" pitchFamily="18" charset="0"/>
+                        </a:rPr>
+                        <a:t>外宣展示等公共活动</a:t>
+                      </a:r>
+                      <a:endParaRPr lang="en-US" altLang="zh-CN" sz="1100" kern="100" dirty="0" smtClean="0">
+                        <a:effectLst/>
+                        <a:latin typeface="Calibri" panose="020F0502020204030204" pitchFamily="34" charset="0"/>
+                        <a:ea typeface="宋体" panose="02010600030101010101" pitchFamily="2" charset="-122"/>
+                        <a:cs typeface="Times New Roman" panose="02020603050405020304" pitchFamily="18" charset="0"/>
+                      </a:endParaRPr>
+                    </a:p>
+                    <a:p>
+                      <a:pPr marL="171450" indent="-171450" algn="just">
+                        <a:lnSpc>
+                          <a:spcPct val="120000"/>
+                        </a:lnSpc>
+                        <a:spcAft>
+                          <a:spcPts val="0"/>
+                        </a:spcAft>
+                        <a:buFontTx/>
+                        <a:buChar char="-"/>
+                      </a:pPr>
+                      <a:r>
+                        <a:rPr lang="zh-CN" altLang="en-US" sz="1100" kern="100" dirty="0" smtClean="0">
+                          <a:effectLst/>
+                          <a:latin typeface="Calibri" panose="020F0502020204030204" pitchFamily="34" charset="0"/>
+                          <a:ea typeface="宋体" panose="02010600030101010101" pitchFamily="2" charset="-122"/>
+                          <a:cs typeface="Times New Roman" panose="02020603050405020304" pitchFamily="18" charset="0"/>
+                        </a:rPr>
+                        <a:t>科研服务</a:t>
+                      </a:r>
+                      <a:endParaRPr lang="zh-CN" sz="1100" kern="100" dirty="0">
+                        <a:effectLst/>
+                        <a:latin typeface="Calibri" panose="020F0502020204030204" pitchFamily="34" charset="0"/>
+                        <a:ea typeface="宋体" panose="02010600030101010101" pitchFamily="2" charset="-122"/>
+                        <a:cs typeface="Times New Roman" panose="02020603050405020304" pitchFamily="18" charset="0"/>
+                      </a:endParaRPr>
+                    </a:p>
+                  </a:txBody>
+                  <a:tcPr marL="72000" marR="72000" marT="72000" marB="72000" anchor="ctr">
+                    <a:lnB w="12700" cap="flat" cmpd="sng" algn="ctr">
+                      <a:solidFill>
+                        <a:schemeClr val="tx1"/>
+                      </a:solidFill>
+                      <a:prstDash val="solid"/>
+                      <a:round/>
+                      <a:headEnd type="none" w="med" len="med"/>
+                      <a:tailEnd type="none" w="med" len="med"/>
+                    </a:lnB>
+                  </a:tcPr>
+                </a:tc>
+              </a:tr>
+              <a:tr h="731841">
+                <a:tc>
+                  <a:txBody>
+                    <a:bodyPr/>
+                    <a:lstStyle/>
+                    <a:p>
+                      <a:pPr algn="just">
+                        <a:lnSpc>
+                          <a:spcPct val="120000"/>
+                        </a:lnSpc>
+                        <a:spcAft>
+                          <a:spcPts val="0"/>
+                        </a:spcAft>
+                      </a:pPr>
+                      <a:r>
+                        <a:rPr lang="zh-CN" altLang="en-US" sz="1100" kern="100" dirty="0" smtClean="0">
+                          <a:effectLst/>
+                          <a:latin typeface="Calibri" panose="020F0502020204030204" pitchFamily="34" charset="0"/>
+                          <a:ea typeface="宋体" panose="02010600030101010101" pitchFamily="2" charset="-122"/>
+                          <a:cs typeface="Times New Roman" panose="02020603050405020304" pitchFamily="18" charset="0"/>
+                        </a:rPr>
+                        <a:t>先进制造体验</a:t>
+                      </a:r>
+                      <a:endParaRPr lang="zh-CN" sz="1100" kern="100" dirty="0">
+                        <a:effectLst/>
+                        <a:latin typeface="Calibri" panose="020F0502020204030204" pitchFamily="34" charset="0"/>
+                        <a:ea typeface="宋体" panose="02010600030101010101" pitchFamily="2" charset="-122"/>
+                        <a:cs typeface="Times New Roman" panose="02020603050405020304" pitchFamily="18" charset="0"/>
+                      </a:endParaRPr>
+                    </a:p>
+                  </a:txBody>
+                  <a:tcPr marL="72000" marR="72000" marT="72000" marB="72000" anchor="ctr">
+                    <a:lnT w="12700" cap="flat" cmpd="sng" algn="ctr">
+                      <a:solidFill>
+                        <a:schemeClr val="tx1"/>
+                      </a:solidFill>
+                      <a:prstDash val="solid"/>
+                      <a:round/>
+                      <a:headEnd type="none" w="med" len="med"/>
+                      <a:tailEnd type="none" w="med" len="med"/>
+                    </a:lnT>
+                  </a:tcPr>
+                </a:tc>
+                <a:tc>
+                  <a:txBody>
+                    <a:bodyPr/>
+                    <a:lstStyle/>
+                    <a:p>
+                      <a:pPr algn="ctr">
+                        <a:lnSpc>
+                          <a:spcPct val="120000"/>
+                        </a:lnSpc>
+                        <a:spcAft>
+                          <a:spcPts val="0"/>
+                        </a:spcAft>
+                      </a:pPr>
+                      <a:r>
+                        <a:rPr lang="en-US" sz="1100" b="1" kern="100" dirty="0">
+                          <a:effectLst/>
+                        </a:rPr>
+                        <a:t>B1</a:t>
+                      </a:r>
+                      <a:endParaRPr lang="zh-CN" sz="1100" b="1" kern="100" dirty="0">
+                        <a:effectLst/>
+                        <a:latin typeface="Calibri" panose="020F0502020204030204" pitchFamily="34" charset="0"/>
+                        <a:ea typeface="宋体" panose="02010600030101010101" pitchFamily="2" charset="-122"/>
+                        <a:cs typeface="Times New Roman" panose="02020603050405020304" pitchFamily="18" charset="0"/>
+                      </a:endParaRPr>
+                    </a:p>
+                  </a:txBody>
+                  <a:tcPr marL="72000" marR="72000" marT="72000" marB="72000" anchor="ctr">
+                    <a:lnT w="12700" cap="flat" cmpd="sng" algn="ctr">
+                      <a:solidFill>
+                        <a:schemeClr val="tx1"/>
+                      </a:solidFill>
+                      <a:prstDash val="solid"/>
+                      <a:round/>
+                      <a:headEnd type="none" w="med" len="med"/>
+                      <a:tailEnd type="none" w="med" len="med"/>
+                    </a:lnT>
+                  </a:tcPr>
+                </a:tc>
+                <a:tc>
+                  <a:txBody>
+                    <a:bodyPr/>
+                    <a:lstStyle/>
+                    <a:p>
+                      <a:pPr marL="171450" indent="-171450" algn="just">
+                        <a:lnSpc>
+                          <a:spcPct val="120000"/>
+                        </a:lnSpc>
+                        <a:spcAft>
+                          <a:spcPts val="0"/>
+                        </a:spcAft>
+                        <a:buFontTx/>
+                        <a:buChar char="-"/>
+                      </a:pPr>
+                      <a:r>
+                        <a:rPr lang="zh-CN" altLang="en-US" sz="1100" kern="100" dirty="0" smtClean="0">
+                          <a:effectLst/>
+                          <a:latin typeface="Calibri" panose="020F0502020204030204" pitchFamily="34" charset="0"/>
+                          <a:ea typeface="宋体" panose="02010600030101010101" pitchFamily="2" charset="-122"/>
+                          <a:cs typeface="Times New Roman" panose="02020603050405020304" pitchFamily="18" charset="0"/>
+                        </a:rPr>
+                        <a:t>焊接实习</a:t>
+                      </a:r>
+                      <a:endParaRPr lang="en-US" altLang="zh-CN" sz="1100" kern="100" dirty="0" smtClean="0">
+                        <a:effectLst/>
+                        <a:latin typeface="Calibri" panose="020F0502020204030204" pitchFamily="34" charset="0"/>
+                        <a:ea typeface="宋体" panose="02010600030101010101" pitchFamily="2" charset="-122"/>
+                        <a:cs typeface="Times New Roman" panose="02020603050405020304" pitchFamily="18" charset="0"/>
+                      </a:endParaRPr>
+                    </a:p>
+                    <a:p>
+                      <a:pPr marL="171450" indent="-171450" algn="just">
+                        <a:lnSpc>
+                          <a:spcPct val="120000"/>
+                        </a:lnSpc>
+                        <a:spcAft>
+                          <a:spcPts val="0"/>
+                        </a:spcAft>
+                        <a:buFontTx/>
+                        <a:buChar char="-"/>
+                      </a:pPr>
+                      <a:r>
+                        <a:rPr lang="zh-CN" altLang="en-US" sz="1100" kern="100" dirty="0" smtClean="0">
+                          <a:effectLst/>
+                          <a:latin typeface="Calibri" panose="020F0502020204030204" pitchFamily="34" charset="0"/>
+                          <a:ea typeface="宋体" panose="02010600030101010101" pitchFamily="2" charset="-122"/>
+                          <a:cs typeface="Times New Roman" panose="02020603050405020304" pitchFamily="18" charset="0"/>
+                        </a:rPr>
+                        <a:t>库卡机器人</a:t>
+                      </a:r>
+                      <a:endParaRPr lang="en-US" altLang="zh-CN" sz="1100" kern="100" dirty="0" smtClean="0">
+                        <a:effectLst/>
+                        <a:latin typeface="Calibri" panose="020F0502020204030204" pitchFamily="34" charset="0"/>
+                        <a:ea typeface="宋体" panose="02010600030101010101" pitchFamily="2" charset="-122"/>
+                        <a:cs typeface="Times New Roman" panose="02020603050405020304" pitchFamily="18" charset="0"/>
+                      </a:endParaRPr>
+                    </a:p>
+                    <a:p>
+                      <a:pPr marL="171450" indent="-171450" algn="just">
+                        <a:lnSpc>
+                          <a:spcPct val="120000"/>
+                        </a:lnSpc>
+                        <a:spcAft>
+                          <a:spcPts val="0"/>
+                        </a:spcAft>
+                        <a:buFontTx/>
+                        <a:buChar char="-"/>
+                      </a:pPr>
+                      <a:r>
+                        <a:rPr lang="zh-CN" altLang="en-US" sz="1100" kern="100" dirty="0" smtClean="0">
+                          <a:effectLst/>
+                          <a:latin typeface="Calibri" panose="020F0502020204030204" pitchFamily="34" charset="0"/>
+                          <a:ea typeface="宋体" panose="02010600030101010101" pitchFamily="2" charset="-122"/>
+                          <a:cs typeface="Times New Roman" panose="02020603050405020304" pitchFamily="18" charset="0"/>
+                        </a:rPr>
+                        <a:t>热处理、非晶、金相</a:t>
+                      </a:r>
+                      <a:endParaRPr lang="zh-CN" sz="1100" kern="100" dirty="0">
+                        <a:effectLst/>
+                        <a:latin typeface="Calibri" panose="020F0502020204030204" pitchFamily="34" charset="0"/>
+                        <a:ea typeface="宋体" panose="02010600030101010101" pitchFamily="2" charset="-122"/>
+                        <a:cs typeface="Times New Roman" panose="02020603050405020304" pitchFamily="18" charset="0"/>
+                      </a:endParaRPr>
+                    </a:p>
+                  </a:txBody>
+                  <a:tcPr marL="72000" marR="72000" marT="72000" marB="72000" anchor="ctr">
+                    <a:lnT w="12700" cap="flat" cmpd="sng" algn="ctr">
+                      <a:solidFill>
+                        <a:schemeClr val="tx1"/>
+                      </a:solidFill>
+                      <a:prstDash val="solid"/>
+                      <a:round/>
+                      <a:headEnd type="none" w="med" len="med"/>
+                      <a:tailEnd type="none" w="med" len="med"/>
+                    </a:lnT>
+                  </a:tcPr>
+                </a:tc>
+                <a:tc>
+                  <a:txBody>
+                    <a:bodyPr/>
+                    <a:lstStyle/>
+                    <a:p>
+                      <a:pPr marL="171450" indent="-171450" algn="just">
+                        <a:lnSpc>
+                          <a:spcPct val="120000"/>
+                        </a:lnSpc>
+                        <a:spcAft>
+                          <a:spcPts val="0"/>
+                        </a:spcAft>
+                        <a:buFontTx/>
+                        <a:buChar char="-"/>
+                      </a:pPr>
+                      <a:r>
+                        <a:rPr lang="zh-CN" altLang="en-US" sz="1100" kern="100" dirty="0" smtClean="0">
+                          <a:effectLst/>
+                          <a:latin typeface="Calibri" panose="020F0502020204030204" pitchFamily="34" charset="0"/>
+                          <a:ea typeface="宋体" panose="02010600030101010101" pitchFamily="2" charset="-122"/>
+                          <a:cs typeface="Times New Roman" panose="02020603050405020304" pitchFamily="18" charset="0"/>
+                        </a:rPr>
+                        <a:t>基础金工实习（焊接热处理）</a:t>
+                      </a:r>
+                      <a:endParaRPr lang="en-US" altLang="zh-CN" sz="1100" kern="100" dirty="0" smtClean="0">
+                        <a:effectLst/>
+                        <a:latin typeface="Calibri" panose="020F0502020204030204" pitchFamily="34" charset="0"/>
+                        <a:ea typeface="宋体" panose="02010600030101010101" pitchFamily="2" charset="-122"/>
+                        <a:cs typeface="Times New Roman" panose="02020603050405020304" pitchFamily="18" charset="0"/>
+                      </a:endParaRPr>
+                    </a:p>
+                    <a:p>
+                      <a:pPr marL="171450" indent="-171450" algn="just">
+                        <a:lnSpc>
+                          <a:spcPct val="120000"/>
+                        </a:lnSpc>
+                        <a:spcAft>
+                          <a:spcPts val="0"/>
+                        </a:spcAft>
+                        <a:buFontTx/>
+                        <a:buChar char="-"/>
+                      </a:pPr>
+                      <a:r>
+                        <a:rPr lang="zh-CN" altLang="en-US" sz="1100" kern="100" dirty="0" smtClean="0">
+                          <a:effectLst/>
+                          <a:latin typeface="Calibri" panose="020F0502020204030204" pitchFamily="34" charset="0"/>
+                          <a:ea typeface="宋体" panose="02010600030101010101" pitchFamily="2" charset="-122"/>
+                          <a:cs typeface="Times New Roman" panose="02020603050405020304" pitchFamily="18" charset="0"/>
+                        </a:rPr>
+                        <a:t>制造工程体验</a:t>
+                      </a:r>
+                      <a:endParaRPr lang="zh-CN" sz="1100" kern="100" dirty="0">
+                        <a:effectLst/>
+                        <a:latin typeface="Calibri" panose="020F0502020204030204" pitchFamily="34" charset="0"/>
+                        <a:ea typeface="宋体" panose="02010600030101010101" pitchFamily="2" charset="-122"/>
+                        <a:cs typeface="Times New Roman" panose="02020603050405020304" pitchFamily="18" charset="0"/>
+                      </a:endParaRPr>
+                    </a:p>
+                  </a:txBody>
+                  <a:tcPr marL="72000" marR="72000" marT="72000" marB="72000" anchor="ctr">
+                    <a:lnT w="12700" cap="flat" cmpd="sng" algn="ctr">
+                      <a:solidFill>
+                        <a:schemeClr val="tx1"/>
+                      </a:solidFill>
+                      <a:prstDash val="solid"/>
+                      <a:round/>
+                      <a:headEnd type="none" w="med" len="med"/>
+                      <a:tailEnd type="none" w="med" len="med"/>
+                    </a:lnT>
+                  </a:tcPr>
+                </a:tc>
+              </a:tr>
+              <a:tr h="731841">
+                <a:tc>
+                  <a:txBody>
+                    <a:bodyPr/>
+                    <a:lstStyle/>
+                    <a:p>
+                      <a:pPr algn="just">
+                        <a:lnSpc>
+                          <a:spcPct val="120000"/>
+                        </a:lnSpc>
+                        <a:spcAft>
+                          <a:spcPts val="0"/>
+                        </a:spcAft>
+                      </a:pPr>
+                      <a:r>
+                        <a:rPr lang="zh-CN" altLang="en-US" sz="1100" kern="100" dirty="0" smtClean="0">
+                          <a:effectLst/>
+                          <a:latin typeface="Calibri" panose="020F0502020204030204" pitchFamily="34" charset="0"/>
+                          <a:ea typeface="宋体" panose="02010600030101010101" pitchFamily="2" charset="-122"/>
+                          <a:cs typeface="Times New Roman" panose="02020603050405020304" pitchFamily="18" charset="0"/>
+                        </a:rPr>
+                        <a:t>先进生产系统</a:t>
+                      </a:r>
+                      <a:endParaRPr lang="zh-CN" sz="1100" kern="100" dirty="0">
+                        <a:effectLst/>
+                        <a:latin typeface="Calibri" panose="020F0502020204030204" pitchFamily="34" charset="0"/>
+                        <a:ea typeface="宋体" panose="02010600030101010101" pitchFamily="2" charset="-122"/>
+                        <a:cs typeface="Times New Roman" panose="02020603050405020304" pitchFamily="18" charset="0"/>
+                      </a:endParaRPr>
+                    </a:p>
+                  </a:txBody>
+                  <a:tcPr marL="72000" marR="72000" marT="72000" marB="72000" anchor="ctr"/>
+                </a:tc>
+                <a:tc>
+                  <a:txBody>
+                    <a:bodyPr/>
+                    <a:lstStyle/>
+                    <a:p>
+                      <a:pPr algn="ctr">
+                        <a:lnSpc>
+                          <a:spcPct val="120000"/>
+                        </a:lnSpc>
+                        <a:spcAft>
+                          <a:spcPts val="0"/>
+                        </a:spcAft>
+                      </a:pPr>
+                      <a:r>
+                        <a:rPr lang="en-US" sz="1100" b="1" kern="100" dirty="0">
+                          <a:effectLst/>
+                        </a:rPr>
+                        <a:t>B2</a:t>
+                      </a:r>
+                      <a:endParaRPr lang="zh-CN" sz="1100" b="1" kern="100" dirty="0">
+                        <a:effectLst/>
+                        <a:latin typeface="Calibri" panose="020F0502020204030204" pitchFamily="34" charset="0"/>
+                        <a:ea typeface="宋体" panose="02010600030101010101" pitchFamily="2" charset="-122"/>
+                        <a:cs typeface="Times New Roman" panose="02020603050405020304" pitchFamily="18" charset="0"/>
+                      </a:endParaRPr>
+                    </a:p>
+                  </a:txBody>
+                  <a:tcPr marL="72000" marR="72000" marT="72000" marB="72000" anchor="ctr"/>
+                </a:tc>
+                <a:tc>
+                  <a:txBody>
+                    <a:bodyPr/>
+                    <a:lstStyle/>
+                    <a:p>
+                      <a:pPr marL="171450" indent="-171450" algn="just">
+                        <a:lnSpc>
+                          <a:spcPct val="120000"/>
+                        </a:lnSpc>
+                        <a:spcAft>
+                          <a:spcPts val="0"/>
+                        </a:spcAft>
+                        <a:buFontTx/>
+                        <a:buChar char="-"/>
+                      </a:pPr>
+                      <a:r>
+                        <a:rPr lang="zh-CN" altLang="en-US" sz="1100" kern="100" dirty="0" smtClean="0">
+                          <a:effectLst/>
+                          <a:latin typeface="Calibri" panose="020F0502020204030204" pitchFamily="34" charset="0"/>
+                          <a:ea typeface="宋体" panose="02010600030101010101" pitchFamily="2" charset="-122"/>
+                          <a:cs typeface="Times New Roman" panose="02020603050405020304" pitchFamily="18" charset="0"/>
+                        </a:rPr>
+                        <a:t>铸锻、车工、铣磨</a:t>
+                      </a:r>
+                      <a:endParaRPr lang="en-US" altLang="zh-CN" sz="1100" kern="100" dirty="0" smtClean="0">
+                        <a:effectLst/>
+                        <a:latin typeface="Calibri" panose="020F0502020204030204" pitchFamily="34" charset="0"/>
+                        <a:ea typeface="宋体" panose="02010600030101010101" pitchFamily="2" charset="-122"/>
+                        <a:cs typeface="Times New Roman" panose="02020603050405020304" pitchFamily="18" charset="0"/>
+                      </a:endParaRPr>
+                    </a:p>
+                    <a:p>
+                      <a:pPr marL="171450" indent="-171450" algn="just">
+                        <a:lnSpc>
+                          <a:spcPct val="120000"/>
+                        </a:lnSpc>
+                        <a:spcAft>
+                          <a:spcPts val="0"/>
+                        </a:spcAft>
+                        <a:buFontTx/>
+                        <a:buChar char="-"/>
+                      </a:pPr>
+                      <a:r>
+                        <a:rPr lang="zh-CN" altLang="en-US" sz="1100" kern="100" dirty="0" smtClean="0">
+                          <a:effectLst/>
+                          <a:latin typeface="Calibri" panose="020F0502020204030204" pitchFamily="34" charset="0"/>
+                          <a:ea typeface="宋体" panose="02010600030101010101" pitchFamily="2" charset="-122"/>
+                          <a:cs typeface="Times New Roman" panose="02020603050405020304" pitchFamily="18" charset="0"/>
+                        </a:rPr>
+                        <a:t>数控</a:t>
+                      </a:r>
+                      <a:endParaRPr lang="en-US" altLang="zh-CN" sz="1100" kern="100" dirty="0" smtClean="0">
+                        <a:effectLst/>
+                        <a:latin typeface="Calibri" panose="020F0502020204030204" pitchFamily="34" charset="0"/>
+                        <a:ea typeface="宋体" panose="02010600030101010101" pitchFamily="2" charset="-122"/>
+                        <a:cs typeface="Times New Roman" panose="02020603050405020304" pitchFamily="18" charset="0"/>
+                      </a:endParaRPr>
+                    </a:p>
+                    <a:p>
+                      <a:pPr marL="171450" indent="-171450" algn="just">
+                        <a:lnSpc>
+                          <a:spcPct val="120000"/>
+                        </a:lnSpc>
+                        <a:spcAft>
+                          <a:spcPts val="0"/>
+                        </a:spcAft>
+                        <a:buFontTx/>
+                        <a:buChar char="-"/>
+                      </a:pPr>
+                      <a:r>
+                        <a:rPr lang="zh-CN" altLang="en-US" sz="1100" kern="100" dirty="0" smtClean="0">
+                          <a:effectLst/>
+                          <a:latin typeface="Calibri" panose="020F0502020204030204" pitchFamily="34" charset="0"/>
+                          <a:ea typeface="宋体" panose="02010600030101010101" pitchFamily="2" charset="-122"/>
+                          <a:cs typeface="Times New Roman" panose="02020603050405020304" pitchFamily="18" charset="0"/>
+                        </a:rPr>
+                        <a:t>制造岛</a:t>
+                      </a:r>
+                      <a:endParaRPr lang="zh-CN" sz="1100" kern="100" dirty="0">
+                        <a:effectLst/>
+                        <a:latin typeface="Calibri" panose="020F0502020204030204" pitchFamily="34" charset="0"/>
+                        <a:ea typeface="宋体" panose="02010600030101010101" pitchFamily="2" charset="-122"/>
+                        <a:cs typeface="Times New Roman" panose="02020603050405020304" pitchFamily="18" charset="0"/>
+                      </a:endParaRPr>
+                    </a:p>
+                  </a:txBody>
+                  <a:tcPr marL="72000" marR="72000" marT="72000" marB="72000" anchor="ctr"/>
+                </a:tc>
+                <a:tc>
+                  <a:txBody>
+                    <a:bodyPr/>
+                    <a:lstStyle/>
+                    <a:p>
+                      <a:pPr marL="171450" indent="-171450" algn="just">
+                        <a:lnSpc>
+                          <a:spcPct val="120000"/>
+                        </a:lnSpc>
+                        <a:spcAft>
+                          <a:spcPts val="0"/>
+                        </a:spcAft>
+                        <a:buFontTx/>
+                        <a:buChar char="-"/>
+                      </a:pPr>
+                      <a:r>
+                        <a:rPr lang="zh-CN" altLang="en-US" sz="1100" kern="100" baseline="0" dirty="0" smtClean="0">
+                          <a:effectLst/>
+                          <a:latin typeface="Calibri" panose="020F0502020204030204" pitchFamily="34" charset="0"/>
+                          <a:ea typeface="宋体" panose="02010600030101010101" pitchFamily="2" charset="-122"/>
+                          <a:cs typeface="Times New Roman" panose="02020603050405020304" pitchFamily="18" charset="0"/>
+                        </a:rPr>
+                        <a:t>基础金工实习（车铣铸锻磨）</a:t>
+                      </a:r>
+                      <a:endParaRPr lang="en-US" altLang="zh-CN" sz="1100" kern="100" baseline="0" dirty="0" smtClean="0">
+                        <a:effectLst/>
+                        <a:latin typeface="Calibri" panose="020F0502020204030204" pitchFamily="34" charset="0"/>
+                        <a:ea typeface="宋体" panose="02010600030101010101" pitchFamily="2" charset="-122"/>
+                        <a:cs typeface="Times New Roman" panose="02020603050405020304" pitchFamily="18" charset="0"/>
+                      </a:endParaRPr>
+                    </a:p>
+                    <a:p>
+                      <a:pPr marL="171450" indent="-171450" algn="just">
+                        <a:lnSpc>
+                          <a:spcPct val="120000"/>
+                        </a:lnSpc>
+                        <a:spcAft>
+                          <a:spcPts val="0"/>
+                        </a:spcAft>
+                        <a:buFontTx/>
+                        <a:buChar char="-"/>
+                      </a:pPr>
+                      <a:r>
+                        <a:rPr lang="zh-CN" altLang="en-US" sz="1100" kern="100" baseline="0" dirty="0" smtClean="0">
+                          <a:effectLst/>
+                          <a:latin typeface="Calibri" panose="020F0502020204030204" pitchFamily="34" charset="0"/>
+                          <a:ea typeface="宋体" panose="02010600030101010101" pitchFamily="2" charset="-122"/>
+                          <a:cs typeface="Times New Roman" panose="02020603050405020304" pitchFamily="18" charset="0"/>
+                        </a:rPr>
+                        <a:t>数控加工实习</a:t>
+                      </a:r>
+                      <a:endParaRPr lang="en-US" altLang="zh-CN" sz="1100" kern="100" baseline="0" dirty="0" smtClean="0">
+                        <a:effectLst/>
+                        <a:latin typeface="Calibri" panose="020F0502020204030204" pitchFamily="34" charset="0"/>
+                        <a:ea typeface="宋体" panose="02010600030101010101" pitchFamily="2" charset="-122"/>
+                        <a:cs typeface="Times New Roman" panose="02020603050405020304" pitchFamily="18" charset="0"/>
+                      </a:endParaRPr>
+                    </a:p>
+                  </a:txBody>
+                  <a:tcPr marL="72000" marR="72000" marT="72000" marB="72000" anchor="ctr"/>
+                </a:tc>
+              </a:tr>
+              <a:tr h="530545">
+                <a:tc>
+                  <a:txBody>
+                    <a:bodyPr/>
+                    <a:lstStyle/>
+                    <a:p>
+                      <a:pPr algn="just">
+                        <a:lnSpc>
+                          <a:spcPct val="120000"/>
+                        </a:lnSpc>
+                        <a:spcAft>
+                          <a:spcPts val="0"/>
+                        </a:spcAft>
+                      </a:pPr>
+                      <a:r>
+                        <a:rPr lang="zh-CN" altLang="en-US" sz="1100" kern="100" dirty="0" smtClean="0">
+                          <a:effectLst/>
+                        </a:rPr>
+                        <a:t>特种</a:t>
+                      </a:r>
+                      <a:r>
+                        <a:rPr lang="zh-CN" sz="1100" kern="100" dirty="0" smtClean="0">
+                          <a:effectLst/>
+                        </a:rPr>
+                        <a:t>制造</a:t>
+                      </a:r>
+                      <a:endParaRPr lang="zh-CN" sz="1100" kern="100" dirty="0">
+                        <a:effectLst/>
+                        <a:latin typeface="Calibri" panose="020F0502020204030204" pitchFamily="34" charset="0"/>
+                        <a:ea typeface="宋体" panose="02010600030101010101" pitchFamily="2" charset="-122"/>
+                        <a:cs typeface="Times New Roman" panose="02020603050405020304" pitchFamily="18" charset="0"/>
+                      </a:endParaRPr>
+                    </a:p>
+                  </a:txBody>
+                  <a:tcPr marL="72000" marR="72000" marT="72000" marB="72000" anchor="ctr"/>
+                </a:tc>
+                <a:tc>
+                  <a:txBody>
+                    <a:bodyPr/>
+                    <a:lstStyle/>
+                    <a:p>
+                      <a:pPr algn="ctr">
+                        <a:lnSpc>
+                          <a:spcPct val="120000"/>
+                        </a:lnSpc>
+                        <a:spcAft>
+                          <a:spcPts val="0"/>
+                        </a:spcAft>
+                      </a:pPr>
+                      <a:r>
+                        <a:rPr lang="en-US" sz="1100" b="1" kern="100" dirty="0">
+                          <a:effectLst/>
+                        </a:rPr>
+                        <a:t>B4</a:t>
+                      </a:r>
+                      <a:endParaRPr lang="zh-CN" sz="1100" b="1" kern="100" dirty="0">
+                        <a:effectLst/>
+                        <a:latin typeface="Calibri" panose="020F0502020204030204" pitchFamily="34" charset="0"/>
+                        <a:ea typeface="宋体" panose="02010600030101010101" pitchFamily="2" charset="-122"/>
+                        <a:cs typeface="Times New Roman" panose="02020603050405020304" pitchFamily="18" charset="0"/>
+                      </a:endParaRPr>
+                    </a:p>
+                  </a:txBody>
+                  <a:tcPr marL="72000" marR="72000" marT="72000" marB="72000" anchor="ctr"/>
+                </a:tc>
+                <a:tc>
+                  <a:txBody>
+                    <a:bodyPr/>
+                    <a:lstStyle/>
+                    <a:p>
+                      <a:pPr marL="171450" indent="-171450" algn="just">
+                        <a:lnSpc>
+                          <a:spcPct val="120000"/>
+                        </a:lnSpc>
+                        <a:spcAft>
+                          <a:spcPts val="0"/>
+                        </a:spcAft>
+                        <a:buFontTx/>
+                        <a:buChar char="-"/>
+                      </a:pPr>
+                      <a:r>
+                        <a:rPr lang="zh-CN" altLang="en-US" sz="1100" kern="100" dirty="0" smtClean="0">
+                          <a:effectLst/>
+                          <a:latin typeface="Calibri" panose="020F0502020204030204" pitchFamily="34" charset="0"/>
+                          <a:ea typeface="宋体" panose="02010600030101010101" pitchFamily="2" charset="-122"/>
+                          <a:cs typeface="Times New Roman" panose="02020603050405020304" pitchFamily="18" charset="0"/>
+                        </a:rPr>
+                        <a:t>消失模铸造</a:t>
+                      </a:r>
+                      <a:endParaRPr lang="en-US" altLang="zh-CN" sz="1100" kern="100" dirty="0" smtClean="0">
+                        <a:effectLst/>
+                        <a:latin typeface="Calibri" panose="020F0502020204030204" pitchFamily="34" charset="0"/>
+                        <a:ea typeface="宋体" panose="02010600030101010101" pitchFamily="2" charset="-122"/>
+                        <a:cs typeface="Times New Roman" panose="02020603050405020304" pitchFamily="18" charset="0"/>
+                      </a:endParaRPr>
+                    </a:p>
+                  </a:txBody>
+                  <a:tcPr marL="72000" marR="72000" marT="72000" marB="72000" anchor="ctr"/>
+                </a:tc>
+                <a:tc>
+                  <a:txBody>
+                    <a:bodyPr/>
+                    <a:lstStyle/>
+                    <a:p>
+                      <a:pPr marL="171450" indent="-171450" algn="just">
+                        <a:lnSpc>
+                          <a:spcPct val="120000"/>
+                        </a:lnSpc>
+                        <a:spcAft>
+                          <a:spcPts val="0"/>
+                        </a:spcAft>
+                        <a:buFontTx/>
+                        <a:buChar char="-"/>
+                      </a:pPr>
+                      <a:r>
+                        <a:rPr lang="zh-CN" altLang="en-US" sz="1100" kern="100" baseline="0" dirty="0" smtClean="0">
+                          <a:effectLst/>
+                          <a:latin typeface="+mn-lt"/>
+                          <a:ea typeface="+mn-ea"/>
+                          <a:cs typeface="+mn-cs"/>
+                        </a:rPr>
+                        <a:t>基础金工实习</a:t>
+                      </a:r>
+                      <a:r>
+                        <a:rPr lang="zh-CN" altLang="en-US" sz="1100" kern="100" baseline="0" dirty="0" smtClean="0">
+                          <a:effectLst/>
+                          <a:latin typeface="Calibri" panose="020F0502020204030204" pitchFamily="34" charset="0"/>
+                          <a:ea typeface="宋体" panose="02010600030101010101" pitchFamily="2" charset="-122"/>
+                          <a:cs typeface="Times New Roman" panose="02020603050405020304" pitchFamily="18" charset="0"/>
+                        </a:rPr>
+                        <a:t>（消失模铸造）</a:t>
+                      </a:r>
+                      <a:endParaRPr lang="en-US" altLang="zh-CN" sz="1100" kern="100" baseline="0" dirty="0" smtClean="0">
+                        <a:effectLst/>
+                        <a:latin typeface="Calibri" panose="020F0502020204030204" pitchFamily="34" charset="0"/>
+                        <a:ea typeface="宋体" panose="02010600030101010101" pitchFamily="2" charset="-122"/>
+                        <a:cs typeface="Times New Roman" panose="02020603050405020304" pitchFamily="18" charset="0"/>
+                      </a:endParaRPr>
+                    </a:p>
+                    <a:p>
+                      <a:pPr marL="171450" indent="-171450" algn="just">
+                        <a:lnSpc>
+                          <a:spcPct val="120000"/>
+                        </a:lnSpc>
+                        <a:spcAft>
+                          <a:spcPts val="0"/>
+                        </a:spcAft>
+                        <a:buFontTx/>
+                        <a:buChar char="-"/>
+                      </a:pPr>
+                      <a:r>
+                        <a:rPr lang="zh-CN" altLang="en-US" sz="1100" kern="100" baseline="0" dirty="0" smtClean="0">
+                          <a:effectLst/>
+                          <a:latin typeface="Calibri" panose="020F0502020204030204" pitchFamily="34" charset="0"/>
+                          <a:ea typeface="宋体" panose="02010600030101010101" pitchFamily="2" charset="-122"/>
+                          <a:cs typeface="Times New Roman" panose="02020603050405020304" pitchFamily="18" charset="0"/>
+                        </a:rPr>
+                        <a:t>科研服务</a:t>
+                      </a:r>
+                      <a:endParaRPr lang="en-US" altLang="zh-CN" sz="1100" kern="100" baseline="0" dirty="0" smtClean="0">
+                        <a:effectLst/>
+                        <a:latin typeface="+mn-lt"/>
+                        <a:ea typeface="+mn-ea"/>
+                        <a:cs typeface="+mn-cs"/>
+                      </a:endParaRPr>
+                    </a:p>
+                  </a:txBody>
+                  <a:tcPr marL="72000" marR="72000" marT="72000" marB="72000" anchor="ctr"/>
+                </a:tc>
+              </a:tr>
+            </a:tbl>
+          </a:graphicData>
+        </a:graphic>
+      </p:graphicFrame>
+      <p:sp>
+        <p:nvSpPr>
+          <p:cNvPr id="5" name="Rounded Rectangle 4"/>
+          <p:cNvSpPr/>
+          <p:nvPr/>
+        </p:nvSpPr>
+        <p:spPr>
+          <a:xfrm>
+            <a:off x="3482484" y="643812"/>
+            <a:ext cx="494523" cy="261257"/>
+          </a:xfrm>
+          <a:prstGeom prst="roundRect">
+            <a:avLst/>
+          </a:prstGeom>
+          <a:solidFill>
+            <a:schemeClr val="bg1">
+              <a:alpha val="0"/>
+            </a:schemeClr>
+          </a:solidFill>
+          <a:ln>
+            <a:solidFill>
+              <a:srgbClr val="C00000"/>
+            </a:solidFill>
+          </a:ln>
+        </p:spPr>
+        <p:style>
+          <a:lnRef idx="2">
+            <a:schemeClr val="accent1">
+              <a:shade val="50000"/>
+            </a:schemeClr>
+          </a:lnRef>
+          <a:fillRef idx="1">
+            <a:schemeClr val="accent1"/>
+          </a:fillRef>
+          <a:effectRef idx="0">
+            <a:schemeClr val="accent1"/>
+          </a:effectRef>
+          <a:fontRef idx="minor">
+            <a:schemeClr val="lt1"/>
+          </a:fontRef>
+        </p:style>
+        <p:txBody>
+          <a:bodyPr rtlCol="0" anchor="ctr"/>
+          <a:lstStyle/>
+          <a:p>
+            <a:pPr algn="ctr"/>
+            <a:endParaRPr lang="zh-CN" altLang="en-US"/>
+          </a:p>
+        </p:txBody>
+      </p:sp>
+      <p:sp>
+        <p:nvSpPr>
+          <p:cNvPr id="6" name="Rounded Rectangle 5"/>
+          <p:cNvSpPr/>
+          <p:nvPr/>
+        </p:nvSpPr>
+        <p:spPr>
+          <a:xfrm>
+            <a:off x="3482482" y="3415003"/>
+            <a:ext cx="2448000" cy="3364488"/>
+          </a:xfrm>
+          <a:prstGeom prst="roundRect">
+            <a:avLst>
+              <a:gd name="adj" fmla="val 3301"/>
+            </a:avLst>
+          </a:prstGeom>
+          <a:solidFill>
+            <a:schemeClr val="bg1">
+              <a:alpha val="0"/>
+            </a:schemeClr>
+          </a:solidFill>
+          <a:ln>
+            <a:solidFill>
+              <a:srgbClr val="C00000"/>
+            </a:solidFill>
+          </a:ln>
+        </p:spPr>
+        <p:style>
+          <a:lnRef idx="2">
+            <a:schemeClr val="accent1">
+              <a:shade val="50000"/>
+            </a:schemeClr>
+          </a:lnRef>
+          <a:fillRef idx="1">
+            <a:schemeClr val="accent1"/>
+          </a:fillRef>
+          <a:effectRef idx="0">
+            <a:schemeClr val="accent1"/>
+          </a:effectRef>
+          <a:fontRef idx="minor">
+            <a:schemeClr val="lt1"/>
+          </a:fontRef>
+        </p:style>
+        <p:txBody>
+          <a:bodyPr rtlCol="0" anchor="ctr"/>
+          <a:lstStyle/>
+          <a:p>
+            <a:pPr algn="ctr"/>
+            <a:endParaRPr lang="zh-CN" altLang="en-US"/>
+          </a:p>
+        </p:txBody>
+      </p:sp>
+      <p:sp>
+        <p:nvSpPr>
+          <p:cNvPr id="7" name="Rounded Rectangle 6"/>
+          <p:cNvSpPr/>
+          <p:nvPr/>
+        </p:nvSpPr>
+        <p:spPr>
+          <a:xfrm>
+            <a:off x="3482484" y="905070"/>
+            <a:ext cx="2448000" cy="410546"/>
+          </a:xfrm>
+          <a:prstGeom prst="roundRect">
+            <a:avLst/>
+          </a:prstGeom>
+          <a:solidFill>
+            <a:schemeClr val="bg1">
+              <a:alpha val="0"/>
+            </a:schemeClr>
+          </a:solidFill>
+          <a:ln>
+            <a:solidFill>
+              <a:srgbClr val="C00000"/>
+            </a:solidFill>
+          </a:ln>
+        </p:spPr>
+        <p:style>
+          <a:lnRef idx="2">
+            <a:schemeClr val="accent1">
+              <a:shade val="50000"/>
+            </a:schemeClr>
+          </a:lnRef>
+          <a:fillRef idx="1">
+            <a:schemeClr val="accent1"/>
+          </a:fillRef>
+          <a:effectRef idx="0">
+            <a:schemeClr val="accent1"/>
+          </a:effectRef>
+          <a:fontRef idx="minor">
+            <a:schemeClr val="lt1"/>
+          </a:fontRef>
+        </p:style>
+        <p:txBody>
+          <a:bodyPr rtlCol="0" anchor="ctr"/>
+          <a:lstStyle/>
+          <a:p>
+            <a:pPr algn="ctr"/>
+            <a:endParaRPr lang="zh-CN" altLang="en-US"/>
+          </a:p>
+        </p:txBody>
+      </p:sp>
+      <p:cxnSp>
+        <p:nvCxnSpPr>
+          <p:cNvPr id="9" name="Elbow Connector 8"/>
+          <p:cNvCxnSpPr>
+            <a:stCxn id="5" idx="1"/>
+            <a:endCxn id="6" idx="1"/>
+          </p:cNvCxnSpPr>
+          <p:nvPr/>
+        </p:nvCxnSpPr>
+        <p:spPr>
+          <a:xfrm rot="10800000" flipV="1">
+            <a:off x="3482482" y="774441"/>
+            <a:ext cx="2" cy="4322806"/>
+          </a:xfrm>
+          <a:prstGeom prst="bentConnector3">
+            <a:avLst>
+              <a:gd name="adj1" fmla="val 11430100000"/>
+            </a:avLst>
+          </a:prstGeom>
+          <a:ln w="19050">
+            <a:solidFill>
+              <a:srgbClr val="C00000"/>
+            </a:solidFill>
+            <a:tailEnd type="triangle"/>
+          </a:ln>
+        </p:spPr>
+        <p:style>
+          <a:lnRef idx="1">
+            <a:schemeClr val="accent1"/>
+          </a:lnRef>
+          <a:fillRef idx="0">
+            <a:schemeClr val="accent1"/>
+          </a:fillRef>
+          <a:effectRef idx="0">
+            <a:schemeClr val="accent1"/>
+          </a:effectRef>
+          <a:fontRef idx="minor">
+            <a:schemeClr val="tx1"/>
+          </a:fontRef>
+        </p:style>
+      </p:cxnSp>
       <p:sp>
         <p:nvSpPr>
           <p:cNvPr id="24" name="TextBox 23"/>
@@ -25031,7 +26236,7 @@
     </p:spTree>
     <p:extLst>
       <p:ext uri="{BB962C8B-B14F-4D97-AF65-F5344CB8AC3E}">
-        <p14:creationId xmlns:p14="http://schemas.microsoft.com/office/powerpoint/2010/main" val="3242098025"/>
+        <p14:creationId xmlns:p14="http://schemas.microsoft.com/office/powerpoint/2010/main" val="1091985416"/>
       </p:ext>
     </p:extLst>
   </p:cSld>
@@ -25048,7 +26253,7 @@
 </p:sld>
 </file>
 
-<file path=ppt/slides/slide8.xml><?xml version="1.0" encoding="utf-8"?>
+<file path=ppt/slides/slide9.xml><?xml version="1.0" encoding="utf-8"?>
 <p:sld xmlns:a="http://schemas.openxmlformats.org/drawingml/2006/main" xmlns:r="http://schemas.openxmlformats.org/officeDocument/2006/relationships" xmlns:p="http://schemas.openxmlformats.org/presentationml/2006/main">
   <p:cSld>
     <p:spTree>
@@ -27818,1264 +29023,6 @@
 </p:sld>
 </file>
 
-<file path=ppt/slides/slide9.xml><?xml version="1.0" encoding="utf-8"?>
-<p:sld xmlns:a="http://schemas.openxmlformats.org/drawingml/2006/main" xmlns:r="http://schemas.openxmlformats.org/officeDocument/2006/relationships" xmlns:p="http://schemas.openxmlformats.org/presentationml/2006/main">
-  <p:cSld>
-    <p:spTree>
-      <p:nvGrpSpPr>
-        <p:cNvPr id="1" name=""/>
-        <p:cNvGrpSpPr/>
-        <p:nvPr/>
-      </p:nvGrpSpPr>
-      <p:grpSpPr>
-        <a:xfrm>
-          <a:off x="0" y="0"/>
-          <a:ext cx="0" cy="0"/>
-          <a:chOff x="0" y="0"/>
-          <a:chExt cx="0" cy="0"/>
-        </a:xfrm>
-      </p:grpSpPr>
-      <p:sp>
-        <p:nvSpPr>
-          <p:cNvPr id="7" name="Title 6"/>
-          <p:cNvSpPr>
-            <a:spLocks noGrp="1"/>
-          </p:cNvSpPr>
-          <p:nvPr>
-            <p:ph type="title"/>
-          </p:nvPr>
-        </p:nvSpPr>
-        <p:spPr/>
-        <p:txBody>
-          <a:bodyPr/>
-          <a:lstStyle/>
-          <a:p>
-            <a:r>
-              <a:rPr lang="zh-CN" altLang="en-US" dirty="0" smtClean="0"/>
-              <a:t>从创意到实现的系列教学活动</a:t>
-            </a:r>
-            <a:endParaRPr lang="zh-CN" altLang="en-US" dirty="0"/>
-          </a:p>
-        </p:txBody>
-      </p:sp>
-      <p:graphicFrame>
-        <p:nvGraphicFramePr>
-          <p:cNvPr id="9" name="Content Placeholder 8"/>
-          <p:cNvGraphicFramePr>
-            <a:graphicFrameLocks noGrp="1"/>
-          </p:cNvGraphicFramePr>
-          <p:nvPr>
-            <p:ph sz="half" idx="2"/>
-            <p:extLst>
-              <p:ext uri="{D42A27DB-BD31-4B8C-83A1-F6EECF244321}">
-                <p14:modId xmlns:p14="http://schemas.microsoft.com/office/powerpoint/2010/main" val="1337348135"/>
-              </p:ext>
-            </p:extLst>
-          </p:nvPr>
-        </p:nvGraphicFramePr>
-        <p:xfrm>
-          <a:off x="4629150" y="1557771"/>
-          <a:ext cx="4124960" cy="2225040"/>
-        </p:xfrm>
-        <a:graphic>
-          <a:graphicData uri="http://schemas.openxmlformats.org/drawingml/2006/table">
-            <a:tbl>
-              <a:tblPr firstRow="1" bandRow="1">
-                <a:tableStyleId>{5940675A-B579-460E-94D1-54222C63F5DA}</a:tableStyleId>
-              </a:tblPr>
-              <a:tblGrid>
-                <a:gridCol w="816610"/>
-                <a:gridCol w="619760"/>
-                <a:gridCol w="734060"/>
-                <a:gridCol w="848360"/>
-                <a:gridCol w="476885"/>
-                <a:gridCol w="629285"/>
-              </a:tblGrid>
-              <a:tr h="370840">
-                <a:tc>
-                  <a:txBody>
-                    <a:bodyPr/>
-                    <a:lstStyle/>
-                    <a:p>
-                      <a:pPr algn="just">
-                        <a:spcAft>
-                          <a:spcPts val="0"/>
-                        </a:spcAft>
-                      </a:pPr>
-                      <a:r>
-                        <a:rPr lang="en-US" sz="1200" kern="100" dirty="0">
-                          <a:effectLst/>
-                        </a:rPr>
-                        <a:t> </a:t>
-                      </a:r>
-                      <a:endParaRPr lang="zh-CN" sz="1050" kern="100" dirty="0">
-                        <a:effectLst/>
-                        <a:latin typeface="Calibri" panose="020F0502020204030204" pitchFamily="34" charset="0"/>
-                        <a:ea typeface="宋体" panose="02010600030101010101" pitchFamily="2" charset="-122"/>
-                        <a:cs typeface="Times New Roman" panose="02020603050405020304" pitchFamily="18" charset="0"/>
-                      </a:endParaRPr>
-                    </a:p>
-                  </a:txBody>
-                  <a:tcPr marL="68580" marR="68580" marT="0" marB="0" anchor="ctr"/>
-                </a:tc>
-                <a:tc>
-                  <a:txBody>
-                    <a:bodyPr/>
-                    <a:lstStyle/>
-                    <a:p>
-                      <a:pPr algn="just">
-                        <a:spcAft>
-                          <a:spcPts val="0"/>
-                        </a:spcAft>
-                      </a:pPr>
-                      <a:r>
-                        <a:rPr lang="zh-CN" sz="1200" kern="100" dirty="0">
-                          <a:effectLst/>
-                        </a:rPr>
-                        <a:t>大一</a:t>
-                      </a:r>
-                      <a:endParaRPr lang="zh-CN" sz="1050" kern="100" dirty="0">
-                        <a:effectLst/>
-                        <a:latin typeface="Calibri" panose="020F0502020204030204" pitchFamily="34" charset="0"/>
-                        <a:ea typeface="宋体" panose="02010600030101010101" pitchFamily="2" charset="-122"/>
-                        <a:cs typeface="Times New Roman" panose="02020603050405020304" pitchFamily="18" charset="0"/>
-                      </a:endParaRPr>
-                    </a:p>
-                  </a:txBody>
-                  <a:tcPr marL="68580" marR="68580" marT="0" marB="0" anchor="ctr"/>
-                </a:tc>
-                <a:tc>
-                  <a:txBody>
-                    <a:bodyPr/>
-                    <a:lstStyle/>
-                    <a:p>
-                      <a:pPr algn="just">
-                        <a:spcAft>
-                          <a:spcPts val="0"/>
-                        </a:spcAft>
-                      </a:pPr>
-                      <a:r>
-                        <a:rPr lang="zh-CN" sz="1200" kern="100">
-                          <a:effectLst/>
-                        </a:rPr>
-                        <a:t>大二</a:t>
-                      </a:r>
-                      <a:endParaRPr lang="zh-CN" sz="1050" kern="100">
-                        <a:effectLst/>
-                        <a:latin typeface="Calibri" panose="020F0502020204030204" pitchFamily="34" charset="0"/>
-                        <a:ea typeface="宋体" panose="02010600030101010101" pitchFamily="2" charset="-122"/>
-                        <a:cs typeface="Times New Roman" panose="02020603050405020304" pitchFamily="18" charset="0"/>
-                      </a:endParaRPr>
-                    </a:p>
-                  </a:txBody>
-                  <a:tcPr marL="68580" marR="68580" marT="0" marB="0" anchor="ctr"/>
-                </a:tc>
-                <a:tc>
-                  <a:txBody>
-                    <a:bodyPr/>
-                    <a:lstStyle/>
-                    <a:p>
-                      <a:pPr algn="just">
-                        <a:spcAft>
-                          <a:spcPts val="0"/>
-                        </a:spcAft>
-                      </a:pPr>
-                      <a:r>
-                        <a:rPr lang="zh-CN" sz="1200" kern="100">
-                          <a:effectLst/>
-                        </a:rPr>
-                        <a:t>大三</a:t>
-                      </a:r>
-                      <a:endParaRPr lang="zh-CN" sz="1050" kern="100">
-                        <a:effectLst/>
-                        <a:latin typeface="Calibri" panose="020F0502020204030204" pitchFamily="34" charset="0"/>
-                        <a:ea typeface="宋体" panose="02010600030101010101" pitchFamily="2" charset="-122"/>
-                        <a:cs typeface="Times New Roman" panose="02020603050405020304" pitchFamily="18" charset="0"/>
-                      </a:endParaRPr>
-                    </a:p>
-                  </a:txBody>
-                  <a:tcPr marL="68580" marR="68580" marT="0" marB="0" anchor="ctr"/>
-                </a:tc>
-                <a:tc>
-                  <a:txBody>
-                    <a:bodyPr/>
-                    <a:lstStyle/>
-                    <a:p>
-                      <a:pPr algn="just">
-                        <a:spcAft>
-                          <a:spcPts val="0"/>
-                        </a:spcAft>
-                      </a:pPr>
-                      <a:r>
-                        <a:rPr lang="zh-CN" sz="1200" kern="100">
-                          <a:effectLst/>
-                        </a:rPr>
-                        <a:t>大四</a:t>
-                      </a:r>
-                      <a:endParaRPr lang="zh-CN" sz="1050" kern="100">
-                        <a:effectLst/>
-                        <a:latin typeface="Calibri" panose="020F0502020204030204" pitchFamily="34" charset="0"/>
-                        <a:ea typeface="宋体" panose="02010600030101010101" pitchFamily="2" charset="-122"/>
-                        <a:cs typeface="Times New Roman" panose="02020603050405020304" pitchFamily="18" charset="0"/>
-                      </a:endParaRPr>
-                    </a:p>
-                  </a:txBody>
-                  <a:tcPr marL="68580" marR="68580" marT="0" marB="0" anchor="ctr"/>
-                </a:tc>
-                <a:tc>
-                  <a:txBody>
-                    <a:bodyPr/>
-                    <a:lstStyle/>
-                    <a:p>
-                      <a:pPr algn="just">
-                        <a:spcAft>
-                          <a:spcPts val="0"/>
-                        </a:spcAft>
-                      </a:pPr>
-                      <a:r>
-                        <a:rPr lang="zh-CN" sz="1200" kern="100">
-                          <a:effectLst/>
-                        </a:rPr>
-                        <a:t>研究生</a:t>
-                      </a:r>
-                      <a:endParaRPr lang="zh-CN" sz="1050" kern="100">
-                        <a:effectLst/>
-                        <a:latin typeface="Calibri" panose="020F0502020204030204" pitchFamily="34" charset="0"/>
-                        <a:ea typeface="宋体" panose="02010600030101010101" pitchFamily="2" charset="-122"/>
-                        <a:cs typeface="Times New Roman" panose="02020603050405020304" pitchFamily="18" charset="0"/>
-                      </a:endParaRPr>
-                    </a:p>
-                  </a:txBody>
-                  <a:tcPr marL="68580" marR="68580" marT="0" marB="0" anchor="ctr"/>
-                </a:tc>
-              </a:tr>
-              <a:tr h="370840">
-                <a:tc>
-                  <a:txBody>
-                    <a:bodyPr/>
-                    <a:lstStyle/>
-                    <a:p>
-                      <a:pPr algn="just">
-                        <a:spcAft>
-                          <a:spcPts val="0"/>
-                        </a:spcAft>
-                      </a:pPr>
-                      <a:r>
-                        <a:rPr lang="zh-CN" sz="1200" kern="100">
-                          <a:effectLst/>
-                        </a:rPr>
-                        <a:t>基本素养 </a:t>
-                      </a:r>
-                      <a:endParaRPr lang="zh-CN" sz="1050" kern="100">
-                        <a:effectLst/>
-                        <a:latin typeface="Calibri" panose="020F0502020204030204" pitchFamily="34" charset="0"/>
-                        <a:ea typeface="宋体" panose="02010600030101010101" pitchFamily="2" charset="-122"/>
-                        <a:cs typeface="Times New Roman" panose="02020603050405020304" pitchFamily="18" charset="0"/>
-                      </a:endParaRPr>
-                    </a:p>
-                  </a:txBody>
-                  <a:tcPr marL="68580" marR="68580" marT="0" marB="0" anchor="ctr"/>
-                </a:tc>
-                <a:tc>
-                  <a:txBody>
-                    <a:bodyPr/>
-                    <a:lstStyle/>
-                    <a:p>
-                      <a:pPr algn="r">
-                        <a:spcAft>
-                          <a:spcPts val="0"/>
-                        </a:spcAft>
-                      </a:pPr>
-                      <a:r>
-                        <a:rPr lang="zh-CN" sz="900" kern="100" dirty="0">
-                          <a:effectLst/>
-                        </a:rPr>
-                        <a:t>入学导引</a:t>
-                      </a:r>
-                      <a:endParaRPr lang="zh-CN" sz="1050" kern="100" dirty="0">
-                        <a:effectLst/>
-                        <a:latin typeface="Calibri" panose="020F0502020204030204" pitchFamily="34" charset="0"/>
-                        <a:ea typeface="宋体" panose="02010600030101010101" pitchFamily="2" charset="-122"/>
-                        <a:cs typeface="Times New Roman" panose="02020603050405020304" pitchFamily="18" charset="0"/>
-                      </a:endParaRPr>
-                    </a:p>
-                  </a:txBody>
-                  <a:tcPr marL="68580" marR="68580" marT="0" marB="0" anchor="b">
-                    <a:solidFill>
-                      <a:schemeClr val="accent2">
-                        <a:lumMod val="60000"/>
-                        <a:lumOff val="40000"/>
-                      </a:schemeClr>
-                    </a:solidFill>
-                  </a:tcPr>
-                </a:tc>
-                <a:tc>
-                  <a:txBody>
-                    <a:bodyPr/>
-                    <a:lstStyle/>
-                    <a:p>
-                      <a:pPr algn="r">
-                        <a:spcAft>
-                          <a:spcPts val="0"/>
-                        </a:spcAft>
-                      </a:pPr>
-                      <a:r>
-                        <a:rPr lang="en-US" sz="900" kern="100" dirty="0">
-                          <a:effectLst/>
-                        </a:rPr>
-                        <a:t> </a:t>
-                      </a:r>
-                      <a:endParaRPr lang="zh-CN" sz="1050" kern="100" dirty="0">
-                        <a:effectLst/>
-                        <a:latin typeface="Calibri" panose="020F0502020204030204" pitchFamily="34" charset="0"/>
-                        <a:ea typeface="宋体" panose="02010600030101010101" pitchFamily="2" charset="-122"/>
-                        <a:cs typeface="Times New Roman" panose="02020603050405020304" pitchFamily="18" charset="0"/>
-                      </a:endParaRPr>
-                    </a:p>
-                  </a:txBody>
-                  <a:tcPr marL="68580" marR="68580" marT="0" marB="0" anchor="b"/>
-                </a:tc>
-                <a:tc>
-                  <a:txBody>
-                    <a:bodyPr/>
-                    <a:lstStyle/>
-                    <a:p>
-                      <a:pPr algn="r">
-                        <a:spcAft>
-                          <a:spcPts val="0"/>
-                        </a:spcAft>
-                      </a:pPr>
-                      <a:r>
-                        <a:rPr lang="en-US" sz="900" kern="100" dirty="0">
-                          <a:effectLst/>
-                        </a:rPr>
-                        <a:t> </a:t>
-                      </a:r>
-                      <a:endParaRPr lang="zh-CN" sz="1050" kern="100" dirty="0">
-                        <a:effectLst/>
-                        <a:latin typeface="Calibri" panose="020F0502020204030204" pitchFamily="34" charset="0"/>
-                        <a:ea typeface="宋体" panose="02010600030101010101" pitchFamily="2" charset="-122"/>
-                        <a:cs typeface="Times New Roman" panose="02020603050405020304" pitchFamily="18" charset="0"/>
-                      </a:endParaRPr>
-                    </a:p>
-                  </a:txBody>
-                  <a:tcPr marL="68580" marR="68580" marT="0" marB="0" anchor="b"/>
-                </a:tc>
-                <a:tc>
-                  <a:txBody>
-                    <a:bodyPr/>
-                    <a:lstStyle/>
-                    <a:p>
-                      <a:pPr algn="r">
-                        <a:spcAft>
-                          <a:spcPts val="0"/>
-                        </a:spcAft>
-                      </a:pPr>
-                      <a:r>
-                        <a:rPr lang="en-US" sz="900" kern="100">
-                          <a:effectLst/>
-                        </a:rPr>
-                        <a:t> </a:t>
-                      </a:r>
-                      <a:endParaRPr lang="zh-CN" sz="1050" kern="100">
-                        <a:effectLst/>
-                        <a:latin typeface="Calibri" panose="020F0502020204030204" pitchFamily="34" charset="0"/>
-                        <a:ea typeface="宋体" panose="02010600030101010101" pitchFamily="2" charset="-122"/>
-                        <a:cs typeface="Times New Roman" panose="02020603050405020304" pitchFamily="18" charset="0"/>
-                      </a:endParaRPr>
-                    </a:p>
-                  </a:txBody>
-                  <a:tcPr marL="68580" marR="68580" marT="0" marB="0" anchor="b"/>
-                </a:tc>
-                <a:tc>
-                  <a:txBody>
-                    <a:bodyPr/>
-                    <a:lstStyle/>
-                    <a:p>
-                      <a:pPr algn="r">
-                        <a:spcAft>
-                          <a:spcPts val="0"/>
-                        </a:spcAft>
-                      </a:pPr>
-                      <a:r>
-                        <a:rPr lang="en-US" sz="900" kern="100" dirty="0">
-                          <a:effectLst/>
-                        </a:rPr>
-                        <a:t> </a:t>
-                      </a:r>
-                      <a:endParaRPr lang="zh-CN" sz="1050" kern="100" dirty="0">
-                        <a:effectLst/>
-                        <a:latin typeface="Calibri" panose="020F0502020204030204" pitchFamily="34" charset="0"/>
-                        <a:ea typeface="宋体" panose="02010600030101010101" pitchFamily="2" charset="-122"/>
-                        <a:cs typeface="Times New Roman" panose="02020603050405020304" pitchFamily="18" charset="0"/>
-                      </a:endParaRPr>
-                    </a:p>
-                  </a:txBody>
-                  <a:tcPr marL="68580" marR="68580" marT="0" marB="0" anchor="b">
-                    <a:solidFill>
-                      <a:schemeClr val="accent2">
-                        <a:lumMod val="60000"/>
-                        <a:lumOff val="40000"/>
-                      </a:schemeClr>
-                    </a:solidFill>
-                  </a:tcPr>
-                </a:tc>
-              </a:tr>
-              <a:tr h="370840">
-                <a:tc>
-                  <a:txBody>
-                    <a:bodyPr/>
-                    <a:lstStyle/>
-                    <a:p>
-                      <a:pPr algn="just">
-                        <a:spcAft>
-                          <a:spcPts val="0"/>
-                        </a:spcAft>
-                      </a:pPr>
-                      <a:r>
-                        <a:rPr lang="zh-CN" sz="1200" kern="100" dirty="0">
-                          <a:effectLst/>
-                        </a:rPr>
-                        <a:t>设计方法</a:t>
-                      </a:r>
-                      <a:endParaRPr lang="zh-CN" sz="1050" kern="100" dirty="0">
-                        <a:effectLst/>
-                        <a:latin typeface="Calibri" panose="020F0502020204030204" pitchFamily="34" charset="0"/>
-                        <a:ea typeface="宋体" panose="02010600030101010101" pitchFamily="2" charset="-122"/>
-                        <a:cs typeface="Times New Roman" panose="02020603050405020304" pitchFamily="18" charset="0"/>
-                      </a:endParaRPr>
-                    </a:p>
-                  </a:txBody>
-                  <a:tcPr marL="68580" marR="68580" marT="0" marB="0" anchor="ctr"/>
-                </a:tc>
-                <a:tc>
-                  <a:txBody>
-                    <a:bodyPr/>
-                    <a:lstStyle/>
-                    <a:p>
-                      <a:pPr algn="r">
-                        <a:spcAft>
-                          <a:spcPts val="0"/>
-                        </a:spcAft>
-                      </a:pPr>
-                      <a:r>
-                        <a:rPr lang="en-US" sz="900" kern="100">
-                          <a:effectLst/>
-                        </a:rPr>
-                        <a:t> </a:t>
-                      </a:r>
-                      <a:endParaRPr lang="zh-CN" sz="1050" kern="100">
-                        <a:effectLst/>
-                        <a:latin typeface="Calibri" panose="020F0502020204030204" pitchFamily="34" charset="0"/>
-                        <a:ea typeface="宋体" panose="02010600030101010101" pitchFamily="2" charset="-122"/>
-                        <a:cs typeface="Times New Roman" panose="02020603050405020304" pitchFamily="18" charset="0"/>
-                      </a:endParaRPr>
-                    </a:p>
-                  </a:txBody>
-                  <a:tcPr marL="68580" marR="68580" marT="0" marB="0" anchor="b"/>
-                </a:tc>
-                <a:tc>
-                  <a:txBody>
-                    <a:bodyPr/>
-                    <a:lstStyle/>
-                    <a:p>
-                      <a:pPr algn="r">
-                        <a:spcAft>
-                          <a:spcPts val="0"/>
-                        </a:spcAft>
-                      </a:pPr>
-                      <a:r>
-                        <a:rPr lang="en-US" sz="900" kern="100" dirty="0">
-                          <a:effectLst/>
-                        </a:rPr>
-                        <a:t> </a:t>
-                      </a:r>
-                      <a:endParaRPr lang="zh-CN" sz="1050" kern="100" dirty="0">
-                        <a:effectLst/>
-                        <a:latin typeface="Calibri" panose="020F0502020204030204" pitchFamily="34" charset="0"/>
-                        <a:ea typeface="宋体" panose="02010600030101010101" pitchFamily="2" charset="-122"/>
-                        <a:cs typeface="Times New Roman" panose="02020603050405020304" pitchFamily="18" charset="0"/>
-                      </a:endParaRPr>
-                    </a:p>
-                  </a:txBody>
-                  <a:tcPr marL="68580" marR="68580" marT="0" marB="0" anchor="b">
-                    <a:solidFill>
-                      <a:schemeClr val="accent2">
-                        <a:lumMod val="60000"/>
-                        <a:lumOff val="40000"/>
-                      </a:schemeClr>
-                    </a:solidFill>
-                  </a:tcPr>
-                </a:tc>
-                <a:tc>
-                  <a:txBody>
-                    <a:bodyPr/>
-                    <a:lstStyle/>
-                    <a:p>
-                      <a:pPr algn="r">
-                        <a:spcAft>
-                          <a:spcPts val="0"/>
-                        </a:spcAft>
-                      </a:pPr>
-                      <a:r>
-                        <a:rPr lang="en-US" sz="900" kern="100" dirty="0">
-                          <a:effectLst/>
-                        </a:rPr>
-                        <a:t> </a:t>
-                      </a:r>
-                      <a:endParaRPr lang="zh-CN" sz="1050" kern="100" dirty="0">
-                        <a:effectLst/>
-                        <a:latin typeface="Calibri" panose="020F0502020204030204" pitchFamily="34" charset="0"/>
-                        <a:ea typeface="宋体" panose="02010600030101010101" pitchFamily="2" charset="-122"/>
-                        <a:cs typeface="Times New Roman" panose="02020603050405020304" pitchFamily="18" charset="0"/>
-                      </a:endParaRPr>
-                    </a:p>
-                  </a:txBody>
-                  <a:tcPr marL="68580" marR="68580" marT="0" marB="0" anchor="b"/>
-                </a:tc>
-                <a:tc>
-                  <a:txBody>
-                    <a:bodyPr/>
-                    <a:lstStyle/>
-                    <a:p>
-                      <a:pPr algn="r">
-                        <a:spcAft>
-                          <a:spcPts val="0"/>
-                        </a:spcAft>
-                      </a:pPr>
-                      <a:r>
-                        <a:rPr lang="en-US" sz="900" kern="100">
-                          <a:effectLst/>
-                        </a:rPr>
-                        <a:t> </a:t>
-                      </a:r>
-                      <a:endParaRPr lang="zh-CN" sz="1050" kern="100">
-                        <a:effectLst/>
-                        <a:latin typeface="Calibri" panose="020F0502020204030204" pitchFamily="34" charset="0"/>
-                        <a:ea typeface="宋体" panose="02010600030101010101" pitchFamily="2" charset="-122"/>
-                        <a:cs typeface="Times New Roman" panose="02020603050405020304" pitchFamily="18" charset="0"/>
-                      </a:endParaRPr>
-                    </a:p>
-                  </a:txBody>
-                  <a:tcPr marL="68580" marR="68580" marT="0" marB="0" anchor="b"/>
-                </a:tc>
-                <a:tc>
-                  <a:txBody>
-                    <a:bodyPr/>
-                    <a:lstStyle/>
-                    <a:p>
-                      <a:pPr algn="r">
-                        <a:spcAft>
-                          <a:spcPts val="0"/>
-                        </a:spcAft>
-                      </a:pPr>
-                      <a:r>
-                        <a:rPr lang="en-US" sz="900" kern="100" dirty="0">
-                          <a:effectLst/>
-                        </a:rPr>
-                        <a:t> </a:t>
-                      </a:r>
-                      <a:endParaRPr lang="zh-CN" sz="1050" kern="100" dirty="0">
-                        <a:effectLst/>
-                        <a:latin typeface="Calibri" panose="020F0502020204030204" pitchFamily="34" charset="0"/>
-                        <a:ea typeface="宋体" panose="02010600030101010101" pitchFamily="2" charset="-122"/>
-                        <a:cs typeface="Times New Roman" panose="02020603050405020304" pitchFamily="18" charset="0"/>
-                      </a:endParaRPr>
-                    </a:p>
-                  </a:txBody>
-                  <a:tcPr marL="68580" marR="68580" marT="0" marB="0" anchor="b">
-                    <a:solidFill>
-                      <a:schemeClr val="accent2">
-                        <a:lumMod val="60000"/>
-                        <a:lumOff val="40000"/>
-                      </a:schemeClr>
-                    </a:solidFill>
-                  </a:tcPr>
-                </a:tc>
-              </a:tr>
-              <a:tr h="370840">
-                <a:tc>
-                  <a:txBody>
-                    <a:bodyPr/>
-                    <a:lstStyle/>
-                    <a:p>
-                      <a:pPr algn="just">
-                        <a:spcAft>
-                          <a:spcPts val="0"/>
-                        </a:spcAft>
-                      </a:pPr>
-                      <a:r>
-                        <a:rPr lang="zh-CN" sz="1200" kern="100" dirty="0">
-                          <a:effectLst/>
-                        </a:rPr>
-                        <a:t>产品战略</a:t>
-                      </a:r>
-                      <a:endParaRPr lang="zh-CN" sz="1050" kern="100" dirty="0">
-                        <a:effectLst/>
-                        <a:latin typeface="Calibri" panose="020F0502020204030204" pitchFamily="34" charset="0"/>
-                        <a:ea typeface="宋体" panose="02010600030101010101" pitchFamily="2" charset="-122"/>
-                        <a:cs typeface="Times New Roman" panose="02020603050405020304" pitchFamily="18" charset="0"/>
-                      </a:endParaRPr>
-                    </a:p>
-                  </a:txBody>
-                  <a:tcPr marL="68580" marR="68580" marT="0" marB="0" anchor="ctr"/>
-                </a:tc>
-                <a:tc>
-                  <a:txBody>
-                    <a:bodyPr/>
-                    <a:lstStyle/>
-                    <a:p>
-                      <a:pPr algn="r">
-                        <a:spcAft>
-                          <a:spcPts val="0"/>
-                        </a:spcAft>
-                      </a:pPr>
-                      <a:r>
-                        <a:rPr lang="zh-CN" sz="900" kern="100" dirty="0">
-                          <a:effectLst/>
-                        </a:rPr>
-                        <a:t>个人战略</a:t>
-                      </a:r>
-                      <a:endParaRPr lang="zh-CN" sz="1050" kern="100" dirty="0">
-                        <a:effectLst/>
-                        <a:latin typeface="Calibri" panose="020F0502020204030204" pitchFamily="34" charset="0"/>
-                        <a:ea typeface="宋体" panose="02010600030101010101" pitchFamily="2" charset="-122"/>
-                        <a:cs typeface="Times New Roman" panose="02020603050405020304" pitchFamily="18" charset="0"/>
-                      </a:endParaRPr>
-                    </a:p>
-                  </a:txBody>
-                  <a:tcPr marL="68580" marR="68580" marT="0" marB="0" anchor="b">
-                    <a:solidFill>
-                      <a:schemeClr val="accent2">
-                        <a:lumMod val="60000"/>
-                        <a:lumOff val="40000"/>
-                      </a:schemeClr>
-                    </a:solidFill>
-                  </a:tcPr>
-                </a:tc>
-                <a:tc>
-                  <a:txBody>
-                    <a:bodyPr/>
-                    <a:lstStyle/>
-                    <a:p>
-                      <a:pPr algn="r">
-                        <a:spcAft>
-                          <a:spcPts val="0"/>
-                        </a:spcAft>
-                      </a:pPr>
-                      <a:r>
-                        <a:rPr lang="zh-CN" sz="900" kern="100" dirty="0">
-                          <a:effectLst/>
-                        </a:rPr>
-                        <a:t>产品战略</a:t>
-                      </a:r>
-                      <a:endParaRPr lang="zh-CN" sz="1050" kern="100" dirty="0">
-                        <a:effectLst/>
-                        <a:latin typeface="Calibri" panose="020F0502020204030204" pitchFamily="34" charset="0"/>
-                        <a:ea typeface="宋体" panose="02010600030101010101" pitchFamily="2" charset="-122"/>
-                        <a:cs typeface="Times New Roman" panose="02020603050405020304" pitchFamily="18" charset="0"/>
-                      </a:endParaRPr>
-                    </a:p>
-                  </a:txBody>
-                  <a:tcPr marL="68580" marR="68580" marT="0" marB="0" anchor="b">
-                    <a:solidFill>
-                      <a:schemeClr val="accent2">
-                        <a:lumMod val="60000"/>
-                        <a:lumOff val="40000"/>
-                      </a:schemeClr>
-                    </a:solidFill>
-                  </a:tcPr>
-                </a:tc>
-                <a:tc>
-                  <a:txBody>
-                    <a:bodyPr/>
-                    <a:lstStyle/>
-                    <a:p>
-                      <a:pPr algn="r">
-                        <a:spcAft>
-                          <a:spcPts val="0"/>
-                        </a:spcAft>
-                      </a:pPr>
-                      <a:r>
-                        <a:rPr lang="en-US" sz="900" kern="100" dirty="0">
-                          <a:effectLst/>
-                        </a:rPr>
-                        <a:t> </a:t>
-                      </a:r>
-                      <a:endParaRPr lang="zh-CN" sz="1050" kern="100" dirty="0">
-                        <a:effectLst/>
-                        <a:latin typeface="Calibri" panose="020F0502020204030204" pitchFamily="34" charset="0"/>
-                        <a:ea typeface="宋体" panose="02010600030101010101" pitchFamily="2" charset="-122"/>
-                        <a:cs typeface="Times New Roman" panose="02020603050405020304" pitchFamily="18" charset="0"/>
-                      </a:endParaRPr>
-                    </a:p>
-                  </a:txBody>
-                  <a:tcPr marL="68580" marR="68580" marT="0" marB="0" anchor="b"/>
-                </a:tc>
-                <a:tc>
-                  <a:txBody>
-                    <a:bodyPr/>
-                    <a:lstStyle/>
-                    <a:p>
-                      <a:pPr algn="r">
-                        <a:spcAft>
-                          <a:spcPts val="0"/>
-                        </a:spcAft>
-                      </a:pPr>
-                      <a:r>
-                        <a:rPr lang="en-US" sz="900" kern="100" dirty="0">
-                          <a:effectLst/>
-                        </a:rPr>
-                        <a:t> </a:t>
-                      </a:r>
-                      <a:endParaRPr lang="zh-CN" sz="1050" kern="100" dirty="0">
-                        <a:effectLst/>
-                        <a:latin typeface="Calibri" panose="020F0502020204030204" pitchFamily="34" charset="0"/>
-                        <a:ea typeface="宋体" panose="02010600030101010101" pitchFamily="2" charset="-122"/>
-                        <a:cs typeface="Times New Roman" panose="02020603050405020304" pitchFamily="18" charset="0"/>
-                      </a:endParaRPr>
-                    </a:p>
-                  </a:txBody>
-                  <a:tcPr marL="68580" marR="68580" marT="0" marB="0" anchor="b"/>
-                </a:tc>
-                <a:tc>
-                  <a:txBody>
-                    <a:bodyPr/>
-                    <a:lstStyle/>
-                    <a:p>
-                      <a:pPr algn="r">
-                        <a:spcAft>
-                          <a:spcPts val="0"/>
-                        </a:spcAft>
-                      </a:pPr>
-                      <a:r>
-                        <a:rPr lang="en-US" sz="900" kern="100" dirty="0">
-                          <a:effectLst/>
-                        </a:rPr>
-                        <a:t> </a:t>
-                      </a:r>
-                      <a:endParaRPr lang="zh-CN" sz="1050" kern="100" dirty="0">
-                        <a:effectLst/>
-                        <a:latin typeface="Calibri" panose="020F0502020204030204" pitchFamily="34" charset="0"/>
-                        <a:ea typeface="宋体" panose="02010600030101010101" pitchFamily="2" charset="-122"/>
-                        <a:cs typeface="Times New Roman" panose="02020603050405020304" pitchFamily="18" charset="0"/>
-                      </a:endParaRPr>
-                    </a:p>
-                  </a:txBody>
-                  <a:tcPr marL="68580" marR="68580" marT="0" marB="0" anchor="b">
-                    <a:solidFill>
-                      <a:schemeClr val="accent2">
-                        <a:lumMod val="60000"/>
-                        <a:lumOff val="40000"/>
-                      </a:schemeClr>
-                    </a:solidFill>
-                  </a:tcPr>
-                </a:tc>
-              </a:tr>
-              <a:tr h="370840">
-                <a:tc>
-                  <a:txBody>
-                    <a:bodyPr/>
-                    <a:lstStyle/>
-                    <a:p>
-                      <a:pPr algn="just">
-                        <a:spcAft>
-                          <a:spcPts val="0"/>
-                        </a:spcAft>
-                      </a:pPr>
-                      <a:r>
-                        <a:rPr lang="zh-CN" sz="1200" kern="100">
-                          <a:effectLst/>
-                        </a:rPr>
-                        <a:t>实践实现</a:t>
-                      </a:r>
-                      <a:endParaRPr lang="zh-CN" sz="1050" kern="100">
-                        <a:effectLst/>
-                        <a:latin typeface="Calibri" panose="020F0502020204030204" pitchFamily="34" charset="0"/>
-                        <a:ea typeface="宋体" panose="02010600030101010101" pitchFamily="2" charset="-122"/>
-                        <a:cs typeface="Times New Roman" panose="02020603050405020304" pitchFamily="18" charset="0"/>
-                      </a:endParaRPr>
-                    </a:p>
-                  </a:txBody>
-                  <a:tcPr marL="68580" marR="68580" marT="0" marB="0" anchor="ctr"/>
-                </a:tc>
-                <a:tc>
-                  <a:txBody>
-                    <a:bodyPr/>
-                    <a:lstStyle/>
-                    <a:p>
-                      <a:pPr algn="r">
-                        <a:spcAft>
-                          <a:spcPts val="0"/>
-                        </a:spcAft>
-                      </a:pPr>
-                      <a:r>
-                        <a:rPr lang="en-US" sz="900" kern="100">
-                          <a:effectLst/>
-                        </a:rPr>
-                        <a:t> </a:t>
-                      </a:r>
-                      <a:endParaRPr lang="zh-CN" sz="1050" kern="100">
-                        <a:effectLst/>
-                        <a:latin typeface="Calibri" panose="020F0502020204030204" pitchFamily="34" charset="0"/>
-                        <a:ea typeface="宋体" panose="02010600030101010101" pitchFamily="2" charset="-122"/>
-                        <a:cs typeface="Times New Roman" panose="02020603050405020304" pitchFamily="18" charset="0"/>
-                      </a:endParaRPr>
-                    </a:p>
-                  </a:txBody>
-                  <a:tcPr marL="68580" marR="68580" marT="0" marB="0" anchor="b"/>
-                </a:tc>
-                <a:tc>
-                  <a:txBody>
-                    <a:bodyPr/>
-                    <a:lstStyle/>
-                    <a:p>
-                      <a:pPr algn="r">
-                        <a:spcAft>
-                          <a:spcPts val="0"/>
-                        </a:spcAft>
-                      </a:pPr>
-                      <a:r>
-                        <a:rPr lang="zh-CN" sz="900" kern="100" dirty="0">
-                          <a:effectLst/>
-                        </a:rPr>
-                        <a:t>跨课程结合</a:t>
-                      </a:r>
-                      <a:endParaRPr lang="zh-CN" sz="1050" kern="100" dirty="0">
-                        <a:effectLst/>
-                        <a:latin typeface="Calibri" panose="020F0502020204030204" pitchFamily="34" charset="0"/>
-                        <a:ea typeface="宋体" panose="02010600030101010101" pitchFamily="2" charset="-122"/>
-                        <a:cs typeface="Times New Roman" panose="02020603050405020304" pitchFamily="18" charset="0"/>
-                      </a:endParaRPr>
-                    </a:p>
-                  </a:txBody>
-                  <a:tcPr marL="68580" marR="68580" marT="0" marB="0" anchor="b">
-                    <a:solidFill>
-                      <a:schemeClr val="accent2">
-                        <a:lumMod val="60000"/>
-                        <a:lumOff val="40000"/>
-                      </a:schemeClr>
-                    </a:solidFill>
-                  </a:tcPr>
-                </a:tc>
-                <a:tc>
-                  <a:txBody>
-                    <a:bodyPr/>
-                    <a:lstStyle/>
-                    <a:p>
-                      <a:pPr algn="r">
-                        <a:spcAft>
-                          <a:spcPts val="0"/>
-                        </a:spcAft>
-                      </a:pPr>
-                      <a:r>
-                        <a:rPr lang="zh-CN" sz="900" kern="100" dirty="0">
-                          <a:effectLst/>
-                        </a:rPr>
-                        <a:t>专业课程项目</a:t>
-                      </a:r>
-                      <a:endParaRPr lang="zh-CN" sz="1050" kern="100" dirty="0">
-                        <a:effectLst/>
-                        <a:latin typeface="Calibri" panose="020F0502020204030204" pitchFamily="34" charset="0"/>
-                        <a:ea typeface="宋体" panose="02010600030101010101" pitchFamily="2" charset="-122"/>
-                        <a:cs typeface="Times New Roman" panose="02020603050405020304" pitchFamily="18" charset="0"/>
-                      </a:endParaRPr>
-                    </a:p>
-                  </a:txBody>
-                  <a:tcPr marL="68580" marR="68580" marT="0" marB="0" anchor="b">
-                    <a:solidFill>
-                      <a:schemeClr val="accent2">
-                        <a:lumMod val="60000"/>
-                        <a:lumOff val="40000"/>
-                      </a:schemeClr>
-                    </a:solidFill>
-                  </a:tcPr>
-                </a:tc>
-                <a:tc>
-                  <a:txBody>
-                    <a:bodyPr/>
-                    <a:lstStyle/>
-                    <a:p>
-                      <a:pPr algn="r">
-                        <a:spcAft>
-                          <a:spcPts val="0"/>
-                        </a:spcAft>
-                      </a:pPr>
-                      <a:r>
-                        <a:rPr lang="en-US" sz="900" kern="100" dirty="0">
-                          <a:effectLst/>
-                        </a:rPr>
-                        <a:t> </a:t>
-                      </a:r>
-                      <a:endParaRPr lang="zh-CN" sz="1050" kern="100" dirty="0">
-                        <a:effectLst/>
-                        <a:latin typeface="Calibri" panose="020F0502020204030204" pitchFamily="34" charset="0"/>
-                        <a:ea typeface="宋体" panose="02010600030101010101" pitchFamily="2" charset="-122"/>
-                        <a:cs typeface="Times New Roman" panose="02020603050405020304" pitchFamily="18" charset="0"/>
-                      </a:endParaRPr>
-                    </a:p>
-                  </a:txBody>
-                  <a:tcPr marL="68580" marR="68580" marT="0" marB="0" anchor="b"/>
-                </a:tc>
-                <a:tc>
-                  <a:txBody>
-                    <a:bodyPr/>
-                    <a:lstStyle/>
-                    <a:p>
-                      <a:pPr algn="r">
-                        <a:spcAft>
-                          <a:spcPts val="0"/>
-                        </a:spcAft>
-                      </a:pPr>
-                      <a:r>
-                        <a:rPr lang="en-US" sz="900" kern="100" dirty="0">
-                          <a:effectLst/>
-                        </a:rPr>
-                        <a:t> </a:t>
-                      </a:r>
-                      <a:endParaRPr lang="zh-CN" sz="1050" kern="100" dirty="0">
-                        <a:effectLst/>
-                        <a:latin typeface="Calibri" panose="020F0502020204030204" pitchFamily="34" charset="0"/>
-                        <a:ea typeface="宋体" panose="02010600030101010101" pitchFamily="2" charset="-122"/>
-                        <a:cs typeface="Times New Roman" panose="02020603050405020304" pitchFamily="18" charset="0"/>
-                      </a:endParaRPr>
-                    </a:p>
-                  </a:txBody>
-                  <a:tcPr marL="68580" marR="68580" marT="0" marB="0" anchor="b">
-                    <a:solidFill>
-                      <a:schemeClr val="accent2">
-                        <a:lumMod val="60000"/>
-                        <a:lumOff val="40000"/>
-                      </a:schemeClr>
-                    </a:solidFill>
-                  </a:tcPr>
-                </a:tc>
-              </a:tr>
-              <a:tr h="370840">
-                <a:tc>
-                  <a:txBody>
-                    <a:bodyPr/>
-                    <a:lstStyle/>
-                    <a:p>
-                      <a:pPr algn="just">
-                        <a:spcAft>
-                          <a:spcPts val="0"/>
-                        </a:spcAft>
-                      </a:pPr>
-                      <a:r>
-                        <a:rPr lang="zh-CN" sz="1200" kern="100" dirty="0">
-                          <a:effectLst/>
-                        </a:rPr>
-                        <a:t>产品整合</a:t>
-                      </a:r>
-                      <a:endParaRPr lang="zh-CN" sz="1050" kern="100" dirty="0">
-                        <a:effectLst/>
-                        <a:latin typeface="Calibri" panose="020F0502020204030204" pitchFamily="34" charset="0"/>
-                        <a:ea typeface="宋体" panose="02010600030101010101" pitchFamily="2" charset="-122"/>
-                        <a:cs typeface="Times New Roman" panose="02020603050405020304" pitchFamily="18" charset="0"/>
-                      </a:endParaRPr>
-                    </a:p>
-                  </a:txBody>
-                  <a:tcPr marL="68580" marR="68580" marT="0" marB="0" anchor="ctr"/>
-                </a:tc>
-                <a:tc>
-                  <a:txBody>
-                    <a:bodyPr/>
-                    <a:lstStyle/>
-                    <a:p>
-                      <a:pPr algn="r">
-                        <a:spcAft>
-                          <a:spcPts val="0"/>
-                        </a:spcAft>
-                      </a:pPr>
-                      <a:r>
-                        <a:rPr lang="en-US" sz="900" kern="100">
-                          <a:effectLst/>
-                        </a:rPr>
-                        <a:t> </a:t>
-                      </a:r>
-                      <a:endParaRPr lang="zh-CN" sz="1050" kern="100">
-                        <a:effectLst/>
-                        <a:latin typeface="Calibri" panose="020F0502020204030204" pitchFamily="34" charset="0"/>
-                        <a:ea typeface="宋体" panose="02010600030101010101" pitchFamily="2" charset="-122"/>
-                        <a:cs typeface="Times New Roman" panose="02020603050405020304" pitchFamily="18" charset="0"/>
-                      </a:endParaRPr>
-                    </a:p>
-                  </a:txBody>
-                  <a:tcPr marL="68580" marR="68580" marT="0" marB="0" anchor="b"/>
-                </a:tc>
-                <a:tc>
-                  <a:txBody>
-                    <a:bodyPr/>
-                    <a:lstStyle/>
-                    <a:p>
-                      <a:pPr algn="r">
-                        <a:spcAft>
-                          <a:spcPts val="0"/>
-                        </a:spcAft>
-                      </a:pPr>
-                      <a:r>
-                        <a:rPr lang="en-US" sz="900" kern="100">
-                          <a:effectLst/>
-                        </a:rPr>
-                        <a:t> </a:t>
-                      </a:r>
-                      <a:endParaRPr lang="zh-CN" sz="1050" kern="100">
-                        <a:effectLst/>
-                        <a:latin typeface="Calibri" panose="020F0502020204030204" pitchFamily="34" charset="0"/>
-                        <a:ea typeface="宋体" panose="02010600030101010101" pitchFamily="2" charset="-122"/>
-                        <a:cs typeface="Times New Roman" panose="02020603050405020304" pitchFamily="18" charset="0"/>
-                      </a:endParaRPr>
-                    </a:p>
-                  </a:txBody>
-                  <a:tcPr marL="68580" marR="68580" marT="0" marB="0" anchor="b"/>
-                </a:tc>
-                <a:tc>
-                  <a:txBody>
-                    <a:bodyPr/>
-                    <a:lstStyle/>
-                    <a:p>
-                      <a:pPr algn="r">
-                        <a:spcAft>
-                          <a:spcPts val="0"/>
-                        </a:spcAft>
-                      </a:pPr>
-                      <a:r>
-                        <a:rPr lang="en-US" sz="900" kern="100" dirty="0">
-                          <a:effectLst/>
-                        </a:rPr>
-                        <a:t> </a:t>
-                      </a:r>
-                      <a:endParaRPr lang="zh-CN" sz="1050" kern="100" dirty="0">
-                        <a:effectLst/>
-                        <a:latin typeface="Calibri" panose="020F0502020204030204" pitchFamily="34" charset="0"/>
-                        <a:ea typeface="宋体" panose="02010600030101010101" pitchFamily="2" charset="-122"/>
-                        <a:cs typeface="Times New Roman" panose="02020603050405020304" pitchFamily="18" charset="0"/>
-                      </a:endParaRPr>
-                    </a:p>
-                  </a:txBody>
-                  <a:tcPr marL="68580" marR="68580" marT="0" marB="0" anchor="b">
-                    <a:solidFill>
-                      <a:schemeClr val="accent2">
-                        <a:lumMod val="60000"/>
-                        <a:lumOff val="40000"/>
-                      </a:schemeClr>
-                    </a:solidFill>
-                  </a:tcPr>
-                </a:tc>
-                <a:tc>
-                  <a:txBody>
-                    <a:bodyPr/>
-                    <a:lstStyle/>
-                    <a:p>
-                      <a:pPr algn="r">
-                        <a:spcAft>
-                          <a:spcPts val="0"/>
-                        </a:spcAft>
-                      </a:pPr>
-                      <a:r>
-                        <a:rPr lang="en-US" sz="900" kern="100" dirty="0">
-                          <a:effectLst/>
-                        </a:rPr>
-                        <a:t> </a:t>
-                      </a:r>
-                      <a:endParaRPr lang="zh-CN" sz="1050" kern="100" dirty="0">
-                        <a:effectLst/>
-                        <a:latin typeface="Calibri" panose="020F0502020204030204" pitchFamily="34" charset="0"/>
-                        <a:ea typeface="宋体" panose="02010600030101010101" pitchFamily="2" charset="-122"/>
-                        <a:cs typeface="Times New Roman" panose="02020603050405020304" pitchFamily="18" charset="0"/>
-                      </a:endParaRPr>
-                    </a:p>
-                  </a:txBody>
-                  <a:tcPr marL="68580" marR="68580" marT="0" marB="0" anchor="b">
-                    <a:solidFill>
-                      <a:schemeClr val="accent2">
-                        <a:lumMod val="60000"/>
-                        <a:lumOff val="40000"/>
-                      </a:schemeClr>
-                    </a:solidFill>
-                  </a:tcPr>
-                </a:tc>
-                <a:tc>
-                  <a:txBody>
-                    <a:bodyPr/>
-                    <a:lstStyle/>
-                    <a:p>
-                      <a:pPr algn="r">
-                        <a:spcAft>
-                          <a:spcPts val="0"/>
-                        </a:spcAft>
-                      </a:pPr>
-                      <a:r>
-                        <a:rPr lang="en-US" sz="900" kern="100" dirty="0">
-                          <a:effectLst/>
-                        </a:rPr>
-                        <a:t> </a:t>
-                      </a:r>
-                      <a:endParaRPr lang="zh-CN" sz="1050" kern="100" dirty="0">
-                        <a:effectLst/>
-                        <a:latin typeface="Calibri" panose="020F0502020204030204" pitchFamily="34" charset="0"/>
-                        <a:ea typeface="宋体" panose="02010600030101010101" pitchFamily="2" charset="-122"/>
-                        <a:cs typeface="Times New Roman" panose="02020603050405020304" pitchFamily="18" charset="0"/>
-                      </a:endParaRPr>
-                    </a:p>
-                  </a:txBody>
-                  <a:tcPr marL="68580" marR="68580" marT="0" marB="0" anchor="b">
-                    <a:solidFill>
-                      <a:schemeClr val="accent2">
-                        <a:lumMod val="60000"/>
-                        <a:lumOff val="40000"/>
-                      </a:schemeClr>
-                    </a:solidFill>
-                  </a:tcPr>
-                </a:tc>
-              </a:tr>
-            </a:tbl>
-          </a:graphicData>
-        </a:graphic>
-      </p:graphicFrame>
-      <p:sp>
-        <p:nvSpPr>
-          <p:cNvPr id="11" name="Content Placeholder 10"/>
-          <p:cNvSpPr>
-            <a:spLocks noGrp="1"/>
-          </p:cNvSpPr>
-          <p:nvPr>
-            <p:ph sz="half" idx="1"/>
-          </p:nvPr>
-        </p:nvSpPr>
-        <p:spPr>
-          <a:xfrm>
-            <a:off x="628650" y="1407825"/>
-            <a:ext cx="3714750" cy="4769138"/>
-          </a:xfrm>
-        </p:spPr>
-        <p:txBody>
-          <a:bodyPr>
-            <a:normAutofit/>
-          </a:bodyPr>
-          <a:lstStyle/>
-          <a:p>
-            <a:pPr lvl="0">
-              <a:lnSpc>
-                <a:spcPct val="150000"/>
-              </a:lnSpc>
-            </a:pPr>
-            <a:r>
-              <a:rPr lang="zh-CN" altLang="zh-CN" sz="1400" dirty="0"/>
-              <a:t>基础课程系列</a:t>
-            </a:r>
-          </a:p>
-          <a:p>
-            <a:pPr marL="457200" lvl="3">
-              <a:lnSpc>
-                <a:spcPct val="150000"/>
-              </a:lnSpc>
-              <a:spcBef>
-                <a:spcPts val="0"/>
-              </a:spcBef>
-            </a:pPr>
-            <a:r>
-              <a:rPr lang="zh-CN" altLang="zh-CN" b="1" dirty="0"/>
-              <a:t>基本素养</a:t>
-            </a:r>
-            <a:r>
-              <a:rPr lang="zh-CN" altLang="zh-CN" dirty="0"/>
-              <a:t>：跨学科导引课，知识产权、法律、市场、媒体整合体验</a:t>
-            </a:r>
-          </a:p>
-          <a:p>
-            <a:pPr marL="457200" lvl="3">
-              <a:lnSpc>
-                <a:spcPct val="150000"/>
-              </a:lnSpc>
-              <a:spcBef>
-                <a:spcPts val="0"/>
-              </a:spcBef>
-            </a:pPr>
-            <a:r>
-              <a:rPr lang="zh-CN" altLang="zh-CN" b="1" dirty="0"/>
-              <a:t>设计方法</a:t>
-            </a:r>
-            <a:r>
-              <a:rPr lang="zh-CN" altLang="zh-CN" dirty="0"/>
-              <a:t>：交互设计，信息设计，服务设计</a:t>
-            </a:r>
-          </a:p>
-          <a:p>
-            <a:pPr marL="457200" lvl="3">
-              <a:lnSpc>
-                <a:spcPct val="150000"/>
-              </a:lnSpc>
-              <a:spcBef>
-                <a:spcPts val="0"/>
-              </a:spcBef>
-            </a:pPr>
-            <a:r>
-              <a:rPr lang="zh-CN" altLang="zh-CN" b="1" dirty="0"/>
-              <a:t>产品战略</a:t>
-            </a:r>
-            <a:r>
-              <a:rPr lang="zh-CN" altLang="zh-CN" dirty="0"/>
-              <a:t>：个人发展战略、行业调研、全球供应链、国际贸易等</a:t>
-            </a:r>
-          </a:p>
-          <a:p>
-            <a:pPr marL="457200" lvl="3">
-              <a:lnSpc>
-                <a:spcPct val="150000"/>
-              </a:lnSpc>
-              <a:spcBef>
-                <a:spcPts val="0"/>
-              </a:spcBef>
-            </a:pPr>
-            <a:r>
-              <a:rPr lang="zh-CN" altLang="zh-CN" b="1" dirty="0"/>
-              <a:t>实践实现</a:t>
-            </a:r>
-            <a:r>
-              <a:rPr lang="zh-CN" altLang="zh-CN" dirty="0"/>
-              <a:t>：工程设计，加工制造，材料，加工工艺，数控加工等</a:t>
-            </a:r>
-          </a:p>
-          <a:p>
-            <a:pPr marL="457200" lvl="3">
-              <a:lnSpc>
-                <a:spcPct val="150000"/>
-              </a:lnSpc>
-              <a:spcBef>
-                <a:spcPts val="0"/>
-              </a:spcBef>
-            </a:pPr>
-            <a:r>
-              <a:rPr lang="zh-CN" altLang="zh-CN" b="1" dirty="0"/>
-              <a:t>产品整合</a:t>
-            </a:r>
-            <a:r>
-              <a:rPr lang="zh-CN" altLang="zh-CN" dirty="0"/>
-              <a:t>：系统集成</a:t>
-            </a:r>
-            <a:r>
-              <a:rPr lang="zh-CN" altLang="zh-CN" dirty="0" smtClean="0"/>
-              <a:t>设计</a:t>
-            </a:r>
-            <a:endParaRPr lang="zh-CN" altLang="zh-CN" dirty="0"/>
-          </a:p>
-        </p:txBody>
-      </p:sp>
-    </p:spTree>
-    <p:extLst>
-      <p:ext uri="{BB962C8B-B14F-4D97-AF65-F5344CB8AC3E}">
-        <p14:creationId xmlns:p14="http://schemas.microsoft.com/office/powerpoint/2010/main" val="740928500"/>
-      </p:ext>
-    </p:extLst>
-  </p:cSld>
-  <p:clrMapOvr>
-    <a:masterClrMapping/>
-  </p:clrMapOvr>
-</p:sld>
-</file>
-
 <file path=ppt/theme/theme1.xml><?xml version="1.0" encoding="utf-8"?>
 <a:theme xmlns:a="http://schemas.openxmlformats.org/drawingml/2006/main" name="Office Theme">
   <a:themeElements>

--- a/训练中心创客交叉融合空间建设/doc/创客融合空间运行模式.pptx
+++ b/训练中心创客交叉融合空间建设/doc/创客融合空间运行模式.pptx
@@ -117,7 +117,7 @@
   </p:defaultTextStyle>
   <p:extLst>
     <p:ext uri="{EFAFB233-063F-42B5-8137-9DF3F51BA10A}">
-      <p15:sldGuideLst xmlns:p15="http://schemas.microsoft.com/office/powerpoint/2012/main" xmlns="">
+      <p15:sldGuideLst xmlns:p15="http://schemas.microsoft.com/office/powerpoint/2012/main">
         <p15:guide id="1" orient="horz" pos="2160">
           <p15:clr>
             <a:srgbClr val="A4A3A4"/>
@@ -3566,6 +3566,13 @@
         </dgm:presLayoutVars>
       </dgm:prSet>
       <dgm:spPr/>
+      <dgm:t>
+        <a:bodyPr/>
+        <a:lstStyle/>
+        <a:p>
+          <a:endParaRPr lang="zh-CN" altLang="en-US"/>
+        </a:p>
+      </dgm:t>
     </dgm:pt>
     <dgm:pt modelId="{70559BE6-7C38-9043-B2A1-D40DA655C920}" type="pres">
       <dgm:prSet presAssocID="{9503656F-D5EB-FA44-A55B-46AC63036DA7}" presName="cycle" presStyleCnt="0"/>
@@ -3600,6 +3607,13 @@
     <dgm:pt modelId="{51D9DE5C-9A61-0B4D-9B77-C5A23E9EDEE3}" type="pres">
       <dgm:prSet presAssocID="{F3B92C7F-5B61-1245-A0CB-EFDEF293FE21}" presName="Name25" presStyleLbl="parChTrans1D1" presStyleIdx="0" presStyleCnt="3"/>
       <dgm:spPr/>
+      <dgm:t>
+        <a:bodyPr/>
+        <a:lstStyle/>
+        <a:p>
+          <a:endParaRPr lang="zh-CN" altLang="en-US"/>
+        </a:p>
+      </dgm:t>
     </dgm:pt>
     <dgm:pt modelId="{1A6F8F63-068C-424C-BA71-60E87740BDA2}" type="pres">
       <dgm:prSet presAssocID="{92557460-CE8C-9240-8C36-D7592C48D842}" presName="node" presStyleCnt="0"/>
@@ -3639,6 +3653,13 @@
     <dgm:pt modelId="{31292AF0-E473-434F-91EB-40F8E9072548}" type="pres">
       <dgm:prSet presAssocID="{B9C04C7E-D784-B946-9D26-D20052D58550}" presName="Name25" presStyleLbl="parChTrans1D1" presStyleIdx="1" presStyleCnt="3"/>
       <dgm:spPr/>
+      <dgm:t>
+        <a:bodyPr/>
+        <a:lstStyle/>
+        <a:p>
+          <a:endParaRPr lang="zh-CN" altLang="en-US"/>
+        </a:p>
+      </dgm:t>
     </dgm:pt>
     <dgm:pt modelId="{7CF1996F-CF9E-D14B-A28B-9D4599D9F239}" type="pres">
       <dgm:prSet presAssocID="{CD9FE41A-2544-2046-A4D4-E24B5963AA69}" presName="node" presStyleCnt="0"/>
@@ -3652,6 +3673,13 @@
         </dgm:presLayoutVars>
       </dgm:prSet>
       <dgm:spPr/>
+      <dgm:t>
+        <a:bodyPr/>
+        <a:lstStyle/>
+        <a:p>
+          <a:endParaRPr lang="zh-CN" altLang="en-US"/>
+        </a:p>
+      </dgm:t>
     </dgm:pt>
     <dgm:pt modelId="{93FD11C0-BF14-654B-966D-7E028472E0AA}" type="pres">
       <dgm:prSet presAssocID="{CD9FE41A-2544-2046-A4D4-E24B5963AA69}" presName="childNode" presStyleLbl="revTx" presStyleIdx="1" presStyleCnt="3">
@@ -3671,6 +3699,13 @@
     <dgm:pt modelId="{D1E8FD3E-65FC-3149-B1D0-1B4B0CB32D6F}" type="pres">
       <dgm:prSet presAssocID="{F287279D-8F93-2941-AC87-74E24E1B170B}" presName="Name25" presStyleLbl="parChTrans1D1" presStyleIdx="2" presStyleCnt="3"/>
       <dgm:spPr/>
+      <dgm:t>
+        <a:bodyPr/>
+        <a:lstStyle/>
+        <a:p>
+          <a:endParaRPr lang="zh-CN" altLang="en-US"/>
+        </a:p>
+      </dgm:t>
     </dgm:pt>
     <dgm:pt modelId="{14C8B5A2-C613-D248-9924-C513EF19CEE7}" type="pres">
       <dgm:prSet presAssocID="{BC668C3F-37A8-E443-9CAB-1B07A6A0C08E}" presName="node" presStyleCnt="0"/>
@@ -3684,6 +3719,13 @@
         </dgm:presLayoutVars>
       </dgm:prSet>
       <dgm:spPr/>
+      <dgm:t>
+        <a:bodyPr/>
+        <a:lstStyle/>
+        <a:p>
+          <a:endParaRPr lang="zh-CN" altLang="en-US"/>
+        </a:p>
+      </dgm:t>
     </dgm:pt>
     <dgm:pt modelId="{69318C12-B89A-2F4D-A4E4-EEC97CB80358}" type="pres">
       <dgm:prSet presAssocID="{BC668C3F-37A8-E443-9CAB-1B07A6A0C08E}" presName="childNode" presStyleLbl="revTx" presStyleIdx="2" presStyleCnt="3">
@@ -3702,34 +3744,34 @@
     </dgm:pt>
   </dgm:ptLst>
   <dgm:cxnLst>
+    <dgm:cxn modelId="{4C72C277-64CC-B347-A8F2-FB7B92A406A6}" srcId="{BC668C3F-37A8-E443-9CAB-1B07A6A0C08E}" destId="{E8B57B2F-F1C5-1D4C-B952-B0744070E083}" srcOrd="2" destOrd="0" parTransId="{6E744E35-129A-3B47-B7D8-D93347FFDFB6}" sibTransId="{0A32D6DA-83D0-0441-8E69-C53881C8D9DC}"/>
+    <dgm:cxn modelId="{C4FF78FA-F4D6-E048-B200-56BF4309022E}" type="presOf" srcId="{6E11B85C-971B-4B44-9EB0-1ED0F94A460A}" destId="{69318C12-B89A-2F4D-A4E4-EEC97CB80358}" srcOrd="0" destOrd="1" presId="urn:microsoft.com/office/officeart/2005/8/layout/radial2"/>
+    <dgm:cxn modelId="{A0C03056-D757-B646-B7A2-E1806B0BDD84}" srcId="{92557460-CE8C-9240-8C36-D7592C48D842}" destId="{A30AAF0F-E679-7643-85E7-206728E9C3EB}" srcOrd="2" destOrd="0" parTransId="{FF952573-12EA-9247-94A9-A034ACDDBDF3}" sibTransId="{ED0928BA-6CF7-A140-AAE9-8E17C1506328}"/>
+    <dgm:cxn modelId="{E5C595B0-6354-9D47-B6DC-DDBE3ACDA9F1}" type="presOf" srcId="{B9C1DC7F-F77C-D441-BAA3-A7B0773D2DFD}" destId="{93FD11C0-BF14-654B-966D-7E028472E0AA}" srcOrd="0" destOrd="0" presId="urn:microsoft.com/office/officeart/2005/8/layout/radial2"/>
+    <dgm:cxn modelId="{A1550C7B-FD61-B44C-AB9D-03FF59470537}" type="presOf" srcId="{A30AAF0F-E679-7643-85E7-206728E9C3EB}" destId="{4BC8FDB8-FA2C-A54F-BBFB-0E5EBBA45710}" srcOrd="0" destOrd="2" presId="urn:microsoft.com/office/officeart/2005/8/layout/radial2"/>
+    <dgm:cxn modelId="{39720887-8A5F-7D4C-BF38-FFDA0511E247}" srcId="{CD9FE41A-2544-2046-A4D4-E24B5963AA69}" destId="{B9C1DC7F-F77C-D441-BAA3-A7B0773D2DFD}" srcOrd="0" destOrd="0" parTransId="{299B7C4D-CE07-B940-93AA-0C4303DC41DA}" sibTransId="{B7E14FA5-DB5E-2544-9B26-6B1B1955899E}"/>
+    <dgm:cxn modelId="{38B5FD30-441B-BA4C-A1B8-5C8E24FC0DB6}" type="presOf" srcId="{F287279D-8F93-2941-AC87-74E24E1B170B}" destId="{D1E8FD3E-65FC-3149-B1D0-1B4B0CB32D6F}" srcOrd="0" destOrd="0" presId="urn:microsoft.com/office/officeart/2005/8/layout/radial2"/>
+    <dgm:cxn modelId="{87EB295A-5D70-9142-B1BD-6FB5EFCE32A9}" type="presOf" srcId="{1BD16E13-CB42-CA44-8311-1301D571FFA2}" destId="{93FD11C0-BF14-654B-966D-7E028472E0AA}" srcOrd="0" destOrd="1" presId="urn:microsoft.com/office/officeart/2005/8/layout/radial2"/>
+    <dgm:cxn modelId="{B3D654E3-AF3E-9E43-A70A-5A1C1A557DC1}" type="presOf" srcId="{9503656F-D5EB-FA44-A55B-46AC63036DA7}" destId="{422FA13B-FD7B-4042-9C69-E0650E8737A8}" srcOrd="0" destOrd="0" presId="urn:microsoft.com/office/officeart/2005/8/layout/radial2"/>
+    <dgm:cxn modelId="{63B54D10-6C02-1947-8C7B-541CF46AC70A}" type="presOf" srcId="{9C35D822-CDEB-6B4F-9BEF-336106BE1F7F}" destId="{69318C12-B89A-2F4D-A4E4-EEC97CB80358}" srcOrd="0" destOrd="0" presId="urn:microsoft.com/office/officeart/2005/8/layout/radial2"/>
+    <dgm:cxn modelId="{C437E3F6-4696-9446-BF9B-CEE1FFA68592}" srcId="{CD9FE41A-2544-2046-A4D4-E24B5963AA69}" destId="{1BD16E13-CB42-CA44-8311-1301D571FFA2}" srcOrd="1" destOrd="0" parTransId="{2034E14A-A419-C344-991E-E071133202C9}" sibTransId="{19D343D0-0DF7-6442-866E-B754DA938400}"/>
+    <dgm:cxn modelId="{E00E8518-C7D4-CB47-807C-D8E42F8E07F0}" srcId="{92557460-CE8C-9240-8C36-D7592C48D842}" destId="{5FDFE369-EE4C-0441-87B4-76653F2BF7E0}" srcOrd="0" destOrd="0" parTransId="{A37D9D88-6FB8-7842-A078-E692A258CF3C}" sibTransId="{07DFC640-D230-7445-92CC-449BE639471A}"/>
+    <dgm:cxn modelId="{85D62829-EC4A-C542-84B5-83144D033340}" srcId="{9503656F-D5EB-FA44-A55B-46AC63036DA7}" destId="{BC668C3F-37A8-E443-9CAB-1B07A6A0C08E}" srcOrd="2" destOrd="0" parTransId="{F287279D-8F93-2941-AC87-74E24E1B170B}" sibTransId="{8C4EEA3C-1DC1-1041-8BD1-4DF456F96545}"/>
+    <dgm:cxn modelId="{FC686B6A-D484-F749-8561-0ADAD23AA8FA}" type="presOf" srcId="{BC668C3F-37A8-E443-9CAB-1B07A6A0C08E}" destId="{947B587B-0404-E34F-8D0F-B385C5157D3A}" srcOrd="0" destOrd="0" presId="urn:microsoft.com/office/officeart/2005/8/layout/radial2"/>
+    <dgm:cxn modelId="{AC5F48B1-7AC3-5748-A1BC-8E6BDC6AF031}" srcId="{92557460-CE8C-9240-8C36-D7592C48D842}" destId="{81F1F45D-FC55-C84A-B913-679F415D0185}" srcOrd="1" destOrd="0" parTransId="{63C2627B-7FD3-9D4A-B98F-E977B116225B}" sibTransId="{A9C09479-8505-EF4A-834A-5C73B5E7A2F8}"/>
+    <dgm:cxn modelId="{8E21CB5D-422A-9443-88F5-C1BA3A6393BF}" srcId="{BC668C3F-37A8-E443-9CAB-1B07A6A0C08E}" destId="{6E11B85C-971B-4B44-9EB0-1ED0F94A460A}" srcOrd="1" destOrd="0" parTransId="{526611AE-C998-2F43-9298-DA7157DCF3B3}" sibTransId="{33EF1F21-687A-4647-883A-4410D6BD693A}"/>
     <dgm:cxn modelId="{AA14112D-59F6-144C-BE7B-27387EA45BA5}" type="presOf" srcId="{CD9FE41A-2544-2046-A4D4-E24B5963AA69}" destId="{A7CBA3CC-6F14-224F-AC42-F6988A4DA2D0}" srcOrd="0" destOrd="0" presId="urn:microsoft.com/office/officeart/2005/8/layout/radial2"/>
-    <dgm:cxn modelId="{E00E8518-C7D4-CB47-807C-D8E42F8E07F0}" srcId="{92557460-CE8C-9240-8C36-D7592C48D842}" destId="{5FDFE369-EE4C-0441-87B4-76653F2BF7E0}" srcOrd="0" destOrd="0" parTransId="{A37D9D88-6FB8-7842-A078-E692A258CF3C}" sibTransId="{07DFC640-D230-7445-92CC-449BE639471A}"/>
-    <dgm:cxn modelId="{B3D654E3-AF3E-9E43-A70A-5A1C1A557DC1}" type="presOf" srcId="{9503656F-D5EB-FA44-A55B-46AC63036DA7}" destId="{422FA13B-FD7B-4042-9C69-E0650E8737A8}" srcOrd="0" destOrd="0" presId="urn:microsoft.com/office/officeart/2005/8/layout/radial2"/>
+    <dgm:cxn modelId="{DC5DD9FF-46C2-234E-94D8-B300A25D76C7}" type="presOf" srcId="{F3B92C7F-5B61-1245-A0CB-EFDEF293FE21}" destId="{51D9DE5C-9A61-0B4D-9B77-C5A23E9EDEE3}" srcOrd="0" destOrd="0" presId="urn:microsoft.com/office/officeart/2005/8/layout/radial2"/>
+    <dgm:cxn modelId="{84918F08-CAC5-B449-85C2-D1A099966472}" srcId="{CD9FE41A-2544-2046-A4D4-E24B5963AA69}" destId="{19CB4A1C-5D2E-EC49-9115-5EB49FA0415E}" srcOrd="2" destOrd="0" parTransId="{7C2690E3-981C-224D-BCE1-BC8DED37BFF3}" sibTransId="{78FCE33E-E4C8-6342-95CF-BEC7AAC89D0E}"/>
+    <dgm:cxn modelId="{9C1CC5C5-9677-F04A-A400-45CC61AD24D0}" type="presOf" srcId="{5FDFE369-EE4C-0441-87B4-76653F2BF7E0}" destId="{4BC8FDB8-FA2C-A54F-BBFB-0E5EBBA45710}" srcOrd="0" destOrd="0" presId="urn:microsoft.com/office/officeart/2005/8/layout/radial2"/>
+    <dgm:cxn modelId="{3259BC58-EC43-C944-BA54-94E4F3015C4A}" type="presOf" srcId="{B9C04C7E-D784-B946-9D26-D20052D58550}" destId="{31292AF0-E473-434F-91EB-40F8E9072548}" srcOrd="0" destOrd="0" presId="urn:microsoft.com/office/officeart/2005/8/layout/radial2"/>
     <dgm:cxn modelId="{7791706E-009D-8242-A3B0-BC8AAD526EA5}" srcId="{9503656F-D5EB-FA44-A55B-46AC63036DA7}" destId="{92557460-CE8C-9240-8C36-D7592C48D842}" srcOrd="0" destOrd="0" parTransId="{F3B92C7F-5B61-1245-A0CB-EFDEF293FE21}" sibTransId="{53A6612D-DF3B-1F4F-B115-1F7616081796}"/>
-    <dgm:cxn modelId="{4C72C277-64CC-B347-A8F2-FB7B92A406A6}" srcId="{BC668C3F-37A8-E443-9CAB-1B07A6A0C08E}" destId="{E8B57B2F-F1C5-1D4C-B952-B0744070E083}" srcOrd="2" destOrd="0" parTransId="{6E744E35-129A-3B47-B7D8-D93347FFDFB6}" sibTransId="{0A32D6DA-83D0-0441-8E69-C53881C8D9DC}"/>
-    <dgm:cxn modelId="{63B54D10-6C02-1947-8C7B-541CF46AC70A}" type="presOf" srcId="{9C35D822-CDEB-6B4F-9BEF-336106BE1F7F}" destId="{69318C12-B89A-2F4D-A4E4-EEC97CB80358}" srcOrd="0" destOrd="0" presId="urn:microsoft.com/office/officeart/2005/8/layout/radial2"/>
-    <dgm:cxn modelId="{38B5FD30-441B-BA4C-A1B8-5C8E24FC0DB6}" type="presOf" srcId="{F287279D-8F93-2941-AC87-74E24E1B170B}" destId="{D1E8FD3E-65FC-3149-B1D0-1B4B0CB32D6F}" srcOrd="0" destOrd="0" presId="urn:microsoft.com/office/officeart/2005/8/layout/radial2"/>
-    <dgm:cxn modelId="{9C1CC5C5-9677-F04A-A400-45CC61AD24D0}" type="presOf" srcId="{5FDFE369-EE4C-0441-87B4-76653F2BF7E0}" destId="{4BC8FDB8-FA2C-A54F-BBFB-0E5EBBA45710}" srcOrd="0" destOrd="0" presId="urn:microsoft.com/office/officeart/2005/8/layout/radial2"/>
     <dgm:cxn modelId="{DD4D0541-B36A-1D4A-BC0E-4D2EFF347118}" type="presOf" srcId="{19CB4A1C-5D2E-EC49-9115-5EB49FA0415E}" destId="{93FD11C0-BF14-654B-966D-7E028472E0AA}" srcOrd="0" destOrd="2" presId="urn:microsoft.com/office/officeart/2005/8/layout/radial2"/>
-    <dgm:cxn modelId="{85D62829-EC4A-C542-84B5-83144D033340}" srcId="{9503656F-D5EB-FA44-A55B-46AC63036DA7}" destId="{BC668C3F-37A8-E443-9CAB-1B07A6A0C08E}" srcOrd="2" destOrd="0" parTransId="{F287279D-8F93-2941-AC87-74E24E1B170B}" sibTransId="{8C4EEA3C-1DC1-1041-8BD1-4DF456F96545}"/>
-    <dgm:cxn modelId="{E5C595B0-6354-9D47-B6DC-DDBE3ACDA9F1}" type="presOf" srcId="{B9C1DC7F-F77C-D441-BAA3-A7B0773D2DFD}" destId="{93FD11C0-BF14-654B-966D-7E028472E0AA}" srcOrd="0" destOrd="0" presId="urn:microsoft.com/office/officeart/2005/8/layout/radial2"/>
+    <dgm:cxn modelId="{DB40743F-6DC3-124D-B6E7-F52C62E84A6A}" srcId="{9503656F-D5EB-FA44-A55B-46AC63036DA7}" destId="{CD9FE41A-2544-2046-A4D4-E24B5963AA69}" srcOrd="1" destOrd="0" parTransId="{B9C04C7E-D784-B946-9D26-D20052D58550}" sibTransId="{7F368257-9D80-F841-A24D-1FC3DD7C2662}"/>
     <dgm:cxn modelId="{1A60DED9-BE54-EF42-A4DB-85A148BF24A2}" type="presOf" srcId="{E8B57B2F-F1C5-1D4C-B952-B0744070E083}" destId="{69318C12-B89A-2F4D-A4E4-EEC97CB80358}" srcOrd="0" destOrd="2" presId="urn:microsoft.com/office/officeart/2005/8/layout/radial2"/>
+    <dgm:cxn modelId="{F80B8703-D7CF-5840-BC12-038F5D414EB5}" srcId="{BC668C3F-37A8-E443-9CAB-1B07A6A0C08E}" destId="{9C35D822-CDEB-6B4F-9BEF-336106BE1F7F}" srcOrd="0" destOrd="0" parTransId="{48E59131-968E-2949-8B21-35DCAB33D8CA}" sibTransId="{BCCFA9DF-C7AC-FA40-BDBE-11D6ADF31F72}"/>
     <dgm:cxn modelId="{BB9CB088-BC1E-724F-84D7-CEDE307B16A5}" type="presOf" srcId="{81F1F45D-FC55-C84A-B913-679F415D0185}" destId="{4BC8FDB8-FA2C-A54F-BBFB-0E5EBBA45710}" srcOrd="0" destOrd="1" presId="urn:microsoft.com/office/officeart/2005/8/layout/radial2"/>
-    <dgm:cxn modelId="{DC5DD9FF-46C2-234E-94D8-B300A25D76C7}" type="presOf" srcId="{F3B92C7F-5B61-1245-A0CB-EFDEF293FE21}" destId="{51D9DE5C-9A61-0B4D-9B77-C5A23E9EDEE3}" srcOrd="0" destOrd="0" presId="urn:microsoft.com/office/officeart/2005/8/layout/radial2"/>
-    <dgm:cxn modelId="{A0C03056-D757-B646-B7A2-E1806B0BDD84}" srcId="{92557460-CE8C-9240-8C36-D7592C48D842}" destId="{A30AAF0F-E679-7643-85E7-206728E9C3EB}" srcOrd="2" destOrd="0" parTransId="{FF952573-12EA-9247-94A9-A034ACDDBDF3}" sibTransId="{ED0928BA-6CF7-A140-AAE9-8E17C1506328}"/>
-    <dgm:cxn modelId="{87EB295A-5D70-9142-B1BD-6FB5EFCE32A9}" type="presOf" srcId="{1BD16E13-CB42-CA44-8311-1301D571FFA2}" destId="{93FD11C0-BF14-654B-966D-7E028472E0AA}" srcOrd="0" destOrd="1" presId="urn:microsoft.com/office/officeart/2005/8/layout/radial2"/>
-    <dgm:cxn modelId="{39720887-8A5F-7D4C-BF38-FFDA0511E247}" srcId="{CD9FE41A-2544-2046-A4D4-E24B5963AA69}" destId="{B9C1DC7F-F77C-D441-BAA3-A7B0773D2DFD}" srcOrd="0" destOrd="0" parTransId="{299B7C4D-CE07-B940-93AA-0C4303DC41DA}" sibTransId="{B7E14FA5-DB5E-2544-9B26-6B1B1955899E}"/>
-    <dgm:cxn modelId="{AC5F48B1-7AC3-5748-A1BC-8E6BDC6AF031}" srcId="{92557460-CE8C-9240-8C36-D7592C48D842}" destId="{81F1F45D-FC55-C84A-B913-679F415D0185}" srcOrd="1" destOrd="0" parTransId="{63C2627B-7FD3-9D4A-B98F-E977B116225B}" sibTransId="{A9C09479-8505-EF4A-834A-5C73B5E7A2F8}"/>
-    <dgm:cxn modelId="{DB40743F-6DC3-124D-B6E7-F52C62E84A6A}" srcId="{9503656F-D5EB-FA44-A55B-46AC63036DA7}" destId="{CD9FE41A-2544-2046-A4D4-E24B5963AA69}" srcOrd="1" destOrd="0" parTransId="{B9C04C7E-D784-B946-9D26-D20052D58550}" sibTransId="{7F368257-9D80-F841-A24D-1FC3DD7C2662}"/>
     <dgm:cxn modelId="{6C97102F-F863-9F41-BCF7-5CF61D827D58}" type="presOf" srcId="{92557460-CE8C-9240-8C36-D7592C48D842}" destId="{401C9C7D-BF32-6149-9A0B-8A464876CDD2}" srcOrd="0" destOrd="0" presId="urn:microsoft.com/office/officeart/2005/8/layout/radial2"/>
-    <dgm:cxn modelId="{C437E3F6-4696-9446-BF9B-CEE1FFA68592}" srcId="{CD9FE41A-2544-2046-A4D4-E24B5963AA69}" destId="{1BD16E13-CB42-CA44-8311-1301D571FFA2}" srcOrd="1" destOrd="0" parTransId="{2034E14A-A419-C344-991E-E071133202C9}" sibTransId="{19D343D0-0DF7-6442-866E-B754DA938400}"/>
-    <dgm:cxn modelId="{A1550C7B-FD61-B44C-AB9D-03FF59470537}" type="presOf" srcId="{A30AAF0F-E679-7643-85E7-206728E9C3EB}" destId="{4BC8FDB8-FA2C-A54F-BBFB-0E5EBBA45710}" srcOrd="0" destOrd="2" presId="urn:microsoft.com/office/officeart/2005/8/layout/radial2"/>
-    <dgm:cxn modelId="{84918F08-CAC5-B449-85C2-D1A099966472}" srcId="{CD9FE41A-2544-2046-A4D4-E24B5963AA69}" destId="{19CB4A1C-5D2E-EC49-9115-5EB49FA0415E}" srcOrd="2" destOrd="0" parTransId="{7C2690E3-981C-224D-BCE1-BC8DED37BFF3}" sibTransId="{78FCE33E-E4C8-6342-95CF-BEC7AAC89D0E}"/>
-    <dgm:cxn modelId="{F80B8703-D7CF-5840-BC12-038F5D414EB5}" srcId="{BC668C3F-37A8-E443-9CAB-1B07A6A0C08E}" destId="{9C35D822-CDEB-6B4F-9BEF-336106BE1F7F}" srcOrd="0" destOrd="0" parTransId="{48E59131-968E-2949-8B21-35DCAB33D8CA}" sibTransId="{BCCFA9DF-C7AC-FA40-BDBE-11D6ADF31F72}"/>
-    <dgm:cxn modelId="{3259BC58-EC43-C944-BA54-94E4F3015C4A}" type="presOf" srcId="{B9C04C7E-D784-B946-9D26-D20052D58550}" destId="{31292AF0-E473-434F-91EB-40F8E9072548}" srcOrd="0" destOrd="0" presId="urn:microsoft.com/office/officeart/2005/8/layout/radial2"/>
-    <dgm:cxn modelId="{8E21CB5D-422A-9443-88F5-C1BA3A6393BF}" srcId="{BC668C3F-37A8-E443-9CAB-1B07A6A0C08E}" destId="{6E11B85C-971B-4B44-9EB0-1ED0F94A460A}" srcOrd="1" destOrd="0" parTransId="{526611AE-C998-2F43-9298-DA7157DCF3B3}" sibTransId="{33EF1F21-687A-4647-883A-4410D6BD693A}"/>
-    <dgm:cxn modelId="{FC686B6A-D484-F749-8561-0ADAD23AA8FA}" type="presOf" srcId="{BC668C3F-37A8-E443-9CAB-1B07A6A0C08E}" destId="{947B587B-0404-E34F-8D0F-B385C5157D3A}" srcOrd="0" destOrd="0" presId="urn:microsoft.com/office/officeart/2005/8/layout/radial2"/>
-    <dgm:cxn modelId="{C4FF78FA-F4D6-E048-B200-56BF4309022E}" type="presOf" srcId="{6E11B85C-971B-4B44-9EB0-1ED0F94A460A}" destId="{69318C12-B89A-2F4D-A4E4-EEC97CB80358}" srcOrd="0" destOrd="1" presId="urn:microsoft.com/office/officeart/2005/8/layout/radial2"/>
     <dgm:cxn modelId="{D6F7106B-608D-214E-AC4F-1A7FCCE7505B}" type="presParOf" srcId="{422FA13B-FD7B-4042-9C69-E0650E8737A8}" destId="{70559BE6-7C38-9043-B2A1-D40DA655C920}" srcOrd="0" destOrd="0" presId="urn:microsoft.com/office/officeart/2005/8/layout/radial2"/>
     <dgm:cxn modelId="{6D58D11B-BE80-8E4F-8CC7-69FEAC8C5328}" type="presParOf" srcId="{70559BE6-7C38-9043-B2A1-D40DA655C920}" destId="{38FDA6D6-8C49-7744-A172-D769086CF52B}" srcOrd="0" destOrd="0" presId="urn:microsoft.com/office/officeart/2005/8/layout/radial2"/>
     <dgm:cxn modelId="{1CE3798B-8A34-464D-8328-EAD92E2366BF}" type="presParOf" srcId="{38FDA6D6-8C49-7744-A172-D769086CF52B}" destId="{C2367A4A-A4B2-954C-B876-FF887E792F09}" srcOrd="0" destOrd="0" presId="urn:microsoft.com/office/officeart/2005/8/layout/radial2"/>
@@ -8006,790 +8048,6 @@
       <dsp:cNvGrpSpPr/>
     </dsp:nvGrpSpPr>
     <dsp:grpSpPr/>
-    <dsp:sp modelId="{D1E8FD3E-65FC-3149-B1D0-1B4B0CB32D6F}">
-      <dsp:nvSpPr>
-        <dsp:cNvPr id="0" name=""/>
-        <dsp:cNvSpPr/>
-      </dsp:nvSpPr>
-      <dsp:spPr>
-        <a:xfrm rot="2561600">
-          <a:off x="1930133" y="2842888"/>
-          <a:ext cx="617111" cy="57656"/>
-        </a:xfrm>
-        <a:custGeom>
-          <a:avLst/>
-          <a:gdLst/>
-          <a:ahLst/>
-          <a:cxnLst/>
-          <a:rect l="0" t="0" r="0" b="0"/>
-          <a:pathLst>
-            <a:path>
-              <a:moveTo>
-                <a:pt x="0" y="28828"/>
-              </a:moveTo>
-              <a:lnTo>
-                <a:pt x="617111" y="28828"/>
-              </a:lnTo>
-            </a:path>
-          </a:pathLst>
-        </a:custGeom>
-        <a:noFill/>
-        <a:ln w="6350" cap="flat" cmpd="sng" algn="ctr">
-          <a:solidFill>
-            <a:schemeClr val="accent1">
-              <a:shade val="60000"/>
-              <a:hueOff val="0"/>
-              <a:satOff val="0"/>
-              <a:lumOff val="0"/>
-              <a:alphaOff val="0"/>
-            </a:schemeClr>
-          </a:solidFill>
-          <a:prstDash val="solid"/>
-          <a:miter lim="800000"/>
-        </a:ln>
-        <a:effectLst/>
-      </dsp:spPr>
-      <dsp:style>
-        <a:lnRef idx="1">
-          <a:scrgbClr r="0" g="0" b="0"/>
-        </a:lnRef>
-        <a:fillRef idx="0">
-          <a:scrgbClr r="0" g="0" b="0"/>
-        </a:fillRef>
-        <a:effectRef idx="0">
-          <a:scrgbClr r="0" g="0" b="0"/>
-        </a:effectRef>
-        <a:fontRef idx="minor"/>
-      </dsp:style>
-    </dsp:sp>
-    <dsp:sp modelId="{31292AF0-E473-434F-91EB-40F8E9072548}">
-      <dsp:nvSpPr>
-        <dsp:cNvPr id="0" name=""/>
-        <dsp:cNvSpPr/>
-      </dsp:nvSpPr>
-      <dsp:spPr>
-        <a:xfrm>
-          <a:off x="2011903" y="2003171"/>
-          <a:ext cx="685829" cy="57656"/>
-        </a:xfrm>
-        <a:custGeom>
-          <a:avLst/>
-          <a:gdLst/>
-          <a:ahLst/>
-          <a:cxnLst/>
-          <a:rect l="0" t="0" r="0" b="0"/>
-          <a:pathLst>
-            <a:path>
-              <a:moveTo>
-                <a:pt x="0" y="28828"/>
-              </a:moveTo>
-              <a:lnTo>
-                <a:pt x="685829" y="28828"/>
-              </a:lnTo>
-            </a:path>
-          </a:pathLst>
-        </a:custGeom>
-        <a:noFill/>
-        <a:ln w="6350" cap="flat" cmpd="sng" algn="ctr">
-          <a:solidFill>
-            <a:schemeClr val="accent1">
-              <a:shade val="60000"/>
-              <a:hueOff val="0"/>
-              <a:satOff val="0"/>
-              <a:lumOff val="0"/>
-              <a:alphaOff val="0"/>
-            </a:schemeClr>
-          </a:solidFill>
-          <a:prstDash val="solid"/>
-          <a:miter lim="800000"/>
-        </a:ln>
-        <a:effectLst/>
-      </dsp:spPr>
-      <dsp:style>
-        <a:lnRef idx="1">
-          <a:scrgbClr r="0" g="0" b="0"/>
-        </a:lnRef>
-        <a:fillRef idx="0">
-          <a:scrgbClr r="0" g="0" b="0"/>
-        </a:fillRef>
-        <a:effectRef idx="0">
-          <a:scrgbClr r="0" g="0" b="0"/>
-        </a:effectRef>
-        <a:fontRef idx="minor"/>
-      </dsp:style>
-    </dsp:sp>
-    <dsp:sp modelId="{51D9DE5C-9A61-0B4D-9B77-C5A23E9EDEE3}">
-      <dsp:nvSpPr>
-        <dsp:cNvPr id="0" name=""/>
-        <dsp:cNvSpPr/>
-      </dsp:nvSpPr>
-      <dsp:spPr>
-        <a:xfrm rot="19038400">
-          <a:off x="1930133" y="1163454"/>
-          <a:ext cx="617111" cy="57656"/>
-        </a:xfrm>
-        <a:custGeom>
-          <a:avLst/>
-          <a:gdLst/>
-          <a:ahLst/>
-          <a:cxnLst/>
-          <a:rect l="0" t="0" r="0" b="0"/>
-          <a:pathLst>
-            <a:path>
-              <a:moveTo>
-                <a:pt x="0" y="28828"/>
-              </a:moveTo>
-              <a:lnTo>
-                <a:pt x="617111" y="28828"/>
-              </a:lnTo>
-            </a:path>
-          </a:pathLst>
-        </a:custGeom>
-        <a:noFill/>
-        <a:ln w="6350" cap="flat" cmpd="sng" algn="ctr">
-          <a:solidFill>
-            <a:schemeClr val="accent1">
-              <a:shade val="60000"/>
-              <a:hueOff val="0"/>
-              <a:satOff val="0"/>
-              <a:lumOff val="0"/>
-              <a:alphaOff val="0"/>
-            </a:schemeClr>
-          </a:solidFill>
-          <a:prstDash val="solid"/>
-          <a:miter lim="800000"/>
-        </a:ln>
-        <a:effectLst/>
-      </dsp:spPr>
-      <dsp:style>
-        <a:lnRef idx="1">
-          <a:scrgbClr r="0" g="0" b="0"/>
-        </a:lnRef>
-        <a:fillRef idx="0">
-          <a:scrgbClr r="0" g="0" b="0"/>
-        </a:fillRef>
-        <a:effectRef idx="0">
-          <a:scrgbClr r="0" g="0" b="0"/>
-        </a:effectRef>
-        <a:fontRef idx="minor"/>
-      </dsp:style>
-    </dsp:sp>
-    <dsp:sp modelId="{1EE1FF1B-3594-0E45-9840-3E2CD536AC72}">
-      <dsp:nvSpPr>
-        <dsp:cNvPr id="0" name=""/>
-        <dsp:cNvSpPr/>
-      </dsp:nvSpPr>
-      <dsp:spPr>
-        <a:xfrm>
-          <a:off x="352171" y="1055687"/>
-          <a:ext cx="1952625" cy="1952625"/>
-        </a:xfrm>
-        <a:prstGeom prst="ellipse">
-          <a:avLst/>
-        </a:prstGeom>
-        <a:blipFill>
-          <a:blip xmlns:r="http://schemas.openxmlformats.org/officeDocument/2006/relationships" r:embed="rId1">
-            <a:extLst>
-              <a:ext uri="{28A0092B-C50C-407E-A947-70E740481C1C}">
-                <a14:useLocalDpi xmlns:a14="http://schemas.microsoft.com/office/drawing/2010/main" val="0"/>
-              </a:ext>
-            </a:extLst>
-          </a:blip>
-          <a:srcRect/>
-          <a:stretch>
-            <a:fillRect l="-50000" r="-50000"/>
-          </a:stretch>
-        </a:blipFill>
-        <a:ln>
-          <a:noFill/>
-        </a:ln>
-        <a:effectLst/>
-      </dsp:spPr>
-      <dsp:style>
-        <a:lnRef idx="0">
-          <a:scrgbClr r="0" g="0" b="0"/>
-        </a:lnRef>
-        <a:fillRef idx="3">
-          <a:scrgbClr r="0" g="0" b="0"/>
-        </a:fillRef>
-        <a:effectRef idx="2">
-          <a:scrgbClr r="0" g="0" b="0"/>
-        </a:effectRef>
-        <a:fontRef idx="minor">
-          <a:schemeClr val="lt1"/>
-        </a:fontRef>
-      </dsp:style>
-    </dsp:sp>
-    <dsp:sp modelId="{401C9C7D-BF32-6149-9A0B-8A464876CDD2}">
-      <dsp:nvSpPr>
-        <dsp:cNvPr id="0" name=""/>
-        <dsp:cNvSpPr/>
-      </dsp:nvSpPr>
-      <dsp:spPr>
-        <a:xfrm>
-          <a:off x="2310238" y="64"/>
-          <a:ext cx="1171575" cy="1171575"/>
-        </a:xfrm>
-        <a:prstGeom prst="ellipse">
-          <a:avLst/>
-        </a:prstGeom>
-        <a:gradFill rotWithShape="0">
-          <a:gsLst>
-            <a:gs pos="0">
-              <a:schemeClr val="accent1">
-                <a:hueOff val="0"/>
-                <a:satOff val="0"/>
-                <a:lumOff val="0"/>
-                <a:alphaOff val="0"/>
-                <a:satMod val="103000"/>
-                <a:lumMod val="102000"/>
-                <a:tint val="94000"/>
-              </a:schemeClr>
-            </a:gs>
-            <a:gs pos="50000">
-              <a:schemeClr val="accent1">
-                <a:hueOff val="0"/>
-                <a:satOff val="0"/>
-                <a:lumOff val="0"/>
-                <a:alphaOff val="0"/>
-                <a:satMod val="110000"/>
-                <a:lumMod val="100000"/>
-                <a:shade val="100000"/>
-              </a:schemeClr>
-            </a:gs>
-            <a:gs pos="100000">
-              <a:schemeClr val="accent1">
-                <a:hueOff val="0"/>
-                <a:satOff val="0"/>
-                <a:lumOff val="0"/>
-                <a:alphaOff val="0"/>
-                <a:lumMod val="99000"/>
-                <a:satMod val="120000"/>
-                <a:shade val="78000"/>
-              </a:schemeClr>
-            </a:gs>
-          </a:gsLst>
-          <a:lin ang="5400000" scaled="0"/>
-        </a:gradFill>
-        <a:ln>
-          <a:noFill/>
-        </a:ln>
-        <a:effectLst/>
-      </dsp:spPr>
-      <dsp:style>
-        <a:lnRef idx="0">
-          <a:scrgbClr r="0" g="0" b="0"/>
-        </a:lnRef>
-        <a:fillRef idx="3">
-          <a:scrgbClr r="0" g="0" b="0"/>
-        </a:fillRef>
-        <a:effectRef idx="2">
-          <a:scrgbClr r="0" g="0" b="0"/>
-        </a:effectRef>
-        <a:fontRef idx="minor">
-          <a:schemeClr val="lt1"/>
-        </a:fontRef>
-      </dsp:style>
-      <dsp:txBody>
-        <a:bodyPr spcFirstLastPara="0" vert="horz" wrap="square" lIns="19685" tIns="19685" rIns="19685" bIns="19685" numCol="1" spcCol="1270" anchor="ctr" anchorCtr="0">
-          <a:noAutofit/>
-        </a:bodyPr>
-        <a:lstStyle/>
-        <a:p>
-          <a:pPr lvl="0" algn="ctr" defTabSz="1377950">
-            <a:lnSpc>
-              <a:spcPct val="90000"/>
-            </a:lnSpc>
-            <a:spcBef>
-              <a:spcPct val="0"/>
-            </a:spcBef>
-            <a:spcAft>
-              <a:spcPct val="35000"/>
-            </a:spcAft>
-          </a:pPr>
-          <a:r>
-            <a:rPr lang="zh-CN" altLang="en-US" sz="3100" kern="1200" dirty="0" smtClean="0"/>
-            <a:t>内容</a:t>
-          </a:r>
-          <a:endParaRPr lang="en-US" sz="3100" kern="1200" dirty="0"/>
-        </a:p>
-      </dsp:txBody>
-      <dsp:txXfrm>
-        <a:off x="2481811" y="171637"/>
-        <a:ext cx="828429" cy="828429"/>
-      </dsp:txXfrm>
-    </dsp:sp>
-    <dsp:sp modelId="{4BC8FDB8-FA2C-A54F-BBFB-0E5EBBA45710}">
-      <dsp:nvSpPr>
-        <dsp:cNvPr id="0" name=""/>
-        <dsp:cNvSpPr/>
-      </dsp:nvSpPr>
-      <dsp:spPr>
-        <a:xfrm>
-          <a:off x="3598971" y="64"/>
-          <a:ext cx="1757362" cy="1171575"/>
-        </a:xfrm>
-        <a:prstGeom prst="rect">
-          <a:avLst/>
-        </a:prstGeom>
-        <a:noFill/>
-        <a:ln>
-          <a:noFill/>
-        </a:ln>
-        <a:effectLst/>
-      </dsp:spPr>
-      <dsp:style>
-        <a:lnRef idx="0">
-          <a:scrgbClr r="0" g="0" b="0"/>
-        </a:lnRef>
-        <a:fillRef idx="0">
-          <a:scrgbClr r="0" g="0" b="0"/>
-        </a:fillRef>
-        <a:effectRef idx="0">
-          <a:scrgbClr r="0" g="0" b="0"/>
-        </a:effectRef>
-        <a:fontRef idx="minor"/>
-      </dsp:style>
-      <dsp:txBody>
-        <a:bodyPr spcFirstLastPara="0" vert="horz" wrap="square" lIns="0" tIns="0" rIns="0" bIns="0" numCol="1" spcCol="1270" anchor="ctr" anchorCtr="0">
-          <a:noAutofit/>
-        </a:bodyPr>
-        <a:lstStyle/>
-        <a:p>
-          <a:pPr marL="228600" lvl="1" indent="-228600" algn="l" defTabSz="889000">
-            <a:lnSpc>
-              <a:spcPct val="90000"/>
-            </a:lnSpc>
-            <a:spcBef>
-              <a:spcPct val="0"/>
-            </a:spcBef>
-            <a:spcAft>
-              <a:spcPct val="15000"/>
-            </a:spcAft>
-            <a:buChar char="••"/>
-          </a:pPr>
-          <a:r>
-            <a:rPr lang="zh-CN" altLang="en-US" sz="2000" kern="1200" dirty="0" smtClean="0"/>
-            <a:t>特色项目</a:t>
-          </a:r>
-          <a:endParaRPr lang="en-US" sz="2000" kern="1200" dirty="0"/>
-        </a:p>
-        <a:p>
-          <a:pPr marL="228600" lvl="1" indent="-228600" algn="l" defTabSz="889000">
-            <a:lnSpc>
-              <a:spcPct val="90000"/>
-            </a:lnSpc>
-            <a:spcBef>
-              <a:spcPct val="0"/>
-            </a:spcBef>
-            <a:spcAft>
-              <a:spcPct val="15000"/>
-            </a:spcAft>
-            <a:buChar char="••"/>
-          </a:pPr>
-          <a:endParaRPr lang="en-US" sz="2000" kern="1200" dirty="0"/>
-        </a:p>
-        <a:p>
-          <a:pPr marL="228600" lvl="1" indent="-228600" algn="l" defTabSz="889000">
-            <a:lnSpc>
-              <a:spcPct val="90000"/>
-            </a:lnSpc>
-            <a:spcBef>
-              <a:spcPct val="0"/>
-            </a:spcBef>
-            <a:spcAft>
-              <a:spcPct val="15000"/>
-            </a:spcAft>
-            <a:buChar char="••"/>
-          </a:pPr>
-          <a:endParaRPr lang="en-US" sz="2000" kern="1200" dirty="0"/>
-        </a:p>
-      </dsp:txBody>
-      <dsp:txXfrm>
-        <a:off x="3598971" y="64"/>
-        <a:ext cx="1757362" cy="1171575"/>
-      </dsp:txXfrm>
-    </dsp:sp>
-    <dsp:sp modelId="{A7CBA3CC-6F14-224F-AC42-F6988A4DA2D0}">
-      <dsp:nvSpPr>
-        <dsp:cNvPr id="0" name=""/>
-        <dsp:cNvSpPr/>
-      </dsp:nvSpPr>
-      <dsp:spPr>
-        <a:xfrm>
-          <a:off x="2697733" y="1446212"/>
-          <a:ext cx="1171575" cy="1171575"/>
-        </a:xfrm>
-        <a:prstGeom prst="ellipse">
-          <a:avLst/>
-        </a:prstGeom>
-        <a:gradFill rotWithShape="0">
-          <a:gsLst>
-            <a:gs pos="0">
-              <a:schemeClr val="accent1">
-                <a:hueOff val="0"/>
-                <a:satOff val="0"/>
-                <a:lumOff val="0"/>
-                <a:alphaOff val="0"/>
-                <a:satMod val="103000"/>
-                <a:lumMod val="102000"/>
-                <a:tint val="94000"/>
-              </a:schemeClr>
-            </a:gs>
-            <a:gs pos="50000">
-              <a:schemeClr val="accent1">
-                <a:hueOff val="0"/>
-                <a:satOff val="0"/>
-                <a:lumOff val="0"/>
-                <a:alphaOff val="0"/>
-                <a:satMod val="110000"/>
-                <a:lumMod val="100000"/>
-                <a:shade val="100000"/>
-              </a:schemeClr>
-            </a:gs>
-            <a:gs pos="100000">
-              <a:schemeClr val="accent1">
-                <a:hueOff val="0"/>
-                <a:satOff val="0"/>
-                <a:lumOff val="0"/>
-                <a:alphaOff val="0"/>
-                <a:lumMod val="99000"/>
-                <a:satMod val="120000"/>
-                <a:shade val="78000"/>
-              </a:schemeClr>
-            </a:gs>
-          </a:gsLst>
-          <a:lin ang="5400000" scaled="0"/>
-        </a:gradFill>
-        <a:ln>
-          <a:noFill/>
-        </a:ln>
-        <a:effectLst/>
-      </dsp:spPr>
-      <dsp:style>
-        <a:lnRef idx="0">
-          <a:scrgbClr r="0" g="0" b="0"/>
-        </a:lnRef>
-        <a:fillRef idx="3">
-          <a:scrgbClr r="0" g="0" b="0"/>
-        </a:fillRef>
-        <a:effectRef idx="2">
-          <a:scrgbClr r="0" g="0" b="0"/>
-        </a:effectRef>
-        <a:fontRef idx="minor">
-          <a:schemeClr val="lt1"/>
-        </a:fontRef>
-      </dsp:style>
-      <dsp:txBody>
-        <a:bodyPr spcFirstLastPara="0" vert="horz" wrap="square" lIns="19685" tIns="19685" rIns="19685" bIns="19685" numCol="1" spcCol="1270" anchor="ctr" anchorCtr="0">
-          <a:noAutofit/>
-        </a:bodyPr>
-        <a:lstStyle/>
-        <a:p>
-          <a:pPr lvl="0" algn="ctr" defTabSz="1377950">
-            <a:lnSpc>
-              <a:spcPct val="90000"/>
-            </a:lnSpc>
-            <a:spcBef>
-              <a:spcPct val="0"/>
-            </a:spcBef>
-            <a:spcAft>
-              <a:spcPct val="35000"/>
-            </a:spcAft>
-          </a:pPr>
-          <a:r>
-            <a:rPr lang="zh-CN" altLang="en-US" sz="3100" kern="1200" dirty="0" smtClean="0"/>
-            <a:t>流程</a:t>
-          </a:r>
-          <a:endParaRPr lang="en-US" sz="3100" kern="1200" dirty="0"/>
-        </a:p>
-      </dsp:txBody>
-      <dsp:txXfrm>
-        <a:off x="2869306" y="1617785"/>
-        <a:ext cx="828429" cy="828429"/>
-      </dsp:txXfrm>
-    </dsp:sp>
-    <dsp:sp modelId="{93FD11C0-BF14-654B-966D-7E028472E0AA}">
-      <dsp:nvSpPr>
-        <dsp:cNvPr id="0" name=""/>
-        <dsp:cNvSpPr/>
-      </dsp:nvSpPr>
-      <dsp:spPr>
-        <a:xfrm>
-          <a:off x="3986465" y="1446212"/>
-          <a:ext cx="1757362" cy="1171575"/>
-        </a:xfrm>
-        <a:prstGeom prst="rect">
-          <a:avLst/>
-        </a:prstGeom>
-        <a:noFill/>
-        <a:ln>
-          <a:noFill/>
-        </a:ln>
-        <a:effectLst/>
-      </dsp:spPr>
-      <dsp:style>
-        <a:lnRef idx="0">
-          <a:scrgbClr r="0" g="0" b="0"/>
-        </a:lnRef>
-        <a:fillRef idx="0">
-          <a:scrgbClr r="0" g="0" b="0"/>
-        </a:fillRef>
-        <a:effectRef idx="0">
-          <a:scrgbClr r="0" g="0" b="0"/>
-        </a:effectRef>
-        <a:fontRef idx="minor"/>
-      </dsp:style>
-      <dsp:txBody>
-        <a:bodyPr spcFirstLastPara="0" vert="horz" wrap="square" lIns="0" tIns="0" rIns="0" bIns="0" numCol="1" spcCol="1270" anchor="ctr" anchorCtr="0">
-          <a:noAutofit/>
-        </a:bodyPr>
-        <a:lstStyle/>
-        <a:p>
-          <a:pPr marL="228600" lvl="1" indent="-228600" algn="l" defTabSz="889000">
-            <a:lnSpc>
-              <a:spcPct val="90000"/>
-            </a:lnSpc>
-            <a:spcBef>
-              <a:spcPct val="0"/>
-            </a:spcBef>
-            <a:spcAft>
-              <a:spcPct val="15000"/>
-            </a:spcAft>
-            <a:buChar char="••"/>
-          </a:pPr>
-          <a:r>
-            <a:rPr lang="zh-CN" altLang="en-US" sz="2000" kern="1200" dirty="0" smtClean="0"/>
-            <a:t>三创教学模块</a:t>
-          </a:r>
-          <a:endParaRPr lang="en-US" sz="2000" kern="1200" dirty="0"/>
-        </a:p>
-        <a:p>
-          <a:pPr marL="228600" lvl="1" indent="-228600" algn="l" defTabSz="889000">
-            <a:lnSpc>
-              <a:spcPct val="90000"/>
-            </a:lnSpc>
-            <a:spcBef>
-              <a:spcPct val="0"/>
-            </a:spcBef>
-            <a:spcAft>
-              <a:spcPct val="15000"/>
-            </a:spcAft>
-            <a:buChar char="••"/>
-          </a:pPr>
-          <a:endParaRPr lang="en-US" sz="2000" kern="1200" dirty="0"/>
-        </a:p>
-        <a:p>
-          <a:pPr marL="228600" lvl="1" indent="-228600" algn="l" defTabSz="889000">
-            <a:lnSpc>
-              <a:spcPct val="90000"/>
-            </a:lnSpc>
-            <a:spcBef>
-              <a:spcPct val="0"/>
-            </a:spcBef>
-            <a:spcAft>
-              <a:spcPct val="15000"/>
-            </a:spcAft>
-            <a:buChar char="••"/>
-          </a:pPr>
-          <a:endParaRPr lang="en-US" sz="2000" kern="1200" dirty="0"/>
-        </a:p>
-      </dsp:txBody>
-      <dsp:txXfrm>
-        <a:off x="3986465" y="1446212"/>
-        <a:ext cx="1757362" cy="1171575"/>
-      </dsp:txXfrm>
-    </dsp:sp>
-    <dsp:sp modelId="{947B587B-0404-E34F-8D0F-B385C5157D3A}">
-      <dsp:nvSpPr>
-        <dsp:cNvPr id="0" name=""/>
-        <dsp:cNvSpPr/>
-      </dsp:nvSpPr>
-      <dsp:spPr>
-        <a:xfrm>
-          <a:off x="2310238" y="2892360"/>
-          <a:ext cx="1171575" cy="1171575"/>
-        </a:xfrm>
-        <a:prstGeom prst="ellipse">
-          <a:avLst/>
-        </a:prstGeom>
-        <a:gradFill rotWithShape="0">
-          <a:gsLst>
-            <a:gs pos="0">
-              <a:schemeClr val="accent1">
-                <a:hueOff val="0"/>
-                <a:satOff val="0"/>
-                <a:lumOff val="0"/>
-                <a:alphaOff val="0"/>
-                <a:satMod val="103000"/>
-                <a:lumMod val="102000"/>
-                <a:tint val="94000"/>
-              </a:schemeClr>
-            </a:gs>
-            <a:gs pos="50000">
-              <a:schemeClr val="accent1">
-                <a:hueOff val="0"/>
-                <a:satOff val="0"/>
-                <a:lumOff val="0"/>
-                <a:alphaOff val="0"/>
-                <a:satMod val="110000"/>
-                <a:lumMod val="100000"/>
-                <a:shade val="100000"/>
-              </a:schemeClr>
-            </a:gs>
-            <a:gs pos="100000">
-              <a:schemeClr val="accent1">
-                <a:hueOff val="0"/>
-                <a:satOff val="0"/>
-                <a:lumOff val="0"/>
-                <a:alphaOff val="0"/>
-                <a:lumMod val="99000"/>
-                <a:satMod val="120000"/>
-                <a:shade val="78000"/>
-              </a:schemeClr>
-            </a:gs>
-          </a:gsLst>
-          <a:lin ang="5400000" scaled="0"/>
-        </a:gradFill>
-        <a:ln>
-          <a:noFill/>
-        </a:ln>
-        <a:effectLst/>
-      </dsp:spPr>
-      <dsp:style>
-        <a:lnRef idx="0">
-          <a:scrgbClr r="0" g="0" b="0"/>
-        </a:lnRef>
-        <a:fillRef idx="3">
-          <a:scrgbClr r="0" g="0" b="0"/>
-        </a:fillRef>
-        <a:effectRef idx="2">
-          <a:scrgbClr r="0" g="0" b="0"/>
-        </a:effectRef>
-        <a:fontRef idx="minor">
-          <a:schemeClr val="lt1"/>
-        </a:fontRef>
-      </dsp:style>
-      <dsp:txBody>
-        <a:bodyPr spcFirstLastPara="0" vert="horz" wrap="square" lIns="19685" tIns="19685" rIns="19685" bIns="19685" numCol="1" spcCol="1270" anchor="ctr" anchorCtr="0">
-          <a:noAutofit/>
-        </a:bodyPr>
-        <a:lstStyle/>
-        <a:p>
-          <a:pPr lvl="0" algn="ctr" defTabSz="1377950">
-            <a:lnSpc>
-              <a:spcPct val="90000"/>
-            </a:lnSpc>
-            <a:spcBef>
-              <a:spcPct val="0"/>
-            </a:spcBef>
-            <a:spcAft>
-              <a:spcPct val="35000"/>
-            </a:spcAft>
-          </a:pPr>
-          <a:r>
-            <a:rPr lang="zh-CN" altLang="en-US" sz="3100" kern="1200" dirty="0" smtClean="0"/>
-            <a:t>资源</a:t>
-          </a:r>
-          <a:endParaRPr lang="en-US" sz="3100" kern="1200" dirty="0"/>
-        </a:p>
-      </dsp:txBody>
-      <dsp:txXfrm>
-        <a:off x="2481811" y="3063933"/>
-        <a:ext cx="828429" cy="828429"/>
-      </dsp:txXfrm>
-    </dsp:sp>
-    <dsp:sp modelId="{69318C12-B89A-2F4D-A4E4-EEC97CB80358}">
-      <dsp:nvSpPr>
-        <dsp:cNvPr id="0" name=""/>
-        <dsp:cNvSpPr/>
-      </dsp:nvSpPr>
-      <dsp:spPr>
-        <a:xfrm>
-          <a:off x="3598971" y="2892360"/>
-          <a:ext cx="1757362" cy="1171575"/>
-        </a:xfrm>
-        <a:prstGeom prst="rect">
-          <a:avLst/>
-        </a:prstGeom>
-        <a:noFill/>
-        <a:ln>
-          <a:noFill/>
-        </a:ln>
-        <a:effectLst/>
-      </dsp:spPr>
-      <dsp:style>
-        <a:lnRef idx="0">
-          <a:scrgbClr r="0" g="0" b="0"/>
-        </a:lnRef>
-        <a:fillRef idx="0">
-          <a:scrgbClr r="0" g="0" b="0"/>
-        </a:fillRef>
-        <a:effectRef idx="0">
-          <a:scrgbClr r="0" g="0" b="0"/>
-        </a:effectRef>
-        <a:fontRef idx="minor"/>
-      </dsp:style>
-      <dsp:txBody>
-        <a:bodyPr spcFirstLastPara="0" vert="horz" wrap="square" lIns="0" tIns="0" rIns="0" bIns="0" numCol="1" spcCol="1270" anchor="ctr" anchorCtr="0">
-          <a:noAutofit/>
-        </a:bodyPr>
-        <a:lstStyle/>
-        <a:p>
-          <a:pPr marL="228600" lvl="1" indent="-228600" algn="l" defTabSz="889000">
-            <a:lnSpc>
-              <a:spcPct val="90000"/>
-            </a:lnSpc>
-            <a:spcBef>
-              <a:spcPct val="0"/>
-            </a:spcBef>
-            <a:spcAft>
-              <a:spcPct val="15000"/>
-            </a:spcAft>
-            <a:buChar char="••"/>
-          </a:pPr>
-          <a:r>
-            <a:rPr lang="zh-CN" altLang="en-US" sz="2000" kern="1200" dirty="0" smtClean="0"/>
-            <a:t>先进加工资源</a:t>
-          </a:r>
-          <a:endParaRPr lang="en-US" sz="2000" kern="1200" dirty="0"/>
-        </a:p>
-        <a:p>
-          <a:pPr marL="228600" lvl="1" indent="-228600" algn="l" defTabSz="889000">
-            <a:lnSpc>
-              <a:spcPct val="90000"/>
-            </a:lnSpc>
-            <a:spcBef>
-              <a:spcPct val="0"/>
-            </a:spcBef>
-            <a:spcAft>
-              <a:spcPct val="15000"/>
-            </a:spcAft>
-            <a:buChar char="••"/>
-          </a:pPr>
-          <a:endParaRPr lang="en-US" sz="2000" kern="1200" dirty="0"/>
-        </a:p>
-        <a:p>
-          <a:pPr marL="228600" lvl="1" indent="-228600" algn="l" defTabSz="889000">
-            <a:lnSpc>
-              <a:spcPct val="90000"/>
-            </a:lnSpc>
-            <a:spcBef>
-              <a:spcPct val="0"/>
-            </a:spcBef>
-            <a:spcAft>
-              <a:spcPct val="15000"/>
-            </a:spcAft>
-            <a:buChar char="••"/>
-          </a:pPr>
-          <a:endParaRPr lang="en-US" sz="2000" kern="1200" dirty="0"/>
-        </a:p>
-      </dsp:txBody>
-      <dsp:txXfrm>
-        <a:off x="3598971" y="2892360"/>
-        <a:ext cx="1757362" cy="1171575"/>
-      </dsp:txXfrm>
-    </dsp:sp>
   </dsp:spTree>
 </dsp:drawing>
 </file>
@@ -8802,1366 +8060,6 @@
       <dsp:cNvGrpSpPr/>
     </dsp:nvGrpSpPr>
     <dsp:grpSpPr/>
-    <dsp:sp modelId="{288E25FE-C886-4621-A966-59C9FC5509D9}">
-      <dsp:nvSpPr>
-        <dsp:cNvPr id="0" name=""/>
-        <dsp:cNvSpPr/>
-      </dsp:nvSpPr>
-      <dsp:spPr>
-        <a:xfrm>
-          <a:off x="962" y="0"/>
-          <a:ext cx="2503103" cy="4856163"/>
-        </a:xfrm>
-        <a:prstGeom prst="roundRect">
-          <a:avLst>
-            <a:gd name="adj" fmla="val 10000"/>
-          </a:avLst>
-        </a:prstGeom>
-        <a:solidFill>
-          <a:schemeClr val="accent1">
-            <a:tint val="40000"/>
-            <a:hueOff val="0"/>
-            <a:satOff val="0"/>
-            <a:lumOff val="0"/>
-            <a:alphaOff val="0"/>
-          </a:schemeClr>
-        </a:solidFill>
-        <a:ln>
-          <a:noFill/>
-        </a:ln>
-        <a:effectLst/>
-      </dsp:spPr>
-      <dsp:style>
-        <a:lnRef idx="0">
-          <a:scrgbClr r="0" g="0" b="0"/>
-        </a:lnRef>
-        <a:fillRef idx="1">
-          <a:scrgbClr r="0" g="0" b="0"/>
-        </a:fillRef>
-        <a:effectRef idx="0">
-          <a:scrgbClr r="0" g="0" b="0"/>
-        </a:effectRef>
-        <a:fontRef idx="minor"/>
-      </dsp:style>
-      <dsp:txBody>
-        <a:bodyPr spcFirstLastPara="0" vert="horz" wrap="square" lIns="91440" tIns="91440" rIns="91440" bIns="91440" numCol="1" spcCol="1270" anchor="ctr" anchorCtr="0">
-          <a:noAutofit/>
-        </a:bodyPr>
-        <a:lstStyle/>
-        <a:p>
-          <a:pPr lvl="0" algn="ctr" defTabSz="1066800">
-            <a:lnSpc>
-              <a:spcPct val="90000"/>
-            </a:lnSpc>
-            <a:spcBef>
-              <a:spcPct val="0"/>
-            </a:spcBef>
-            <a:spcAft>
-              <a:spcPct val="35000"/>
-            </a:spcAft>
-          </a:pPr>
-          <a:r>
-            <a:rPr lang="en-US" altLang="zh-CN" sz="2400" kern="1200" dirty="0" smtClean="0"/>
-            <a:t>A. </a:t>
-          </a:r>
-          <a:r>
-            <a:rPr lang="zh-CN" altLang="en-US" sz="2400" kern="1200" dirty="0" smtClean="0"/>
-            <a:t>中心信息平台</a:t>
-          </a:r>
-          <a:endParaRPr lang="zh-CN" altLang="en-US" sz="2400" kern="1200" dirty="0"/>
-        </a:p>
-      </dsp:txBody>
-      <dsp:txXfrm>
-        <a:off x="962" y="0"/>
-        <a:ext cx="2503103" cy="1456848"/>
-      </dsp:txXfrm>
-    </dsp:sp>
-    <dsp:sp modelId="{D253D9BD-89F6-4692-8B70-DFD77DBF5F99}">
-      <dsp:nvSpPr>
-        <dsp:cNvPr id="0" name=""/>
-        <dsp:cNvSpPr/>
-      </dsp:nvSpPr>
-      <dsp:spPr>
-        <a:xfrm>
-          <a:off x="251273" y="1457086"/>
-          <a:ext cx="2002482" cy="466231"/>
-        </a:xfrm>
-        <a:prstGeom prst="roundRect">
-          <a:avLst>
-            <a:gd name="adj" fmla="val 10000"/>
-          </a:avLst>
-        </a:prstGeom>
-        <a:solidFill>
-          <a:schemeClr val="accent1">
-            <a:hueOff val="0"/>
-            <a:satOff val="0"/>
-            <a:lumOff val="0"/>
-            <a:alphaOff val="0"/>
-          </a:schemeClr>
-        </a:solidFill>
-        <a:ln w="12700" cap="flat" cmpd="sng" algn="ctr">
-          <a:solidFill>
-            <a:schemeClr val="lt1">
-              <a:hueOff val="0"/>
-              <a:satOff val="0"/>
-              <a:lumOff val="0"/>
-              <a:alphaOff val="0"/>
-            </a:schemeClr>
-          </a:solidFill>
-          <a:prstDash val="solid"/>
-          <a:miter lim="800000"/>
-        </a:ln>
-        <a:effectLst/>
-      </dsp:spPr>
-      <dsp:style>
-        <a:lnRef idx="2">
-          <a:scrgbClr r="0" g="0" b="0"/>
-        </a:lnRef>
-        <a:fillRef idx="1">
-          <a:scrgbClr r="0" g="0" b="0"/>
-        </a:fillRef>
-        <a:effectRef idx="0">
-          <a:scrgbClr r="0" g="0" b="0"/>
-        </a:effectRef>
-        <a:fontRef idx="minor">
-          <a:schemeClr val="lt1"/>
-        </a:fontRef>
-      </dsp:style>
-      <dsp:txBody>
-        <a:bodyPr spcFirstLastPara="0" vert="horz" wrap="square" lIns="40640" tIns="30480" rIns="40640" bIns="30480" numCol="1" spcCol="1270" anchor="ctr" anchorCtr="0">
-          <a:noAutofit/>
-        </a:bodyPr>
-        <a:lstStyle/>
-        <a:p>
-          <a:pPr lvl="0" algn="ctr" defTabSz="711200">
-            <a:lnSpc>
-              <a:spcPct val="90000"/>
-            </a:lnSpc>
-            <a:spcBef>
-              <a:spcPct val="0"/>
-            </a:spcBef>
-            <a:spcAft>
-              <a:spcPct val="35000"/>
-            </a:spcAft>
-          </a:pPr>
-          <a:r>
-            <a:rPr lang="zh-CN" altLang="en-US" sz="1600" kern="1200" dirty="0" smtClean="0"/>
-            <a:t>资源展示与云平台</a:t>
-          </a:r>
-          <a:endParaRPr lang="zh-CN" altLang="en-US" sz="1600" kern="1200" dirty="0"/>
-        </a:p>
-      </dsp:txBody>
-      <dsp:txXfrm>
-        <a:off x="264928" y="1470741"/>
-        <a:ext cx="1975172" cy="438921"/>
-      </dsp:txXfrm>
-    </dsp:sp>
-    <dsp:sp modelId="{7B83F59D-9490-4852-884A-7D43CD4F0C39}">
-      <dsp:nvSpPr>
-        <dsp:cNvPr id="0" name=""/>
-        <dsp:cNvSpPr/>
-      </dsp:nvSpPr>
-      <dsp:spPr>
-        <a:xfrm>
-          <a:off x="251273" y="1995045"/>
-          <a:ext cx="2002482" cy="466231"/>
-        </a:xfrm>
-        <a:prstGeom prst="roundRect">
-          <a:avLst>
-            <a:gd name="adj" fmla="val 10000"/>
-          </a:avLst>
-        </a:prstGeom>
-        <a:solidFill>
-          <a:schemeClr val="accent1">
-            <a:hueOff val="0"/>
-            <a:satOff val="0"/>
-            <a:lumOff val="0"/>
-            <a:alphaOff val="0"/>
-          </a:schemeClr>
-        </a:solidFill>
-        <a:ln w="12700" cap="flat" cmpd="sng" algn="ctr">
-          <a:solidFill>
-            <a:schemeClr val="lt1">
-              <a:hueOff val="0"/>
-              <a:satOff val="0"/>
-              <a:lumOff val="0"/>
-              <a:alphaOff val="0"/>
-            </a:schemeClr>
-          </a:solidFill>
-          <a:prstDash val="solid"/>
-          <a:miter lim="800000"/>
-        </a:ln>
-        <a:effectLst/>
-      </dsp:spPr>
-      <dsp:style>
-        <a:lnRef idx="2">
-          <a:scrgbClr r="0" g="0" b="0"/>
-        </a:lnRef>
-        <a:fillRef idx="1">
-          <a:scrgbClr r="0" g="0" b="0"/>
-        </a:fillRef>
-        <a:effectRef idx="0">
-          <a:scrgbClr r="0" g="0" b="0"/>
-        </a:effectRef>
-        <a:fontRef idx="minor">
-          <a:schemeClr val="lt1"/>
-        </a:fontRef>
-      </dsp:style>
-      <dsp:txBody>
-        <a:bodyPr spcFirstLastPara="0" vert="horz" wrap="square" lIns="40640" tIns="30480" rIns="40640" bIns="30480" numCol="1" spcCol="1270" anchor="ctr" anchorCtr="0">
-          <a:noAutofit/>
-        </a:bodyPr>
-        <a:lstStyle/>
-        <a:p>
-          <a:pPr lvl="0" algn="ctr" defTabSz="711200">
-            <a:lnSpc>
-              <a:spcPct val="90000"/>
-            </a:lnSpc>
-            <a:spcBef>
-              <a:spcPct val="0"/>
-            </a:spcBef>
-            <a:spcAft>
-              <a:spcPct val="35000"/>
-            </a:spcAft>
-          </a:pPr>
-          <a:r>
-            <a:rPr lang="zh-CN" altLang="en-US" sz="1600" kern="1200" dirty="0" smtClean="0"/>
-            <a:t>全球在线学习资料库</a:t>
-          </a:r>
-          <a:endParaRPr lang="zh-CN" altLang="en-US" sz="1600" kern="1200" dirty="0"/>
-        </a:p>
-      </dsp:txBody>
-      <dsp:txXfrm>
-        <a:off x="264928" y="2008700"/>
-        <a:ext cx="1975172" cy="438921"/>
-      </dsp:txXfrm>
-    </dsp:sp>
-    <dsp:sp modelId="{AC342D32-7D85-4628-A875-F0372EB8990B}">
-      <dsp:nvSpPr>
-        <dsp:cNvPr id="0" name=""/>
-        <dsp:cNvSpPr/>
-      </dsp:nvSpPr>
-      <dsp:spPr>
-        <a:xfrm>
-          <a:off x="251273" y="2533005"/>
-          <a:ext cx="2002482" cy="466231"/>
-        </a:xfrm>
-        <a:prstGeom prst="roundRect">
-          <a:avLst>
-            <a:gd name="adj" fmla="val 10000"/>
-          </a:avLst>
-        </a:prstGeom>
-        <a:solidFill>
-          <a:schemeClr val="accent1">
-            <a:hueOff val="0"/>
-            <a:satOff val="0"/>
-            <a:lumOff val="0"/>
-            <a:alphaOff val="0"/>
-          </a:schemeClr>
-        </a:solidFill>
-        <a:ln w="12700" cap="flat" cmpd="sng" algn="ctr">
-          <a:solidFill>
-            <a:schemeClr val="lt1">
-              <a:hueOff val="0"/>
-              <a:satOff val="0"/>
-              <a:lumOff val="0"/>
-              <a:alphaOff val="0"/>
-            </a:schemeClr>
-          </a:solidFill>
-          <a:prstDash val="solid"/>
-          <a:miter lim="800000"/>
-        </a:ln>
-        <a:effectLst/>
-      </dsp:spPr>
-      <dsp:style>
-        <a:lnRef idx="2">
-          <a:scrgbClr r="0" g="0" b="0"/>
-        </a:lnRef>
-        <a:fillRef idx="1">
-          <a:scrgbClr r="0" g="0" b="0"/>
-        </a:fillRef>
-        <a:effectRef idx="0">
-          <a:scrgbClr r="0" g="0" b="0"/>
-        </a:effectRef>
-        <a:fontRef idx="minor">
-          <a:schemeClr val="lt1"/>
-        </a:fontRef>
-      </dsp:style>
-      <dsp:txBody>
-        <a:bodyPr spcFirstLastPara="0" vert="horz" wrap="square" lIns="40640" tIns="30480" rIns="40640" bIns="30480" numCol="1" spcCol="1270" anchor="ctr" anchorCtr="0">
-          <a:noAutofit/>
-        </a:bodyPr>
-        <a:lstStyle/>
-        <a:p>
-          <a:pPr lvl="0" algn="ctr" defTabSz="711200">
-            <a:lnSpc>
-              <a:spcPct val="90000"/>
-            </a:lnSpc>
-            <a:spcBef>
-              <a:spcPct val="0"/>
-            </a:spcBef>
-            <a:spcAft>
-              <a:spcPct val="35000"/>
-            </a:spcAft>
-          </a:pPr>
-          <a:r>
-            <a:rPr lang="zh-CN" altLang="en-US" sz="1600" kern="1200" dirty="0" smtClean="0"/>
-            <a:t>在线开放课程</a:t>
-          </a:r>
-          <a:endParaRPr lang="zh-CN" altLang="en-US" sz="1600" kern="1200" dirty="0"/>
-        </a:p>
-      </dsp:txBody>
-      <dsp:txXfrm>
-        <a:off x="264928" y="2546660"/>
-        <a:ext cx="1975172" cy="438921"/>
-      </dsp:txXfrm>
-    </dsp:sp>
-    <dsp:sp modelId="{0990EDE3-62A7-4D72-98FF-0F1A695CE6CA}">
-      <dsp:nvSpPr>
-        <dsp:cNvPr id="0" name=""/>
-        <dsp:cNvSpPr/>
-      </dsp:nvSpPr>
-      <dsp:spPr>
-        <a:xfrm>
-          <a:off x="251273" y="3070965"/>
-          <a:ext cx="2002482" cy="466231"/>
-        </a:xfrm>
-        <a:prstGeom prst="roundRect">
-          <a:avLst>
-            <a:gd name="adj" fmla="val 10000"/>
-          </a:avLst>
-        </a:prstGeom>
-        <a:solidFill>
-          <a:schemeClr val="accent1">
-            <a:hueOff val="0"/>
-            <a:satOff val="0"/>
-            <a:lumOff val="0"/>
-            <a:alphaOff val="0"/>
-          </a:schemeClr>
-        </a:solidFill>
-        <a:ln w="12700" cap="flat" cmpd="sng" algn="ctr">
-          <a:solidFill>
-            <a:schemeClr val="lt1">
-              <a:hueOff val="0"/>
-              <a:satOff val="0"/>
-              <a:lumOff val="0"/>
-              <a:alphaOff val="0"/>
-            </a:schemeClr>
-          </a:solidFill>
-          <a:prstDash val="solid"/>
-          <a:miter lim="800000"/>
-        </a:ln>
-        <a:effectLst/>
-      </dsp:spPr>
-      <dsp:style>
-        <a:lnRef idx="2">
-          <a:scrgbClr r="0" g="0" b="0"/>
-        </a:lnRef>
-        <a:fillRef idx="1">
-          <a:scrgbClr r="0" g="0" b="0"/>
-        </a:fillRef>
-        <a:effectRef idx="0">
-          <a:scrgbClr r="0" g="0" b="0"/>
-        </a:effectRef>
-        <a:fontRef idx="minor">
-          <a:schemeClr val="lt1"/>
-        </a:fontRef>
-      </dsp:style>
-      <dsp:txBody>
-        <a:bodyPr spcFirstLastPara="0" vert="horz" wrap="square" lIns="40640" tIns="30480" rIns="40640" bIns="30480" numCol="1" spcCol="1270" anchor="ctr" anchorCtr="0">
-          <a:noAutofit/>
-        </a:bodyPr>
-        <a:lstStyle/>
-        <a:p>
-          <a:pPr lvl="0" algn="ctr" defTabSz="711200">
-            <a:lnSpc>
-              <a:spcPct val="90000"/>
-            </a:lnSpc>
-            <a:spcBef>
-              <a:spcPct val="0"/>
-            </a:spcBef>
-            <a:spcAft>
-              <a:spcPct val="35000"/>
-            </a:spcAft>
-          </a:pPr>
-          <a:r>
-            <a:rPr lang="zh-CN" altLang="en-US" sz="1600" kern="1200" dirty="0" smtClean="0"/>
-            <a:t>标准流程及模板</a:t>
-          </a:r>
-          <a:endParaRPr lang="zh-CN" altLang="en-US" sz="1600" kern="1200" dirty="0"/>
-        </a:p>
-      </dsp:txBody>
-      <dsp:txXfrm>
-        <a:off x="264928" y="3084620"/>
-        <a:ext cx="1975172" cy="438921"/>
-      </dsp:txXfrm>
-    </dsp:sp>
-    <dsp:sp modelId="{8ED340B9-6DF9-4961-9517-86A0E8EC9966}">
-      <dsp:nvSpPr>
-        <dsp:cNvPr id="0" name=""/>
-        <dsp:cNvSpPr/>
-      </dsp:nvSpPr>
-      <dsp:spPr>
-        <a:xfrm>
-          <a:off x="251273" y="3608925"/>
-          <a:ext cx="2002482" cy="466231"/>
-        </a:xfrm>
-        <a:prstGeom prst="roundRect">
-          <a:avLst>
-            <a:gd name="adj" fmla="val 10000"/>
-          </a:avLst>
-        </a:prstGeom>
-        <a:solidFill>
-          <a:schemeClr val="accent1">
-            <a:hueOff val="0"/>
-            <a:satOff val="0"/>
-            <a:lumOff val="0"/>
-            <a:alphaOff val="0"/>
-          </a:schemeClr>
-        </a:solidFill>
-        <a:ln w="12700" cap="flat" cmpd="sng" algn="ctr">
-          <a:solidFill>
-            <a:schemeClr val="lt1">
-              <a:hueOff val="0"/>
-              <a:satOff val="0"/>
-              <a:lumOff val="0"/>
-              <a:alphaOff val="0"/>
-            </a:schemeClr>
-          </a:solidFill>
-          <a:prstDash val="solid"/>
-          <a:miter lim="800000"/>
-        </a:ln>
-        <a:effectLst/>
-      </dsp:spPr>
-      <dsp:style>
-        <a:lnRef idx="2">
-          <a:scrgbClr r="0" g="0" b="0"/>
-        </a:lnRef>
-        <a:fillRef idx="1">
-          <a:scrgbClr r="0" g="0" b="0"/>
-        </a:fillRef>
-        <a:effectRef idx="0">
-          <a:scrgbClr r="0" g="0" b="0"/>
-        </a:effectRef>
-        <a:fontRef idx="minor">
-          <a:schemeClr val="lt1"/>
-        </a:fontRef>
-      </dsp:style>
-      <dsp:txBody>
-        <a:bodyPr spcFirstLastPara="0" vert="horz" wrap="square" lIns="40640" tIns="30480" rIns="40640" bIns="30480" numCol="1" spcCol="1270" anchor="ctr" anchorCtr="0">
-          <a:noAutofit/>
-        </a:bodyPr>
-        <a:lstStyle/>
-        <a:p>
-          <a:pPr lvl="0" algn="ctr" defTabSz="711200">
-            <a:lnSpc>
-              <a:spcPct val="90000"/>
-            </a:lnSpc>
-            <a:spcBef>
-              <a:spcPct val="0"/>
-            </a:spcBef>
-            <a:spcAft>
-              <a:spcPct val="35000"/>
-            </a:spcAft>
-          </a:pPr>
-          <a:r>
-            <a:rPr lang="zh-CN" altLang="en-US" sz="1600" kern="1200" dirty="0" smtClean="0"/>
-            <a:t>学生成果展示</a:t>
-          </a:r>
-          <a:endParaRPr lang="zh-CN" altLang="en-US" sz="1600" kern="1200" dirty="0"/>
-        </a:p>
-      </dsp:txBody>
-      <dsp:txXfrm>
-        <a:off x="264928" y="3622580"/>
-        <a:ext cx="1975172" cy="438921"/>
-      </dsp:txXfrm>
-    </dsp:sp>
-    <dsp:sp modelId="{57944BE7-B38E-4C34-B89C-F933C3671334}">
-      <dsp:nvSpPr>
-        <dsp:cNvPr id="0" name=""/>
-        <dsp:cNvSpPr/>
-      </dsp:nvSpPr>
-      <dsp:spPr>
-        <a:xfrm>
-          <a:off x="251273" y="4146885"/>
-          <a:ext cx="2002482" cy="466231"/>
-        </a:xfrm>
-        <a:prstGeom prst="roundRect">
-          <a:avLst>
-            <a:gd name="adj" fmla="val 10000"/>
-          </a:avLst>
-        </a:prstGeom>
-        <a:solidFill>
-          <a:schemeClr val="accent1">
-            <a:hueOff val="0"/>
-            <a:satOff val="0"/>
-            <a:lumOff val="0"/>
-            <a:alphaOff val="0"/>
-          </a:schemeClr>
-        </a:solidFill>
-        <a:ln w="12700" cap="flat" cmpd="sng" algn="ctr">
-          <a:solidFill>
-            <a:schemeClr val="lt1">
-              <a:hueOff val="0"/>
-              <a:satOff val="0"/>
-              <a:lumOff val="0"/>
-              <a:alphaOff val="0"/>
-            </a:schemeClr>
-          </a:solidFill>
-          <a:prstDash val="solid"/>
-          <a:miter lim="800000"/>
-        </a:ln>
-        <a:effectLst/>
-      </dsp:spPr>
-      <dsp:style>
-        <a:lnRef idx="2">
-          <a:scrgbClr r="0" g="0" b="0"/>
-        </a:lnRef>
-        <a:fillRef idx="1">
-          <a:scrgbClr r="0" g="0" b="0"/>
-        </a:fillRef>
-        <a:effectRef idx="0">
-          <a:scrgbClr r="0" g="0" b="0"/>
-        </a:effectRef>
-        <a:fontRef idx="minor">
-          <a:schemeClr val="lt1"/>
-        </a:fontRef>
-      </dsp:style>
-      <dsp:txBody>
-        <a:bodyPr spcFirstLastPara="0" vert="horz" wrap="square" lIns="40640" tIns="30480" rIns="40640" bIns="30480" numCol="1" spcCol="1270" anchor="ctr" anchorCtr="0">
-          <a:noAutofit/>
-        </a:bodyPr>
-        <a:lstStyle/>
-        <a:p>
-          <a:pPr lvl="0" algn="ctr" defTabSz="711200">
-            <a:lnSpc>
-              <a:spcPct val="90000"/>
-            </a:lnSpc>
-            <a:spcBef>
-              <a:spcPct val="0"/>
-            </a:spcBef>
-            <a:spcAft>
-              <a:spcPct val="35000"/>
-            </a:spcAft>
-          </a:pPr>
-          <a:r>
-            <a:rPr lang="zh-CN" altLang="en-US" sz="1600" kern="1200" dirty="0" smtClean="0"/>
-            <a:t>资源预约系统</a:t>
-          </a:r>
-          <a:endParaRPr lang="zh-CN" altLang="en-US" sz="1600" kern="1200" dirty="0"/>
-        </a:p>
-      </dsp:txBody>
-      <dsp:txXfrm>
-        <a:off x="264928" y="4160540"/>
-        <a:ext cx="1975172" cy="438921"/>
-      </dsp:txXfrm>
-    </dsp:sp>
-    <dsp:sp modelId="{58281310-1F62-4787-B0EA-65659D294050}">
-      <dsp:nvSpPr>
-        <dsp:cNvPr id="0" name=""/>
-        <dsp:cNvSpPr/>
-      </dsp:nvSpPr>
-      <dsp:spPr>
-        <a:xfrm>
-          <a:off x="2691798" y="0"/>
-          <a:ext cx="2503103" cy="4856163"/>
-        </a:xfrm>
-        <a:prstGeom prst="roundRect">
-          <a:avLst>
-            <a:gd name="adj" fmla="val 10000"/>
-          </a:avLst>
-        </a:prstGeom>
-        <a:solidFill>
-          <a:schemeClr val="accent1">
-            <a:tint val="40000"/>
-            <a:hueOff val="0"/>
-            <a:satOff val="0"/>
-            <a:lumOff val="0"/>
-            <a:alphaOff val="0"/>
-          </a:schemeClr>
-        </a:solidFill>
-        <a:ln>
-          <a:noFill/>
-        </a:ln>
-        <a:effectLst/>
-      </dsp:spPr>
-      <dsp:style>
-        <a:lnRef idx="0">
-          <a:scrgbClr r="0" g="0" b="0"/>
-        </a:lnRef>
-        <a:fillRef idx="1">
-          <a:scrgbClr r="0" g="0" b="0"/>
-        </a:fillRef>
-        <a:effectRef idx="0">
-          <a:scrgbClr r="0" g="0" b="0"/>
-        </a:effectRef>
-        <a:fontRef idx="minor"/>
-      </dsp:style>
-      <dsp:txBody>
-        <a:bodyPr spcFirstLastPara="0" vert="horz" wrap="square" lIns="91440" tIns="91440" rIns="91440" bIns="91440" numCol="1" spcCol="1270" anchor="ctr" anchorCtr="0">
-          <a:noAutofit/>
-        </a:bodyPr>
-        <a:lstStyle/>
-        <a:p>
-          <a:pPr lvl="0" algn="ctr" defTabSz="1066800">
-            <a:lnSpc>
-              <a:spcPct val="90000"/>
-            </a:lnSpc>
-            <a:spcBef>
-              <a:spcPct val="0"/>
-            </a:spcBef>
-            <a:spcAft>
-              <a:spcPct val="35000"/>
-            </a:spcAft>
-          </a:pPr>
-          <a:r>
-            <a:rPr lang="en-US" altLang="zh-CN" sz="2400" kern="1200" dirty="0" smtClean="0"/>
-            <a:t>B. </a:t>
-          </a:r>
-          <a:r>
-            <a:rPr lang="zh-CN" altLang="en-US" sz="2400" kern="1200" dirty="0" smtClean="0"/>
-            <a:t>服务流程</a:t>
-          </a:r>
-          <a:endParaRPr lang="zh-CN" altLang="en-US" kern="1200" dirty="0"/>
-        </a:p>
-      </dsp:txBody>
-      <dsp:txXfrm>
-        <a:off x="2691798" y="0"/>
-        <a:ext cx="2503103" cy="1456848"/>
-      </dsp:txXfrm>
-    </dsp:sp>
-    <dsp:sp modelId="{4AA64F67-2B0D-4B13-8E1D-ED9A3A06BE4E}">
-      <dsp:nvSpPr>
-        <dsp:cNvPr id="0" name=""/>
-        <dsp:cNvSpPr/>
-      </dsp:nvSpPr>
-      <dsp:spPr>
-        <a:xfrm>
-          <a:off x="2942108" y="1457263"/>
-          <a:ext cx="2002482" cy="954041"/>
-        </a:xfrm>
-        <a:prstGeom prst="roundRect">
-          <a:avLst>
-            <a:gd name="adj" fmla="val 10000"/>
-          </a:avLst>
-        </a:prstGeom>
-        <a:solidFill>
-          <a:schemeClr val="accent1">
-            <a:hueOff val="0"/>
-            <a:satOff val="0"/>
-            <a:lumOff val="0"/>
-            <a:alphaOff val="0"/>
-          </a:schemeClr>
-        </a:solidFill>
-        <a:ln w="12700" cap="flat" cmpd="sng" algn="ctr">
-          <a:solidFill>
-            <a:schemeClr val="lt1">
-              <a:hueOff val="0"/>
-              <a:satOff val="0"/>
-              <a:lumOff val="0"/>
-              <a:alphaOff val="0"/>
-            </a:schemeClr>
-          </a:solidFill>
-          <a:prstDash val="solid"/>
-          <a:miter lim="800000"/>
-        </a:ln>
-        <a:effectLst/>
-      </dsp:spPr>
-      <dsp:style>
-        <a:lnRef idx="2">
-          <a:scrgbClr r="0" g="0" b="0"/>
-        </a:lnRef>
-        <a:fillRef idx="1">
-          <a:scrgbClr r="0" g="0" b="0"/>
-        </a:fillRef>
-        <a:effectRef idx="0">
-          <a:scrgbClr r="0" g="0" b="0"/>
-        </a:effectRef>
-        <a:fontRef idx="minor">
-          <a:schemeClr val="lt1"/>
-        </a:fontRef>
-      </dsp:style>
-      <dsp:txBody>
-        <a:bodyPr spcFirstLastPara="0" vert="horz" wrap="square" lIns="40640" tIns="30480" rIns="40640" bIns="30480" numCol="1" spcCol="1270" anchor="ctr" anchorCtr="0">
-          <a:noAutofit/>
-        </a:bodyPr>
-        <a:lstStyle/>
-        <a:p>
-          <a:pPr lvl="0" algn="ctr" defTabSz="711200">
-            <a:lnSpc>
-              <a:spcPct val="90000"/>
-            </a:lnSpc>
-            <a:spcBef>
-              <a:spcPct val="0"/>
-            </a:spcBef>
-            <a:spcAft>
-              <a:spcPct val="35000"/>
-            </a:spcAft>
-          </a:pPr>
-          <a:r>
-            <a:rPr lang="zh-CN" altLang="en-US" sz="1600" kern="1200" dirty="0" smtClean="0"/>
-            <a:t>基础工业实习</a:t>
-          </a:r>
-          <a:endParaRPr lang="zh-CN" altLang="en-US" sz="1600" kern="1200" dirty="0"/>
-        </a:p>
-      </dsp:txBody>
-      <dsp:txXfrm>
-        <a:off x="2970051" y="1485206"/>
-        <a:ext cx="1946596" cy="898155"/>
-      </dsp:txXfrm>
-    </dsp:sp>
-    <dsp:sp modelId="{9416161F-6AB2-418A-8E1B-5517DB72273E}">
-      <dsp:nvSpPr>
-        <dsp:cNvPr id="0" name=""/>
-        <dsp:cNvSpPr/>
-      </dsp:nvSpPr>
-      <dsp:spPr>
-        <a:xfrm>
-          <a:off x="2942108" y="2558081"/>
-          <a:ext cx="2002482" cy="954041"/>
-        </a:xfrm>
-        <a:prstGeom prst="roundRect">
-          <a:avLst>
-            <a:gd name="adj" fmla="val 10000"/>
-          </a:avLst>
-        </a:prstGeom>
-        <a:solidFill>
-          <a:schemeClr val="accent1">
-            <a:hueOff val="0"/>
-            <a:satOff val="0"/>
-            <a:lumOff val="0"/>
-            <a:alphaOff val="0"/>
-          </a:schemeClr>
-        </a:solidFill>
-        <a:ln w="12700" cap="flat" cmpd="sng" algn="ctr">
-          <a:solidFill>
-            <a:schemeClr val="lt1">
-              <a:hueOff val="0"/>
-              <a:satOff val="0"/>
-              <a:lumOff val="0"/>
-              <a:alphaOff val="0"/>
-            </a:schemeClr>
-          </a:solidFill>
-          <a:prstDash val="solid"/>
-          <a:miter lim="800000"/>
-        </a:ln>
-        <a:effectLst/>
-      </dsp:spPr>
-      <dsp:style>
-        <a:lnRef idx="2">
-          <a:scrgbClr r="0" g="0" b="0"/>
-        </a:lnRef>
-        <a:fillRef idx="1">
-          <a:scrgbClr r="0" g="0" b="0"/>
-        </a:fillRef>
-        <a:effectRef idx="0">
-          <a:scrgbClr r="0" g="0" b="0"/>
-        </a:effectRef>
-        <a:fontRef idx="minor">
-          <a:schemeClr val="lt1"/>
-        </a:fontRef>
-      </dsp:style>
-      <dsp:txBody>
-        <a:bodyPr spcFirstLastPara="0" vert="horz" wrap="square" lIns="40640" tIns="30480" rIns="40640" bIns="30480" numCol="1" spcCol="1270" anchor="ctr" anchorCtr="0">
-          <a:noAutofit/>
-        </a:bodyPr>
-        <a:lstStyle/>
-        <a:p>
-          <a:pPr lvl="0" algn="ctr" defTabSz="711200">
-            <a:lnSpc>
-              <a:spcPct val="90000"/>
-            </a:lnSpc>
-            <a:spcBef>
-              <a:spcPct val="0"/>
-            </a:spcBef>
-            <a:spcAft>
-              <a:spcPct val="35000"/>
-            </a:spcAft>
-          </a:pPr>
-          <a:r>
-            <a:rPr lang="zh-CN" altLang="en-US" sz="1600" kern="1200" dirty="0" smtClean="0"/>
-            <a:t>系统类、战略类、设计类课程</a:t>
-          </a:r>
-          <a:endParaRPr lang="zh-CN" altLang="en-US" sz="1600" kern="1200" dirty="0"/>
-        </a:p>
-      </dsp:txBody>
-      <dsp:txXfrm>
-        <a:off x="2970051" y="2586024"/>
-        <a:ext cx="1946596" cy="898155"/>
-      </dsp:txXfrm>
-    </dsp:sp>
-    <dsp:sp modelId="{5C4EA968-D21E-435D-81E9-18383051B82F}">
-      <dsp:nvSpPr>
-        <dsp:cNvPr id="0" name=""/>
-        <dsp:cNvSpPr/>
-      </dsp:nvSpPr>
-      <dsp:spPr>
-        <a:xfrm>
-          <a:off x="2942108" y="3658898"/>
-          <a:ext cx="2002482" cy="954041"/>
-        </a:xfrm>
-        <a:prstGeom prst="roundRect">
-          <a:avLst>
-            <a:gd name="adj" fmla="val 10000"/>
-          </a:avLst>
-        </a:prstGeom>
-        <a:solidFill>
-          <a:schemeClr val="accent1">
-            <a:hueOff val="0"/>
-            <a:satOff val="0"/>
-            <a:lumOff val="0"/>
-            <a:alphaOff val="0"/>
-          </a:schemeClr>
-        </a:solidFill>
-        <a:ln w="12700" cap="flat" cmpd="sng" algn="ctr">
-          <a:solidFill>
-            <a:schemeClr val="lt1">
-              <a:hueOff val="0"/>
-              <a:satOff val="0"/>
-              <a:lumOff val="0"/>
-              <a:alphaOff val="0"/>
-            </a:schemeClr>
-          </a:solidFill>
-          <a:prstDash val="solid"/>
-          <a:miter lim="800000"/>
-        </a:ln>
-        <a:effectLst/>
-      </dsp:spPr>
-      <dsp:style>
-        <a:lnRef idx="2">
-          <a:scrgbClr r="0" g="0" b="0"/>
-        </a:lnRef>
-        <a:fillRef idx="1">
-          <a:scrgbClr r="0" g="0" b="0"/>
-        </a:fillRef>
-        <a:effectRef idx="0">
-          <a:scrgbClr r="0" g="0" b="0"/>
-        </a:effectRef>
-        <a:fontRef idx="minor">
-          <a:schemeClr val="lt1"/>
-        </a:fontRef>
-      </dsp:style>
-      <dsp:txBody>
-        <a:bodyPr spcFirstLastPara="0" vert="horz" wrap="square" lIns="40640" tIns="30480" rIns="40640" bIns="30480" numCol="1" spcCol="1270" anchor="ctr" anchorCtr="0">
-          <a:noAutofit/>
-        </a:bodyPr>
-        <a:lstStyle/>
-        <a:p>
-          <a:pPr lvl="0" algn="ctr" defTabSz="711200">
-            <a:lnSpc>
-              <a:spcPct val="90000"/>
-            </a:lnSpc>
-            <a:spcBef>
-              <a:spcPct val="0"/>
-            </a:spcBef>
-            <a:spcAft>
-              <a:spcPct val="35000"/>
-            </a:spcAft>
-          </a:pPr>
-          <a:r>
-            <a:rPr lang="zh-CN" altLang="en-US" sz="1600" kern="1200" dirty="0" smtClean="0"/>
-            <a:t>学生创新实践活动</a:t>
-          </a:r>
-          <a:endParaRPr lang="en-US" altLang="zh-CN" sz="1600" kern="1200" dirty="0" smtClean="0"/>
-        </a:p>
-        <a:p>
-          <a:pPr lvl="0" algn="ctr" defTabSz="711200">
-            <a:lnSpc>
-              <a:spcPct val="90000"/>
-            </a:lnSpc>
-            <a:spcBef>
-              <a:spcPct val="0"/>
-            </a:spcBef>
-            <a:spcAft>
-              <a:spcPct val="35000"/>
-            </a:spcAft>
-          </a:pPr>
-          <a:r>
-            <a:rPr lang="zh-CN" altLang="en-US" sz="1600" kern="1200" dirty="0" smtClean="0"/>
-            <a:t>（竞赛、创客活动）</a:t>
-          </a:r>
-          <a:endParaRPr lang="zh-CN" altLang="en-US" sz="1600" kern="1200" dirty="0"/>
-        </a:p>
-      </dsp:txBody>
-      <dsp:txXfrm>
-        <a:off x="2970051" y="3686841"/>
-        <a:ext cx="1946596" cy="898155"/>
-      </dsp:txXfrm>
-    </dsp:sp>
-    <dsp:sp modelId="{7E2B7AB8-D8EA-4E32-AA90-AF6B0B07CA78}">
-      <dsp:nvSpPr>
-        <dsp:cNvPr id="0" name=""/>
-        <dsp:cNvSpPr/>
-      </dsp:nvSpPr>
-      <dsp:spPr>
-        <a:xfrm>
-          <a:off x="5382634" y="0"/>
-          <a:ext cx="2503103" cy="4856163"/>
-        </a:xfrm>
-        <a:prstGeom prst="roundRect">
-          <a:avLst>
-            <a:gd name="adj" fmla="val 10000"/>
-          </a:avLst>
-        </a:prstGeom>
-        <a:solidFill>
-          <a:schemeClr val="accent1">
-            <a:tint val="40000"/>
-            <a:hueOff val="0"/>
-            <a:satOff val="0"/>
-            <a:lumOff val="0"/>
-            <a:alphaOff val="0"/>
-          </a:schemeClr>
-        </a:solidFill>
-        <a:ln>
-          <a:noFill/>
-        </a:ln>
-        <a:effectLst/>
-      </dsp:spPr>
-      <dsp:style>
-        <a:lnRef idx="0">
-          <a:scrgbClr r="0" g="0" b="0"/>
-        </a:lnRef>
-        <a:fillRef idx="1">
-          <a:scrgbClr r="0" g="0" b="0"/>
-        </a:fillRef>
-        <a:effectRef idx="0">
-          <a:scrgbClr r="0" g="0" b="0"/>
-        </a:effectRef>
-        <a:fontRef idx="minor"/>
-      </dsp:style>
-      <dsp:txBody>
-        <a:bodyPr spcFirstLastPara="0" vert="horz" wrap="square" lIns="91440" tIns="91440" rIns="91440" bIns="91440" numCol="1" spcCol="1270" anchor="ctr" anchorCtr="0">
-          <a:noAutofit/>
-        </a:bodyPr>
-        <a:lstStyle/>
-        <a:p>
-          <a:pPr lvl="0" algn="ctr" defTabSz="1066800">
-            <a:lnSpc>
-              <a:spcPct val="90000"/>
-            </a:lnSpc>
-            <a:spcBef>
-              <a:spcPct val="0"/>
-            </a:spcBef>
-            <a:spcAft>
-              <a:spcPct val="35000"/>
-            </a:spcAft>
-          </a:pPr>
-          <a:r>
-            <a:rPr lang="en-US" altLang="zh-CN" sz="2400" kern="1200" dirty="0" smtClean="0"/>
-            <a:t>C. </a:t>
-          </a:r>
-          <a:r>
-            <a:rPr lang="zh-CN" altLang="en-US" sz="2400" kern="1200" dirty="0" smtClean="0"/>
-            <a:t>实体空间设计</a:t>
-          </a:r>
-          <a:endParaRPr lang="zh-CN" altLang="en-US" sz="2400" kern="1200" dirty="0"/>
-        </a:p>
-      </dsp:txBody>
-      <dsp:txXfrm>
-        <a:off x="5382634" y="0"/>
-        <a:ext cx="2503103" cy="1456848"/>
-      </dsp:txXfrm>
-    </dsp:sp>
-    <dsp:sp modelId="{89BB89BF-A212-415E-A4A1-687A44ACD648}">
-      <dsp:nvSpPr>
-        <dsp:cNvPr id="0" name=""/>
-        <dsp:cNvSpPr/>
-      </dsp:nvSpPr>
-      <dsp:spPr>
-        <a:xfrm>
-          <a:off x="5632944" y="1457767"/>
-          <a:ext cx="2002482" cy="561790"/>
-        </a:xfrm>
-        <a:prstGeom prst="roundRect">
-          <a:avLst>
-            <a:gd name="adj" fmla="val 10000"/>
-          </a:avLst>
-        </a:prstGeom>
-        <a:solidFill>
-          <a:schemeClr val="accent1">
-            <a:hueOff val="0"/>
-            <a:satOff val="0"/>
-            <a:lumOff val="0"/>
-            <a:alphaOff val="0"/>
-          </a:schemeClr>
-        </a:solidFill>
-        <a:ln w="12700" cap="flat" cmpd="sng" algn="ctr">
-          <a:solidFill>
-            <a:schemeClr val="lt1">
-              <a:hueOff val="0"/>
-              <a:satOff val="0"/>
-              <a:lumOff val="0"/>
-              <a:alphaOff val="0"/>
-            </a:schemeClr>
-          </a:solidFill>
-          <a:prstDash val="solid"/>
-          <a:miter lim="800000"/>
-        </a:ln>
-        <a:effectLst/>
-      </dsp:spPr>
-      <dsp:style>
-        <a:lnRef idx="2">
-          <a:scrgbClr r="0" g="0" b="0"/>
-        </a:lnRef>
-        <a:fillRef idx="1">
-          <a:scrgbClr r="0" g="0" b="0"/>
-        </a:fillRef>
-        <a:effectRef idx="0">
-          <a:scrgbClr r="0" g="0" b="0"/>
-        </a:effectRef>
-        <a:fontRef idx="minor">
-          <a:schemeClr val="lt1"/>
-        </a:fontRef>
-      </dsp:style>
-      <dsp:txBody>
-        <a:bodyPr spcFirstLastPara="0" vert="horz" wrap="square" lIns="40640" tIns="30480" rIns="40640" bIns="30480" numCol="1" spcCol="1270" anchor="ctr" anchorCtr="0">
-          <a:noAutofit/>
-        </a:bodyPr>
-        <a:lstStyle/>
-        <a:p>
-          <a:pPr lvl="0" algn="ctr" defTabSz="711200">
-            <a:lnSpc>
-              <a:spcPct val="90000"/>
-            </a:lnSpc>
-            <a:spcBef>
-              <a:spcPct val="0"/>
-            </a:spcBef>
-            <a:spcAft>
-              <a:spcPct val="35000"/>
-            </a:spcAft>
-          </a:pPr>
-          <a:r>
-            <a:rPr lang="zh-CN" altLang="en-US" sz="1600" kern="1200" dirty="0" smtClean="0"/>
-            <a:t>基础实习工作室</a:t>
-          </a:r>
-          <a:endParaRPr lang="zh-CN" altLang="en-US" sz="1600" kern="1200" dirty="0"/>
-        </a:p>
-      </dsp:txBody>
-      <dsp:txXfrm>
-        <a:off x="5649398" y="1474221"/>
-        <a:ext cx="1969574" cy="528882"/>
-      </dsp:txXfrm>
-    </dsp:sp>
-    <dsp:sp modelId="{7873841A-283E-4E98-A030-E5BE5FEA6643}">
-      <dsp:nvSpPr>
-        <dsp:cNvPr id="0" name=""/>
-        <dsp:cNvSpPr/>
-      </dsp:nvSpPr>
-      <dsp:spPr>
-        <a:xfrm>
-          <a:off x="5632944" y="2105987"/>
-          <a:ext cx="2002482" cy="561790"/>
-        </a:xfrm>
-        <a:prstGeom prst="roundRect">
-          <a:avLst>
-            <a:gd name="adj" fmla="val 10000"/>
-          </a:avLst>
-        </a:prstGeom>
-        <a:solidFill>
-          <a:schemeClr val="accent1">
-            <a:hueOff val="0"/>
-            <a:satOff val="0"/>
-            <a:lumOff val="0"/>
-            <a:alphaOff val="0"/>
-          </a:schemeClr>
-        </a:solidFill>
-        <a:ln w="12700" cap="flat" cmpd="sng" algn="ctr">
-          <a:solidFill>
-            <a:schemeClr val="lt1">
-              <a:hueOff val="0"/>
-              <a:satOff val="0"/>
-              <a:lumOff val="0"/>
-              <a:alphaOff val="0"/>
-            </a:schemeClr>
-          </a:solidFill>
-          <a:prstDash val="solid"/>
-          <a:miter lim="800000"/>
-        </a:ln>
-        <a:effectLst/>
-      </dsp:spPr>
-      <dsp:style>
-        <a:lnRef idx="2">
-          <a:scrgbClr r="0" g="0" b="0"/>
-        </a:lnRef>
-        <a:fillRef idx="1">
-          <a:scrgbClr r="0" g="0" b="0"/>
-        </a:fillRef>
-        <a:effectRef idx="0">
-          <a:scrgbClr r="0" g="0" b="0"/>
-        </a:effectRef>
-        <a:fontRef idx="minor">
-          <a:schemeClr val="lt1"/>
-        </a:fontRef>
-      </dsp:style>
-      <dsp:txBody>
-        <a:bodyPr spcFirstLastPara="0" vert="horz" wrap="square" lIns="40640" tIns="30480" rIns="40640" bIns="30480" numCol="1" spcCol="1270" anchor="ctr" anchorCtr="0">
-          <a:noAutofit/>
-        </a:bodyPr>
-        <a:lstStyle/>
-        <a:p>
-          <a:pPr lvl="0" algn="ctr" defTabSz="711200">
-            <a:lnSpc>
-              <a:spcPct val="90000"/>
-            </a:lnSpc>
-            <a:spcBef>
-              <a:spcPct val="0"/>
-            </a:spcBef>
-            <a:spcAft>
-              <a:spcPct val="35000"/>
-            </a:spcAft>
-          </a:pPr>
-          <a:r>
-            <a:rPr lang="zh-CN" altLang="en-US" sz="1600" kern="1200" dirty="0" smtClean="0"/>
-            <a:t>先进制造系统</a:t>
-          </a:r>
-          <a:endParaRPr lang="zh-CN" altLang="en-US" sz="1600" kern="1200" dirty="0"/>
-        </a:p>
-      </dsp:txBody>
-      <dsp:txXfrm>
-        <a:off x="5649398" y="2122441"/>
-        <a:ext cx="1969574" cy="528882"/>
-      </dsp:txXfrm>
-    </dsp:sp>
-    <dsp:sp modelId="{131F08B0-DE35-4740-923D-93E22C91042D}">
-      <dsp:nvSpPr>
-        <dsp:cNvPr id="0" name=""/>
-        <dsp:cNvSpPr/>
-      </dsp:nvSpPr>
-      <dsp:spPr>
-        <a:xfrm>
-          <a:off x="5632944" y="2754206"/>
-          <a:ext cx="2002482" cy="561790"/>
-        </a:xfrm>
-        <a:prstGeom prst="roundRect">
-          <a:avLst>
-            <a:gd name="adj" fmla="val 10000"/>
-          </a:avLst>
-        </a:prstGeom>
-        <a:solidFill>
-          <a:schemeClr val="accent1">
-            <a:hueOff val="0"/>
-            <a:satOff val="0"/>
-            <a:lumOff val="0"/>
-            <a:alphaOff val="0"/>
-          </a:schemeClr>
-        </a:solidFill>
-        <a:ln w="12700" cap="flat" cmpd="sng" algn="ctr">
-          <a:solidFill>
-            <a:schemeClr val="lt1">
-              <a:hueOff val="0"/>
-              <a:satOff val="0"/>
-              <a:lumOff val="0"/>
-              <a:alphaOff val="0"/>
-            </a:schemeClr>
-          </a:solidFill>
-          <a:prstDash val="solid"/>
-          <a:miter lim="800000"/>
-        </a:ln>
-        <a:effectLst/>
-      </dsp:spPr>
-      <dsp:style>
-        <a:lnRef idx="2">
-          <a:scrgbClr r="0" g="0" b="0"/>
-        </a:lnRef>
-        <a:fillRef idx="1">
-          <a:scrgbClr r="0" g="0" b="0"/>
-        </a:fillRef>
-        <a:effectRef idx="0">
-          <a:scrgbClr r="0" g="0" b="0"/>
-        </a:effectRef>
-        <a:fontRef idx="minor">
-          <a:schemeClr val="lt1"/>
-        </a:fontRef>
-      </dsp:style>
-      <dsp:txBody>
-        <a:bodyPr spcFirstLastPara="0" vert="horz" wrap="square" lIns="40640" tIns="30480" rIns="40640" bIns="30480" numCol="1" spcCol="1270" anchor="ctr" anchorCtr="0">
-          <a:noAutofit/>
-        </a:bodyPr>
-        <a:lstStyle/>
-        <a:p>
-          <a:pPr lvl="0" algn="ctr" defTabSz="711200">
-            <a:lnSpc>
-              <a:spcPct val="90000"/>
-            </a:lnSpc>
-            <a:spcBef>
-              <a:spcPct val="0"/>
-            </a:spcBef>
-            <a:spcAft>
-              <a:spcPct val="35000"/>
-            </a:spcAft>
-          </a:pPr>
-          <a:r>
-            <a:rPr lang="zh-CN" altLang="en-US" sz="1600" kern="1200" dirty="0" smtClean="0"/>
-            <a:t>研讨室及团队室</a:t>
-          </a:r>
-          <a:endParaRPr lang="en-US" altLang="zh-CN" sz="1600" kern="1200" dirty="0" smtClean="0"/>
-        </a:p>
-      </dsp:txBody>
-      <dsp:txXfrm>
-        <a:off x="5649398" y="2770660"/>
-        <a:ext cx="1969574" cy="528882"/>
-      </dsp:txXfrm>
-    </dsp:sp>
-    <dsp:sp modelId="{EC0BBE67-E7EE-4BDB-922B-9733BABB2322}">
-      <dsp:nvSpPr>
-        <dsp:cNvPr id="0" name=""/>
-        <dsp:cNvSpPr/>
-      </dsp:nvSpPr>
-      <dsp:spPr>
-        <a:xfrm>
-          <a:off x="5632944" y="3402426"/>
-          <a:ext cx="2002482" cy="561790"/>
-        </a:xfrm>
-        <a:prstGeom prst="roundRect">
-          <a:avLst>
-            <a:gd name="adj" fmla="val 10000"/>
-          </a:avLst>
-        </a:prstGeom>
-        <a:solidFill>
-          <a:schemeClr val="accent1">
-            <a:hueOff val="0"/>
-            <a:satOff val="0"/>
-            <a:lumOff val="0"/>
-            <a:alphaOff val="0"/>
-          </a:schemeClr>
-        </a:solidFill>
-        <a:ln w="12700" cap="flat" cmpd="sng" algn="ctr">
-          <a:solidFill>
-            <a:schemeClr val="lt1">
-              <a:hueOff val="0"/>
-              <a:satOff val="0"/>
-              <a:lumOff val="0"/>
-              <a:alphaOff val="0"/>
-            </a:schemeClr>
-          </a:solidFill>
-          <a:prstDash val="solid"/>
-          <a:miter lim="800000"/>
-        </a:ln>
-        <a:effectLst/>
-      </dsp:spPr>
-      <dsp:style>
-        <a:lnRef idx="2">
-          <a:scrgbClr r="0" g="0" b="0"/>
-        </a:lnRef>
-        <a:fillRef idx="1">
-          <a:scrgbClr r="0" g="0" b="0"/>
-        </a:fillRef>
-        <a:effectRef idx="0">
-          <a:scrgbClr r="0" g="0" b="0"/>
-        </a:effectRef>
-        <a:fontRef idx="minor">
-          <a:schemeClr val="lt1"/>
-        </a:fontRef>
-      </dsp:style>
-      <dsp:txBody>
-        <a:bodyPr spcFirstLastPara="0" vert="horz" wrap="square" lIns="40640" tIns="30480" rIns="40640" bIns="30480" numCol="1" spcCol="1270" anchor="ctr" anchorCtr="0">
-          <a:noAutofit/>
-        </a:bodyPr>
-        <a:lstStyle/>
-        <a:p>
-          <a:pPr lvl="0" algn="ctr" defTabSz="711200">
-            <a:lnSpc>
-              <a:spcPct val="90000"/>
-            </a:lnSpc>
-            <a:spcBef>
-              <a:spcPct val="0"/>
-            </a:spcBef>
-            <a:spcAft>
-              <a:spcPct val="35000"/>
-            </a:spcAft>
-          </a:pPr>
-          <a:r>
-            <a:rPr lang="zh-CN" altLang="en-US" sz="1600" kern="1200" dirty="0" smtClean="0"/>
-            <a:t>文化区</a:t>
-          </a:r>
-          <a:endParaRPr lang="en-US" altLang="zh-CN" sz="1600" kern="1200" dirty="0" smtClean="0"/>
-        </a:p>
-      </dsp:txBody>
-      <dsp:txXfrm>
-        <a:off x="5649398" y="3418880"/>
-        <a:ext cx="1969574" cy="528882"/>
-      </dsp:txXfrm>
-    </dsp:sp>
-    <dsp:sp modelId="{79C28DAB-55F1-4DB0-AE20-2AAA42F8608A}">
-      <dsp:nvSpPr>
-        <dsp:cNvPr id="0" name=""/>
-        <dsp:cNvSpPr/>
-      </dsp:nvSpPr>
-      <dsp:spPr>
-        <a:xfrm>
-          <a:off x="5632944" y="4050645"/>
-          <a:ext cx="2002482" cy="561790"/>
-        </a:xfrm>
-        <a:prstGeom prst="roundRect">
-          <a:avLst>
-            <a:gd name="adj" fmla="val 10000"/>
-          </a:avLst>
-        </a:prstGeom>
-        <a:solidFill>
-          <a:schemeClr val="accent1">
-            <a:hueOff val="0"/>
-            <a:satOff val="0"/>
-            <a:lumOff val="0"/>
-            <a:alphaOff val="0"/>
-          </a:schemeClr>
-        </a:solidFill>
-        <a:ln w="12700" cap="flat" cmpd="sng" algn="ctr">
-          <a:solidFill>
-            <a:schemeClr val="lt1">
-              <a:hueOff val="0"/>
-              <a:satOff val="0"/>
-              <a:lumOff val="0"/>
-              <a:alphaOff val="0"/>
-            </a:schemeClr>
-          </a:solidFill>
-          <a:prstDash val="solid"/>
-          <a:miter lim="800000"/>
-        </a:ln>
-        <a:effectLst/>
-      </dsp:spPr>
-      <dsp:style>
-        <a:lnRef idx="2">
-          <a:scrgbClr r="0" g="0" b="0"/>
-        </a:lnRef>
-        <a:fillRef idx="1">
-          <a:scrgbClr r="0" g="0" b="0"/>
-        </a:fillRef>
-        <a:effectRef idx="0">
-          <a:scrgbClr r="0" g="0" b="0"/>
-        </a:effectRef>
-        <a:fontRef idx="minor">
-          <a:schemeClr val="lt1"/>
-        </a:fontRef>
-      </dsp:style>
-      <dsp:txBody>
-        <a:bodyPr spcFirstLastPara="0" vert="horz" wrap="square" lIns="40640" tIns="30480" rIns="40640" bIns="30480" numCol="1" spcCol="1270" anchor="ctr" anchorCtr="0">
-          <a:noAutofit/>
-        </a:bodyPr>
-        <a:lstStyle/>
-        <a:p>
-          <a:pPr lvl="0" algn="ctr" defTabSz="711200">
-            <a:lnSpc>
-              <a:spcPct val="90000"/>
-            </a:lnSpc>
-            <a:spcBef>
-              <a:spcPct val="0"/>
-            </a:spcBef>
-            <a:spcAft>
-              <a:spcPct val="35000"/>
-            </a:spcAft>
-          </a:pPr>
-          <a:r>
-            <a:rPr lang="zh-CN" altLang="en-US" sz="1600" kern="1200" dirty="0" smtClean="0"/>
-            <a:t>讨论室及工作区</a:t>
-          </a:r>
-          <a:endParaRPr lang="zh-CN" altLang="en-US" sz="1600" kern="1200" dirty="0"/>
-        </a:p>
-      </dsp:txBody>
-      <dsp:txXfrm>
-        <a:off x="5649398" y="4067099"/>
-        <a:ext cx="1969574" cy="528882"/>
-      </dsp:txXfrm>
-    </dsp:sp>
   </dsp:spTree>
 </dsp:drawing>
 </file>
@@ -19007,7 +16905,7 @@
           <a:p>
             <a:fld id="{408926B9-0AE9-4841-8807-A52893CAC8ED}" type="datetimeFigureOut">
               <a:rPr lang="zh-CN" altLang="en-US" smtClean="0"/>
-              <a:t>5/27/14</a:t>
+              <a:t>2014/5/27</a:t>
             </a:fld>
             <a:endParaRPr lang="zh-CN" altLang="en-US"/>
           </a:p>
@@ -19177,7 +17075,7 @@
           <a:p>
             <a:fld id="{408926B9-0AE9-4841-8807-A52893CAC8ED}" type="datetimeFigureOut">
               <a:rPr lang="zh-CN" altLang="en-US" smtClean="0"/>
-              <a:t>5/27/14</a:t>
+              <a:t>2014/5/27</a:t>
             </a:fld>
             <a:endParaRPr lang="zh-CN" altLang="en-US"/>
           </a:p>
@@ -19357,7 +17255,7 @@
           <a:p>
             <a:fld id="{408926B9-0AE9-4841-8807-A52893CAC8ED}" type="datetimeFigureOut">
               <a:rPr lang="zh-CN" altLang="en-US" smtClean="0"/>
-              <a:t>5/27/14</a:t>
+              <a:t>2014/5/27</a:t>
             </a:fld>
             <a:endParaRPr lang="zh-CN" altLang="en-US"/>
           </a:p>
@@ -19527,7 +17425,7 @@
           <a:p>
             <a:fld id="{408926B9-0AE9-4841-8807-A52893CAC8ED}" type="datetimeFigureOut">
               <a:rPr lang="zh-CN" altLang="en-US" smtClean="0"/>
-              <a:t>5/27/14</a:t>
+              <a:t>2014/5/27</a:t>
             </a:fld>
             <a:endParaRPr lang="zh-CN" altLang="en-US"/>
           </a:p>
@@ -19771,7 +17669,7 @@
           <a:p>
             <a:fld id="{408926B9-0AE9-4841-8807-A52893CAC8ED}" type="datetimeFigureOut">
               <a:rPr lang="zh-CN" altLang="en-US" smtClean="0"/>
-              <a:t>5/27/14</a:t>
+              <a:t>2014/5/27</a:t>
             </a:fld>
             <a:endParaRPr lang="zh-CN" altLang="en-US"/>
           </a:p>
@@ -20003,7 +17901,7 @@
           <a:p>
             <a:fld id="{408926B9-0AE9-4841-8807-A52893CAC8ED}" type="datetimeFigureOut">
               <a:rPr lang="zh-CN" altLang="en-US" smtClean="0"/>
-              <a:t>5/27/14</a:t>
+              <a:t>2014/5/27</a:t>
             </a:fld>
             <a:endParaRPr lang="zh-CN" altLang="en-US"/>
           </a:p>
@@ -20370,7 +18268,7 @@
           <a:p>
             <a:fld id="{408926B9-0AE9-4841-8807-A52893CAC8ED}" type="datetimeFigureOut">
               <a:rPr lang="zh-CN" altLang="en-US" smtClean="0"/>
-              <a:t>5/27/14</a:t>
+              <a:t>2014/5/27</a:t>
             </a:fld>
             <a:endParaRPr lang="zh-CN" altLang="en-US"/>
           </a:p>
@@ -20488,7 +18386,7 @@
           <a:p>
             <a:fld id="{408926B9-0AE9-4841-8807-A52893CAC8ED}" type="datetimeFigureOut">
               <a:rPr lang="zh-CN" altLang="en-US" smtClean="0"/>
-              <a:t>5/27/14</a:t>
+              <a:t>2014/5/27</a:t>
             </a:fld>
             <a:endParaRPr lang="zh-CN" altLang="en-US"/>
           </a:p>
@@ -20583,7 +18481,7 @@
           <a:p>
             <a:fld id="{408926B9-0AE9-4841-8807-A52893CAC8ED}" type="datetimeFigureOut">
               <a:rPr lang="zh-CN" altLang="en-US" smtClean="0"/>
-              <a:t>5/27/14</a:t>
+              <a:t>2014/5/27</a:t>
             </a:fld>
             <a:endParaRPr lang="zh-CN" altLang="en-US"/>
           </a:p>
@@ -20860,7 +18758,7 @@
           <a:p>
             <a:fld id="{408926B9-0AE9-4841-8807-A52893CAC8ED}" type="datetimeFigureOut">
               <a:rPr lang="zh-CN" altLang="en-US" smtClean="0"/>
-              <a:t>5/27/14</a:t>
+              <a:t>2014/5/27</a:t>
             </a:fld>
             <a:endParaRPr lang="zh-CN" altLang="en-US"/>
           </a:p>
@@ -21117,7 +19015,7 @@
           <a:p>
             <a:fld id="{408926B9-0AE9-4841-8807-A52893CAC8ED}" type="datetimeFigureOut">
               <a:rPr lang="zh-CN" altLang="en-US" smtClean="0"/>
-              <a:t>5/27/14</a:t>
+              <a:t>2014/5/27</a:t>
             </a:fld>
             <a:endParaRPr lang="zh-CN" altLang="en-US"/>
           </a:p>
@@ -21330,7 +19228,7 @@
           <a:p>
             <a:fld id="{408926B9-0AE9-4841-8807-A52893CAC8ED}" type="datetimeFigureOut">
               <a:rPr lang="zh-CN" altLang="en-US" smtClean="0"/>
-              <a:t>5/27/14</a:t>
+              <a:t>2014/5/27</a:t>
             </a:fld>
             <a:endParaRPr lang="zh-CN" altLang="en-US"/>
           </a:p>
@@ -23628,7 +21526,7 @@
   <p:timing>
     <p:tnLst>
       <p:par>
-        <p:cTn xmlns:p14="http://schemas.microsoft.com/office/powerpoint/2010/main" id="1" dur="indefinite" restart="never" nodeType="tmRoot"/>
+        <p:cTn id="1" dur="indefinite" restart="never" nodeType="tmRoot"/>
       </p:par>
     </p:tnLst>
   </p:timing>
@@ -26398,7 +24296,7 @@
   <p:timing>
     <p:tnLst>
       <p:par>
-        <p:cTn xmlns:p14="http://schemas.microsoft.com/office/powerpoint/2010/main" id="1" dur="indefinite" restart="never" nodeType="tmRoot"/>
+        <p:cTn id="1" dur="indefinite" restart="never" nodeType="tmRoot"/>
       </p:par>
     </p:tnLst>
   </p:timing>
@@ -27736,11 +25634,7 @@
             <a:pPr lvl="2"/>
             <a:r>
               <a:rPr lang="zh-CN" altLang="en-US" dirty="0" smtClean="0"/>
-              <a:t>交叉结合人因工程、心理学、室内设计、</a:t>
-            </a:r>
-            <a:r>
-              <a:rPr lang="zh-CN" altLang="en-US" dirty="0" smtClean="0"/>
-              <a:t>色彩等专业知识</a:t>
+              <a:t>交叉结合人因工程、心理学、室内设计、色彩等专业知识</a:t>
             </a:r>
             <a:endParaRPr lang="en-US" altLang="zh-CN" dirty="0" smtClean="0"/>
           </a:p>
@@ -27772,23 +25666,7 @@
             <a:pPr lvl="2"/>
             <a:r>
               <a:rPr lang="zh-CN" altLang="en-US" dirty="0" smtClean="0"/>
-              <a:t>邀请中心教师职工</a:t>
-            </a:r>
-            <a:r>
-              <a:rPr lang="zh-CN" altLang="en-US" dirty="0" smtClean="0"/>
-              <a:t>设计制作</a:t>
-            </a:r>
-            <a:r>
-              <a:rPr lang="zh-CN" altLang="en-US" dirty="0" smtClean="0"/>
-              <a:t>，</a:t>
-            </a:r>
-            <a:r>
-              <a:rPr lang="zh-CN" altLang="en-US" dirty="0" smtClean="0"/>
-              <a:t>协同美术学院、新闻</a:t>
-            </a:r>
-            <a:r>
-              <a:rPr lang="zh-CN" altLang="en-US" dirty="0" smtClean="0"/>
-              <a:t>学院等</a:t>
+              <a:t>邀请中心教师职工设计制作，协同美术学院、新闻学院等</a:t>
             </a:r>
             <a:endParaRPr lang="en-US" altLang="zh-CN" dirty="0" smtClean="0"/>
           </a:p>
@@ -27804,15 +25682,7 @@
             <a:pPr lvl="2"/>
             <a:r>
               <a:rPr lang="zh-CN" altLang="en-US" dirty="0" smtClean="0"/>
-              <a:t>利用精雕</a:t>
-            </a:r>
-            <a:r>
-              <a:rPr lang="zh-CN" altLang="en-US" dirty="0" smtClean="0"/>
-              <a:t>机、激光切割机等数控加工设备</a:t>
-            </a:r>
-            <a:r>
-              <a:rPr lang="zh-CN" altLang="en-US" dirty="0" smtClean="0"/>
-              <a:t>制作</a:t>
+              <a:t>利用精雕机、激光切割机等数控加工设备制作</a:t>
             </a:r>
             <a:endParaRPr lang="en-US" altLang="zh-CN" dirty="0" smtClean="0"/>
           </a:p>
@@ -27844,27 +25714,35 @@
             <a:pPr lvl="2"/>
             <a:r>
               <a:rPr lang="zh-CN" altLang="en-US" dirty="0" smtClean="0"/>
-              <a:t>邀请中心教师职工，协同创</a:t>
+              <a:t>邀请中心教师职工，协同创新社、天空工厂等学生社团进行联合</a:t>
             </a:r>
             <a:r>
               <a:rPr lang="zh-CN" altLang="en-US" dirty="0" smtClean="0"/>
-              <a:t>新社</a:t>
+              <a:t>开发</a:t>
+            </a:r>
+            <a:endParaRPr lang="en-US" altLang="zh-CN" dirty="0" smtClean="0"/>
+          </a:p>
+          <a:p>
+            <a:pPr lvl="1"/>
+            <a:r>
+              <a:rPr lang="zh-CN" altLang="en-US" dirty="0"/>
+              <a:t>外立</a:t>
             </a:r>
             <a:r>
               <a:rPr lang="zh-CN" altLang="en-US" dirty="0" smtClean="0"/>
-              <a:t>、天空工厂</a:t>
+              <a:t>面、大堂、走廊等室内外公共空间</a:t>
+            </a:r>
+            <a:endParaRPr lang="en-US" altLang="zh-CN" dirty="0" smtClean="0"/>
+          </a:p>
+          <a:p>
+            <a:pPr lvl="2"/>
+            <a:r>
+              <a:rPr lang="zh-CN" altLang="en-US" dirty="0" smtClean="0"/>
+              <a:t>邀请</a:t>
             </a:r>
             <a:r>
-              <a:rPr lang="zh-CN" altLang="en-US" dirty="0" smtClean="0"/>
-              <a:t>等</a:t>
-            </a:r>
-            <a:r>
-              <a:rPr lang="zh-CN" altLang="en-US" dirty="0" smtClean="0"/>
-              <a:t>学生</a:t>
-            </a:r>
-            <a:r>
-              <a:rPr lang="zh-CN" altLang="en-US" dirty="0" smtClean="0"/>
-              <a:t>社团进行联合开发</a:t>
+              <a:rPr lang="zh-CN" altLang="en-US" smtClean="0"/>
+              <a:t>美术学院马泉老师设计</a:t>
             </a:r>
             <a:endParaRPr lang="en-US" altLang="zh-CN" dirty="0" smtClean="0"/>
           </a:p>
@@ -28409,7 +26287,7 @@
   <p:timing>
     <p:tnLst>
       <p:par>
-        <p:cTn xmlns:p14="http://schemas.microsoft.com/office/powerpoint/2010/main" id="1" dur="indefinite" restart="never" nodeType="tmRoot"/>
+        <p:cTn id="1" dur="indefinite" restart="never" nodeType="tmRoot"/>
       </p:par>
     </p:tnLst>
   </p:timing>
@@ -28879,13 +26757,13 @@
   <p:clrMapOvr>
     <a:masterClrMapping/>
   </p:clrMapOvr>
-  <p:transition xmlns:p14="http://schemas.microsoft.com/office/powerpoint/2010/main" spd="slow">
+  <p:transition spd="slow">
     <p:wipe/>
   </p:transition>
   <p:timing>
     <p:tnLst>
       <p:par>
-        <p:cTn xmlns:p14="http://schemas.microsoft.com/office/powerpoint/2010/main" id="1" dur="indefinite" restart="never" nodeType="tmRoot"/>
+        <p:cTn id="1" dur="indefinite" restart="never" nodeType="tmRoot"/>
       </p:par>
     </p:tnLst>
   </p:timing>
@@ -29270,7 +27148,7 @@
   <p:timing>
     <p:tnLst>
       <p:par>
-        <p:cTn xmlns:p14="http://schemas.microsoft.com/office/powerpoint/2010/main" id="1" dur="indefinite" restart="never" nodeType="tmRoot"/>
+        <p:cTn id="1" dur="indefinite" restart="never" nodeType="tmRoot"/>
       </p:par>
     </p:tnLst>
   </p:timing>
@@ -29740,13 +27618,13 @@
   <p:clrMapOvr>
     <a:masterClrMapping/>
   </p:clrMapOvr>
-  <p:transition xmlns:p14="http://schemas.microsoft.com/office/powerpoint/2010/main" spd="slow">
+  <p:transition spd="slow">
     <p:wipe dir="r"/>
   </p:transition>
   <p:timing>
     <p:tnLst>
       <p:par>
-        <p:cTn xmlns:p14="http://schemas.microsoft.com/office/powerpoint/2010/main" id="1" dur="indefinite" restart="never" nodeType="tmRoot"/>
+        <p:cTn id="1" dur="indefinite" restart="never" nodeType="tmRoot"/>
       </p:par>
     </p:tnLst>
   </p:timing>
@@ -30138,7 +28016,7 @@
   <p:timing>
     <p:tnLst>
       <p:par>
-        <p:cTn xmlns:p14="http://schemas.microsoft.com/office/powerpoint/2010/main" id="1" dur="indefinite" restart="never" nodeType="tmRoot"/>
+        <p:cTn id="1" dur="indefinite" restart="never" nodeType="tmRoot"/>
       </p:par>
     </p:tnLst>
   </p:timing>
@@ -33448,7 +31326,7 @@
   <p:timing>
     <p:tnLst>
       <p:par>
-        <p:cTn xmlns:p14="http://schemas.microsoft.com/office/powerpoint/2010/main" id="1" dur="indefinite" restart="never" nodeType="tmRoot"/>
+        <p:cTn id="1" dur="indefinite" restart="never" nodeType="tmRoot"/>
       </p:par>
     </p:tnLst>
   </p:timing>
@@ -36070,7 +33948,7 @@
   <p:timing>
     <p:tnLst>
       <p:par>
-        <p:cTn xmlns:p14="http://schemas.microsoft.com/office/powerpoint/2010/main" id="1" dur="indefinite" restart="never" nodeType="tmRoot"/>
+        <p:cTn id="1" dur="indefinite" restart="never" nodeType="tmRoot"/>
       </p:par>
     </p:tnLst>
   </p:timing>
@@ -36332,7 +34210,7 @@
   <a:extraClrSchemeLst/>
   <a:extLst>
     <a:ext uri="{05A4C25C-085E-4340-85A3-A5531E510DB2}">
-      <thm15:themeFamily xmlns:thm15="http://schemas.microsoft.com/office/thememl/2012/main" xmlns="" name="Office Theme" id="{62F939B6-93AF-4DB8-9C6B-D6C7DFDC589F}" vid="{4A3C46E8-61CC-4603-A589-7422A47A8E4A}"/>
+      <thm15:themeFamily xmlns:thm15="http://schemas.microsoft.com/office/thememl/2012/main" name="Office Theme" id="{62F939B6-93AF-4DB8-9C6B-D6C7DFDC589F}" vid="{4A3C46E8-61CC-4603-A589-7422A47A8E4A}"/>
     </a:ext>
   </a:extLst>
 </a:theme>

--- a/训练中心创客交叉融合空间建设/doc/创客融合空间运行模式.pptx
+++ b/训练中心创客交叉融合空间建设/doc/创客融合空间运行模式.pptx
@@ -6,18 +6,20 @@
   </p:sldMasterIdLst>
   <p:sldIdLst>
     <p:sldId id="256" r:id="rId2"/>
-    <p:sldId id="276" r:id="rId3"/>
-    <p:sldId id="277" r:id="rId4"/>
-    <p:sldId id="274" r:id="rId5"/>
-    <p:sldId id="268" r:id="rId6"/>
-    <p:sldId id="269" r:id="rId7"/>
-    <p:sldId id="272" r:id="rId8"/>
-    <p:sldId id="270" r:id="rId9"/>
-    <p:sldId id="273" r:id="rId10"/>
-    <p:sldId id="263" r:id="rId11"/>
-    <p:sldId id="275" r:id="rId12"/>
-    <p:sldId id="267" r:id="rId13"/>
-    <p:sldId id="271" r:id="rId14"/>
+    <p:sldId id="279" r:id="rId3"/>
+    <p:sldId id="276" r:id="rId4"/>
+    <p:sldId id="277" r:id="rId5"/>
+    <p:sldId id="278" r:id="rId6"/>
+    <p:sldId id="274" r:id="rId7"/>
+    <p:sldId id="268" r:id="rId8"/>
+    <p:sldId id="269" r:id="rId9"/>
+    <p:sldId id="272" r:id="rId10"/>
+    <p:sldId id="270" r:id="rId11"/>
+    <p:sldId id="273" r:id="rId12"/>
+    <p:sldId id="263" r:id="rId13"/>
+    <p:sldId id="275" r:id="rId14"/>
+    <p:sldId id="267" r:id="rId15"/>
+    <p:sldId id="271" r:id="rId16"/>
   </p:sldIdLst>
   <p:sldSz cx="9144000" cy="6858000" type="screen4x3"/>
   <p:notesSz cx="6858000" cy="9144000"/>
@@ -4041,11 +4043,7 @@
         <a:p>
           <a:r>
             <a:rPr lang="zh-CN" altLang="en-US" dirty="0" smtClean="0"/>
-            <a:t>先进</a:t>
-          </a:r>
-          <a:r>
-            <a:rPr lang="zh-CN" altLang="en-US" dirty="0" smtClean="0"/>
-            <a:t>加工</a:t>
+            <a:t>先进加工</a:t>
           </a:r>
           <a:endParaRPr lang="en-US" dirty="0"/>
         </a:p>
@@ -4473,6 +4471,13 @@
     <dgm:pt modelId="{12E7496F-B3DF-424F-9E7E-3D465B306D3C}" type="pres">
       <dgm:prSet presAssocID="{6F2097D6-8504-404C-93E1-501F24546454}" presName="Name25" presStyleLbl="parChTrans1D1" presStyleIdx="1" presStyleCnt="3"/>
       <dgm:spPr/>
+      <dgm:t>
+        <a:bodyPr/>
+        <a:lstStyle/>
+        <a:p>
+          <a:endParaRPr lang="zh-CN" altLang="en-US"/>
+        </a:p>
+      </dgm:t>
     </dgm:pt>
     <dgm:pt modelId="{B1F66CE3-9C71-4860-B4A0-5397EA4A3163}" type="pres">
       <dgm:prSet presAssocID="{CB0C5922-168D-4012-B0F2-748D0D536D03}" presName="node" presStyleCnt="0"/>
@@ -4567,9 +4572,9 @@
     <dgm:cxn modelId="{03A2E936-490E-49A2-BBD0-2D77E7FF5A19}" srcId="{92557460-CE8C-9240-8C36-D7592C48D842}" destId="{4FDD697E-B21C-46CE-8A0B-A3786ADFC7E0}" srcOrd="0" destOrd="0" parTransId="{E4A34532-F3C6-4372-8C81-6A592780A5B9}" sibTransId="{DCB53397-2362-484C-A6CB-3F53959D7A27}"/>
     <dgm:cxn modelId="{AD934EF4-E117-4DBF-A797-5FC08ABFF7DC}" type="presOf" srcId="{4FDD697E-B21C-46CE-8A0B-A3786ADFC7E0}" destId="{4BC8FDB8-FA2C-A54F-BBFB-0E5EBBA45710}" srcOrd="0" destOrd="0" presId="urn:microsoft.com/office/officeart/2005/8/layout/radial2"/>
     <dgm:cxn modelId="{38B5FD30-441B-BA4C-A1B8-5C8E24FC0DB6}" type="presOf" srcId="{F287279D-8F93-2941-AC87-74E24E1B170B}" destId="{D1E8FD3E-65FC-3149-B1D0-1B4B0CB32D6F}" srcOrd="0" destOrd="0" presId="urn:microsoft.com/office/officeart/2005/8/layout/radial2"/>
+    <dgm:cxn modelId="{2F2F0D4D-7FE4-4E26-99C9-331588BDF559}" srcId="{BC668C3F-37A8-E443-9CAB-1B07A6A0C08E}" destId="{D2A08B43-41AA-48A8-85FB-3A53CBEAA41A}" srcOrd="2" destOrd="0" parTransId="{C429B124-3D17-4BE8-9806-92FBBA803947}" sibTransId="{C68564DF-B948-4867-B141-D9B6234902C2}"/>
     <dgm:cxn modelId="{B3D654E3-AF3E-9E43-A70A-5A1C1A557DC1}" type="presOf" srcId="{9503656F-D5EB-FA44-A55B-46AC63036DA7}" destId="{422FA13B-FD7B-4042-9C69-E0650E8737A8}" srcOrd="0" destOrd="0" presId="urn:microsoft.com/office/officeart/2005/8/layout/radial2"/>
     <dgm:cxn modelId="{A8F3C06E-2184-4677-9ADF-04C2A0D2FDA7}" type="presOf" srcId="{CB0C5922-168D-4012-B0F2-748D0D536D03}" destId="{3E240308-6595-4AE0-8C3A-EABCF97FF508}" srcOrd="0" destOrd="0" presId="urn:microsoft.com/office/officeart/2005/8/layout/radial2"/>
-    <dgm:cxn modelId="{2F2F0D4D-7FE4-4E26-99C9-331588BDF559}" srcId="{BC668C3F-37A8-E443-9CAB-1B07A6A0C08E}" destId="{D2A08B43-41AA-48A8-85FB-3A53CBEAA41A}" srcOrd="2" destOrd="0" parTransId="{C429B124-3D17-4BE8-9806-92FBBA803947}" sibTransId="{C68564DF-B948-4867-B141-D9B6234902C2}"/>
     <dgm:cxn modelId="{63B54D10-6C02-1947-8C7B-541CF46AC70A}" type="presOf" srcId="{9C35D822-CDEB-6B4F-9BEF-336106BE1F7F}" destId="{69318C12-B89A-2F4D-A4E4-EEC97CB80358}" srcOrd="0" destOrd="0" presId="urn:microsoft.com/office/officeart/2005/8/layout/radial2"/>
     <dgm:cxn modelId="{C437E3F6-4696-9446-BF9B-CEE1FFA68592}" srcId="{CB0C5922-168D-4012-B0F2-748D0D536D03}" destId="{1BD16E13-CB42-CA44-8311-1301D571FFA2}" srcOrd="1" destOrd="0" parTransId="{2034E14A-A419-C344-991E-E071133202C9}" sibTransId="{19D343D0-0DF7-6442-866E-B754DA938400}"/>
     <dgm:cxn modelId="{85D62829-EC4A-C542-84B5-83144D033340}" srcId="{9503656F-D5EB-FA44-A55B-46AC63036DA7}" destId="{BC668C3F-37A8-E443-9CAB-1B07A6A0C08E}" srcOrd="2" destOrd="0" parTransId="{F287279D-8F93-2941-AC87-74E24E1B170B}" sibTransId="{8C4EEA3C-1DC1-1041-8BD1-4DF456F96545}"/>
@@ -4581,9 +4586,9 @@
     <dgm:cxn modelId="{7791706E-009D-8242-A3B0-BC8AAD526EA5}" srcId="{9503656F-D5EB-FA44-A55B-46AC63036DA7}" destId="{92557460-CE8C-9240-8C36-D7592C48D842}" srcOrd="0" destOrd="0" parTransId="{F3B92C7F-5B61-1245-A0CB-EFDEF293FE21}" sibTransId="{53A6612D-DF3B-1F4F-B115-1F7616081796}"/>
     <dgm:cxn modelId="{DB40743F-6DC3-124D-B6E7-F52C62E84A6A}" srcId="{92557460-CE8C-9240-8C36-D7592C48D842}" destId="{CD9FE41A-2544-2046-A4D4-E24B5963AA69}" srcOrd="3" destOrd="0" parTransId="{B9C04C7E-D784-B946-9D26-D20052D58550}" sibTransId="{7F368257-9D80-F841-A24D-1FC3DD7C2662}"/>
     <dgm:cxn modelId="{1A60DED9-BE54-EF42-A4DB-85A148BF24A2}" type="presOf" srcId="{E8B57B2F-F1C5-1D4C-B952-B0744070E083}" destId="{69318C12-B89A-2F4D-A4E4-EEC97CB80358}" srcOrd="0" destOrd="3" presId="urn:microsoft.com/office/officeart/2005/8/layout/radial2"/>
-    <dgm:cxn modelId="{F80B8703-D7CF-5840-BC12-038F5D414EB5}" srcId="{BC668C3F-37A8-E443-9CAB-1B07A6A0C08E}" destId="{9C35D822-CDEB-6B4F-9BEF-336106BE1F7F}" srcOrd="0" destOrd="0" parTransId="{48E59131-968E-2949-8B21-35DCAB33D8CA}" sibTransId="{BCCFA9DF-C7AC-FA40-BDBE-11D6ADF31F72}"/>
     <dgm:cxn modelId="{87ABA0F5-E55B-4A8C-ACF7-1857832DF4F1}" srcId="{9503656F-D5EB-FA44-A55B-46AC63036DA7}" destId="{CB0C5922-168D-4012-B0F2-748D0D536D03}" srcOrd="1" destOrd="0" parTransId="{6F2097D6-8504-404C-93E1-501F24546454}" sibTransId="{E58F2487-9A3C-49BF-9E81-1ABA50721B5F}"/>
     <dgm:cxn modelId="{BB9CB088-BC1E-724F-84D7-CEDE307B16A5}" type="presOf" srcId="{81F1F45D-FC55-C84A-B913-679F415D0185}" destId="{4BC8FDB8-FA2C-A54F-BBFB-0E5EBBA45710}" srcOrd="0" destOrd="1" presId="urn:microsoft.com/office/officeart/2005/8/layout/radial2"/>
+    <dgm:cxn modelId="{F80B8703-D7CF-5840-BC12-038F5D414EB5}" srcId="{BC668C3F-37A8-E443-9CAB-1B07A6A0C08E}" destId="{9C35D822-CDEB-6B4F-9BEF-336106BE1F7F}" srcOrd="0" destOrd="0" parTransId="{48E59131-968E-2949-8B21-35DCAB33D8CA}" sibTransId="{BCCFA9DF-C7AC-FA40-BDBE-11D6ADF31F72}"/>
     <dgm:cxn modelId="{2C18D734-09E0-4795-8DEC-08C386E14535}" type="presOf" srcId="{6F2097D6-8504-404C-93E1-501F24546454}" destId="{12E7496F-B3DF-424F-9E7E-3D465B306D3C}" srcOrd="0" destOrd="0" presId="urn:microsoft.com/office/officeart/2005/8/layout/radial2"/>
     <dgm:cxn modelId="{6C97102F-F863-9F41-BCF7-5CF61D827D58}" type="presOf" srcId="{92557460-CE8C-9240-8C36-D7592C48D842}" destId="{401C9C7D-BF32-6149-9A0B-8A464876CDD2}" srcOrd="0" destOrd="0" presId="urn:microsoft.com/office/officeart/2005/8/layout/radial2"/>
     <dgm:cxn modelId="{B5E565E7-C0D4-493B-AA19-ECA7CA98D741}" type="presOf" srcId="{D2A08B43-41AA-48A8-85FB-3A53CBEAA41A}" destId="{69318C12-B89A-2F4D-A4E4-EEC97CB80358}" srcOrd="0" destOrd="2" presId="urn:microsoft.com/office/officeart/2005/8/layout/radial2"/>
@@ -4787,6 +4792,13 @@
         </dgm:presLayoutVars>
       </dgm:prSet>
       <dgm:spPr/>
+      <dgm:t>
+        <a:bodyPr/>
+        <a:lstStyle/>
+        <a:p>
+          <a:endParaRPr lang="zh-CN" altLang="en-US"/>
+        </a:p>
+      </dgm:t>
     </dgm:pt>
     <dgm:pt modelId="{458DC886-2288-426C-8C29-130AC31ABD88}" type="pres">
       <dgm:prSet presAssocID="{0424088D-A647-4A72-B52A-A4A2AB64E991}" presName="singleCycle" presStyleCnt="0"/>
@@ -4800,18 +4812,6 @@
         </dgm:presLayoutVars>
       </dgm:prSet>
       <dgm:spPr/>
-    </dgm:pt>
-    <dgm:pt modelId="{43747E17-3AEE-461E-8C68-846802B4F3BA}" type="pres">
-      <dgm:prSet presAssocID="{7D6BF9B0-7C66-42B8-AB41-BFD997013BB6}" presName="Name56" presStyleLbl="parChTrans1D2" presStyleIdx="0" presStyleCnt="3"/>
-      <dgm:spPr/>
-    </dgm:pt>
-    <dgm:pt modelId="{DC1EEB74-61D4-4533-B9C7-4BB92975F215}" type="pres">
-      <dgm:prSet presAssocID="{2DABCACB-F126-4281-B1D7-B615429F6A8D}" presName="text0" presStyleLbl="node1" presStyleIdx="1" presStyleCnt="4" custScaleX="158656">
-        <dgm:presLayoutVars>
-          <dgm:bulletEnabled val="1"/>
-        </dgm:presLayoutVars>
-      </dgm:prSet>
-      <dgm:spPr/>
       <dgm:t>
         <a:bodyPr/>
         <a:lstStyle/>
@@ -4820,28 +4820,8 @@
         </a:p>
       </dgm:t>
     </dgm:pt>
-    <dgm:pt modelId="{5311C243-5D98-4C4E-8719-72411E0A5549}" type="pres">
-      <dgm:prSet presAssocID="{F12C0E0C-DFED-4CC4-9404-727DB24B2521}" presName="Name56" presStyleLbl="parChTrans1D2" presStyleIdx="1" presStyleCnt="3"/>
-      <dgm:spPr/>
-    </dgm:pt>
-    <dgm:pt modelId="{A6F789A8-3FC2-40CC-B6A0-563E534260D6}" type="pres">
-      <dgm:prSet presAssocID="{3BC71BA8-AAC6-4A24-810F-62A36FC28C4D}" presName="text0" presStyleLbl="node1" presStyleIdx="2" presStyleCnt="4" custScaleX="132213">
-        <dgm:presLayoutVars>
-          <dgm:bulletEnabled val="1"/>
-        </dgm:presLayoutVars>
-      </dgm:prSet>
-      <dgm:spPr/>
-    </dgm:pt>
-    <dgm:pt modelId="{637CA6A3-04AB-4EEF-A468-86CF8425D32F}" type="pres">
-      <dgm:prSet presAssocID="{DA3FE7F0-599B-4EF2-AC82-AC93AE97389F}" presName="Name56" presStyleLbl="parChTrans1D2" presStyleIdx="2" presStyleCnt="3"/>
-      <dgm:spPr/>
-    </dgm:pt>
-    <dgm:pt modelId="{2CB6C0CA-A229-4508-B067-C509541ED0C4}" type="pres">
-      <dgm:prSet presAssocID="{4B65B0EB-0CCE-42BE-B8CB-360BF980CEBA}" presName="text0" presStyleLbl="node1" presStyleIdx="3" presStyleCnt="4" custScaleX="132213">
-        <dgm:presLayoutVars>
-          <dgm:bulletEnabled val="1"/>
-        </dgm:presLayoutVars>
-      </dgm:prSet>
+    <dgm:pt modelId="{43747E17-3AEE-461E-8C68-846802B4F3BA}" type="pres">
+      <dgm:prSet presAssocID="{7D6BF9B0-7C66-42B8-AB41-BFD997013BB6}" presName="Name56" presStyleLbl="parChTrans1D2" presStyleIdx="0" presStyleCnt="3"/>
       <dgm:spPr/>
       <dgm:t>
         <a:bodyPr/>
@@ -4851,19 +4831,86 @@
         </a:p>
       </dgm:t>
     </dgm:pt>
+    <dgm:pt modelId="{DC1EEB74-61D4-4533-B9C7-4BB92975F215}" type="pres">
+      <dgm:prSet presAssocID="{2DABCACB-F126-4281-B1D7-B615429F6A8D}" presName="text0" presStyleLbl="node1" presStyleIdx="1" presStyleCnt="4" custScaleX="158656">
+        <dgm:presLayoutVars>
+          <dgm:bulletEnabled val="1"/>
+        </dgm:presLayoutVars>
+      </dgm:prSet>
+      <dgm:spPr/>
+      <dgm:t>
+        <a:bodyPr/>
+        <a:lstStyle/>
+        <a:p>
+          <a:endParaRPr lang="zh-CN" altLang="en-US"/>
+        </a:p>
+      </dgm:t>
+    </dgm:pt>
+    <dgm:pt modelId="{5311C243-5D98-4C4E-8719-72411E0A5549}" type="pres">
+      <dgm:prSet presAssocID="{F12C0E0C-DFED-4CC4-9404-727DB24B2521}" presName="Name56" presStyleLbl="parChTrans1D2" presStyleIdx="1" presStyleCnt="3"/>
+      <dgm:spPr/>
+      <dgm:t>
+        <a:bodyPr/>
+        <a:lstStyle/>
+        <a:p>
+          <a:endParaRPr lang="zh-CN" altLang="en-US"/>
+        </a:p>
+      </dgm:t>
+    </dgm:pt>
+    <dgm:pt modelId="{A6F789A8-3FC2-40CC-B6A0-563E534260D6}" type="pres">
+      <dgm:prSet presAssocID="{3BC71BA8-AAC6-4A24-810F-62A36FC28C4D}" presName="text0" presStyleLbl="node1" presStyleIdx="2" presStyleCnt="4" custScaleX="132213">
+        <dgm:presLayoutVars>
+          <dgm:bulletEnabled val="1"/>
+        </dgm:presLayoutVars>
+      </dgm:prSet>
+      <dgm:spPr/>
+      <dgm:t>
+        <a:bodyPr/>
+        <a:lstStyle/>
+        <a:p>
+          <a:endParaRPr lang="zh-CN" altLang="en-US"/>
+        </a:p>
+      </dgm:t>
+    </dgm:pt>
+    <dgm:pt modelId="{637CA6A3-04AB-4EEF-A468-86CF8425D32F}" type="pres">
+      <dgm:prSet presAssocID="{DA3FE7F0-599B-4EF2-AC82-AC93AE97389F}" presName="Name56" presStyleLbl="parChTrans1D2" presStyleIdx="2" presStyleCnt="3"/>
+      <dgm:spPr/>
+      <dgm:t>
+        <a:bodyPr/>
+        <a:lstStyle/>
+        <a:p>
+          <a:endParaRPr lang="zh-CN" altLang="en-US"/>
+        </a:p>
+      </dgm:t>
+    </dgm:pt>
+    <dgm:pt modelId="{2CB6C0CA-A229-4508-B067-C509541ED0C4}" type="pres">
+      <dgm:prSet presAssocID="{4B65B0EB-0CCE-42BE-B8CB-360BF980CEBA}" presName="text0" presStyleLbl="node1" presStyleIdx="3" presStyleCnt="4" custScaleX="132213">
+        <dgm:presLayoutVars>
+          <dgm:bulletEnabled val="1"/>
+        </dgm:presLayoutVars>
+      </dgm:prSet>
+      <dgm:spPr/>
+      <dgm:t>
+        <a:bodyPr/>
+        <a:lstStyle/>
+        <a:p>
+          <a:endParaRPr lang="zh-CN" altLang="en-US"/>
+        </a:p>
+      </dgm:t>
+    </dgm:pt>
   </dgm:ptLst>
   <dgm:cxnLst>
     <dgm:cxn modelId="{558352EA-0CB0-44D9-9561-67FA282DD0E7}" type="presOf" srcId="{C8032CAF-08C5-4D32-9469-BC7A4ECB5EED}" destId="{59EC33F3-177C-4211-B639-11210C074837}" srcOrd="0" destOrd="0" presId="urn:microsoft.com/office/officeart/2008/layout/RadialCluster"/>
+    <dgm:cxn modelId="{C4CDDF79-720B-44CD-B17D-A00040E552BA}" type="presOf" srcId="{7D6BF9B0-7C66-42B8-AB41-BFD997013BB6}" destId="{43747E17-3AEE-461E-8C68-846802B4F3BA}" srcOrd="0" destOrd="0" presId="urn:microsoft.com/office/officeart/2008/layout/RadialCluster"/>
+    <dgm:cxn modelId="{954DEFF9-4C41-4D0A-8CB1-94172EFAFBD1}" type="presOf" srcId="{2DABCACB-F126-4281-B1D7-B615429F6A8D}" destId="{DC1EEB74-61D4-4533-B9C7-4BB92975F215}" srcOrd="0" destOrd="0" presId="urn:microsoft.com/office/officeart/2008/layout/RadialCluster"/>
     <dgm:cxn modelId="{5EB91948-DA36-4135-9E9D-E42D5FD19D52}" srcId="{C8032CAF-08C5-4D32-9469-BC7A4ECB5EED}" destId="{0424088D-A647-4A72-B52A-A4A2AB64E991}" srcOrd="0" destOrd="0" parTransId="{99412D4F-EFE5-4272-B8F5-60BE825B6719}" sibTransId="{10C10E79-C7D4-4B7F-84C2-55BF952C395E}"/>
+    <dgm:cxn modelId="{8CA12CEE-664D-4C80-9BD8-802D7585043F}" srcId="{0424088D-A647-4A72-B52A-A4A2AB64E991}" destId="{3BC71BA8-AAC6-4A24-810F-62A36FC28C4D}" srcOrd="1" destOrd="0" parTransId="{F12C0E0C-DFED-4CC4-9404-727DB24B2521}" sibTransId="{326D8740-D749-49D0-AFCD-C1469A4F66CC}"/>
+    <dgm:cxn modelId="{C41ABB35-5D5D-4B4A-A388-16949E7B5810}" type="presOf" srcId="{0424088D-A647-4A72-B52A-A4A2AB64E991}" destId="{6B264ED8-3C08-44DA-B924-ABB0675A773A}" srcOrd="0" destOrd="0" presId="urn:microsoft.com/office/officeart/2008/layout/RadialCluster"/>
     <dgm:cxn modelId="{46C441B9-36C7-428C-B497-CBFAA1D5EFF9}" srcId="{0424088D-A647-4A72-B52A-A4A2AB64E991}" destId="{4B65B0EB-0CCE-42BE-B8CB-360BF980CEBA}" srcOrd="2" destOrd="0" parTransId="{DA3FE7F0-599B-4EF2-AC82-AC93AE97389F}" sibTransId="{7598A6D5-1510-4C6C-BEAE-608256450F54}"/>
+    <dgm:cxn modelId="{697B788A-69D1-47E5-A9FD-0A34B642D2F9}" type="presOf" srcId="{4B65B0EB-0CCE-42BE-B8CB-360BF980CEBA}" destId="{2CB6C0CA-A229-4508-B067-C509541ED0C4}" srcOrd="0" destOrd="0" presId="urn:microsoft.com/office/officeart/2008/layout/RadialCluster"/>
+    <dgm:cxn modelId="{FBFAC6B7-50EA-4152-917C-C895E9E161FD}" type="presOf" srcId="{3BC71BA8-AAC6-4A24-810F-62A36FC28C4D}" destId="{A6F789A8-3FC2-40CC-B6A0-563E534260D6}" srcOrd="0" destOrd="0" presId="urn:microsoft.com/office/officeart/2008/layout/RadialCluster"/>
     <dgm:cxn modelId="{D721EE7D-F138-422A-AF2F-CDB0729474BB}" srcId="{0424088D-A647-4A72-B52A-A4A2AB64E991}" destId="{2DABCACB-F126-4281-B1D7-B615429F6A8D}" srcOrd="0" destOrd="0" parTransId="{7D6BF9B0-7C66-42B8-AB41-BFD997013BB6}" sibTransId="{0C5318AB-632B-4BF5-BFF0-DAA318F8F579}"/>
-    <dgm:cxn modelId="{697B788A-69D1-47E5-A9FD-0A34B642D2F9}" type="presOf" srcId="{4B65B0EB-0CCE-42BE-B8CB-360BF980CEBA}" destId="{2CB6C0CA-A229-4508-B067-C509541ED0C4}" srcOrd="0" destOrd="0" presId="urn:microsoft.com/office/officeart/2008/layout/RadialCluster"/>
-    <dgm:cxn modelId="{954DEFF9-4C41-4D0A-8CB1-94172EFAFBD1}" type="presOf" srcId="{2DABCACB-F126-4281-B1D7-B615429F6A8D}" destId="{DC1EEB74-61D4-4533-B9C7-4BB92975F215}" srcOrd="0" destOrd="0" presId="urn:microsoft.com/office/officeart/2008/layout/RadialCluster"/>
-    <dgm:cxn modelId="{FBFAC6B7-50EA-4152-917C-C895E9E161FD}" type="presOf" srcId="{3BC71BA8-AAC6-4A24-810F-62A36FC28C4D}" destId="{A6F789A8-3FC2-40CC-B6A0-563E534260D6}" srcOrd="0" destOrd="0" presId="urn:microsoft.com/office/officeart/2008/layout/RadialCluster"/>
-    <dgm:cxn modelId="{8CA12CEE-664D-4C80-9BD8-802D7585043F}" srcId="{0424088D-A647-4A72-B52A-A4A2AB64E991}" destId="{3BC71BA8-AAC6-4A24-810F-62A36FC28C4D}" srcOrd="1" destOrd="0" parTransId="{F12C0E0C-DFED-4CC4-9404-727DB24B2521}" sibTransId="{326D8740-D749-49D0-AFCD-C1469A4F66CC}"/>
     <dgm:cxn modelId="{E8FAA2BD-BF61-4DA8-864B-4DA0CBF35EC8}" type="presOf" srcId="{F12C0E0C-DFED-4CC4-9404-727DB24B2521}" destId="{5311C243-5D98-4C4E-8719-72411E0A5549}" srcOrd="0" destOrd="0" presId="urn:microsoft.com/office/officeart/2008/layout/RadialCluster"/>
-    <dgm:cxn modelId="{C41ABB35-5D5D-4B4A-A388-16949E7B5810}" type="presOf" srcId="{0424088D-A647-4A72-B52A-A4A2AB64E991}" destId="{6B264ED8-3C08-44DA-B924-ABB0675A773A}" srcOrd="0" destOrd="0" presId="urn:microsoft.com/office/officeart/2008/layout/RadialCluster"/>
-    <dgm:cxn modelId="{C4CDDF79-720B-44CD-B17D-A00040E552BA}" type="presOf" srcId="{7D6BF9B0-7C66-42B8-AB41-BFD997013BB6}" destId="{43747E17-3AEE-461E-8C68-846802B4F3BA}" srcOrd="0" destOrd="0" presId="urn:microsoft.com/office/officeart/2008/layout/RadialCluster"/>
     <dgm:cxn modelId="{F20E20B4-59FC-438B-B836-55121CA6BF97}" type="presOf" srcId="{DA3FE7F0-599B-4EF2-AC82-AC93AE97389F}" destId="{637CA6A3-04AB-4EEF-A468-86CF8425D32F}" srcOrd="0" destOrd="0" presId="urn:microsoft.com/office/officeart/2008/layout/RadialCluster"/>
     <dgm:cxn modelId="{F7A582E1-9853-4BD3-A7B3-9081165BFFE8}" type="presParOf" srcId="{59EC33F3-177C-4211-B639-11210C074837}" destId="{458DC886-2288-426C-8C29-130AC31ABD88}" srcOrd="0" destOrd="0" presId="urn:microsoft.com/office/officeart/2008/layout/RadialCluster"/>
     <dgm:cxn modelId="{D1B05155-1FE4-4E6C-B5D6-C5EC81EBC23D}" type="presParOf" srcId="{458DC886-2288-426C-8C29-130AC31ABD88}" destId="{6B264ED8-3C08-44DA-B924-ABB0675A773A}" srcOrd="0" destOrd="0" presId="urn:microsoft.com/office/officeart/2008/layout/RadialCluster"/>
@@ -9893,11 +9940,7 @@
           </a:pPr>
           <a:r>
             <a:rPr lang="zh-CN" altLang="en-US" sz="1700" kern="1200" dirty="0" smtClean="0"/>
-            <a:t>先进</a:t>
-          </a:r>
-          <a:r>
-            <a:rPr lang="zh-CN" altLang="en-US" sz="1700" kern="1200" dirty="0" smtClean="0"/>
-            <a:t>加工</a:t>
+            <a:t>先进加工</a:t>
           </a:r>
           <a:endParaRPr lang="en-US" sz="1700" kern="1200" dirty="0"/>
         </a:p>
@@ -11840,1807 +11883,6 @@
       <dsp:cNvGrpSpPr/>
     </dsp:nvGrpSpPr>
     <dsp:grpSpPr/>
-    <dsp:sp modelId="{288E25FE-C886-4621-A966-59C9FC5509D9}">
-      <dsp:nvSpPr>
-        <dsp:cNvPr id="0" name=""/>
-        <dsp:cNvSpPr/>
-      </dsp:nvSpPr>
-      <dsp:spPr>
-        <a:xfrm>
-          <a:off x="2546" y="0"/>
-          <a:ext cx="2498644" cy="4860000"/>
-        </a:xfrm>
-        <a:prstGeom prst="roundRect">
-          <a:avLst>
-            <a:gd name="adj" fmla="val 10000"/>
-          </a:avLst>
-        </a:prstGeom>
-        <a:solidFill>
-          <a:schemeClr val="accent1">
-            <a:tint val="40000"/>
-            <a:hueOff val="0"/>
-            <a:satOff val="0"/>
-            <a:lumOff val="0"/>
-            <a:alphaOff val="0"/>
-          </a:schemeClr>
-        </a:solidFill>
-        <a:ln>
-          <a:noFill/>
-        </a:ln>
-        <a:effectLst/>
-      </dsp:spPr>
-      <dsp:style>
-        <a:lnRef idx="0">
-          <a:scrgbClr r="0" g="0" b="0"/>
-        </a:lnRef>
-        <a:fillRef idx="1">
-          <a:scrgbClr r="0" g="0" b="0"/>
-        </a:fillRef>
-        <a:effectRef idx="0">
-          <a:scrgbClr r="0" g="0" b="0"/>
-        </a:effectRef>
-        <a:fontRef idx="minor"/>
-      </dsp:style>
-      <dsp:txBody>
-        <a:bodyPr spcFirstLastPara="0" vert="horz" wrap="square" lIns="91440" tIns="91440" rIns="91440" bIns="91440" numCol="1" spcCol="1270" anchor="ctr" anchorCtr="0">
-          <a:noAutofit/>
-        </a:bodyPr>
-        <a:lstStyle/>
-        <a:p>
-          <a:pPr lvl="0" algn="ctr" defTabSz="1066800">
-            <a:lnSpc>
-              <a:spcPct val="90000"/>
-            </a:lnSpc>
-            <a:spcBef>
-              <a:spcPct val="0"/>
-            </a:spcBef>
-            <a:spcAft>
-              <a:spcPct val="35000"/>
-            </a:spcAft>
-          </a:pPr>
-          <a:r>
-            <a:rPr lang="en-US" altLang="zh-CN" sz="2400" kern="1200" dirty="0" smtClean="0"/>
-            <a:t>A. </a:t>
-          </a:r>
-          <a:r>
-            <a:rPr lang="zh-CN" altLang="en-US" sz="2400" kern="1200" dirty="0" smtClean="0"/>
-            <a:t>中心信息平台</a:t>
-          </a:r>
-          <a:endParaRPr lang="zh-CN" altLang="en-US" sz="2400" kern="1200" dirty="0"/>
-        </a:p>
-      </dsp:txBody>
-      <dsp:txXfrm>
-        <a:off x="2546" y="0"/>
-        <a:ext cx="2498644" cy="1458000"/>
-      </dsp:txXfrm>
-    </dsp:sp>
-    <dsp:sp modelId="{D253D9BD-89F6-4692-8B70-DFD77DBF5F99}">
-      <dsp:nvSpPr>
-        <dsp:cNvPr id="0" name=""/>
-        <dsp:cNvSpPr/>
-      </dsp:nvSpPr>
-      <dsp:spPr>
-        <a:xfrm>
-          <a:off x="252410" y="1458237"/>
-          <a:ext cx="1998915" cy="466600"/>
-        </a:xfrm>
-        <a:prstGeom prst="roundRect">
-          <a:avLst>
-            <a:gd name="adj" fmla="val 10000"/>
-          </a:avLst>
-        </a:prstGeom>
-        <a:solidFill>
-          <a:schemeClr val="accent1">
-            <a:hueOff val="0"/>
-            <a:satOff val="0"/>
-            <a:lumOff val="0"/>
-            <a:alphaOff val="0"/>
-          </a:schemeClr>
-        </a:solidFill>
-        <a:ln w="12700" cap="flat" cmpd="sng" algn="ctr">
-          <a:solidFill>
-            <a:schemeClr val="lt1">
-              <a:hueOff val="0"/>
-              <a:satOff val="0"/>
-              <a:lumOff val="0"/>
-              <a:alphaOff val="0"/>
-            </a:schemeClr>
-          </a:solidFill>
-          <a:prstDash val="solid"/>
-          <a:miter lim="800000"/>
-        </a:ln>
-        <a:effectLst/>
-      </dsp:spPr>
-      <dsp:style>
-        <a:lnRef idx="2">
-          <a:scrgbClr r="0" g="0" b="0"/>
-        </a:lnRef>
-        <a:fillRef idx="1">
-          <a:scrgbClr r="0" g="0" b="0"/>
-        </a:fillRef>
-        <a:effectRef idx="0">
-          <a:scrgbClr r="0" g="0" b="0"/>
-        </a:effectRef>
-        <a:fontRef idx="minor">
-          <a:schemeClr val="lt1"/>
-        </a:fontRef>
-      </dsp:style>
-      <dsp:txBody>
-        <a:bodyPr spcFirstLastPara="0" vert="horz" wrap="square" lIns="40640" tIns="30480" rIns="40640" bIns="30480" numCol="1" spcCol="1270" anchor="ctr" anchorCtr="0">
-          <a:noAutofit/>
-        </a:bodyPr>
-        <a:lstStyle/>
-        <a:p>
-          <a:pPr lvl="0" algn="ctr" defTabSz="711200">
-            <a:lnSpc>
-              <a:spcPct val="90000"/>
-            </a:lnSpc>
-            <a:spcBef>
-              <a:spcPct val="0"/>
-            </a:spcBef>
-            <a:spcAft>
-              <a:spcPct val="35000"/>
-            </a:spcAft>
-          </a:pPr>
-          <a:r>
-            <a:rPr lang="zh-CN" altLang="en-US" sz="1600" kern="1200" dirty="0" smtClean="0"/>
-            <a:t>资源展示与云平台</a:t>
-          </a:r>
-          <a:endParaRPr lang="zh-CN" altLang="en-US" sz="1600" kern="1200" dirty="0"/>
-        </a:p>
-      </dsp:txBody>
-      <dsp:txXfrm>
-        <a:off x="266076" y="1471903"/>
-        <a:ext cx="1971583" cy="439268"/>
-      </dsp:txXfrm>
-    </dsp:sp>
-    <dsp:sp modelId="{7B83F59D-9490-4852-884A-7D43CD4F0C39}">
-      <dsp:nvSpPr>
-        <dsp:cNvPr id="0" name=""/>
-        <dsp:cNvSpPr/>
-      </dsp:nvSpPr>
-      <dsp:spPr>
-        <a:xfrm>
-          <a:off x="252410" y="1996622"/>
-          <a:ext cx="1998915" cy="466600"/>
-        </a:xfrm>
-        <a:prstGeom prst="roundRect">
-          <a:avLst>
-            <a:gd name="adj" fmla="val 10000"/>
-          </a:avLst>
-        </a:prstGeom>
-        <a:solidFill>
-          <a:schemeClr val="accent1">
-            <a:hueOff val="0"/>
-            <a:satOff val="0"/>
-            <a:lumOff val="0"/>
-            <a:alphaOff val="0"/>
-          </a:schemeClr>
-        </a:solidFill>
-        <a:ln w="12700" cap="flat" cmpd="sng" algn="ctr">
-          <a:solidFill>
-            <a:schemeClr val="lt1">
-              <a:hueOff val="0"/>
-              <a:satOff val="0"/>
-              <a:lumOff val="0"/>
-              <a:alphaOff val="0"/>
-            </a:schemeClr>
-          </a:solidFill>
-          <a:prstDash val="solid"/>
-          <a:miter lim="800000"/>
-        </a:ln>
-        <a:effectLst/>
-      </dsp:spPr>
-      <dsp:style>
-        <a:lnRef idx="2">
-          <a:scrgbClr r="0" g="0" b="0"/>
-        </a:lnRef>
-        <a:fillRef idx="1">
-          <a:scrgbClr r="0" g="0" b="0"/>
-        </a:fillRef>
-        <a:effectRef idx="0">
-          <a:scrgbClr r="0" g="0" b="0"/>
-        </a:effectRef>
-        <a:fontRef idx="minor">
-          <a:schemeClr val="lt1"/>
-        </a:fontRef>
-      </dsp:style>
-      <dsp:txBody>
-        <a:bodyPr spcFirstLastPara="0" vert="horz" wrap="square" lIns="40640" tIns="30480" rIns="40640" bIns="30480" numCol="1" spcCol="1270" anchor="ctr" anchorCtr="0">
-          <a:noAutofit/>
-        </a:bodyPr>
-        <a:lstStyle/>
-        <a:p>
-          <a:pPr lvl="0" algn="ctr" defTabSz="711200">
-            <a:lnSpc>
-              <a:spcPct val="90000"/>
-            </a:lnSpc>
-            <a:spcBef>
-              <a:spcPct val="0"/>
-            </a:spcBef>
-            <a:spcAft>
-              <a:spcPct val="35000"/>
-            </a:spcAft>
-          </a:pPr>
-          <a:r>
-            <a:rPr lang="zh-CN" altLang="en-US" sz="1600" kern="1200" dirty="0" smtClean="0"/>
-            <a:t>全球在线学习资料库</a:t>
-          </a:r>
-          <a:endParaRPr lang="zh-CN" altLang="en-US" sz="1600" kern="1200" dirty="0"/>
-        </a:p>
-      </dsp:txBody>
-      <dsp:txXfrm>
-        <a:off x="266076" y="2010288"/>
-        <a:ext cx="1971583" cy="439268"/>
-      </dsp:txXfrm>
-    </dsp:sp>
-    <dsp:sp modelId="{AC342D32-7D85-4628-A875-F0372EB8990B}">
-      <dsp:nvSpPr>
-        <dsp:cNvPr id="0" name=""/>
-        <dsp:cNvSpPr/>
-      </dsp:nvSpPr>
-      <dsp:spPr>
-        <a:xfrm>
-          <a:off x="252410" y="2535007"/>
-          <a:ext cx="1998915" cy="466600"/>
-        </a:xfrm>
-        <a:prstGeom prst="roundRect">
-          <a:avLst>
-            <a:gd name="adj" fmla="val 10000"/>
-          </a:avLst>
-        </a:prstGeom>
-        <a:solidFill>
-          <a:schemeClr val="accent1">
-            <a:hueOff val="0"/>
-            <a:satOff val="0"/>
-            <a:lumOff val="0"/>
-            <a:alphaOff val="0"/>
-          </a:schemeClr>
-        </a:solidFill>
-        <a:ln w="12700" cap="flat" cmpd="sng" algn="ctr">
-          <a:solidFill>
-            <a:schemeClr val="lt1">
-              <a:hueOff val="0"/>
-              <a:satOff val="0"/>
-              <a:lumOff val="0"/>
-              <a:alphaOff val="0"/>
-            </a:schemeClr>
-          </a:solidFill>
-          <a:prstDash val="solid"/>
-          <a:miter lim="800000"/>
-        </a:ln>
-        <a:effectLst/>
-      </dsp:spPr>
-      <dsp:style>
-        <a:lnRef idx="2">
-          <a:scrgbClr r="0" g="0" b="0"/>
-        </a:lnRef>
-        <a:fillRef idx="1">
-          <a:scrgbClr r="0" g="0" b="0"/>
-        </a:fillRef>
-        <a:effectRef idx="0">
-          <a:scrgbClr r="0" g="0" b="0"/>
-        </a:effectRef>
-        <a:fontRef idx="minor">
-          <a:schemeClr val="lt1"/>
-        </a:fontRef>
-      </dsp:style>
-      <dsp:txBody>
-        <a:bodyPr spcFirstLastPara="0" vert="horz" wrap="square" lIns="40640" tIns="30480" rIns="40640" bIns="30480" numCol="1" spcCol="1270" anchor="ctr" anchorCtr="0">
-          <a:noAutofit/>
-        </a:bodyPr>
-        <a:lstStyle/>
-        <a:p>
-          <a:pPr lvl="0" algn="ctr" defTabSz="711200">
-            <a:lnSpc>
-              <a:spcPct val="90000"/>
-            </a:lnSpc>
-            <a:spcBef>
-              <a:spcPct val="0"/>
-            </a:spcBef>
-            <a:spcAft>
-              <a:spcPct val="35000"/>
-            </a:spcAft>
-          </a:pPr>
-          <a:r>
-            <a:rPr lang="zh-CN" altLang="en-US" sz="1600" kern="1200" dirty="0" smtClean="0"/>
-            <a:t>在线开放课程</a:t>
-          </a:r>
-          <a:endParaRPr lang="zh-CN" altLang="en-US" sz="1600" kern="1200" dirty="0"/>
-        </a:p>
-      </dsp:txBody>
-      <dsp:txXfrm>
-        <a:off x="266076" y="2548673"/>
-        <a:ext cx="1971583" cy="439268"/>
-      </dsp:txXfrm>
-    </dsp:sp>
-    <dsp:sp modelId="{0990EDE3-62A7-4D72-98FF-0F1A695CE6CA}">
-      <dsp:nvSpPr>
-        <dsp:cNvPr id="0" name=""/>
-        <dsp:cNvSpPr/>
-      </dsp:nvSpPr>
-      <dsp:spPr>
-        <a:xfrm>
-          <a:off x="252410" y="3073392"/>
-          <a:ext cx="1998915" cy="466600"/>
-        </a:xfrm>
-        <a:prstGeom prst="roundRect">
-          <a:avLst>
-            <a:gd name="adj" fmla="val 10000"/>
-          </a:avLst>
-        </a:prstGeom>
-        <a:solidFill>
-          <a:schemeClr val="accent1">
-            <a:hueOff val="0"/>
-            <a:satOff val="0"/>
-            <a:lumOff val="0"/>
-            <a:alphaOff val="0"/>
-          </a:schemeClr>
-        </a:solidFill>
-        <a:ln w="12700" cap="flat" cmpd="sng" algn="ctr">
-          <a:solidFill>
-            <a:schemeClr val="lt1">
-              <a:hueOff val="0"/>
-              <a:satOff val="0"/>
-              <a:lumOff val="0"/>
-              <a:alphaOff val="0"/>
-            </a:schemeClr>
-          </a:solidFill>
-          <a:prstDash val="solid"/>
-          <a:miter lim="800000"/>
-        </a:ln>
-        <a:effectLst/>
-      </dsp:spPr>
-      <dsp:style>
-        <a:lnRef idx="2">
-          <a:scrgbClr r="0" g="0" b="0"/>
-        </a:lnRef>
-        <a:fillRef idx="1">
-          <a:scrgbClr r="0" g="0" b="0"/>
-        </a:fillRef>
-        <a:effectRef idx="0">
-          <a:scrgbClr r="0" g="0" b="0"/>
-        </a:effectRef>
-        <a:fontRef idx="minor">
-          <a:schemeClr val="lt1"/>
-        </a:fontRef>
-      </dsp:style>
-      <dsp:txBody>
-        <a:bodyPr spcFirstLastPara="0" vert="horz" wrap="square" lIns="40640" tIns="30480" rIns="40640" bIns="30480" numCol="1" spcCol="1270" anchor="ctr" anchorCtr="0">
-          <a:noAutofit/>
-        </a:bodyPr>
-        <a:lstStyle/>
-        <a:p>
-          <a:pPr lvl="0" algn="ctr" defTabSz="711200">
-            <a:lnSpc>
-              <a:spcPct val="90000"/>
-            </a:lnSpc>
-            <a:spcBef>
-              <a:spcPct val="0"/>
-            </a:spcBef>
-            <a:spcAft>
-              <a:spcPct val="35000"/>
-            </a:spcAft>
-          </a:pPr>
-          <a:r>
-            <a:rPr lang="zh-CN" altLang="en-US" sz="1600" kern="1200" dirty="0" smtClean="0"/>
-            <a:t>标准流程及模板</a:t>
-          </a:r>
-          <a:endParaRPr lang="zh-CN" altLang="en-US" sz="1600" kern="1200" dirty="0"/>
-        </a:p>
-      </dsp:txBody>
-      <dsp:txXfrm>
-        <a:off x="266076" y="3087058"/>
-        <a:ext cx="1971583" cy="439268"/>
-      </dsp:txXfrm>
-    </dsp:sp>
-    <dsp:sp modelId="{8ED340B9-6DF9-4961-9517-86A0E8EC9966}">
-      <dsp:nvSpPr>
-        <dsp:cNvPr id="0" name=""/>
-        <dsp:cNvSpPr/>
-      </dsp:nvSpPr>
-      <dsp:spPr>
-        <a:xfrm>
-          <a:off x="252410" y="3611777"/>
-          <a:ext cx="1998915" cy="466600"/>
-        </a:xfrm>
-        <a:prstGeom prst="roundRect">
-          <a:avLst>
-            <a:gd name="adj" fmla="val 10000"/>
-          </a:avLst>
-        </a:prstGeom>
-        <a:solidFill>
-          <a:schemeClr val="accent1">
-            <a:hueOff val="0"/>
-            <a:satOff val="0"/>
-            <a:lumOff val="0"/>
-            <a:alphaOff val="0"/>
-          </a:schemeClr>
-        </a:solidFill>
-        <a:ln w="12700" cap="flat" cmpd="sng" algn="ctr">
-          <a:solidFill>
-            <a:schemeClr val="lt1">
-              <a:hueOff val="0"/>
-              <a:satOff val="0"/>
-              <a:lumOff val="0"/>
-              <a:alphaOff val="0"/>
-            </a:schemeClr>
-          </a:solidFill>
-          <a:prstDash val="solid"/>
-          <a:miter lim="800000"/>
-        </a:ln>
-        <a:effectLst/>
-      </dsp:spPr>
-      <dsp:style>
-        <a:lnRef idx="2">
-          <a:scrgbClr r="0" g="0" b="0"/>
-        </a:lnRef>
-        <a:fillRef idx="1">
-          <a:scrgbClr r="0" g="0" b="0"/>
-        </a:fillRef>
-        <a:effectRef idx="0">
-          <a:scrgbClr r="0" g="0" b="0"/>
-        </a:effectRef>
-        <a:fontRef idx="minor">
-          <a:schemeClr val="lt1"/>
-        </a:fontRef>
-      </dsp:style>
-      <dsp:txBody>
-        <a:bodyPr spcFirstLastPara="0" vert="horz" wrap="square" lIns="40640" tIns="30480" rIns="40640" bIns="30480" numCol="1" spcCol="1270" anchor="ctr" anchorCtr="0">
-          <a:noAutofit/>
-        </a:bodyPr>
-        <a:lstStyle/>
-        <a:p>
-          <a:pPr lvl="0" algn="ctr" defTabSz="711200">
-            <a:lnSpc>
-              <a:spcPct val="90000"/>
-            </a:lnSpc>
-            <a:spcBef>
-              <a:spcPct val="0"/>
-            </a:spcBef>
-            <a:spcAft>
-              <a:spcPct val="35000"/>
-            </a:spcAft>
-          </a:pPr>
-          <a:r>
-            <a:rPr lang="zh-CN" altLang="en-US" sz="1600" kern="1200" dirty="0" smtClean="0"/>
-            <a:t>学生成果展示</a:t>
-          </a:r>
-          <a:endParaRPr lang="zh-CN" altLang="en-US" sz="1600" kern="1200" dirty="0"/>
-        </a:p>
-      </dsp:txBody>
-      <dsp:txXfrm>
-        <a:off x="266076" y="3625443"/>
-        <a:ext cx="1971583" cy="439268"/>
-      </dsp:txXfrm>
-    </dsp:sp>
-    <dsp:sp modelId="{57944BE7-B38E-4C34-B89C-F933C3671334}">
-      <dsp:nvSpPr>
-        <dsp:cNvPr id="0" name=""/>
-        <dsp:cNvSpPr/>
-      </dsp:nvSpPr>
-      <dsp:spPr>
-        <a:xfrm>
-          <a:off x="252410" y="4150162"/>
-          <a:ext cx="1998915" cy="466600"/>
-        </a:xfrm>
-        <a:prstGeom prst="roundRect">
-          <a:avLst>
-            <a:gd name="adj" fmla="val 10000"/>
-          </a:avLst>
-        </a:prstGeom>
-        <a:solidFill>
-          <a:schemeClr val="accent1">
-            <a:hueOff val="0"/>
-            <a:satOff val="0"/>
-            <a:lumOff val="0"/>
-            <a:alphaOff val="0"/>
-          </a:schemeClr>
-        </a:solidFill>
-        <a:ln w="12700" cap="flat" cmpd="sng" algn="ctr">
-          <a:solidFill>
-            <a:schemeClr val="lt1">
-              <a:hueOff val="0"/>
-              <a:satOff val="0"/>
-              <a:lumOff val="0"/>
-              <a:alphaOff val="0"/>
-            </a:schemeClr>
-          </a:solidFill>
-          <a:prstDash val="solid"/>
-          <a:miter lim="800000"/>
-        </a:ln>
-        <a:effectLst/>
-      </dsp:spPr>
-      <dsp:style>
-        <a:lnRef idx="2">
-          <a:scrgbClr r="0" g="0" b="0"/>
-        </a:lnRef>
-        <a:fillRef idx="1">
-          <a:scrgbClr r="0" g="0" b="0"/>
-        </a:fillRef>
-        <a:effectRef idx="0">
-          <a:scrgbClr r="0" g="0" b="0"/>
-        </a:effectRef>
-        <a:fontRef idx="minor">
-          <a:schemeClr val="lt1"/>
-        </a:fontRef>
-      </dsp:style>
-      <dsp:txBody>
-        <a:bodyPr spcFirstLastPara="0" vert="horz" wrap="square" lIns="40640" tIns="30480" rIns="40640" bIns="30480" numCol="1" spcCol="1270" anchor="ctr" anchorCtr="0">
-          <a:noAutofit/>
-        </a:bodyPr>
-        <a:lstStyle/>
-        <a:p>
-          <a:pPr lvl="0" algn="ctr" defTabSz="711200">
-            <a:lnSpc>
-              <a:spcPct val="90000"/>
-            </a:lnSpc>
-            <a:spcBef>
-              <a:spcPct val="0"/>
-            </a:spcBef>
-            <a:spcAft>
-              <a:spcPct val="35000"/>
-            </a:spcAft>
-          </a:pPr>
-          <a:r>
-            <a:rPr lang="zh-CN" altLang="en-US" sz="1600" kern="1200" dirty="0" smtClean="0"/>
-            <a:t>资源预约系统</a:t>
-          </a:r>
-          <a:endParaRPr lang="zh-CN" altLang="en-US" sz="1600" kern="1200" dirty="0"/>
-        </a:p>
-      </dsp:txBody>
-      <dsp:txXfrm>
-        <a:off x="266076" y="4163828"/>
-        <a:ext cx="1971583" cy="439268"/>
-      </dsp:txXfrm>
-    </dsp:sp>
-    <dsp:sp modelId="{58281310-1F62-4787-B0EA-65659D294050}">
-      <dsp:nvSpPr>
-        <dsp:cNvPr id="0" name=""/>
-        <dsp:cNvSpPr/>
-      </dsp:nvSpPr>
-      <dsp:spPr>
-        <a:xfrm>
-          <a:off x="2688589" y="0"/>
-          <a:ext cx="2498644" cy="4860000"/>
-        </a:xfrm>
-        <a:prstGeom prst="roundRect">
-          <a:avLst>
-            <a:gd name="adj" fmla="val 10000"/>
-          </a:avLst>
-        </a:prstGeom>
-        <a:solidFill>
-          <a:schemeClr val="accent1">
-            <a:tint val="40000"/>
-            <a:hueOff val="0"/>
-            <a:satOff val="0"/>
-            <a:lumOff val="0"/>
-            <a:alphaOff val="0"/>
-          </a:schemeClr>
-        </a:solidFill>
-        <a:ln>
-          <a:noFill/>
-        </a:ln>
-        <a:effectLst/>
-      </dsp:spPr>
-      <dsp:style>
-        <a:lnRef idx="0">
-          <a:scrgbClr r="0" g="0" b="0"/>
-        </a:lnRef>
-        <a:fillRef idx="1">
-          <a:scrgbClr r="0" g="0" b="0"/>
-        </a:fillRef>
-        <a:effectRef idx="0">
-          <a:scrgbClr r="0" g="0" b="0"/>
-        </a:effectRef>
-        <a:fontRef idx="minor"/>
-      </dsp:style>
-      <dsp:txBody>
-        <a:bodyPr spcFirstLastPara="0" vert="horz" wrap="square" lIns="91440" tIns="91440" rIns="91440" bIns="91440" numCol="1" spcCol="1270" anchor="ctr" anchorCtr="0">
-          <a:noAutofit/>
-        </a:bodyPr>
-        <a:lstStyle/>
-        <a:p>
-          <a:pPr lvl="0" algn="ctr" defTabSz="1066800">
-            <a:lnSpc>
-              <a:spcPct val="90000"/>
-            </a:lnSpc>
-            <a:spcBef>
-              <a:spcPct val="0"/>
-            </a:spcBef>
-            <a:spcAft>
-              <a:spcPct val="35000"/>
-            </a:spcAft>
-          </a:pPr>
-          <a:r>
-            <a:rPr lang="en-US" altLang="zh-CN" sz="2400" kern="1200" dirty="0" smtClean="0"/>
-            <a:t>B. </a:t>
-          </a:r>
-          <a:r>
-            <a:rPr lang="zh-CN" altLang="en-US" sz="2400" kern="1200" dirty="0" smtClean="0"/>
-            <a:t>服务流程</a:t>
-          </a:r>
-          <a:endParaRPr lang="zh-CN" altLang="en-US" kern="1200" dirty="0"/>
-        </a:p>
-      </dsp:txBody>
-      <dsp:txXfrm>
-        <a:off x="2688589" y="0"/>
-        <a:ext cx="2498644" cy="1458000"/>
-      </dsp:txXfrm>
-    </dsp:sp>
-    <dsp:sp modelId="{4AA64F67-2B0D-4B13-8E1D-ED9A3A06BE4E}">
-      <dsp:nvSpPr>
-        <dsp:cNvPr id="0" name=""/>
-        <dsp:cNvSpPr/>
-      </dsp:nvSpPr>
-      <dsp:spPr>
-        <a:xfrm>
-          <a:off x="2938453" y="1458415"/>
-          <a:ext cx="1998915" cy="954795"/>
-        </a:xfrm>
-        <a:prstGeom prst="roundRect">
-          <a:avLst>
-            <a:gd name="adj" fmla="val 10000"/>
-          </a:avLst>
-        </a:prstGeom>
-        <a:solidFill>
-          <a:schemeClr val="accent1">
-            <a:hueOff val="0"/>
-            <a:satOff val="0"/>
-            <a:lumOff val="0"/>
-            <a:alphaOff val="0"/>
-          </a:schemeClr>
-        </a:solidFill>
-        <a:ln w="12700" cap="flat" cmpd="sng" algn="ctr">
-          <a:solidFill>
-            <a:schemeClr val="lt1">
-              <a:hueOff val="0"/>
-              <a:satOff val="0"/>
-              <a:lumOff val="0"/>
-              <a:alphaOff val="0"/>
-            </a:schemeClr>
-          </a:solidFill>
-          <a:prstDash val="solid"/>
-          <a:miter lim="800000"/>
-        </a:ln>
-        <a:effectLst/>
-      </dsp:spPr>
-      <dsp:style>
-        <a:lnRef idx="2">
-          <a:scrgbClr r="0" g="0" b="0"/>
-        </a:lnRef>
-        <a:fillRef idx="1">
-          <a:scrgbClr r="0" g="0" b="0"/>
-        </a:fillRef>
-        <a:effectRef idx="0">
-          <a:scrgbClr r="0" g="0" b="0"/>
-        </a:effectRef>
-        <a:fontRef idx="minor">
-          <a:schemeClr val="lt1"/>
-        </a:fontRef>
-      </dsp:style>
-      <dsp:txBody>
-        <a:bodyPr spcFirstLastPara="0" vert="horz" wrap="square" lIns="40640" tIns="30480" rIns="40640" bIns="30480" numCol="1" spcCol="1270" anchor="ctr" anchorCtr="0">
-          <a:noAutofit/>
-        </a:bodyPr>
-        <a:lstStyle/>
-        <a:p>
-          <a:pPr lvl="0" algn="ctr" defTabSz="711200">
-            <a:lnSpc>
-              <a:spcPct val="90000"/>
-            </a:lnSpc>
-            <a:spcBef>
-              <a:spcPct val="0"/>
-            </a:spcBef>
-            <a:spcAft>
-              <a:spcPct val="35000"/>
-            </a:spcAft>
-          </a:pPr>
-          <a:r>
-            <a:rPr lang="zh-CN" altLang="en-US" sz="1600" kern="1200" dirty="0" smtClean="0"/>
-            <a:t>基础工业实习</a:t>
-          </a:r>
-          <a:endParaRPr lang="zh-CN" altLang="en-US" sz="1600" kern="1200" dirty="0"/>
-        </a:p>
-      </dsp:txBody>
-      <dsp:txXfrm>
-        <a:off x="2966418" y="1486380"/>
-        <a:ext cx="1942985" cy="898865"/>
-      </dsp:txXfrm>
-    </dsp:sp>
-    <dsp:sp modelId="{9416161F-6AB2-418A-8E1B-5517DB72273E}">
-      <dsp:nvSpPr>
-        <dsp:cNvPr id="0" name=""/>
-        <dsp:cNvSpPr/>
-      </dsp:nvSpPr>
-      <dsp:spPr>
-        <a:xfrm>
-          <a:off x="2938453" y="2560102"/>
-          <a:ext cx="1998915" cy="954795"/>
-        </a:xfrm>
-        <a:prstGeom prst="roundRect">
-          <a:avLst>
-            <a:gd name="adj" fmla="val 10000"/>
-          </a:avLst>
-        </a:prstGeom>
-        <a:solidFill>
-          <a:schemeClr val="accent1">
-            <a:hueOff val="0"/>
-            <a:satOff val="0"/>
-            <a:lumOff val="0"/>
-            <a:alphaOff val="0"/>
-          </a:schemeClr>
-        </a:solidFill>
-        <a:ln w="12700" cap="flat" cmpd="sng" algn="ctr">
-          <a:solidFill>
-            <a:schemeClr val="lt1">
-              <a:hueOff val="0"/>
-              <a:satOff val="0"/>
-              <a:lumOff val="0"/>
-              <a:alphaOff val="0"/>
-            </a:schemeClr>
-          </a:solidFill>
-          <a:prstDash val="solid"/>
-          <a:miter lim="800000"/>
-        </a:ln>
-        <a:effectLst/>
-      </dsp:spPr>
-      <dsp:style>
-        <a:lnRef idx="2">
-          <a:scrgbClr r="0" g="0" b="0"/>
-        </a:lnRef>
-        <a:fillRef idx="1">
-          <a:scrgbClr r="0" g="0" b="0"/>
-        </a:fillRef>
-        <a:effectRef idx="0">
-          <a:scrgbClr r="0" g="0" b="0"/>
-        </a:effectRef>
-        <a:fontRef idx="minor">
-          <a:schemeClr val="lt1"/>
-        </a:fontRef>
-      </dsp:style>
-      <dsp:txBody>
-        <a:bodyPr spcFirstLastPara="0" vert="horz" wrap="square" lIns="40640" tIns="30480" rIns="40640" bIns="30480" numCol="1" spcCol="1270" anchor="ctr" anchorCtr="0">
-          <a:noAutofit/>
-        </a:bodyPr>
-        <a:lstStyle/>
-        <a:p>
-          <a:pPr lvl="0" algn="ctr" defTabSz="711200">
-            <a:lnSpc>
-              <a:spcPct val="90000"/>
-            </a:lnSpc>
-            <a:spcBef>
-              <a:spcPct val="0"/>
-            </a:spcBef>
-            <a:spcAft>
-              <a:spcPct val="35000"/>
-            </a:spcAft>
-          </a:pPr>
-          <a:r>
-            <a:rPr lang="zh-CN" altLang="en-US" sz="1600" kern="1200" dirty="0" smtClean="0"/>
-            <a:t>系统类、战略类、设计类课程</a:t>
-          </a:r>
-          <a:endParaRPr lang="zh-CN" altLang="en-US" sz="1600" kern="1200" dirty="0"/>
-        </a:p>
-      </dsp:txBody>
-      <dsp:txXfrm>
-        <a:off x="2966418" y="2588067"/>
-        <a:ext cx="1942985" cy="898865"/>
-      </dsp:txXfrm>
-    </dsp:sp>
-    <dsp:sp modelId="{5C4EA968-D21E-435D-81E9-18383051B82F}">
-      <dsp:nvSpPr>
-        <dsp:cNvPr id="0" name=""/>
-        <dsp:cNvSpPr/>
-      </dsp:nvSpPr>
-      <dsp:spPr>
-        <a:xfrm>
-          <a:off x="2938453" y="3661789"/>
-          <a:ext cx="1998915" cy="954795"/>
-        </a:xfrm>
-        <a:prstGeom prst="roundRect">
-          <a:avLst>
-            <a:gd name="adj" fmla="val 10000"/>
-          </a:avLst>
-        </a:prstGeom>
-        <a:solidFill>
-          <a:schemeClr val="accent1">
-            <a:hueOff val="0"/>
-            <a:satOff val="0"/>
-            <a:lumOff val="0"/>
-            <a:alphaOff val="0"/>
-          </a:schemeClr>
-        </a:solidFill>
-        <a:ln w="12700" cap="flat" cmpd="sng" algn="ctr">
-          <a:solidFill>
-            <a:schemeClr val="lt1">
-              <a:hueOff val="0"/>
-              <a:satOff val="0"/>
-              <a:lumOff val="0"/>
-              <a:alphaOff val="0"/>
-            </a:schemeClr>
-          </a:solidFill>
-          <a:prstDash val="solid"/>
-          <a:miter lim="800000"/>
-        </a:ln>
-        <a:effectLst/>
-      </dsp:spPr>
-      <dsp:style>
-        <a:lnRef idx="2">
-          <a:scrgbClr r="0" g="0" b="0"/>
-        </a:lnRef>
-        <a:fillRef idx="1">
-          <a:scrgbClr r="0" g="0" b="0"/>
-        </a:fillRef>
-        <a:effectRef idx="0">
-          <a:scrgbClr r="0" g="0" b="0"/>
-        </a:effectRef>
-        <a:fontRef idx="minor">
-          <a:schemeClr val="lt1"/>
-        </a:fontRef>
-      </dsp:style>
-      <dsp:txBody>
-        <a:bodyPr spcFirstLastPara="0" vert="horz" wrap="square" lIns="40640" tIns="30480" rIns="40640" bIns="30480" numCol="1" spcCol="1270" anchor="ctr" anchorCtr="0">
-          <a:noAutofit/>
-        </a:bodyPr>
-        <a:lstStyle/>
-        <a:p>
-          <a:pPr lvl="0" algn="ctr" defTabSz="711200">
-            <a:lnSpc>
-              <a:spcPct val="90000"/>
-            </a:lnSpc>
-            <a:spcBef>
-              <a:spcPct val="0"/>
-            </a:spcBef>
-            <a:spcAft>
-              <a:spcPct val="35000"/>
-            </a:spcAft>
-          </a:pPr>
-          <a:r>
-            <a:rPr lang="zh-CN" altLang="en-US" sz="1600" kern="1200" dirty="0" smtClean="0"/>
-            <a:t>学生创新实践活动</a:t>
-          </a:r>
-          <a:endParaRPr lang="en-US" altLang="zh-CN" sz="1600" kern="1200" dirty="0" smtClean="0"/>
-        </a:p>
-        <a:p>
-          <a:pPr lvl="0" algn="ctr" defTabSz="711200">
-            <a:lnSpc>
-              <a:spcPct val="90000"/>
-            </a:lnSpc>
-            <a:spcBef>
-              <a:spcPct val="0"/>
-            </a:spcBef>
-            <a:spcAft>
-              <a:spcPct val="35000"/>
-            </a:spcAft>
-          </a:pPr>
-          <a:r>
-            <a:rPr lang="zh-CN" altLang="en-US" sz="1600" kern="1200" dirty="0" smtClean="0"/>
-            <a:t>（竞赛、创客活动）</a:t>
-          </a:r>
-          <a:endParaRPr lang="zh-CN" altLang="en-US" sz="1600" kern="1200" dirty="0"/>
-        </a:p>
-      </dsp:txBody>
-      <dsp:txXfrm>
-        <a:off x="2966418" y="3689754"/>
-        <a:ext cx="1942985" cy="898865"/>
-      </dsp:txXfrm>
-    </dsp:sp>
-    <dsp:sp modelId="{7E2B7AB8-D8EA-4E32-AA90-AF6B0B07CA78}">
-      <dsp:nvSpPr>
-        <dsp:cNvPr id="0" name=""/>
-        <dsp:cNvSpPr/>
-      </dsp:nvSpPr>
-      <dsp:spPr>
-        <a:xfrm>
-          <a:off x="5374631" y="0"/>
-          <a:ext cx="2498644" cy="4860000"/>
-        </a:xfrm>
-        <a:prstGeom prst="roundRect">
-          <a:avLst>
-            <a:gd name="adj" fmla="val 10000"/>
-          </a:avLst>
-        </a:prstGeom>
-        <a:solidFill>
-          <a:schemeClr val="accent1">
-            <a:tint val="40000"/>
-            <a:hueOff val="0"/>
-            <a:satOff val="0"/>
-            <a:lumOff val="0"/>
-            <a:alphaOff val="0"/>
-          </a:schemeClr>
-        </a:solidFill>
-        <a:ln>
-          <a:noFill/>
-        </a:ln>
-        <a:effectLst/>
-      </dsp:spPr>
-      <dsp:style>
-        <a:lnRef idx="0">
-          <a:scrgbClr r="0" g="0" b="0"/>
-        </a:lnRef>
-        <a:fillRef idx="1">
-          <a:scrgbClr r="0" g="0" b="0"/>
-        </a:fillRef>
-        <a:effectRef idx="0">
-          <a:scrgbClr r="0" g="0" b="0"/>
-        </a:effectRef>
-        <a:fontRef idx="minor"/>
-      </dsp:style>
-      <dsp:txBody>
-        <a:bodyPr spcFirstLastPara="0" vert="horz" wrap="square" lIns="91440" tIns="91440" rIns="91440" bIns="91440" numCol="1" spcCol="1270" anchor="ctr" anchorCtr="0">
-          <a:noAutofit/>
-        </a:bodyPr>
-        <a:lstStyle/>
-        <a:p>
-          <a:pPr lvl="0" algn="ctr" defTabSz="1066800">
-            <a:lnSpc>
-              <a:spcPct val="90000"/>
-            </a:lnSpc>
-            <a:spcBef>
-              <a:spcPct val="0"/>
-            </a:spcBef>
-            <a:spcAft>
-              <a:spcPct val="35000"/>
-            </a:spcAft>
-          </a:pPr>
-          <a:r>
-            <a:rPr lang="en-US" altLang="zh-CN" sz="2400" kern="1200" dirty="0" smtClean="0"/>
-            <a:t>C. </a:t>
-          </a:r>
-          <a:r>
-            <a:rPr lang="zh-CN" altLang="en-US" sz="2400" kern="1200" dirty="0" smtClean="0"/>
-            <a:t>实体空间设计</a:t>
-          </a:r>
-          <a:endParaRPr lang="zh-CN" altLang="en-US" sz="2400" kern="1200" dirty="0"/>
-        </a:p>
-      </dsp:txBody>
-      <dsp:txXfrm>
-        <a:off x="5374631" y="0"/>
-        <a:ext cx="2498644" cy="1458000"/>
-      </dsp:txXfrm>
-    </dsp:sp>
-    <dsp:sp modelId="{89BB89BF-A212-415E-A4A1-687A44ACD648}">
-      <dsp:nvSpPr>
-        <dsp:cNvPr id="0" name=""/>
-        <dsp:cNvSpPr/>
-      </dsp:nvSpPr>
-      <dsp:spPr>
-        <a:xfrm>
-          <a:off x="5624496" y="1458919"/>
-          <a:ext cx="1998915" cy="562234"/>
-        </a:xfrm>
-        <a:prstGeom prst="roundRect">
-          <a:avLst>
-            <a:gd name="adj" fmla="val 10000"/>
-          </a:avLst>
-        </a:prstGeom>
-        <a:solidFill>
-          <a:schemeClr val="accent1">
-            <a:hueOff val="0"/>
-            <a:satOff val="0"/>
-            <a:lumOff val="0"/>
-            <a:alphaOff val="0"/>
-          </a:schemeClr>
-        </a:solidFill>
-        <a:ln w="12700" cap="flat" cmpd="sng" algn="ctr">
-          <a:solidFill>
-            <a:schemeClr val="lt1">
-              <a:hueOff val="0"/>
-              <a:satOff val="0"/>
-              <a:lumOff val="0"/>
-              <a:alphaOff val="0"/>
-            </a:schemeClr>
-          </a:solidFill>
-          <a:prstDash val="solid"/>
-          <a:miter lim="800000"/>
-        </a:ln>
-        <a:effectLst/>
-      </dsp:spPr>
-      <dsp:style>
-        <a:lnRef idx="2">
-          <a:scrgbClr r="0" g="0" b="0"/>
-        </a:lnRef>
-        <a:fillRef idx="1">
-          <a:scrgbClr r="0" g="0" b="0"/>
-        </a:fillRef>
-        <a:effectRef idx="0">
-          <a:scrgbClr r="0" g="0" b="0"/>
-        </a:effectRef>
-        <a:fontRef idx="minor">
-          <a:schemeClr val="lt1"/>
-        </a:fontRef>
-      </dsp:style>
-      <dsp:txBody>
-        <a:bodyPr spcFirstLastPara="0" vert="horz" wrap="square" lIns="40640" tIns="30480" rIns="40640" bIns="30480" numCol="1" spcCol="1270" anchor="ctr" anchorCtr="0">
-          <a:noAutofit/>
-        </a:bodyPr>
-        <a:lstStyle/>
-        <a:p>
-          <a:pPr lvl="0" algn="ctr" defTabSz="711200">
-            <a:lnSpc>
-              <a:spcPct val="90000"/>
-            </a:lnSpc>
-            <a:spcBef>
-              <a:spcPct val="0"/>
-            </a:spcBef>
-            <a:spcAft>
-              <a:spcPct val="35000"/>
-            </a:spcAft>
-          </a:pPr>
-          <a:r>
-            <a:rPr lang="zh-CN" altLang="en-US" sz="1600" kern="1200" dirty="0" smtClean="0"/>
-            <a:t>基础实习工作室</a:t>
-          </a:r>
-          <a:endParaRPr lang="zh-CN" altLang="en-US" sz="1600" kern="1200" dirty="0"/>
-        </a:p>
-      </dsp:txBody>
-      <dsp:txXfrm>
-        <a:off x="5640963" y="1475386"/>
-        <a:ext cx="1965981" cy="529300"/>
-      </dsp:txXfrm>
-    </dsp:sp>
-    <dsp:sp modelId="{7873841A-283E-4E98-A030-E5BE5FEA6643}">
-      <dsp:nvSpPr>
-        <dsp:cNvPr id="0" name=""/>
-        <dsp:cNvSpPr/>
-      </dsp:nvSpPr>
-      <dsp:spPr>
-        <a:xfrm>
-          <a:off x="5624496" y="2107651"/>
-          <a:ext cx="1998915" cy="562234"/>
-        </a:xfrm>
-        <a:prstGeom prst="roundRect">
-          <a:avLst>
-            <a:gd name="adj" fmla="val 10000"/>
-          </a:avLst>
-        </a:prstGeom>
-        <a:solidFill>
-          <a:schemeClr val="accent1">
-            <a:hueOff val="0"/>
-            <a:satOff val="0"/>
-            <a:lumOff val="0"/>
-            <a:alphaOff val="0"/>
-          </a:schemeClr>
-        </a:solidFill>
-        <a:ln w="12700" cap="flat" cmpd="sng" algn="ctr">
-          <a:solidFill>
-            <a:schemeClr val="lt1">
-              <a:hueOff val="0"/>
-              <a:satOff val="0"/>
-              <a:lumOff val="0"/>
-              <a:alphaOff val="0"/>
-            </a:schemeClr>
-          </a:solidFill>
-          <a:prstDash val="solid"/>
-          <a:miter lim="800000"/>
-        </a:ln>
-        <a:effectLst/>
-      </dsp:spPr>
-      <dsp:style>
-        <a:lnRef idx="2">
-          <a:scrgbClr r="0" g="0" b="0"/>
-        </a:lnRef>
-        <a:fillRef idx="1">
-          <a:scrgbClr r="0" g="0" b="0"/>
-        </a:fillRef>
-        <a:effectRef idx="0">
-          <a:scrgbClr r="0" g="0" b="0"/>
-        </a:effectRef>
-        <a:fontRef idx="minor">
-          <a:schemeClr val="lt1"/>
-        </a:fontRef>
-      </dsp:style>
-      <dsp:txBody>
-        <a:bodyPr spcFirstLastPara="0" vert="horz" wrap="square" lIns="40640" tIns="30480" rIns="40640" bIns="30480" numCol="1" spcCol="1270" anchor="ctr" anchorCtr="0">
-          <a:noAutofit/>
-        </a:bodyPr>
-        <a:lstStyle/>
-        <a:p>
-          <a:pPr lvl="0" algn="ctr" defTabSz="711200">
-            <a:lnSpc>
-              <a:spcPct val="90000"/>
-            </a:lnSpc>
-            <a:spcBef>
-              <a:spcPct val="0"/>
-            </a:spcBef>
-            <a:spcAft>
-              <a:spcPct val="35000"/>
-            </a:spcAft>
-          </a:pPr>
-          <a:r>
-            <a:rPr lang="zh-CN" altLang="en-US" sz="1600" kern="1200" dirty="0" smtClean="0"/>
-            <a:t>先进制造系统</a:t>
-          </a:r>
-          <a:endParaRPr lang="zh-CN" altLang="en-US" sz="1600" kern="1200" dirty="0"/>
-        </a:p>
-      </dsp:txBody>
-      <dsp:txXfrm>
-        <a:off x="5640963" y="2124118"/>
-        <a:ext cx="1965981" cy="529300"/>
-      </dsp:txXfrm>
-    </dsp:sp>
-    <dsp:sp modelId="{131F08B0-DE35-4740-923D-93E22C91042D}">
-      <dsp:nvSpPr>
-        <dsp:cNvPr id="0" name=""/>
-        <dsp:cNvSpPr/>
-      </dsp:nvSpPr>
-      <dsp:spPr>
-        <a:xfrm>
-          <a:off x="5624496" y="2756382"/>
-          <a:ext cx="1998915" cy="562234"/>
-        </a:xfrm>
-        <a:prstGeom prst="roundRect">
-          <a:avLst>
-            <a:gd name="adj" fmla="val 10000"/>
-          </a:avLst>
-        </a:prstGeom>
-        <a:solidFill>
-          <a:schemeClr val="accent1">
-            <a:hueOff val="0"/>
-            <a:satOff val="0"/>
-            <a:lumOff val="0"/>
-            <a:alphaOff val="0"/>
-          </a:schemeClr>
-        </a:solidFill>
-        <a:ln w="12700" cap="flat" cmpd="sng" algn="ctr">
-          <a:solidFill>
-            <a:schemeClr val="lt1">
-              <a:hueOff val="0"/>
-              <a:satOff val="0"/>
-              <a:lumOff val="0"/>
-              <a:alphaOff val="0"/>
-            </a:schemeClr>
-          </a:solidFill>
-          <a:prstDash val="solid"/>
-          <a:miter lim="800000"/>
-        </a:ln>
-        <a:effectLst/>
-      </dsp:spPr>
-      <dsp:style>
-        <a:lnRef idx="2">
-          <a:scrgbClr r="0" g="0" b="0"/>
-        </a:lnRef>
-        <a:fillRef idx="1">
-          <a:scrgbClr r="0" g="0" b="0"/>
-        </a:fillRef>
-        <a:effectRef idx="0">
-          <a:scrgbClr r="0" g="0" b="0"/>
-        </a:effectRef>
-        <a:fontRef idx="minor">
-          <a:schemeClr val="lt1"/>
-        </a:fontRef>
-      </dsp:style>
-      <dsp:txBody>
-        <a:bodyPr spcFirstLastPara="0" vert="horz" wrap="square" lIns="40640" tIns="30480" rIns="40640" bIns="30480" numCol="1" spcCol="1270" anchor="ctr" anchorCtr="0">
-          <a:noAutofit/>
-        </a:bodyPr>
-        <a:lstStyle/>
-        <a:p>
-          <a:pPr lvl="0" algn="ctr" defTabSz="711200">
-            <a:lnSpc>
-              <a:spcPct val="90000"/>
-            </a:lnSpc>
-            <a:spcBef>
-              <a:spcPct val="0"/>
-            </a:spcBef>
-            <a:spcAft>
-              <a:spcPct val="35000"/>
-            </a:spcAft>
-          </a:pPr>
-          <a:r>
-            <a:rPr lang="zh-CN" altLang="en-US" sz="1600" kern="1200" dirty="0" smtClean="0"/>
-            <a:t>研讨室及团队室</a:t>
-          </a:r>
-          <a:endParaRPr lang="en-US" altLang="zh-CN" sz="1600" kern="1200" dirty="0" smtClean="0"/>
-        </a:p>
-      </dsp:txBody>
-      <dsp:txXfrm>
-        <a:off x="5640963" y="2772849"/>
-        <a:ext cx="1965981" cy="529300"/>
-      </dsp:txXfrm>
-    </dsp:sp>
-    <dsp:sp modelId="{EC0BBE67-E7EE-4BDB-922B-9733BABB2322}">
-      <dsp:nvSpPr>
-        <dsp:cNvPr id="0" name=""/>
-        <dsp:cNvSpPr/>
-      </dsp:nvSpPr>
-      <dsp:spPr>
-        <a:xfrm>
-          <a:off x="5624496" y="3405114"/>
-          <a:ext cx="1998915" cy="562234"/>
-        </a:xfrm>
-        <a:prstGeom prst="roundRect">
-          <a:avLst>
-            <a:gd name="adj" fmla="val 10000"/>
-          </a:avLst>
-        </a:prstGeom>
-        <a:solidFill>
-          <a:schemeClr val="accent1">
-            <a:hueOff val="0"/>
-            <a:satOff val="0"/>
-            <a:lumOff val="0"/>
-            <a:alphaOff val="0"/>
-          </a:schemeClr>
-        </a:solidFill>
-        <a:ln w="12700" cap="flat" cmpd="sng" algn="ctr">
-          <a:solidFill>
-            <a:schemeClr val="lt1">
-              <a:hueOff val="0"/>
-              <a:satOff val="0"/>
-              <a:lumOff val="0"/>
-              <a:alphaOff val="0"/>
-            </a:schemeClr>
-          </a:solidFill>
-          <a:prstDash val="solid"/>
-          <a:miter lim="800000"/>
-        </a:ln>
-        <a:effectLst/>
-      </dsp:spPr>
-      <dsp:style>
-        <a:lnRef idx="2">
-          <a:scrgbClr r="0" g="0" b="0"/>
-        </a:lnRef>
-        <a:fillRef idx="1">
-          <a:scrgbClr r="0" g="0" b="0"/>
-        </a:fillRef>
-        <a:effectRef idx="0">
-          <a:scrgbClr r="0" g="0" b="0"/>
-        </a:effectRef>
-        <a:fontRef idx="minor">
-          <a:schemeClr val="lt1"/>
-        </a:fontRef>
-      </dsp:style>
-      <dsp:txBody>
-        <a:bodyPr spcFirstLastPara="0" vert="horz" wrap="square" lIns="40640" tIns="30480" rIns="40640" bIns="30480" numCol="1" spcCol="1270" anchor="ctr" anchorCtr="0">
-          <a:noAutofit/>
-        </a:bodyPr>
-        <a:lstStyle/>
-        <a:p>
-          <a:pPr lvl="0" algn="ctr" defTabSz="711200">
-            <a:lnSpc>
-              <a:spcPct val="90000"/>
-            </a:lnSpc>
-            <a:spcBef>
-              <a:spcPct val="0"/>
-            </a:spcBef>
-            <a:spcAft>
-              <a:spcPct val="35000"/>
-            </a:spcAft>
-          </a:pPr>
-          <a:r>
-            <a:rPr lang="zh-CN" altLang="en-US" sz="1600" kern="1200" dirty="0" smtClean="0"/>
-            <a:t>文化区</a:t>
-          </a:r>
-          <a:endParaRPr lang="en-US" altLang="zh-CN" sz="1600" kern="1200" dirty="0" smtClean="0"/>
-        </a:p>
-      </dsp:txBody>
-      <dsp:txXfrm>
-        <a:off x="5640963" y="3421581"/>
-        <a:ext cx="1965981" cy="529300"/>
-      </dsp:txXfrm>
-    </dsp:sp>
-    <dsp:sp modelId="{79C28DAB-55F1-4DB0-AE20-2AAA42F8608A}">
-      <dsp:nvSpPr>
-        <dsp:cNvPr id="0" name=""/>
-        <dsp:cNvSpPr/>
-      </dsp:nvSpPr>
-      <dsp:spPr>
-        <a:xfrm>
-          <a:off x="5624496" y="4053846"/>
-          <a:ext cx="1998915" cy="562234"/>
-        </a:xfrm>
-        <a:prstGeom prst="roundRect">
-          <a:avLst>
-            <a:gd name="adj" fmla="val 10000"/>
-          </a:avLst>
-        </a:prstGeom>
-        <a:solidFill>
-          <a:schemeClr val="accent1">
-            <a:hueOff val="0"/>
-            <a:satOff val="0"/>
-            <a:lumOff val="0"/>
-            <a:alphaOff val="0"/>
-          </a:schemeClr>
-        </a:solidFill>
-        <a:ln w="12700" cap="flat" cmpd="sng" algn="ctr">
-          <a:solidFill>
-            <a:schemeClr val="lt1">
-              <a:hueOff val="0"/>
-              <a:satOff val="0"/>
-              <a:lumOff val="0"/>
-              <a:alphaOff val="0"/>
-            </a:schemeClr>
-          </a:solidFill>
-          <a:prstDash val="solid"/>
-          <a:miter lim="800000"/>
-        </a:ln>
-        <a:effectLst/>
-      </dsp:spPr>
-      <dsp:style>
-        <a:lnRef idx="2">
-          <a:scrgbClr r="0" g="0" b="0"/>
-        </a:lnRef>
-        <a:fillRef idx="1">
-          <a:scrgbClr r="0" g="0" b="0"/>
-        </a:fillRef>
-        <a:effectRef idx="0">
-          <a:scrgbClr r="0" g="0" b="0"/>
-        </a:effectRef>
-        <a:fontRef idx="minor">
-          <a:schemeClr val="lt1"/>
-        </a:fontRef>
-      </dsp:style>
-      <dsp:txBody>
-        <a:bodyPr spcFirstLastPara="0" vert="horz" wrap="square" lIns="40640" tIns="30480" rIns="40640" bIns="30480" numCol="1" spcCol="1270" anchor="ctr" anchorCtr="0">
-          <a:noAutofit/>
-        </a:bodyPr>
-        <a:lstStyle/>
-        <a:p>
-          <a:pPr lvl="0" algn="ctr" defTabSz="711200">
-            <a:lnSpc>
-              <a:spcPct val="90000"/>
-            </a:lnSpc>
-            <a:spcBef>
-              <a:spcPct val="0"/>
-            </a:spcBef>
-            <a:spcAft>
-              <a:spcPct val="35000"/>
-            </a:spcAft>
-          </a:pPr>
-          <a:r>
-            <a:rPr lang="zh-CN" altLang="en-US" sz="1600" kern="1200" dirty="0" smtClean="0"/>
-            <a:t>讨论室及工作区</a:t>
-          </a:r>
-          <a:endParaRPr lang="zh-CN" altLang="en-US" sz="1600" kern="1200" dirty="0"/>
-        </a:p>
-      </dsp:txBody>
-      <dsp:txXfrm>
-        <a:off x="5640963" y="4070313"/>
-        <a:ext cx="1965981" cy="529300"/>
-      </dsp:txXfrm>
-    </dsp:sp>
-    <dsp:sp modelId="{1CAD4517-2404-4BED-A053-701F3360C0A1}">
-      <dsp:nvSpPr>
-        <dsp:cNvPr id="0" name=""/>
-        <dsp:cNvSpPr/>
-      </dsp:nvSpPr>
-      <dsp:spPr>
-        <a:xfrm>
-          <a:off x="8063220" y="10546"/>
-          <a:ext cx="2498644" cy="4849453"/>
-        </a:xfrm>
-        <a:prstGeom prst="roundRect">
-          <a:avLst>
-            <a:gd name="adj" fmla="val 10000"/>
-          </a:avLst>
-        </a:prstGeom>
-        <a:solidFill>
-          <a:schemeClr val="accent2">
-            <a:lumMod val="40000"/>
-            <a:lumOff val="60000"/>
-          </a:schemeClr>
-        </a:solidFill>
-        <a:ln>
-          <a:noFill/>
-        </a:ln>
-        <a:effectLst/>
-      </dsp:spPr>
-      <dsp:style>
-        <a:lnRef idx="0">
-          <a:scrgbClr r="0" g="0" b="0"/>
-        </a:lnRef>
-        <a:fillRef idx="1">
-          <a:scrgbClr r="0" g="0" b="0"/>
-        </a:fillRef>
-        <a:effectRef idx="0">
-          <a:scrgbClr r="0" g="0" b="0"/>
-        </a:effectRef>
-        <a:fontRef idx="minor"/>
-      </dsp:style>
-      <dsp:txBody>
-        <a:bodyPr spcFirstLastPara="0" vert="horz" wrap="square" lIns="91440" tIns="91440" rIns="91440" bIns="91440" numCol="1" spcCol="1270" anchor="ctr" anchorCtr="0">
-          <a:noAutofit/>
-        </a:bodyPr>
-        <a:lstStyle/>
-        <a:p>
-          <a:pPr lvl="0" algn="ctr" defTabSz="1066800">
-            <a:lnSpc>
-              <a:spcPct val="90000"/>
-            </a:lnSpc>
-            <a:spcBef>
-              <a:spcPct val="0"/>
-            </a:spcBef>
-            <a:spcAft>
-              <a:spcPct val="35000"/>
-            </a:spcAft>
-          </a:pPr>
-          <a:r>
-            <a:rPr lang="zh-CN" altLang="en-US" sz="2400" kern="1200" dirty="0" smtClean="0"/>
-            <a:t>目标群体</a:t>
-          </a:r>
-          <a:endParaRPr lang="zh-CN" altLang="en-US" sz="2400" kern="1200" dirty="0"/>
-        </a:p>
-      </dsp:txBody>
-      <dsp:txXfrm>
-        <a:off x="8063220" y="10546"/>
-        <a:ext cx="2498644" cy="1454836"/>
-      </dsp:txXfrm>
-    </dsp:sp>
-    <dsp:sp modelId="{2F508F19-F3FE-400E-9EA2-E3DE0919602A}">
-      <dsp:nvSpPr>
-        <dsp:cNvPr id="0" name=""/>
-        <dsp:cNvSpPr/>
-      </dsp:nvSpPr>
-      <dsp:spPr>
-        <a:xfrm>
-          <a:off x="8310538" y="1458919"/>
-          <a:ext cx="1998915" cy="562234"/>
-        </a:xfrm>
-        <a:prstGeom prst="roundRect">
-          <a:avLst>
-            <a:gd name="adj" fmla="val 10000"/>
-          </a:avLst>
-        </a:prstGeom>
-        <a:solidFill>
-          <a:schemeClr val="accent2"/>
-        </a:solidFill>
-        <a:ln w="12700" cap="flat" cmpd="sng" algn="ctr">
-          <a:solidFill>
-            <a:schemeClr val="accent2">
-              <a:shade val="50000"/>
-            </a:schemeClr>
-          </a:solidFill>
-          <a:prstDash val="solid"/>
-          <a:miter lim="800000"/>
-        </a:ln>
-        <a:effectLst/>
-      </dsp:spPr>
-      <dsp:style>
-        <a:lnRef idx="2">
-          <a:schemeClr val="accent2">
-            <a:shade val="50000"/>
-          </a:schemeClr>
-        </a:lnRef>
-        <a:fillRef idx="1">
-          <a:schemeClr val="accent2"/>
-        </a:fillRef>
-        <a:effectRef idx="0">
-          <a:schemeClr val="accent2"/>
-        </a:effectRef>
-        <a:fontRef idx="minor">
-          <a:schemeClr val="lt1"/>
-        </a:fontRef>
-      </dsp:style>
-      <dsp:txBody>
-        <a:bodyPr spcFirstLastPara="0" vert="horz" wrap="square" lIns="40640" tIns="30480" rIns="40640" bIns="30480" numCol="1" spcCol="1270" anchor="ctr" anchorCtr="0">
-          <a:noAutofit/>
-        </a:bodyPr>
-        <a:lstStyle/>
-        <a:p>
-          <a:pPr lvl="0" algn="ctr" defTabSz="711200">
-            <a:lnSpc>
-              <a:spcPct val="90000"/>
-            </a:lnSpc>
-            <a:spcBef>
-              <a:spcPct val="0"/>
-            </a:spcBef>
-            <a:spcAft>
-              <a:spcPct val="35000"/>
-            </a:spcAft>
-          </a:pPr>
-          <a:r>
-            <a:rPr lang="zh-CN" altLang="en-US" sz="1600" kern="1200" dirty="0" smtClean="0"/>
-            <a:t>各科系学生</a:t>
-          </a:r>
-          <a:endParaRPr lang="zh-CN" altLang="en-US" sz="1600" kern="1200" dirty="0"/>
-        </a:p>
-      </dsp:txBody>
-      <dsp:txXfrm>
-        <a:off x="8327005" y="1475386"/>
-        <a:ext cx="1965981" cy="529300"/>
-      </dsp:txXfrm>
-    </dsp:sp>
-    <dsp:sp modelId="{C01DF117-C2ED-443A-87CA-FC1E9C096773}">
-      <dsp:nvSpPr>
-        <dsp:cNvPr id="0" name=""/>
-        <dsp:cNvSpPr/>
-      </dsp:nvSpPr>
-      <dsp:spPr>
-        <a:xfrm>
-          <a:off x="8310538" y="2107651"/>
-          <a:ext cx="1998915" cy="562234"/>
-        </a:xfrm>
-        <a:prstGeom prst="roundRect">
-          <a:avLst>
-            <a:gd name="adj" fmla="val 10000"/>
-          </a:avLst>
-        </a:prstGeom>
-        <a:solidFill>
-          <a:schemeClr val="accent2"/>
-        </a:solidFill>
-        <a:ln w="12700" cap="flat" cmpd="sng" algn="ctr">
-          <a:solidFill>
-            <a:schemeClr val="accent2">
-              <a:shade val="50000"/>
-            </a:schemeClr>
-          </a:solidFill>
-          <a:prstDash val="solid"/>
-          <a:miter lim="800000"/>
-        </a:ln>
-        <a:effectLst/>
-      </dsp:spPr>
-      <dsp:style>
-        <a:lnRef idx="2">
-          <a:schemeClr val="accent2">
-            <a:shade val="50000"/>
-          </a:schemeClr>
-        </a:lnRef>
-        <a:fillRef idx="1">
-          <a:schemeClr val="accent2"/>
-        </a:fillRef>
-        <a:effectRef idx="0">
-          <a:schemeClr val="accent2"/>
-        </a:effectRef>
-        <a:fontRef idx="minor">
-          <a:schemeClr val="lt1"/>
-        </a:fontRef>
-      </dsp:style>
-      <dsp:txBody>
-        <a:bodyPr spcFirstLastPara="0" vert="horz" wrap="square" lIns="40640" tIns="30480" rIns="40640" bIns="30480" numCol="1" spcCol="1270" anchor="ctr" anchorCtr="0">
-          <a:noAutofit/>
-        </a:bodyPr>
-        <a:lstStyle/>
-        <a:p>
-          <a:pPr lvl="0" algn="ctr" defTabSz="711200">
-            <a:lnSpc>
-              <a:spcPct val="90000"/>
-            </a:lnSpc>
-            <a:spcBef>
-              <a:spcPct val="0"/>
-            </a:spcBef>
-            <a:spcAft>
-              <a:spcPct val="35000"/>
-            </a:spcAft>
-          </a:pPr>
-          <a:r>
-            <a:rPr lang="zh-CN" altLang="en-US" sz="1600" kern="1200" dirty="0" smtClean="0"/>
-            <a:t>学科竞赛团队</a:t>
-          </a:r>
-          <a:endParaRPr lang="zh-CN" altLang="en-US" sz="1600" kern="1200" dirty="0"/>
-        </a:p>
-      </dsp:txBody>
-      <dsp:txXfrm>
-        <a:off x="8327005" y="2124118"/>
-        <a:ext cx="1965981" cy="529300"/>
-      </dsp:txXfrm>
-    </dsp:sp>
-    <dsp:sp modelId="{EF9DCBCC-8D73-4701-B724-319ABD199226}">
-      <dsp:nvSpPr>
-        <dsp:cNvPr id="0" name=""/>
-        <dsp:cNvSpPr/>
-      </dsp:nvSpPr>
-      <dsp:spPr>
-        <a:xfrm>
-          <a:off x="8310538" y="2756382"/>
-          <a:ext cx="1998915" cy="562234"/>
-        </a:xfrm>
-        <a:prstGeom prst="roundRect">
-          <a:avLst>
-            <a:gd name="adj" fmla="val 10000"/>
-          </a:avLst>
-        </a:prstGeom>
-        <a:solidFill>
-          <a:schemeClr val="accent2"/>
-        </a:solidFill>
-        <a:ln w="12700" cap="flat" cmpd="sng" algn="ctr">
-          <a:solidFill>
-            <a:schemeClr val="accent2">
-              <a:shade val="50000"/>
-            </a:schemeClr>
-          </a:solidFill>
-          <a:prstDash val="solid"/>
-          <a:miter lim="800000"/>
-        </a:ln>
-        <a:effectLst/>
-      </dsp:spPr>
-      <dsp:style>
-        <a:lnRef idx="2">
-          <a:schemeClr val="accent2">
-            <a:shade val="50000"/>
-          </a:schemeClr>
-        </a:lnRef>
-        <a:fillRef idx="1">
-          <a:schemeClr val="accent2"/>
-        </a:fillRef>
-        <a:effectRef idx="0">
-          <a:schemeClr val="accent2"/>
-        </a:effectRef>
-        <a:fontRef idx="minor">
-          <a:schemeClr val="lt1"/>
-        </a:fontRef>
-      </dsp:style>
-      <dsp:txBody>
-        <a:bodyPr spcFirstLastPara="0" vert="horz" wrap="square" lIns="40640" tIns="30480" rIns="40640" bIns="30480" numCol="1" spcCol="1270" anchor="ctr" anchorCtr="0">
-          <a:noAutofit/>
-        </a:bodyPr>
-        <a:lstStyle/>
-        <a:p>
-          <a:pPr lvl="0" algn="ctr" defTabSz="711200">
-            <a:lnSpc>
-              <a:spcPct val="90000"/>
-            </a:lnSpc>
-            <a:spcBef>
-              <a:spcPct val="0"/>
-            </a:spcBef>
-            <a:spcAft>
-              <a:spcPct val="35000"/>
-            </a:spcAft>
-          </a:pPr>
-          <a:r>
-            <a:rPr lang="zh-CN" altLang="en-US" sz="1600" kern="1200" dirty="0" smtClean="0"/>
-            <a:t>学生社团</a:t>
-          </a:r>
-          <a:endParaRPr lang="en-US" altLang="zh-CN" sz="1600" kern="1200" dirty="0" smtClean="0"/>
-        </a:p>
-      </dsp:txBody>
-      <dsp:txXfrm>
-        <a:off x="8327005" y="2772849"/>
-        <a:ext cx="1965981" cy="529300"/>
-      </dsp:txXfrm>
-    </dsp:sp>
-    <dsp:sp modelId="{237DB78B-86BF-4712-B2B3-8D5C97DED1FB}">
-      <dsp:nvSpPr>
-        <dsp:cNvPr id="0" name=""/>
-        <dsp:cNvSpPr/>
-      </dsp:nvSpPr>
-      <dsp:spPr>
-        <a:xfrm>
-          <a:off x="8310538" y="3405114"/>
-          <a:ext cx="1998915" cy="562234"/>
-        </a:xfrm>
-        <a:prstGeom prst="roundRect">
-          <a:avLst>
-            <a:gd name="adj" fmla="val 10000"/>
-          </a:avLst>
-        </a:prstGeom>
-        <a:solidFill>
-          <a:schemeClr val="accent2"/>
-        </a:solidFill>
-        <a:ln w="12700" cap="flat" cmpd="sng" algn="ctr">
-          <a:solidFill>
-            <a:schemeClr val="accent2">
-              <a:shade val="50000"/>
-            </a:schemeClr>
-          </a:solidFill>
-          <a:prstDash val="solid"/>
-          <a:miter lim="800000"/>
-        </a:ln>
-        <a:effectLst/>
-      </dsp:spPr>
-      <dsp:style>
-        <a:lnRef idx="2">
-          <a:schemeClr val="accent2">
-            <a:shade val="50000"/>
-          </a:schemeClr>
-        </a:lnRef>
-        <a:fillRef idx="1">
-          <a:schemeClr val="accent2"/>
-        </a:fillRef>
-        <a:effectRef idx="0">
-          <a:schemeClr val="accent2"/>
-        </a:effectRef>
-        <a:fontRef idx="minor">
-          <a:schemeClr val="lt1"/>
-        </a:fontRef>
-      </dsp:style>
-      <dsp:txBody>
-        <a:bodyPr spcFirstLastPara="0" vert="horz" wrap="square" lIns="40640" tIns="30480" rIns="40640" bIns="30480" numCol="1" spcCol="1270" anchor="ctr" anchorCtr="0">
-          <a:noAutofit/>
-        </a:bodyPr>
-        <a:lstStyle/>
-        <a:p>
-          <a:pPr lvl="0" algn="ctr" defTabSz="711200">
-            <a:lnSpc>
-              <a:spcPct val="90000"/>
-            </a:lnSpc>
-            <a:spcBef>
-              <a:spcPct val="0"/>
-            </a:spcBef>
-            <a:spcAft>
-              <a:spcPct val="35000"/>
-            </a:spcAft>
-          </a:pPr>
-          <a:r>
-            <a:rPr lang="en-US" altLang="zh-CN" sz="1600" kern="1200" dirty="0" smtClean="0"/>
-            <a:t>SRT</a:t>
-          </a:r>
-          <a:r>
-            <a:rPr lang="zh-CN" altLang="en-US" sz="1600" kern="1200" dirty="0" smtClean="0"/>
-            <a:t>项目</a:t>
-          </a:r>
-          <a:endParaRPr lang="en-US" altLang="zh-CN" sz="1600" kern="1200" dirty="0" smtClean="0"/>
-        </a:p>
-      </dsp:txBody>
-      <dsp:txXfrm>
-        <a:off x="8327005" y="3421581"/>
-        <a:ext cx="1965981" cy="529300"/>
-      </dsp:txXfrm>
-    </dsp:sp>
-    <dsp:sp modelId="{D0CBEDA4-BD16-4BB9-8A23-F0F3485FD9DD}">
-      <dsp:nvSpPr>
-        <dsp:cNvPr id="0" name=""/>
-        <dsp:cNvSpPr/>
-      </dsp:nvSpPr>
-      <dsp:spPr>
-        <a:xfrm>
-          <a:off x="8310538" y="4053846"/>
-          <a:ext cx="1998915" cy="562234"/>
-        </a:xfrm>
-        <a:prstGeom prst="roundRect">
-          <a:avLst>
-            <a:gd name="adj" fmla="val 10000"/>
-          </a:avLst>
-        </a:prstGeom>
-        <a:solidFill>
-          <a:schemeClr val="accent2"/>
-        </a:solidFill>
-        <a:ln w="12700" cap="flat" cmpd="sng" algn="ctr">
-          <a:solidFill>
-            <a:schemeClr val="accent2">
-              <a:shade val="50000"/>
-            </a:schemeClr>
-          </a:solidFill>
-          <a:prstDash val="solid"/>
-          <a:miter lim="800000"/>
-        </a:ln>
-        <a:effectLst/>
-      </dsp:spPr>
-      <dsp:style>
-        <a:lnRef idx="2">
-          <a:schemeClr val="accent2">
-            <a:shade val="50000"/>
-          </a:schemeClr>
-        </a:lnRef>
-        <a:fillRef idx="1">
-          <a:schemeClr val="accent2"/>
-        </a:fillRef>
-        <a:effectRef idx="0">
-          <a:schemeClr val="accent2"/>
-        </a:effectRef>
-        <a:fontRef idx="minor">
-          <a:schemeClr val="lt1"/>
-        </a:fontRef>
-      </dsp:style>
-      <dsp:txBody>
-        <a:bodyPr spcFirstLastPara="0" vert="horz" wrap="square" lIns="40640" tIns="30480" rIns="40640" bIns="30480" numCol="1" spcCol="1270" anchor="ctr" anchorCtr="0">
-          <a:noAutofit/>
-        </a:bodyPr>
-        <a:lstStyle/>
-        <a:p>
-          <a:pPr lvl="0" algn="ctr" defTabSz="711200">
-            <a:lnSpc>
-              <a:spcPct val="90000"/>
-            </a:lnSpc>
-            <a:spcBef>
-              <a:spcPct val="0"/>
-            </a:spcBef>
-            <a:spcAft>
-              <a:spcPct val="35000"/>
-            </a:spcAft>
-          </a:pPr>
-          <a:r>
-            <a:rPr lang="zh-CN" altLang="en-US" sz="1600" kern="1200" dirty="0" smtClean="0"/>
-            <a:t>订单加工</a:t>
-          </a:r>
-          <a:endParaRPr lang="en-US" altLang="zh-CN" sz="1600" kern="1200" dirty="0" smtClean="0"/>
-        </a:p>
-      </dsp:txBody>
-      <dsp:txXfrm>
-        <a:off x="8327005" y="4070313"/>
-        <a:ext cx="1965981" cy="529300"/>
-      </dsp:txXfrm>
-    </dsp:sp>
   </dsp:spTree>
 </dsp:drawing>
 </file>
@@ -13653,1729 +11895,6 @@
       <dsp:cNvGrpSpPr/>
     </dsp:nvGrpSpPr>
     <dsp:grpSpPr/>
-    <dsp:sp modelId="{288E25FE-C886-4621-A966-59C9FC5509D9}">
-      <dsp:nvSpPr>
-        <dsp:cNvPr id="0" name=""/>
-        <dsp:cNvSpPr/>
-      </dsp:nvSpPr>
-      <dsp:spPr>
-        <a:xfrm>
-          <a:off x="2551" y="0"/>
-          <a:ext cx="2503880" cy="4856163"/>
-        </a:xfrm>
-        <a:prstGeom prst="roundRect">
-          <a:avLst>
-            <a:gd name="adj" fmla="val 10000"/>
-          </a:avLst>
-        </a:prstGeom>
-        <a:solidFill>
-          <a:schemeClr val="accent6">
-            <a:lumMod val="40000"/>
-            <a:lumOff val="60000"/>
-          </a:schemeClr>
-        </a:solidFill>
-        <a:ln>
-          <a:noFill/>
-        </a:ln>
-        <a:effectLst/>
-      </dsp:spPr>
-      <dsp:style>
-        <a:lnRef idx="0">
-          <a:scrgbClr r="0" g="0" b="0"/>
-        </a:lnRef>
-        <a:fillRef idx="1">
-          <a:scrgbClr r="0" g="0" b="0"/>
-        </a:fillRef>
-        <a:effectRef idx="0">
-          <a:scrgbClr r="0" g="0" b="0"/>
-        </a:effectRef>
-        <a:fontRef idx="minor"/>
-      </dsp:style>
-      <dsp:txBody>
-        <a:bodyPr spcFirstLastPara="0" vert="horz" wrap="square" lIns="91440" tIns="91440" rIns="91440" bIns="91440" numCol="1" spcCol="1270" anchor="ctr" anchorCtr="0">
-          <a:noAutofit/>
-        </a:bodyPr>
-        <a:lstStyle/>
-        <a:p>
-          <a:pPr lvl="0" algn="ctr" defTabSz="1066800">
-            <a:lnSpc>
-              <a:spcPct val="90000"/>
-            </a:lnSpc>
-            <a:spcBef>
-              <a:spcPct val="0"/>
-            </a:spcBef>
-            <a:spcAft>
-              <a:spcPct val="35000"/>
-            </a:spcAft>
-          </a:pPr>
-          <a:r>
-            <a:rPr lang="zh-CN" altLang="en-US" sz="2400" kern="1200" dirty="0" smtClean="0"/>
-            <a:t>全球覆盖</a:t>
-          </a:r>
-          <a:endParaRPr lang="zh-CN" altLang="en-US" sz="2400" kern="1200" dirty="0"/>
-        </a:p>
-      </dsp:txBody>
-      <dsp:txXfrm>
-        <a:off x="2551" y="0"/>
-        <a:ext cx="2503880" cy="1456848"/>
-      </dsp:txXfrm>
-    </dsp:sp>
-    <dsp:sp modelId="{C9E76E66-494A-4C95-8D03-5D11BF2BC152}">
-      <dsp:nvSpPr>
-        <dsp:cNvPr id="0" name=""/>
-        <dsp:cNvSpPr/>
-      </dsp:nvSpPr>
-      <dsp:spPr>
-        <a:xfrm>
-          <a:off x="252939" y="1456967"/>
-          <a:ext cx="2003104" cy="707439"/>
-        </a:xfrm>
-        <a:prstGeom prst="roundRect">
-          <a:avLst>
-            <a:gd name="adj" fmla="val 10000"/>
-          </a:avLst>
-        </a:prstGeom>
-        <a:solidFill>
-          <a:schemeClr val="accent6"/>
-        </a:solidFill>
-        <a:ln w="12700" cap="flat" cmpd="sng" algn="ctr">
-          <a:solidFill>
-            <a:schemeClr val="accent6">
-              <a:shade val="50000"/>
-            </a:schemeClr>
-          </a:solidFill>
-          <a:prstDash val="solid"/>
-          <a:miter lim="800000"/>
-        </a:ln>
-        <a:effectLst/>
-      </dsp:spPr>
-      <dsp:style>
-        <a:lnRef idx="2">
-          <a:schemeClr val="accent6">
-            <a:shade val="50000"/>
-          </a:schemeClr>
-        </a:lnRef>
-        <a:fillRef idx="1">
-          <a:schemeClr val="accent6"/>
-        </a:fillRef>
-        <a:effectRef idx="0">
-          <a:schemeClr val="accent6"/>
-        </a:effectRef>
-        <a:fontRef idx="minor">
-          <a:schemeClr val="lt1"/>
-        </a:fontRef>
-      </dsp:style>
-      <dsp:txBody>
-        <a:bodyPr spcFirstLastPara="0" vert="horz" wrap="square" lIns="40640" tIns="30480" rIns="40640" bIns="30480" numCol="1" spcCol="1270" anchor="ctr" anchorCtr="0">
-          <a:noAutofit/>
-        </a:bodyPr>
-        <a:lstStyle/>
-        <a:p>
-          <a:pPr lvl="0" algn="ctr" defTabSz="711200">
-            <a:lnSpc>
-              <a:spcPct val="90000"/>
-            </a:lnSpc>
-            <a:spcBef>
-              <a:spcPct val="0"/>
-            </a:spcBef>
-            <a:spcAft>
-              <a:spcPct val="35000"/>
-            </a:spcAft>
-          </a:pPr>
-          <a:r>
-            <a:rPr lang="zh-CN" altLang="en-US" sz="1600" kern="1200" dirty="0" smtClean="0"/>
-            <a:t>校内师生</a:t>
-          </a:r>
-          <a:endParaRPr lang="zh-CN" altLang="en-US" sz="1600" kern="1200" dirty="0"/>
-        </a:p>
-      </dsp:txBody>
-      <dsp:txXfrm>
-        <a:off x="273659" y="1477687"/>
-        <a:ext cx="1961664" cy="665999"/>
-      </dsp:txXfrm>
-    </dsp:sp>
-    <dsp:sp modelId="{9ADB364C-2B62-4AF0-A3E7-3D832401C6DA}">
-      <dsp:nvSpPr>
-        <dsp:cNvPr id="0" name=""/>
-        <dsp:cNvSpPr/>
-      </dsp:nvSpPr>
-      <dsp:spPr>
-        <a:xfrm>
-          <a:off x="252939" y="2273243"/>
-          <a:ext cx="2003104" cy="707439"/>
-        </a:xfrm>
-        <a:prstGeom prst="roundRect">
-          <a:avLst>
-            <a:gd name="adj" fmla="val 10000"/>
-          </a:avLst>
-        </a:prstGeom>
-        <a:solidFill>
-          <a:schemeClr val="accent6"/>
-        </a:solidFill>
-        <a:ln w="12700" cap="flat" cmpd="sng" algn="ctr">
-          <a:solidFill>
-            <a:schemeClr val="accent6">
-              <a:shade val="50000"/>
-            </a:schemeClr>
-          </a:solidFill>
-          <a:prstDash val="solid"/>
-          <a:miter lim="800000"/>
-        </a:ln>
-        <a:effectLst/>
-      </dsp:spPr>
-      <dsp:style>
-        <a:lnRef idx="2">
-          <a:schemeClr val="accent6">
-            <a:shade val="50000"/>
-          </a:schemeClr>
-        </a:lnRef>
-        <a:fillRef idx="1">
-          <a:schemeClr val="accent6"/>
-        </a:fillRef>
-        <a:effectRef idx="0">
-          <a:schemeClr val="accent6"/>
-        </a:effectRef>
-        <a:fontRef idx="minor">
-          <a:schemeClr val="lt1"/>
-        </a:fontRef>
-      </dsp:style>
-      <dsp:txBody>
-        <a:bodyPr spcFirstLastPara="0" vert="horz" wrap="square" lIns="40640" tIns="30480" rIns="40640" bIns="30480" numCol="1" spcCol="1270" anchor="ctr" anchorCtr="0">
-          <a:noAutofit/>
-        </a:bodyPr>
-        <a:lstStyle/>
-        <a:p>
-          <a:pPr lvl="0" algn="ctr" defTabSz="711200">
-            <a:lnSpc>
-              <a:spcPct val="90000"/>
-            </a:lnSpc>
-            <a:spcBef>
-              <a:spcPct val="0"/>
-            </a:spcBef>
-            <a:spcAft>
-              <a:spcPct val="35000"/>
-            </a:spcAft>
-          </a:pPr>
-          <a:r>
-            <a:rPr lang="zh-CN" altLang="en-US" sz="1600" kern="1200" dirty="0" smtClean="0"/>
-            <a:t>驻校创客</a:t>
-          </a:r>
-          <a:endParaRPr lang="zh-CN" altLang="en-US" sz="1600" kern="1200" dirty="0"/>
-        </a:p>
-      </dsp:txBody>
-      <dsp:txXfrm>
-        <a:off x="273659" y="2293963"/>
-        <a:ext cx="1961664" cy="665999"/>
-      </dsp:txXfrm>
-    </dsp:sp>
-    <dsp:sp modelId="{77B555E2-232C-456E-9D31-F65FE50F5A42}">
-      <dsp:nvSpPr>
-        <dsp:cNvPr id="0" name=""/>
-        <dsp:cNvSpPr/>
-      </dsp:nvSpPr>
-      <dsp:spPr>
-        <a:xfrm>
-          <a:off x="252939" y="3089520"/>
-          <a:ext cx="2003104" cy="707439"/>
-        </a:xfrm>
-        <a:prstGeom prst="roundRect">
-          <a:avLst>
-            <a:gd name="adj" fmla="val 10000"/>
-          </a:avLst>
-        </a:prstGeom>
-        <a:solidFill>
-          <a:schemeClr val="accent6"/>
-        </a:solidFill>
-        <a:ln w="12700" cap="flat" cmpd="sng" algn="ctr">
-          <a:solidFill>
-            <a:schemeClr val="accent6">
-              <a:shade val="50000"/>
-            </a:schemeClr>
-          </a:solidFill>
-          <a:prstDash val="solid"/>
-          <a:miter lim="800000"/>
-        </a:ln>
-        <a:effectLst/>
-      </dsp:spPr>
-      <dsp:style>
-        <a:lnRef idx="2">
-          <a:schemeClr val="accent6">
-            <a:shade val="50000"/>
-          </a:schemeClr>
-        </a:lnRef>
-        <a:fillRef idx="1">
-          <a:schemeClr val="accent6"/>
-        </a:fillRef>
-        <a:effectRef idx="0">
-          <a:schemeClr val="accent6"/>
-        </a:effectRef>
-        <a:fontRef idx="minor">
-          <a:schemeClr val="lt1"/>
-        </a:fontRef>
-      </dsp:style>
-      <dsp:txBody>
-        <a:bodyPr spcFirstLastPara="0" vert="horz" wrap="square" lIns="40640" tIns="30480" rIns="40640" bIns="30480" numCol="1" spcCol="1270" anchor="ctr" anchorCtr="0">
-          <a:noAutofit/>
-        </a:bodyPr>
-        <a:lstStyle/>
-        <a:p>
-          <a:pPr lvl="0" algn="ctr" defTabSz="711200">
-            <a:lnSpc>
-              <a:spcPct val="90000"/>
-            </a:lnSpc>
-            <a:spcBef>
-              <a:spcPct val="0"/>
-            </a:spcBef>
-            <a:spcAft>
-              <a:spcPct val="35000"/>
-            </a:spcAft>
-          </a:pPr>
-          <a:r>
-            <a:rPr lang="zh-CN" altLang="en-US" sz="1600" kern="1200" dirty="0" smtClean="0"/>
-            <a:t>企业产业人士</a:t>
-          </a:r>
-          <a:endParaRPr lang="en-US" altLang="zh-CN" sz="1600" kern="1200" dirty="0" smtClean="0"/>
-        </a:p>
-      </dsp:txBody>
-      <dsp:txXfrm>
-        <a:off x="273659" y="3110240"/>
-        <a:ext cx="1961664" cy="665999"/>
-      </dsp:txXfrm>
-    </dsp:sp>
-    <dsp:sp modelId="{5955D71D-FB34-473F-A7C8-012E8E85ABAE}">
-      <dsp:nvSpPr>
-        <dsp:cNvPr id="0" name=""/>
-        <dsp:cNvSpPr/>
-      </dsp:nvSpPr>
-      <dsp:spPr>
-        <a:xfrm>
-          <a:off x="252939" y="3905796"/>
-          <a:ext cx="2003104" cy="707439"/>
-        </a:xfrm>
-        <a:prstGeom prst="roundRect">
-          <a:avLst>
-            <a:gd name="adj" fmla="val 10000"/>
-          </a:avLst>
-        </a:prstGeom>
-        <a:solidFill>
-          <a:schemeClr val="accent6"/>
-        </a:solidFill>
-        <a:ln w="12700" cap="flat" cmpd="sng" algn="ctr">
-          <a:solidFill>
-            <a:schemeClr val="accent6">
-              <a:shade val="50000"/>
-            </a:schemeClr>
-          </a:solidFill>
-          <a:prstDash val="solid"/>
-          <a:miter lim="800000"/>
-        </a:ln>
-        <a:effectLst/>
-      </dsp:spPr>
-      <dsp:style>
-        <a:lnRef idx="2">
-          <a:schemeClr val="accent6">
-            <a:shade val="50000"/>
-          </a:schemeClr>
-        </a:lnRef>
-        <a:fillRef idx="1">
-          <a:schemeClr val="accent6"/>
-        </a:fillRef>
-        <a:effectRef idx="0">
-          <a:schemeClr val="accent6"/>
-        </a:effectRef>
-        <a:fontRef idx="minor">
-          <a:schemeClr val="lt1"/>
-        </a:fontRef>
-      </dsp:style>
-      <dsp:txBody>
-        <a:bodyPr spcFirstLastPara="0" vert="horz" wrap="square" lIns="40640" tIns="30480" rIns="40640" bIns="30480" numCol="1" spcCol="1270" anchor="ctr" anchorCtr="0">
-          <a:noAutofit/>
-        </a:bodyPr>
-        <a:lstStyle/>
-        <a:p>
-          <a:pPr lvl="0" algn="ctr" defTabSz="711200">
-            <a:lnSpc>
-              <a:spcPct val="90000"/>
-            </a:lnSpc>
-            <a:spcBef>
-              <a:spcPct val="0"/>
-            </a:spcBef>
-            <a:spcAft>
-              <a:spcPct val="35000"/>
-            </a:spcAft>
-          </a:pPr>
-          <a:r>
-            <a:rPr lang="zh-CN" altLang="en-US" sz="1600" kern="1200" dirty="0" smtClean="0"/>
-            <a:t>全球创客社区</a:t>
-          </a:r>
-          <a:endParaRPr lang="en-US" altLang="zh-CN" sz="1600" kern="1200" dirty="0" smtClean="0"/>
-        </a:p>
-      </dsp:txBody>
-      <dsp:txXfrm>
-        <a:off x="273659" y="3926516"/>
-        <a:ext cx="1961664" cy="665999"/>
-      </dsp:txXfrm>
-    </dsp:sp>
-    <dsp:sp modelId="{FF30C5DC-9D57-4726-9C2F-E5D84DC526DB}">
-      <dsp:nvSpPr>
-        <dsp:cNvPr id="0" name=""/>
-        <dsp:cNvSpPr/>
-      </dsp:nvSpPr>
-      <dsp:spPr>
-        <a:xfrm>
-          <a:off x="2694223" y="0"/>
-          <a:ext cx="2503880" cy="4856163"/>
-        </a:xfrm>
-        <a:prstGeom prst="roundRect">
-          <a:avLst>
-            <a:gd name="adj" fmla="val 10000"/>
-          </a:avLst>
-        </a:prstGeom>
-        <a:solidFill>
-          <a:schemeClr val="accent1">
-            <a:tint val="40000"/>
-            <a:hueOff val="0"/>
-            <a:satOff val="0"/>
-            <a:lumOff val="0"/>
-            <a:alphaOff val="0"/>
-          </a:schemeClr>
-        </a:solidFill>
-        <a:ln>
-          <a:noFill/>
-        </a:ln>
-        <a:effectLst/>
-      </dsp:spPr>
-      <dsp:style>
-        <a:lnRef idx="0">
-          <a:scrgbClr r="0" g="0" b="0"/>
-        </a:lnRef>
-        <a:fillRef idx="1">
-          <a:scrgbClr r="0" g="0" b="0"/>
-        </a:fillRef>
-        <a:effectRef idx="0">
-          <a:scrgbClr r="0" g="0" b="0"/>
-        </a:effectRef>
-        <a:fontRef idx="minor"/>
-      </dsp:style>
-      <dsp:txBody>
-        <a:bodyPr spcFirstLastPara="0" vert="horz" wrap="square" lIns="91440" tIns="91440" rIns="91440" bIns="91440" numCol="1" spcCol="1270" anchor="ctr" anchorCtr="0">
-          <a:noAutofit/>
-        </a:bodyPr>
-        <a:lstStyle/>
-        <a:p>
-          <a:pPr lvl="0" algn="ctr" defTabSz="1066800">
-            <a:lnSpc>
-              <a:spcPct val="90000"/>
-            </a:lnSpc>
-            <a:spcBef>
-              <a:spcPct val="0"/>
-            </a:spcBef>
-            <a:spcAft>
-              <a:spcPct val="35000"/>
-            </a:spcAft>
-          </a:pPr>
-          <a:r>
-            <a:rPr lang="en-US" altLang="zh-CN" sz="2400" kern="1200" dirty="0" smtClean="0"/>
-            <a:t>A. </a:t>
-          </a:r>
-          <a:r>
-            <a:rPr lang="zh-CN" altLang="en-US" sz="2400" kern="1200" dirty="0" smtClean="0"/>
-            <a:t>中心信息平台</a:t>
-          </a:r>
-          <a:endParaRPr lang="zh-CN" altLang="en-US" kern="1200" dirty="0"/>
-        </a:p>
-      </dsp:txBody>
-      <dsp:txXfrm>
-        <a:off x="2694223" y="0"/>
-        <a:ext cx="2503880" cy="1456848"/>
-      </dsp:txXfrm>
-    </dsp:sp>
-    <dsp:sp modelId="{D253D9BD-89F6-4692-8B70-DFD77DBF5F99}">
-      <dsp:nvSpPr>
-        <dsp:cNvPr id="0" name=""/>
-        <dsp:cNvSpPr/>
-      </dsp:nvSpPr>
-      <dsp:spPr>
-        <a:xfrm>
-          <a:off x="2944611" y="1457086"/>
-          <a:ext cx="2003104" cy="466231"/>
-        </a:xfrm>
-        <a:prstGeom prst="roundRect">
-          <a:avLst>
-            <a:gd name="adj" fmla="val 10000"/>
-          </a:avLst>
-        </a:prstGeom>
-        <a:solidFill>
-          <a:schemeClr val="accent1">
-            <a:hueOff val="0"/>
-            <a:satOff val="0"/>
-            <a:lumOff val="0"/>
-            <a:alphaOff val="0"/>
-          </a:schemeClr>
-        </a:solidFill>
-        <a:ln w="12700" cap="flat" cmpd="sng" algn="ctr">
-          <a:solidFill>
-            <a:schemeClr val="lt1">
-              <a:hueOff val="0"/>
-              <a:satOff val="0"/>
-              <a:lumOff val="0"/>
-              <a:alphaOff val="0"/>
-            </a:schemeClr>
-          </a:solidFill>
-          <a:prstDash val="solid"/>
-          <a:miter lim="800000"/>
-        </a:ln>
-        <a:effectLst/>
-      </dsp:spPr>
-      <dsp:style>
-        <a:lnRef idx="2">
-          <a:scrgbClr r="0" g="0" b="0"/>
-        </a:lnRef>
-        <a:fillRef idx="1">
-          <a:scrgbClr r="0" g="0" b="0"/>
-        </a:fillRef>
-        <a:effectRef idx="0">
-          <a:scrgbClr r="0" g="0" b="0"/>
-        </a:effectRef>
-        <a:fontRef idx="minor">
-          <a:schemeClr val="lt1"/>
-        </a:fontRef>
-      </dsp:style>
-      <dsp:txBody>
-        <a:bodyPr spcFirstLastPara="0" vert="horz" wrap="square" lIns="40640" tIns="30480" rIns="40640" bIns="30480" numCol="1" spcCol="1270" anchor="ctr" anchorCtr="0">
-          <a:noAutofit/>
-        </a:bodyPr>
-        <a:lstStyle/>
-        <a:p>
-          <a:pPr lvl="0" algn="ctr" defTabSz="711200">
-            <a:lnSpc>
-              <a:spcPct val="90000"/>
-            </a:lnSpc>
-            <a:spcBef>
-              <a:spcPct val="0"/>
-            </a:spcBef>
-            <a:spcAft>
-              <a:spcPct val="35000"/>
-            </a:spcAft>
-          </a:pPr>
-          <a:r>
-            <a:rPr lang="zh-CN" altLang="en-US" sz="1600" kern="1200" dirty="0" smtClean="0"/>
-            <a:t>资源展示与云平台</a:t>
-          </a:r>
-          <a:endParaRPr lang="zh-CN" altLang="en-US" sz="1600" kern="1200" dirty="0"/>
-        </a:p>
-      </dsp:txBody>
-      <dsp:txXfrm>
-        <a:off x="2958266" y="1470741"/>
-        <a:ext cx="1975794" cy="438921"/>
-      </dsp:txXfrm>
-    </dsp:sp>
-    <dsp:sp modelId="{7B83F59D-9490-4852-884A-7D43CD4F0C39}">
-      <dsp:nvSpPr>
-        <dsp:cNvPr id="0" name=""/>
-        <dsp:cNvSpPr/>
-      </dsp:nvSpPr>
-      <dsp:spPr>
-        <a:xfrm>
-          <a:off x="2944611" y="1995045"/>
-          <a:ext cx="2003104" cy="466231"/>
-        </a:xfrm>
-        <a:prstGeom prst="roundRect">
-          <a:avLst>
-            <a:gd name="adj" fmla="val 10000"/>
-          </a:avLst>
-        </a:prstGeom>
-        <a:solidFill>
-          <a:schemeClr val="accent1">
-            <a:hueOff val="0"/>
-            <a:satOff val="0"/>
-            <a:lumOff val="0"/>
-            <a:alphaOff val="0"/>
-          </a:schemeClr>
-        </a:solidFill>
-        <a:ln w="12700" cap="flat" cmpd="sng" algn="ctr">
-          <a:solidFill>
-            <a:schemeClr val="lt1">
-              <a:hueOff val="0"/>
-              <a:satOff val="0"/>
-              <a:lumOff val="0"/>
-              <a:alphaOff val="0"/>
-            </a:schemeClr>
-          </a:solidFill>
-          <a:prstDash val="solid"/>
-          <a:miter lim="800000"/>
-        </a:ln>
-        <a:effectLst/>
-      </dsp:spPr>
-      <dsp:style>
-        <a:lnRef idx="2">
-          <a:scrgbClr r="0" g="0" b="0"/>
-        </a:lnRef>
-        <a:fillRef idx="1">
-          <a:scrgbClr r="0" g="0" b="0"/>
-        </a:fillRef>
-        <a:effectRef idx="0">
-          <a:scrgbClr r="0" g="0" b="0"/>
-        </a:effectRef>
-        <a:fontRef idx="minor">
-          <a:schemeClr val="lt1"/>
-        </a:fontRef>
-      </dsp:style>
-      <dsp:txBody>
-        <a:bodyPr spcFirstLastPara="0" vert="horz" wrap="square" lIns="40640" tIns="30480" rIns="40640" bIns="30480" numCol="1" spcCol="1270" anchor="ctr" anchorCtr="0">
-          <a:noAutofit/>
-        </a:bodyPr>
-        <a:lstStyle/>
-        <a:p>
-          <a:pPr lvl="0" algn="ctr" defTabSz="711200">
-            <a:lnSpc>
-              <a:spcPct val="90000"/>
-            </a:lnSpc>
-            <a:spcBef>
-              <a:spcPct val="0"/>
-            </a:spcBef>
-            <a:spcAft>
-              <a:spcPct val="35000"/>
-            </a:spcAft>
-          </a:pPr>
-          <a:r>
-            <a:rPr lang="zh-CN" altLang="en-US" sz="1600" kern="1200" dirty="0" smtClean="0"/>
-            <a:t>全球在线学习资料库</a:t>
-          </a:r>
-          <a:endParaRPr lang="zh-CN" altLang="en-US" sz="1600" kern="1200" dirty="0"/>
-        </a:p>
-      </dsp:txBody>
-      <dsp:txXfrm>
-        <a:off x="2958266" y="2008700"/>
-        <a:ext cx="1975794" cy="438921"/>
-      </dsp:txXfrm>
-    </dsp:sp>
-    <dsp:sp modelId="{AC342D32-7D85-4628-A875-F0372EB8990B}">
-      <dsp:nvSpPr>
-        <dsp:cNvPr id="0" name=""/>
-        <dsp:cNvSpPr/>
-      </dsp:nvSpPr>
-      <dsp:spPr>
-        <a:xfrm>
-          <a:off x="2944611" y="2533005"/>
-          <a:ext cx="2003104" cy="466231"/>
-        </a:xfrm>
-        <a:prstGeom prst="roundRect">
-          <a:avLst>
-            <a:gd name="adj" fmla="val 10000"/>
-          </a:avLst>
-        </a:prstGeom>
-        <a:solidFill>
-          <a:schemeClr val="accent1">
-            <a:hueOff val="0"/>
-            <a:satOff val="0"/>
-            <a:lumOff val="0"/>
-            <a:alphaOff val="0"/>
-          </a:schemeClr>
-        </a:solidFill>
-        <a:ln w="12700" cap="flat" cmpd="sng" algn="ctr">
-          <a:solidFill>
-            <a:schemeClr val="lt1">
-              <a:hueOff val="0"/>
-              <a:satOff val="0"/>
-              <a:lumOff val="0"/>
-              <a:alphaOff val="0"/>
-            </a:schemeClr>
-          </a:solidFill>
-          <a:prstDash val="solid"/>
-          <a:miter lim="800000"/>
-        </a:ln>
-        <a:effectLst/>
-      </dsp:spPr>
-      <dsp:style>
-        <a:lnRef idx="2">
-          <a:scrgbClr r="0" g="0" b="0"/>
-        </a:lnRef>
-        <a:fillRef idx="1">
-          <a:scrgbClr r="0" g="0" b="0"/>
-        </a:fillRef>
-        <a:effectRef idx="0">
-          <a:scrgbClr r="0" g="0" b="0"/>
-        </a:effectRef>
-        <a:fontRef idx="minor">
-          <a:schemeClr val="lt1"/>
-        </a:fontRef>
-      </dsp:style>
-      <dsp:txBody>
-        <a:bodyPr spcFirstLastPara="0" vert="horz" wrap="square" lIns="40640" tIns="30480" rIns="40640" bIns="30480" numCol="1" spcCol="1270" anchor="ctr" anchorCtr="0">
-          <a:noAutofit/>
-        </a:bodyPr>
-        <a:lstStyle/>
-        <a:p>
-          <a:pPr lvl="0" algn="ctr" defTabSz="711200">
-            <a:lnSpc>
-              <a:spcPct val="90000"/>
-            </a:lnSpc>
-            <a:spcBef>
-              <a:spcPct val="0"/>
-            </a:spcBef>
-            <a:spcAft>
-              <a:spcPct val="35000"/>
-            </a:spcAft>
-          </a:pPr>
-          <a:r>
-            <a:rPr lang="zh-CN" altLang="en-US" sz="1600" kern="1200" dirty="0" smtClean="0"/>
-            <a:t>在线开放课程</a:t>
-          </a:r>
-          <a:endParaRPr lang="zh-CN" altLang="en-US" sz="1600" kern="1200" dirty="0"/>
-        </a:p>
-      </dsp:txBody>
-      <dsp:txXfrm>
-        <a:off x="2958266" y="2546660"/>
-        <a:ext cx="1975794" cy="438921"/>
-      </dsp:txXfrm>
-    </dsp:sp>
-    <dsp:sp modelId="{0990EDE3-62A7-4D72-98FF-0F1A695CE6CA}">
-      <dsp:nvSpPr>
-        <dsp:cNvPr id="0" name=""/>
-        <dsp:cNvSpPr/>
-      </dsp:nvSpPr>
-      <dsp:spPr>
-        <a:xfrm>
-          <a:off x="2944611" y="3070965"/>
-          <a:ext cx="2003104" cy="466231"/>
-        </a:xfrm>
-        <a:prstGeom prst="roundRect">
-          <a:avLst>
-            <a:gd name="adj" fmla="val 10000"/>
-          </a:avLst>
-        </a:prstGeom>
-        <a:solidFill>
-          <a:schemeClr val="accent1">
-            <a:hueOff val="0"/>
-            <a:satOff val="0"/>
-            <a:lumOff val="0"/>
-            <a:alphaOff val="0"/>
-          </a:schemeClr>
-        </a:solidFill>
-        <a:ln w="12700" cap="flat" cmpd="sng" algn="ctr">
-          <a:solidFill>
-            <a:schemeClr val="lt1">
-              <a:hueOff val="0"/>
-              <a:satOff val="0"/>
-              <a:lumOff val="0"/>
-              <a:alphaOff val="0"/>
-            </a:schemeClr>
-          </a:solidFill>
-          <a:prstDash val="solid"/>
-          <a:miter lim="800000"/>
-        </a:ln>
-        <a:effectLst/>
-      </dsp:spPr>
-      <dsp:style>
-        <a:lnRef idx="2">
-          <a:scrgbClr r="0" g="0" b="0"/>
-        </a:lnRef>
-        <a:fillRef idx="1">
-          <a:scrgbClr r="0" g="0" b="0"/>
-        </a:fillRef>
-        <a:effectRef idx="0">
-          <a:scrgbClr r="0" g="0" b="0"/>
-        </a:effectRef>
-        <a:fontRef idx="minor">
-          <a:schemeClr val="lt1"/>
-        </a:fontRef>
-      </dsp:style>
-      <dsp:txBody>
-        <a:bodyPr spcFirstLastPara="0" vert="horz" wrap="square" lIns="40640" tIns="30480" rIns="40640" bIns="30480" numCol="1" spcCol="1270" anchor="ctr" anchorCtr="0">
-          <a:noAutofit/>
-        </a:bodyPr>
-        <a:lstStyle/>
-        <a:p>
-          <a:pPr lvl="0" algn="ctr" defTabSz="711200">
-            <a:lnSpc>
-              <a:spcPct val="90000"/>
-            </a:lnSpc>
-            <a:spcBef>
-              <a:spcPct val="0"/>
-            </a:spcBef>
-            <a:spcAft>
-              <a:spcPct val="35000"/>
-            </a:spcAft>
-          </a:pPr>
-          <a:r>
-            <a:rPr lang="zh-CN" altLang="en-US" sz="1600" kern="1200" dirty="0" smtClean="0"/>
-            <a:t>标准流程及模板</a:t>
-          </a:r>
-          <a:endParaRPr lang="zh-CN" altLang="en-US" sz="1600" kern="1200" dirty="0"/>
-        </a:p>
-      </dsp:txBody>
-      <dsp:txXfrm>
-        <a:off x="2958266" y="3084620"/>
-        <a:ext cx="1975794" cy="438921"/>
-      </dsp:txXfrm>
-    </dsp:sp>
-    <dsp:sp modelId="{8ED340B9-6DF9-4961-9517-86A0E8EC9966}">
-      <dsp:nvSpPr>
-        <dsp:cNvPr id="0" name=""/>
-        <dsp:cNvSpPr/>
-      </dsp:nvSpPr>
-      <dsp:spPr>
-        <a:xfrm>
-          <a:off x="2944611" y="3608925"/>
-          <a:ext cx="2003104" cy="466231"/>
-        </a:xfrm>
-        <a:prstGeom prst="roundRect">
-          <a:avLst>
-            <a:gd name="adj" fmla="val 10000"/>
-          </a:avLst>
-        </a:prstGeom>
-        <a:solidFill>
-          <a:schemeClr val="accent1">
-            <a:hueOff val="0"/>
-            <a:satOff val="0"/>
-            <a:lumOff val="0"/>
-            <a:alphaOff val="0"/>
-          </a:schemeClr>
-        </a:solidFill>
-        <a:ln w="12700" cap="flat" cmpd="sng" algn="ctr">
-          <a:solidFill>
-            <a:schemeClr val="lt1">
-              <a:hueOff val="0"/>
-              <a:satOff val="0"/>
-              <a:lumOff val="0"/>
-              <a:alphaOff val="0"/>
-            </a:schemeClr>
-          </a:solidFill>
-          <a:prstDash val="solid"/>
-          <a:miter lim="800000"/>
-        </a:ln>
-        <a:effectLst/>
-      </dsp:spPr>
-      <dsp:style>
-        <a:lnRef idx="2">
-          <a:scrgbClr r="0" g="0" b="0"/>
-        </a:lnRef>
-        <a:fillRef idx="1">
-          <a:scrgbClr r="0" g="0" b="0"/>
-        </a:fillRef>
-        <a:effectRef idx="0">
-          <a:scrgbClr r="0" g="0" b="0"/>
-        </a:effectRef>
-        <a:fontRef idx="minor">
-          <a:schemeClr val="lt1"/>
-        </a:fontRef>
-      </dsp:style>
-      <dsp:txBody>
-        <a:bodyPr spcFirstLastPara="0" vert="horz" wrap="square" lIns="40640" tIns="30480" rIns="40640" bIns="30480" numCol="1" spcCol="1270" anchor="ctr" anchorCtr="0">
-          <a:noAutofit/>
-        </a:bodyPr>
-        <a:lstStyle/>
-        <a:p>
-          <a:pPr lvl="0" algn="ctr" defTabSz="711200">
-            <a:lnSpc>
-              <a:spcPct val="90000"/>
-            </a:lnSpc>
-            <a:spcBef>
-              <a:spcPct val="0"/>
-            </a:spcBef>
-            <a:spcAft>
-              <a:spcPct val="35000"/>
-            </a:spcAft>
-          </a:pPr>
-          <a:r>
-            <a:rPr lang="zh-CN" altLang="en-US" sz="1600" kern="1200" dirty="0" smtClean="0"/>
-            <a:t>学生成果展示</a:t>
-          </a:r>
-          <a:endParaRPr lang="zh-CN" altLang="en-US" sz="1600" kern="1200" dirty="0"/>
-        </a:p>
-      </dsp:txBody>
-      <dsp:txXfrm>
-        <a:off x="2958266" y="3622580"/>
-        <a:ext cx="1975794" cy="438921"/>
-      </dsp:txXfrm>
-    </dsp:sp>
-    <dsp:sp modelId="{57944BE7-B38E-4C34-B89C-F933C3671334}">
-      <dsp:nvSpPr>
-        <dsp:cNvPr id="0" name=""/>
-        <dsp:cNvSpPr/>
-      </dsp:nvSpPr>
-      <dsp:spPr>
-        <a:xfrm>
-          <a:off x="2944611" y="4146885"/>
-          <a:ext cx="2003104" cy="466231"/>
-        </a:xfrm>
-        <a:prstGeom prst="roundRect">
-          <a:avLst>
-            <a:gd name="adj" fmla="val 10000"/>
-          </a:avLst>
-        </a:prstGeom>
-        <a:solidFill>
-          <a:schemeClr val="accent1">
-            <a:hueOff val="0"/>
-            <a:satOff val="0"/>
-            <a:lumOff val="0"/>
-            <a:alphaOff val="0"/>
-          </a:schemeClr>
-        </a:solidFill>
-        <a:ln w="12700" cap="flat" cmpd="sng" algn="ctr">
-          <a:solidFill>
-            <a:schemeClr val="lt1">
-              <a:hueOff val="0"/>
-              <a:satOff val="0"/>
-              <a:lumOff val="0"/>
-              <a:alphaOff val="0"/>
-            </a:schemeClr>
-          </a:solidFill>
-          <a:prstDash val="solid"/>
-          <a:miter lim="800000"/>
-        </a:ln>
-        <a:effectLst/>
-      </dsp:spPr>
-      <dsp:style>
-        <a:lnRef idx="2">
-          <a:scrgbClr r="0" g="0" b="0"/>
-        </a:lnRef>
-        <a:fillRef idx="1">
-          <a:scrgbClr r="0" g="0" b="0"/>
-        </a:fillRef>
-        <a:effectRef idx="0">
-          <a:scrgbClr r="0" g="0" b="0"/>
-        </a:effectRef>
-        <a:fontRef idx="minor">
-          <a:schemeClr val="lt1"/>
-        </a:fontRef>
-      </dsp:style>
-      <dsp:txBody>
-        <a:bodyPr spcFirstLastPara="0" vert="horz" wrap="square" lIns="40640" tIns="30480" rIns="40640" bIns="30480" numCol="1" spcCol="1270" anchor="ctr" anchorCtr="0">
-          <a:noAutofit/>
-        </a:bodyPr>
-        <a:lstStyle/>
-        <a:p>
-          <a:pPr lvl="0" algn="ctr" defTabSz="711200">
-            <a:lnSpc>
-              <a:spcPct val="90000"/>
-            </a:lnSpc>
-            <a:spcBef>
-              <a:spcPct val="0"/>
-            </a:spcBef>
-            <a:spcAft>
-              <a:spcPct val="35000"/>
-            </a:spcAft>
-          </a:pPr>
-          <a:r>
-            <a:rPr lang="zh-CN" altLang="en-US" sz="1600" kern="1200" dirty="0" smtClean="0"/>
-            <a:t>资源预约系统</a:t>
-          </a:r>
-          <a:endParaRPr lang="zh-CN" altLang="en-US" sz="1600" kern="1200" dirty="0"/>
-        </a:p>
-      </dsp:txBody>
-      <dsp:txXfrm>
-        <a:off x="2958266" y="4160540"/>
-        <a:ext cx="1975794" cy="438921"/>
-      </dsp:txXfrm>
-    </dsp:sp>
-    <dsp:sp modelId="{58281310-1F62-4787-B0EA-65659D294050}">
-      <dsp:nvSpPr>
-        <dsp:cNvPr id="0" name=""/>
-        <dsp:cNvSpPr/>
-      </dsp:nvSpPr>
-      <dsp:spPr>
-        <a:xfrm>
-          <a:off x="5385895" y="0"/>
-          <a:ext cx="2503880" cy="4856163"/>
-        </a:xfrm>
-        <a:prstGeom prst="roundRect">
-          <a:avLst>
-            <a:gd name="adj" fmla="val 10000"/>
-          </a:avLst>
-        </a:prstGeom>
-        <a:solidFill>
-          <a:schemeClr val="accent1">
-            <a:tint val="40000"/>
-            <a:hueOff val="0"/>
-            <a:satOff val="0"/>
-            <a:lumOff val="0"/>
-            <a:alphaOff val="0"/>
-          </a:schemeClr>
-        </a:solidFill>
-        <a:ln>
-          <a:noFill/>
-        </a:ln>
-        <a:effectLst/>
-      </dsp:spPr>
-      <dsp:style>
-        <a:lnRef idx="0">
-          <a:scrgbClr r="0" g="0" b="0"/>
-        </a:lnRef>
-        <a:fillRef idx="1">
-          <a:scrgbClr r="0" g="0" b="0"/>
-        </a:fillRef>
-        <a:effectRef idx="0">
-          <a:scrgbClr r="0" g="0" b="0"/>
-        </a:effectRef>
-        <a:fontRef idx="minor"/>
-      </dsp:style>
-      <dsp:txBody>
-        <a:bodyPr spcFirstLastPara="0" vert="horz" wrap="square" lIns="91440" tIns="91440" rIns="91440" bIns="91440" numCol="1" spcCol="1270" anchor="ctr" anchorCtr="0">
-          <a:noAutofit/>
-        </a:bodyPr>
-        <a:lstStyle/>
-        <a:p>
-          <a:pPr lvl="0" algn="ctr" defTabSz="1066800">
-            <a:lnSpc>
-              <a:spcPct val="90000"/>
-            </a:lnSpc>
-            <a:spcBef>
-              <a:spcPct val="0"/>
-            </a:spcBef>
-            <a:spcAft>
-              <a:spcPct val="35000"/>
-            </a:spcAft>
-          </a:pPr>
-          <a:r>
-            <a:rPr lang="en-US" altLang="zh-CN" sz="2400" kern="1200" dirty="0" smtClean="0"/>
-            <a:t>B. </a:t>
-          </a:r>
-          <a:r>
-            <a:rPr lang="zh-CN" altLang="en-US" sz="2400" kern="1200" dirty="0" smtClean="0"/>
-            <a:t>服务流程</a:t>
-          </a:r>
-          <a:endParaRPr lang="zh-CN" altLang="en-US" kern="1200" dirty="0"/>
-        </a:p>
-      </dsp:txBody>
-      <dsp:txXfrm>
-        <a:off x="5385895" y="0"/>
-        <a:ext cx="2503880" cy="1456848"/>
-      </dsp:txXfrm>
-    </dsp:sp>
-    <dsp:sp modelId="{4AA64F67-2B0D-4B13-8E1D-ED9A3A06BE4E}">
-      <dsp:nvSpPr>
-        <dsp:cNvPr id="0" name=""/>
-        <dsp:cNvSpPr/>
-      </dsp:nvSpPr>
-      <dsp:spPr>
-        <a:xfrm>
-          <a:off x="5636283" y="1457263"/>
-          <a:ext cx="2003104" cy="954041"/>
-        </a:xfrm>
-        <a:prstGeom prst="roundRect">
-          <a:avLst>
-            <a:gd name="adj" fmla="val 10000"/>
-          </a:avLst>
-        </a:prstGeom>
-        <a:solidFill>
-          <a:schemeClr val="accent1">
-            <a:hueOff val="0"/>
-            <a:satOff val="0"/>
-            <a:lumOff val="0"/>
-            <a:alphaOff val="0"/>
-          </a:schemeClr>
-        </a:solidFill>
-        <a:ln w="12700" cap="flat" cmpd="sng" algn="ctr">
-          <a:solidFill>
-            <a:schemeClr val="lt1">
-              <a:hueOff val="0"/>
-              <a:satOff val="0"/>
-              <a:lumOff val="0"/>
-              <a:alphaOff val="0"/>
-            </a:schemeClr>
-          </a:solidFill>
-          <a:prstDash val="solid"/>
-          <a:miter lim="800000"/>
-        </a:ln>
-        <a:effectLst/>
-      </dsp:spPr>
-      <dsp:style>
-        <a:lnRef idx="2">
-          <a:scrgbClr r="0" g="0" b="0"/>
-        </a:lnRef>
-        <a:fillRef idx="1">
-          <a:scrgbClr r="0" g="0" b="0"/>
-        </a:fillRef>
-        <a:effectRef idx="0">
-          <a:scrgbClr r="0" g="0" b="0"/>
-        </a:effectRef>
-        <a:fontRef idx="minor">
-          <a:schemeClr val="lt1"/>
-        </a:fontRef>
-      </dsp:style>
-      <dsp:txBody>
-        <a:bodyPr spcFirstLastPara="0" vert="horz" wrap="square" lIns="40640" tIns="30480" rIns="40640" bIns="30480" numCol="1" spcCol="1270" anchor="ctr" anchorCtr="0">
-          <a:noAutofit/>
-        </a:bodyPr>
-        <a:lstStyle/>
-        <a:p>
-          <a:pPr lvl="0" algn="ctr" defTabSz="711200">
-            <a:lnSpc>
-              <a:spcPct val="90000"/>
-            </a:lnSpc>
-            <a:spcBef>
-              <a:spcPct val="0"/>
-            </a:spcBef>
-            <a:spcAft>
-              <a:spcPct val="35000"/>
-            </a:spcAft>
-          </a:pPr>
-          <a:r>
-            <a:rPr lang="zh-CN" altLang="en-US" sz="1600" kern="1200" dirty="0" smtClean="0"/>
-            <a:t>基础工业实习</a:t>
-          </a:r>
-          <a:endParaRPr lang="zh-CN" altLang="en-US" sz="1600" kern="1200" dirty="0"/>
-        </a:p>
-      </dsp:txBody>
-      <dsp:txXfrm>
-        <a:off x="5664226" y="1485206"/>
-        <a:ext cx="1947218" cy="898155"/>
-      </dsp:txXfrm>
-    </dsp:sp>
-    <dsp:sp modelId="{9416161F-6AB2-418A-8E1B-5517DB72273E}">
-      <dsp:nvSpPr>
-        <dsp:cNvPr id="0" name=""/>
-        <dsp:cNvSpPr/>
-      </dsp:nvSpPr>
-      <dsp:spPr>
-        <a:xfrm>
-          <a:off x="5636283" y="2558081"/>
-          <a:ext cx="2003104" cy="954041"/>
-        </a:xfrm>
-        <a:prstGeom prst="roundRect">
-          <a:avLst>
-            <a:gd name="adj" fmla="val 10000"/>
-          </a:avLst>
-        </a:prstGeom>
-        <a:solidFill>
-          <a:schemeClr val="accent1">
-            <a:hueOff val="0"/>
-            <a:satOff val="0"/>
-            <a:lumOff val="0"/>
-            <a:alphaOff val="0"/>
-          </a:schemeClr>
-        </a:solidFill>
-        <a:ln w="12700" cap="flat" cmpd="sng" algn="ctr">
-          <a:solidFill>
-            <a:schemeClr val="lt1">
-              <a:hueOff val="0"/>
-              <a:satOff val="0"/>
-              <a:lumOff val="0"/>
-              <a:alphaOff val="0"/>
-            </a:schemeClr>
-          </a:solidFill>
-          <a:prstDash val="solid"/>
-          <a:miter lim="800000"/>
-        </a:ln>
-        <a:effectLst/>
-      </dsp:spPr>
-      <dsp:style>
-        <a:lnRef idx="2">
-          <a:scrgbClr r="0" g="0" b="0"/>
-        </a:lnRef>
-        <a:fillRef idx="1">
-          <a:scrgbClr r="0" g="0" b="0"/>
-        </a:fillRef>
-        <a:effectRef idx="0">
-          <a:scrgbClr r="0" g="0" b="0"/>
-        </a:effectRef>
-        <a:fontRef idx="minor">
-          <a:schemeClr val="lt1"/>
-        </a:fontRef>
-      </dsp:style>
-      <dsp:txBody>
-        <a:bodyPr spcFirstLastPara="0" vert="horz" wrap="square" lIns="40640" tIns="30480" rIns="40640" bIns="30480" numCol="1" spcCol="1270" anchor="ctr" anchorCtr="0">
-          <a:noAutofit/>
-        </a:bodyPr>
-        <a:lstStyle/>
-        <a:p>
-          <a:pPr lvl="0" algn="ctr" defTabSz="711200">
-            <a:lnSpc>
-              <a:spcPct val="90000"/>
-            </a:lnSpc>
-            <a:spcBef>
-              <a:spcPct val="0"/>
-            </a:spcBef>
-            <a:spcAft>
-              <a:spcPct val="35000"/>
-            </a:spcAft>
-          </a:pPr>
-          <a:r>
-            <a:rPr lang="zh-CN" altLang="en-US" sz="1600" kern="1200" dirty="0" smtClean="0"/>
-            <a:t>系统类、战略类、设计类课程</a:t>
-          </a:r>
-          <a:endParaRPr lang="zh-CN" altLang="en-US" sz="1600" kern="1200" dirty="0"/>
-        </a:p>
-      </dsp:txBody>
-      <dsp:txXfrm>
-        <a:off x="5664226" y="2586024"/>
-        <a:ext cx="1947218" cy="898155"/>
-      </dsp:txXfrm>
-    </dsp:sp>
-    <dsp:sp modelId="{5C4EA968-D21E-435D-81E9-18383051B82F}">
-      <dsp:nvSpPr>
-        <dsp:cNvPr id="0" name=""/>
-        <dsp:cNvSpPr/>
-      </dsp:nvSpPr>
-      <dsp:spPr>
-        <a:xfrm>
-          <a:off x="5636283" y="3658898"/>
-          <a:ext cx="2003104" cy="954041"/>
-        </a:xfrm>
-        <a:prstGeom prst="roundRect">
-          <a:avLst>
-            <a:gd name="adj" fmla="val 10000"/>
-          </a:avLst>
-        </a:prstGeom>
-        <a:solidFill>
-          <a:schemeClr val="accent1">
-            <a:hueOff val="0"/>
-            <a:satOff val="0"/>
-            <a:lumOff val="0"/>
-            <a:alphaOff val="0"/>
-          </a:schemeClr>
-        </a:solidFill>
-        <a:ln w="12700" cap="flat" cmpd="sng" algn="ctr">
-          <a:solidFill>
-            <a:schemeClr val="lt1">
-              <a:hueOff val="0"/>
-              <a:satOff val="0"/>
-              <a:lumOff val="0"/>
-              <a:alphaOff val="0"/>
-            </a:schemeClr>
-          </a:solidFill>
-          <a:prstDash val="solid"/>
-          <a:miter lim="800000"/>
-        </a:ln>
-        <a:effectLst/>
-      </dsp:spPr>
-      <dsp:style>
-        <a:lnRef idx="2">
-          <a:scrgbClr r="0" g="0" b="0"/>
-        </a:lnRef>
-        <a:fillRef idx="1">
-          <a:scrgbClr r="0" g="0" b="0"/>
-        </a:fillRef>
-        <a:effectRef idx="0">
-          <a:scrgbClr r="0" g="0" b="0"/>
-        </a:effectRef>
-        <a:fontRef idx="minor">
-          <a:schemeClr val="lt1"/>
-        </a:fontRef>
-      </dsp:style>
-      <dsp:txBody>
-        <a:bodyPr spcFirstLastPara="0" vert="horz" wrap="square" lIns="40640" tIns="30480" rIns="40640" bIns="30480" numCol="1" spcCol="1270" anchor="ctr" anchorCtr="0">
-          <a:noAutofit/>
-        </a:bodyPr>
-        <a:lstStyle/>
-        <a:p>
-          <a:pPr lvl="0" algn="ctr" defTabSz="711200">
-            <a:lnSpc>
-              <a:spcPct val="90000"/>
-            </a:lnSpc>
-            <a:spcBef>
-              <a:spcPct val="0"/>
-            </a:spcBef>
-            <a:spcAft>
-              <a:spcPct val="35000"/>
-            </a:spcAft>
-          </a:pPr>
-          <a:r>
-            <a:rPr lang="zh-CN" altLang="en-US" sz="1600" kern="1200" dirty="0" smtClean="0"/>
-            <a:t>学生创新实践活动</a:t>
-          </a:r>
-          <a:endParaRPr lang="en-US" altLang="zh-CN" sz="1600" kern="1200" dirty="0" smtClean="0"/>
-        </a:p>
-        <a:p>
-          <a:pPr lvl="0" algn="ctr" defTabSz="711200">
-            <a:lnSpc>
-              <a:spcPct val="90000"/>
-            </a:lnSpc>
-            <a:spcBef>
-              <a:spcPct val="0"/>
-            </a:spcBef>
-            <a:spcAft>
-              <a:spcPct val="35000"/>
-            </a:spcAft>
-          </a:pPr>
-          <a:r>
-            <a:rPr lang="zh-CN" altLang="en-US" sz="1600" kern="1200" dirty="0" smtClean="0"/>
-            <a:t>（竞赛、创客活动）</a:t>
-          </a:r>
-          <a:endParaRPr lang="zh-CN" altLang="en-US" sz="1600" kern="1200" dirty="0"/>
-        </a:p>
-      </dsp:txBody>
-      <dsp:txXfrm>
-        <a:off x="5664226" y="3686841"/>
-        <a:ext cx="1947218" cy="898155"/>
-      </dsp:txXfrm>
-    </dsp:sp>
-    <dsp:sp modelId="{7E2B7AB8-D8EA-4E32-AA90-AF6B0B07CA78}">
-      <dsp:nvSpPr>
-        <dsp:cNvPr id="0" name=""/>
-        <dsp:cNvSpPr/>
-      </dsp:nvSpPr>
-      <dsp:spPr>
-        <a:xfrm>
-          <a:off x="8077567" y="0"/>
-          <a:ext cx="2503880" cy="4856163"/>
-        </a:xfrm>
-        <a:prstGeom prst="roundRect">
-          <a:avLst>
-            <a:gd name="adj" fmla="val 10000"/>
-          </a:avLst>
-        </a:prstGeom>
-        <a:solidFill>
-          <a:schemeClr val="accent1">
-            <a:tint val="40000"/>
-            <a:hueOff val="0"/>
-            <a:satOff val="0"/>
-            <a:lumOff val="0"/>
-            <a:alphaOff val="0"/>
-          </a:schemeClr>
-        </a:solidFill>
-        <a:ln>
-          <a:noFill/>
-        </a:ln>
-        <a:effectLst/>
-      </dsp:spPr>
-      <dsp:style>
-        <a:lnRef idx="0">
-          <a:scrgbClr r="0" g="0" b="0"/>
-        </a:lnRef>
-        <a:fillRef idx="1">
-          <a:scrgbClr r="0" g="0" b="0"/>
-        </a:fillRef>
-        <a:effectRef idx="0">
-          <a:scrgbClr r="0" g="0" b="0"/>
-        </a:effectRef>
-        <a:fontRef idx="minor"/>
-      </dsp:style>
-      <dsp:txBody>
-        <a:bodyPr spcFirstLastPara="0" vert="horz" wrap="square" lIns="91440" tIns="91440" rIns="91440" bIns="91440" numCol="1" spcCol="1270" anchor="ctr" anchorCtr="0">
-          <a:noAutofit/>
-        </a:bodyPr>
-        <a:lstStyle/>
-        <a:p>
-          <a:pPr lvl="0" algn="ctr" defTabSz="1066800">
-            <a:lnSpc>
-              <a:spcPct val="90000"/>
-            </a:lnSpc>
-            <a:spcBef>
-              <a:spcPct val="0"/>
-            </a:spcBef>
-            <a:spcAft>
-              <a:spcPct val="35000"/>
-            </a:spcAft>
-          </a:pPr>
-          <a:r>
-            <a:rPr lang="en-US" altLang="zh-CN" sz="2400" kern="1200" dirty="0" smtClean="0"/>
-            <a:t>C. </a:t>
-          </a:r>
-          <a:r>
-            <a:rPr lang="zh-CN" altLang="en-US" sz="2400" kern="1200" dirty="0" smtClean="0"/>
-            <a:t>实体空间设计</a:t>
-          </a:r>
-          <a:endParaRPr lang="zh-CN" altLang="en-US" sz="2400" kern="1200" dirty="0"/>
-        </a:p>
-      </dsp:txBody>
-      <dsp:txXfrm>
-        <a:off x="8077567" y="0"/>
-        <a:ext cx="2503880" cy="1456848"/>
-      </dsp:txXfrm>
-    </dsp:sp>
-    <dsp:sp modelId="{89BB89BF-A212-415E-A4A1-687A44ACD648}">
-      <dsp:nvSpPr>
-        <dsp:cNvPr id="0" name=""/>
-        <dsp:cNvSpPr/>
-      </dsp:nvSpPr>
-      <dsp:spPr>
-        <a:xfrm>
-          <a:off x="8327955" y="1457767"/>
-          <a:ext cx="2003104" cy="561790"/>
-        </a:xfrm>
-        <a:prstGeom prst="roundRect">
-          <a:avLst>
-            <a:gd name="adj" fmla="val 10000"/>
-          </a:avLst>
-        </a:prstGeom>
-        <a:solidFill>
-          <a:schemeClr val="accent1">
-            <a:hueOff val="0"/>
-            <a:satOff val="0"/>
-            <a:lumOff val="0"/>
-            <a:alphaOff val="0"/>
-          </a:schemeClr>
-        </a:solidFill>
-        <a:ln w="12700" cap="flat" cmpd="sng" algn="ctr">
-          <a:solidFill>
-            <a:schemeClr val="lt1">
-              <a:hueOff val="0"/>
-              <a:satOff val="0"/>
-              <a:lumOff val="0"/>
-              <a:alphaOff val="0"/>
-            </a:schemeClr>
-          </a:solidFill>
-          <a:prstDash val="solid"/>
-          <a:miter lim="800000"/>
-        </a:ln>
-        <a:effectLst/>
-      </dsp:spPr>
-      <dsp:style>
-        <a:lnRef idx="2">
-          <a:scrgbClr r="0" g="0" b="0"/>
-        </a:lnRef>
-        <a:fillRef idx="1">
-          <a:scrgbClr r="0" g="0" b="0"/>
-        </a:fillRef>
-        <a:effectRef idx="0">
-          <a:scrgbClr r="0" g="0" b="0"/>
-        </a:effectRef>
-        <a:fontRef idx="minor">
-          <a:schemeClr val="lt1"/>
-        </a:fontRef>
-      </dsp:style>
-      <dsp:txBody>
-        <a:bodyPr spcFirstLastPara="0" vert="horz" wrap="square" lIns="40640" tIns="30480" rIns="40640" bIns="30480" numCol="1" spcCol="1270" anchor="ctr" anchorCtr="0">
-          <a:noAutofit/>
-        </a:bodyPr>
-        <a:lstStyle/>
-        <a:p>
-          <a:pPr lvl="0" algn="ctr" defTabSz="711200">
-            <a:lnSpc>
-              <a:spcPct val="90000"/>
-            </a:lnSpc>
-            <a:spcBef>
-              <a:spcPct val="0"/>
-            </a:spcBef>
-            <a:spcAft>
-              <a:spcPct val="35000"/>
-            </a:spcAft>
-          </a:pPr>
-          <a:r>
-            <a:rPr lang="zh-CN" altLang="en-US" sz="1600" kern="1200" dirty="0" smtClean="0"/>
-            <a:t>基础实习工作室</a:t>
-          </a:r>
-          <a:endParaRPr lang="zh-CN" altLang="en-US" sz="1600" kern="1200" dirty="0"/>
-        </a:p>
-      </dsp:txBody>
-      <dsp:txXfrm>
-        <a:off x="8344409" y="1474221"/>
-        <a:ext cx="1970196" cy="528882"/>
-      </dsp:txXfrm>
-    </dsp:sp>
-    <dsp:sp modelId="{7873841A-283E-4E98-A030-E5BE5FEA6643}">
-      <dsp:nvSpPr>
-        <dsp:cNvPr id="0" name=""/>
-        <dsp:cNvSpPr/>
-      </dsp:nvSpPr>
-      <dsp:spPr>
-        <a:xfrm>
-          <a:off x="8327955" y="2105987"/>
-          <a:ext cx="2003104" cy="561790"/>
-        </a:xfrm>
-        <a:prstGeom prst="roundRect">
-          <a:avLst>
-            <a:gd name="adj" fmla="val 10000"/>
-          </a:avLst>
-        </a:prstGeom>
-        <a:solidFill>
-          <a:schemeClr val="accent1">
-            <a:hueOff val="0"/>
-            <a:satOff val="0"/>
-            <a:lumOff val="0"/>
-            <a:alphaOff val="0"/>
-          </a:schemeClr>
-        </a:solidFill>
-        <a:ln w="12700" cap="flat" cmpd="sng" algn="ctr">
-          <a:solidFill>
-            <a:schemeClr val="lt1">
-              <a:hueOff val="0"/>
-              <a:satOff val="0"/>
-              <a:lumOff val="0"/>
-              <a:alphaOff val="0"/>
-            </a:schemeClr>
-          </a:solidFill>
-          <a:prstDash val="solid"/>
-          <a:miter lim="800000"/>
-        </a:ln>
-        <a:effectLst/>
-      </dsp:spPr>
-      <dsp:style>
-        <a:lnRef idx="2">
-          <a:scrgbClr r="0" g="0" b="0"/>
-        </a:lnRef>
-        <a:fillRef idx="1">
-          <a:scrgbClr r="0" g="0" b="0"/>
-        </a:fillRef>
-        <a:effectRef idx="0">
-          <a:scrgbClr r="0" g="0" b="0"/>
-        </a:effectRef>
-        <a:fontRef idx="minor">
-          <a:schemeClr val="lt1"/>
-        </a:fontRef>
-      </dsp:style>
-      <dsp:txBody>
-        <a:bodyPr spcFirstLastPara="0" vert="horz" wrap="square" lIns="40640" tIns="30480" rIns="40640" bIns="30480" numCol="1" spcCol="1270" anchor="ctr" anchorCtr="0">
-          <a:noAutofit/>
-        </a:bodyPr>
-        <a:lstStyle/>
-        <a:p>
-          <a:pPr lvl="0" algn="ctr" defTabSz="711200">
-            <a:lnSpc>
-              <a:spcPct val="90000"/>
-            </a:lnSpc>
-            <a:spcBef>
-              <a:spcPct val="0"/>
-            </a:spcBef>
-            <a:spcAft>
-              <a:spcPct val="35000"/>
-            </a:spcAft>
-          </a:pPr>
-          <a:r>
-            <a:rPr lang="zh-CN" altLang="en-US" sz="1600" kern="1200" dirty="0" smtClean="0"/>
-            <a:t>先进制造系统</a:t>
-          </a:r>
-          <a:endParaRPr lang="zh-CN" altLang="en-US" sz="1600" kern="1200" dirty="0"/>
-        </a:p>
-      </dsp:txBody>
-      <dsp:txXfrm>
-        <a:off x="8344409" y="2122441"/>
-        <a:ext cx="1970196" cy="528882"/>
-      </dsp:txXfrm>
-    </dsp:sp>
-    <dsp:sp modelId="{131F08B0-DE35-4740-923D-93E22C91042D}">
-      <dsp:nvSpPr>
-        <dsp:cNvPr id="0" name=""/>
-        <dsp:cNvSpPr/>
-      </dsp:nvSpPr>
-      <dsp:spPr>
-        <a:xfrm>
-          <a:off x="8327955" y="2754206"/>
-          <a:ext cx="2003104" cy="561790"/>
-        </a:xfrm>
-        <a:prstGeom prst="roundRect">
-          <a:avLst>
-            <a:gd name="adj" fmla="val 10000"/>
-          </a:avLst>
-        </a:prstGeom>
-        <a:solidFill>
-          <a:schemeClr val="accent1">
-            <a:hueOff val="0"/>
-            <a:satOff val="0"/>
-            <a:lumOff val="0"/>
-            <a:alphaOff val="0"/>
-          </a:schemeClr>
-        </a:solidFill>
-        <a:ln w="12700" cap="flat" cmpd="sng" algn="ctr">
-          <a:solidFill>
-            <a:schemeClr val="lt1">
-              <a:hueOff val="0"/>
-              <a:satOff val="0"/>
-              <a:lumOff val="0"/>
-              <a:alphaOff val="0"/>
-            </a:schemeClr>
-          </a:solidFill>
-          <a:prstDash val="solid"/>
-          <a:miter lim="800000"/>
-        </a:ln>
-        <a:effectLst/>
-      </dsp:spPr>
-      <dsp:style>
-        <a:lnRef idx="2">
-          <a:scrgbClr r="0" g="0" b="0"/>
-        </a:lnRef>
-        <a:fillRef idx="1">
-          <a:scrgbClr r="0" g="0" b="0"/>
-        </a:fillRef>
-        <a:effectRef idx="0">
-          <a:scrgbClr r="0" g="0" b="0"/>
-        </a:effectRef>
-        <a:fontRef idx="minor">
-          <a:schemeClr val="lt1"/>
-        </a:fontRef>
-      </dsp:style>
-      <dsp:txBody>
-        <a:bodyPr spcFirstLastPara="0" vert="horz" wrap="square" lIns="40640" tIns="30480" rIns="40640" bIns="30480" numCol="1" spcCol="1270" anchor="ctr" anchorCtr="0">
-          <a:noAutofit/>
-        </a:bodyPr>
-        <a:lstStyle/>
-        <a:p>
-          <a:pPr lvl="0" algn="ctr" defTabSz="711200">
-            <a:lnSpc>
-              <a:spcPct val="90000"/>
-            </a:lnSpc>
-            <a:spcBef>
-              <a:spcPct val="0"/>
-            </a:spcBef>
-            <a:spcAft>
-              <a:spcPct val="35000"/>
-            </a:spcAft>
-          </a:pPr>
-          <a:r>
-            <a:rPr lang="zh-CN" altLang="en-US" sz="1600" kern="1200" dirty="0" smtClean="0"/>
-            <a:t>研讨室及团队室</a:t>
-          </a:r>
-          <a:endParaRPr lang="en-US" altLang="zh-CN" sz="1600" kern="1200" dirty="0" smtClean="0"/>
-        </a:p>
-      </dsp:txBody>
-      <dsp:txXfrm>
-        <a:off x="8344409" y="2770660"/>
-        <a:ext cx="1970196" cy="528882"/>
-      </dsp:txXfrm>
-    </dsp:sp>
-    <dsp:sp modelId="{EC0BBE67-E7EE-4BDB-922B-9733BABB2322}">
-      <dsp:nvSpPr>
-        <dsp:cNvPr id="0" name=""/>
-        <dsp:cNvSpPr/>
-      </dsp:nvSpPr>
-      <dsp:spPr>
-        <a:xfrm>
-          <a:off x="8327955" y="3402426"/>
-          <a:ext cx="2003104" cy="561790"/>
-        </a:xfrm>
-        <a:prstGeom prst="roundRect">
-          <a:avLst>
-            <a:gd name="adj" fmla="val 10000"/>
-          </a:avLst>
-        </a:prstGeom>
-        <a:solidFill>
-          <a:schemeClr val="accent1">
-            <a:hueOff val="0"/>
-            <a:satOff val="0"/>
-            <a:lumOff val="0"/>
-            <a:alphaOff val="0"/>
-          </a:schemeClr>
-        </a:solidFill>
-        <a:ln w="12700" cap="flat" cmpd="sng" algn="ctr">
-          <a:solidFill>
-            <a:schemeClr val="lt1">
-              <a:hueOff val="0"/>
-              <a:satOff val="0"/>
-              <a:lumOff val="0"/>
-              <a:alphaOff val="0"/>
-            </a:schemeClr>
-          </a:solidFill>
-          <a:prstDash val="solid"/>
-          <a:miter lim="800000"/>
-        </a:ln>
-        <a:effectLst/>
-      </dsp:spPr>
-      <dsp:style>
-        <a:lnRef idx="2">
-          <a:scrgbClr r="0" g="0" b="0"/>
-        </a:lnRef>
-        <a:fillRef idx="1">
-          <a:scrgbClr r="0" g="0" b="0"/>
-        </a:fillRef>
-        <a:effectRef idx="0">
-          <a:scrgbClr r="0" g="0" b="0"/>
-        </a:effectRef>
-        <a:fontRef idx="minor">
-          <a:schemeClr val="lt1"/>
-        </a:fontRef>
-      </dsp:style>
-      <dsp:txBody>
-        <a:bodyPr spcFirstLastPara="0" vert="horz" wrap="square" lIns="40640" tIns="30480" rIns="40640" bIns="30480" numCol="1" spcCol="1270" anchor="ctr" anchorCtr="0">
-          <a:noAutofit/>
-        </a:bodyPr>
-        <a:lstStyle/>
-        <a:p>
-          <a:pPr lvl="0" algn="ctr" defTabSz="711200">
-            <a:lnSpc>
-              <a:spcPct val="90000"/>
-            </a:lnSpc>
-            <a:spcBef>
-              <a:spcPct val="0"/>
-            </a:spcBef>
-            <a:spcAft>
-              <a:spcPct val="35000"/>
-            </a:spcAft>
-          </a:pPr>
-          <a:r>
-            <a:rPr lang="zh-CN" altLang="en-US" sz="1600" kern="1200" dirty="0" smtClean="0"/>
-            <a:t>文化区</a:t>
-          </a:r>
-          <a:endParaRPr lang="en-US" altLang="zh-CN" sz="1600" kern="1200" dirty="0" smtClean="0"/>
-        </a:p>
-      </dsp:txBody>
-      <dsp:txXfrm>
-        <a:off x="8344409" y="3418880"/>
-        <a:ext cx="1970196" cy="528882"/>
-      </dsp:txXfrm>
-    </dsp:sp>
-    <dsp:sp modelId="{79C28DAB-55F1-4DB0-AE20-2AAA42F8608A}">
-      <dsp:nvSpPr>
-        <dsp:cNvPr id="0" name=""/>
-        <dsp:cNvSpPr/>
-      </dsp:nvSpPr>
-      <dsp:spPr>
-        <a:xfrm>
-          <a:off x="8327955" y="4050645"/>
-          <a:ext cx="2003104" cy="561790"/>
-        </a:xfrm>
-        <a:prstGeom prst="roundRect">
-          <a:avLst>
-            <a:gd name="adj" fmla="val 10000"/>
-          </a:avLst>
-        </a:prstGeom>
-        <a:solidFill>
-          <a:schemeClr val="accent1">
-            <a:hueOff val="0"/>
-            <a:satOff val="0"/>
-            <a:lumOff val="0"/>
-            <a:alphaOff val="0"/>
-          </a:schemeClr>
-        </a:solidFill>
-        <a:ln w="12700" cap="flat" cmpd="sng" algn="ctr">
-          <a:solidFill>
-            <a:schemeClr val="lt1">
-              <a:hueOff val="0"/>
-              <a:satOff val="0"/>
-              <a:lumOff val="0"/>
-              <a:alphaOff val="0"/>
-            </a:schemeClr>
-          </a:solidFill>
-          <a:prstDash val="solid"/>
-          <a:miter lim="800000"/>
-        </a:ln>
-        <a:effectLst/>
-      </dsp:spPr>
-      <dsp:style>
-        <a:lnRef idx="2">
-          <a:scrgbClr r="0" g="0" b="0"/>
-        </a:lnRef>
-        <a:fillRef idx="1">
-          <a:scrgbClr r="0" g="0" b="0"/>
-        </a:fillRef>
-        <a:effectRef idx="0">
-          <a:scrgbClr r="0" g="0" b="0"/>
-        </a:effectRef>
-        <a:fontRef idx="minor">
-          <a:schemeClr val="lt1"/>
-        </a:fontRef>
-      </dsp:style>
-      <dsp:txBody>
-        <a:bodyPr spcFirstLastPara="0" vert="horz" wrap="square" lIns="40640" tIns="30480" rIns="40640" bIns="30480" numCol="1" spcCol="1270" anchor="ctr" anchorCtr="0">
-          <a:noAutofit/>
-        </a:bodyPr>
-        <a:lstStyle/>
-        <a:p>
-          <a:pPr lvl="0" algn="ctr" defTabSz="711200">
-            <a:lnSpc>
-              <a:spcPct val="90000"/>
-            </a:lnSpc>
-            <a:spcBef>
-              <a:spcPct val="0"/>
-            </a:spcBef>
-            <a:spcAft>
-              <a:spcPct val="35000"/>
-            </a:spcAft>
-          </a:pPr>
-          <a:r>
-            <a:rPr lang="zh-CN" altLang="en-US" sz="1600" kern="1200" dirty="0" smtClean="0"/>
-            <a:t>讨论室及工作区</a:t>
-          </a:r>
-          <a:endParaRPr lang="zh-CN" altLang="en-US" sz="1600" kern="1200" dirty="0"/>
-        </a:p>
-      </dsp:txBody>
-      <dsp:txXfrm>
-        <a:off x="8344409" y="4067099"/>
-        <a:ext cx="1970196" cy="528882"/>
-      </dsp:txXfrm>
-    </dsp:sp>
   </dsp:spTree>
 </dsp:drawing>
 </file>
@@ -24785,7 +21304,7 @@
           <a:p>
             <a:fld id="{408926B9-0AE9-4841-8807-A52893CAC8ED}" type="datetimeFigureOut">
               <a:rPr lang="zh-CN" altLang="en-US" smtClean="0"/>
-              <a:t>2014/5/27</a:t>
+              <a:t>2014/5/29</a:t>
             </a:fld>
             <a:endParaRPr lang="zh-CN" altLang="en-US"/>
           </a:p>
@@ -24955,7 +21474,7 @@
           <a:p>
             <a:fld id="{408926B9-0AE9-4841-8807-A52893CAC8ED}" type="datetimeFigureOut">
               <a:rPr lang="zh-CN" altLang="en-US" smtClean="0"/>
-              <a:t>2014/5/27</a:t>
+              <a:t>2014/5/29</a:t>
             </a:fld>
             <a:endParaRPr lang="zh-CN" altLang="en-US"/>
           </a:p>
@@ -25135,7 +21654,7 @@
           <a:p>
             <a:fld id="{408926B9-0AE9-4841-8807-A52893CAC8ED}" type="datetimeFigureOut">
               <a:rPr lang="zh-CN" altLang="en-US" smtClean="0"/>
-              <a:t>2014/5/27</a:t>
+              <a:t>2014/5/29</a:t>
             </a:fld>
             <a:endParaRPr lang="zh-CN" altLang="en-US"/>
           </a:p>
@@ -25305,7 +21824,7 @@
           <a:p>
             <a:fld id="{408926B9-0AE9-4841-8807-A52893CAC8ED}" type="datetimeFigureOut">
               <a:rPr lang="zh-CN" altLang="en-US" smtClean="0"/>
-              <a:t>2014/5/27</a:t>
+              <a:t>2014/5/29</a:t>
             </a:fld>
             <a:endParaRPr lang="zh-CN" altLang="en-US"/>
           </a:p>
@@ -25549,7 +22068,7 @@
           <a:p>
             <a:fld id="{408926B9-0AE9-4841-8807-A52893CAC8ED}" type="datetimeFigureOut">
               <a:rPr lang="zh-CN" altLang="en-US" smtClean="0"/>
-              <a:t>2014/5/27</a:t>
+              <a:t>2014/5/29</a:t>
             </a:fld>
             <a:endParaRPr lang="zh-CN" altLang="en-US"/>
           </a:p>
@@ -25781,7 +22300,7 @@
           <a:p>
             <a:fld id="{408926B9-0AE9-4841-8807-A52893CAC8ED}" type="datetimeFigureOut">
               <a:rPr lang="zh-CN" altLang="en-US" smtClean="0"/>
-              <a:t>2014/5/27</a:t>
+              <a:t>2014/5/29</a:t>
             </a:fld>
             <a:endParaRPr lang="zh-CN" altLang="en-US"/>
           </a:p>
@@ -26148,7 +22667,7 @@
           <a:p>
             <a:fld id="{408926B9-0AE9-4841-8807-A52893CAC8ED}" type="datetimeFigureOut">
               <a:rPr lang="zh-CN" altLang="en-US" smtClean="0"/>
-              <a:t>2014/5/27</a:t>
+              <a:t>2014/5/29</a:t>
             </a:fld>
             <a:endParaRPr lang="zh-CN" altLang="en-US"/>
           </a:p>
@@ -26266,7 +22785,7 @@
           <a:p>
             <a:fld id="{408926B9-0AE9-4841-8807-A52893CAC8ED}" type="datetimeFigureOut">
               <a:rPr lang="zh-CN" altLang="en-US" smtClean="0"/>
-              <a:t>2014/5/27</a:t>
+              <a:t>2014/5/29</a:t>
             </a:fld>
             <a:endParaRPr lang="zh-CN" altLang="en-US"/>
           </a:p>
@@ -26361,7 +22880,7 @@
           <a:p>
             <a:fld id="{408926B9-0AE9-4841-8807-A52893CAC8ED}" type="datetimeFigureOut">
               <a:rPr lang="zh-CN" altLang="en-US" smtClean="0"/>
-              <a:t>2014/5/27</a:t>
+              <a:t>2014/5/29</a:t>
             </a:fld>
             <a:endParaRPr lang="zh-CN" altLang="en-US"/>
           </a:p>
@@ -26638,7 +23157,7 @@
           <a:p>
             <a:fld id="{408926B9-0AE9-4841-8807-A52893CAC8ED}" type="datetimeFigureOut">
               <a:rPr lang="zh-CN" altLang="en-US" smtClean="0"/>
-              <a:t>2014/5/27</a:t>
+              <a:t>2014/5/29</a:t>
             </a:fld>
             <a:endParaRPr lang="zh-CN" altLang="en-US"/>
           </a:p>
@@ -26895,7 +23414,7 @@
           <a:p>
             <a:fld id="{408926B9-0AE9-4841-8807-A52893CAC8ED}" type="datetimeFigureOut">
               <a:rPr lang="zh-CN" altLang="en-US" smtClean="0"/>
-              <a:t>2014/5/27</a:t>
+              <a:t>2014/5/29</a:t>
             </a:fld>
             <a:endParaRPr lang="zh-CN" altLang="en-US"/>
           </a:p>
@@ -27108,7 +23627,7 @@
           <a:p>
             <a:fld id="{408926B9-0AE9-4841-8807-A52893CAC8ED}" type="datetimeFigureOut">
               <a:rPr lang="zh-CN" altLang="en-US" smtClean="0"/>
-              <a:t>2014/5/27</a:t>
+              <a:t>2014/5/29</a:t>
             </a:fld>
             <a:endParaRPr lang="zh-CN" altLang="en-US"/>
           </a:p>
@@ -28357,15 +24876,7 @@
               </a:r>
               <a:r>
                 <a:rPr lang="zh-CN" altLang="en-US" sz="2400" dirty="0" smtClean="0"/>
-                <a:t>创交叉</a:t>
-              </a:r>
-              <a:r>
-                <a:rPr lang="zh-CN" altLang="en-US" sz="2400" dirty="0" smtClean="0"/>
-                <a:t>融合</a:t>
-              </a:r>
-              <a:r>
-                <a:rPr lang="zh-CN" altLang="en-US" sz="2400" dirty="0" smtClean="0"/>
-                <a:t>空间</a:t>
+                <a:t>创交叉融合空间</a:t>
               </a:r>
               <a:endParaRPr lang="zh-CN" altLang="en-US" sz="2400" dirty="0"/>
             </a:p>
@@ -29464,6 +25975,874 @@
 </file>
 
 <file path=ppt/slides/slide10.xml><?xml version="1.0" encoding="utf-8"?>
+<p:sld xmlns:a="http://schemas.openxmlformats.org/drawingml/2006/main" xmlns:r="http://schemas.openxmlformats.org/officeDocument/2006/relationships" xmlns:p="http://schemas.openxmlformats.org/presentationml/2006/main">
+  <p:cSld>
+    <p:spTree>
+      <p:nvGrpSpPr>
+        <p:cNvPr id="1" name=""/>
+        <p:cNvGrpSpPr/>
+        <p:nvPr/>
+      </p:nvGrpSpPr>
+      <p:grpSpPr>
+        <a:xfrm>
+          <a:off x="0" y="0"/>
+          <a:ext cx="0" cy="0"/>
+          <a:chOff x="0" y="0"/>
+          <a:chExt cx="0" cy="0"/>
+        </a:xfrm>
+      </p:grpSpPr>
+      <p:sp>
+        <p:nvSpPr>
+          <p:cNvPr id="2" name="Title 1"/>
+          <p:cNvSpPr>
+            <a:spLocks noGrp="1"/>
+          </p:cNvSpPr>
+          <p:nvPr>
+            <p:ph type="title"/>
+          </p:nvPr>
+        </p:nvSpPr>
+        <p:spPr/>
+        <p:txBody>
+          <a:bodyPr>
+            <a:normAutofit/>
+          </a:bodyPr>
+          <a:lstStyle/>
+          <a:p>
+            <a:r>
+              <a:rPr lang="zh-CN" altLang="en-US" sz="3200" dirty="0" smtClean="0"/>
+              <a:t>总体规划思路</a:t>
+            </a:r>
+            <a:r>
+              <a:rPr lang="en-US" altLang="zh-CN" sz="3200" dirty="0" smtClean="0"/>
+              <a:t>——</a:t>
+            </a:r>
+            <a:r>
+              <a:rPr lang="zh-CN" altLang="en-US" sz="3200" dirty="0" smtClean="0"/>
+              <a:t>三位同构</a:t>
+            </a:r>
+            <a:endParaRPr lang="zh-CN" altLang="en-US" sz="3200" dirty="0"/>
+          </a:p>
+        </p:txBody>
+      </p:sp>
+      <p:graphicFrame>
+        <p:nvGraphicFramePr>
+          <p:cNvPr id="4" name="Content Placeholder 3"/>
+          <p:cNvGraphicFramePr>
+            <a:graphicFrameLocks noGrp="1"/>
+          </p:cNvGraphicFramePr>
+          <p:nvPr>
+            <p:ph idx="1"/>
+            <p:extLst>
+              <p:ext uri="{D42A27DB-BD31-4B8C-83A1-F6EECF244321}">
+                <p14:modId xmlns:p14="http://schemas.microsoft.com/office/powerpoint/2010/main" val="2987665306"/>
+              </p:ext>
+            </p:extLst>
+          </p:nvPr>
+        </p:nvGraphicFramePr>
+        <p:xfrm>
+          <a:off x="404714" y="1320800"/>
+          <a:ext cx="10584000" cy="4856163"/>
+        </p:xfrm>
+        <a:graphic>
+          <a:graphicData uri="http://schemas.openxmlformats.org/drawingml/2006/diagram">
+            <dgm:relIds xmlns:dgm="http://schemas.openxmlformats.org/drawingml/2006/diagram" xmlns:r="http://schemas.openxmlformats.org/officeDocument/2006/relationships" r:dm="rId2" r:lo="rId3" r:qs="rId4" r:cs="rId5"/>
+          </a:graphicData>
+        </a:graphic>
+      </p:graphicFrame>
+      <p:grpSp>
+        <p:nvGrpSpPr>
+          <p:cNvPr id="49" name="Group 48"/>
+          <p:cNvGrpSpPr/>
+          <p:nvPr/>
+        </p:nvGrpSpPr>
+        <p:grpSpPr>
+          <a:xfrm>
+            <a:off x="5363594" y="2983656"/>
+            <a:ext cx="3371273" cy="2730339"/>
+            <a:chOff x="2890982" y="2983656"/>
+            <a:chExt cx="3371273" cy="2730339"/>
+          </a:xfrm>
+        </p:grpSpPr>
+        <p:cxnSp>
+          <p:nvCxnSpPr>
+            <p:cNvPr id="6" name="Elbow Connector 5"/>
+            <p:cNvCxnSpPr/>
+            <p:nvPr/>
+          </p:nvCxnSpPr>
+          <p:spPr>
+            <a:xfrm flipV="1">
+              <a:off x="5578764" y="3135637"/>
+              <a:ext cx="683491" cy="184728"/>
+            </a:xfrm>
+            <a:prstGeom prst="bentConnector3">
+              <a:avLst/>
+            </a:prstGeom>
+            <a:ln w="19050">
+              <a:tailEnd type="triangle"/>
+            </a:ln>
+          </p:spPr>
+          <p:style>
+            <a:lnRef idx="1">
+              <a:schemeClr val="accent1"/>
+            </a:lnRef>
+            <a:fillRef idx="0">
+              <a:schemeClr val="accent1"/>
+            </a:fillRef>
+            <a:effectRef idx="0">
+              <a:schemeClr val="accent1"/>
+            </a:effectRef>
+            <a:fontRef idx="minor">
+              <a:schemeClr val="tx1"/>
+            </a:fontRef>
+          </p:style>
+        </p:cxnSp>
+        <p:cxnSp>
+          <p:nvCxnSpPr>
+            <p:cNvPr id="7" name="Elbow Connector 6"/>
+            <p:cNvCxnSpPr/>
+            <p:nvPr/>
+          </p:nvCxnSpPr>
+          <p:spPr>
+            <a:xfrm flipV="1">
+              <a:off x="5578764" y="4322618"/>
+              <a:ext cx="683491" cy="64655"/>
+            </a:xfrm>
+            <a:prstGeom prst="bentConnector3">
+              <a:avLst/>
+            </a:prstGeom>
+            <a:ln w="19050">
+              <a:tailEnd type="triangle"/>
+            </a:ln>
+          </p:spPr>
+          <p:style>
+            <a:lnRef idx="1">
+              <a:schemeClr val="accent1"/>
+            </a:lnRef>
+            <a:fillRef idx="0">
+              <a:schemeClr val="accent1"/>
+            </a:fillRef>
+            <a:effectRef idx="0">
+              <a:schemeClr val="accent1"/>
+            </a:effectRef>
+            <a:fontRef idx="minor">
+              <a:schemeClr val="tx1"/>
+            </a:fontRef>
+          </p:style>
+        </p:cxnSp>
+        <p:cxnSp>
+          <p:nvCxnSpPr>
+            <p:cNvPr id="8" name="Elbow Connector 7"/>
+            <p:cNvCxnSpPr/>
+            <p:nvPr/>
+          </p:nvCxnSpPr>
+          <p:spPr>
+            <a:xfrm>
+              <a:off x="5578764" y="4387273"/>
+              <a:ext cx="683491" cy="646545"/>
+            </a:xfrm>
+            <a:prstGeom prst="bentConnector3">
+              <a:avLst/>
+            </a:prstGeom>
+            <a:ln w="19050">
+              <a:tailEnd type="triangle"/>
+            </a:ln>
+          </p:spPr>
+          <p:style>
+            <a:lnRef idx="1">
+              <a:schemeClr val="accent1"/>
+            </a:lnRef>
+            <a:fillRef idx="0">
+              <a:schemeClr val="accent1"/>
+            </a:fillRef>
+            <a:effectRef idx="0">
+              <a:schemeClr val="accent1"/>
+            </a:effectRef>
+            <a:fontRef idx="minor">
+              <a:schemeClr val="tx1"/>
+            </a:fontRef>
+          </p:style>
+        </p:cxnSp>
+        <p:cxnSp>
+          <p:nvCxnSpPr>
+            <p:cNvPr id="9" name="Elbow Connector 8"/>
+            <p:cNvCxnSpPr/>
+            <p:nvPr/>
+          </p:nvCxnSpPr>
+          <p:spPr>
+            <a:xfrm>
+              <a:off x="5578764" y="5440217"/>
+              <a:ext cx="683491" cy="157019"/>
+            </a:xfrm>
+            <a:prstGeom prst="bentConnector3">
+              <a:avLst/>
+            </a:prstGeom>
+            <a:ln w="19050">
+              <a:tailEnd type="triangle"/>
+            </a:ln>
+          </p:spPr>
+          <p:style>
+            <a:lnRef idx="1">
+              <a:schemeClr val="accent1"/>
+            </a:lnRef>
+            <a:fillRef idx="0">
+              <a:schemeClr val="accent1"/>
+            </a:fillRef>
+            <a:effectRef idx="0">
+              <a:schemeClr val="accent1"/>
+            </a:effectRef>
+            <a:fontRef idx="minor">
+              <a:schemeClr val="tx1"/>
+            </a:fontRef>
+          </p:style>
+        </p:cxnSp>
+        <p:cxnSp>
+          <p:nvCxnSpPr>
+            <p:cNvPr id="20" name="Elbow Connector 19"/>
+            <p:cNvCxnSpPr/>
+            <p:nvPr/>
+          </p:nvCxnSpPr>
+          <p:spPr>
+            <a:xfrm rot="10800000">
+              <a:off x="2890983" y="2983656"/>
+              <a:ext cx="683493" cy="336711"/>
+            </a:xfrm>
+            <a:prstGeom prst="bentConnector3">
+              <a:avLst/>
+            </a:prstGeom>
+            <a:ln w="19050">
+              <a:tailEnd type="triangle"/>
+            </a:ln>
+          </p:spPr>
+          <p:style>
+            <a:lnRef idx="1">
+              <a:schemeClr val="accent1"/>
+            </a:lnRef>
+            <a:fillRef idx="0">
+              <a:schemeClr val="accent1"/>
+            </a:fillRef>
+            <a:effectRef idx="0">
+              <a:schemeClr val="accent1"/>
+            </a:effectRef>
+            <a:fontRef idx="minor">
+              <a:schemeClr val="tx1"/>
+            </a:fontRef>
+          </p:style>
+        </p:cxnSp>
+        <p:cxnSp>
+          <p:nvCxnSpPr>
+            <p:cNvPr id="25" name="Elbow Connector 24"/>
+            <p:cNvCxnSpPr/>
+            <p:nvPr/>
+          </p:nvCxnSpPr>
+          <p:spPr>
+            <a:xfrm>
+              <a:off x="5578764" y="3320364"/>
+              <a:ext cx="683491" cy="401619"/>
+            </a:xfrm>
+            <a:prstGeom prst="bentConnector3">
+              <a:avLst/>
+            </a:prstGeom>
+            <a:ln w="19050">
+              <a:tailEnd type="triangle"/>
+            </a:ln>
+          </p:spPr>
+          <p:style>
+            <a:lnRef idx="1">
+              <a:schemeClr val="accent1"/>
+            </a:lnRef>
+            <a:fillRef idx="0">
+              <a:schemeClr val="accent1"/>
+            </a:fillRef>
+            <a:effectRef idx="0">
+              <a:schemeClr val="accent1"/>
+            </a:effectRef>
+            <a:fontRef idx="minor">
+              <a:schemeClr val="tx1"/>
+            </a:fontRef>
+          </p:style>
+        </p:cxnSp>
+        <p:cxnSp>
+          <p:nvCxnSpPr>
+            <p:cNvPr id="36" name="Elbow Connector 35"/>
+            <p:cNvCxnSpPr/>
+            <p:nvPr/>
+          </p:nvCxnSpPr>
+          <p:spPr>
+            <a:xfrm rot="10800000" flipV="1">
+              <a:off x="2890984" y="3320363"/>
+              <a:ext cx="683492" cy="242265"/>
+            </a:xfrm>
+            <a:prstGeom prst="bentConnector3">
+              <a:avLst/>
+            </a:prstGeom>
+            <a:ln w="19050">
+              <a:tailEnd type="triangle"/>
+            </a:ln>
+          </p:spPr>
+          <p:style>
+            <a:lnRef idx="1">
+              <a:schemeClr val="accent1"/>
+            </a:lnRef>
+            <a:fillRef idx="0">
+              <a:schemeClr val="accent1"/>
+            </a:fillRef>
+            <a:effectRef idx="0">
+              <a:schemeClr val="accent1"/>
+            </a:effectRef>
+            <a:fontRef idx="minor">
+              <a:schemeClr val="tx1"/>
+            </a:fontRef>
+          </p:style>
+        </p:cxnSp>
+        <p:cxnSp>
+          <p:nvCxnSpPr>
+            <p:cNvPr id="38" name="Elbow Connector 37"/>
+            <p:cNvCxnSpPr/>
+            <p:nvPr/>
+          </p:nvCxnSpPr>
+          <p:spPr>
+            <a:xfrm rot="10800000">
+              <a:off x="2890982" y="4110183"/>
+              <a:ext cx="683496" cy="277093"/>
+            </a:xfrm>
+            <a:prstGeom prst="bentConnector3">
+              <a:avLst/>
+            </a:prstGeom>
+            <a:ln w="19050">
+              <a:tailEnd type="triangle"/>
+            </a:ln>
+          </p:spPr>
+          <p:style>
+            <a:lnRef idx="1">
+              <a:schemeClr val="accent1"/>
+            </a:lnRef>
+            <a:fillRef idx="0">
+              <a:schemeClr val="accent1"/>
+            </a:fillRef>
+            <a:effectRef idx="0">
+              <a:schemeClr val="accent1"/>
+            </a:effectRef>
+            <a:fontRef idx="minor">
+              <a:schemeClr val="tx1"/>
+            </a:fontRef>
+          </p:style>
+        </p:cxnSp>
+        <p:cxnSp>
+          <p:nvCxnSpPr>
+            <p:cNvPr id="42" name="Elbow Connector 41"/>
+            <p:cNvCxnSpPr/>
+            <p:nvPr/>
+          </p:nvCxnSpPr>
+          <p:spPr>
+            <a:xfrm rot="10800000" flipV="1">
+              <a:off x="2890982" y="4383960"/>
+              <a:ext cx="683494" cy="273778"/>
+            </a:xfrm>
+            <a:prstGeom prst="bentConnector3">
+              <a:avLst/>
+            </a:prstGeom>
+            <a:ln w="19050">
+              <a:tailEnd type="triangle"/>
+            </a:ln>
+          </p:spPr>
+          <p:style>
+            <a:lnRef idx="1">
+              <a:schemeClr val="accent1"/>
+            </a:lnRef>
+            <a:fillRef idx="0">
+              <a:schemeClr val="accent1"/>
+            </a:fillRef>
+            <a:effectRef idx="0">
+              <a:schemeClr val="accent1"/>
+            </a:effectRef>
+            <a:fontRef idx="minor">
+              <a:schemeClr val="tx1"/>
+            </a:fontRef>
+          </p:style>
+        </p:cxnSp>
+        <p:cxnSp>
+          <p:nvCxnSpPr>
+            <p:cNvPr id="45" name="Elbow Connector 44"/>
+            <p:cNvCxnSpPr/>
+            <p:nvPr/>
+          </p:nvCxnSpPr>
+          <p:spPr>
+            <a:xfrm rot="10800000">
+              <a:off x="2890982" y="5177093"/>
+              <a:ext cx="683494" cy="263124"/>
+            </a:xfrm>
+            <a:prstGeom prst="bentConnector3">
+              <a:avLst/>
+            </a:prstGeom>
+            <a:ln w="19050">
+              <a:tailEnd type="triangle"/>
+            </a:ln>
+          </p:spPr>
+          <p:style>
+            <a:lnRef idx="1">
+              <a:schemeClr val="accent1"/>
+            </a:lnRef>
+            <a:fillRef idx="0">
+              <a:schemeClr val="accent1"/>
+            </a:fillRef>
+            <a:effectRef idx="0">
+              <a:schemeClr val="accent1"/>
+            </a:effectRef>
+            <a:fontRef idx="minor">
+              <a:schemeClr val="tx1"/>
+            </a:fontRef>
+          </p:style>
+        </p:cxnSp>
+        <p:cxnSp>
+          <p:nvCxnSpPr>
+            <p:cNvPr id="46" name="Elbow Connector 45"/>
+            <p:cNvCxnSpPr/>
+            <p:nvPr/>
+          </p:nvCxnSpPr>
+          <p:spPr>
+            <a:xfrm rot="10800000" flipV="1">
+              <a:off x="2890982" y="5440217"/>
+              <a:ext cx="683494" cy="273778"/>
+            </a:xfrm>
+            <a:prstGeom prst="bentConnector3">
+              <a:avLst/>
+            </a:prstGeom>
+            <a:ln w="19050">
+              <a:tailEnd type="triangle"/>
+            </a:ln>
+          </p:spPr>
+          <p:style>
+            <a:lnRef idx="1">
+              <a:schemeClr val="accent1"/>
+            </a:lnRef>
+            <a:fillRef idx="0">
+              <a:schemeClr val="accent1"/>
+            </a:fillRef>
+            <a:effectRef idx="0">
+              <a:schemeClr val="accent1"/>
+            </a:effectRef>
+            <a:fontRef idx="minor">
+              <a:schemeClr val="tx1"/>
+            </a:fontRef>
+          </p:style>
+        </p:cxnSp>
+      </p:grpSp>
+    </p:spTree>
+    <p:extLst>
+      <p:ext uri="{BB962C8B-B14F-4D97-AF65-F5344CB8AC3E}">
+        <p14:creationId xmlns:p14="http://schemas.microsoft.com/office/powerpoint/2010/main" val="2322291747"/>
+      </p:ext>
+    </p:extLst>
+  </p:cSld>
+  <p:clrMapOvr>
+    <a:masterClrMapping/>
+  </p:clrMapOvr>
+  <p:transition spd="slow">
+    <p:wipe dir="r"/>
+  </p:transition>
+  <p:timing>
+    <p:tnLst>
+      <p:par>
+        <p:cTn id="1" dur="indefinite" restart="never" nodeType="tmRoot"/>
+      </p:par>
+    </p:tnLst>
+  </p:timing>
+</p:sld>
+</file>
+
+<file path=ppt/slides/slide11.xml><?xml version="1.0" encoding="utf-8"?>
+<p:sld xmlns:a="http://schemas.openxmlformats.org/drawingml/2006/main" xmlns:r="http://schemas.openxmlformats.org/officeDocument/2006/relationships" xmlns:p="http://schemas.openxmlformats.org/presentationml/2006/main">
+  <p:cSld>
+    <p:spTree>
+      <p:nvGrpSpPr>
+        <p:cNvPr id="1" name=""/>
+        <p:cNvGrpSpPr/>
+        <p:nvPr/>
+      </p:nvGrpSpPr>
+      <p:grpSpPr>
+        <a:xfrm>
+          <a:off x="0" y="0"/>
+          <a:ext cx="0" cy="0"/>
+          <a:chOff x="0" y="0"/>
+          <a:chExt cx="0" cy="0"/>
+        </a:xfrm>
+      </p:grpSpPr>
+      <p:sp>
+        <p:nvSpPr>
+          <p:cNvPr id="3" name="Content Placeholder 5"/>
+          <p:cNvSpPr txBox="1">
+            <a:spLocks/>
+          </p:cNvSpPr>
+          <p:nvPr/>
+        </p:nvSpPr>
+        <p:spPr>
+          <a:xfrm>
+            <a:off x="239031" y="2395250"/>
+            <a:ext cx="2562225" cy="2900650"/>
+          </a:xfrm>
+          <a:prstGeom prst="rect">
+            <a:avLst/>
+          </a:prstGeom>
+        </p:spPr>
+        <p:txBody>
+          <a:bodyPr>
+            <a:noAutofit/>
+          </a:bodyPr>
+          <a:lstStyle>
+            <a:lvl1pPr marL="228600" indent="-228600" algn="l" defTabSz="914400" rtl="0" eaLnBrk="1" latinLnBrk="0" hangingPunct="1">
+              <a:lnSpc>
+                <a:spcPct val="90000"/>
+              </a:lnSpc>
+              <a:spcBef>
+                <a:spcPts val="1000"/>
+              </a:spcBef>
+              <a:buFont typeface="Arial" panose="020B0604020202020204" pitchFamily="34" charset="0"/>
+              <a:buChar char="•"/>
+              <a:defRPr sz="2000" kern="1200">
+                <a:solidFill>
+                  <a:schemeClr val="tx1"/>
+                </a:solidFill>
+                <a:latin typeface="+mn-lt"/>
+                <a:ea typeface="+mn-ea"/>
+                <a:cs typeface="+mn-cs"/>
+              </a:defRPr>
+            </a:lvl1pPr>
+            <a:lvl2pPr marL="685800" indent="-228600" algn="l" defTabSz="914400" rtl="0" eaLnBrk="1" latinLnBrk="0" hangingPunct="1">
+              <a:lnSpc>
+                <a:spcPct val="90000"/>
+              </a:lnSpc>
+              <a:spcBef>
+                <a:spcPts val="500"/>
+              </a:spcBef>
+              <a:buFont typeface="Arial" panose="020B0604020202020204" pitchFamily="34" charset="0"/>
+              <a:buChar char="•"/>
+              <a:defRPr sz="1800" kern="1200">
+                <a:solidFill>
+                  <a:schemeClr val="tx1"/>
+                </a:solidFill>
+                <a:latin typeface="+mn-lt"/>
+                <a:ea typeface="+mn-ea"/>
+                <a:cs typeface="+mn-cs"/>
+              </a:defRPr>
+            </a:lvl2pPr>
+            <a:lvl3pPr marL="1143000" indent="-228600" algn="l" defTabSz="914400" rtl="0" eaLnBrk="1" latinLnBrk="0" hangingPunct="1">
+              <a:lnSpc>
+                <a:spcPct val="90000"/>
+              </a:lnSpc>
+              <a:spcBef>
+                <a:spcPts val="500"/>
+              </a:spcBef>
+              <a:buFont typeface="Arial" panose="020B0604020202020204" pitchFamily="34" charset="0"/>
+              <a:buChar char="•"/>
+              <a:defRPr sz="1600" kern="1200">
+                <a:solidFill>
+                  <a:schemeClr val="tx1"/>
+                </a:solidFill>
+                <a:latin typeface="+mn-lt"/>
+                <a:ea typeface="+mn-ea"/>
+                <a:cs typeface="+mn-cs"/>
+              </a:defRPr>
+            </a:lvl3pPr>
+            <a:lvl4pPr marL="1600200" indent="-228600" algn="l" defTabSz="914400" rtl="0" eaLnBrk="1" latinLnBrk="0" hangingPunct="1">
+              <a:lnSpc>
+                <a:spcPct val="90000"/>
+              </a:lnSpc>
+              <a:spcBef>
+                <a:spcPts val="500"/>
+              </a:spcBef>
+              <a:buFont typeface="Arial" panose="020B0604020202020204" pitchFamily="34" charset="0"/>
+              <a:buChar char="•"/>
+              <a:defRPr sz="1400" kern="1200">
+                <a:solidFill>
+                  <a:schemeClr val="tx1"/>
+                </a:solidFill>
+                <a:latin typeface="+mn-lt"/>
+                <a:ea typeface="+mn-ea"/>
+                <a:cs typeface="+mn-cs"/>
+              </a:defRPr>
+            </a:lvl4pPr>
+            <a:lvl5pPr marL="2057400" indent="-228600" algn="l" defTabSz="914400" rtl="0" eaLnBrk="1" latinLnBrk="0" hangingPunct="1">
+              <a:lnSpc>
+                <a:spcPct val="90000"/>
+              </a:lnSpc>
+              <a:spcBef>
+                <a:spcPts val="500"/>
+              </a:spcBef>
+              <a:buFont typeface="Arial" panose="020B0604020202020204" pitchFamily="34" charset="0"/>
+              <a:buChar char="•"/>
+              <a:defRPr sz="1400" kern="1200">
+                <a:solidFill>
+                  <a:schemeClr val="tx1"/>
+                </a:solidFill>
+                <a:latin typeface="+mn-lt"/>
+                <a:ea typeface="+mn-ea"/>
+                <a:cs typeface="+mn-cs"/>
+              </a:defRPr>
+            </a:lvl5pPr>
+            <a:lvl6pPr marL="2514600" indent="-228600" algn="l" defTabSz="914400" rtl="0" eaLnBrk="1" latinLnBrk="0" hangingPunct="1">
+              <a:lnSpc>
+                <a:spcPct val="90000"/>
+              </a:lnSpc>
+              <a:spcBef>
+                <a:spcPts val="500"/>
+              </a:spcBef>
+              <a:buFont typeface="Arial" panose="020B0604020202020204" pitchFamily="34" charset="0"/>
+              <a:buChar char="•"/>
+              <a:defRPr sz="1800" kern="1200">
+                <a:solidFill>
+                  <a:schemeClr val="tx1"/>
+                </a:solidFill>
+                <a:latin typeface="+mn-lt"/>
+                <a:ea typeface="+mn-ea"/>
+                <a:cs typeface="+mn-cs"/>
+              </a:defRPr>
+            </a:lvl6pPr>
+            <a:lvl7pPr marL="2971800" indent="-228600" algn="l" defTabSz="914400" rtl="0" eaLnBrk="1" latinLnBrk="0" hangingPunct="1">
+              <a:lnSpc>
+                <a:spcPct val="90000"/>
+              </a:lnSpc>
+              <a:spcBef>
+                <a:spcPts val="500"/>
+              </a:spcBef>
+              <a:buFont typeface="Arial" panose="020B0604020202020204" pitchFamily="34" charset="0"/>
+              <a:buChar char="•"/>
+              <a:defRPr sz="1800" kern="1200">
+                <a:solidFill>
+                  <a:schemeClr val="tx1"/>
+                </a:solidFill>
+                <a:latin typeface="+mn-lt"/>
+                <a:ea typeface="+mn-ea"/>
+                <a:cs typeface="+mn-cs"/>
+              </a:defRPr>
+            </a:lvl7pPr>
+            <a:lvl8pPr marL="3429000" indent="-228600" algn="l" defTabSz="914400" rtl="0" eaLnBrk="1" latinLnBrk="0" hangingPunct="1">
+              <a:lnSpc>
+                <a:spcPct val="90000"/>
+              </a:lnSpc>
+              <a:spcBef>
+                <a:spcPts val="500"/>
+              </a:spcBef>
+              <a:buFont typeface="Arial" panose="020B0604020202020204" pitchFamily="34" charset="0"/>
+              <a:buChar char="•"/>
+              <a:defRPr sz="1800" kern="1200">
+                <a:solidFill>
+                  <a:schemeClr val="tx1"/>
+                </a:solidFill>
+                <a:latin typeface="+mn-lt"/>
+                <a:ea typeface="+mn-ea"/>
+                <a:cs typeface="+mn-cs"/>
+              </a:defRPr>
+            </a:lvl8pPr>
+            <a:lvl9pPr marL="3886200" indent="-228600" algn="l" defTabSz="914400" rtl="0" eaLnBrk="1" latinLnBrk="0" hangingPunct="1">
+              <a:lnSpc>
+                <a:spcPct val="90000"/>
+              </a:lnSpc>
+              <a:spcBef>
+                <a:spcPts val="500"/>
+              </a:spcBef>
+              <a:buFont typeface="Arial" panose="020B0604020202020204" pitchFamily="34" charset="0"/>
+              <a:buChar char="•"/>
+              <a:defRPr sz="1800" kern="1200">
+                <a:solidFill>
+                  <a:schemeClr val="tx1"/>
+                </a:solidFill>
+                <a:latin typeface="+mn-lt"/>
+                <a:ea typeface="+mn-ea"/>
+                <a:cs typeface="+mn-cs"/>
+              </a:defRPr>
+            </a:lvl9pPr>
+          </a:lstStyle>
+          <a:p>
+            <a:pPr marL="0">
+              <a:lnSpc>
+                <a:spcPct val="150000"/>
+              </a:lnSpc>
+              <a:spcBef>
+                <a:spcPts val="0"/>
+              </a:spcBef>
+            </a:pPr>
+            <a:r>
+              <a:rPr lang="zh-CN" altLang="en-US" sz="1600" dirty="0" smtClean="0"/>
+              <a:t>学生</a:t>
+            </a:r>
+            <a:r>
+              <a:rPr lang="zh-CN" altLang="en-US" sz="1600" dirty="0"/>
+              <a:t>实践系列活动</a:t>
+            </a:r>
+          </a:p>
+          <a:p>
+            <a:pPr marL="457200" lvl="1">
+              <a:lnSpc>
+                <a:spcPct val="150000"/>
+              </a:lnSpc>
+              <a:spcBef>
+                <a:spcPts val="0"/>
+              </a:spcBef>
+            </a:pPr>
+            <a:r>
+              <a:rPr lang="zh-CN" altLang="en-US" sz="1200" dirty="0" smtClean="0"/>
+              <a:t>国际</a:t>
+            </a:r>
+            <a:r>
+              <a:rPr lang="zh-CN" altLang="en-US" sz="1200" dirty="0"/>
+              <a:t>大赛</a:t>
+            </a:r>
+          </a:p>
+          <a:p>
+            <a:pPr marL="457200" lvl="1">
+              <a:lnSpc>
+                <a:spcPct val="150000"/>
+              </a:lnSpc>
+              <a:spcBef>
+                <a:spcPts val="0"/>
+              </a:spcBef>
+            </a:pPr>
+            <a:r>
+              <a:rPr lang="zh-CN" altLang="en-US" sz="1200" dirty="0" smtClean="0"/>
+              <a:t>内容</a:t>
+            </a:r>
+            <a:r>
+              <a:rPr lang="zh-CN" altLang="en-US" sz="1200" dirty="0"/>
+              <a:t>精选与展示：</a:t>
+            </a:r>
+            <a:r>
+              <a:rPr lang="en-US" altLang="zh-CN" sz="1200" dirty="0" err="1"/>
+              <a:t>TEDxTHU</a:t>
+            </a:r>
+            <a:endParaRPr lang="en-US" altLang="zh-CN" sz="1200" dirty="0"/>
+          </a:p>
+          <a:p>
+            <a:pPr marL="457200" lvl="1">
+              <a:lnSpc>
+                <a:spcPct val="150000"/>
+              </a:lnSpc>
+              <a:spcBef>
+                <a:spcPts val="0"/>
+              </a:spcBef>
+            </a:pPr>
+            <a:r>
+              <a:rPr lang="zh-CN" altLang="en-US" sz="1200" dirty="0" smtClean="0"/>
+              <a:t>常驻</a:t>
+            </a:r>
+            <a:r>
+              <a:rPr lang="zh-CN" altLang="en-US" sz="1200" dirty="0"/>
+              <a:t>文化类社团</a:t>
+            </a:r>
+          </a:p>
+          <a:p>
+            <a:pPr marL="457200" lvl="1">
+              <a:lnSpc>
+                <a:spcPct val="150000"/>
+              </a:lnSpc>
+              <a:spcBef>
+                <a:spcPts val="0"/>
+              </a:spcBef>
+            </a:pPr>
+            <a:r>
+              <a:rPr lang="zh-CN" altLang="en-US" sz="1200" dirty="0" smtClean="0"/>
+              <a:t>创</a:t>
+            </a:r>
+            <a:r>
+              <a:rPr lang="zh-CN" altLang="en-US" sz="1200" dirty="0"/>
+              <a:t>客</a:t>
+            </a:r>
+            <a:r>
+              <a:rPr lang="zh-CN" altLang="en-US" sz="1200" dirty="0" smtClean="0"/>
+              <a:t>马拉松</a:t>
+            </a:r>
+            <a:endParaRPr lang="en-US" altLang="zh-CN" sz="1200" dirty="0" smtClean="0"/>
+          </a:p>
+          <a:p>
+            <a:pPr marL="457200" lvl="1">
+              <a:lnSpc>
+                <a:spcPct val="150000"/>
+              </a:lnSpc>
+              <a:spcBef>
+                <a:spcPts val="0"/>
+              </a:spcBef>
+            </a:pPr>
+            <a:r>
+              <a:rPr lang="zh-CN" altLang="en-US" sz="1200" dirty="0" smtClean="0"/>
+              <a:t>国际媒体报导</a:t>
+            </a:r>
+            <a:endParaRPr lang="zh-CN" altLang="en-US" sz="1200" dirty="0"/>
+          </a:p>
+        </p:txBody>
+      </p:sp>
+      <p:pic>
+        <p:nvPicPr>
+          <p:cNvPr id="4" name="Picture 3"/>
+          <p:cNvPicPr>
+            <a:picLocks noChangeAspect="1"/>
+          </p:cNvPicPr>
+          <p:nvPr/>
+        </p:nvPicPr>
+        <p:blipFill rotWithShape="1">
+          <a:blip r:embed="rId2"/>
+          <a:srcRect l="21667" t="31064" r="6309" b="15662"/>
+          <a:stretch/>
+        </p:blipFill>
+        <p:spPr>
+          <a:xfrm>
+            <a:off x="2801256" y="1656859"/>
+            <a:ext cx="6342744" cy="3753228"/>
+          </a:xfrm>
+          <a:prstGeom prst="rect">
+            <a:avLst/>
+          </a:prstGeom>
+        </p:spPr>
+      </p:pic>
+      <p:sp>
+        <p:nvSpPr>
+          <p:cNvPr id="6" name="Title 5"/>
+          <p:cNvSpPr>
+            <a:spLocks noGrp="1"/>
+          </p:cNvSpPr>
+          <p:nvPr>
+            <p:ph type="title"/>
+          </p:nvPr>
+        </p:nvSpPr>
+        <p:spPr/>
+        <p:txBody>
+          <a:bodyPr/>
+          <a:lstStyle/>
+          <a:p>
+            <a:r>
+              <a:rPr lang="zh-CN" altLang="en-US" dirty="0"/>
+              <a:t>总体规划思路</a:t>
+            </a:r>
+            <a:r>
+              <a:rPr lang="en-US" altLang="zh-CN" dirty="0"/>
+              <a:t>——</a:t>
+            </a:r>
+            <a:r>
+              <a:rPr lang="zh-CN" altLang="en-US" dirty="0"/>
+              <a:t>三位同构</a:t>
+            </a:r>
+          </a:p>
+        </p:txBody>
+      </p:sp>
+    </p:spTree>
+    <p:extLst>
+      <p:ext uri="{BB962C8B-B14F-4D97-AF65-F5344CB8AC3E}">
+        <p14:creationId xmlns:p14="http://schemas.microsoft.com/office/powerpoint/2010/main" val="4126930803"/>
+      </p:ext>
+    </p:extLst>
+  </p:cSld>
+  <p:clrMapOvr>
+    <a:masterClrMapping/>
+  </p:clrMapOvr>
+  <p:timing>
+    <p:tnLst>
+      <p:par>
+        <p:cTn id="1" dur="indefinite" restart="never" nodeType="tmRoot"/>
+      </p:par>
+    </p:tnLst>
+  </p:timing>
+</p:sld>
+</file>
+
+<file path=ppt/slides/slide12.xml><?xml version="1.0" encoding="utf-8"?>
 <p:sld xmlns:a="http://schemas.openxmlformats.org/drawingml/2006/main" xmlns:r="http://schemas.openxmlformats.org/officeDocument/2006/relationships" xmlns:p="http://schemas.openxmlformats.org/presentationml/2006/main">
   <p:cSld>
     <p:spTree>
@@ -32773,7 +30152,7 @@
 </p:sld>
 </file>
 
-<file path=ppt/slides/slide11.xml><?xml version="1.0" encoding="utf-8"?>
+<file path=ppt/slides/slide13.xml><?xml version="1.0" encoding="utf-8"?>
 <p:sld xmlns:a="http://schemas.openxmlformats.org/drawingml/2006/main" xmlns:r="http://schemas.openxmlformats.org/officeDocument/2006/relationships" xmlns:p="http://schemas.openxmlformats.org/presentationml/2006/main">
   <p:cSld>
     <p:spTree>
@@ -35395,7 +32774,7 @@
 </p:sld>
 </file>
 
-<file path=ppt/slides/slide12.xml><?xml version="1.0" encoding="utf-8"?>
+<file path=ppt/slides/slide14.xml><?xml version="1.0" encoding="utf-8"?>
 <p:sld xmlns:a="http://schemas.openxmlformats.org/drawingml/2006/main" xmlns:r="http://schemas.openxmlformats.org/officeDocument/2006/relationships" xmlns:p="http://schemas.openxmlformats.org/presentationml/2006/main">
   <p:cSld>
     <p:spTree>
@@ -37942,39 +35321,7 @@
             </a:r>
             <a:r>
               <a:rPr lang="zh-CN" altLang="en-US" sz="1200" dirty="0" smtClean="0"/>
-              <a:t>全天候的资源开放</a:t>
-            </a:r>
-            <a:r>
-              <a:rPr lang="zh-CN" altLang="en-US" sz="1200" dirty="0" smtClean="0"/>
-              <a:t>。师生凭</a:t>
-            </a:r>
-            <a:r>
-              <a:rPr lang="zh-CN" altLang="en-US" sz="1200" dirty="0" smtClean="0"/>
-              <a:t>本校证件进入大楼后，</a:t>
-            </a:r>
-            <a:r>
-              <a:rPr lang="zh-CN" altLang="en-US" sz="1200" dirty="0" smtClean="0"/>
-              <a:t>可在</a:t>
-            </a:r>
-            <a:r>
-              <a:rPr lang="zh-CN" altLang="en-US" sz="1200" dirty="0" smtClean="0"/>
-              <a:t>公共</a:t>
-            </a:r>
-            <a:r>
-              <a:rPr lang="zh-CN" altLang="en-US" sz="1200" dirty="0" smtClean="0"/>
-              <a:t>区域及</a:t>
-            </a:r>
-            <a:r>
-              <a:rPr lang="zh-CN" altLang="en-US" sz="1200" dirty="0" smtClean="0"/>
-              <a:t>全开放区域自由活动</a:t>
-            </a:r>
-            <a:r>
-              <a:rPr lang="zh-CN" altLang="en-US" sz="1200" dirty="0" smtClean="0"/>
-              <a:t>，共享使用空间并利用其中资源</a:t>
-            </a:r>
-            <a:r>
-              <a:rPr lang="zh-CN" altLang="en-US" sz="1200" dirty="0" smtClean="0"/>
-              <a:t>。</a:t>
+              <a:t>全天候的资源开放。师生凭本校证件进入大楼后，可在公共区域及全开放区域自由活动，共享使用空间并利用其中资源。</a:t>
             </a:r>
             <a:endParaRPr lang="en-US" altLang="zh-CN" sz="1200" dirty="0" smtClean="0"/>
           </a:p>
@@ -38094,57 +35441,29 @@
           <a:p>
             <a:r>
               <a:rPr lang="zh-CN" altLang="en-US" sz="1200" b="1" dirty="0"/>
-              <a:t>预约</a:t>
+              <a:t>预约开放</a:t>
             </a:r>
             <a:r>
-              <a:rPr lang="zh-CN" altLang="en-US" sz="1200" b="1" dirty="0" smtClean="0"/>
-              <a:t>开放</a:t>
-            </a:r>
-            <a:r>
-              <a:rPr lang="zh-CN" altLang="en-US" sz="1200" dirty="0" smtClean="0"/>
+              <a:rPr lang="zh-CN" altLang="en-US" sz="1200" dirty="0"/>
               <a:t>：</a:t>
             </a:r>
             <a:r>
-              <a:rPr lang="en-US" altLang="zh-CN" sz="1200" dirty="0" smtClean="0"/>
+              <a:rPr lang="en-US" altLang="zh-CN" sz="1200" dirty="0"/>
               <a:t/>
             </a:r>
             <a:br>
-              <a:rPr lang="en-US" altLang="zh-CN" sz="1200" dirty="0" smtClean="0"/>
+              <a:rPr lang="en-US" altLang="zh-CN" sz="1200" dirty="0"/>
             </a:br>
             <a:r>
-              <a:rPr lang="zh-CN" altLang="en-US" sz="1200" dirty="0" smtClean="0"/>
-              <a:t>在限时全开放的时间段内，</a:t>
-            </a:r>
-            <a:r>
               <a:rPr lang="zh-CN" altLang="en-US" sz="1200" dirty="0"/>
-              <a:t>学生通过在线系统进行预约，现场读取</a:t>
-            </a:r>
-            <a:r>
-              <a:rPr lang="zh-CN" altLang="en-US" sz="1200" dirty="0" smtClean="0"/>
-              <a:t>学生证后</a:t>
-            </a:r>
-            <a:r>
-              <a:rPr lang="zh-CN" altLang="en-US" sz="1200" dirty="0" smtClean="0"/>
-              <a:t>可独占使用</a:t>
-            </a:r>
-            <a:r>
-              <a:rPr lang="zh-CN" altLang="en-US" sz="1200" dirty="0"/>
-              <a:t>相关</a:t>
-            </a:r>
-            <a:r>
-              <a:rPr lang="zh-CN" altLang="en-US" sz="1200" dirty="0" smtClean="0"/>
-              <a:t>资源。</a:t>
+              <a:t>在限时全开放的时间段内，学生通过在线系统进行预约，现场读取学生证后可独占使用相关资源。</a:t>
             </a:r>
             <a:endParaRPr lang="en-US" altLang="zh-CN" sz="1200" dirty="0"/>
           </a:p>
           <a:p>
             <a:r>
               <a:rPr lang="zh-CN" altLang="en-US" sz="1200" dirty="0"/>
-              <a:t>（管理系统可参考文科图书馆讨论间模式</a:t>
-            </a:r>
-            <a:r>
-              <a:rPr lang="zh-CN" altLang="en-US" sz="1200" dirty="0" smtClean="0"/>
-              <a:t>）</a:t>
+              <a:t>（管理系统可参考文科图书馆讨论间模式）</a:t>
             </a:r>
             <a:endParaRPr lang="en-US" altLang="zh-CN" sz="1200" dirty="0"/>
           </a:p>
@@ -38201,7 +35520,7 @@
 </p:sld>
 </file>
 
-<file path=ppt/slides/slide13.xml><?xml version="1.0" encoding="utf-8"?>
+<file path=ppt/slides/slide15.xml><?xml version="1.0" encoding="utf-8"?>
 <p:sld xmlns:a="http://schemas.openxmlformats.org/drawingml/2006/main" xmlns:r="http://schemas.openxmlformats.org/officeDocument/2006/relationships" xmlns:p="http://schemas.openxmlformats.org/presentationml/2006/main">
   <p:cSld>
     <p:spTree>
@@ -39476,6 +36795,82 @@
           <a:chExt cx="0" cy="0"/>
         </a:xfrm>
       </p:grpSpPr>
+      <p:sp>
+        <p:nvSpPr>
+          <p:cNvPr id="2" name="Title 1"/>
+          <p:cNvSpPr>
+            <a:spLocks noGrp="1"/>
+          </p:cNvSpPr>
+          <p:nvPr>
+            <p:ph type="title"/>
+          </p:nvPr>
+        </p:nvSpPr>
+        <p:spPr/>
+        <p:txBody>
+          <a:bodyPr/>
+          <a:lstStyle/>
+          <a:p>
+            <a:r>
+              <a:rPr lang="zh-CN" altLang="en-US" dirty="0" smtClean="0"/>
+              <a:t>三创空间定位</a:t>
+            </a:r>
+            <a:endParaRPr lang="zh-CN" altLang="en-US" dirty="0"/>
+          </a:p>
+        </p:txBody>
+      </p:sp>
+      <p:sp>
+        <p:nvSpPr>
+          <p:cNvPr id="3" name="Content Placeholder 2"/>
+          <p:cNvSpPr>
+            <a:spLocks noGrp="1"/>
+          </p:cNvSpPr>
+          <p:nvPr>
+            <p:ph idx="1"/>
+          </p:nvPr>
+        </p:nvSpPr>
+        <p:spPr/>
+        <p:txBody>
+          <a:bodyPr/>
+          <a:lstStyle/>
+          <a:p>
+            <a:r>
+              <a:rPr lang="zh-CN" altLang="en-US" dirty="0" smtClean="0"/>
+              <a:t>结合训练中心基础资源及人才优势，为学生提供未来面向</a:t>
+            </a:r>
+            <a:endParaRPr lang="zh-CN" altLang="en-US" dirty="0"/>
+          </a:p>
+        </p:txBody>
+      </p:sp>
+    </p:spTree>
+    <p:extLst>
+      <p:ext uri="{BB962C8B-B14F-4D97-AF65-F5344CB8AC3E}">
+        <p14:creationId xmlns:p14="http://schemas.microsoft.com/office/powerpoint/2010/main" val="3049840552"/>
+      </p:ext>
+    </p:extLst>
+  </p:cSld>
+  <p:clrMapOvr>
+    <a:masterClrMapping/>
+  </p:clrMapOvr>
+</p:sld>
+</file>
+
+<file path=ppt/slides/slide3.xml><?xml version="1.0" encoding="utf-8"?>
+<p:sld xmlns:a="http://schemas.openxmlformats.org/drawingml/2006/main" xmlns:r="http://schemas.openxmlformats.org/officeDocument/2006/relationships" xmlns:p="http://schemas.openxmlformats.org/presentationml/2006/main">
+  <p:cSld>
+    <p:spTree>
+      <p:nvGrpSpPr>
+        <p:cNvPr id="1" name=""/>
+        <p:cNvGrpSpPr/>
+        <p:nvPr/>
+      </p:nvGrpSpPr>
+      <p:grpSpPr>
+        <a:xfrm>
+          <a:off x="0" y="0"/>
+          <a:ext cx="0" cy="0"/>
+          <a:chOff x="0" y="0"/>
+          <a:chExt cx="0" cy="0"/>
+        </a:xfrm>
+      </p:grpSpPr>
       <p:graphicFrame>
         <p:nvGraphicFramePr>
           <p:cNvPr id="2" name="Diagram 1"/>
@@ -39534,7 +36929,7 @@
 </p:sld>
 </file>
 
-<file path=ppt/slides/slide3.xml><?xml version="1.0" encoding="utf-8"?>
+<file path=ppt/slides/slide4.xml><?xml version="1.0" encoding="utf-8"?>
 <p:sld xmlns:a="http://schemas.openxmlformats.org/drawingml/2006/main" xmlns:r="http://schemas.openxmlformats.org/officeDocument/2006/relationships" xmlns:p="http://schemas.openxmlformats.org/presentationml/2006/main">
   <p:cSld>
     <p:spTree>
@@ -39829,7 +37224,60 @@
 </p:sld>
 </file>
 
-<file path=ppt/slides/slide4.xml><?xml version="1.0" encoding="utf-8"?>
+<file path=ppt/slides/slide5.xml><?xml version="1.0" encoding="utf-8"?>
+<p:sld xmlns:a="http://schemas.openxmlformats.org/drawingml/2006/main" xmlns:r="http://schemas.openxmlformats.org/officeDocument/2006/relationships" xmlns:p="http://schemas.openxmlformats.org/presentationml/2006/main">
+  <p:cSld>
+    <p:spTree>
+      <p:nvGrpSpPr>
+        <p:cNvPr id="1" name=""/>
+        <p:cNvGrpSpPr/>
+        <p:nvPr/>
+      </p:nvGrpSpPr>
+      <p:grpSpPr>
+        <a:xfrm>
+          <a:off x="0" y="0"/>
+          <a:ext cx="0" cy="0"/>
+          <a:chOff x="0" y="0"/>
+          <a:chExt cx="0" cy="0"/>
+        </a:xfrm>
+      </p:grpSpPr>
+      <p:sp>
+        <p:nvSpPr>
+          <p:cNvPr id="2" name="Title 1"/>
+          <p:cNvSpPr>
+            <a:spLocks noGrp="1"/>
+          </p:cNvSpPr>
+          <p:nvPr>
+            <p:ph type="title"/>
+          </p:nvPr>
+        </p:nvSpPr>
+        <p:spPr/>
+        <p:txBody>
+          <a:bodyPr/>
+          <a:lstStyle/>
+          <a:p>
+            <a:r>
+              <a:rPr lang="zh-CN" altLang="en-US" dirty="0" smtClean="0"/>
+              <a:t>三创空间内容架构</a:t>
+            </a:r>
+            <a:endParaRPr lang="zh-CN" altLang="en-US" dirty="0"/>
+          </a:p>
+        </p:txBody>
+      </p:sp>
+    </p:spTree>
+    <p:extLst>
+      <p:ext uri="{BB962C8B-B14F-4D97-AF65-F5344CB8AC3E}">
+        <p14:creationId xmlns:p14="http://schemas.microsoft.com/office/powerpoint/2010/main" val="4229388169"/>
+      </p:ext>
+    </p:extLst>
+  </p:cSld>
+  <p:clrMapOvr>
+    <a:masterClrMapping/>
+  </p:clrMapOvr>
+</p:sld>
+</file>
+
+<file path=ppt/slides/slide6.xml><?xml version="1.0" encoding="utf-8"?>
 <p:sld xmlns:a="http://schemas.openxmlformats.org/drawingml/2006/main" xmlns:r="http://schemas.openxmlformats.org/officeDocument/2006/relationships" xmlns:p="http://schemas.openxmlformats.org/presentationml/2006/main">
   <p:cSld>
     <p:spTree>
@@ -40002,11 +37450,7 @@
             <a:pPr lvl="2"/>
             <a:r>
               <a:rPr lang="zh-CN" altLang="en-US" dirty="0" smtClean="0"/>
-              <a:t>邀请美术学院马泉</a:t>
-            </a:r>
-            <a:r>
-              <a:rPr lang="zh-CN" altLang="en-US" dirty="0" smtClean="0"/>
-              <a:t>老师共同设计</a:t>
+              <a:t>邀请美术学院马泉老师共同设计</a:t>
             </a:r>
             <a:endParaRPr lang="en-US" altLang="zh-CN" dirty="0" smtClean="0"/>
           </a:p>
@@ -40033,7 +37477,7 @@
 </p:sld>
 </file>
 
-<file path=ppt/slides/slide5.xml><?xml version="1.0" encoding="utf-8"?>
+<file path=ppt/slides/slide7.xml><?xml version="1.0" encoding="utf-8"?>
 <p:sld xmlns:a="http://schemas.openxmlformats.org/drawingml/2006/main" xmlns:r="http://schemas.openxmlformats.org/officeDocument/2006/relationships" xmlns:p="http://schemas.openxmlformats.org/presentationml/2006/main">
   <p:cSld>
     <p:spTree>
@@ -40506,7 +37950,7 @@
 </p:sld>
 </file>
 
-<file path=ppt/slides/slide6.xml><?xml version="1.0" encoding="utf-8"?>
+<file path=ppt/slides/slide8.xml><?xml version="1.0" encoding="utf-8"?>
 <p:sld xmlns:a="http://schemas.openxmlformats.org/drawingml/2006/main" xmlns:r="http://schemas.openxmlformats.org/officeDocument/2006/relationships" xmlns:p="http://schemas.openxmlformats.org/presentationml/2006/main">
   <p:cSld>
     <p:spTree>
@@ -40982,7 +38426,7 @@
 </p:sld>
 </file>
 
-<file path=ppt/slides/slide7.xml><?xml version="1.0" encoding="utf-8"?>
+<file path=ppt/slides/slide9.xml><?xml version="1.0" encoding="utf-8"?>
 <p:sld xmlns:a="http://schemas.openxmlformats.org/drawingml/2006/main" xmlns:r="http://schemas.openxmlformats.org/officeDocument/2006/relationships" xmlns:p="http://schemas.openxmlformats.org/presentationml/2006/main">
   <p:cSld>
     <p:spTree>
@@ -41367,874 +38811,6 @@
 </p:sld>
 </file>
 
-<file path=ppt/slides/slide8.xml><?xml version="1.0" encoding="utf-8"?>
-<p:sld xmlns:a="http://schemas.openxmlformats.org/drawingml/2006/main" xmlns:r="http://schemas.openxmlformats.org/officeDocument/2006/relationships" xmlns:p="http://schemas.openxmlformats.org/presentationml/2006/main">
-  <p:cSld>
-    <p:spTree>
-      <p:nvGrpSpPr>
-        <p:cNvPr id="1" name=""/>
-        <p:cNvGrpSpPr/>
-        <p:nvPr/>
-      </p:nvGrpSpPr>
-      <p:grpSpPr>
-        <a:xfrm>
-          <a:off x="0" y="0"/>
-          <a:ext cx="0" cy="0"/>
-          <a:chOff x="0" y="0"/>
-          <a:chExt cx="0" cy="0"/>
-        </a:xfrm>
-      </p:grpSpPr>
-      <p:sp>
-        <p:nvSpPr>
-          <p:cNvPr id="2" name="Title 1"/>
-          <p:cNvSpPr>
-            <a:spLocks noGrp="1"/>
-          </p:cNvSpPr>
-          <p:nvPr>
-            <p:ph type="title"/>
-          </p:nvPr>
-        </p:nvSpPr>
-        <p:spPr/>
-        <p:txBody>
-          <a:bodyPr>
-            <a:normAutofit/>
-          </a:bodyPr>
-          <a:lstStyle/>
-          <a:p>
-            <a:r>
-              <a:rPr lang="zh-CN" altLang="en-US" sz="3200" dirty="0" smtClean="0"/>
-              <a:t>总体规划思路</a:t>
-            </a:r>
-            <a:r>
-              <a:rPr lang="en-US" altLang="zh-CN" sz="3200" dirty="0" smtClean="0"/>
-              <a:t>——</a:t>
-            </a:r>
-            <a:r>
-              <a:rPr lang="zh-CN" altLang="en-US" sz="3200" dirty="0" smtClean="0"/>
-              <a:t>三位同构</a:t>
-            </a:r>
-            <a:endParaRPr lang="zh-CN" altLang="en-US" sz="3200" dirty="0"/>
-          </a:p>
-        </p:txBody>
-      </p:sp>
-      <p:graphicFrame>
-        <p:nvGraphicFramePr>
-          <p:cNvPr id="4" name="Content Placeholder 3"/>
-          <p:cNvGraphicFramePr>
-            <a:graphicFrameLocks noGrp="1"/>
-          </p:cNvGraphicFramePr>
-          <p:nvPr>
-            <p:ph idx="1"/>
-            <p:extLst>
-              <p:ext uri="{D42A27DB-BD31-4B8C-83A1-F6EECF244321}">
-                <p14:modId xmlns:p14="http://schemas.microsoft.com/office/powerpoint/2010/main" val="2987665306"/>
-              </p:ext>
-            </p:extLst>
-          </p:nvPr>
-        </p:nvGraphicFramePr>
-        <p:xfrm>
-          <a:off x="404714" y="1320800"/>
-          <a:ext cx="10584000" cy="4856163"/>
-        </p:xfrm>
-        <a:graphic>
-          <a:graphicData uri="http://schemas.openxmlformats.org/drawingml/2006/diagram">
-            <dgm:relIds xmlns:dgm="http://schemas.openxmlformats.org/drawingml/2006/diagram" xmlns:r="http://schemas.openxmlformats.org/officeDocument/2006/relationships" r:dm="rId2" r:lo="rId3" r:qs="rId4" r:cs="rId5"/>
-          </a:graphicData>
-        </a:graphic>
-      </p:graphicFrame>
-      <p:grpSp>
-        <p:nvGrpSpPr>
-          <p:cNvPr id="49" name="Group 48"/>
-          <p:cNvGrpSpPr/>
-          <p:nvPr/>
-        </p:nvGrpSpPr>
-        <p:grpSpPr>
-          <a:xfrm>
-            <a:off x="5363594" y="2983656"/>
-            <a:ext cx="3371273" cy="2730339"/>
-            <a:chOff x="2890982" y="2983656"/>
-            <a:chExt cx="3371273" cy="2730339"/>
-          </a:xfrm>
-        </p:grpSpPr>
-        <p:cxnSp>
-          <p:nvCxnSpPr>
-            <p:cNvPr id="6" name="Elbow Connector 5"/>
-            <p:cNvCxnSpPr/>
-            <p:nvPr/>
-          </p:nvCxnSpPr>
-          <p:spPr>
-            <a:xfrm flipV="1">
-              <a:off x="5578764" y="3135637"/>
-              <a:ext cx="683491" cy="184728"/>
-            </a:xfrm>
-            <a:prstGeom prst="bentConnector3">
-              <a:avLst/>
-            </a:prstGeom>
-            <a:ln w="19050">
-              <a:tailEnd type="triangle"/>
-            </a:ln>
-          </p:spPr>
-          <p:style>
-            <a:lnRef idx="1">
-              <a:schemeClr val="accent1"/>
-            </a:lnRef>
-            <a:fillRef idx="0">
-              <a:schemeClr val="accent1"/>
-            </a:fillRef>
-            <a:effectRef idx="0">
-              <a:schemeClr val="accent1"/>
-            </a:effectRef>
-            <a:fontRef idx="minor">
-              <a:schemeClr val="tx1"/>
-            </a:fontRef>
-          </p:style>
-        </p:cxnSp>
-        <p:cxnSp>
-          <p:nvCxnSpPr>
-            <p:cNvPr id="7" name="Elbow Connector 6"/>
-            <p:cNvCxnSpPr/>
-            <p:nvPr/>
-          </p:nvCxnSpPr>
-          <p:spPr>
-            <a:xfrm flipV="1">
-              <a:off x="5578764" y="4322618"/>
-              <a:ext cx="683491" cy="64655"/>
-            </a:xfrm>
-            <a:prstGeom prst="bentConnector3">
-              <a:avLst/>
-            </a:prstGeom>
-            <a:ln w="19050">
-              <a:tailEnd type="triangle"/>
-            </a:ln>
-          </p:spPr>
-          <p:style>
-            <a:lnRef idx="1">
-              <a:schemeClr val="accent1"/>
-            </a:lnRef>
-            <a:fillRef idx="0">
-              <a:schemeClr val="accent1"/>
-            </a:fillRef>
-            <a:effectRef idx="0">
-              <a:schemeClr val="accent1"/>
-            </a:effectRef>
-            <a:fontRef idx="minor">
-              <a:schemeClr val="tx1"/>
-            </a:fontRef>
-          </p:style>
-        </p:cxnSp>
-        <p:cxnSp>
-          <p:nvCxnSpPr>
-            <p:cNvPr id="8" name="Elbow Connector 7"/>
-            <p:cNvCxnSpPr/>
-            <p:nvPr/>
-          </p:nvCxnSpPr>
-          <p:spPr>
-            <a:xfrm>
-              <a:off x="5578764" y="4387273"/>
-              <a:ext cx="683491" cy="646545"/>
-            </a:xfrm>
-            <a:prstGeom prst="bentConnector3">
-              <a:avLst/>
-            </a:prstGeom>
-            <a:ln w="19050">
-              <a:tailEnd type="triangle"/>
-            </a:ln>
-          </p:spPr>
-          <p:style>
-            <a:lnRef idx="1">
-              <a:schemeClr val="accent1"/>
-            </a:lnRef>
-            <a:fillRef idx="0">
-              <a:schemeClr val="accent1"/>
-            </a:fillRef>
-            <a:effectRef idx="0">
-              <a:schemeClr val="accent1"/>
-            </a:effectRef>
-            <a:fontRef idx="minor">
-              <a:schemeClr val="tx1"/>
-            </a:fontRef>
-          </p:style>
-        </p:cxnSp>
-        <p:cxnSp>
-          <p:nvCxnSpPr>
-            <p:cNvPr id="9" name="Elbow Connector 8"/>
-            <p:cNvCxnSpPr/>
-            <p:nvPr/>
-          </p:nvCxnSpPr>
-          <p:spPr>
-            <a:xfrm>
-              <a:off x="5578764" y="5440217"/>
-              <a:ext cx="683491" cy="157019"/>
-            </a:xfrm>
-            <a:prstGeom prst="bentConnector3">
-              <a:avLst/>
-            </a:prstGeom>
-            <a:ln w="19050">
-              <a:tailEnd type="triangle"/>
-            </a:ln>
-          </p:spPr>
-          <p:style>
-            <a:lnRef idx="1">
-              <a:schemeClr val="accent1"/>
-            </a:lnRef>
-            <a:fillRef idx="0">
-              <a:schemeClr val="accent1"/>
-            </a:fillRef>
-            <a:effectRef idx="0">
-              <a:schemeClr val="accent1"/>
-            </a:effectRef>
-            <a:fontRef idx="minor">
-              <a:schemeClr val="tx1"/>
-            </a:fontRef>
-          </p:style>
-        </p:cxnSp>
-        <p:cxnSp>
-          <p:nvCxnSpPr>
-            <p:cNvPr id="20" name="Elbow Connector 19"/>
-            <p:cNvCxnSpPr/>
-            <p:nvPr/>
-          </p:nvCxnSpPr>
-          <p:spPr>
-            <a:xfrm rot="10800000">
-              <a:off x="2890983" y="2983656"/>
-              <a:ext cx="683493" cy="336711"/>
-            </a:xfrm>
-            <a:prstGeom prst="bentConnector3">
-              <a:avLst/>
-            </a:prstGeom>
-            <a:ln w="19050">
-              <a:tailEnd type="triangle"/>
-            </a:ln>
-          </p:spPr>
-          <p:style>
-            <a:lnRef idx="1">
-              <a:schemeClr val="accent1"/>
-            </a:lnRef>
-            <a:fillRef idx="0">
-              <a:schemeClr val="accent1"/>
-            </a:fillRef>
-            <a:effectRef idx="0">
-              <a:schemeClr val="accent1"/>
-            </a:effectRef>
-            <a:fontRef idx="minor">
-              <a:schemeClr val="tx1"/>
-            </a:fontRef>
-          </p:style>
-        </p:cxnSp>
-        <p:cxnSp>
-          <p:nvCxnSpPr>
-            <p:cNvPr id="25" name="Elbow Connector 24"/>
-            <p:cNvCxnSpPr/>
-            <p:nvPr/>
-          </p:nvCxnSpPr>
-          <p:spPr>
-            <a:xfrm>
-              <a:off x="5578764" y="3320364"/>
-              <a:ext cx="683491" cy="401619"/>
-            </a:xfrm>
-            <a:prstGeom prst="bentConnector3">
-              <a:avLst/>
-            </a:prstGeom>
-            <a:ln w="19050">
-              <a:tailEnd type="triangle"/>
-            </a:ln>
-          </p:spPr>
-          <p:style>
-            <a:lnRef idx="1">
-              <a:schemeClr val="accent1"/>
-            </a:lnRef>
-            <a:fillRef idx="0">
-              <a:schemeClr val="accent1"/>
-            </a:fillRef>
-            <a:effectRef idx="0">
-              <a:schemeClr val="accent1"/>
-            </a:effectRef>
-            <a:fontRef idx="minor">
-              <a:schemeClr val="tx1"/>
-            </a:fontRef>
-          </p:style>
-        </p:cxnSp>
-        <p:cxnSp>
-          <p:nvCxnSpPr>
-            <p:cNvPr id="36" name="Elbow Connector 35"/>
-            <p:cNvCxnSpPr/>
-            <p:nvPr/>
-          </p:nvCxnSpPr>
-          <p:spPr>
-            <a:xfrm rot="10800000" flipV="1">
-              <a:off x="2890984" y="3320363"/>
-              <a:ext cx="683492" cy="242265"/>
-            </a:xfrm>
-            <a:prstGeom prst="bentConnector3">
-              <a:avLst/>
-            </a:prstGeom>
-            <a:ln w="19050">
-              <a:tailEnd type="triangle"/>
-            </a:ln>
-          </p:spPr>
-          <p:style>
-            <a:lnRef idx="1">
-              <a:schemeClr val="accent1"/>
-            </a:lnRef>
-            <a:fillRef idx="0">
-              <a:schemeClr val="accent1"/>
-            </a:fillRef>
-            <a:effectRef idx="0">
-              <a:schemeClr val="accent1"/>
-            </a:effectRef>
-            <a:fontRef idx="minor">
-              <a:schemeClr val="tx1"/>
-            </a:fontRef>
-          </p:style>
-        </p:cxnSp>
-        <p:cxnSp>
-          <p:nvCxnSpPr>
-            <p:cNvPr id="38" name="Elbow Connector 37"/>
-            <p:cNvCxnSpPr/>
-            <p:nvPr/>
-          </p:nvCxnSpPr>
-          <p:spPr>
-            <a:xfrm rot="10800000">
-              <a:off x="2890982" y="4110183"/>
-              <a:ext cx="683496" cy="277093"/>
-            </a:xfrm>
-            <a:prstGeom prst="bentConnector3">
-              <a:avLst/>
-            </a:prstGeom>
-            <a:ln w="19050">
-              <a:tailEnd type="triangle"/>
-            </a:ln>
-          </p:spPr>
-          <p:style>
-            <a:lnRef idx="1">
-              <a:schemeClr val="accent1"/>
-            </a:lnRef>
-            <a:fillRef idx="0">
-              <a:schemeClr val="accent1"/>
-            </a:fillRef>
-            <a:effectRef idx="0">
-              <a:schemeClr val="accent1"/>
-            </a:effectRef>
-            <a:fontRef idx="minor">
-              <a:schemeClr val="tx1"/>
-            </a:fontRef>
-          </p:style>
-        </p:cxnSp>
-        <p:cxnSp>
-          <p:nvCxnSpPr>
-            <p:cNvPr id="42" name="Elbow Connector 41"/>
-            <p:cNvCxnSpPr/>
-            <p:nvPr/>
-          </p:nvCxnSpPr>
-          <p:spPr>
-            <a:xfrm rot="10800000" flipV="1">
-              <a:off x="2890982" y="4383960"/>
-              <a:ext cx="683494" cy="273778"/>
-            </a:xfrm>
-            <a:prstGeom prst="bentConnector3">
-              <a:avLst/>
-            </a:prstGeom>
-            <a:ln w="19050">
-              <a:tailEnd type="triangle"/>
-            </a:ln>
-          </p:spPr>
-          <p:style>
-            <a:lnRef idx="1">
-              <a:schemeClr val="accent1"/>
-            </a:lnRef>
-            <a:fillRef idx="0">
-              <a:schemeClr val="accent1"/>
-            </a:fillRef>
-            <a:effectRef idx="0">
-              <a:schemeClr val="accent1"/>
-            </a:effectRef>
-            <a:fontRef idx="minor">
-              <a:schemeClr val="tx1"/>
-            </a:fontRef>
-          </p:style>
-        </p:cxnSp>
-        <p:cxnSp>
-          <p:nvCxnSpPr>
-            <p:cNvPr id="45" name="Elbow Connector 44"/>
-            <p:cNvCxnSpPr/>
-            <p:nvPr/>
-          </p:nvCxnSpPr>
-          <p:spPr>
-            <a:xfrm rot="10800000">
-              <a:off x="2890982" y="5177093"/>
-              <a:ext cx="683494" cy="263124"/>
-            </a:xfrm>
-            <a:prstGeom prst="bentConnector3">
-              <a:avLst/>
-            </a:prstGeom>
-            <a:ln w="19050">
-              <a:tailEnd type="triangle"/>
-            </a:ln>
-          </p:spPr>
-          <p:style>
-            <a:lnRef idx="1">
-              <a:schemeClr val="accent1"/>
-            </a:lnRef>
-            <a:fillRef idx="0">
-              <a:schemeClr val="accent1"/>
-            </a:fillRef>
-            <a:effectRef idx="0">
-              <a:schemeClr val="accent1"/>
-            </a:effectRef>
-            <a:fontRef idx="minor">
-              <a:schemeClr val="tx1"/>
-            </a:fontRef>
-          </p:style>
-        </p:cxnSp>
-        <p:cxnSp>
-          <p:nvCxnSpPr>
-            <p:cNvPr id="46" name="Elbow Connector 45"/>
-            <p:cNvCxnSpPr/>
-            <p:nvPr/>
-          </p:nvCxnSpPr>
-          <p:spPr>
-            <a:xfrm rot="10800000" flipV="1">
-              <a:off x="2890982" y="5440217"/>
-              <a:ext cx="683494" cy="273778"/>
-            </a:xfrm>
-            <a:prstGeom prst="bentConnector3">
-              <a:avLst/>
-            </a:prstGeom>
-            <a:ln w="19050">
-              <a:tailEnd type="triangle"/>
-            </a:ln>
-          </p:spPr>
-          <p:style>
-            <a:lnRef idx="1">
-              <a:schemeClr val="accent1"/>
-            </a:lnRef>
-            <a:fillRef idx="0">
-              <a:schemeClr val="accent1"/>
-            </a:fillRef>
-            <a:effectRef idx="0">
-              <a:schemeClr val="accent1"/>
-            </a:effectRef>
-            <a:fontRef idx="minor">
-              <a:schemeClr val="tx1"/>
-            </a:fontRef>
-          </p:style>
-        </p:cxnSp>
-      </p:grpSp>
-    </p:spTree>
-    <p:extLst>
-      <p:ext uri="{BB962C8B-B14F-4D97-AF65-F5344CB8AC3E}">
-        <p14:creationId xmlns:p14="http://schemas.microsoft.com/office/powerpoint/2010/main" val="2322291747"/>
-      </p:ext>
-    </p:extLst>
-  </p:cSld>
-  <p:clrMapOvr>
-    <a:masterClrMapping/>
-  </p:clrMapOvr>
-  <p:transition spd="slow">
-    <p:wipe dir="r"/>
-  </p:transition>
-  <p:timing>
-    <p:tnLst>
-      <p:par>
-        <p:cTn id="1" dur="indefinite" restart="never" nodeType="tmRoot"/>
-      </p:par>
-    </p:tnLst>
-  </p:timing>
-</p:sld>
-</file>
-
-<file path=ppt/slides/slide9.xml><?xml version="1.0" encoding="utf-8"?>
-<p:sld xmlns:a="http://schemas.openxmlformats.org/drawingml/2006/main" xmlns:r="http://schemas.openxmlformats.org/officeDocument/2006/relationships" xmlns:p="http://schemas.openxmlformats.org/presentationml/2006/main">
-  <p:cSld>
-    <p:spTree>
-      <p:nvGrpSpPr>
-        <p:cNvPr id="1" name=""/>
-        <p:cNvGrpSpPr/>
-        <p:nvPr/>
-      </p:nvGrpSpPr>
-      <p:grpSpPr>
-        <a:xfrm>
-          <a:off x="0" y="0"/>
-          <a:ext cx="0" cy="0"/>
-          <a:chOff x="0" y="0"/>
-          <a:chExt cx="0" cy="0"/>
-        </a:xfrm>
-      </p:grpSpPr>
-      <p:sp>
-        <p:nvSpPr>
-          <p:cNvPr id="3" name="Content Placeholder 5"/>
-          <p:cNvSpPr txBox="1">
-            <a:spLocks/>
-          </p:cNvSpPr>
-          <p:nvPr/>
-        </p:nvSpPr>
-        <p:spPr>
-          <a:xfrm>
-            <a:off x="239031" y="2395250"/>
-            <a:ext cx="2562225" cy="2900650"/>
-          </a:xfrm>
-          <a:prstGeom prst="rect">
-            <a:avLst/>
-          </a:prstGeom>
-        </p:spPr>
-        <p:txBody>
-          <a:bodyPr>
-            <a:noAutofit/>
-          </a:bodyPr>
-          <a:lstStyle>
-            <a:lvl1pPr marL="228600" indent="-228600" algn="l" defTabSz="914400" rtl="0" eaLnBrk="1" latinLnBrk="0" hangingPunct="1">
-              <a:lnSpc>
-                <a:spcPct val="90000"/>
-              </a:lnSpc>
-              <a:spcBef>
-                <a:spcPts val="1000"/>
-              </a:spcBef>
-              <a:buFont typeface="Arial" panose="020B0604020202020204" pitchFamily="34" charset="0"/>
-              <a:buChar char="•"/>
-              <a:defRPr sz="2000" kern="1200">
-                <a:solidFill>
-                  <a:schemeClr val="tx1"/>
-                </a:solidFill>
-                <a:latin typeface="+mn-lt"/>
-                <a:ea typeface="+mn-ea"/>
-                <a:cs typeface="+mn-cs"/>
-              </a:defRPr>
-            </a:lvl1pPr>
-            <a:lvl2pPr marL="685800" indent="-228600" algn="l" defTabSz="914400" rtl="0" eaLnBrk="1" latinLnBrk="0" hangingPunct="1">
-              <a:lnSpc>
-                <a:spcPct val="90000"/>
-              </a:lnSpc>
-              <a:spcBef>
-                <a:spcPts val="500"/>
-              </a:spcBef>
-              <a:buFont typeface="Arial" panose="020B0604020202020204" pitchFamily="34" charset="0"/>
-              <a:buChar char="•"/>
-              <a:defRPr sz="1800" kern="1200">
-                <a:solidFill>
-                  <a:schemeClr val="tx1"/>
-                </a:solidFill>
-                <a:latin typeface="+mn-lt"/>
-                <a:ea typeface="+mn-ea"/>
-                <a:cs typeface="+mn-cs"/>
-              </a:defRPr>
-            </a:lvl2pPr>
-            <a:lvl3pPr marL="1143000" indent="-228600" algn="l" defTabSz="914400" rtl="0" eaLnBrk="1" latinLnBrk="0" hangingPunct="1">
-              <a:lnSpc>
-                <a:spcPct val="90000"/>
-              </a:lnSpc>
-              <a:spcBef>
-                <a:spcPts val="500"/>
-              </a:spcBef>
-              <a:buFont typeface="Arial" panose="020B0604020202020204" pitchFamily="34" charset="0"/>
-              <a:buChar char="•"/>
-              <a:defRPr sz="1600" kern="1200">
-                <a:solidFill>
-                  <a:schemeClr val="tx1"/>
-                </a:solidFill>
-                <a:latin typeface="+mn-lt"/>
-                <a:ea typeface="+mn-ea"/>
-                <a:cs typeface="+mn-cs"/>
-              </a:defRPr>
-            </a:lvl3pPr>
-            <a:lvl4pPr marL="1600200" indent="-228600" algn="l" defTabSz="914400" rtl="0" eaLnBrk="1" latinLnBrk="0" hangingPunct="1">
-              <a:lnSpc>
-                <a:spcPct val="90000"/>
-              </a:lnSpc>
-              <a:spcBef>
-                <a:spcPts val="500"/>
-              </a:spcBef>
-              <a:buFont typeface="Arial" panose="020B0604020202020204" pitchFamily="34" charset="0"/>
-              <a:buChar char="•"/>
-              <a:defRPr sz="1400" kern="1200">
-                <a:solidFill>
-                  <a:schemeClr val="tx1"/>
-                </a:solidFill>
-                <a:latin typeface="+mn-lt"/>
-                <a:ea typeface="+mn-ea"/>
-                <a:cs typeface="+mn-cs"/>
-              </a:defRPr>
-            </a:lvl4pPr>
-            <a:lvl5pPr marL="2057400" indent="-228600" algn="l" defTabSz="914400" rtl="0" eaLnBrk="1" latinLnBrk="0" hangingPunct="1">
-              <a:lnSpc>
-                <a:spcPct val="90000"/>
-              </a:lnSpc>
-              <a:spcBef>
-                <a:spcPts val="500"/>
-              </a:spcBef>
-              <a:buFont typeface="Arial" panose="020B0604020202020204" pitchFamily="34" charset="0"/>
-              <a:buChar char="•"/>
-              <a:defRPr sz="1400" kern="1200">
-                <a:solidFill>
-                  <a:schemeClr val="tx1"/>
-                </a:solidFill>
-                <a:latin typeface="+mn-lt"/>
-                <a:ea typeface="+mn-ea"/>
-                <a:cs typeface="+mn-cs"/>
-              </a:defRPr>
-            </a:lvl5pPr>
-            <a:lvl6pPr marL="2514600" indent="-228600" algn="l" defTabSz="914400" rtl="0" eaLnBrk="1" latinLnBrk="0" hangingPunct="1">
-              <a:lnSpc>
-                <a:spcPct val="90000"/>
-              </a:lnSpc>
-              <a:spcBef>
-                <a:spcPts val="500"/>
-              </a:spcBef>
-              <a:buFont typeface="Arial" panose="020B0604020202020204" pitchFamily="34" charset="0"/>
-              <a:buChar char="•"/>
-              <a:defRPr sz="1800" kern="1200">
-                <a:solidFill>
-                  <a:schemeClr val="tx1"/>
-                </a:solidFill>
-                <a:latin typeface="+mn-lt"/>
-                <a:ea typeface="+mn-ea"/>
-                <a:cs typeface="+mn-cs"/>
-              </a:defRPr>
-            </a:lvl6pPr>
-            <a:lvl7pPr marL="2971800" indent="-228600" algn="l" defTabSz="914400" rtl="0" eaLnBrk="1" latinLnBrk="0" hangingPunct="1">
-              <a:lnSpc>
-                <a:spcPct val="90000"/>
-              </a:lnSpc>
-              <a:spcBef>
-                <a:spcPts val="500"/>
-              </a:spcBef>
-              <a:buFont typeface="Arial" panose="020B0604020202020204" pitchFamily="34" charset="0"/>
-              <a:buChar char="•"/>
-              <a:defRPr sz="1800" kern="1200">
-                <a:solidFill>
-                  <a:schemeClr val="tx1"/>
-                </a:solidFill>
-                <a:latin typeface="+mn-lt"/>
-                <a:ea typeface="+mn-ea"/>
-                <a:cs typeface="+mn-cs"/>
-              </a:defRPr>
-            </a:lvl7pPr>
-            <a:lvl8pPr marL="3429000" indent="-228600" algn="l" defTabSz="914400" rtl="0" eaLnBrk="1" latinLnBrk="0" hangingPunct="1">
-              <a:lnSpc>
-                <a:spcPct val="90000"/>
-              </a:lnSpc>
-              <a:spcBef>
-                <a:spcPts val="500"/>
-              </a:spcBef>
-              <a:buFont typeface="Arial" panose="020B0604020202020204" pitchFamily="34" charset="0"/>
-              <a:buChar char="•"/>
-              <a:defRPr sz="1800" kern="1200">
-                <a:solidFill>
-                  <a:schemeClr val="tx1"/>
-                </a:solidFill>
-                <a:latin typeface="+mn-lt"/>
-                <a:ea typeface="+mn-ea"/>
-                <a:cs typeface="+mn-cs"/>
-              </a:defRPr>
-            </a:lvl8pPr>
-            <a:lvl9pPr marL="3886200" indent="-228600" algn="l" defTabSz="914400" rtl="0" eaLnBrk="1" latinLnBrk="0" hangingPunct="1">
-              <a:lnSpc>
-                <a:spcPct val="90000"/>
-              </a:lnSpc>
-              <a:spcBef>
-                <a:spcPts val="500"/>
-              </a:spcBef>
-              <a:buFont typeface="Arial" panose="020B0604020202020204" pitchFamily="34" charset="0"/>
-              <a:buChar char="•"/>
-              <a:defRPr sz="1800" kern="1200">
-                <a:solidFill>
-                  <a:schemeClr val="tx1"/>
-                </a:solidFill>
-                <a:latin typeface="+mn-lt"/>
-                <a:ea typeface="+mn-ea"/>
-                <a:cs typeface="+mn-cs"/>
-              </a:defRPr>
-            </a:lvl9pPr>
-          </a:lstStyle>
-          <a:p>
-            <a:pPr marL="0">
-              <a:lnSpc>
-                <a:spcPct val="150000"/>
-              </a:lnSpc>
-              <a:spcBef>
-                <a:spcPts val="0"/>
-              </a:spcBef>
-            </a:pPr>
-            <a:r>
-              <a:rPr lang="zh-CN" altLang="en-US" sz="1600" dirty="0" smtClean="0"/>
-              <a:t>学生</a:t>
-            </a:r>
-            <a:r>
-              <a:rPr lang="zh-CN" altLang="en-US" sz="1600" dirty="0"/>
-              <a:t>实践系列活动</a:t>
-            </a:r>
-          </a:p>
-          <a:p>
-            <a:pPr marL="457200" lvl="1">
-              <a:lnSpc>
-                <a:spcPct val="150000"/>
-              </a:lnSpc>
-              <a:spcBef>
-                <a:spcPts val="0"/>
-              </a:spcBef>
-            </a:pPr>
-            <a:r>
-              <a:rPr lang="zh-CN" altLang="en-US" sz="1200" dirty="0" smtClean="0"/>
-              <a:t>国际</a:t>
-            </a:r>
-            <a:r>
-              <a:rPr lang="zh-CN" altLang="en-US" sz="1200" dirty="0"/>
-              <a:t>大赛</a:t>
-            </a:r>
-          </a:p>
-          <a:p>
-            <a:pPr marL="457200" lvl="1">
-              <a:lnSpc>
-                <a:spcPct val="150000"/>
-              </a:lnSpc>
-              <a:spcBef>
-                <a:spcPts val="0"/>
-              </a:spcBef>
-            </a:pPr>
-            <a:r>
-              <a:rPr lang="zh-CN" altLang="en-US" sz="1200" dirty="0" smtClean="0"/>
-              <a:t>内容</a:t>
-            </a:r>
-            <a:r>
-              <a:rPr lang="zh-CN" altLang="en-US" sz="1200" dirty="0"/>
-              <a:t>精选与展示：</a:t>
-            </a:r>
-            <a:r>
-              <a:rPr lang="en-US" altLang="zh-CN" sz="1200" dirty="0" err="1"/>
-              <a:t>TEDxTHU</a:t>
-            </a:r>
-            <a:endParaRPr lang="en-US" altLang="zh-CN" sz="1200" dirty="0"/>
-          </a:p>
-          <a:p>
-            <a:pPr marL="457200" lvl="1">
-              <a:lnSpc>
-                <a:spcPct val="150000"/>
-              </a:lnSpc>
-              <a:spcBef>
-                <a:spcPts val="0"/>
-              </a:spcBef>
-            </a:pPr>
-            <a:r>
-              <a:rPr lang="zh-CN" altLang="en-US" sz="1200" dirty="0" smtClean="0"/>
-              <a:t>常驻</a:t>
-            </a:r>
-            <a:r>
-              <a:rPr lang="zh-CN" altLang="en-US" sz="1200" dirty="0"/>
-              <a:t>文化类社团</a:t>
-            </a:r>
-          </a:p>
-          <a:p>
-            <a:pPr marL="457200" lvl="1">
-              <a:lnSpc>
-                <a:spcPct val="150000"/>
-              </a:lnSpc>
-              <a:spcBef>
-                <a:spcPts val="0"/>
-              </a:spcBef>
-            </a:pPr>
-            <a:r>
-              <a:rPr lang="zh-CN" altLang="en-US" sz="1200" dirty="0" smtClean="0"/>
-              <a:t>创</a:t>
-            </a:r>
-            <a:r>
-              <a:rPr lang="zh-CN" altLang="en-US" sz="1200" dirty="0"/>
-              <a:t>客</a:t>
-            </a:r>
-            <a:r>
-              <a:rPr lang="zh-CN" altLang="en-US" sz="1200" dirty="0" smtClean="0"/>
-              <a:t>马拉松</a:t>
-            </a:r>
-            <a:endParaRPr lang="en-US" altLang="zh-CN" sz="1200" dirty="0" smtClean="0"/>
-          </a:p>
-          <a:p>
-            <a:pPr marL="457200" lvl="1">
-              <a:lnSpc>
-                <a:spcPct val="150000"/>
-              </a:lnSpc>
-              <a:spcBef>
-                <a:spcPts val="0"/>
-              </a:spcBef>
-            </a:pPr>
-            <a:r>
-              <a:rPr lang="zh-CN" altLang="en-US" sz="1200" dirty="0" smtClean="0"/>
-              <a:t>国际媒体报导</a:t>
-            </a:r>
-            <a:endParaRPr lang="zh-CN" altLang="en-US" sz="1200" dirty="0"/>
-          </a:p>
-        </p:txBody>
-      </p:sp>
-      <p:pic>
-        <p:nvPicPr>
-          <p:cNvPr id="4" name="Picture 3"/>
-          <p:cNvPicPr>
-            <a:picLocks noChangeAspect="1"/>
-          </p:cNvPicPr>
-          <p:nvPr/>
-        </p:nvPicPr>
-        <p:blipFill rotWithShape="1">
-          <a:blip r:embed="rId2"/>
-          <a:srcRect l="21667" t="31064" r="6309" b="15662"/>
-          <a:stretch/>
-        </p:blipFill>
-        <p:spPr>
-          <a:xfrm>
-            <a:off x="2801256" y="1656859"/>
-            <a:ext cx="6342744" cy="3753228"/>
-          </a:xfrm>
-          <a:prstGeom prst="rect">
-            <a:avLst/>
-          </a:prstGeom>
-        </p:spPr>
-      </p:pic>
-      <p:sp>
-        <p:nvSpPr>
-          <p:cNvPr id="6" name="Title 5"/>
-          <p:cNvSpPr>
-            <a:spLocks noGrp="1"/>
-          </p:cNvSpPr>
-          <p:nvPr>
-            <p:ph type="title"/>
-          </p:nvPr>
-        </p:nvSpPr>
-        <p:spPr/>
-        <p:txBody>
-          <a:bodyPr/>
-          <a:lstStyle/>
-          <a:p>
-            <a:r>
-              <a:rPr lang="zh-CN" altLang="en-US" dirty="0"/>
-              <a:t>总体规划思路</a:t>
-            </a:r>
-            <a:r>
-              <a:rPr lang="en-US" altLang="zh-CN" dirty="0"/>
-              <a:t>——</a:t>
-            </a:r>
-            <a:r>
-              <a:rPr lang="zh-CN" altLang="en-US" dirty="0"/>
-              <a:t>三位同构</a:t>
-            </a:r>
-          </a:p>
-        </p:txBody>
-      </p:sp>
-    </p:spTree>
-    <p:extLst>
-      <p:ext uri="{BB962C8B-B14F-4D97-AF65-F5344CB8AC3E}">
-        <p14:creationId xmlns:p14="http://schemas.microsoft.com/office/powerpoint/2010/main" val="4126930803"/>
-      </p:ext>
-    </p:extLst>
-  </p:cSld>
-  <p:clrMapOvr>
-    <a:masterClrMapping/>
-  </p:clrMapOvr>
-  <p:timing>
-    <p:tnLst>
-      <p:par>
-        <p:cTn id="1" dur="indefinite" restart="never" nodeType="tmRoot"/>
-      </p:par>
-    </p:tnLst>
-  </p:timing>
-</p:sld>
-</file>
-
 <file path=ppt/theme/theme1.xml><?xml version="1.0" encoding="utf-8"?>
 <a:theme xmlns:a="http://schemas.openxmlformats.org/drawingml/2006/main" name="Office Theme">
   <a:themeElements>

--- a/训练中心创客交叉融合空间建设/doc/创客融合空间运行模式.pptx
+++ b/训练中心创客交叉融合空间建设/doc/创客融合空间运行模式.pptx
@@ -6,19 +6,23 @@
   </p:sldMasterIdLst>
   <p:sldIdLst>
     <p:sldId id="256" r:id="rId2"/>
-    <p:sldId id="276" r:id="rId3"/>
-    <p:sldId id="277" r:id="rId4"/>
-    <p:sldId id="278" r:id="rId5"/>
-    <p:sldId id="274" r:id="rId6"/>
-    <p:sldId id="268" r:id="rId7"/>
-    <p:sldId id="269" r:id="rId8"/>
-    <p:sldId id="272" r:id="rId9"/>
-    <p:sldId id="270" r:id="rId10"/>
-    <p:sldId id="273" r:id="rId11"/>
-    <p:sldId id="263" r:id="rId12"/>
-    <p:sldId id="275" r:id="rId13"/>
-    <p:sldId id="267" r:id="rId14"/>
-    <p:sldId id="271" r:id="rId15"/>
+    <p:sldId id="279" r:id="rId3"/>
+    <p:sldId id="281" r:id="rId4"/>
+    <p:sldId id="280" r:id="rId5"/>
+    <p:sldId id="282" r:id="rId6"/>
+    <p:sldId id="276" r:id="rId7"/>
+    <p:sldId id="277" r:id="rId8"/>
+    <p:sldId id="278" r:id="rId9"/>
+    <p:sldId id="274" r:id="rId10"/>
+    <p:sldId id="268" r:id="rId11"/>
+    <p:sldId id="269" r:id="rId12"/>
+    <p:sldId id="272" r:id="rId13"/>
+    <p:sldId id="270" r:id="rId14"/>
+    <p:sldId id="273" r:id="rId15"/>
+    <p:sldId id="263" r:id="rId16"/>
+    <p:sldId id="275" r:id="rId17"/>
+    <p:sldId id="267" r:id="rId18"/>
+    <p:sldId id="271" r:id="rId19"/>
   </p:sldIdLst>
   <p:sldSz cx="9144000" cy="6858000" type="screen4x3"/>
   <p:notesSz cx="6858000" cy="9144000"/>
@@ -6665,6 +6669,13 @@
         </dgm:presLayoutVars>
       </dgm:prSet>
       <dgm:spPr/>
+      <dgm:t>
+        <a:bodyPr/>
+        <a:lstStyle/>
+        <a:p>
+          <a:endParaRPr lang="zh-CN" altLang="en-US"/>
+        </a:p>
+      </dgm:t>
     </dgm:pt>
     <dgm:pt modelId="{C1767C68-5D49-4EEF-9AAD-D643753C2C3E}" type="pres">
       <dgm:prSet presAssocID="{C8171AF3-34EE-48CF-A8FD-680D9FF7B8FB}" presName="hierRoot1" presStyleCnt="0">
@@ -6696,6 +6707,13 @@
     <dgm:pt modelId="{5D5B8DCB-5E8E-4490-8208-5EDF49A90367}" type="pres">
       <dgm:prSet presAssocID="{C8171AF3-34EE-48CF-A8FD-680D9FF7B8FB}" presName="rootConnector1" presStyleLbl="node1" presStyleIdx="0" presStyleCnt="0"/>
       <dgm:spPr/>
+      <dgm:t>
+        <a:bodyPr/>
+        <a:lstStyle/>
+        <a:p>
+          <a:endParaRPr lang="zh-CN" altLang="en-US"/>
+        </a:p>
+      </dgm:t>
     </dgm:pt>
     <dgm:pt modelId="{94D58B70-920F-4902-80D3-B45422A45057}" type="pres">
       <dgm:prSet presAssocID="{C8171AF3-34EE-48CF-A8FD-680D9FF7B8FB}" presName="hierChild2" presStyleCnt="0"/>
@@ -6704,6 +6722,13 @@
     <dgm:pt modelId="{7ED864D9-C85B-4B69-98F3-0EFE469CB35B}" type="pres">
       <dgm:prSet presAssocID="{BAF321E1-2A80-4FED-AC0F-1E3B302A6EF1}" presName="Name37" presStyleLbl="parChTrans1D2" presStyleIdx="0" presStyleCnt="7"/>
       <dgm:spPr/>
+      <dgm:t>
+        <a:bodyPr/>
+        <a:lstStyle/>
+        <a:p>
+          <a:endParaRPr lang="zh-CN" altLang="en-US"/>
+        </a:p>
+      </dgm:t>
     </dgm:pt>
     <dgm:pt modelId="{8D629FDB-FF2F-44B6-8FB6-4101F16390AF}" type="pres">
       <dgm:prSet presAssocID="{1750B809-68B4-494A-AF93-3C1F5FFF5062}" presName="hierRoot2" presStyleCnt="0">
@@ -6735,6 +6760,13 @@
     <dgm:pt modelId="{79B86B09-EF45-4AE8-A3C0-D8A1831FFB76}" type="pres">
       <dgm:prSet presAssocID="{1750B809-68B4-494A-AF93-3C1F5FFF5062}" presName="rootConnector" presStyleLbl="node2" presStyleIdx="0" presStyleCnt="6"/>
       <dgm:spPr/>
+      <dgm:t>
+        <a:bodyPr/>
+        <a:lstStyle/>
+        <a:p>
+          <a:endParaRPr lang="zh-CN" altLang="en-US"/>
+        </a:p>
+      </dgm:t>
     </dgm:pt>
     <dgm:pt modelId="{EC1D7D97-75AC-419A-88D7-6FF776F12AAA}" type="pres">
       <dgm:prSet presAssocID="{1750B809-68B4-494A-AF93-3C1F5FFF5062}" presName="hierChild4" presStyleCnt="0"/>
@@ -6743,6 +6775,13 @@
     <dgm:pt modelId="{3AE0AA54-28B7-46A5-96A3-C3F81D0E4059}" type="pres">
       <dgm:prSet presAssocID="{8FECDB88-D8DA-4336-9315-66CD3AA5744C}" presName="Name37" presStyleLbl="parChTrans1D3" presStyleIdx="0" presStyleCnt="16"/>
       <dgm:spPr/>
+      <dgm:t>
+        <a:bodyPr/>
+        <a:lstStyle/>
+        <a:p>
+          <a:endParaRPr lang="zh-CN" altLang="en-US"/>
+        </a:p>
+      </dgm:t>
     </dgm:pt>
     <dgm:pt modelId="{FF9C2DD8-BD4E-442D-B494-9C985BA50BAB}" type="pres">
       <dgm:prSet presAssocID="{22DABE9D-AF7F-4916-93BA-E53367BAECC7}" presName="hierRoot2" presStyleCnt="0">
@@ -6774,6 +6813,13 @@
     <dgm:pt modelId="{CAFDB3A2-9A51-4751-9AB6-1928A03079CA}" type="pres">
       <dgm:prSet presAssocID="{22DABE9D-AF7F-4916-93BA-E53367BAECC7}" presName="rootConnector" presStyleLbl="node3" presStyleIdx="0" presStyleCnt="16"/>
       <dgm:spPr/>
+      <dgm:t>
+        <a:bodyPr/>
+        <a:lstStyle/>
+        <a:p>
+          <a:endParaRPr lang="zh-CN" altLang="en-US"/>
+        </a:p>
+      </dgm:t>
     </dgm:pt>
     <dgm:pt modelId="{07A81103-22E6-4783-9A1F-3D3050210F50}" type="pres">
       <dgm:prSet presAssocID="{22DABE9D-AF7F-4916-93BA-E53367BAECC7}" presName="hierChild4" presStyleCnt="0"/>
@@ -6786,6 +6832,13 @@
     <dgm:pt modelId="{01DDCAAB-6E36-42A0-A33F-5D5E08F34D51}" type="pres">
       <dgm:prSet presAssocID="{6C487981-CDA8-4A90-B5F5-8FFE6CD45099}" presName="Name37" presStyleLbl="parChTrans1D3" presStyleIdx="1" presStyleCnt="16"/>
       <dgm:spPr/>
+      <dgm:t>
+        <a:bodyPr/>
+        <a:lstStyle/>
+        <a:p>
+          <a:endParaRPr lang="zh-CN" altLang="en-US"/>
+        </a:p>
+      </dgm:t>
     </dgm:pt>
     <dgm:pt modelId="{4F20F33B-24D3-4B62-BA81-EED7766EA2AF}" type="pres">
       <dgm:prSet presAssocID="{324CC68E-91C0-4E13-8D05-A2E17152C8BB}" presName="hierRoot2" presStyleCnt="0">
@@ -6817,6 +6870,13 @@
     <dgm:pt modelId="{4C525882-AC5A-4447-9D82-2A9727ADD812}" type="pres">
       <dgm:prSet presAssocID="{324CC68E-91C0-4E13-8D05-A2E17152C8BB}" presName="rootConnector" presStyleLbl="node3" presStyleIdx="1" presStyleCnt="16"/>
       <dgm:spPr/>
+      <dgm:t>
+        <a:bodyPr/>
+        <a:lstStyle/>
+        <a:p>
+          <a:endParaRPr lang="zh-CN" altLang="en-US"/>
+        </a:p>
+      </dgm:t>
     </dgm:pt>
     <dgm:pt modelId="{8E0039D4-0291-4A22-9C0B-DF198B2D1BB4}" type="pres">
       <dgm:prSet presAssocID="{324CC68E-91C0-4E13-8D05-A2E17152C8BB}" presName="hierChild4" presStyleCnt="0"/>
@@ -6829,6 +6889,13 @@
     <dgm:pt modelId="{D688C61D-FD02-4BF4-9CE9-F1E80F9EE4FF}" type="pres">
       <dgm:prSet presAssocID="{98C00CF9-F573-4E1B-8DAE-CC35170997C3}" presName="Name37" presStyleLbl="parChTrans1D3" presStyleIdx="2" presStyleCnt="16"/>
       <dgm:spPr/>
+      <dgm:t>
+        <a:bodyPr/>
+        <a:lstStyle/>
+        <a:p>
+          <a:endParaRPr lang="zh-CN" altLang="en-US"/>
+        </a:p>
+      </dgm:t>
     </dgm:pt>
     <dgm:pt modelId="{263813D1-6AA9-4041-8350-3564320B0389}" type="pres">
       <dgm:prSet presAssocID="{5591D000-72F7-4216-BF6B-16FA1B2C1A19}" presName="hierRoot2" presStyleCnt="0">
@@ -6860,6 +6927,13 @@
     <dgm:pt modelId="{8EE21C64-ED2D-4ACD-8536-1403221002CD}" type="pres">
       <dgm:prSet presAssocID="{5591D000-72F7-4216-BF6B-16FA1B2C1A19}" presName="rootConnector" presStyleLbl="node3" presStyleIdx="2" presStyleCnt="16"/>
       <dgm:spPr/>
+      <dgm:t>
+        <a:bodyPr/>
+        <a:lstStyle/>
+        <a:p>
+          <a:endParaRPr lang="zh-CN" altLang="en-US"/>
+        </a:p>
+      </dgm:t>
     </dgm:pt>
     <dgm:pt modelId="{784B0258-3558-4C2D-9D06-7FBDEA1C37F8}" type="pres">
       <dgm:prSet presAssocID="{5591D000-72F7-4216-BF6B-16FA1B2C1A19}" presName="hierChild4" presStyleCnt="0"/>
@@ -6876,6 +6950,13 @@
     <dgm:pt modelId="{BF6B03BC-EFA2-4DA3-B89A-96DBFD8249F0}" type="pres">
       <dgm:prSet presAssocID="{9540747C-EA60-41C9-A769-5B173C457043}" presName="Name37" presStyleLbl="parChTrans1D2" presStyleIdx="1" presStyleCnt="7"/>
       <dgm:spPr/>
+      <dgm:t>
+        <a:bodyPr/>
+        <a:lstStyle/>
+        <a:p>
+          <a:endParaRPr lang="zh-CN" altLang="en-US"/>
+        </a:p>
+      </dgm:t>
     </dgm:pt>
     <dgm:pt modelId="{56A6DFD6-5DA8-429E-A78E-5EBA2BE6590C}" type="pres">
       <dgm:prSet presAssocID="{7105B071-DBC4-4F43-B1AF-A003B3DCC0D2}" presName="hierRoot2" presStyleCnt="0">
@@ -6907,6 +6988,13 @@
     <dgm:pt modelId="{BCB2392E-88B9-42DF-90F9-1F19A9EF3594}" type="pres">
       <dgm:prSet presAssocID="{7105B071-DBC4-4F43-B1AF-A003B3DCC0D2}" presName="rootConnector" presStyleLbl="node2" presStyleIdx="1" presStyleCnt="6"/>
       <dgm:spPr/>
+      <dgm:t>
+        <a:bodyPr/>
+        <a:lstStyle/>
+        <a:p>
+          <a:endParaRPr lang="zh-CN" altLang="en-US"/>
+        </a:p>
+      </dgm:t>
     </dgm:pt>
     <dgm:pt modelId="{41594046-9DD2-47A9-9A42-A3707121FFE8}" type="pres">
       <dgm:prSet presAssocID="{7105B071-DBC4-4F43-B1AF-A003B3DCC0D2}" presName="hierChild4" presStyleCnt="0"/>
@@ -6915,6 +7003,13 @@
     <dgm:pt modelId="{552F1557-B1B0-4F04-AAA9-6E65B036789B}" type="pres">
       <dgm:prSet presAssocID="{ADD86D5A-3818-46F4-828A-CD7D156A7E8F}" presName="Name37" presStyleLbl="parChTrans1D3" presStyleIdx="3" presStyleCnt="16"/>
       <dgm:spPr/>
+      <dgm:t>
+        <a:bodyPr/>
+        <a:lstStyle/>
+        <a:p>
+          <a:endParaRPr lang="zh-CN" altLang="en-US"/>
+        </a:p>
+      </dgm:t>
     </dgm:pt>
     <dgm:pt modelId="{DCE14AF2-7781-4D60-8C70-43942D2556F7}" type="pres">
       <dgm:prSet presAssocID="{729B1D45-7DB3-4A31-924E-5539975944DA}" presName="hierRoot2" presStyleCnt="0">
@@ -6946,6 +7041,13 @@
     <dgm:pt modelId="{0A438C88-0BF3-4380-B6AD-C88F77010F62}" type="pres">
       <dgm:prSet presAssocID="{729B1D45-7DB3-4A31-924E-5539975944DA}" presName="rootConnector" presStyleLbl="node3" presStyleIdx="3" presStyleCnt="16"/>
       <dgm:spPr/>
+      <dgm:t>
+        <a:bodyPr/>
+        <a:lstStyle/>
+        <a:p>
+          <a:endParaRPr lang="zh-CN" altLang="en-US"/>
+        </a:p>
+      </dgm:t>
     </dgm:pt>
     <dgm:pt modelId="{792AE01D-3A03-4263-B8DB-7207570C3C9F}" type="pres">
       <dgm:prSet presAssocID="{729B1D45-7DB3-4A31-924E-5539975944DA}" presName="hierChild4" presStyleCnt="0"/>
@@ -6958,6 +7060,13 @@
     <dgm:pt modelId="{BDE5A372-D171-4401-BF13-9DAAC2A6012C}" type="pres">
       <dgm:prSet presAssocID="{E0A5A419-1CE3-4788-B57C-DDD86A31FE52}" presName="Name37" presStyleLbl="parChTrans1D3" presStyleIdx="4" presStyleCnt="16"/>
       <dgm:spPr/>
+      <dgm:t>
+        <a:bodyPr/>
+        <a:lstStyle/>
+        <a:p>
+          <a:endParaRPr lang="zh-CN" altLang="en-US"/>
+        </a:p>
+      </dgm:t>
     </dgm:pt>
     <dgm:pt modelId="{49250434-541B-461E-88A0-552F1B492CAB}" type="pres">
       <dgm:prSet presAssocID="{085B49DB-0B69-4DFD-B3A1-01E96C6A434D}" presName="hierRoot2" presStyleCnt="0">
@@ -6989,6 +7098,13 @@
     <dgm:pt modelId="{3944B0BF-2526-4A32-88D5-A3E613D2BB3F}" type="pres">
       <dgm:prSet presAssocID="{085B49DB-0B69-4DFD-B3A1-01E96C6A434D}" presName="rootConnector" presStyleLbl="node3" presStyleIdx="4" presStyleCnt="16"/>
       <dgm:spPr/>
+      <dgm:t>
+        <a:bodyPr/>
+        <a:lstStyle/>
+        <a:p>
+          <a:endParaRPr lang="zh-CN" altLang="en-US"/>
+        </a:p>
+      </dgm:t>
     </dgm:pt>
     <dgm:pt modelId="{125CF82D-4731-4B4F-A49D-C6BBBCAF1355}" type="pres">
       <dgm:prSet presAssocID="{085B49DB-0B69-4DFD-B3A1-01E96C6A434D}" presName="hierChild4" presStyleCnt="0"/>
@@ -7005,6 +7121,13 @@
     <dgm:pt modelId="{23CB66A2-5731-4E8B-8F78-8FC585459060}" type="pres">
       <dgm:prSet presAssocID="{67CAFB84-F0E5-466E-9125-FC66B6D13169}" presName="Name37" presStyleLbl="parChTrans1D2" presStyleIdx="2" presStyleCnt="7"/>
       <dgm:spPr/>
+      <dgm:t>
+        <a:bodyPr/>
+        <a:lstStyle/>
+        <a:p>
+          <a:endParaRPr lang="zh-CN" altLang="en-US"/>
+        </a:p>
+      </dgm:t>
     </dgm:pt>
     <dgm:pt modelId="{2EAE9174-C98B-416D-974A-DD361FCE81D5}" type="pres">
       <dgm:prSet presAssocID="{0DEC7C12-E0D8-4AB2-B978-B1DABF257688}" presName="hierRoot2" presStyleCnt="0">
@@ -7025,10 +7148,24 @@
         </dgm:presLayoutVars>
       </dgm:prSet>
       <dgm:spPr/>
+      <dgm:t>
+        <a:bodyPr/>
+        <a:lstStyle/>
+        <a:p>
+          <a:endParaRPr lang="zh-CN" altLang="en-US"/>
+        </a:p>
+      </dgm:t>
     </dgm:pt>
     <dgm:pt modelId="{E43385AA-4661-4C22-9B03-374E7C36019A}" type="pres">
       <dgm:prSet presAssocID="{0DEC7C12-E0D8-4AB2-B978-B1DABF257688}" presName="rootConnector" presStyleLbl="node2" presStyleIdx="2" presStyleCnt="6"/>
       <dgm:spPr/>
+      <dgm:t>
+        <a:bodyPr/>
+        <a:lstStyle/>
+        <a:p>
+          <a:endParaRPr lang="zh-CN" altLang="en-US"/>
+        </a:p>
+      </dgm:t>
     </dgm:pt>
     <dgm:pt modelId="{28D1A076-0A7C-4426-9CA2-194BB55613D6}" type="pres">
       <dgm:prSet presAssocID="{0DEC7C12-E0D8-4AB2-B978-B1DABF257688}" presName="hierChild4" presStyleCnt="0"/>
@@ -7037,6 +7174,13 @@
     <dgm:pt modelId="{6D739ACB-37B2-4626-AFBC-25D3FA2DFE32}" type="pres">
       <dgm:prSet presAssocID="{7FBF5826-B398-4A6B-8345-5DFCEC2632B1}" presName="Name37" presStyleLbl="parChTrans1D3" presStyleIdx="5" presStyleCnt="16"/>
       <dgm:spPr/>
+      <dgm:t>
+        <a:bodyPr/>
+        <a:lstStyle/>
+        <a:p>
+          <a:endParaRPr lang="zh-CN" altLang="en-US"/>
+        </a:p>
+      </dgm:t>
     </dgm:pt>
     <dgm:pt modelId="{FF5A1906-8A35-4781-9C2B-0B52593ECE21}" type="pres">
       <dgm:prSet presAssocID="{FCDCA2F8-71F1-4767-A252-600D53253190}" presName="hierRoot2" presStyleCnt="0">
@@ -7068,6 +7212,13 @@
     <dgm:pt modelId="{069004BA-F69B-4DD5-9F13-C5CB83B42403}" type="pres">
       <dgm:prSet presAssocID="{FCDCA2F8-71F1-4767-A252-600D53253190}" presName="rootConnector" presStyleLbl="node3" presStyleIdx="5" presStyleCnt="16"/>
       <dgm:spPr/>
+      <dgm:t>
+        <a:bodyPr/>
+        <a:lstStyle/>
+        <a:p>
+          <a:endParaRPr lang="zh-CN" altLang="en-US"/>
+        </a:p>
+      </dgm:t>
     </dgm:pt>
     <dgm:pt modelId="{03ADA3F4-EAB7-4069-A58A-98A2FAFBDC54}" type="pres">
       <dgm:prSet presAssocID="{FCDCA2F8-71F1-4767-A252-600D53253190}" presName="hierChild4" presStyleCnt="0"/>
@@ -7080,6 +7231,13 @@
     <dgm:pt modelId="{3D1D5A5B-E9C2-41AF-A10E-9B8D7DF01C11}" type="pres">
       <dgm:prSet presAssocID="{37F5E037-746E-4D4B-B2F2-522AFC0AD521}" presName="Name37" presStyleLbl="parChTrans1D3" presStyleIdx="6" presStyleCnt="16"/>
       <dgm:spPr/>
+      <dgm:t>
+        <a:bodyPr/>
+        <a:lstStyle/>
+        <a:p>
+          <a:endParaRPr lang="zh-CN" altLang="en-US"/>
+        </a:p>
+      </dgm:t>
     </dgm:pt>
     <dgm:pt modelId="{36272773-6097-469B-A6F2-8A8F55F4E164}" type="pres">
       <dgm:prSet presAssocID="{619DEEB9-9DFE-4946-94DC-36B64D2D8F6D}" presName="hierRoot2" presStyleCnt="0">
@@ -7111,6 +7269,13 @@
     <dgm:pt modelId="{F56310A5-DB7F-4079-AC99-057413446370}" type="pres">
       <dgm:prSet presAssocID="{619DEEB9-9DFE-4946-94DC-36B64D2D8F6D}" presName="rootConnector" presStyleLbl="node3" presStyleIdx="6" presStyleCnt="16"/>
       <dgm:spPr/>
+      <dgm:t>
+        <a:bodyPr/>
+        <a:lstStyle/>
+        <a:p>
+          <a:endParaRPr lang="zh-CN" altLang="en-US"/>
+        </a:p>
+      </dgm:t>
     </dgm:pt>
     <dgm:pt modelId="{08341DAE-43D9-4A1F-85A2-B9A155C03A27}" type="pres">
       <dgm:prSet presAssocID="{619DEEB9-9DFE-4946-94DC-36B64D2D8F6D}" presName="hierChild4" presStyleCnt="0"/>
@@ -7123,6 +7288,13 @@
     <dgm:pt modelId="{69B8F2DF-B219-4C9F-ABA8-551D086C8538}" type="pres">
       <dgm:prSet presAssocID="{B58FEEA4-85B0-42CA-8292-1E2D83E17F35}" presName="Name37" presStyleLbl="parChTrans1D3" presStyleIdx="7" presStyleCnt="16"/>
       <dgm:spPr/>
+      <dgm:t>
+        <a:bodyPr/>
+        <a:lstStyle/>
+        <a:p>
+          <a:endParaRPr lang="zh-CN" altLang="en-US"/>
+        </a:p>
+      </dgm:t>
     </dgm:pt>
     <dgm:pt modelId="{AFAB5B6B-64BC-4F1D-8ED2-1BBAF973A471}" type="pres">
       <dgm:prSet presAssocID="{21FD9C05-66DB-4405-B795-62D052B52D05}" presName="hierRoot2" presStyleCnt="0">
@@ -7143,10 +7315,24 @@
         </dgm:presLayoutVars>
       </dgm:prSet>
       <dgm:spPr/>
+      <dgm:t>
+        <a:bodyPr/>
+        <a:lstStyle/>
+        <a:p>
+          <a:endParaRPr lang="zh-CN" altLang="en-US"/>
+        </a:p>
+      </dgm:t>
     </dgm:pt>
     <dgm:pt modelId="{6BAB85EC-F9DC-42CA-AD39-F19B2CFFEE82}" type="pres">
       <dgm:prSet presAssocID="{21FD9C05-66DB-4405-B795-62D052B52D05}" presName="rootConnector" presStyleLbl="node3" presStyleIdx="7" presStyleCnt="16"/>
       <dgm:spPr/>
+      <dgm:t>
+        <a:bodyPr/>
+        <a:lstStyle/>
+        <a:p>
+          <a:endParaRPr lang="zh-CN" altLang="en-US"/>
+        </a:p>
+      </dgm:t>
     </dgm:pt>
     <dgm:pt modelId="{6A553649-30EE-4EEF-9017-1EFEBFE21713}" type="pres">
       <dgm:prSet presAssocID="{21FD9C05-66DB-4405-B795-62D052B52D05}" presName="hierChild4" presStyleCnt="0"/>
@@ -7163,6 +7349,13 @@
     <dgm:pt modelId="{B0A75E07-3DD0-47C2-82C6-8B834604934D}" type="pres">
       <dgm:prSet presAssocID="{F3BB2CD4-0F7A-4D98-82DE-FFA0BE91BE5C}" presName="Name37" presStyleLbl="parChTrans1D2" presStyleIdx="3" presStyleCnt="7"/>
       <dgm:spPr/>
+      <dgm:t>
+        <a:bodyPr/>
+        <a:lstStyle/>
+        <a:p>
+          <a:endParaRPr lang="zh-CN" altLang="en-US"/>
+        </a:p>
+      </dgm:t>
     </dgm:pt>
     <dgm:pt modelId="{5960DBF7-9931-46DB-9509-504BA441F8BE}" type="pres">
       <dgm:prSet presAssocID="{E60466CD-A350-46F4-9115-D04549983615}" presName="hierRoot2" presStyleCnt="0">
@@ -7183,10 +7376,24 @@
         </dgm:presLayoutVars>
       </dgm:prSet>
       <dgm:spPr/>
+      <dgm:t>
+        <a:bodyPr/>
+        <a:lstStyle/>
+        <a:p>
+          <a:endParaRPr lang="zh-CN" altLang="en-US"/>
+        </a:p>
+      </dgm:t>
     </dgm:pt>
     <dgm:pt modelId="{13CD3C95-29DB-4D5E-83A4-DFDE319C8E8D}" type="pres">
       <dgm:prSet presAssocID="{E60466CD-A350-46F4-9115-D04549983615}" presName="rootConnector" presStyleLbl="node2" presStyleIdx="3" presStyleCnt="6"/>
       <dgm:spPr/>
+      <dgm:t>
+        <a:bodyPr/>
+        <a:lstStyle/>
+        <a:p>
+          <a:endParaRPr lang="zh-CN" altLang="en-US"/>
+        </a:p>
+      </dgm:t>
     </dgm:pt>
     <dgm:pt modelId="{855DCC8E-0843-4CDC-BC1D-D8C308698DD5}" type="pres">
       <dgm:prSet presAssocID="{E60466CD-A350-46F4-9115-D04549983615}" presName="hierChild4" presStyleCnt="0"/>
@@ -7195,6 +7402,13 @@
     <dgm:pt modelId="{0F9E97F4-5BBB-404A-B441-16A19A980104}" type="pres">
       <dgm:prSet presAssocID="{774F1A43-0155-4ECE-BCFB-4EA4031FBBBA}" presName="Name37" presStyleLbl="parChTrans1D3" presStyleIdx="8" presStyleCnt="16"/>
       <dgm:spPr/>
+      <dgm:t>
+        <a:bodyPr/>
+        <a:lstStyle/>
+        <a:p>
+          <a:endParaRPr lang="zh-CN" altLang="en-US"/>
+        </a:p>
+      </dgm:t>
     </dgm:pt>
     <dgm:pt modelId="{9FFCB9BF-63E9-4EDE-9CE1-118F6B3AF865}" type="pres">
       <dgm:prSet presAssocID="{883152E6-D741-49B6-8985-371A14C53B9C}" presName="hierRoot2" presStyleCnt="0">
@@ -7226,6 +7440,13 @@
     <dgm:pt modelId="{0E56C2AB-7141-4DAE-8D78-6062A02AF705}" type="pres">
       <dgm:prSet presAssocID="{883152E6-D741-49B6-8985-371A14C53B9C}" presName="rootConnector" presStyleLbl="node3" presStyleIdx="8" presStyleCnt="16"/>
       <dgm:spPr/>
+      <dgm:t>
+        <a:bodyPr/>
+        <a:lstStyle/>
+        <a:p>
+          <a:endParaRPr lang="zh-CN" altLang="en-US"/>
+        </a:p>
+      </dgm:t>
     </dgm:pt>
     <dgm:pt modelId="{7E24E057-504F-4FC8-8AFE-813EC70ABFF9}" type="pres">
       <dgm:prSet presAssocID="{883152E6-D741-49B6-8985-371A14C53B9C}" presName="hierChild4" presStyleCnt="0"/>
@@ -7238,6 +7459,13 @@
     <dgm:pt modelId="{924693C7-62D8-4135-9367-64742655FA19}" type="pres">
       <dgm:prSet presAssocID="{4BE5201E-8D76-488B-BA9A-3E26D7B163B8}" presName="Name37" presStyleLbl="parChTrans1D3" presStyleIdx="9" presStyleCnt="16"/>
       <dgm:spPr/>
+      <dgm:t>
+        <a:bodyPr/>
+        <a:lstStyle/>
+        <a:p>
+          <a:endParaRPr lang="zh-CN" altLang="en-US"/>
+        </a:p>
+      </dgm:t>
     </dgm:pt>
     <dgm:pt modelId="{20F9EDC0-B159-44E6-BD9D-2828E186B221}" type="pres">
       <dgm:prSet presAssocID="{F8871FE8-01C7-46BD-858A-E423033E2A51}" presName="hierRoot2" presStyleCnt="0">
@@ -7258,10 +7486,24 @@
         </dgm:presLayoutVars>
       </dgm:prSet>
       <dgm:spPr/>
+      <dgm:t>
+        <a:bodyPr/>
+        <a:lstStyle/>
+        <a:p>
+          <a:endParaRPr lang="zh-CN" altLang="en-US"/>
+        </a:p>
+      </dgm:t>
     </dgm:pt>
     <dgm:pt modelId="{140A3F25-55E8-40BD-A758-6B746EF16DA4}" type="pres">
       <dgm:prSet presAssocID="{F8871FE8-01C7-46BD-858A-E423033E2A51}" presName="rootConnector" presStyleLbl="node3" presStyleIdx="9" presStyleCnt="16"/>
       <dgm:spPr/>
+      <dgm:t>
+        <a:bodyPr/>
+        <a:lstStyle/>
+        <a:p>
+          <a:endParaRPr lang="zh-CN" altLang="en-US"/>
+        </a:p>
+      </dgm:t>
     </dgm:pt>
     <dgm:pt modelId="{FD53D9AE-D6E2-4D48-8423-4966D9FCC3A8}" type="pres">
       <dgm:prSet presAssocID="{F8871FE8-01C7-46BD-858A-E423033E2A51}" presName="hierChild4" presStyleCnt="0"/>
@@ -7274,6 +7516,13 @@
     <dgm:pt modelId="{A920620F-8E55-45D3-902D-7DF7167239D8}" type="pres">
       <dgm:prSet presAssocID="{948EEDFB-45FB-4771-B908-717F06E94E53}" presName="Name37" presStyleLbl="parChTrans1D3" presStyleIdx="10" presStyleCnt="16"/>
       <dgm:spPr/>
+      <dgm:t>
+        <a:bodyPr/>
+        <a:lstStyle/>
+        <a:p>
+          <a:endParaRPr lang="zh-CN" altLang="en-US"/>
+        </a:p>
+      </dgm:t>
     </dgm:pt>
     <dgm:pt modelId="{2E7F0F77-2E90-4258-835A-763DAB458047}" type="pres">
       <dgm:prSet presAssocID="{C0D21EB2-B09C-4B31-91B9-8D55C3679D7D}" presName="hierRoot2" presStyleCnt="0">
@@ -7305,6 +7554,13 @@
     <dgm:pt modelId="{24C284F0-8D93-4D44-B5EA-D5E8D889D085}" type="pres">
       <dgm:prSet presAssocID="{C0D21EB2-B09C-4B31-91B9-8D55C3679D7D}" presName="rootConnector" presStyleLbl="node3" presStyleIdx="10" presStyleCnt="16"/>
       <dgm:spPr/>
+      <dgm:t>
+        <a:bodyPr/>
+        <a:lstStyle/>
+        <a:p>
+          <a:endParaRPr lang="zh-CN" altLang="en-US"/>
+        </a:p>
+      </dgm:t>
     </dgm:pt>
     <dgm:pt modelId="{FB7B8BBF-8DC3-4865-BAE5-603AD850FD8D}" type="pres">
       <dgm:prSet presAssocID="{C0D21EB2-B09C-4B31-91B9-8D55C3679D7D}" presName="hierChild4" presStyleCnt="0"/>
@@ -7317,6 +7573,13 @@
     <dgm:pt modelId="{A41724CE-D73F-4DC0-BC0A-8C9D375B5A1A}" type="pres">
       <dgm:prSet presAssocID="{2042B437-A626-4D04-863A-C67A8336951C}" presName="Name37" presStyleLbl="parChTrans1D3" presStyleIdx="11" presStyleCnt="16"/>
       <dgm:spPr/>
+      <dgm:t>
+        <a:bodyPr/>
+        <a:lstStyle/>
+        <a:p>
+          <a:endParaRPr lang="zh-CN" altLang="en-US"/>
+        </a:p>
+      </dgm:t>
     </dgm:pt>
     <dgm:pt modelId="{5A24FDDF-5F24-4341-9963-7ADDF336EFDA}" type="pres">
       <dgm:prSet presAssocID="{9ADCC993-7B1F-48F5-ADE9-27B74164C080}" presName="hierRoot2" presStyleCnt="0">
@@ -7348,6 +7611,13 @@
     <dgm:pt modelId="{75BCB910-98EE-4908-957A-A8743BBEBA08}" type="pres">
       <dgm:prSet presAssocID="{9ADCC993-7B1F-48F5-ADE9-27B74164C080}" presName="rootConnector" presStyleLbl="node3" presStyleIdx="11" presStyleCnt="16"/>
       <dgm:spPr/>
+      <dgm:t>
+        <a:bodyPr/>
+        <a:lstStyle/>
+        <a:p>
+          <a:endParaRPr lang="zh-CN" altLang="en-US"/>
+        </a:p>
+      </dgm:t>
     </dgm:pt>
     <dgm:pt modelId="{E7EB4030-E716-4C2E-8164-D3B840BDDE03}" type="pres">
       <dgm:prSet presAssocID="{9ADCC993-7B1F-48F5-ADE9-27B74164C080}" presName="hierChild4" presStyleCnt="0"/>
@@ -7364,6 +7634,13 @@
     <dgm:pt modelId="{C2D90F70-AABF-4A7A-9E41-291CAD9CADFB}" type="pres">
       <dgm:prSet presAssocID="{A0887291-0C11-47FE-ACFD-38527019AED1}" presName="Name37" presStyleLbl="parChTrans1D2" presStyleIdx="4" presStyleCnt="7"/>
       <dgm:spPr/>
+      <dgm:t>
+        <a:bodyPr/>
+        <a:lstStyle/>
+        <a:p>
+          <a:endParaRPr lang="zh-CN" altLang="en-US"/>
+        </a:p>
+      </dgm:t>
     </dgm:pt>
     <dgm:pt modelId="{D84D21DE-D91C-4CBB-A09F-62C7DAFFAF08}" type="pres">
       <dgm:prSet presAssocID="{4A04A458-2E75-421E-B0F0-EB2EFD4306CB}" presName="hierRoot2" presStyleCnt="0">
@@ -7395,6 +7672,13 @@
     <dgm:pt modelId="{163AAB43-BA7D-418E-885B-6B4BA1FC88AF}" type="pres">
       <dgm:prSet presAssocID="{4A04A458-2E75-421E-B0F0-EB2EFD4306CB}" presName="rootConnector" presStyleLbl="node2" presStyleIdx="4" presStyleCnt="6"/>
       <dgm:spPr/>
+      <dgm:t>
+        <a:bodyPr/>
+        <a:lstStyle/>
+        <a:p>
+          <a:endParaRPr lang="zh-CN" altLang="en-US"/>
+        </a:p>
+      </dgm:t>
     </dgm:pt>
     <dgm:pt modelId="{A24A19A6-CC3F-4F24-8F18-AA1F8FD461E6}" type="pres">
       <dgm:prSet presAssocID="{4A04A458-2E75-421E-B0F0-EB2EFD4306CB}" presName="hierChild4" presStyleCnt="0"/>
@@ -7403,6 +7687,13 @@
     <dgm:pt modelId="{6FD95273-3913-48D2-8104-3E33970622AB}" type="pres">
       <dgm:prSet presAssocID="{A3617491-3B4B-4223-9FC6-1D2C4F1E7D36}" presName="Name37" presStyleLbl="parChTrans1D3" presStyleIdx="12" presStyleCnt="16"/>
       <dgm:spPr/>
+      <dgm:t>
+        <a:bodyPr/>
+        <a:lstStyle/>
+        <a:p>
+          <a:endParaRPr lang="zh-CN" altLang="en-US"/>
+        </a:p>
+      </dgm:t>
     </dgm:pt>
     <dgm:pt modelId="{3E38BC73-FC7A-4E5A-A52D-EC58606D4A69}" type="pres">
       <dgm:prSet presAssocID="{8CCB897D-0D51-49A7-B545-8E54140928D2}" presName="hierRoot2" presStyleCnt="0">
@@ -7434,6 +7725,13 @@
     <dgm:pt modelId="{29AA053E-2059-4D09-9460-EAA076C1CCD4}" type="pres">
       <dgm:prSet presAssocID="{8CCB897D-0D51-49A7-B545-8E54140928D2}" presName="rootConnector" presStyleLbl="node3" presStyleIdx="12" presStyleCnt="16"/>
       <dgm:spPr/>
+      <dgm:t>
+        <a:bodyPr/>
+        <a:lstStyle/>
+        <a:p>
+          <a:endParaRPr lang="zh-CN" altLang="en-US"/>
+        </a:p>
+      </dgm:t>
     </dgm:pt>
     <dgm:pt modelId="{460EB70A-9FC5-45EE-9EF3-F7D9F08FCDBE}" type="pres">
       <dgm:prSet presAssocID="{8CCB897D-0D51-49A7-B545-8E54140928D2}" presName="hierChild4" presStyleCnt="0"/>
@@ -7446,6 +7744,13 @@
     <dgm:pt modelId="{7D19548D-AF5B-45F7-B76A-B9FAD10DA945}" type="pres">
       <dgm:prSet presAssocID="{3E7B209B-99E9-4732-8535-B6420FAA9EB0}" presName="Name37" presStyleLbl="parChTrans1D3" presStyleIdx="13" presStyleCnt="16"/>
       <dgm:spPr/>
+      <dgm:t>
+        <a:bodyPr/>
+        <a:lstStyle/>
+        <a:p>
+          <a:endParaRPr lang="zh-CN" altLang="en-US"/>
+        </a:p>
+      </dgm:t>
     </dgm:pt>
     <dgm:pt modelId="{9217D8B8-4682-4468-B573-43AE7CF88B62}" type="pres">
       <dgm:prSet presAssocID="{3058A150-8CE8-415A-A126-6151E90C31A2}" presName="hierRoot2" presStyleCnt="0">
@@ -7466,10 +7771,24 @@
         </dgm:presLayoutVars>
       </dgm:prSet>
       <dgm:spPr/>
+      <dgm:t>
+        <a:bodyPr/>
+        <a:lstStyle/>
+        <a:p>
+          <a:endParaRPr lang="zh-CN" altLang="en-US"/>
+        </a:p>
+      </dgm:t>
     </dgm:pt>
     <dgm:pt modelId="{8228AFE6-53A3-4086-BE28-7772D6F5A162}" type="pres">
       <dgm:prSet presAssocID="{3058A150-8CE8-415A-A126-6151E90C31A2}" presName="rootConnector" presStyleLbl="node3" presStyleIdx="13" presStyleCnt="16"/>
       <dgm:spPr/>
+      <dgm:t>
+        <a:bodyPr/>
+        <a:lstStyle/>
+        <a:p>
+          <a:endParaRPr lang="zh-CN" altLang="en-US"/>
+        </a:p>
+      </dgm:t>
     </dgm:pt>
     <dgm:pt modelId="{82EE47C5-BC69-4788-B084-5F254D3B8AF7}" type="pres">
       <dgm:prSet presAssocID="{3058A150-8CE8-415A-A126-6151E90C31A2}" presName="hierChild4" presStyleCnt="0"/>
@@ -7486,6 +7805,13 @@
     <dgm:pt modelId="{8EAA2FEE-DF21-4DA1-8122-94A2F3E3BFA9}" type="pres">
       <dgm:prSet presAssocID="{E701EEFF-1D15-4F43-AA48-B266F1BC78AF}" presName="Name37" presStyleLbl="parChTrans1D2" presStyleIdx="5" presStyleCnt="7"/>
       <dgm:spPr/>
+      <dgm:t>
+        <a:bodyPr/>
+        <a:lstStyle/>
+        <a:p>
+          <a:endParaRPr lang="zh-CN" altLang="en-US"/>
+        </a:p>
+      </dgm:t>
     </dgm:pt>
     <dgm:pt modelId="{92384C10-E4C9-49EE-8A71-01FDD81A7FAA}" type="pres">
       <dgm:prSet presAssocID="{05A92A2D-8FFF-4E3D-84E8-0BB1916EF9EA}" presName="hierRoot2" presStyleCnt="0">
@@ -7506,10 +7832,24 @@
         </dgm:presLayoutVars>
       </dgm:prSet>
       <dgm:spPr/>
+      <dgm:t>
+        <a:bodyPr/>
+        <a:lstStyle/>
+        <a:p>
+          <a:endParaRPr lang="zh-CN" altLang="en-US"/>
+        </a:p>
+      </dgm:t>
     </dgm:pt>
     <dgm:pt modelId="{4156D1EB-08BA-466E-8B3B-AF63E19FD98A}" type="pres">
       <dgm:prSet presAssocID="{05A92A2D-8FFF-4E3D-84E8-0BB1916EF9EA}" presName="rootConnector" presStyleLbl="node2" presStyleIdx="5" presStyleCnt="6"/>
       <dgm:spPr/>
+      <dgm:t>
+        <a:bodyPr/>
+        <a:lstStyle/>
+        <a:p>
+          <a:endParaRPr lang="zh-CN" altLang="en-US"/>
+        </a:p>
+      </dgm:t>
     </dgm:pt>
     <dgm:pt modelId="{09ACD15A-6532-41AA-868D-AA17687C8B8E}" type="pres">
       <dgm:prSet presAssocID="{05A92A2D-8FFF-4E3D-84E8-0BB1916EF9EA}" presName="hierChild4" presStyleCnt="0"/>
@@ -7518,6 +7858,13 @@
     <dgm:pt modelId="{A0FE0C4C-626D-4044-8688-2DF4D8FFFCE3}" type="pres">
       <dgm:prSet presAssocID="{63721FDA-7DD9-40E4-8293-B1A2233AABFA}" presName="Name37" presStyleLbl="parChTrans1D3" presStyleIdx="14" presStyleCnt="16"/>
       <dgm:spPr/>
+      <dgm:t>
+        <a:bodyPr/>
+        <a:lstStyle/>
+        <a:p>
+          <a:endParaRPr lang="zh-CN" altLang="en-US"/>
+        </a:p>
+      </dgm:t>
     </dgm:pt>
     <dgm:pt modelId="{E624624F-729B-4310-9452-D92038FA07D7}" type="pres">
       <dgm:prSet presAssocID="{CEE6ED11-B48B-42D4-A022-C129ED93DE02}" presName="hierRoot2" presStyleCnt="0">
@@ -7549,6 +7896,13 @@
     <dgm:pt modelId="{50B9948C-7457-404E-ACF2-5F95D7658CD3}" type="pres">
       <dgm:prSet presAssocID="{CEE6ED11-B48B-42D4-A022-C129ED93DE02}" presName="rootConnector" presStyleLbl="node3" presStyleIdx="14" presStyleCnt="16"/>
       <dgm:spPr/>
+      <dgm:t>
+        <a:bodyPr/>
+        <a:lstStyle/>
+        <a:p>
+          <a:endParaRPr lang="zh-CN" altLang="en-US"/>
+        </a:p>
+      </dgm:t>
     </dgm:pt>
     <dgm:pt modelId="{5B473A08-89E1-4EC9-B1BD-903B7238B962}" type="pres">
       <dgm:prSet presAssocID="{CEE6ED11-B48B-42D4-A022-C129ED93DE02}" presName="hierChild4" presStyleCnt="0"/>
@@ -7561,6 +7915,13 @@
     <dgm:pt modelId="{5845D1F4-998D-4F53-BE72-834DBAB5C5F9}" type="pres">
       <dgm:prSet presAssocID="{85F688BE-7D54-4BD3-8D20-16D607238215}" presName="Name37" presStyleLbl="parChTrans1D3" presStyleIdx="15" presStyleCnt="16"/>
       <dgm:spPr/>
+      <dgm:t>
+        <a:bodyPr/>
+        <a:lstStyle/>
+        <a:p>
+          <a:endParaRPr lang="zh-CN" altLang="en-US"/>
+        </a:p>
+      </dgm:t>
     </dgm:pt>
     <dgm:pt modelId="{65EA4ED2-8C84-4098-AE1F-0380CBD4D324}" type="pres">
       <dgm:prSet presAssocID="{9E67BE43-355C-4EC8-8128-B097F743EF6F}" presName="hierRoot2" presStyleCnt="0">
@@ -7592,6 +7953,13 @@
     <dgm:pt modelId="{BE315EC5-9744-4688-B95F-4E7E5A462E03}" type="pres">
       <dgm:prSet presAssocID="{9E67BE43-355C-4EC8-8128-B097F743EF6F}" presName="rootConnector" presStyleLbl="node3" presStyleIdx="15" presStyleCnt="16"/>
       <dgm:spPr/>
+      <dgm:t>
+        <a:bodyPr/>
+        <a:lstStyle/>
+        <a:p>
+          <a:endParaRPr lang="zh-CN" altLang="en-US"/>
+        </a:p>
+      </dgm:t>
     </dgm:pt>
     <dgm:pt modelId="{E343DF2C-A3BF-46A0-9CAD-8898F5B13C5E}" type="pres">
       <dgm:prSet presAssocID="{9E67BE43-355C-4EC8-8128-B097F743EF6F}" presName="hierChild4" presStyleCnt="0"/>
@@ -7600,6 +7968,13 @@
     <dgm:pt modelId="{9814FB92-70BA-4E23-A0D2-182213C83EEB}" type="pres">
       <dgm:prSet presAssocID="{2338F122-88B8-4178-BB0E-D68B44851775}" presName="Name37" presStyleLbl="parChTrans1D4" presStyleIdx="0" presStyleCnt="2"/>
       <dgm:spPr/>
+      <dgm:t>
+        <a:bodyPr/>
+        <a:lstStyle/>
+        <a:p>
+          <a:endParaRPr lang="zh-CN" altLang="en-US"/>
+        </a:p>
+      </dgm:t>
     </dgm:pt>
     <dgm:pt modelId="{91145987-4B67-4792-9635-15D20A9A5329}" type="pres">
       <dgm:prSet presAssocID="{4634B150-C299-4AF8-A25F-3C7753F8DBB1}" presName="hierRoot2" presStyleCnt="0">
@@ -7631,6 +8006,13 @@
     <dgm:pt modelId="{489EB104-B3E6-4247-A5A1-1AD3BCD98D74}" type="pres">
       <dgm:prSet presAssocID="{4634B150-C299-4AF8-A25F-3C7753F8DBB1}" presName="rootConnector" presStyleLbl="node4" presStyleIdx="0" presStyleCnt="2"/>
       <dgm:spPr/>
+      <dgm:t>
+        <a:bodyPr/>
+        <a:lstStyle/>
+        <a:p>
+          <a:endParaRPr lang="zh-CN" altLang="en-US"/>
+        </a:p>
+      </dgm:t>
     </dgm:pt>
     <dgm:pt modelId="{49B2093B-A317-4109-BC9E-1CF9EC556A8A}" type="pres">
       <dgm:prSet presAssocID="{4634B150-C299-4AF8-A25F-3C7753F8DBB1}" presName="hierChild4" presStyleCnt="0"/>
@@ -7643,6 +8025,13 @@
     <dgm:pt modelId="{322AB105-882B-42A7-BFD1-CCE1C03B6A89}" type="pres">
       <dgm:prSet presAssocID="{9AC6185A-1395-4C74-9DC1-F605959C0407}" presName="Name37" presStyleLbl="parChTrans1D4" presStyleIdx="1" presStyleCnt="2"/>
       <dgm:spPr/>
+      <dgm:t>
+        <a:bodyPr/>
+        <a:lstStyle/>
+        <a:p>
+          <a:endParaRPr lang="zh-CN" altLang="en-US"/>
+        </a:p>
+      </dgm:t>
     </dgm:pt>
     <dgm:pt modelId="{1C3659C7-E03D-46FF-BE39-84F496F8AAE8}" type="pres">
       <dgm:prSet presAssocID="{3173E8D3-AE31-4479-990E-A99923EAB414}" presName="hierRoot2" presStyleCnt="0">
@@ -7674,6 +8063,13 @@
     <dgm:pt modelId="{E7C11398-BA08-4CFB-A44E-F1542579EE80}" type="pres">
       <dgm:prSet presAssocID="{3173E8D3-AE31-4479-990E-A99923EAB414}" presName="rootConnector" presStyleLbl="node4" presStyleIdx="1" presStyleCnt="2"/>
       <dgm:spPr/>
+      <dgm:t>
+        <a:bodyPr/>
+        <a:lstStyle/>
+        <a:p>
+          <a:endParaRPr lang="zh-CN" altLang="en-US"/>
+        </a:p>
+      </dgm:t>
     </dgm:pt>
     <dgm:pt modelId="{2D0661CC-1468-4D53-95B8-03502DBAFFC6}" type="pres">
       <dgm:prSet presAssocID="{3173E8D3-AE31-4479-990E-A99923EAB414}" presName="hierChild4" presStyleCnt="0"/>
@@ -7698,6 +8094,13 @@
     <dgm:pt modelId="{6F4D1C0A-E903-46EE-B5D3-1AEE7BC9D7B4}" type="pres">
       <dgm:prSet presAssocID="{1A9BF3A8-99DC-4CED-BDF4-3F0F6D9EAD68}" presName="Name111" presStyleLbl="parChTrans1D2" presStyleIdx="6" presStyleCnt="7"/>
       <dgm:spPr/>
+      <dgm:t>
+        <a:bodyPr/>
+        <a:lstStyle/>
+        <a:p>
+          <a:endParaRPr lang="zh-CN" altLang="en-US"/>
+        </a:p>
+      </dgm:t>
     </dgm:pt>
     <dgm:pt modelId="{E14A0A21-459E-4C6B-A2D8-F4B7E956F5FA}" type="pres">
       <dgm:prSet presAssocID="{DB6FF365-3C04-4C88-AC04-5EFE0BBCF986}" presName="hierRoot3" presStyleCnt="0">
@@ -7718,10 +8121,24 @@
         </dgm:presLayoutVars>
       </dgm:prSet>
       <dgm:spPr/>
+      <dgm:t>
+        <a:bodyPr/>
+        <a:lstStyle/>
+        <a:p>
+          <a:endParaRPr lang="zh-CN" altLang="en-US"/>
+        </a:p>
+      </dgm:t>
     </dgm:pt>
     <dgm:pt modelId="{C1CFB497-549A-434B-9DE0-6CB26A3C96A4}" type="pres">
       <dgm:prSet presAssocID="{DB6FF365-3C04-4C88-AC04-5EFE0BBCF986}" presName="rootConnector3" presStyleLbl="asst1" presStyleIdx="0" presStyleCnt="1"/>
       <dgm:spPr/>
+      <dgm:t>
+        <a:bodyPr/>
+        <a:lstStyle/>
+        <a:p>
+          <a:endParaRPr lang="zh-CN" altLang="en-US"/>
+        </a:p>
+      </dgm:t>
     </dgm:pt>
     <dgm:pt modelId="{CBB34B7D-AC95-49D8-BCE6-4408F2BD1CE2}" type="pres">
       <dgm:prSet presAssocID="{DB6FF365-3C04-4C88-AC04-5EFE0BBCF986}" presName="hierChild6" presStyleCnt="0"/>
@@ -7745,12 +8162,12 @@
     <dgm:cxn modelId="{97ACA537-7919-4B56-A226-E79A9726D167}" type="presOf" srcId="{22DABE9D-AF7F-4916-93BA-E53367BAECC7}" destId="{CAFDB3A2-9A51-4751-9AB6-1928A03079CA}" srcOrd="1" destOrd="0" presId="urn:microsoft.com/office/officeart/2005/8/layout/orgChart1"/>
     <dgm:cxn modelId="{E5CCF954-A2C5-44B4-9FAB-2E1BE59DA021}" type="presOf" srcId="{98C00CF9-F573-4E1B-8DAE-CC35170997C3}" destId="{D688C61D-FD02-4BF4-9CE9-F1E80F9EE4FF}" srcOrd="0" destOrd="0" presId="urn:microsoft.com/office/officeart/2005/8/layout/orgChart1"/>
     <dgm:cxn modelId="{C2DD1D0E-23D6-40D0-A697-7A1F69CCEBAF}" type="presOf" srcId="{7105B071-DBC4-4F43-B1AF-A003B3DCC0D2}" destId="{BCB2392E-88B9-42DF-90F9-1F19A9EF3594}" srcOrd="1" destOrd="0" presId="urn:microsoft.com/office/officeart/2005/8/layout/orgChart1"/>
+    <dgm:cxn modelId="{658861FA-E2DE-42E7-B447-174745AAB00E}" type="presOf" srcId="{9AC6185A-1395-4C74-9DC1-F605959C0407}" destId="{322AB105-882B-42A7-BFD1-CCE1C03B6A89}" srcOrd="0" destOrd="0" presId="urn:microsoft.com/office/officeart/2005/8/layout/orgChart1"/>
     <dgm:cxn modelId="{9877D768-ED01-4D30-B2E7-935D7CE5E0FF}" srcId="{9E67BE43-355C-4EC8-8128-B097F743EF6F}" destId="{4634B150-C299-4AF8-A25F-3C7753F8DBB1}" srcOrd="0" destOrd="0" parTransId="{2338F122-88B8-4178-BB0E-D68B44851775}" sibTransId="{C0E9A0BE-FEB2-439F-AE94-F65A209709D9}"/>
-    <dgm:cxn modelId="{658861FA-E2DE-42E7-B447-174745AAB00E}" type="presOf" srcId="{9AC6185A-1395-4C74-9DC1-F605959C0407}" destId="{322AB105-882B-42A7-BFD1-CCE1C03B6A89}" srcOrd="0" destOrd="0" presId="urn:microsoft.com/office/officeart/2005/8/layout/orgChart1"/>
     <dgm:cxn modelId="{F559841D-8D33-4E07-92A2-846C798F798A}" type="presOf" srcId="{619DEEB9-9DFE-4946-94DC-36B64D2D8F6D}" destId="{0FDCCED2-EA96-4282-AE75-4A10C99EBFFE}" srcOrd="0" destOrd="0" presId="urn:microsoft.com/office/officeart/2005/8/layout/orgChart1"/>
+    <dgm:cxn modelId="{77B9FE73-0982-4816-9401-F250FBBCC3B8}" type="presOf" srcId="{E60466CD-A350-46F4-9115-D04549983615}" destId="{A141CB1A-5534-4C27-9F7E-09098D8EBEC6}" srcOrd="0" destOrd="0" presId="urn:microsoft.com/office/officeart/2005/8/layout/orgChart1"/>
     <dgm:cxn modelId="{87F4FAD8-486D-4E00-8197-87EC3AE4A92A}" srcId="{0DEC7C12-E0D8-4AB2-B978-B1DABF257688}" destId="{FCDCA2F8-71F1-4767-A252-600D53253190}" srcOrd="0" destOrd="0" parTransId="{7FBF5826-B398-4A6B-8345-5DFCEC2632B1}" sibTransId="{5C7E3657-4CCB-4D99-8BBC-714FF6C17274}"/>
     <dgm:cxn modelId="{78D95424-796B-4AE1-B09A-F9EDAEC38463}" type="presOf" srcId="{085B49DB-0B69-4DFD-B3A1-01E96C6A434D}" destId="{3944B0BF-2526-4A32-88D5-A3E613D2BB3F}" srcOrd="1" destOrd="0" presId="urn:microsoft.com/office/officeart/2005/8/layout/orgChart1"/>
-    <dgm:cxn modelId="{77B9FE73-0982-4816-9401-F250FBBCC3B8}" type="presOf" srcId="{E60466CD-A350-46F4-9115-D04549983615}" destId="{A141CB1A-5534-4C27-9F7E-09098D8EBEC6}" srcOrd="0" destOrd="0" presId="urn:microsoft.com/office/officeart/2005/8/layout/orgChart1"/>
     <dgm:cxn modelId="{8FAF258C-B1E2-4E2E-B436-BFAD777FE96C}" srcId="{0DEC7C12-E0D8-4AB2-B978-B1DABF257688}" destId="{21FD9C05-66DB-4405-B795-62D052B52D05}" srcOrd="2" destOrd="0" parTransId="{B58FEEA4-85B0-42CA-8292-1E2D83E17F35}" sibTransId="{B3DB674F-7282-45FA-855A-D794050503A3}"/>
     <dgm:cxn modelId="{3387DAE3-EA1C-457C-B84B-FA3D6A9B8536}" type="presOf" srcId="{0DEC7C12-E0D8-4AB2-B978-B1DABF257688}" destId="{6C8CDA26-59AB-49C6-93A5-8D64A5BC7860}" srcOrd="0" destOrd="0" presId="urn:microsoft.com/office/officeart/2005/8/layout/orgChart1"/>
     <dgm:cxn modelId="{C0A6A059-065F-49D8-87C3-F6A800F72975}" type="presOf" srcId="{9E67BE43-355C-4EC8-8128-B097F743EF6F}" destId="{BE315EC5-9744-4688-B95F-4E7E5A462E03}" srcOrd="1" destOrd="0" presId="urn:microsoft.com/office/officeart/2005/8/layout/orgChart1"/>
@@ -7769,19 +8186,19 @@
     <dgm:cxn modelId="{78C90285-D0F4-4A2F-9A50-727D20BA5D43}" type="presOf" srcId="{B58FEEA4-85B0-42CA-8292-1E2D83E17F35}" destId="{69B8F2DF-B219-4C9F-ABA8-551D086C8538}" srcOrd="0" destOrd="0" presId="urn:microsoft.com/office/officeart/2005/8/layout/orgChart1"/>
     <dgm:cxn modelId="{502C27DD-3A8D-443E-A0C8-147BDB387DEA}" type="presOf" srcId="{324CC68E-91C0-4E13-8D05-A2E17152C8BB}" destId="{06919D50-67C9-4024-A49C-1B035BA2BE7B}" srcOrd="0" destOrd="0" presId="urn:microsoft.com/office/officeart/2005/8/layout/orgChart1"/>
     <dgm:cxn modelId="{1CA051F8-B6A9-4A79-9DB6-410678EAA457}" srcId="{05A92A2D-8FFF-4E3D-84E8-0BB1916EF9EA}" destId="{CEE6ED11-B48B-42D4-A022-C129ED93DE02}" srcOrd="0" destOrd="0" parTransId="{63721FDA-7DD9-40E4-8293-B1A2233AABFA}" sibTransId="{84264616-FE7B-471F-A451-2CB07A09D3AB}"/>
+    <dgm:cxn modelId="{5215F7F0-DC92-48C3-9C9B-58B2CCF9E850}" type="presOf" srcId="{729B1D45-7DB3-4A31-924E-5539975944DA}" destId="{797D3232-9AE5-424C-BF44-C67B11850F9E}" srcOrd="0" destOrd="0" presId="urn:microsoft.com/office/officeart/2005/8/layout/orgChart1"/>
     <dgm:cxn modelId="{69799F46-CF9E-4CF7-B277-6B81146C4D37}" type="presOf" srcId="{FCDCA2F8-71F1-4767-A252-600D53253190}" destId="{069004BA-F69B-4DD5-9F13-C5CB83B42403}" srcOrd="1" destOrd="0" presId="urn:microsoft.com/office/officeart/2005/8/layout/orgChart1"/>
-    <dgm:cxn modelId="{5215F7F0-DC92-48C3-9C9B-58B2CCF9E850}" type="presOf" srcId="{729B1D45-7DB3-4A31-924E-5539975944DA}" destId="{797D3232-9AE5-424C-BF44-C67B11850F9E}" srcOrd="0" destOrd="0" presId="urn:microsoft.com/office/officeart/2005/8/layout/orgChart1"/>
     <dgm:cxn modelId="{F997098F-0BBE-4857-A800-F3BEF3D53FA8}" srcId="{1750B809-68B4-494A-AF93-3C1F5FFF5062}" destId="{324CC68E-91C0-4E13-8D05-A2E17152C8BB}" srcOrd="1" destOrd="0" parTransId="{6C487981-CDA8-4A90-B5F5-8FFE6CD45099}" sibTransId="{568CE901-72D0-4F6A-B318-2CC750751114}"/>
     <dgm:cxn modelId="{9E45185C-F6FC-4013-9B0A-95976C7BD5D2}" srcId="{B9D45015-B5E6-4F93-A54F-55E55D5E8E2C}" destId="{C8171AF3-34EE-48CF-A8FD-680D9FF7B8FB}" srcOrd="0" destOrd="0" parTransId="{405C309E-72F1-4BB3-8817-A2CF4699E085}" sibTransId="{00D4433E-5FF4-45A9-9366-5C5D47351AF7}"/>
     <dgm:cxn modelId="{EB5CE305-51F4-425D-9FC5-21AD26324B2F}" type="presOf" srcId="{F8871FE8-01C7-46BD-858A-E423033E2A51}" destId="{140A3F25-55E8-40BD-A758-6B746EF16DA4}" srcOrd="1" destOrd="0" presId="urn:microsoft.com/office/officeart/2005/8/layout/orgChart1"/>
+    <dgm:cxn modelId="{E5E5D20E-3D1A-4670-B5EB-C46D0A92D3FC}" type="presOf" srcId="{F3BB2CD4-0F7A-4D98-82DE-FFA0BE91BE5C}" destId="{B0A75E07-3DD0-47C2-82C6-8B834604934D}" srcOrd="0" destOrd="0" presId="urn:microsoft.com/office/officeart/2005/8/layout/orgChart1"/>
     <dgm:cxn modelId="{3DBC2E27-B26B-4DAF-98EE-76278C4AA54C}" type="presOf" srcId="{1750B809-68B4-494A-AF93-3C1F5FFF5062}" destId="{79B86B09-EF45-4AE8-A3C0-D8A1831FFB76}" srcOrd="1" destOrd="0" presId="urn:microsoft.com/office/officeart/2005/8/layout/orgChart1"/>
-    <dgm:cxn modelId="{E5E5D20E-3D1A-4670-B5EB-C46D0A92D3FC}" type="presOf" srcId="{F3BB2CD4-0F7A-4D98-82DE-FFA0BE91BE5C}" destId="{B0A75E07-3DD0-47C2-82C6-8B834604934D}" srcOrd="0" destOrd="0" presId="urn:microsoft.com/office/officeart/2005/8/layout/orgChart1"/>
     <dgm:cxn modelId="{391F4673-2BAA-41C0-BE78-D7F1758D69AC}" srcId="{E60466CD-A350-46F4-9115-D04549983615}" destId="{C0D21EB2-B09C-4B31-91B9-8D55C3679D7D}" srcOrd="2" destOrd="0" parTransId="{948EEDFB-45FB-4771-B908-717F06E94E53}" sibTransId="{3F8BD6C2-81C1-4AD3-AB10-1AFDD1980210}"/>
     <dgm:cxn modelId="{BC7C3AB9-3870-4A63-9644-3E17176E72EF}" type="presOf" srcId="{22DABE9D-AF7F-4916-93BA-E53367BAECC7}" destId="{71EAC77D-CB3E-465A-BA43-9DF50AAE3750}" srcOrd="0" destOrd="0" presId="urn:microsoft.com/office/officeart/2005/8/layout/orgChart1"/>
     <dgm:cxn modelId="{38D17EE6-8802-4533-9248-80307C609511}" type="presOf" srcId="{4634B150-C299-4AF8-A25F-3C7753F8DBB1}" destId="{489EB104-B3E6-4247-A5A1-1AD3BCD98D74}" srcOrd="1" destOrd="0" presId="urn:microsoft.com/office/officeart/2005/8/layout/orgChart1"/>
     <dgm:cxn modelId="{B307697C-A8FF-47C3-A1F0-25822F54B508}" type="presOf" srcId="{2042B437-A626-4D04-863A-C67A8336951C}" destId="{A41724CE-D73F-4DC0-BC0A-8C9D375B5A1A}" srcOrd="0" destOrd="0" presId="urn:microsoft.com/office/officeart/2005/8/layout/orgChart1"/>
+    <dgm:cxn modelId="{6CEF479F-7621-4502-9B19-68C345F048EA}" srcId="{7105B071-DBC4-4F43-B1AF-A003B3DCC0D2}" destId="{085B49DB-0B69-4DFD-B3A1-01E96C6A434D}" srcOrd="1" destOrd="0" parTransId="{E0A5A419-1CE3-4788-B57C-DDD86A31FE52}" sibTransId="{7AA4ED38-6B8C-4A10-96A8-E0FE837C3653}"/>
     <dgm:cxn modelId="{A4CAE09B-7408-415C-8F22-26592ED8D606}" type="presOf" srcId="{8FECDB88-D8DA-4336-9315-66CD3AA5744C}" destId="{3AE0AA54-28B7-46A5-96A3-C3F81D0E4059}" srcOrd="0" destOrd="0" presId="urn:microsoft.com/office/officeart/2005/8/layout/orgChart1"/>
-    <dgm:cxn modelId="{6CEF479F-7621-4502-9B19-68C345F048EA}" srcId="{7105B071-DBC4-4F43-B1AF-A003B3DCC0D2}" destId="{085B49DB-0B69-4DFD-B3A1-01E96C6A434D}" srcOrd="1" destOrd="0" parTransId="{E0A5A419-1CE3-4788-B57C-DDD86A31FE52}" sibTransId="{7AA4ED38-6B8C-4A10-96A8-E0FE837C3653}"/>
     <dgm:cxn modelId="{DB41561E-9749-48AE-A825-78629186E484}" type="presOf" srcId="{2338F122-88B8-4178-BB0E-D68B44851775}" destId="{9814FB92-70BA-4E23-A0D2-182213C83EEB}" srcOrd="0" destOrd="0" presId="urn:microsoft.com/office/officeart/2005/8/layout/orgChart1"/>
     <dgm:cxn modelId="{10B2DE7B-1C16-4042-A3DA-14591FFA41FB}" type="presOf" srcId="{5591D000-72F7-4216-BF6B-16FA1B2C1A19}" destId="{70A67F56-58D7-420C-A80F-7DC712EE07A9}" srcOrd="0" destOrd="0" presId="urn:microsoft.com/office/officeart/2005/8/layout/orgChart1"/>
     <dgm:cxn modelId="{74BF8D3C-2618-44BD-A4EF-A8FCBFA10B88}" type="presOf" srcId="{A3617491-3B4B-4223-9FC6-1D2C4F1E7D36}" destId="{6FD95273-3913-48D2-8104-3E33970622AB}" srcOrd="0" destOrd="0" presId="urn:microsoft.com/office/officeart/2005/8/layout/orgChart1"/>
@@ -7811,12 +8228,12 @@
     <dgm:cxn modelId="{24DCFF71-07FF-44EE-99C7-AB99C55D4EAF}" type="presOf" srcId="{8CCB897D-0D51-49A7-B545-8E54140928D2}" destId="{42D3BA41-8AEB-4F5C-ADED-0C6D67B6AC2D}" srcOrd="0" destOrd="0" presId="urn:microsoft.com/office/officeart/2005/8/layout/orgChart1"/>
     <dgm:cxn modelId="{742FF863-8EB0-420D-96C6-90AF6EE6D992}" type="presOf" srcId="{37F5E037-746E-4D4B-B2F2-522AFC0AD521}" destId="{3D1D5A5B-E9C2-41AF-A10E-9B8D7DF01C11}" srcOrd="0" destOrd="0" presId="urn:microsoft.com/office/officeart/2005/8/layout/orgChart1"/>
     <dgm:cxn modelId="{8D716921-DB82-4624-94EC-D21E572ADE90}" type="presOf" srcId="{9ADCC993-7B1F-48F5-ADE9-27B74164C080}" destId="{75BCB910-98EE-4908-957A-A8743BBEBA08}" srcOrd="1" destOrd="0" presId="urn:microsoft.com/office/officeart/2005/8/layout/orgChart1"/>
+    <dgm:cxn modelId="{2E78F6EB-1695-425D-9AB5-F9C1A4E88CC5}" type="presOf" srcId="{E0A5A419-1CE3-4788-B57C-DDD86A31FE52}" destId="{BDE5A372-D171-4401-BF13-9DAAC2A6012C}" srcOrd="0" destOrd="0" presId="urn:microsoft.com/office/officeart/2005/8/layout/orgChart1"/>
     <dgm:cxn modelId="{A2A690A8-A6C7-48E3-8EF8-F58C116DFE7D}" type="presOf" srcId="{4A04A458-2E75-421E-B0F0-EB2EFD4306CB}" destId="{163AAB43-BA7D-418E-885B-6B4BA1FC88AF}" srcOrd="1" destOrd="0" presId="urn:microsoft.com/office/officeart/2005/8/layout/orgChart1"/>
-    <dgm:cxn modelId="{2E78F6EB-1695-425D-9AB5-F9C1A4E88CC5}" type="presOf" srcId="{E0A5A419-1CE3-4788-B57C-DDD86A31FE52}" destId="{BDE5A372-D171-4401-BF13-9DAAC2A6012C}" srcOrd="0" destOrd="0" presId="urn:microsoft.com/office/officeart/2005/8/layout/orgChart1"/>
     <dgm:cxn modelId="{A66E46D6-38F3-4E96-AC66-56818064281F}" type="presOf" srcId="{619DEEB9-9DFE-4946-94DC-36B64D2D8F6D}" destId="{F56310A5-DB7F-4079-AC99-057413446370}" srcOrd="1" destOrd="0" presId="urn:microsoft.com/office/officeart/2005/8/layout/orgChart1"/>
     <dgm:cxn modelId="{91781AE8-8CCC-4052-BA63-C88AEE69DDBD}" type="presOf" srcId="{9E67BE43-355C-4EC8-8128-B097F743EF6F}" destId="{793B797E-B720-4927-AAF0-2768CB2E8E8F}" srcOrd="0" destOrd="0" presId="urn:microsoft.com/office/officeart/2005/8/layout/orgChart1"/>
+    <dgm:cxn modelId="{AFC0AEA3-0EC2-43E7-8C98-8BC1F7B0BC71}" srcId="{C8171AF3-34EE-48CF-A8FD-680D9FF7B8FB}" destId="{DB6FF365-3C04-4C88-AC04-5EFE0BBCF986}" srcOrd="0" destOrd="0" parTransId="{1A9BF3A8-99DC-4CED-BDF4-3F0F6D9EAD68}" sibTransId="{2B65309F-2275-4496-89E6-F375DE905C78}"/>
     <dgm:cxn modelId="{7ED4B604-CC8B-4C05-BD87-372F23E1E1EA}" type="presOf" srcId="{883152E6-D741-49B6-8985-371A14C53B9C}" destId="{1A215417-D9B2-488C-9B42-0001A0A1C998}" srcOrd="0" destOrd="0" presId="urn:microsoft.com/office/officeart/2005/8/layout/orgChart1"/>
-    <dgm:cxn modelId="{AFC0AEA3-0EC2-43E7-8C98-8BC1F7B0BC71}" srcId="{C8171AF3-34EE-48CF-A8FD-680D9FF7B8FB}" destId="{DB6FF365-3C04-4C88-AC04-5EFE0BBCF986}" srcOrd="0" destOrd="0" parTransId="{1A9BF3A8-99DC-4CED-BDF4-3F0F6D9EAD68}" sibTransId="{2B65309F-2275-4496-89E6-F375DE905C78}"/>
     <dgm:cxn modelId="{399454B9-DBC3-4B77-B74F-E4B41C1656D5}" type="presOf" srcId="{4BE5201E-8D76-488B-BA9A-3E26D7B163B8}" destId="{924693C7-62D8-4135-9367-64742655FA19}" srcOrd="0" destOrd="0" presId="urn:microsoft.com/office/officeart/2005/8/layout/orgChart1"/>
     <dgm:cxn modelId="{CB59B499-F537-4DA8-BA93-5092E4B85A00}" srcId="{C8171AF3-34EE-48CF-A8FD-680D9FF7B8FB}" destId="{7105B071-DBC4-4F43-B1AF-A003B3DCC0D2}" srcOrd="2" destOrd="0" parTransId="{9540747C-EA60-41C9-A769-5B173C457043}" sibTransId="{37902825-37ED-4EBC-9DB1-3BD677042FF5}"/>
     <dgm:cxn modelId="{694B815E-D8DB-4736-A924-BDDAFCA83712}" type="presOf" srcId="{ADD86D5A-3818-46F4-828A-CD7D156A7E8F}" destId="{552F1557-B1B0-4F04-AAA9-6E65B036789B}" srcOrd="0" destOrd="0" presId="urn:microsoft.com/office/officeart/2005/8/layout/orgChart1"/>
@@ -13117,486 +13534,6 @@
       <dsp:cNvGrpSpPr/>
     </dsp:nvGrpSpPr>
     <dsp:grpSpPr/>
-    <dsp:sp modelId="{6B264ED8-3C08-44DA-B924-ABB0675A773A}">
-      <dsp:nvSpPr>
-        <dsp:cNvPr id="0" name=""/>
-        <dsp:cNvSpPr/>
-      </dsp:nvSpPr>
-      <dsp:spPr>
-        <a:xfrm>
-          <a:off x="2179783" y="1937328"/>
-          <a:ext cx="1736433" cy="1125967"/>
-        </a:xfrm>
-        <a:prstGeom prst="roundRect">
-          <a:avLst/>
-        </a:prstGeom>
-        <a:solidFill>
-          <a:schemeClr val="accent1">
-            <a:hueOff val="0"/>
-            <a:satOff val="0"/>
-            <a:lumOff val="0"/>
-            <a:alphaOff val="0"/>
-          </a:schemeClr>
-        </a:solidFill>
-        <a:ln w="12700" cap="flat" cmpd="sng" algn="ctr">
-          <a:solidFill>
-            <a:schemeClr val="lt1">
-              <a:hueOff val="0"/>
-              <a:satOff val="0"/>
-              <a:lumOff val="0"/>
-              <a:alphaOff val="0"/>
-            </a:schemeClr>
-          </a:solidFill>
-          <a:prstDash val="solid"/>
-          <a:miter lim="800000"/>
-        </a:ln>
-        <a:effectLst/>
-      </dsp:spPr>
-      <dsp:style>
-        <a:lnRef idx="2">
-          <a:scrgbClr r="0" g="0" b="0"/>
-        </a:lnRef>
-        <a:fillRef idx="1">
-          <a:scrgbClr r="0" g="0" b="0"/>
-        </a:fillRef>
-        <a:effectRef idx="0">
-          <a:scrgbClr r="0" g="0" b="0"/>
-        </a:effectRef>
-        <a:fontRef idx="minor">
-          <a:schemeClr val="lt1"/>
-        </a:fontRef>
-      </dsp:style>
-      <dsp:txBody>
-        <a:bodyPr spcFirstLastPara="0" vert="horz" wrap="square" lIns="50800" tIns="50800" rIns="50800" bIns="50800" numCol="1" spcCol="1270" anchor="ctr" anchorCtr="0">
-          <a:noAutofit/>
-        </a:bodyPr>
-        <a:lstStyle/>
-        <a:p>
-          <a:pPr lvl="0" algn="ctr" defTabSz="889000">
-            <a:lnSpc>
-              <a:spcPct val="90000"/>
-            </a:lnSpc>
-            <a:spcBef>
-              <a:spcPct val="0"/>
-            </a:spcBef>
-            <a:spcAft>
-              <a:spcPct val="35000"/>
-            </a:spcAft>
-          </a:pPr>
-          <a:r>
-            <a:rPr lang="zh-CN" altLang="en-US" sz="2000" kern="1200" dirty="0" smtClean="0"/>
-            <a:t>清华大学三创交叉融合空间</a:t>
-          </a:r>
-          <a:endParaRPr lang="zh-CN" altLang="en-US" sz="2000" kern="1200" dirty="0"/>
-        </a:p>
-      </dsp:txBody>
-      <dsp:txXfrm>
-        <a:off x="2234748" y="1992293"/>
-        <a:ext cx="1626503" cy="1016037"/>
-      </dsp:txXfrm>
-    </dsp:sp>
-    <dsp:sp modelId="{43747E17-3AEE-461E-8C68-846802B4F3BA}">
-      <dsp:nvSpPr>
-        <dsp:cNvPr id="0" name=""/>
-        <dsp:cNvSpPr/>
-      </dsp:nvSpPr>
-      <dsp:spPr>
-        <a:xfrm rot="16200000">
-          <a:off x="2597082" y="1486411"/>
-          <a:ext cx="901834" cy="0"/>
-        </a:xfrm>
-        <a:custGeom>
-          <a:avLst/>
-          <a:gdLst/>
-          <a:ahLst/>
-          <a:cxnLst/>
-          <a:rect l="0" t="0" r="0" b="0"/>
-          <a:pathLst>
-            <a:path>
-              <a:moveTo>
-                <a:pt x="0" y="0"/>
-              </a:moveTo>
-              <a:lnTo>
-                <a:pt x="901834" y="0"/>
-              </a:lnTo>
-            </a:path>
-          </a:pathLst>
-        </a:custGeom>
-        <a:noFill/>
-        <a:ln w="12700" cap="flat" cmpd="sng" algn="ctr">
-          <a:solidFill>
-            <a:schemeClr val="accent1">
-              <a:shade val="60000"/>
-              <a:hueOff val="0"/>
-              <a:satOff val="0"/>
-              <a:lumOff val="0"/>
-              <a:alphaOff val="0"/>
-            </a:schemeClr>
-          </a:solidFill>
-          <a:prstDash val="solid"/>
-          <a:miter lim="800000"/>
-        </a:ln>
-        <a:effectLst/>
-      </dsp:spPr>
-      <dsp:style>
-        <a:lnRef idx="2">
-          <a:scrgbClr r="0" g="0" b="0"/>
-        </a:lnRef>
-        <a:fillRef idx="0">
-          <a:scrgbClr r="0" g="0" b="0"/>
-        </a:fillRef>
-        <a:effectRef idx="0">
-          <a:scrgbClr r="0" g="0" b="0"/>
-        </a:effectRef>
-        <a:fontRef idx="minor"/>
-      </dsp:style>
-    </dsp:sp>
-    <dsp:sp modelId="{DC1EEB74-61D4-4533-B9C7-4BB92975F215}">
-      <dsp:nvSpPr>
-        <dsp:cNvPr id="0" name=""/>
-        <dsp:cNvSpPr/>
-      </dsp:nvSpPr>
-      <dsp:spPr>
-        <a:xfrm>
-          <a:off x="2399998" y="218630"/>
-          <a:ext cx="1296003" cy="816864"/>
-        </a:xfrm>
-        <a:prstGeom prst="roundRect">
-          <a:avLst/>
-        </a:prstGeom>
-        <a:solidFill>
-          <a:schemeClr val="accent1">
-            <a:hueOff val="0"/>
-            <a:satOff val="0"/>
-            <a:lumOff val="0"/>
-            <a:alphaOff val="0"/>
-          </a:schemeClr>
-        </a:solidFill>
-        <a:ln w="12700" cap="flat" cmpd="sng" algn="ctr">
-          <a:solidFill>
-            <a:schemeClr val="lt1">
-              <a:hueOff val="0"/>
-              <a:satOff val="0"/>
-              <a:lumOff val="0"/>
-              <a:alphaOff val="0"/>
-            </a:schemeClr>
-          </a:solidFill>
-          <a:prstDash val="solid"/>
-          <a:miter lim="800000"/>
-        </a:ln>
-        <a:effectLst/>
-      </dsp:spPr>
-      <dsp:style>
-        <a:lnRef idx="2">
-          <a:scrgbClr r="0" g="0" b="0"/>
-        </a:lnRef>
-        <a:fillRef idx="1">
-          <a:scrgbClr r="0" g="0" b="0"/>
-        </a:fillRef>
-        <a:effectRef idx="0">
-          <a:scrgbClr r="0" g="0" b="0"/>
-        </a:effectRef>
-        <a:fontRef idx="minor">
-          <a:schemeClr val="lt1"/>
-        </a:fontRef>
-      </dsp:style>
-      <dsp:txBody>
-        <a:bodyPr spcFirstLastPara="0" vert="horz" wrap="square" lIns="33020" tIns="33020" rIns="33020" bIns="33020" numCol="1" spcCol="1270" anchor="ctr" anchorCtr="0">
-          <a:noAutofit/>
-        </a:bodyPr>
-        <a:lstStyle/>
-        <a:p>
-          <a:pPr lvl="0" algn="ctr" defTabSz="577850">
-            <a:lnSpc>
-              <a:spcPct val="90000"/>
-            </a:lnSpc>
-            <a:spcBef>
-              <a:spcPct val="0"/>
-            </a:spcBef>
-            <a:spcAft>
-              <a:spcPct val="35000"/>
-            </a:spcAft>
-          </a:pPr>
-          <a:r>
-            <a:rPr lang="zh-CN" altLang="en-US" sz="1300" kern="1200" dirty="0" smtClean="0"/>
-            <a:t>基础工业训练中心资源匹配</a:t>
-          </a:r>
-          <a:endParaRPr lang="zh-CN" altLang="en-US" sz="1300" kern="1200" dirty="0"/>
-        </a:p>
-      </dsp:txBody>
-      <dsp:txXfrm>
-        <a:off x="2439874" y="258506"/>
-        <a:ext cx="1216251" cy="737112"/>
-      </dsp:txXfrm>
-    </dsp:sp>
-    <dsp:sp modelId="{5311C243-5D98-4C4E-8719-72411E0A5549}">
-      <dsp:nvSpPr>
-        <dsp:cNvPr id="0" name=""/>
-        <dsp:cNvSpPr/>
-      </dsp:nvSpPr>
-      <dsp:spPr>
-        <a:xfrm rot="1800000">
-          <a:off x="3899658" y="3063372"/>
-          <a:ext cx="247181" cy="0"/>
-        </a:xfrm>
-        <a:custGeom>
-          <a:avLst/>
-          <a:gdLst/>
-          <a:ahLst/>
-          <a:cxnLst/>
-          <a:rect l="0" t="0" r="0" b="0"/>
-          <a:pathLst>
-            <a:path>
-              <a:moveTo>
-                <a:pt x="0" y="0"/>
-              </a:moveTo>
-              <a:lnTo>
-                <a:pt x="247181" y="0"/>
-              </a:lnTo>
-            </a:path>
-          </a:pathLst>
-        </a:custGeom>
-        <a:noFill/>
-        <a:ln w="12700" cap="flat" cmpd="sng" algn="ctr">
-          <a:solidFill>
-            <a:schemeClr val="accent1">
-              <a:shade val="60000"/>
-              <a:hueOff val="0"/>
-              <a:satOff val="0"/>
-              <a:lumOff val="0"/>
-              <a:alphaOff val="0"/>
-            </a:schemeClr>
-          </a:solidFill>
-          <a:prstDash val="solid"/>
-          <a:miter lim="800000"/>
-        </a:ln>
-        <a:effectLst/>
-      </dsp:spPr>
-      <dsp:style>
-        <a:lnRef idx="2">
-          <a:scrgbClr r="0" g="0" b="0"/>
-        </a:lnRef>
-        <a:fillRef idx="0">
-          <a:scrgbClr r="0" g="0" b="0"/>
-        </a:fillRef>
-        <a:effectRef idx="0">
-          <a:scrgbClr r="0" g="0" b="0"/>
-        </a:effectRef>
-        <a:fontRef idx="minor"/>
-      </dsp:style>
-    </dsp:sp>
-    <dsp:sp modelId="{A6F789A8-3FC2-40CC-B6A0-563E534260D6}">
-      <dsp:nvSpPr>
-        <dsp:cNvPr id="0" name=""/>
-        <dsp:cNvSpPr/>
-      </dsp:nvSpPr>
-      <dsp:spPr>
-        <a:xfrm>
-          <a:off x="4130281" y="3028505"/>
-          <a:ext cx="1080000" cy="816864"/>
-        </a:xfrm>
-        <a:prstGeom prst="roundRect">
-          <a:avLst/>
-        </a:prstGeom>
-        <a:solidFill>
-          <a:schemeClr val="accent1">
-            <a:hueOff val="0"/>
-            <a:satOff val="0"/>
-            <a:lumOff val="0"/>
-            <a:alphaOff val="0"/>
-          </a:schemeClr>
-        </a:solidFill>
-        <a:ln w="12700" cap="flat" cmpd="sng" algn="ctr">
-          <a:solidFill>
-            <a:schemeClr val="lt1">
-              <a:hueOff val="0"/>
-              <a:satOff val="0"/>
-              <a:lumOff val="0"/>
-              <a:alphaOff val="0"/>
-            </a:schemeClr>
-          </a:solidFill>
-          <a:prstDash val="solid"/>
-          <a:miter lim="800000"/>
-        </a:ln>
-        <a:effectLst/>
-      </dsp:spPr>
-      <dsp:style>
-        <a:lnRef idx="2">
-          <a:scrgbClr r="0" g="0" b="0"/>
-        </a:lnRef>
-        <a:fillRef idx="1">
-          <a:scrgbClr r="0" g="0" b="0"/>
-        </a:fillRef>
-        <a:effectRef idx="0">
-          <a:scrgbClr r="0" g="0" b="0"/>
-        </a:effectRef>
-        <a:fontRef idx="minor">
-          <a:schemeClr val="lt1"/>
-        </a:fontRef>
-      </dsp:style>
-      <dsp:txBody>
-        <a:bodyPr spcFirstLastPara="0" vert="horz" wrap="square" lIns="40640" tIns="40640" rIns="40640" bIns="40640" numCol="1" spcCol="1270" anchor="ctr" anchorCtr="0">
-          <a:noAutofit/>
-        </a:bodyPr>
-        <a:lstStyle/>
-        <a:p>
-          <a:pPr lvl="0" algn="ctr" defTabSz="711200">
-            <a:lnSpc>
-              <a:spcPct val="90000"/>
-            </a:lnSpc>
-            <a:spcBef>
-              <a:spcPct val="0"/>
-            </a:spcBef>
-            <a:spcAft>
-              <a:spcPct val="35000"/>
-            </a:spcAft>
-          </a:pPr>
-          <a:r>
-            <a:rPr lang="zh-CN" altLang="en-US" sz="1600" kern="1200" dirty="0" smtClean="0"/>
-            <a:t>清华创客空间社团</a:t>
-          </a:r>
-          <a:endParaRPr lang="zh-CN" altLang="en-US" sz="1600" kern="1200" dirty="0"/>
-        </a:p>
-      </dsp:txBody>
-      <dsp:txXfrm>
-        <a:off x="4170157" y="3068381"/>
-        <a:ext cx="1000248" cy="737112"/>
-      </dsp:txXfrm>
-    </dsp:sp>
-    <dsp:sp modelId="{637CA6A3-04AB-4EEF-A468-86CF8425D32F}">
-      <dsp:nvSpPr>
-        <dsp:cNvPr id="0" name=""/>
-        <dsp:cNvSpPr/>
-      </dsp:nvSpPr>
-      <dsp:spPr>
-        <a:xfrm rot="9000000">
-          <a:off x="1949160" y="3063372"/>
-          <a:ext cx="247181" cy="0"/>
-        </a:xfrm>
-        <a:custGeom>
-          <a:avLst/>
-          <a:gdLst/>
-          <a:ahLst/>
-          <a:cxnLst/>
-          <a:rect l="0" t="0" r="0" b="0"/>
-          <a:pathLst>
-            <a:path>
-              <a:moveTo>
-                <a:pt x="0" y="0"/>
-              </a:moveTo>
-              <a:lnTo>
-                <a:pt x="247181" y="0"/>
-              </a:lnTo>
-            </a:path>
-          </a:pathLst>
-        </a:custGeom>
-        <a:noFill/>
-        <a:ln w="12700" cap="flat" cmpd="sng" algn="ctr">
-          <a:solidFill>
-            <a:schemeClr val="accent1">
-              <a:shade val="60000"/>
-              <a:hueOff val="0"/>
-              <a:satOff val="0"/>
-              <a:lumOff val="0"/>
-              <a:alphaOff val="0"/>
-            </a:schemeClr>
-          </a:solidFill>
-          <a:prstDash val="solid"/>
-          <a:miter lim="800000"/>
-        </a:ln>
-        <a:effectLst/>
-      </dsp:spPr>
-      <dsp:style>
-        <a:lnRef idx="2">
-          <a:scrgbClr r="0" g="0" b="0"/>
-        </a:lnRef>
-        <a:fillRef idx="0">
-          <a:scrgbClr r="0" g="0" b="0"/>
-        </a:fillRef>
-        <a:effectRef idx="0">
-          <a:scrgbClr r="0" g="0" b="0"/>
-        </a:effectRef>
-        <a:fontRef idx="minor"/>
-      </dsp:style>
-    </dsp:sp>
-    <dsp:sp modelId="{2CB6C0CA-A229-4508-B067-C509541ED0C4}">
-      <dsp:nvSpPr>
-        <dsp:cNvPr id="0" name=""/>
-        <dsp:cNvSpPr/>
-      </dsp:nvSpPr>
-      <dsp:spPr>
-        <a:xfrm>
-          <a:off x="885717" y="3028505"/>
-          <a:ext cx="1080000" cy="816864"/>
-        </a:xfrm>
-        <a:prstGeom prst="roundRect">
-          <a:avLst/>
-        </a:prstGeom>
-        <a:solidFill>
-          <a:schemeClr val="accent1">
-            <a:hueOff val="0"/>
-            <a:satOff val="0"/>
-            <a:lumOff val="0"/>
-            <a:alphaOff val="0"/>
-          </a:schemeClr>
-        </a:solidFill>
-        <a:ln w="12700" cap="flat" cmpd="sng" algn="ctr">
-          <a:solidFill>
-            <a:schemeClr val="lt1">
-              <a:hueOff val="0"/>
-              <a:satOff val="0"/>
-              <a:lumOff val="0"/>
-              <a:alphaOff val="0"/>
-            </a:schemeClr>
-          </a:solidFill>
-          <a:prstDash val="solid"/>
-          <a:miter lim="800000"/>
-        </a:ln>
-        <a:effectLst/>
-      </dsp:spPr>
-      <dsp:style>
-        <a:lnRef idx="2">
-          <a:scrgbClr r="0" g="0" b="0"/>
-        </a:lnRef>
-        <a:fillRef idx="1">
-          <a:scrgbClr r="0" g="0" b="0"/>
-        </a:fillRef>
-        <a:effectRef idx="0">
-          <a:scrgbClr r="0" g="0" b="0"/>
-        </a:effectRef>
-        <a:fontRef idx="minor">
-          <a:schemeClr val="lt1"/>
-        </a:fontRef>
-      </dsp:style>
-      <dsp:txBody>
-        <a:bodyPr spcFirstLastPara="0" vert="horz" wrap="square" lIns="40640" tIns="40640" rIns="40640" bIns="40640" numCol="1" spcCol="1270" anchor="ctr" anchorCtr="0">
-          <a:noAutofit/>
-        </a:bodyPr>
-        <a:lstStyle/>
-        <a:p>
-          <a:pPr lvl="0" algn="ctr" defTabSz="711200">
-            <a:lnSpc>
-              <a:spcPct val="90000"/>
-            </a:lnSpc>
-            <a:spcBef>
-              <a:spcPct val="0"/>
-            </a:spcBef>
-            <a:spcAft>
-              <a:spcPct val="35000"/>
-            </a:spcAft>
-          </a:pPr>
-          <a:r>
-            <a:rPr lang="zh-CN" altLang="en-US" sz="1600" kern="1200" dirty="0" smtClean="0"/>
-            <a:t>训练中心行政团队</a:t>
-          </a:r>
-          <a:endParaRPr lang="zh-CN" altLang="en-US" sz="1600" kern="1200" dirty="0"/>
-        </a:p>
-      </dsp:txBody>
-      <dsp:txXfrm>
-        <a:off x="925593" y="3068381"/>
-        <a:ext cx="1000248" cy="737112"/>
-      </dsp:txXfrm>
-    </dsp:sp>
   </dsp:spTree>
 </dsp:drawing>
 </file>
@@ -13609,3533 +13546,6 @@
       <dsp:cNvGrpSpPr/>
     </dsp:nvGrpSpPr>
     <dsp:grpSpPr/>
-    <dsp:sp modelId="{6F4D1C0A-E903-46EE-B5D3-1AEE7BC9D7B4}">
-      <dsp:nvSpPr>
-        <dsp:cNvPr id="0" name=""/>
-        <dsp:cNvSpPr/>
-      </dsp:nvSpPr>
-      <dsp:spPr>
-        <a:xfrm>
-          <a:off x="3767272" y="428414"/>
-          <a:ext cx="91440" cy="392366"/>
-        </a:xfrm>
-        <a:custGeom>
-          <a:avLst/>
-          <a:gdLst/>
-          <a:ahLst/>
-          <a:cxnLst/>
-          <a:rect l="0" t="0" r="0" b="0"/>
-          <a:pathLst>
-            <a:path>
-              <a:moveTo>
-                <a:pt x="135281" y="0"/>
-              </a:moveTo>
-              <a:lnTo>
-                <a:pt x="135281" y="392366"/>
-              </a:lnTo>
-              <a:lnTo>
-                <a:pt x="45720" y="392366"/>
-              </a:lnTo>
-            </a:path>
-          </a:pathLst>
-        </a:custGeom>
-        <a:noFill/>
-        <a:ln w="12700" cap="flat" cmpd="sng" algn="ctr">
-          <a:solidFill>
-            <a:schemeClr val="accent1">
-              <a:shade val="60000"/>
-              <a:hueOff val="0"/>
-              <a:satOff val="0"/>
-              <a:lumOff val="0"/>
-              <a:alphaOff val="0"/>
-            </a:schemeClr>
-          </a:solidFill>
-          <a:prstDash val="solid"/>
-          <a:miter lim="800000"/>
-        </a:ln>
-        <a:effectLst/>
-      </dsp:spPr>
-      <dsp:style>
-        <a:lnRef idx="2">
-          <a:scrgbClr r="0" g="0" b="0"/>
-        </a:lnRef>
-        <a:fillRef idx="0">
-          <a:scrgbClr r="0" g="0" b="0"/>
-        </a:fillRef>
-        <a:effectRef idx="0">
-          <a:scrgbClr r="0" g="0" b="0"/>
-        </a:effectRef>
-        <a:fontRef idx="minor"/>
-      </dsp:style>
-    </dsp:sp>
-    <dsp:sp modelId="{322AB105-882B-42A7-BFD1-CCE1C03B6A89}">
-      <dsp:nvSpPr>
-        <dsp:cNvPr id="0" name=""/>
-        <dsp:cNvSpPr/>
-      </dsp:nvSpPr>
-      <dsp:spPr>
-        <a:xfrm>
-          <a:off x="7022296" y="2245242"/>
-          <a:ext cx="127945" cy="997976"/>
-        </a:xfrm>
-        <a:custGeom>
-          <a:avLst/>
-          <a:gdLst/>
-          <a:ahLst/>
-          <a:cxnLst/>
-          <a:rect l="0" t="0" r="0" b="0"/>
-          <a:pathLst>
-            <a:path>
-              <a:moveTo>
-                <a:pt x="0" y="0"/>
-              </a:moveTo>
-              <a:lnTo>
-                <a:pt x="0" y="997976"/>
-              </a:lnTo>
-              <a:lnTo>
-                <a:pt x="127945" y="997976"/>
-              </a:lnTo>
-            </a:path>
-          </a:pathLst>
-        </a:custGeom>
-        <a:noFill/>
-        <a:ln w="12700" cap="flat" cmpd="sng" algn="ctr">
-          <a:solidFill>
-            <a:schemeClr val="accent1">
-              <a:shade val="80000"/>
-              <a:hueOff val="0"/>
-              <a:satOff val="0"/>
-              <a:lumOff val="0"/>
-              <a:alphaOff val="0"/>
-            </a:schemeClr>
-          </a:solidFill>
-          <a:prstDash val="solid"/>
-          <a:miter lim="800000"/>
-        </a:ln>
-        <a:effectLst/>
-      </dsp:spPr>
-      <dsp:style>
-        <a:lnRef idx="2">
-          <a:scrgbClr r="0" g="0" b="0"/>
-        </a:lnRef>
-        <a:fillRef idx="0">
-          <a:scrgbClr r="0" g="0" b="0"/>
-        </a:fillRef>
-        <a:effectRef idx="0">
-          <a:scrgbClr r="0" g="0" b="0"/>
-        </a:effectRef>
-        <a:fontRef idx="minor"/>
-      </dsp:style>
-    </dsp:sp>
-    <dsp:sp modelId="{9814FB92-70BA-4E23-A0D2-182213C83EEB}">
-      <dsp:nvSpPr>
-        <dsp:cNvPr id="0" name=""/>
-        <dsp:cNvSpPr/>
-      </dsp:nvSpPr>
-      <dsp:spPr>
-        <a:xfrm>
-          <a:off x="7022296" y="2245242"/>
-          <a:ext cx="127945" cy="392366"/>
-        </a:xfrm>
-        <a:custGeom>
-          <a:avLst/>
-          <a:gdLst/>
-          <a:ahLst/>
-          <a:cxnLst/>
-          <a:rect l="0" t="0" r="0" b="0"/>
-          <a:pathLst>
-            <a:path>
-              <a:moveTo>
-                <a:pt x="0" y="0"/>
-              </a:moveTo>
-              <a:lnTo>
-                <a:pt x="0" y="392366"/>
-              </a:lnTo>
-              <a:lnTo>
-                <a:pt x="127945" y="392366"/>
-              </a:lnTo>
-            </a:path>
-          </a:pathLst>
-        </a:custGeom>
-        <a:noFill/>
-        <a:ln w="12700" cap="flat" cmpd="sng" algn="ctr">
-          <a:solidFill>
-            <a:schemeClr val="accent1">
-              <a:shade val="80000"/>
-              <a:hueOff val="0"/>
-              <a:satOff val="0"/>
-              <a:lumOff val="0"/>
-              <a:alphaOff val="0"/>
-            </a:schemeClr>
-          </a:solidFill>
-          <a:prstDash val="solid"/>
-          <a:miter lim="800000"/>
-        </a:ln>
-        <a:effectLst/>
-      </dsp:spPr>
-      <dsp:style>
-        <a:lnRef idx="2">
-          <a:scrgbClr r="0" g="0" b="0"/>
-        </a:lnRef>
-        <a:fillRef idx="0">
-          <a:scrgbClr r="0" g="0" b="0"/>
-        </a:fillRef>
-        <a:effectRef idx="0">
-          <a:scrgbClr r="0" g="0" b="0"/>
-        </a:effectRef>
-        <a:fontRef idx="minor"/>
-      </dsp:style>
-    </dsp:sp>
-    <dsp:sp modelId="{5845D1F4-998D-4F53-BE72-834DBAB5C5F9}">
-      <dsp:nvSpPr>
-        <dsp:cNvPr id="0" name=""/>
-        <dsp:cNvSpPr/>
-      </dsp:nvSpPr>
-      <dsp:spPr>
-        <a:xfrm>
-          <a:off x="6847437" y="1639633"/>
-          <a:ext cx="516047" cy="179123"/>
-        </a:xfrm>
-        <a:custGeom>
-          <a:avLst/>
-          <a:gdLst/>
-          <a:ahLst/>
-          <a:cxnLst/>
-          <a:rect l="0" t="0" r="0" b="0"/>
-          <a:pathLst>
-            <a:path>
-              <a:moveTo>
-                <a:pt x="0" y="0"/>
-              </a:moveTo>
-              <a:lnTo>
-                <a:pt x="0" y="89561"/>
-              </a:lnTo>
-              <a:lnTo>
-                <a:pt x="516047" y="89561"/>
-              </a:lnTo>
-              <a:lnTo>
-                <a:pt x="516047" y="179123"/>
-              </a:lnTo>
-            </a:path>
-          </a:pathLst>
-        </a:custGeom>
-        <a:noFill/>
-        <a:ln w="12700" cap="flat" cmpd="sng" algn="ctr">
-          <a:solidFill>
-            <a:schemeClr val="accent1">
-              <a:shade val="80000"/>
-              <a:hueOff val="0"/>
-              <a:satOff val="0"/>
-              <a:lumOff val="0"/>
-              <a:alphaOff val="0"/>
-            </a:schemeClr>
-          </a:solidFill>
-          <a:prstDash val="solid"/>
-          <a:miter lim="800000"/>
-        </a:ln>
-        <a:effectLst/>
-      </dsp:spPr>
-      <dsp:style>
-        <a:lnRef idx="2">
-          <a:scrgbClr r="0" g="0" b="0"/>
-        </a:lnRef>
-        <a:fillRef idx="0">
-          <a:scrgbClr r="0" g="0" b="0"/>
-        </a:fillRef>
-        <a:effectRef idx="0">
-          <a:scrgbClr r="0" g="0" b="0"/>
-        </a:effectRef>
-        <a:fontRef idx="minor"/>
-      </dsp:style>
-    </dsp:sp>
-    <dsp:sp modelId="{A0FE0C4C-626D-4044-8688-2DF4D8FFFCE3}">
-      <dsp:nvSpPr>
-        <dsp:cNvPr id="0" name=""/>
-        <dsp:cNvSpPr/>
-      </dsp:nvSpPr>
-      <dsp:spPr>
-        <a:xfrm>
-          <a:off x="6331390" y="1639633"/>
-          <a:ext cx="516047" cy="179123"/>
-        </a:xfrm>
-        <a:custGeom>
-          <a:avLst/>
-          <a:gdLst/>
-          <a:ahLst/>
-          <a:cxnLst/>
-          <a:rect l="0" t="0" r="0" b="0"/>
-          <a:pathLst>
-            <a:path>
-              <a:moveTo>
-                <a:pt x="516047" y="0"/>
-              </a:moveTo>
-              <a:lnTo>
-                <a:pt x="516047" y="89561"/>
-              </a:lnTo>
-              <a:lnTo>
-                <a:pt x="0" y="89561"/>
-              </a:lnTo>
-              <a:lnTo>
-                <a:pt x="0" y="179123"/>
-              </a:lnTo>
-            </a:path>
-          </a:pathLst>
-        </a:custGeom>
-        <a:noFill/>
-        <a:ln w="12700" cap="flat" cmpd="sng" algn="ctr">
-          <a:solidFill>
-            <a:schemeClr val="accent1">
-              <a:shade val="80000"/>
-              <a:hueOff val="0"/>
-              <a:satOff val="0"/>
-              <a:lumOff val="0"/>
-              <a:alphaOff val="0"/>
-            </a:schemeClr>
-          </a:solidFill>
-          <a:prstDash val="solid"/>
-          <a:miter lim="800000"/>
-        </a:ln>
-        <a:effectLst/>
-      </dsp:spPr>
-      <dsp:style>
-        <a:lnRef idx="2">
-          <a:scrgbClr r="0" g="0" b="0"/>
-        </a:lnRef>
-        <a:fillRef idx="0">
-          <a:scrgbClr r="0" g="0" b="0"/>
-        </a:fillRef>
-        <a:effectRef idx="0">
-          <a:scrgbClr r="0" g="0" b="0"/>
-        </a:effectRef>
-        <a:fontRef idx="minor"/>
-      </dsp:style>
-    </dsp:sp>
-    <dsp:sp modelId="{8EAA2FEE-DF21-4DA1-8122-94A2F3E3BFA9}">
-      <dsp:nvSpPr>
-        <dsp:cNvPr id="0" name=""/>
-        <dsp:cNvSpPr/>
-      </dsp:nvSpPr>
-      <dsp:spPr>
-        <a:xfrm>
-          <a:off x="3902554" y="428414"/>
-          <a:ext cx="2944883" cy="784733"/>
-        </a:xfrm>
-        <a:custGeom>
-          <a:avLst/>
-          <a:gdLst/>
-          <a:ahLst/>
-          <a:cxnLst/>
-          <a:rect l="0" t="0" r="0" b="0"/>
-          <a:pathLst>
-            <a:path>
-              <a:moveTo>
-                <a:pt x="0" y="0"/>
-              </a:moveTo>
-              <a:lnTo>
-                <a:pt x="0" y="695171"/>
-              </a:lnTo>
-              <a:lnTo>
-                <a:pt x="2944883" y="695171"/>
-              </a:lnTo>
-              <a:lnTo>
-                <a:pt x="2944883" y="784733"/>
-              </a:lnTo>
-            </a:path>
-          </a:pathLst>
-        </a:custGeom>
-        <a:noFill/>
-        <a:ln w="12700" cap="flat" cmpd="sng" algn="ctr">
-          <a:solidFill>
-            <a:schemeClr val="accent1">
-              <a:shade val="60000"/>
-              <a:hueOff val="0"/>
-              <a:satOff val="0"/>
-              <a:lumOff val="0"/>
-              <a:alphaOff val="0"/>
-            </a:schemeClr>
-          </a:solidFill>
-          <a:prstDash val="solid"/>
-          <a:miter lim="800000"/>
-        </a:ln>
-        <a:effectLst/>
-      </dsp:spPr>
-      <dsp:style>
-        <a:lnRef idx="2">
-          <a:scrgbClr r="0" g="0" b="0"/>
-        </a:lnRef>
-        <a:fillRef idx="0">
-          <a:scrgbClr r="0" g="0" b="0"/>
-        </a:fillRef>
-        <a:effectRef idx="0">
-          <a:scrgbClr r="0" g="0" b="0"/>
-        </a:effectRef>
-        <a:fontRef idx="minor"/>
-      </dsp:style>
-    </dsp:sp>
-    <dsp:sp modelId="{7D19548D-AF5B-45F7-B76A-B9FAD10DA945}">
-      <dsp:nvSpPr>
-        <dsp:cNvPr id="0" name=""/>
-        <dsp:cNvSpPr/>
-      </dsp:nvSpPr>
-      <dsp:spPr>
-        <a:xfrm>
-          <a:off x="4744863" y="1639633"/>
-          <a:ext cx="127945" cy="997976"/>
-        </a:xfrm>
-        <a:custGeom>
-          <a:avLst/>
-          <a:gdLst/>
-          <a:ahLst/>
-          <a:cxnLst/>
-          <a:rect l="0" t="0" r="0" b="0"/>
-          <a:pathLst>
-            <a:path>
-              <a:moveTo>
-                <a:pt x="0" y="0"/>
-              </a:moveTo>
-              <a:lnTo>
-                <a:pt x="0" y="997976"/>
-              </a:lnTo>
-              <a:lnTo>
-                <a:pt x="127945" y="997976"/>
-              </a:lnTo>
-            </a:path>
-          </a:pathLst>
-        </a:custGeom>
-        <a:noFill/>
-        <a:ln w="12700" cap="flat" cmpd="sng" algn="ctr">
-          <a:solidFill>
-            <a:schemeClr val="accent1">
-              <a:shade val="80000"/>
-              <a:hueOff val="0"/>
-              <a:satOff val="0"/>
-              <a:lumOff val="0"/>
-              <a:alphaOff val="0"/>
-            </a:schemeClr>
-          </a:solidFill>
-          <a:prstDash val="solid"/>
-          <a:miter lim="800000"/>
-        </a:ln>
-        <a:effectLst/>
-      </dsp:spPr>
-      <dsp:style>
-        <a:lnRef idx="2">
-          <a:scrgbClr r="0" g="0" b="0"/>
-        </a:lnRef>
-        <a:fillRef idx="0">
-          <a:scrgbClr r="0" g="0" b="0"/>
-        </a:fillRef>
-        <a:effectRef idx="0">
-          <a:scrgbClr r="0" g="0" b="0"/>
-        </a:effectRef>
-        <a:fontRef idx="minor"/>
-      </dsp:style>
-    </dsp:sp>
-    <dsp:sp modelId="{6FD95273-3913-48D2-8104-3E33970622AB}">
-      <dsp:nvSpPr>
-        <dsp:cNvPr id="0" name=""/>
-        <dsp:cNvSpPr/>
-      </dsp:nvSpPr>
-      <dsp:spPr>
-        <a:xfrm>
-          <a:off x="4744863" y="1639633"/>
-          <a:ext cx="127945" cy="392366"/>
-        </a:xfrm>
-        <a:custGeom>
-          <a:avLst/>
-          <a:gdLst/>
-          <a:ahLst/>
-          <a:cxnLst/>
-          <a:rect l="0" t="0" r="0" b="0"/>
-          <a:pathLst>
-            <a:path>
-              <a:moveTo>
-                <a:pt x="0" y="0"/>
-              </a:moveTo>
-              <a:lnTo>
-                <a:pt x="0" y="392366"/>
-              </a:lnTo>
-              <a:lnTo>
-                <a:pt x="127945" y="392366"/>
-              </a:lnTo>
-            </a:path>
-          </a:pathLst>
-        </a:custGeom>
-        <a:noFill/>
-        <a:ln w="12700" cap="flat" cmpd="sng" algn="ctr">
-          <a:solidFill>
-            <a:schemeClr val="accent1">
-              <a:shade val="80000"/>
-              <a:hueOff val="0"/>
-              <a:satOff val="0"/>
-              <a:lumOff val="0"/>
-              <a:alphaOff val="0"/>
-            </a:schemeClr>
-          </a:solidFill>
-          <a:prstDash val="solid"/>
-          <a:miter lim="800000"/>
-        </a:ln>
-        <a:effectLst/>
-      </dsp:spPr>
-      <dsp:style>
-        <a:lnRef idx="2">
-          <a:scrgbClr r="0" g="0" b="0"/>
-        </a:lnRef>
-        <a:fillRef idx="0">
-          <a:scrgbClr r="0" g="0" b="0"/>
-        </a:fillRef>
-        <a:effectRef idx="0">
-          <a:scrgbClr r="0" g="0" b="0"/>
-        </a:effectRef>
-        <a:fontRef idx="minor"/>
-      </dsp:style>
-    </dsp:sp>
-    <dsp:sp modelId="{C2D90F70-AABF-4A7A-9E41-291CAD9CADFB}">
-      <dsp:nvSpPr>
-        <dsp:cNvPr id="0" name=""/>
-        <dsp:cNvSpPr/>
-      </dsp:nvSpPr>
-      <dsp:spPr>
-        <a:xfrm>
-          <a:off x="3902554" y="428414"/>
-          <a:ext cx="1183497" cy="784733"/>
-        </a:xfrm>
-        <a:custGeom>
-          <a:avLst/>
-          <a:gdLst/>
-          <a:ahLst/>
-          <a:cxnLst/>
-          <a:rect l="0" t="0" r="0" b="0"/>
-          <a:pathLst>
-            <a:path>
-              <a:moveTo>
-                <a:pt x="0" y="0"/>
-              </a:moveTo>
-              <a:lnTo>
-                <a:pt x="0" y="695171"/>
-              </a:lnTo>
-              <a:lnTo>
-                <a:pt x="1183497" y="695171"/>
-              </a:lnTo>
-              <a:lnTo>
-                <a:pt x="1183497" y="784733"/>
-              </a:lnTo>
-            </a:path>
-          </a:pathLst>
-        </a:custGeom>
-        <a:noFill/>
-        <a:ln w="12700" cap="flat" cmpd="sng" algn="ctr">
-          <a:solidFill>
-            <a:schemeClr val="accent1">
-              <a:shade val="60000"/>
-              <a:hueOff val="0"/>
-              <a:satOff val="0"/>
-              <a:lumOff val="0"/>
-              <a:alphaOff val="0"/>
-            </a:schemeClr>
-          </a:solidFill>
-          <a:prstDash val="solid"/>
-          <a:miter lim="800000"/>
-        </a:ln>
-        <a:effectLst/>
-      </dsp:spPr>
-      <dsp:style>
-        <a:lnRef idx="2">
-          <a:scrgbClr r="0" g="0" b="0"/>
-        </a:lnRef>
-        <a:fillRef idx="0">
-          <a:scrgbClr r="0" g="0" b="0"/>
-        </a:fillRef>
-        <a:effectRef idx="0">
-          <a:scrgbClr r="0" g="0" b="0"/>
-        </a:effectRef>
-        <a:fontRef idx="minor"/>
-      </dsp:style>
-    </dsp:sp>
-    <dsp:sp modelId="{A41724CE-D73F-4DC0-BC0A-8C9D375B5A1A}">
-      <dsp:nvSpPr>
-        <dsp:cNvPr id="0" name=""/>
-        <dsp:cNvSpPr/>
-      </dsp:nvSpPr>
-      <dsp:spPr>
-        <a:xfrm>
-          <a:off x="3712768" y="1639633"/>
-          <a:ext cx="127945" cy="2209195"/>
-        </a:xfrm>
-        <a:custGeom>
-          <a:avLst/>
-          <a:gdLst/>
-          <a:ahLst/>
-          <a:cxnLst/>
-          <a:rect l="0" t="0" r="0" b="0"/>
-          <a:pathLst>
-            <a:path>
-              <a:moveTo>
-                <a:pt x="0" y="0"/>
-              </a:moveTo>
-              <a:lnTo>
-                <a:pt x="0" y="2209195"/>
-              </a:lnTo>
-              <a:lnTo>
-                <a:pt x="127945" y="2209195"/>
-              </a:lnTo>
-            </a:path>
-          </a:pathLst>
-        </a:custGeom>
-        <a:noFill/>
-        <a:ln w="12700" cap="flat" cmpd="sng" algn="ctr">
-          <a:solidFill>
-            <a:schemeClr val="accent1">
-              <a:shade val="80000"/>
-              <a:hueOff val="0"/>
-              <a:satOff val="0"/>
-              <a:lumOff val="0"/>
-              <a:alphaOff val="0"/>
-            </a:schemeClr>
-          </a:solidFill>
-          <a:prstDash val="solid"/>
-          <a:miter lim="800000"/>
-        </a:ln>
-        <a:effectLst/>
-      </dsp:spPr>
-      <dsp:style>
-        <a:lnRef idx="2">
-          <a:scrgbClr r="0" g="0" b="0"/>
-        </a:lnRef>
-        <a:fillRef idx="0">
-          <a:scrgbClr r="0" g="0" b="0"/>
-        </a:fillRef>
-        <a:effectRef idx="0">
-          <a:scrgbClr r="0" g="0" b="0"/>
-        </a:effectRef>
-        <a:fontRef idx="minor"/>
-      </dsp:style>
-    </dsp:sp>
-    <dsp:sp modelId="{A920620F-8E55-45D3-902D-7DF7167239D8}">
-      <dsp:nvSpPr>
-        <dsp:cNvPr id="0" name=""/>
-        <dsp:cNvSpPr/>
-      </dsp:nvSpPr>
-      <dsp:spPr>
-        <a:xfrm>
-          <a:off x="3712768" y="1639633"/>
-          <a:ext cx="127945" cy="1603585"/>
-        </a:xfrm>
-        <a:custGeom>
-          <a:avLst/>
-          <a:gdLst/>
-          <a:ahLst/>
-          <a:cxnLst/>
-          <a:rect l="0" t="0" r="0" b="0"/>
-          <a:pathLst>
-            <a:path>
-              <a:moveTo>
-                <a:pt x="0" y="0"/>
-              </a:moveTo>
-              <a:lnTo>
-                <a:pt x="0" y="1603585"/>
-              </a:lnTo>
-              <a:lnTo>
-                <a:pt x="127945" y="1603585"/>
-              </a:lnTo>
-            </a:path>
-          </a:pathLst>
-        </a:custGeom>
-        <a:noFill/>
-        <a:ln w="12700" cap="flat" cmpd="sng" algn="ctr">
-          <a:solidFill>
-            <a:schemeClr val="accent1">
-              <a:shade val="80000"/>
-              <a:hueOff val="0"/>
-              <a:satOff val="0"/>
-              <a:lumOff val="0"/>
-              <a:alphaOff val="0"/>
-            </a:schemeClr>
-          </a:solidFill>
-          <a:prstDash val="solid"/>
-          <a:miter lim="800000"/>
-        </a:ln>
-        <a:effectLst/>
-      </dsp:spPr>
-      <dsp:style>
-        <a:lnRef idx="2">
-          <a:scrgbClr r="0" g="0" b="0"/>
-        </a:lnRef>
-        <a:fillRef idx="0">
-          <a:scrgbClr r="0" g="0" b="0"/>
-        </a:fillRef>
-        <a:effectRef idx="0">
-          <a:scrgbClr r="0" g="0" b="0"/>
-        </a:effectRef>
-        <a:fontRef idx="minor"/>
-      </dsp:style>
-    </dsp:sp>
-    <dsp:sp modelId="{924693C7-62D8-4135-9367-64742655FA19}">
-      <dsp:nvSpPr>
-        <dsp:cNvPr id="0" name=""/>
-        <dsp:cNvSpPr/>
-      </dsp:nvSpPr>
-      <dsp:spPr>
-        <a:xfrm>
-          <a:off x="3712768" y="1639633"/>
-          <a:ext cx="127945" cy="997976"/>
-        </a:xfrm>
-        <a:custGeom>
-          <a:avLst/>
-          <a:gdLst/>
-          <a:ahLst/>
-          <a:cxnLst/>
-          <a:rect l="0" t="0" r="0" b="0"/>
-          <a:pathLst>
-            <a:path>
-              <a:moveTo>
-                <a:pt x="0" y="0"/>
-              </a:moveTo>
-              <a:lnTo>
-                <a:pt x="0" y="997976"/>
-              </a:lnTo>
-              <a:lnTo>
-                <a:pt x="127945" y="997976"/>
-              </a:lnTo>
-            </a:path>
-          </a:pathLst>
-        </a:custGeom>
-        <a:noFill/>
-        <a:ln w="12700" cap="flat" cmpd="sng" algn="ctr">
-          <a:solidFill>
-            <a:schemeClr val="accent1">
-              <a:shade val="80000"/>
-              <a:hueOff val="0"/>
-              <a:satOff val="0"/>
-              <a:lumOff val="0"/>
-              <a:alphaOff val="0"/>
-            </a:schemeClr>
-          </a:solidFill>
-          <a:prstDash val="solid"/>
-          <a:miter lim="800000"/>
-        </a:ln>
-        <a:effectLst/>
-      </dsp:spPr>
-      <dsp:style>
-        <a:lnRef idx="2">
-          <a:scrgbClr r="0" g="0" b="0"/>
-        </a:lnRef>
-        <a:fillRef idx="0">
-          <a:scrgbClr r="0" g="0" b="0"/>
-        </a:fillRef>
-        <a:effectRef idx="0">
-          <a:scrgbClr r="0" g="0" b="0"/>
-        </a:effectRef>
-        <a:fontRef idx="minor"/>
-      </dsp:style>
-    </dsp:sp>
-    <dsp:sp modelId="{0F9E97F4-5BBB-404A-B441-16A19A980104}">
-      <dsp:nvSpPr>
-        <dsp:cNvPr id="0" name=""/>
-        <dsp:cNvSpPr/>
-      </dsp:nvSpPr>
-      <dsp:spPr>
-        <a:xfrm>
-          <a:off x="3712768" y="1639633"/>
-          <a:ext cx="127945" cy="392366"/>
-        </a:xfrm>
-        <a:custGeom>
-          <a:avLst/>
-          <a:gdLst/>
-          <a:ahLst/>
-          <a:cxnLst/>
-          <a:rect l="0" t="0" r="0" b="0"/>
-          <a:pathLst>
-            <a:path>
-              <a:moveTo>
-                <a:pt x="0" y="0"/>
-              </a:moveTo>
-              <a:lnTo>
-                <a:pt x="0" y="392366"/>
-              </a:lnTo>
-              <a:lnTo>
-                <a:pt x="127945" y="392366"/>
-              </a:lnTo>
-            </a:path>
-          </a:pathLst>
-        </a:custGeom>
-        <a:noFill/>
-        <a:ln w="12700" cap="flat" cmpd="sng" algn="ctr">
-          <a:solidFill>
-            <a:schemeClr val="accent1">
-              <a:shade val="80000"/>
-              <a:hueOff val="0"/>
-              <a:satOff val="0"/>
-              <a:lumOff val="0"/>
-              <a:alphaOff val="0"/>
-            </a:schemeClr>
-          </a:solidFill>
-          <a:prstDash val="solid"/>
-          <a:miter lim="800000"/>
-        </a:ln>
-        <a:effectLst/>
-      </dsp:spPr>
-      <dsp:style>
-        <a:lnRef idx="2">
-          <a:scrgbClr r="0" g="0" b="0"/>
-        </a:lnRef>
-        <a:fillRef idx="0">
-          <a:scrgbClr r="0" g="0" b="0"/>
-        </a:fillRef>
-        <a:effectRef idx="0">
-          <a:scrgbClr r="0" g="0" b="0"/>
-        </a:effectRef>
-        <a:fontRef idx="minor"/>
-      </dsp:style>
-    </dsp:sp>
-    <dsp:sp modelId="{B0A75E07-3DD0-47C2-82C6-8B834604934D}">
-      <dsp:nvSpPr>
-        <dsp:cNvPr id="0" name=""/>
-        <dsp:cNvSpPr/>
-      </dsp:nvSpPr>
-      <dsp:spPr>
-        <a:xfrm>
-          <a:off x="3902554" y="428414"/>
-          <a:ext cx="151402" cy="784733"/>
-        </a:xfrm>
-        <a:custGeom>
-          <a:avLst/>
-          <a:gdLst/>
-          <a:ahLst/>
-          <a:cxnLst/>
-          <a:rect l="0" t="0" r="0" b="0"/>
-          <a:pathLst>
-            <a:path>
-              <a:moveTo>
-                <a:pt x="0" y="0"/>
-              </a:moveTo>
-              <a:lnTo>
-                <a:pt x="0" y="695171"/>
-              </a:lnTo>
-              <a:lnTo>
-                <a:pt x="151402" y="695171"/>
-              </a:lnTo>
-              <a:lnTo>
-                <a:pt x="151402" y="784733"/>
-              </a:lnTo>
-            </a:path>
-          </a:pathLst>
-        </a:custGeom>
-        <a:noFill/>
-        <a:ln w="12700" cap="flat" cmpd="sng" algn="ctr">
-          <a:solidFill>
-            <a:schemeClr val="accent1">
-              <a:shade val="60000"/>
-              <a:hueOff val="0"/>
-              <a:satOff val="0"/>
-              <a:lumOff val="0"/>
-              <a:alphaOff val="0"/>
-            </a:schemeClr>
-          </a:solidFill>
-          <a:prstDash val="solid"/>
-          <a:miter lim="800000"/>
-        </a:ln>
-        <a:effectLst/>
-      </dsp:spPr>
-      <dsp:style>
-        <a:lnRef idx="2">
-          <a:scrgbClr r="0" g="0" b="0"/>
-        </a:lnRef>
-        <a:fillRef idx="0">
-          <a:scrgbClr r="0" g="0" b="0"/>
-        </a:fillRef>
-        <a:effectRef idx="0">
-          <a:scrgbClr r="0" g="0" b="0"/>
-        </a:effectRef>
-        <a:fontRef idx="minor"/>
-      </dsp:style>
-    </dsp:sp>
-    <dsp:sp modelId="{69B8F2DF-B219-4C9F-ABA8-551D086C8538}">
-      <dsp:nvSpPr>
-        <dsp:cNvPr id="0" name=""/>
-        <dsp:cNvSpPr/>
-      </dsp:nvSpPr>
-      <dsp:spPr>
-        <a:xfrm>
-          <a:off x="2680673" y="1639633"/>
-          <a:ext cx="127945" cy="1603585"/>
-        </a:xfrm>
-        <a:custGeom>
-          <a:avLst/>
-          <a:gdLst/>
-          <a:ahLst/>
-          <a:cxnLst/>
-          <a:rect l="0" t="0" r="0" b="0"/>
-          <a:pathLst>
-            <a:path>
-              <a:moveTo>
-                <a:pt x="0" y="0"/>
-              </a:moveTo>
-              <a:lnTo>
-                <a:pt x="0" y="1603585"/>
-              </a:lnTo>
-              <a:lnTo>
-                <a:pt x="127945" y="1603585"/>
-              </a:lnTo>
-            </a:path>
-          </a:pathLst>
-        </a:custGeom>
-        <a:noFill/>
-        <a:ln w="12700" cap="flat" cmpd="sng" algn="ctr">
-          <a:solidFill>
-            <a:schemeClr val="accent1">
-              <a:shade val="80000"/>
-              <a:hueOff val="0"/>
-              <a:satOff val="0"/>
-              <a:lumOff val="0"/>
-              <a:alphaOff val="0"/>
-            </a:schemeClr>
-          </a:solidFill>
-          <a:prstDash val="solid"/>
-          <a:miter lim="800000"/>
-        </a:ln>
-        <a:effectLst/>
-      </dsp:spPr>
-      <dsp:style>
-        <a:lnRef idx="2">
-          <a:scrgbClr r="0" g="0" b="0"/>
-        </a:lnRef>
-        <a:fillRef idx="0">
-          <a:scrgbClr r="0" g="0" b="0"/>
-        </a:fillRef>
-        <a:effectRef idx="0">
-          <a:scrgbClr r="0" g="0" b="0"/>
-        </a:effectRef>
-        <a:fontRef idx="minor"/>
-      </dsp:style>
-    </dsp:sp>
-    <dsp:sp modelId="{3D1D5A5B-E9C2-41AF-A10E-9B8D7DF01C11}">
-      <dsp:nvSpPr>
-        <dsp:cNvPr id="0" name=""/>
-        <dsp:cNvSpPr/>
-      </dsp:nvSpPr>
-      <dsp:spPr>
-        <a:xfrm>
-          <a:off x="2680673" y="1639633"/>
-          <a:ext cx="127945" cy="997976"/>
-        </a:xfrm>
-        <a:custGeom>
-          <a:avLst/>
-          <a:gdLst/>
-          <a:ahLst/>
-          <a:cxnLst/>
-          <a:rect l="0" t="0" r="0" b="0"/>
-          <a:pathLst>
-            <a:path>
-              <a:moveTo>
-                <a:pt x="0" y="0"/>
-              </a:moveTo>
-              <a:lnTo>
-                <a:pt x="0" y="997976"/>
-              </a:lnTo>
-              <a:lnTo>
-                <a:pt x="127945" y="997976"/>
-              </a:lnTo>
-            </a:path>
-          </a:pathLst>
-        </a:custGeom>
-        <a:noFill/>
-        <a:ln w="12700" cap="flat" cmpd="sng" algn="ctr">
-          <a:solidFill>
-            <a:schemeClr val="accent1">
-              <a:shade val="80000"/>
-              <a:hueOff val="0"/>
-              <a:satOff val="0"/>
-              <a:lumOff val="0"/>
-              <a:alphaOff val="0"/>
-            </a:schemeClr>
-          </a:solidFill>
-          <a:prstDash val="solid"/>
-          <a:miter lim="800000"/>
-        </a:ln>
-        <a:effectLst/>
-      </dsp:spPr>
-      <dsp:style>
-        <a:lnRef idx="2">
-          <a:scrgbClr r="0" g="0" b="0"/>
-        </a:lnRef>
-        <a:fillRef idx="0">
-          <a:scrgbClr r="0" g="0" b="0"/>
-        </a:fillRef>
-        <a:effectRef idx="0">
-          <a:scrgbClr r="0" g="0" b="0"/>
-        </a:effectRef>
-        <a:fontRef idx="minor"/>
-      </dsp:style>
-    </dsp:sp>
-    <dsp:sp modelId="{6D739ACB-37B2-4626-AFBC-25D3FA2DFE32}">
-      <dsp:nvSpPr>
-        <dsp:cNvPr id="0" name=""/>
-        <dsp:cNvSpPr/>
-      </dsp:nvSpPr>
-      <dsp:spPr>
-        <a:xfrm>
-          <a:off x="2680673" y="1639633"/>
-          <a:ext cx="127945" cy="392366"/>
-        </a:xfrm>
-        <a:custGeom>
-          <a:avLst/>
-          <a:gdLst/>
-          <a:ahLst/>
-          <a:cxnLst/>
-          <a:rect l="0" t="0" r="0" b="0"/>
-          <a:pathLst>
-            <a:path>
-              <a:moveTo>
-                <a:pt x="0" y="0"/>
-              </a:moveTo>
-              <a:lnTo>
-                <a:pt x="0" y="392366"/>
-              </a:lnTo>
-              <a:lnTo>
-                <a:pt x="127945" y="392366"/>
-              </a:lnTo>
-            </a:path>
-          </a:pathLst>
-        </a:custGeom>
-        <a:noFill/>
-        <a:ln w="12700" cap="flat" cmpd="sng" algn="ctr">
-          <a:solidFill>
-            <a:schemeClr val="accent1">
-              <a:shade val="80000"/>
-              <a:hueOff val="0"/>
-              <a:satOff val="0"/>
-              <a:lumOff val="0"/>
-              <a:alphaOff val="0"/>
-            </a:schemeClr>
-          </a:solidFill>
-          <a:prstDash val="solid"/>
-          <a:miter lim="800000"/>
-        </a:ln>
-        <a:effectLst/>
-      </dsp:spPr>
-      <dsp:style>
-        <a:lnRef idx="2">
-          <a:scrgbClr r="0" g="0" b="0"/>
-        </a:lnRef>
-        <a:fillRef idx="0">
-          <a:scrgbClr r="0" g="0" b="0"/>
-        </a:fillRef>
-        <a:effectRef idx="0">
-          <a:scrgbClr r="0" g="0" b="0"/>
-        </a:effectRef>
-        <a:fontRef idx="minor"/>
-      </dsp:style>
-    </dsp:sp>
-    <dsp:sp modelId="{23CB66A2-5731-4E8B-8F78-8FC585459060}">
-      <dsp:nvSpPr>
-        <dsp:cNvPr id="0" name=""/>
-        <dsp:cNvSpPr/>
-      </dsp:nvSpPr>
-      <dsp:spPr>
-        <a:xfrm>
-          <a:off x="3021862" y="428414"/>
-          <a:ext cx="880692" cy="784733"/>
-        </a:xfrm>
-        <a:custGeom>
-          <a:avLst/>
-          <a:gdLst/>
-          <a:ahLst/>
-          <a:cxnLst/>
-          <a:rect l="0" t="0" r="0" b="0"/>
-          <a:pathLst>
-            <a:path>
-              <a:moveTo>
-                <a:pt x="880692" y="0"/>
-              </a:moveTo>
-              <a:lnTo>
-                <a:pt x="880692" y="695171"/>
-              </a:lnTo>
-              <a:lnTo>
-                <a:pt x="0" y="695171"/>
-              </a:lnTo>
-              <a:lnTo>
-                <a:pt x="0" y="784733"/>
-              </a:lnTo>
-            </a:path>
-          </a:pathLst>
-        </a:custGeom>
-        <a:noFill/>
-        <a:ln w="12700" cap="flat" cmpd="sng" algn="ctr">
-          <a:solidFill>
-            <a:schemeClr val="accent1">
-              <a:shade val="60000"/>
-              <a:hueOff val="0"/>
-              <a:satOff val="0"/>
-              <a:lumOff val="0"/>
-              <a:alphaOff val="0"/>
-            </a:schemeClr>
-          </a:solidFill>
-          <a:prstDash val="solid"/>
-          <a:miter lim="800000"/>
-        </a:ln>
-        <a:effectLst/>
-      </dsp:spPr>
-      <dsp:style>
-        <a:lnRef idx="2">
-          <a:scrgbClr r="0" g="0" b="0"/>
-        </a:lnRef>
-        <a:fillRef idx="0">
-          <a:scrgbClr r="0" g="0" b="0"/>
-        </a:fillRef>
-        <a:effectRef idx="0">
-          <a:scrgbClr r="0" g="0" b="0"/>
-        </a:effectRef>
-        <a:fontRef idx="minor"/>
-      </dsp:style>
-    </dsp:sp>
-    <dsp:sp modelId="{BDE5A372-D171-4401-BF13-9DAAC2A6012C}">
-      <dsp:nvSpPr>
-        <dsp:cNvPr id="0" name=""/>
-        <dsp:cNvSpPr/>
-      </dsp:nvSpPr>
-      <dsp:spPr>
-        <a:xfrm>
-          <a:off x="1648578" y="1639633"/>
-          <a:ext cx="127945" cy="997976"/>
-        </a:xfrm>
-        <a:custGeom>
-          <a:avLst/>
-          <a:gdLst/>
-          <a:ahLst/>
-          <a:cxnLst/>
-          <a:rect l="0" t="0" r="0" b="0"/>
-          <a:pathLst>
-            <a:path>
-              <a:moveTo>
-                <a:pt x="0" y="0"/>
-              </a:moveTo>
-              <a:lnTo>
-                <a:pt x="0" y="997976"/>
-              </a:lnTo>
-              <a:lnTo>
-                <a:pt x="127945" y="997976"/>
-              </a:lnTo>
-            </a:path>
-          </a:pathLst>
-        </a:custGeom>
-        <a:noFill/>
-        <a:ln w="12700" cap="flat" cmpd="sng" algn="ctr">
-          <a:solidFill>
-            <a:schemeClr val="accent1">
-              <a:shade val="80000"/>
-              <a:hueOff val="0"/>
-              <a:satOff val="0"/>
-              <a:lumOff val="0"/>
-              <a:alphaOff val="0"/>
-            </a:schemeClr>
-          </a:solidFill>
-          <a:prstDash val="solid"/>
-          <a:miter lim="800000"/>
-        </a:ln>
-        <a:effectLst/>
-      </dsp:spPr>
-      <dsp:style>
-        <a:lnRef idx="2">
-          <a:scrgbClr r="0" g="0" b="0"/>
-        </a:lnRef>
-        <a:fillRef idx="0">
-          <a:scrgbClr r="0" g="0" b="0"/>
-        </a:fillRef>
-        <a:effectRef idx="0">
-          <a:scrgbClr r="0" g="0" b="0"/>
-        </a:effectRef>
-        <a:fontRef idx="minor"/>
-      </dsp:style>
-    </dsp:sp>
-    <dsp:sp modelId="{552F1557-B1B0-4F04-AAA9-6E65B036789B}">
-      <dsp:nvSpPr>
-        <dsp:cNvPr id="0" name=""/>
-        <dsp:cNvSpPr/>
-      </dsp:nvSpPr>
-      <dsp:spPr>
-        <a:xfrm>
-          <a:off x="1648578" y="1639633"/>
-          <a:ext cx="127945" cy="392366"/>
-        </a:xfrm>
-        <a:custGeom>
-          <a:avLst/>
-          <a:gdLst/>
-          <a:ahLst/>
-          <a:cxnLst/>
-          <a:rect l="0" t="0" r="0" b="0"/>
-          <a:pathLst>
-            <a:path>
-              <a:moveTo>
-                <a:pt x="0" y="0"/>
-              </a:moveTo>
-              <a:lnTo>
-                <a:pt x="0" y="392366"/>
-              </a:lnTo>
-              <a:lnTo>
-                <a:pt x="127945" y="392366"/>
-              </a:lnTo>
-            </a:path>
-          </a:pathLst>
-        </a:custGeom>
-        <a:noFill/>
-        <a:ln w="12700" cap="flat" cmpd="sng" algn="ctr">
-          <a:solidFill>
-            <a:schemeClr val="accent1">
-              <a:shade val="80000"/>
-              <a:hueOff val="0"/>
-              <a:satOff val="0"/>
-              <a:lumOff val="0"/>
-              <a:alphaOff val="0"/>
-            </a:schemeClr>
-          </a:solidFill>
-          <a:prstDash val="solid"/>
-          <a:miter lim="800000"/>
-        </a:ln>
-        <a:effectLst/>
-      </dsp:spPr>
-      <dsp:style>
-        <a:lnRef idx="2">
-          <a:scrgbClr r="0" g="0" b="0"/>
-        </a:lnRef>
-        <a:fillRef idx="0">
-          <a:scrgbClr r="0" g="0" b="0"/>
-        </a:fillRef>
-        <a:effectRef idx="0">
-          <a:scrgbClr r="0" g="0" b="0"/>
-        </a:effectRef>
-        <a:fontRef idx="minor"/>
-      </dsp:style>
-    </dsp:sp>
-    <dsp:sp modelId="{BF6B03BC-EFA2-4DA3-B89A-96DBFD8249F0}">
-      <dsp:nvSpPr>
-        <dsp:cNvPr id="0" name=""/>
-        <dsp:cNvSpPr/>
-      </dsp:nvSpPr>
-      <dsp:spPr>
-        <a:xfrm>
-          <a:off x="1989766" y="428414"/>
-          <a:ext cx="1912787" cy="784733"/>
-        </a:xfrm>
-        <a:custGeom>
-          <a:avLst/>
-          <a:gdLst/>
-          <a:ahLst/>
-          <a:cxnLst/>
-          <a:rect l="0" t="0" r="0" b="0"/>
-          <a:pathLst>
-            <a:path>
-              <a:moveTo>
-                <a:pt x="1912787" y="0"/>
-              </a:moveTo>
-              <a:lnTo>
-                <a:pt x="1912787" y="695171"/>
-              </a:lnTo>
-              <a:lnTo>
-                <a:pt x="0" y="695171"/>
-              </a:lnTo>
-              <a:lnTo>
-                <a:pt x="0" y="784733"/>
-              </a:lnTo>
-            </a:path>
-          </a:pathLst>
-        </a:custGeom>
-        <a:noFill/>
-        <a:ln w="12700" cap="flat" cmpd="sng" algn="ctr">
-          <a:solidFill>
-            <a:schemeClr val="accent1">
-              <a:shade val="60000"/>
-              <a:hueOff val="0"/>
-              <a:satOff val="0"/>
-              <a:lumOff val="0"/>
-              <a:alphaOff val="0"/>
-            </a:schemeClr>
-          </a:solidFill>
-          <a:prstDash val="solid"/>
-          <a:miter lim="800000"/>
-        </a:ln>
-        <a:effectLst/>
-      </dsp:spPr>
-      <dsp:style>
-        <a:lnRef idx="2">
-          <a:scrgbClr r="0" g="0" b="0"/>
-        </a:lnRef>
-        <a:fillRef idx="0">
-          <a:scrgbClr r="0" g="0" b="0"/>
-        </a:fillRef>
-        <a:effectRef idx="0">
-          <a:scrgbClr r="0" g="0" b="0"/>
-        </a:effectRef>
-        <a:fontRef idx="minor"/>
-      </dsp:style>
-    </dsp:sp>
-    <dsp:sp modelId="{D688C61D-FD02-4BF4-9CE9-F1E80F9EE4FF}">
-      <dsp:nvSpPr>
-        <dsp:cNvPr id="0" name=""/>
-        <dsp:cNvSpPr/>
-      </dsp:nvSpPr>
-      <dsp:spPr>
-        <a:xfrm>
-          <a:off x="616483" y="1639633"/>
-          <a:ext cx="127945" cy="1603585"/>
-        </a:xfrm>
-        <a:custGeom>
-          <a:avLst/>
-          <a:gdLst/>
-          <a:ahLst/>
-          <a:cxnLst/>
-          <a:rect l="0" t="0" r="0" b="0"/>
-          <a:pathLst>
-            <a:path>
-              <a:moveTo>
-                <a:pt x="0" y="0"/>
-              </a:moveTo>
-              <a:lnTo>
-                <a:pt x="0" y="1603585"/>
-              </a:lnTo>
-              <a:lnTo>
-                <a:pt x="127945" y="1603585"/>
-              </a:lnTo>
-            </a:path>
-          </a:pathLst>
-        </a:custGeom>
-        <a:noFill/>
-        <a:ln w="12700" cap="flat" cmpd="sng" algn="ctr">
-          <a:solidFill>
-            <a:schemeClr val="accent1">
-              <a:shade val="80000"/>
-              <a:hueOff val="0"/>
-              <a:satOff val="0"/>
-              <a:lumOff val="0"/>
-              <a:alphaOff val="0"/>
-            </a:schemeClr>
-          </a:solidFill>
-          <a:prstDash val="solid"/>
-          <a:miter lim="800000"/>
-        </a:ln>
-        <a:effectLst/>
-      </dsp:spPr>
-      <dsp:style>
-        <a:lnRef idx="2">
-          <a:scrgbClr r="0" g="0" b="0"/>
-        </a:lnRef>
-        <a:fillRef idx="0">
-          <a:scrgbClr r="0" g="0" b="0"/>
-        </a:fillRef>
-        <a:effectRef idx="0">
-          <a:scrgbClr r="0" g="0" b="0"/>
-        </a:effectRef>
-        <a:fontRef idx="minor"/>
-      </dsp:style>
-    </dsp:sp>
-    <dsp:sp modelId="{01DDCAAB-6E36-42A0-A33F-5D5E08F34D51}">
-      <dsp:nvSpPr>
-        <dsp:cNvPr id="0" name=""/>
-        <dsp:cNvSpPr/>
-      </dsp:nvSpPr>
-      <dsp:spPr>
-        <a:xfrm>
-          <a:off x="616483" y="1639633"/>
-          <a:ext cx="127945" cy="997976"/>
-        </a:xfrm>
-        <a:custGeom>
-          <a:avLst/>
-          <a:gdLst/>
-          <a:ahLst/>
-          <a:cxnLst/>
-          <a:rect l="0" t="0" r="0" b="0"/>
-          <a:pathLst>
-            <a:path>
-              <a:moveTo>
-                <a:pt x="0" y="0"/>
-              </a:moveTo>
-              <a:lnTo>
-                <a:pt x="0" y="997976"/>
-              </a:lnTo>
-              <a:lnTo>
-                <a:pt x="127945" y="997976"/>
-              </a:lnTo>
-            </a:path>
-          </a:pathLst>
-        </a:custGeom>
-        <a:noFill/>
-        <a:ln w="12700" cap="flat" cmpd="sng" algn="ctr">
-          <a:solidFill>
-            <a:schemeClr val="accent1">
-              <a:shade val="80000"/>
-              <a:hueOff val="0"/>
-              <a:satOff val="0"/>
-              <a:lumOff val="0"/>
-              <a:alphaOff val="0"/>
-            </a:schemeClr>
-          </a:solidFill>
-          <a:prstDash val="solid"/>
-          <a:miter lim="800000"/>
-        </a:ln>
-        <a:effectLst/>
-      </dsp:spPr>
-      <dsp:style>
-        <a:lnRef idx="2">
-          <a:scrgbClr r="0" g="0" b="0"/>
-        </a:lnRef>
-        <a:fillRef idx="0">
-          <a:scrgbClr r="0" g="0" b="0"/>
-        </a:fillRef>
-        <a:effectRef idx="0">
-          <a:scrgbClr r="0" g="0" b="0"/>
-        </a:effectRef>
-        <a:fontRef idx="minor"/>
-      </dsp:style>
-    </dsp:sp>
-    <dsp:sp modelId="{3AE0AA54-28B7-46A5-96A3-C3F81D0E4059}">
-      <dsp:nvSpPr>
-        <dsp:cNvPr id="0" name=""/>
-        <dsp:cNvSpPr/>
-      </dsp:nvSpPr>
-      <dsp:spPr>
-        <a:xfrm>
-          <a:off x="616483" y="1639633"/>
-          <a:ext cx="127945" cy="392366"/>
-        </a:xfrm>
-        <a:custGeom>
-          <a:avLst/>
-          <a:gdLst/>
-          <a:ahLst/>
-          <a:cxnLst/>
-          <a:rect l="0" t="0" r="0" b="0"/>
-          <a:pathLst>
-            <a:path>
-              <a:moveTo>
-                <a:pt x="0" y="0"/>
-              </a:moveTo>
-              <a:lnTo>
-                <a:pt x="0" y="392366"/>
-              </a:lnTo>
-              <a:lnTo>
-                <a:pt x="127945" y="392366"/>
-              </a:lnTo>
-            </a:path>
-          </a:pathLst>
-        </a:custGeom>
-        <a:noFill/>
-        <a:ln w="12700" cap="flat" cmpd="sng" algn="ctr">
-          <a:solidFill>
-            <a:schemeClr val="accent1">
-              <a:shade val="80000"/>
-              <a:hueOff val="0"/>
-              <a:satOff val="0"/>
-              <a:lumOff val="0"/>
-              <a:alphaOff val="0"/>
-            </a:schemeClr>
-          </a:solidFill>
-          <a:prstDash val="solid"/>
-          <a:miter lim="800000"/>
-        </a:ln>
-        <a:effectLst/>
-      </dsp:spPr>
-      <dsp:style>
-        <a:lnRef idx="2">
-          <a:scrgbClr r="0" g="0" b="0"/>
-        </a:lnRef>
-        <a:fillRef idx="0">
-          <a:scrgbClr r="0" g="0" b="0"/>
-        </a:fillRef>
-        <a:effectRef idx="0">
-          <a:scrgbClr r="0" g="0" b="0"/>
-        </a:effectRef>
-        <a:fontRef idx="minor"/>
-      </dsp:style>
-    </dsp:sp>
-    <dsp:sp modelId="{7ED864D9-C85B-4B69-98F3-0EFE469CB35B}">
-      <dsp:nvSpPr>
-        <dsp:cNvPr id="0" name=""/>
-        <dsp:cNvSpPr/>
-      </dsp:nvSpPr>
-      <dsp:spPr>
-        <a:xfrm>
-          <a:off x="957671" y="428414"/>
-          <a:ext cx="2944883" cy="784733"/>
-        </a:xfrm>
-        <a:custGeom>
-          <a:avLst/>
-          <a:gdLst/>
-          <a:ahLst/>
-          <a:cxnLst/>
-          <a:rect l="0" t="0" r="0" b="0"/>
-          <a:pathLst>
-            <a:path>
-              <a:moveTo>
-                <a:pt x="2944883" y="0"/>
-              </a:moveTo>
-              <a:lnTo>
-                <a:pt x="2944883" y="695171"/>
-              </a:lnTo>
-              <a:lnTo>
-                <a:pt x="0" y="695171"/>
-              </a:lnTo>
-              <a:lnTo>
-                <a:pt x="0" y="784733"/>
-              </a:lnTo>
-            </a:path>
-          </a:pathLst>
-        </a:custGeom>
-        <a:noFill/>
-        <a:ln w="12700" cap="flat" cmpd="sng" algn="ctr">
-          <a:solidFill>
-            <a:schemeClr val="accent1">
-              <a:shade val="60000"/>
-              <a:hueOff val="0"/>
-              <a:satOff val="0"/>
-              <a:lumOff val="0"/>
-              <a:alphaOff val="0"/>
-            </a:schemeClr>
-          </a:solidFill>
-          <a:prstDash val="solid"/>
-          <a:miter lim="800000"/>
-        </a:ln>
-        <a:effectLst/>
-      </dsp:spPr>
-      <dsp:style>
-        <a:lnRef idx="2">
-          <a:scrgbClr r="0" g="0" b="0"/>
-        </a:lnRef>
-        <a:fillRef idx="0">
-          <a:scrgbClr r="0" g="0" b="0"/>
-        </a:fillRef>
-        <a:effectRef idx="0">
-          <a:scrgbClr r="0" g="0" b="0"/>
-        </a:effectRef>
-        <a:fontRef idx="minor"/>
-      </dsp:style>
-    </dsp:sp>
-    <dsp:sp modelId="{86008366-0FB7-4C92-BDC6-FF1E05B2B85A}">
-      <dsp:nvSpPr>
-        <dsp:cNvPr id="0" name=""/>
-        <dsp:cNvSpPr/>
-      </dsp:nvSpPr>
-      <dsp:spPr>
-        <a:xfrm>
-          <a:off x="3476069" y="1928"/>
-          <a:ext cx="852971" cy="426485"/>
-        </a:xfrm>
-        <a:prstGeom prst="rect">
-          <a:avLst/>
-        </a:prstGeom>
-        <a:solidFill>
-          <a:schemeClr val="accent1">
-            <a:hueOff val="0"/>
-            <a:satOff val="0"/>
-            <a:lumOff val="0"/>
-            <a:alphaOff val="0"/>
-          </a:schemeClr>
-        </a:solidFill>
-        <a:ln w="12700" cap="flat" cmpd="sng" algn="ctr">
-          <a:solidFill>
-            <a:schemeClr val="lt1">
-              <a:hueOff val="0"/>
-              <a:satOff val="0"/>
-              <a:lumOff val="0"/>
-              <a:alphaOff val="0"/>
-            </a:schemeClr>
-          </a:solidFill>
-          <a:prstDash val="solid"/>
-          <a:miter lim="800000"/>
-        </a:ln>
-        <a:effectLst/>
-      </dsp:spPr>
-      <dsp:style>
-        <a:lnRef idx="2">
-          <a:scrgbClr r="0" g="0" b="0"/>
-        </a:lnRef>
-        <a:fillRef idx="1">
-          <a:scrgbClr r="0" g="0" b="0"/>
-        </a:fillRef>
-        <a:effectRef idx="0">
-          <a:scrgbClr r="0" g="0" b="0"/>
-        </a:effectRef>
-        <a:fontRef idx="minor">
-          <a:schemeClr val="lt1"/>
-        </a:fontRef>
-      </dsp:style>
-      <dsp:txBody>
-        <a:bodyPr spcFirstLastPara="0" vert="horz" wrap="square" lIns="6350" tIns="6350" rIns="6350" bIns="6350" numCol="1" spcCol="1270" anchor="ctr" anchorCtr="0">
-          <a:noAutofit/>
-        </a:bodyPr>
-        <a:lstStyle/>
-        <a:p>
-          <a:pPr lvl="0" algn="ctr" defTabSz="444500">
-            <a:lnSpc>
-              <a:spcPct val="90000"/>
-            </a:lnSpc>
-            <a:spcBef>
-              <a:spcPct val="0"/>
-            </a:spcBef>
-            <a:spcAft>
-              <a:spcPct val="35000"/>
-            </a:spcAft>
-          </a:pPr>
-          <a:r>
-            <a:rPr lang="zh-CN" altLang="en-US" sz="1000" kern="1200" dirty="0" smtClean="0"/>
-            <a:t>三创交叉融合空间主任</a:t>
-          </a:r>
-          <a:endParaRPr lang="zh-CN" altLang="en-US" sz="1000" kern="1200" dirty="0"/>
-        </a:p>
-      </dsp:txBody>
-      <dsp:txXfrm>
-        <a:off x="3476069" y="1928"/>
-        <a:ext cx="852971" cy="426485"/>
-      </dsp:txXfrm>
-    </dsp:sp>
-    <dsp:sp modelId="{0F159758-F441-4D8C-AEE1-9309EDC09E6C}">
-      <dsp:nvSpPr>
-        <dsp:cNvPr id="0" name=""/>
-        <dsp:cNvSpPr/>
-      </dsp:nvSpPr>
-      <dsp:spPr>
-        <a:xfrm>
-          <a:off x="531186" y="1213147"/>
-          <a:ext cx="852971" cy="426485"/>
-        </a:xfrm>
-        <a:prstGeom prst="rect">
-          <a:avLst/>
-        </a:prstGeom>
-        <a:solidFill>
-          <a:schemeClr val="accent1">
-            <a:hueOff val="0"/>
-            <a:satOff val="0"/>
-            <a:lumOff val="0"/>
-            <a:alphaOff val="0"/>
-          </a:schemeClr>
-        </a:solidFill>
-        <a:ln w="12700" cap="flat" cmpd="sng" algn="ctr">
-          <a:solidFill>
-            <a:schemeClr val="lt1">
-              <a:hueOff val="0"/>
-              <a:satOff val="0"/>
-              <a:lumOff val="0"/>
-              <a:alphaOff val="0"/>
-            </a:schemeClr>
-          </a:solidFill>
-          <a:prstDash val="solid"/>
-          <a:miter lim="800000"/>
-        </a:ln>
-        <a:effectLst/>
-      </dsp:spPr>
-      <dsp:style>
-        <a:lnRef idx="2">
-          <a:scrgbClr r="0" g="0" b="0"/>
-        </a:lnRef>
-        <a:fillRef idx="1">
-          <a:scrgbClr r="0" g="0" b="0"/>
-        </a:fillRef>
-        <a:effectRef idx="0">
-          <a:scrgbClr r="0" g="0" b="0"/>
-        </a:effectRef>
-        <a:fontRef idx="minor">
-          <a:schemeClr val="lt1"/>
-        </a:fontRef>
-      </dsp:style>
-      <dsp:txBody>
-        <a:bodyPr spcFirstLastPara="0" vert="horz" wrap="square" lIns="6350" tIns="6350" rIns="6350" bIns="6350" numCol="1" spcCol="1270" anchor="ctr" anchorCtr="0">
-          <a:noAutofit/>
-        </a:bodyPr>
-        <a:lstStyle/>
-        <a:p>
-          <a:pPr lvl="0" algn="ctr" defTabSz="444500">
-            <a:lnSpc>
-              <a:spcPct val="90000"/>
-            </a:lnSpc>
-            <a:spcBef>
-              <a:spcPct val="0"/>
-            </a:spcBef>
-            <a:spcAft>
-              <a:spcPct val="35000"/>
-            </a:spcAft>
-          </a:pPr>
-          <a:r>
-            <a:rPr lang="zh-CN" altLang="en-US" sz="1000" kern="1200" dirty="0" smtClean="0"/>
-            <a:t>教务教学</a:t>
-          </a:r>
-          <a:endParaRPr lang="zh-CN" altLang="en-US" sz="1000" kern="1200" dirty="0"/>
-        </a:p>
-      </dsp:txBody>
-      <dsp:txXfrm>
-        <a:off x="531186" y="1213147"/>
-        <a:ext cx="852971" cy="426485"/>
-      </dsp:txXfrm>
-    </dsp:sp>
-    <dsp:sp modelId="{71EAC77D-CB3E-465A-BA43-9DF50AAE3750}">
-      <dsp:nvSpPr>
-        <dsp:cNvPr id="0" name=""/>
-        <dsp:cNvSpPr/>
-      </dsp:nvSpPr>
-      <dsp:spPr>
-        <a:xfrm>
-          <a:off x="744428" y="1818757"/>
-          <a:ext cx="852971" cy="426485"/>
-        </a:xfrm>
-        <a:prstGeom prst="rect">
-          <a:avLst/>
-        </a:prstGeom>
-        <a:solidFill>
-          <a:schemeClr val="accent1">
-            <a:hueOff val="0"/>
-            <a:satOff val="0"/>
-            <a:lumOff val="0"/>
-            <a:alphaOff val="0"/>
-          </a:schemeClr>
-        </a:solidFill>
-        <a:ln w="12700" cap="flat" cmpd="sng" algn="ctr">
-          <a:solidFill>
-            <a:schemeClr val="lt1">
-              <a:hueOff val="0"/>
-              <a:satOff val="0"/>
-              <a:lumOff val="0"/>
-              <a:alphaOff val="0"/>
-            </a:schemeClr>
-          </a:solidFill>
-          <a:prstDash val="solid"/>
-          <a:miter lim="800000"/>
-        </a:ln>
-        <a:effectLst/>
-      </dsp:spPr>
-      <dsp:style>
-        <a:lnRef idx="2">
-          <a:scrgbClr r="0" g="0" b="0"/>
-        </a:lnRef>
-        <a:fillRef idx="1">
-          <a:scrgbClr r="0" g="0" b="0"/>
-        </a:fillRef>
-        <a:effectRef idx="0">
-          <a:scrgbClr r="0" g="0" b="0"/>
-        </a:effectRef>
-        <a:fontRef idx="minor">
-          <a:schemeClr val="lt1"/>
-        </a:fontRef>
-      </dsp:style>
-      <dsp:txBody>
-        <a:bodyPr spcFirstLastPara="0" vert="horz" wrap="square" lIns="6350" tIns="6350" rIns="6350" bIns="6350" numCol="1" spcCol="1270" anchor="ctr" anchorCtr="0">
-          <a:noAutofit/>
-        </a:bodyPr>
-        <a:lstStyle/>
-        <a:p>
-          <a:pPr lvl="0" algn="ctr" defTabSz="444500">
-            <a:lnSpc>
-              <a:spcPct val="90000"/>
-            </a:lnSpc>
-            <a:spcBef>
-              <a:spcPct val="0"/>
-            </a:spcBef>
-            <a:spcAft>
-              <a:spcPct val="35000"/>
-            </a:spcAft>
-          </a:pPr>
-          <a:r>
-            <a:rPr lang="zh-CN" altLang="en-US" sz="1000" kern="1200" dirty="0" smtClean="0"/>
-            <a:t>教学资源开发</a:t>
-          </a:r>
-          <a:endParaRPr lang="zh-CN" altLang="en-US" sz="1000" kern="1200" dirty="0"/>
-        </a:p>
-      </dsp:txBody>
-      <dsp:txXfrm>
-        <a:off x="744428" y="1818757"/>
-        <a:ext cx="852971" cy="426485"/>
-      </dsp:txXfrm>
-    </dsp:sp>
-    <dsp:sp modelId="{06919D50-67C9-4024-A49C-1B035BA2BE7B}">
-      <dsp:nvSpPr>
-        <dsp:cNvPr id="0" name=""/>
-        <dsp:cNvSpPr/>
-      </dsp:nvSpPr>
-      <dsp:spPr>
-        <a:xfrm>
-          <a:off x="744428" y="2424366"/>
-          <a:ext cx="852971" cy="426485"/>
-        </a:xfrm>
-        <a:prstGeom prst="rect">
-          <a:avLst/>
-        </a:prstGeom>
-        <a:solidFill>
-          <a:schemeClr val="accent1">
-            <a:hueOff val="0"/>
-            <a:satOff val="0"/>
-            <a:lumOff val="0"/>
-            <a:alphaOff val="0"/>
-          </a:schemeClr>
-        </a:solidFill>
-        <a:ln w="12700" cap="flat" cmpd="sng" algn="ctr">
-          <a:solidFill>
-            <a:schemeClr val="lt1">
-              <a:hueOff val="0"/>
-              <a:satOff val="0"/>
-              <a:lumOff val="0"/>
-              <a:alphaOff val="0"/>
-            </a:schemeClr>
-          </a:solidFill>
-          <a:prstDash val="solid"/>
-          <a:miter lim="800000"/>
-        </a:ln>
-        <a:effectLst/>
-      </dsp:spPr>
-      <dsp:style>
-        <a:lnRef idx="2">
-          <a:scrgbClr r="0" g="0" b="0"/>
-        </a:lnRef>
-        <a:fillRef idx="1">
-          <a:scrgbClr r="0" g="0" b="0"/>
-        </a:fillRef>
-        <a:effectRef idx="0">
-          <a:scrgbClr r="0" g="0" b="0"/>
-        </a:effectRef>
-        <a:fontRef idx="minor">
-          <a:schemeClr val="lt1"/>
-        </a:fontRef>
-      </dsp:style>
-      <dsp:txBody>
-        <a:bodyPr spcFirstLastPara="0" vert="horz" wrap="square" lIns="6350" tIns="6350" rIns="6350" bIns="6350" numCol="1" spcCol="1270" anchor="ctr" anchorCtr="0">
-          <a:noAutofit/>
-        </a:bodyPr>
-        <a:lstStyle/>
-        <a:p>
-          <a:pPr lvl="0" algn="ctr" defTabSz="444500">
-            <a:lnSpc>
-              <a:spcPct val="90000"/>
-            </a:lnSpc>
-            <a:spcBef>
-              <a:spcPct val="0"/>
-            </a:spcBef>
-            <a:spcAft>
-              <a:spcPct val="35000"/>
-            </a:spcAft>
-          </a:pPr>
-          <a:r>
-            <a:rPr lang="zh-CN" altLang="en-US" sz="1000" kern="1200" dirty="0" smtClean="0"/>
-            <a:t>教学活动组织</a:t>
-          </a:r>
-          <a:endParaRPr lang="zh-CN" altLang="en-US" sz="1000" kern="1200" dirty="0"/>
-        </a:p>
-      </dsp:txBody>
-      <dsp:txXfrm>
-        <a:off x="744428" y="2424366"/>
-        <a:ext cx="852971" cy="426485"/>
-      </dsp:txXfrm>
-    </dsp:sp>
-    <dsp:sp modelId="{70A67F56-58D7-420C-A80F-7DC712EE07A9}">
-      <dsp:nvSpPr>
-        <dsp:cNvPr id="0" name=""/>
-        <dsp:cNvSpPr/>
-      </dsp:nvSpPr>
-      <dsp:spPr>
-        <a:xfrm>
-          <a:off x="744428" y="3029976"/>
-          <a:ext cx="852971" cy="426485"/>
-        </a:xfrm>
-        <a:prstGeom prst="rect">
-          <a:avLst/>
-        </a:prstGeom>
-        <a:solidFill>
-          <a:schemeClr val="accent1">
-            <a:hueOff val="0"/>
-            <a:satOff val="0"/>
-            <a:lumOff val="0"/>
-            <a:alphaOff val="0"/>
-          </a:schemeClr>
-        </a:solidFill>
-        <a:ln w="12700" cap="flat" cmpd="sng" algn="ctr">
-          <a:solidFill>
-            <a:schemeClr val="lt1">
-              <a:hueOff val="0"/>
-              <a:satOff val="0"/>
-              <a:lumOff val="0"/>
-              <a:alphaOff val="0"/>
-            </a:schemeClr>
-          </a:solidFill>
-          <a:prstDash val="solid"/>
-          <a:miter lim="800000"/>
-        </a:ln>
-        <a:effectLst/>
-      </dsp:spPr>
-      <dsp:style>
-        <a:lnRef idx="2">
-          <a:scrgbClr r="0" g="0" b="0"/>
-        </a:lnRef>
-        <a:fillRef idx="1">
-          <a:scrgbClr r="0" g="0" b="0"/>
-        </a:fillRef>
-        <a:effectRef idx="0">
-          <a:scrgbClr r="0" g="0" b="0"/>
-        </a:effectRef>
-        <a:fontRef idx="minor">
-          <a:schemeClr val="lt1"/>
-        </a:fontRef>
-      </dsp:style>
-      <dsp:txBody>
-        <a:bodyPr spcFirstLastPara="0" vert="horz" wrap="square" lIns="6350" tIns="6350" rIns="6350" bIns="6350" numCol="1" spcCol="1270" anchor="ctr" anchorCtr="0">
-          <a:noAutofit/>
-        </a:bodyPr>
-        <a:lstStyle/>
-        <a:p>
-          <a:pPr lvl="0" algn="ctr" defTabSz="444500">
-            <a:lnSpc>
-              <a:spcPct val="90000"/>
-            </a:lnSpc>
-            <a:spcBef>
-              <a:spcPct val="0"/>
-            </a:spcBef>
-            <a:spcAft>
-              <a:spcPct val="35000"/>
-            </a:spcAft>
-          </a:pPr>
-          <a:r>
-            <a:rPr lang="zh-CN" altLang="en-US" sz="1000" kern="1200" dirty="0" smtClean="0"/>
-            <a:t>创客导师培训</a:t>
-          </a:r>
-          <a:endParaRPr lang="zh-CN" altLang="en-US" sz="1000" kern="1200" dirty="0"/>
-        </a:p>
-      </dsp:txBody>
-      <dsp:txXfrm>
-        <a:off x="744428" y="3029976"/>
-        <a:ext cx="852971" cy="426485"/>
-      </dsp:txXfrm>
-    </dsp:sp>
-    <dsp:sp modelId="{06298EFD-D1DB-486C-A22C-BCB95BF52930}">
-      <dsp:nvSpPr>
-        <dsp:cNvPr id="0" name=""/>
-        <dsp:cNvSpPr/>
-      </dsp:nvSpPr>
-      <dsp:spPr>
-        <a:xfrm>
-          <a:off x="1563281" y="1213147"/>
-          <a:ext cx="852971" cy="426485"/>
-        </a:xfrm>
-        <a:prstGeom prst="rect">
-          <a:avLst/>
-        </a:prstGeom>
-        <a:solidFill>
-          <a:schemeClr val="accent1">
-            <a:hueOff val="0"/>
-            <a:satOff val="0"/>
-            <a:lumOff val="0"/>
-            <a:alphaOff val="0"/>
-          </a:schemeClr>
-        </a:solidFill>
-        <a:ln w="12700" cap="flat" cmpd="sng" algn="ctr">
-          <a:solidFill>
-            <a:schemeClr val="lt1">
-              <a:hueOff val="0"/>
-              <a:satOff val="0"/>
-              <a:lumOff val="0"/>
-              <a:alphaOff val="0"/>
-            </a:schemeClr>
-          </a:solidFill>
-          <a:prstDash val="solid"/>
-          <a:miter lim="800000"/>
-        </a:ln>
-        <a:effectLst/>
-      </dsp:spPr>
-      <dsp:style>
-        <a:lnRef idx="2">
-          <a:scrgbClr r="0" g="0" b="0"/>
-        </a:lnRef>
-        <a:fillRef idx="1">
-          <a:scrgbClr r="0" g="0" b="0"/>
-        </a:fillRef>
-        <a:effectRef idx="0">
-          <a:scrgbClr r="0" g="0" b="0"/>
-        </a:effectRef>
-        <a:fontRef idx="minor">
-          <a:schemeClr val="lt1"/>
-        </a:fontRef>
-      </dsp:style>
-      <dsp:txBody>
-        <a:bodyPr spcFirstLastPara="0" vert="horz" wrap="square" lIns="6350" tIns="6350" rIns="6350" bIns="6350" numCol="1" spcCol="1270" anchor="ctr" anchorCtr="0">
-          <a:noAutofit/>
-        </a:bodyPr>
-        <a:lstStyle/>
-        <a:p>
-          <a:pPr lvl="0" algn="ctr" defTabSz="444500">
-            <a:lnSpc>
-              <a:spcPct val="90000"/>
-            </a:lnSpc>
-            <a:spcBef>
-              <a:spcPct val="0"/>
-            </a:spcBef>
-            <a:spcAft>
-              <a:spcPct val="35000"/>
-            </a:spcAft>
-          </a:pPr>
-          <a:r>
-            <a:rPr lang="zh-CN" altLang="en-US" sz="1000" kern="1200" dirty="0" smtClean="0"/>
-            <a:t>创客社团</a:t>
-          </a:r>
-          <a:endParaRPr lang="zh-CN" altLang="en-US" sz="1000" kern="1200" dirty="0"/>
-        </a:p>
-      </dsp:txBody>
-      <dsp:txXfrm>
-        <a:off x="1563281" y="1213147"/>
-        <a:ext cx="852971" cy="426485"/>
-      </dsp:txXfrm>
-    </dsp:sp>
-    <dsp:sp modelId="{797D3232-9AE5-424C-BF44-C67B11850F9E}">
-      <dsp:nvSpPr>
-        <dsp:cNvPr id="0" name=""/>
-        <dsp:cNvSpPr/>
-      </dsp:nvSpPr>
-      <dsp:spPr>
-        <a:xfrm>
-          <a:off x="1776524" y="1818757"/>
-          <a:ext cx="852971" cy="426485"/>
-        </a:xfrm>
-        <a:prstGeom prst="rect">
-          <a:avLst/>
-        </a:prstGeom>
-        <a:solidFill>
-          <a:schemeClr val="accent1">
-            <a:hueOff val="0"/>
-            <a:satOff val="0"/>
-            <a:lumOff val="0"/>
-            <a:alphaOff val="0"/>
-          </a:schemeClr>
-        </a:solidFill>
-        <a:ln w="12700" cap="flat" cmpd="sng" algn="ctr">
-          <a:solidFill>
-            <a:schemeClr val="lt1">
-              <a:hueOff val="0"/>
-              <a:satOff val="0"/>
-              <a:lumOff val="0"/>
-              <a:alphaOff val="0"/>
-            </a:schemeClr>
-          </a:solidFill>
-          <a:prstDash val="solid"/>
-          <a:miter lim="800000"/>
-        </a:ln>
-        <a:effectLst/>
-      </dsp:spPr>
-      <dsp:style>
-        <a:lnRef idx="2">
-          <a:scrgbClr r="0" g="0" b="0"/>
-        </a:lnRef>
-        <a:fillRef idx="1">
-          <a:scrgbClr r="0" g="0" b="0"/>
-        </a:fillRef>
-        <a:effectRef idx="0">
-          <a:scrgbClr r="0" g="0" b="0"/>
-        </a:effectRef>
-        <a:fontRef idx="minor">
-          <a:schemeClr val="lt1"/>
-        </a:fontRef>
-      </dsp:style>
-      <dsp:txBody>
-        <a:bodyPr spcFirstLastPara="0" vert="horz" wrap="square" lIns="6350" tIns="6350" rIns="6350" bIns="6350" numCol="1" spcCol="1270" anchor="ctr" anchorCtr="0">
-          <a:noAutofit/>
-        </a:bodyPr>
-        <a:lstStyle/>
-        <a:p>
-          <a:pPr lvl="0" algn="ctr" defTabSz="444500">
-            <a:lnSpc>
-              <a:spcPct val="90000"/>
-            </a:lnSpc>
-            <a:spcBef>
-              <a:spcPct val="0"/>
-            </a:spcBef>
-            <a:spcAft>
-              <a:spcPct val="35000"/>
-            </a:spcAft>
-          </a:pPr>
-          <a:r>
-            <a:rPr lang="zh-CN" altLang="en-US" sz="1000" kern="1200" dirty="0" smtClean="0"/>
-            <a:t>创客活动组织</a:t>
-          </a:r>
-          <a:endParaRPr lang="zh-CN" altLang="en-US" sz="1000" kern="1200" dirty="0"/>
-        </a:p>
-      </dsp:txBody>
-      <dsp:txXfrm>
-        <a:off x="1776524" y="1818757"/>
-        <a:ext cx="852971" cy="426485"/>
-      </dsp:txXfrm>
-    </dsp:sp>
-    <dsp:sp modelId="{2935C8D1-44E6-4B69-8643-30A7AFF510A9}">
-      <dsp:nvSpPr>
-        <dsp:cNvPr id="0" name=""/>
-        <dsp:cNvSpPr/>
-      </dsp:nvSpPr>
-      <dsp:spPr>
-        <a:xfrm>
-          <a:off x="1776524" y="2424366"/>
-          <a:ext cx="852971" cy="426485"/>
-        </a:xfrm>
-        <a:prstGeom prst="rect">
-          <a:avLst/>
-        </a:prstGeom>
-        <a:solidFill>
-          <a:schemeClr val="accent1">
-            <a:hueOff val="0"/>
-            <a:satOff val="0"/>
-            <a:lumOff val="0"/>
-            <a:alphaOff val="0"/>
-          </a:schemeClr>
-        </a:solidFill>
-        <a:ln w="12700" cap="flat" cmpd="sng" algn="ctr">
-          <a:solidFill>
-            <a:schemeClr val="lt1">
-              <a:hueOff val="0"/>
-              <a:satOff val="0"/>
-              <a:lumOff val="0"/>
-              <a:alphaOff val="0"/>
-            </a:schemeClr>
-          </a:solidFill>
-          <a:prstDash val="solid"/>
-          <a:miter lim="800000"/>
-        </a:ln>
-        <a:effectLst/>
-      </dsp:spPr>
-      <dsp:style>
-        <a:lnRef idx="2">
-          <a:scrgbClr r="0" g="0" b="0"/>
-        </a:lnRef>
-        <a:fillRef idx="1">
-          <a:scrgbClr r="0" g="0" b="0"/>
-        </a:fillRef>
-        <a:effectRef idx="0">
-          <a:scrgbClr r="0" g="0" b="0"/>
-        </a:effectRef>
-        <a:fontRef idx="minor">
-          <a:schemeClr val="lt1"/>
-        </a:fontRef>
-      </dsp:style>
-      <dsp:txBody>
-        <a:bodyPr spcFirstLastPara="0" vert="horz" wrap="square" lIns="6350" tIns="6350" rIns="6350" bIns="6350" numCol="1" spcCol="1270" anchor="ctr" anchorCtr="0">
-          <a:noAutofit/>
-        </a:bodyPr>
-        <a:lstStyle/>
-        <a:p>
-          <a:pPr lvl="0" algn="ctr" defTabSz="444500">
-            <a:lnSpc>
-              <a:spcPct val="90000"/>
-            </a:lnSpc>
-            <a:spcBef>
-              <a:spcPct val="0"/>
-            </a:spcBef>
-            <a:spcAft>
-              <a:spcPct val="35000"/>
-            </a:spcAft>
-          </a:pPr>
-          <a:r>
-            <a:rPr lang="zh-CN" altLang="en-US" sz="1000" kern="1200" dirty="0" smtClean="0"/>
-            <a:t>特色产品项目</a:t>
-          </a:r>
-          <a:endParaRPr lang="zh-CN" altLang="en-US" sz="1000" kern="1200" dirty="0"/>
-        </a:p>
-      </dsp:txBody>
-      <dsp:txXfrm>
-        <a:off x="1776524" y="2424366"/>
-        <a:ext cx="852971" cy="426485"/>
-      </dsp:txXfrm>
-    </dsp:sp>
-    <dsp:sp modelId="{6C8CDA26-59AB-49C6-93A5-8D64A5BC7860}">
-      <dsp:nvSpPr>
-        <dsp:cNvPr id="0" name=""/>
-        <dsp:cNvSpPr/>
-      </dsp:nvSpPr>
-      <dsp:spPr>
-        <a:xfrm>
-          <a:off x="2595376" y="1213147"/>
-          <a:ext cx="852971" cy="426485"/>
-        </a:xfrm>
-        <a:prstGeom prst="rect">
-          <a:avLst/>
-        </a:prstGeom>
-        <a:solidFill>
-          <a:schemeClr val="accent1">
-            <a:hueOff val="0"/>
-            <a:satOff val="0"/>
-            <a:lumOff val="0"/>
-            <a:alphaOff val="0"/>
-          </a:schemeClr>
-        </a:solidFill>
-        <a:ln w="12700" cap="flat" cmpd="sng" algn="ctr">
-          <a:solidFill>
-            <a:schemeClr val="lt1">
-              <a:hueOff val="0"/>
-              <a:satOff val="0"/>
-              <a:lumOff val="0"/>
-              <a:alphaOff val="0"/>
-            </a:schemeClr>
-          </a:solidFill>
-          <a:prstDash val="solid"/>
-          <a:miter lim="800000"/>
-        </a:ln>
-        <a:effectLst/>
-      </dsp:spPr>
-      <dsp:style>
-        <a:lnRef idx="2">
-          <a:scrgbClr r="0" g="0" b="0"/>
-        </a:lnRef>
-        <a:fillRef idx="1">
-          <a:scrgbClr r="0" g="0" b="0"/>
-        </a:fillRef>
-        <a:effectRef idx="0">
-          <a:scrgbClr r="0" g="0" b="0"/>
-        </a:effectRef>
-        <a:fontRef idx="minor">
-          <a:schemeClr val="lt1"/>
-        </a:fontRef>
-      </dsp:style>
-      <dsp:txBody>
-        <a:bodyPr spcFirstLastPara="0" vert="horz" wrap="square" lIns="6350" tIns="6350" rIns="6350" bIns="6350" numCol="1" spcCol="1270" anchor="ctr" anchorCtr="0">
-          <a:noAutofit/>
-        </a:bodyPr>
-        <a:lstStyle/>
-        <a:p>
-          <a:pPr lvl="0" algn="ctr" defTabSz="444500">
-            <a:lnSpc>
-              <a:spcPct val="90000"/>
-            </a:lnSpc>
-            <a:spcBef>
-              <a:spcPct val="0"/>
-            </a:spcBef>
-            <a:spcAft>
-              <a:spcPct val="35000"/>
-            </a:spcAft>
-          </a:pPr>
-          <a:r>
-            <a:rPr lang="zh-CN" altLang="en-US" sz="1000" kern="1200" dirty="0" smtClean="0"/>
-            <a:t>媒体宣传</a:t>
-          </a:r>
-          <a:endParaRPr lang="zh-CN" altLang="en-US" sz="1000" kern="1200" dirty="0"/>
-        </a:p>
-      </dsp:txBody>
-      <dsp:txXfrm>
-        <a:off x="2595376" y="1213147"/>
-        <a:ext cx="852971" cy="426485"/>
-      </dsp:txXfrm>
-    </dsp:sp>
-    <dsp:sp modelId="{EBEB1F0E-C0D6-4F95-BDC2-0A43E9F21597}">
-      <dsp:nvSpPr>
-        <dsp:cNvPr id="0" name=""/>
-        <dsp:cNvSpPr/>
-      </dsp:nvSpPr>
-      <dsp:spPr>
-        <a:xfrm>
-          <a:off x="2808619" y="1818757"/>
-          <a:ext cx="852971" cy="426485"/>
-        </a:xfrm>
-        <a:prstGeom prst="rect">
-          <a:avLst/>
-        </a:prstGeom>
-        <a:solidFill>
-          <a:schemeClr val="accent1">
-            <a:hueOff val="0"/>
-            <a:satOff val="0"/>
-            <a:lumOff val="0"/>
-            <a:alphaOff val="0"/>
-          </a:schemeClr>
-        </a:solidFill>
-        <a:ln w="12700" cap="flat" cmpd="sng" algn="ctr">
-          <a:solidFill>
-            <a:schemeClr val="lt1">
-              <a:hueOff val="0"/>
-              <a:satOff val="0"/>
-              <a:lumOff val="0"/>
-              <a:alphaOff val="0"/>
-            </a:schemeClr>
-          </a:solidFill>
-          <a:prstDash val="solid"/>
-          <a:miter lim="800000"/>
-        </a:ln>
-        <a:effectLst/>
-      </dsp:spPr>
-      <dsp:style>
-        <a:lnRef idx="2">
-          <a:scrgbClr r="0" g="0" b="0"/>
-        </a:lnRef>
-        <a:fillRef idx="1">
-          <a:scrgbClr r="0" g="0" b="0"/>
-        </a:fillRef>
-        <a:effectRef idx="0">
-          <a:scrgbClr r="0" g="0" b="0"/>
-        </a:effectRef>
-        <a:fontRef idx="minor">
-          <a:schemeClr val="lt1"/>
-        </a:fontRef>
-      </dsp:style>
-      <dsp:txBody>
-        <a:bodyPr spcFirstLastPara="0" vert="horz" wrap="square" lIns="6350" tIns="6350" rIns="6350" bIns="6350" numCol="1" spcCol="1270" anchor="ctr" anchorCtr="0">
-          <a:noAutofit/>
-        </a:bodyPr>
-        <a:lstStyle/>
-        <a:p>
-          <a:pPr lvl="0" algn="ctr" defTabSz="444500">
-            <a:lnSpc>
-              <a:spcPct val="90000"/>
-            </a:lnSpc>
-            <a:spcBef>
-              <a:spcPct val="0"/>
-            </a:spcBef>
-            <a:spcAft>
-              <a:spcPct val="35000"/>
-            </a:spcAft>
-          </a:pPr>
-          <a:r>
-            <a:rPr lang="zh-CN" altLang="en-US" sz="1000" kern="1200" dirty="0" smtClean="0"/>
-            <a:t>媒体内容</a:t>
-          </a:r>
-          <a:endParaRPr lang="zh-CN" altLang="en-US" sz="1000" kern="1200" dirty="0"/>
-        </a:p>
-      </dsp:txBody>
-      <dsp:txXfrm>
-        <a:off x="2808619" y="1818757"/>
-        <a:ext cx="852971" cy="426485"/>
-      </dsp:txXfrm>
-    </dsp:sp>
-    <dsp:sp modelId="{0FDCCED2-EA96-4282-AE75-4A10C99EBFFE}">
-      <dsp:nvSpPr>
-        <dsp:cNvPr id="0" name=""/>
-        <dsp:cNvSpPr/>
-      </dsp:nvSpPr>
-      <dsp:spPr>
-        <a:xfrm>
-          <a:off x="2808619" y="2424366"/>
-          <a:ext cx="852971" cy="426485"/>
-        </a:xfrm>
-        <a:prstGeom prst="rect">
-          <a:avLst/>
-        </a:prstGeom>
-        <a:solidFill>
-          <a:schemeClr val="accent1">
-            <a:hueOff val="0"/>
-            <a:satOff val="0"/>
-            <a:lumOff val="0"/>
-            <a:alphaOff val="0"/>
-          </a:schemeClr>
-        </a:solidFill>
-        <a:ln w="12700" cap="flat" cmpd="sng" algn="ctr">
-          <a:solidFill>
-            <a:schemeClr val="lt1">
-              <a:hueOff val="0"/>
-              <a:satOff val="0"/>
-              <a:lumOff val="0"/>
-              <a:alphaOff val="0"/>
-            </a:schemeClr>
-          </a:solidFill>
-          <a:prstDash val="solid"/>
-          <a:miter lim="800000"/>
-        </a:ln>
-        <a:effectLst/>
-      </dsp:spPr>
-      <dsp:style>
-        <a:lnRef idx="2">
-          <a:scrgbClr r="0" g="0" b="0"/>
-        </a:lnRef>
-        <a:fillRef idx="1">
-          <a:scrgbClr r="0" g="0" b="0"/>
-        </a:fillRef>
-        <a:effectRef idx="0">
-          <a:scrgbClr r="0" g="0" b="0"/>
-        </a:effectRef>
-        <a:fontRef idx="minor">
-          <a:schemeClr val="lt1"/>
-        </a:fontRef>
-      </dsp:style>
-      <dsp:txBody>
-        <a:bodyPr spcFirstLastPara="0" vert="horz" wrap="square" lIns="6350" tIns="6350" rIns="6350" bIns="6350" numCol="1" spcCol="1270" anchor="ctr" anchorCtr="0">
-          <a:noAutofit/>
-        </a:bodyPr>
-        <a:lstStyle/>
-        <a:p>
-          <a:pPr lvl="0" algn="ctr" defTabSz="444500">
-            <a:lnSpc>
-              <a:spcPct val="90000"/>
-            </a:lnSpc>
-            <a:spcBef>
-              <a:spcPct val="0"/>
-            </a:spcBef>
-            <a:spcAft>
-              <a:spcPct val="35000"/>
-            </a:spcAft>
-          </a:pPr>
-          <a:r>
-            <a:rPr lang="zh-CN" altLang="en-US" sz="1000" kern="1200" dirty="0" smtClean="0"/>
-            <a:t>媒体发布</a:t>
-          </a:r>
-          <a:endParaRPr lang="zh-CN" altLang="en-US" sz="1000" kern="1200" dirty="0"/>
-        </a:p>
-      </dsp:txBody>
-      <dsp:txXfrm>
-        <a:off x="2808619" y="2424366"/>
-        <a:ext cx="852971" cy="426485"/>
-      </dsp:txXfrm>
-    </dsp:sp>
-    <dsp:sp modelId="{F426A612-7524-4F57-972A-1D5956A752DF}">
-      <dsp:nvSpPr>
-        <dsp:cNvPr id="0" name=""/>
-        <dsp:cNvSpPr/>
-      </dsp:nvSpPr>
-      <dsp:spPr>
-        <a:xfrm>
-          <a:off x="2808619" y="3029976"/>
-          <a:ext cx="852971" cy="426485"/>
-        </a:xfrm>
-        <a:prstGeom prst="rect">
-          <a:avLst/>
-        </a:prstGeom>
-        <a:solidFill>
-          <a:schemeClr val="accent1">
-            <a:hueOff val="0"/>
-            <a:satOff val="0"/>
-            <a:lumOff val="0"/>
-            <a:alphaOff val="0"/>
-          </a:schemeClr>
-        </a:solidFill>
-        <a:ln w="12700" cap="flat" cmpd="sng" algn="ctr">
-          <a:solidFill>
-            <a:schemeClr val="lt1">
-              <a:hueOff val="0"/>
-              <a:satOff val="0"/>
-              <a:lumOff val="0"/>
-              <a:alphaOff val="0"/>
-            </a:schemeClr>
-          </a:solidFill>
-          <a:prstDash val="solid"/>
-          <a:miter lim="800000"/>
-        </a:ln>
-        <a:effectLst/>
-      </dsp:spPr>
-      <dsp:style>
-        <a:lnRef idx="2">
-          <a:scrgbClr r="0" g="0" b="0"/>
-        </a:lnRef>
-        <a:fillRef idx="1">
-          <a:scrgbClr r="0" g="0" b="0"/>
-        </a:fillRef>
-        <a:effectRef idx="0">
-          <a:scrgbClr r="0" g="0" b="0"/>
-        </a:effectRef>
-        <a:fontRef idx="minor">
-          <a:schemeClr val="lt1"/>
-        </a:fontRef>
-      </dsp:style>
-      <dsp:txBody>
-        <a:bodyPr spcFirstLastPara="0" vert="horz" wrap="square" lIns="6350" tIns="6350" rIns="6350" bIns="6350" numCol="1" spcCol="1270" anchor="ctr" anchorCtr="0">
-          <a:noAutofit/>
-        </a:bodyPr>
-        <a:lstStyle/>
-        <a:p>
-          <a:pPr lvl="0" algn="ctr" defTabSz="444500">
-            <a:lnSpc>
-              <a:spcPct val="90000"/>
-            </a:lnSpc>
-            <a:spcBef>
-              <a:spcPct val="0"/>
-            </a:spcBef>
-            <a:spcAft>
-              <a:spcPct val="35000"/>
-            </a:spcAft>
-          </a:pPr>
-          <a:r>
-            <a:rPr lang="zh-CN" altLang="en-US" sz="1000" kern="1200" dirty="0" smtClean="0"/>
-            <a:t>公共关系管理</a:t>
-          </a:r>
-          <a:endParaRPr lang="zh-CN" altLang="en-US" sz="1000" kern="1200" dirty="0"/>
-        </a:p>
-      </dsp:txBody>
-      <dsp:txXfrm>
-        <a:off x="2808619" y="3029976"/>
-        <a:ext cx="852971" cy="426485"/>
-      </dsp:txXfrm>
-    </dsp:sp>
-    <dsp:sp modelId="{A141CB1A-5534-4C27-9F7E-09098D8EBEC6}">
-      <dsp:nvSpPr>
-        <dsp:cNvPr id="0" name=""/>
-        <dsp:cNvSpPr/>
-      </dsp:nvSpPr>
-      <dsp:spPr>
-        <a:xfrm>
-          <a:off x="3627471" y="1213147"/>
-          <a:ext cx="852971" cy="426485"/>
-        </a:xfrm>
-        <a:prstGeom prst="rect">
-          <a:avLst/>
-        </a:prstGeom>
-        <a:solidFill>
-          <a:schemeClr val="accent1">
-            <a:hueOff val="0"/>
-            <a:satOff val="0"/>
-            <a:lumOff val="0"/>
-            <a:alphaOff val="0"/>
-          </a:schemeClr>
-        </a:solidFill>
-        <a:ln w="12700" cap="flat" cmpd="sng" algn="ctr">
-          <a:solidFill>
-            <a:schemeClr val="lt1">
-              <a:hueOff val="0"/>
-              <a:satOff val="0"/>
-              <a:lumOff val="0"/>
-              <a:alphaOff val="0"/>
-            </a:schemeClr>
-          </a:solidFill>
-          <a:prstDash val="solid"/>
-          <a:miter lim="800000"/>
-        </a:ln>
-        <a:effectLst/>
-      </dsp:spPr>
-      <dsp:style>
-        <a:lnRef idx="2">
-          <a:scrgbClr r="0" g="0" b="0"/>
-        </a:lnRef>
-        <a:fillRef idx="1">
-          <a:scrgbClr r="0" g="0" b="0"/>
-        </a:fillRef>
-        <a:effectRef idx="0">
-          <a:scrgbClr r="0" g="0" b="0"/>
-        </a:effectRef>
-        <a:fontRef idx="minor">
-          <a:schemeClr val="lt1"/>
-        </a:fontRef>
-      </dsp:style>
-      <dsp:txBody>
-        <a:bodyPr spcFirstLastPara="0" vert="horz" wrap="square" lIns="6350" tIns="6350" rIns="6350" bIns="6350" numCol="1" spcCol="1270" anchor="ctr" anchorCtr="0">
-          <a:noAutofit/>
-        </a:bodyPr>
-        <a:lstStyle/>
-        <a:p>
-          <a:pPr lvl="0" algn="ctr" defTabSz="444500">
-            <a:lnSpc>
-              <a:spcPct val="90000"/>
-            </a:lnSpc>
-            <a:spcBef>
-              <a:spcPct val="0"/>
-            </a:spcBef>
-            <a:spcAft>
-              <a:spcPct val="35000"/>
-            </a:spcAft>
-          </a:pPr>
-          <a:r>
-            <a:rPr lang="zh-CN" altLang="en-US" sz="1000" kern="1200" dirty="0" smtClean="0"/>
-            <a:t>资源开发</a:t>
-          </a:r>
-          <a:endParaRPr lang="zh-CN" altLang="en-US" sz="1000" kern="1200" dirty="0"/>
-        </a:p>
-      </dsp:txBody>
-      <dsp:txXfrm>
-        <a:off x="3627471" y="1213147"/>
-        <a:ext cx="852971" cy="426485"/>
-      </dsp:txXfrm>
-    </dsp:sp>
-    <dsp:sp modelId="{1A215417-D9B2-488C-9B42-0001A0A1C998}">
-      <dsp:nvSpPr>
-        <dsp:cNvPr id="0" name=""/>
-        <dsp:cNvSpPr/>
-      </dsp:nvSpPr>
-      <dsp:spPr>
-        <a:xfrm>
-          <a:off x="3840714" y="1818757"/>
-          <a:ext cx="852971" cy="426485"/>
-        </a:xfrm>
-        <a:prstGeom prst="rect">
-          <a:avLst/>
-        </a:prstGeom>
-        <a:solidFill>
-          <a:schemeClr val="accent1">
-            <a:hueOff val="0"/>
-            <a:satOff val="0"/>
-            <a:lumOff val="0"/>
-            <a:alphaOff val="0"/>
-          </a:schemeClr>
-        </a:solidFill>
-        <a:ln w="12700" cap="flat" cmpd="sng" algn="ctr">
-          <a:solidFill>
-            <a:schemeClr val="lt1">
-              <a:hueOff val="0"/>
-              <a:satOff val="0"/>
-              <a:lumOff val="0"/>
-              <a:alphaOff val="0"/>
-            </a:schemeClr>
-          </a:solidFill>
-          <a:prstDash val="solid"/>
-          <a:miter lim="800000"/>
-        </a:ln>
-        <a:effectLst/>
-      </dsp:spPr>
-      <dsp:style>
-        <a:lnRef idx="2">
-          <a:scrgbClr r="0" g="0" b="0"/>
-        </a:lnRef>
-        <a:fillRef idx="1">
-          <a:scrgbClr r="0" g="0" b="0"/>
-        </a:fillRef>
-        <a:effectRef idx="0">
-          <a:scrgbClr r="0" g="0" b="0"/>
-        </a:effectRef>
-        <a:fontRef idx="minor">
-          <a:schemeClr val="lt1"/>
-        </a:fontRef>
-      </dsp:style>
-      <dsp:txBody>
-        <a:bodyPr spcFirstLastPara="0" vert="horz" wrap="square" lIns="6350" tIns="6350" rIns="6350" bIns="6350" numCol="1" spcCol="1270" anchor="ctr" anchorCtr="0">
-          <a:noAutofit/>
-        </a:bodyPr>
-        <a:lstStyle/>
-        <a:p>
-          <a:pPr lvl="0" algn="ctr" defTabSz="444500">
-            <a:lnSpc>
-              <a:spcPct val="90000"/>
-            </a:lnSpc>
-            <a:spcBef>
-              <a:spcPct val="0"/>
-            </a:spcBef>
-            <a:spcAft>
-              <a:spcPct val="35000"/>
-            </a:spcAft>
-          </a:pPr>
-          <a:r>
-            <a:rPr lang="zh-CN" altLang="en-US" sz="1000" kern="1200" dirty="0" smtClean="0"/>
-            <a:t>创客导师管理</a:t>
-          </a:r>
-          <a:endParaRPr lang="zh-CN" altLang="en-US" sz="1000" kern="1200" dirty="0"/>
-        </a:p>
-      </dsp:txBody>
-      <dsp:txXfrm>
-        <a:off x="3840714" y="1818757"/>
-        <a:ext cx="852971" cy="426485"/>
-      </dsp:txXfrm>
-    </dsp:sp>
-    <dsp:sp modelId="{518E444F-BCD3-46E6-B6C6-06387E56D459}">
-      <dsp:nvSpPr>
-        <dsp:cNvPr id="0" name=""/>
-        <dsp:cNvSpPr/>
-      </dsp:nvSpPr>
-      <dsp:spPr>
-        <a:xfrm>
-          <a:off x="3840714" y="2424366"/>
-          <a:ext cx="852971" cy="426485"/>
-        </a:xfrm>
-        <a:prstGeom prst="rect">
-          <a:avLst/>
-        </a:prstGeom>
-        <a:solidFill>
-          <a:schemeClr val="accent1">
-            <a:hueOff val="0"/>
-            <a:satOff val="0"/>
-            <a:lumOff val="0"/>
-            <a:alphaOff val="0"/>
-          </a:schemeClr>
-        </a:solidFill>
-        <a:ln w="12700" cap="flat" cmpd="sng" algn="ctr">
-          <a:solidFill>
-            <a:schemeClr val="lt1">
-              <a:hueOff val="0"/>
-              <a:satOff val="0"/>
-              <a:lumOff val="0"/>
-              <a:alphaOff val="0"/>
-            </a:schemeClr>
-          </a:solidFill>
-          <a:prstDash val="solid"/>
-          <a:miter lim="800000"/>
-        </a:ln>
-        <a:effectLst/>
-      </dsp:spPr>
-      <dsp:style>
-        <a:lnRef idx="2">
-          <a:scrgbClr r="0" g="0" b="0"/>
-        </a:lnRef>
-        <a:fillRef idx="1">
-          <a:scrgbClr r="0" g="0" b="0"/>
-        </a:fillRef>
-        <a:effectRef idx="0">
-          <a:scrgbClr r="0" g="0" b="0"/>
-        </a:effectRef>
-        <a:fontRef idx="minor">
-          <a:schemeClr val="lt1"/>
-        </a:fontRef>
-      </dsp:style>
-      <dsp:txBody>
-        <a:bodyPr spcFirstLastPara="0" vert="horz" wrap="square" lIns="6350" tIns="6350" rIns="6350" bIns="6350" numCol="1" spcCol="1270" anchor="ctr" anchorCtr="0">
-          <a:noAutofit/>
-        </a:bodyPr>
-        <a:lstStyle/>
-        <a:p>
-          <a:pPr lvl="0" algn="ctr" defTabSz="444500">
-            <a:lnSpc>
-              <a:spcPct val="90000"/>
-            </a:lnSpc>
-            <a:spcBef>
-              <a:spcPct val="0"/>
-            </a:spcBef>
-            <a:spcAft>
-              <a:spcPct val="35000"/>
-            </a:spcAft>
-          </a:pPr>
-          <a:r>
-            <a:rPr lang="zh-CN" altLang="en-US" sz="1000" kern="1200" dirty="0" smtClean="0"/>
-            <a:t>学生团队管理</a:t>
-          </a:r>
-          <a:endParaRPr lang="zh-CN" altLang="en-US" sz="1000" kern="1200" dirty="0"/>
-        </a:p>
-      </dsp:txBody>
-      <dsp:txXfrm>
-        <a:off x="3840714" y="2424366"/>
-        <a:ext cx="852971" cy="426485"/>
-      </dsp:txXfrm>
-    </dsp:sp>
-    <dsp:sp modelId="{29137021-6411-4F11-A186-8919F9C4A72C}">
-      <dsp:nvSpPr>
-        <dsp:cNvPr id="0" name=""/>
-        <dsp:cNvSpPr/>
-      </dsp:nvSpPr>
-      <dsp:spPr>
-        <a:xfrm>
-          <a:off x="3840714" y="3029976"/>
-          <a:ext cx="852971" cy="426485"/>
-        </a:xfrm>
-        <a:prstGeom prst="rect">
-          <a:avLst/>
-        </a:prstGeom>
-        <a:solidFill>
-          <a:schemeClr val="accent1">
-            <a:hueOff val="0"/>
-            <a:satOff val="0"/>
-            <a:lumOff val="0"/>
-            <a:alphaOff val="0"/>
-          </a:schemeClr>
-        </a:solidFill>
-        <a:ln w="12700" cap="flat" cmpd="sng" algn="ctr">
-          <a:solidFill>
-            <a:schemeClr val="lt1">
-              <a:hueOff val="0"/>
-              <a:satOff val="0"/>
-              <a:lumOff val="0"/>
-              <a:alphaOff val="0"/>
-            </a:schemeClr>
-          </a:solidFill>
-          <a:prstDash val="solid"/>
-          <a:miter lim="800000"/>
-        </a:ln>
-        <a:effectLst/>
-      </dsp:spPr>
-      <dsp:style>
-        <a:lnRef idx="2">
-          <a:scrgbClr r="0" g="0" b="0"/>
-        </a:lnRef>
-        <a:fillRef idx="1">
-          <a:scrgbClr r="0" g="0" b="0"/>
-        </a:fillRef>
-        <a:effectRef idx="0">
-          <a:scrgbClr r="0" g="0" b="0"/>
-        </a:effectRef>
-        <a:fontRef idx="minor">
-          <a:schemeClr val="lt1"/>
-        </a:fontRef>
-      </dsp:style>
-      <dsp:txBody>
-        <a:bodyPr spcFirstLastPara="0" vert="horz" wrap="square" lIns="6350" tIns="6350" rIns="6350" bIns="6350" numCol="1" spcCol="1270" anchor="ctr" anchorCtr="0">
-          <a:noAutofit/>
-        </a:bodyPr>
-        <a:lstStyle/>
-        <a:p>
-          <a:pPr lvl="0" algn="ctr" defTabSz="444500">
-            <a:lnSpc>
-              <a:spcPct val="90000"/>
-            </a:lnSpc>
-            <a:spcBef>
-              <a:spcPct val="0"/>
-            </a:spcBef>
-            <a:spcAft>
-              <a:spcPct val="35000"/>
-            </a:spcAft>
-          </a:pPr>
-          <a:r>
-            <a:rPr lang="zh-CN" altLang="en-US" sz="1000" kern="1200" dirty="0" smtClean="0"/>
-            <a:t>三创基金管理</a:t>
-          </a:r>
-          <a:endParaRPr lang="zh-CN" altLang="en-US" sz="1000" kern="1200" dirty="0"/>
-        </a:p>
-      </dsp:txBody>
-      <dsp:txXfrm>
-        <a:off x="3840714" y="3029976"/>
-        <a:ext cx="852971" cy="426485"/>
-      </dsp:txXfrm>
-    </dsp:sp>
-    <dsp:sp modelId="{278A9DE4-8DE7-47A2-8D90-A0EED2C32556}">
-      <dsp:nvSpPr>
-        <dsp:cNvPr id="0" name=""/>
-        <dsp:cNvSpPr/>
-      </dsp:nvSpPr>
-      <dsp:spPr>
-        <a:xfrm>
-          <a:off x="3840714" y="3635585"/>
-          <a:ext cx="852971" cy="426485"/>
-        </a:xfrm>
-        <a:prstGeom prst="rect">
-          <a:avLst/>
-        </a:prstGeom>
-        <a:solidFill>
-          <a:schemeClr val="accent1">
-            <a:hueOff val="0"/>
-            <a:satOff val="0"/>
-            <a:lumOff val="0"/>
-            <a:alphaOff val="0"/>
-          </a:schemeClr>
-        </a:solidFill>
-        <a:ln w="12700" cap="flat" cmpd="sng" algn="ctr">
-          <a:solidFill>
-            <a:schemeClr val="lt1">
-              <a:hueOff val="0"/>
-              <a:satOff val="0"/>
-              <a:lumOff val="0"/>
-              <a:alphaOff val="0"/>
-            </a:schemeClr>
-          </a:solidFill>
-          <a:prstDash val="solid"/>
-          <a:miter lim="800000"/>
-        </a:ln>
-        <a:effectLst/>
-      </dsp:spPr>
-      <dsp:style>
-        <a:lnRef idx="2">
-          <a:scrgbClr r="0" g="0" b="0"/>
-        </a:lnRef>
-        <a:fillRef idx="1">
-          <a:scrgbClr r="0" g="0" b="0"/>
-        </a:fillRef>
-        <a:effectRef idx="0">
-          <a:scrgbClr r="0" g="0" b="0"/>
-        </a:effectRef>
-        <a:fontRef idx="minor">
-          <a:schemeClr val="lt1"/>
-        </a:fontRef>
-      </dsp:style>
-      <dsp:txBody>
-        <a:bodyPr spcFirstLastPara="0" vert="horz" wrap="square" lIns="6350" tIns="6350" rIns="6350" bIns="6350" numCol="1" spcCol="1270" anchor="ctr" anchorCtr="0">
-          <a:noAutofit/>
-        </a:bodyPr>
-        <a:lstStyle/>
-        <a:p>
-          <a:pPr lvl="0" algn="ctr" defTabSz="444500">
-            <a:lnSpc>
-              <a:spcPct val="90000"/>
-            </a:lnSpc>
-            <a:spcBef>
-              <a:spcPct val="0"/>
-            </a:spcBef>
-            <a:spcAft>
-              <a:spcPct val="35000"/>
-            </a:spcAft>
-          </a:pPr>
-          <a:r>
-            <a:rPr lang="zh-CN" altLang="en-US" sz="1000" kern="1200" dirty="0" smtClean="0"/>
-            <a:t>认证管理</a:t>
-          </a:r>
-          <a:endParaRPr lang="zh-CN" altLang="en-US" sz="1000" kern="1200" dirty="0"/>
-        </a:p>
-      </dsp:txBody>
-      <dsp:txXfrm>
-        <a:off x="3840714" y="3635585"/>
-        <a:ext cx="852971" cy="426485"/>
-      </dsp:txXfrm>
-    </dsp:sp>
-    <dsp:sp modelId="{EF3C0A90-A087-41DF-8176-41FE4F3AD08F}">
-      <dsp:nvSpPr>
-        <dsp:cNvPr id="0" name=""/>
-        <dsp:cNvSpPr/>
-      </dsp:nvSpPr>
-      <dsp:spPr>
-        <a:xfrm>
-          <a:off x="4659566" y="1213147"/>
-          <a:ext cx="852971" cy="426485"/>
-        </a:xfrm>
-        <a:prstGeom prst="rect">
-          <a:avLst/>
-        </a:prstGeom>
-        <a:solidFill>
-          <a:schemeClr val="accent1">
-            <a:hueOff val="0"/>
-            <a:satOff val="0"/>
-            <a:lumOff val="0"/>
-            <a:alphaOff val="0"/>
-          </a:schemeClr>
-        </a:solidFill>
-        <a:ln w="12700" cap="flat" cmpd="sng" algn="ctr">
-          <a:solidFill>
-            <a:schemeClr val="lt1">
-              <a:hueOff val="0"/>
-              <a:satOff val="0"/>
-              <a:lumOff val="0"/>
-              <a:alphaOff val="0"/>
-            </a:schemeClr>
-          </a:solidFill>
-          <a:prstDash val="solid"/>
-          <a:miter lim="800000"/>
-        </a:ln>
-        <a:effectLst/>
-      </dsp:spPr>
-      <dsp:style>
-        <a:lnRef idx="2">
-          <a:scrgbClr r="0" g="0" b="0"/>
-        </a:lnRef>
-        <a:fillRef idx="1">
-          <a:scrgbClr r="0" g="0" b="0"/>
-        </a:fillRef>
-        <a:effectRef idx="0">
-          <a:scrgbClr r="0" g="0" b="0"/>
-        </a:effectRef>
-        <a:fontRef idx="minor">
-          <a:schemeClr val="lt1"/>
-        </a:fontRef>
-      </dsp:style>
-      <dsp:txBody>
-        <a:bodyPr spcFirstLastPara="0" vert="horz" wrap="square" lIns="6350" tIns="6350" rIns="6350" bIns="6350" numCol="1" spcCol="1270" anchor="ctr" anchorCtr="0">
-          <a:noAutofit/>
-        </a:bodyPr>
-        <a:lstStyle/>
-        <a:p>
-          <a:pPr lvl="0" algn="ctr" defTabSz="444500">
-            <a:lnSpc>
-              <a:spcPct val="90000"/>
-            </a:lnSpc>
-            <a:spcBef>
-              <a:spcPct val="0"/>
-            </a:spcBef>
-            <a:spcAft>
-              <a:spcPct val="35000"/>
-            </a:spcAft>
-          </a:pPr>
-          <a:r>
-            <a:rPr lang="zh-CN" altLang="en-US" sz="1000" kern="1200" dirty="0" smtClean="0"/>
-            <a:t>数据中心</a:t>
-          </a:r>
-          <a:endParaRPr lang="zh-CN" altLang="en-US" sz="1000" kern="1200" dirty="0"/>
-        </a:p>
-      </dsp:txBody>
-      <dsp:txXfrm>
-        <a:off x="4659566" y="1213147"/>
-        <a:ext cx="852971" cy="426485"/>
-      </dsp:txXfrm>
-    </dsp:sp>
-    <dsp:sp modelId="{42D3BA41-8AEB-4F5C-ADED-0C6D67B6AC2D}">
-      <dsp:nvSpPr>
-        <dsp:cNvPr id="0" name=""/>
-        <dsp:cNvSpPr/>
-      </dsp:nvSpPr>
-      <dsp:spPr>
-        <a:xfrm>
-          <a:off x="4872809" y="1818757"/>
-          <a:ext cx="852971" cy="426485"/>
-        </a:xfrm>
-        <a:prstGeom prst="rect">
-          <a:avLst/>
-        </a:prstGeom>
-        <a:solidFill>
-          <a:schemeClr val="accent1">
-            <a:hueOff val="0"/>
-            <a:satOff val="0"/>
-            <a:lumOff val="0"/>
-            <a:alphaOff val="0"/>
-          </a:schemeClr>
-        </a:solidFill>
-        <a:ln w="12700" cap="flat" cmpd="sng" algn="ctr">
-          <a:solidFill>
-            <a:schemeClr val="lt1">
-              <a:hueOff val="0"/>
-              <a:satOff val="0"/>
-              <a:lumOff val="0"/>
-              <a:alphaOff val="0"/>
-            </a:schemeClr>
-          </a:solidFill>
-          <a:prstDash val="solid"/>
-          <a:miter lim="800000"/>
-        </a:ln>
-        <a:effectLst/>
-      </dsp:spPr>
-      <dsp:style>
-        <a:lnRef idx="2">
-          <a:scrgbClr r="0" g="0" b="0"/>
-        </a:lnRef>
-        <a:fillRef idx="1">
-          <a:scrgbClr r="0" g="0" b="0"/>
-        </a:fillRef>
-        <a:effectRef idx="0">
-          <a:scrgbClr r="0" g="0" b="0"/>
-        </a:effectRef>
-        <a:fontRef idx="minor">
-          <a:schemeClr val="lt1"/>
-        </a:fontRef>
-      </dsp:style>
-      <dsp:txBody>
-        <a:bodyPr spcFirstLastPara="0" vert="horz" wrap="square" lIns="6350" tIns="6350" rIns="6350" bIns="6350" numCol="1" spcCol="1270" anchor="ctr" anchorCtr="0">
-          <a:noAutofit/>
-        </a:bodyPr>
-        <a:lstStyle/>
-        <a:p>
-          <a:pPr lvl="0" algn="ctr" defTabSz="444500">
-            <a:lnSpc>
-              <a:spcPct val="90000"/>
-            </a:lnSpc>
-            <a:spcBef>
-              <a:spcPct val="0"/>
-            </a:spcBef>
-            <a:spcAft>
-              <a:spcPct val="35000"/>
-            </a:spcAft>
-          </a:pPr>
-          <a:r>
-            <a:rPr lang="zh-CN" altLang="en-US" sz="1000" kern="1200" dirty="0" smtClean="0"/>
-            <a:t>空间资源管理</a:t>
-          </a:r>
-          <a:endParaRPr lang="zh-CN" altLang="en-US" sz="1000" kern="1200" dirty="0"/>
-        </a:p>
-      </dsp:txBody>
-      <dsp:txXfrm>
-        <a:off x="4872809" y="1818757"/>
-        <a:ext cx="852971" cy="426485"/>
-      </dsp:txXfrm>
-    </dsp:sp>
-    <dsp:sp modelId="{C8D55184-A394-48E3-A09E-C68E6EE66F65}">
-      <dsp:nvSpPr>
-        <dsp:cNvPr id="0" name=""/>
-        <dsp:cNvSpPr/>
-      </dsp:nvSpPr>
-      <dsp:spPr>
-        <a:xfrm>
-          <a:off x="4872809" y="2424366"/>
-          <a:ext cx="852971" cy="426485"/>
-        </a:xfrm>
-        <a:prstGeom prst="rect">
-          <a:avLst/>
-        </a:prstGeom>
-        <a:solidFill>
-          <a:schemeClr val="accent1">
-            <a:hueOff val="0"/>
-            <a:satOff val="0"/>
-            <a:lumOff val="0"/>
-            <a:alphaOff val="0"/>
-          </a:schemeClr>
-        </a:solidFill>
-        <a:ln w="12700" cap="flat" cmpd="sng" algn="ctr">
-          <a:solidFill>
-            <a:schemeClr val="lt1">
-              <a:hueOff val="0"/>
-              <a:satOff val="0"/>
-              <a:lumOff val="0"/>
-              <a:alphaOff val="0"/>
-            </a:schemeClr>
-          </a:solidFill>
-          <a:prstDash val="solid"/>
-          <a:miter lim="800000"/>
-        </a:ln>
-        <a:effectLst/>
-      </dsp:spPr>
-      <dsp:style>
-        <a:lnRef idx="2">
-          <a:scrgbClr r="0" g="0" b="0"/>
-        </a:lnRef>
-        <a:fillRef idx="1">
-          <a:scrgbClr r="0" g="0" b="0"/>
-        </a:fillRef>
-        <a:effectRef idx="0">
-          <a:scrgbClr r="0" g="0" b="0"/>
-        </a:effectRef>
-        <a:fontRef idx="minor">
-          <a:schemeClr val="lt1"/>
-        </a:fontRef>
-      </dsp:style>
-      <dsp:txBody>
-        <a:bodyPr spcFirstLastPara="0" vert="horz" wrap="square" lIns="6350" tIns="6350" rIns="6350" bIns="6350" numCol="1" spcCol="1270" anchor="ctr" anchorCtr="0">
-          <a:noAutofit/>
-        </a:bodyPr>
-        <a:lstStyle/>
-        <a:p>
-          <a:pPr lvl="0" algn="ctr" defTabSz="444500">
-            <a:lnSpc>
-              <a:spcPct val="90000"/>
-            </a:lnSpc>
-            <a:spcBef>
-              <a:spcPct val="0"/>
-            </a:spcBef>
-            <a:spcAft>
-              <a:spcPct val="35000"/>
-            </a:spcAft>
-          </a:pPr>
-          <a:r>
-            <a:rPr lang="zh-CN" altLang="en-US" sz="1000" kern="1200" dirty="0" smtClean="0"/>
-            <a:t>数据分析</a:t>
-          </a:r>
-          <a:endParaRPr lang="zh-CN" altLang="en-US" sz="1000" kern="1200" dirty="0"/>
-        </a:p>
-      </dsp:txBody>
-      <dsp:txXfrm>
-        <a:off x="4872809" y="2424366"/>
-        <a:ext cx="852971" cy="426485"/>
-      </dsp:txXfrm>
-    </dsp:sp>
-    <dsp:sp modelId="{14EE1DC8-EF38-4843-9CE4-91BE257EBD0D}">
-      <dsp:nvSpPr>
-        <dsp:cNvPr id="0" name=""/>
-        <dsp:cNvSpPr/>
-      </dsp:nvSpPr>
-      <dsp:spPr>
-        <a:xfrm>
-          <a:off x="6420952" y="1213147"/>
-          <a:ext cx="852971" cy="426485"/>
-        </a:xfrm>
-        <a:prstGeom prst="rect">
-          <a:avLst/>
-        </a:prstGeom>
-        <a:solidFill>
-          <a:schemeClr val="accent1">
-            <a:hueOff val="0"/>
-            <a:satOff val="0"/>
-            <a:lumOff val="0"/>
-            <a:alphaOff val="0"/>
-          </a:schemeClr>
-        </a:solidFill>
-        <a:ln w="12700" cap="flat" cmpd="sng" algn="ctr">
-          <a:solidFill>
-            <a:schemeClr val="lt1">
-              <a:hueOff val="0"/>
-              <a:satOff val="0"/>
-              <a:lumOff val="0"/>
-              <a:alphaOff val="0"/>
-            </a:schemeClr>
-          </a:solidFill>
-          <a:prstDash val="solid"/>
-          <a:miter lim="800000"/>
-        </a:ln>
-        <a:effectLst/>
-      </dsp:spPr>
-      <dsp:style>
-        <a:lnRef idx="2">
-          <a:scrgbClr r="0" g="0" b="0"/>
-        </a:lnRef>
-        <a:fillRef idx="1">
-          <a:scrgbClr r="0" g="0" b="0"/>
-        </a:fillRef>
-        <a:effectRef idx="0">
-          <a:scrgbClr r="0" g="0" b="0"/>
-        </a:effectRef>
-        <a:fontRef idx="minor">
-          <a:schemeClr val="lt1"/>
-        </a:fontRef>
-      </dsp:style>
-      <dsp:txBody>
-        <a:bodyPr spcFirstLastPara="0" vert="horz" wrap="square" lIns="6350" tIns="6350" rIns="6350" bIns="6350" numCol="1" spcCol="1270" anchor="ctr" anchorCtr="0">
-          <a:noAutofit/>
-        </a:bodyPr>
-        <a:lstStyle/>
-        <a:p>
-          <a:pPr lvl="0" algn="ctr" defTabSz="444500">
-            <a:lnSpc>
-              <a:spcPct val="90000"/>
-            </a:lnSpc>
-            <a:spcBef>
-              <a:spcPct val="0"/>
-            </a:spcBef>
-            <a:spcAft>
-              <a:spcPct val="35000"/>
-            </a:spcAft>
-          </a:pPr>
-          <a:r>
-            <a:rPr lang="zh-CN" altLang="en-US" sz="1000" kern="1200" dirty="0" smtClean="0"/>
-            <a:t>行政办公室</a:t>
-          </a:r>
-          <a:endParaRPr lang="zh-CN" altLang="en-US" sz="1000" kern="1200" dirty="0"/>
-        </a:p>
-      </dsp:txBody>
-      <dsp:txXfrm>
-        <a:off x="6420952" y="1213147"/>
-        <a:ext cx="852971" cy="426485"/>
-      </dsp:txXfrm>
-    </dsp:sp>
-    <dsp:sp modelId="{D06564C4-2C89-4816-933F-CC34A1081437}">
-      <dsp:nvSpPr>
-        <dsp:cNvPr id="0" name=""/>
-        <dsp:cNvSpPr/>
-      </dsp:nvSpPr>
-      <dsp:spPr>
-        <a:xfrm>
-          <a:off x="5904904" y="1818757"/>
-          <a:ext cx="852971" cy="426485"/>
-        </a:xfrm>
-        <a:prstGeom prst="rect">
-          <a:avLst/>
-        </a:prstGeom>
-        <a:solidFill>
-          <a:schemeClr val="accent1">
-            <a:hueOff val="0"/>
-            <a:satOff val="0"/>
-            <a:lumOff val="0"/>
-            <a:alphaOff val="0"/>
-          </a:schemeClr>
-        </a:solidFill>
-        <a:ln w="12700" cap="flat" cmpd="sng" algn="ctr">
-          <a:solidFill>
-            <a:schemeClr val="lt1">
-              <a:hueOff val="0"/>
-              <a:satOff val="0"/>
-              <a:lumOff val="0"/>
-              <a:alphaOff val="0"/>
-            </a:schemeClr>
-          </a:solidFill>
-          <a:prstDash val="solid"/>
-          <a:miter lim="800000"/>
-        </a:ln>
-        <a:effectLst/>
-      </dsp:spPr>
-      <dsp:style>
-        <a:lnRef idx="2">
-          <a:scrgbClr r="0" g="0" b="0"/>
-        </a:lnRef>
-        <a:fillRef idx="1">
-          <a:scrgbClr r="0" g="0" b="0"/>
-        </a:fillRef>
-        <a:effectRef idx="0">
-          <a:scrgbClr r="0" g="0" b="0"/>
-        </a:effectRef>
-        <a:fontRef idx="minor">
-          <a:schemeClr val="lt1"/>
-        </a:fontRef>
-      </dsp:style>
-      <dsp:txBody>
-        <a:bodyPr spcFirstLastPara="0" vert="horz" wrap="square" lIns="6350" tIns="6350" rIns="6350" bIns="6350" numCol="1" spcCol="1270" anchor="ctr" anchorCtr="0">
-          <a:noAutofit/>
-        </a:bodyPr>
-        <a:lstStyle/>
-        <a:p>
-          <a:pPr lvl="0" algn="ctr" defTabSz="444500">
-            <a:lnSpc>
-              <a:spcPct val="90000"/>
-            </a:lnSpc>
-            <a:spcBef>
-              <a:spcPct val="0"/>
-            </a:spcBef>
-            <a:spcAft>
-              <a:spcPct val="35000"/>
-            </a:spcAft>
-          </a:pPr>
-          <a:r>
-            <a:rPr lang="zh-CN" altLang="en-US" sz="1000" kern="1200" dirty="0" smtClean="0"/>
-            <a:t>人力资源调度</a:t>
-          </a:r>
-          <a:endParaRPr lang="zh-CN" altLang="en-US" sz="1000" kern="1200" dirty="0"/>
-        </a:p>
-      </dsp:txBody>
-      <dsp:txXfrm>
-        <a:off x="5904904" y="1818757"/>
-        <a:ext cx="852971" cy="426485"/>
-      </dsp:txXfrm>
-    </dsp:sp>
-    <dsp:sp modelId="{793B797E-B720-4927-AAF0-2768CB2E8E8F}">
-      <dsp:nvSpPr>
-        <dsp:cNvPr id="0" name=""/>
-        <dsp:cNvSpPr/>
-      </dsp:nvSpPr>
-      <dsp:spPr>
-        <a:xfrm>
-          <a:off x="6936999" y="1818757"/>
-          <a:ext cx="852971" cy="426485"/>
-        </a:xfrm>
-        <a:prstGeom prst="rect">
-          <a:avLst/>
-        </a:prstGeom>
-        <a:solidFill>
-          <a:schemeClr val="accent1">
-            <a:hueOff val="0"/>
-            <a:satOff val="0"/>
-            <a:lumOff val="0"/>
-            <a:alphaOff val="0"/>
-          </a:schemeClr>
-        </a:solidFill>
-        <a:ln w="12700" cap="flat" cmpd="sng" algn="ctr">
-          <a:solidFill>
-            <a:schemeClr val="lt1">
-              <a:hueOff val="0"/>
-              <a:satOff val="0"/>
-              <a:lumOff val="0"/>
-              <a:alphaOff val="0"/>
-            </a:schemeClr>
-          </a:solidFill>
-          <a:prstDash val="solid"/>
-          <a:miter lim="800000"/>
-        </a:ln>
-        <a:effectLst/>
-      </dsp:spPr>
-      <dsp:style>
-        <a:lnRef idx="2">
-          <a:scrgbClr r="0" g="0" b="0"/>
-        </a:lnRef>
-        <a:fillRef idx="1">
-          <a:scrgbClr r="0" g="0" b="0"/>
-        </a:fillRef>
-        <a:effectRef idx="0">
-          <a:scrgbClr r="0" g="0" b="0"/>
-        </a:effectRef>
-        <a:fontRef idx="minor">
-          <a:schemeClr val="lt1"/>
-        </a:fontRef>
-      </dsp:style>
-      <dsp:txBody>
-        <a:bodyPr spcFirstLastPara="0" vert="horz" wrap="square" lIns="6350" tIns="6350" rIns="6350" bIns="6350" numCol="1" spcCol="1270" anchor="ctr" anchorCtr="0">
-          <a:noAutofit/>
-        </a:bodyPr>
-        <a:lstStyle/>
-        <a:p>
-          <a:pPr lvl="0" algn="ctr" defTabSz="444500">
-            <a:lnSpc>
-              <a:spcPct val="90000"/>
-            </a:lnSpc>
-            <a:spcBef>
-              <a:spcPct val="0"/>
-            </a:spcBef>
-            <a:spcAft>
-              <a:spcPct val="35000"/>
-            </a:spcAft>
-          </a:pPr>
-          <a:r>
-            <a:rPr lang="zh-CN" altLang="en-US" sz="1000" kern="1200" dirty="0" smtClean="0"/>
-            <a:t>财务管理</a:t>
-          </a:r>
-          <a:endParaRPr lang="zh-CN" altLang="en-US" sz="1000" kern="1200" dirty="0"/>
-        </a:p>
-      </dsp:txBody>
-      <dsp:txXfrm>
-        <a:off x="6936999" y="1818757"/>
-        <a:ext cx="852971" cy="426485"/>
-      </dsp:txXfrm>
-    </dsp:sp>
-    <dsp:sp modelId="{64B5EDB2-80C9-4CD2-BB49-46924D4B53C7}">
-      <dsp:nvSpPr>
-        <dsp:cNvPr id="0" name=""/>
-        <dsp:cNvSpPr/>
-      </dsp:nvSpPr>
-      <dsp:spPr>
-        <a:xfrm>
-          <a:off x="7150242" y="2424366"/>
-          <a:ext cx="852971" cy="426485"/>
-        </a:xfrm>
-        <a:prstGeom prst="rect">
-          <a:avLst/>
-        </a:prstGeom>
-        <a:solidFill>
-          <a:schemeClr val="accent1">
-            <a:hueOff val="0"/>
-            <a:satOff val="0"/>
-            <a:lumOff val="0"/>
-            <a:alphaOff val="0"/>
-          </a:schemeClr>
-        </a:solidFill>
-        <a:ln w="12700" cap="flat" cmpd="sng" algn="ctr">
-          <a:solidFill>
-            <a:schemeClr val="lt1">
-              <a:hueOff val="0"/>
-              <a:satOff val="0"/>
-              <a:lumOff val="0"/>
-              <a:alphaOff val="0"/>
-            </a:schemeClr>
-          </a:solidFill>
-          <a:prstDash val="solid"/>
-          <a:miter lim="800000"/>
-        </a:ln>
-        <a:effectLst/>
-      </dsp:spPr>
-      <dsp:style>
-        <a:lnRef idx="2">
-          <a:scrgbClr r="0" g="0" b="0"/>
-        </a:lnRef>
-        <a:fillRef idx="1">
-          <a:scrgbClr r="0" g="0" b="0"/>
-        </a:fillRef>
-        <a:effectRef idx="0">
-          <a:scrgbClr r="0" g="0" b="0"/>
-        </a:effectRef>
-        <a:fontRef idx="minor">
-          <a:schemeClr val="lt1"/>
-        </a:fontRef>
-      </dsp:style>
-      <dsp:txBody>
-        <a:bodyPr spcFirstLastPara="0" vert="horz" wrap="square" lIns="6350" tIns="6350" rIns="6350" bIns="6350" numCol="1" spcCol="1270" anchor="ctr" anchorCtr="0">
-          <a:noAutofit/>
-        </a:bodyPr>
-        <a:lstStyle/>
-        <a:p>
-          <a:pPr lvl="0" algn="ctr" defTabSz="444500">
-            <a:lnSpc>
-              <a:spcPct val="90000"/>
-            </a:lnSpc>
-            <a:spcBef>
-              <a:spcPct val="0"/>
-            </a:spcBef>
-            <a:spcAft>
-              <a:spcPct val="35000"/>
-            </a:spcAft>
-          </a:pPr>
-          <a:r>
-            <a:rPr lang="zh-CN" altLang="en-US" sz="1000" kern="1200" dirty="0" smtClean="0"/>
-            <a:t>财务规划</a:t>
-          </a:r>
-          <a:endParaRPr lang="zh-CN" altLang="en-US" sz="1000" kern="1200" dirty="0"/>
-        </a:p>
-      </dsp:txBody>
-      <dsp:txXfrm>
-        <a:off x="7150242" y="2424366"/>
-        <a:ext cx="852971" cy="426485"/>
-      </dsp:txXfrm>
-    </dsp:sp>
-    <dsp:sp modelId="{0F224334-CA8E-458D-B951-DA775E6D701F}">
-      <dsp:nvSpPr>
-        <dsp:cNvPr id="0" name=""/>
-        <dsp:cNvSpPr/>
-      </dsp:nvSpPr>
-      <dsp:spPr>
-        <a:xfrm>
-          <a:off x="7150242" y="3029976"/>
-          <a:ext cx="852971" cy="426485"/>
-        </a:xfrm>
-        <a:prstGeom prst="rect">
-          <a:avLst/>
-        </a:prstGeom>
-        <a:solidFill>
-          <a:schemeClr val="accent1">
-            <a:hueOff val="0"/>
-            <a:satOff val="0"/>
-            <a:lumOff val="0"/>
-            <a:alphaOff val="0"/>
-          </a:schemeClr>
-        </a:solidFill>
-        <a:ln w="12700" cap="flat" cmpd="sng" algn="ctr">
-          <a:solidFill>
-            <a:schemeClr val="lt1">
-              <a:hueOff val="0"/>
-              <a:satOff val="0"/>
-              <a:lumOff val="0"/>
-              <a:alphaOff val="0"/>
-            </a:schemeClr>
-          </a:solidFill>
-          <a:prstDash val="solid"/>
-          <a:miter lim="800000"/>
-        </a:ln>
-        <a:effectLst/>
-      </dsp:spPr>
-      <dsp:style>
-        <a:lnRef idx="2">
-          <a:scrgbClr r="0" g="0" b="0"/>
-        </a:lnRef>
-        <a:fillRef idx="1">
-          <a:scrgbClr r="0" g="0" b="0"/>
-        </a:fillRef>
-        <a:effectRef idx="0">
-          <a:scrgbClr r="0" g="0" b="0"/>
-        </a:effectRef>
-        <a:fontRef idx="minor">
-          <a:schemeClr val="lt1"/>
-        </a:fontRef>
-      </dsp:style>
-      <dsp:txBody>
-        <a:bodyPr spcFirstLastPara="0" vert="horz" wrap="square" lIns="6350" tIns="6350" rIns="6350" bIns="6350" numCol="1" spcCol="1270" anchor="ctr" anchorCtr="0">
-          <a:noAutofit/>
-        </a:bodyPr>
-        <a:lstStyle/>
-        <a:p>
-          <a:pPr lvl="0" algn="ctr" defTabSz="444500">
-            <a:lnSpc>
-              <a:spcPct val="90000"/>
-            </a:lnSpc>
-            <a:spcBef>
-              <a:spcPct val="0"/>
-            </a:spcBef>
-            <a:spcAft>
-              <a:spcPct val="35000"/>
-            </a:spcAft>
-          </a:pPr>
-          <a:r>
-            <a:rPr lang="zh-CN" altLang="en-US" sz="1000" kern="1200" dirty="0" smtClean="0"/>
-            <a:t>财务审批</a:t>
-          </a:r>
-          <a:endParaRPr lang="zh-CN" altLang="en-US" sz="1000" kern="1200" dirty="0"/>
-        </a:p>
-      </dsp:txBody>
-      <dsp:txXfrm>
-        <a:off x="7150242" y="3029976"/>
-        <a:ext cx="852971" cy="426485"/>
-      </dsp:txXfrm>
-    </dsp:sp>
-    <dsp:sp modelId="{E4C337BE-83FB-45E0-8E54-8408BBBF4FDC}">
-      <dsp:nvSpPr>
-        <dsp:cNvPr id="0" name=""/>
-        <dsp:cNvSpPr/>
-      </dsp:nvSpPr>
-      <dsp:spPr>
-        <a:xfrm>
-          <a:off x="2960021" y="607538"/>
-          <a:ext cx="852971" cy="426485"/>
-        </a:xfrm>
-        <a:prstGeom prst="rect">
-          <a:avLst/>
-        </a:prstGeom>
-        <a:solidFill>
-          <a:schemeClr val="accent1">
-            <a:hueOff val="0"/>
-            <a:satOff val="0"/>
-            <a:lumOff val="0"/>
-            <a:alphaOff val="0"/>
-          </a:schemeClr>
-        </a:solidFill>
-        <a:ln w="12700" cap="flat" cmpd="sng" algn="ctr">
-          <a:solidFill>
-            <a:schemeClr val="lt1">
-              <a:hueOff val="0"/>
-              <a:satOff val="0"/>
-              <a:lumOff val="0"/>
-              <a:alphaOff val="0"/>
-            </a:schemeClr>
-          </a:solidFill>
-          <a:prstDash val="solid"/>
-          <a:miter lim="800000"/>
-        </a:ln>
-        <a:effectLst/>
-      </dsp:spPr>
-      <dsp:style>
-        <a:lnRef idx="2">
-          <a:scrgbClr r="0" g="0" b="0"/>
-        </a:lnRef>
-        <a:fillRef idx="1">
-          <a:scrgbClr r="0" g="0" b="0"/>
-        </a:fillRef>
-        <a:effectRef idx="0">
-          <a:scrgbClr r="0" g="0" b="0"/>
-        </a:effectRef>
-        <a:fontRef idx="minor">
-          <a:schemeClr val="lt1"/>
-        </a:fontRef>
-      </dsp:style>
-      <dsp:txBody>
-        <a:bodyPr spcFirstLastPara="0" vert="horz" wrap="square" lIns="6350" tIns="6350" rIns="6350" bIns="6350" numCol="1" spcCol="1270" anchor="ctr" anchorCtr="0">
-          <a:noAutofit/>
-        </a:bodyPr>
-        <a:lstStyle/>
-        <a:p>
-          <a:pPr lvl="0" algn="ctr" defTabSz="444500">
-            <a:lnSpc>
-              <a:spcPct val="90000"/>
-            </a:lnSpc>
-            <a:spcBef>
-              <a:spcPct val="0"/>
-            </a:spcBef>
-            <a:spcAft>
-              <a:spcPct val="35000"/>
-            </a:spcAft>
-          </a:pPr>
-          <a:r>
-            <a:rPr lang="zh-CN" altLang="en-US" sz="1000" kern="1200" dirty="0" smtClean="0"/>
-            <a:t>总调度长</a:t>
-          </a:r>
-          <a:endParaRPr lang="zh-CN" altLang="en-US" sz="1000" kern="1200" dirty="0"/>
-        </a:p>
-      </dsp:txBody>
-      <dsp:txXfrm>
-        <a:off x="2960021" y="607538"/>
-        <a:ext cx="852971" cy="426485"/>
-      </dsp:txXfrm>
-    </dsp:sp>
   </dsp:spTree>
 </dsp:drawing>
 </file>
@@ -28761,7 +25171,7 @@
           <a:p>
             <a:fld id="{408926B9-0AE9-4841-8807-A52893CAC8ED}" type="datetimeFigureOut">
               <a:rPr lang="zh-CN" altLang="en-US" smtClean="0"/>
-              <a:t>2014/5/29</a:t>
+              <a:t>2014/8/1</a:t>
             </a:fld>
             <a:endParaRPr lang="zh-CN" altLang="en-US"/>
           </a:p>
@@ -28931,7 +25341,7 @@
           <a:p>
             <a:fld id="{408926B9-0AE9-4841-8807-A52893CAC8ED}" type="datetimeFigureOut">
               <a:rPr lang="zh-CN" altLang="en-US" smtClean="0"/>
-              <a:t>2014/5/29</a:t>
+              <a:t>2014/8/1</a:t>
             </a:fld>
             <a:endParaRPr lang="zh-CN" altLang="en-US"/>
           </a:p>
@@ -29111,7 +25521,7 @@
           <a:p>
             <a:fld id="{408926B9-0AE9-4841-8807-A52893CAC8ED}" type="datetimeFigureOut">
               <a:rPr lang="zh-CN" altLang="en-US" smtClean="0"/>
-              <a:t>2014/5/29</a:t>
+              <a:t>2014/8/1</a:t>
             </a:fld>
             <a:endParaRPr lang="zh-CN" altLang="en-US"/>
           </a:p>
@@ -29281,7 +25691,7 @@
           <a:p>
             <a:fld id="{408926B9-0AE9-4841-8807-A52893CAC8ED}" type="datetimeFigureOut">
               <a:rPr lang="zh-CN" altLang="en-US" smtClean="0"/>
-              <a:t>2014/5/29</a:t>
+              <a:t>2014/8/1</a:t>
             </a:fld>
             <a:endParaRPr lang="zh-CN" altLang="en-US"/>
           </a:p>
@@ -29525,7 +25935,7 @@
           <a:p>
             <a:fld id="{408926B9-0AE9-4841-8807-A52893CAC8ED}" type="datetimeFigureOut">
               <a:rPr lang="zh-CN" altLang="en-US" smtClean="0"/>
-              <a:t>2014/5/29</a:t>
+              <a:t>2014/8/1</a:t>
             </a:fld>
             <a:endParaRPr lang="zh-CN" altLang="en-US"/>
           </a:p>
@@ -29757,7 +26167,7 @@
           <a:p>
             <a:fld id="{408926B9-0AE9-4841-8807-A52893CAC8ED}" type="datetimeFigureOut">
               <a:rPr lang="zh-CN" altLang="en-US" smtClean="0"/>
-              <a:t>2014/5/29</a:t>
+              <a:t>2014/8/1</a:t>
             </a:fld>
             <a:endParaRPr lang="zh-CN" altLang="en-US"/>
           </a:p>
@@ -30124,7 +26534,7 @@
           <a:p>
             <a:fld id="{408926B9-0AE9-4841-8807-A52893CAC8ED}" type="datetimeFigureOut">
               <a:rPr lang="zh-CN" altLang="en-US" smtClean="0"/>
-              <a:t>2014/5/29</a:t>
+              <a:t>2014/8/1</a:t>
             </a:fld>
             <a:endParaRPr lang="zh-CN" altLang="en-US"/>
           </a:p>
@@ -30242,7 +26652,7 @@
           <a:p>
             <a:fld id="{408926B9-0AE9-4841-8807-A52893CAC8ED}" type="datetimeFigureOut">
               <a:rPr lang="zh-CN" altLang="en-US" smtClean="0"/>
-              <a:t>2014/5/29</a:t>
+              <a:t>2014/8/1</a:t>
             </a:fld>
             <a:endParaRPr lang="zh-CN" altLang="en-US"/>
           </a:p>
@@ -30337,7 +26747,7 @@
           <a:p>
             <a:fld id="{408926B9-0AE9-4841-8807-A52893CAC8ED}" type="datetimeFigureOut">
               <a:rPr lang="zh-CN" altLang="en-US" smtClean="0"/>
-              <a:t>2014/5/29</a:t>
+              <a:t>2014/8/1</a:t>
             </a:fld>
             <a:endParaRPr lang="zh-CN" altLang="en-US"/>
           </a:p>
@@ -30614,7 +27024,7 @@
           <a:p>
             <a:fld id="{408926B9-0AE9-4841-8807-A52893CAC8ED}" type="datetimeFigureOut">
               <a:rPr lang="zh-CN" altLang="en-US" smtClean="0"/>
-              <a:t>2014/5/29</a:t>
+              <a:t>2014/8/1</a:t>
             </a:fld>
             <a:endParaRPr lang="zh-CN" altLang="en-US"/>
           </a:p>
@@ -30871,7 +27281,7 @@
           <a:p>
             <a:fld id="{408926B9-0AE9-4841-8807-A52893CAC8ED}" type="datetimeFigureOut">
               <a:rPr lang="zh-CN" altLang="en-US" smtClean="0"/>
-              <a:t>2014/5/29</a:t>
+              <a:t>2014/8/1</a:t>
             </a:fld>
             <a:endParaRPr lang="zh-CN" altLang="en-US"/>
           </a:p>
@@ -31084,7 +27494,7 @@
           <a:p>
             <a:fld id="{408926B9-0AE9-4841-8807-A52893CAC8ED}" type="datetimeFigureOut">
               <a:rPr lang="zh-CN" altLang="en-US" smtClean="0"/>
-              <a:t>2014/5/29</a:t>
+              <a:t>2014/8/1</a:t>
             </a:fld>
             <a:endParaRPr lang="zh-CN" altLang="en-US"/>
           </a:p>
@@ -33450,6 +29860,1816 @@
       </p:grpSpPr>
       <p:sp>
         <p:nvSpPr>
+          <p:cNvPr id="2" name="Title 1"/>
+          <p:cNvSpPr>
+            <a:spLocks noGrp="1"/>
+          </p:cNvSpPr>
+          <p:nvPr>
+            <p:ph type="title"/>
+          </p:nvPr>
+        </p:nvSpPr>
+        <p:spPr/>
+        <p:txBody>
+          <a:bodyPr>
+            <a:normAutofit/>
+          </a:bodyPr>
+          <a:lstStyle/>
+          <a:p>
+            <a:r>
+              <a:rPr lang="zh-CN" altLang="en-US" sz="3200" dirty="0" smtClean="0"/>
+              <a:t>总体规划思路</a:t>
+            </a:r>
+            <a:r>
+              <a:rPr lang="en-US" altLang="zh-CN" sz="3200" dirty="0" smtClean="0"/>
+              <a:t>——</a:t>
+            </a:r>
+            <a:r>
+              <a:rPr lang="zh-CN" altLang="en-US" sz="3200" dirty="0" smtClean="0"/>
+              <a:t>三位同构</a:t>
+            </a:r>
+            <a:endParaRPr lang="zh-CN" altLang="en-US" sz="3200" dirty="0"/>
+          </a:p>
+        </p:txBody>
+      </p:sp>
+      <p:graphicFrame>
+        <p:nvGraphicFramePr>
+          <p:cNvPr id="4" name="Content Placeholder 3"/>
+          <p:cNvGraphicFramePr>
+            <a:graphicFrameLocks noGrp="1"/>
+          </p:cNvGraphicFramePr>
+          <p:nvPr>
+            <p:ph idx="1"/>
+            <p:extLst>
+              <p:ext uri="{D42A27DB-BD31-4B8C-83A1-F6EECF244321}">
+                <p14:modId xmlns:p14="http://schemas.microsoft.com/office/powerpoint/2010/main" val="4143607681"/>
+              </p:ext>
+            </p:extLst>
+          </p:nvPr>
+        </p:nvGraphicFramePr>
+        <p:xfrm>
+          <a:off x="628650" y="1320800"/>
+          <a:ext cx="7886700" cy="4856163"/>
+        </p:xfrm>
+        <a:graphic>
+          <a:graphicData uri="http://schemas.openxmlformats.org/drawingml/2006/diagram">
+            <dgm:relIds xmlns:dgm="http://schemas.openxmlformats.org/drawingml/2006/diagram" xmlns:r="http://schemas.openxmlformats.org/officeDocument/2006/relationships" r:dm="rId2" r:lo="rId3" r:qs="rId4" r:cs="rId5"/>
+          </a:graphicData>
+        </a:graphic>
+      </p:graphicFrame>
+      <p:grpSp>
+        <p:nvGrpSpPr>
+          <p:cNvPr id="49" name="Group 48"/>
+          <p:cNvGrpSpPr/>
+          <p:nvPr/>
+        </p:nvGrpSpPr>
+        <p:grpSpPr>
+          <a:xfrm>
+            <a:off x="2890982" y="2983656"/>
+            <a:ext cx="3371273" cy="2730339"/>
+            <a:chOff x="2890982" y="2983656"/>
+            <a:chExt cx="3371273" cy="2730339"/>
+          </a:xfrm>
+        </p:grpSpPr>
+        <p:cxnSp>
+          <p:nvCxnSpPr>
+            <p:cNvPr id="6" name="Elbow Connector 5"/>
+            <p:cNvCxnSpPr/>
+            <p:nvPr/>
+          </p:nvCxnSpPr>
+          <p:spPr>
+            <a:xfrm flipV="1">
+              <a:off x="5578764" y="3135637"/>
+              <a:ext cx="683491" cy="184728"/>
+            </a:xfrm>
+            <a:prstGeom prst="bentConnector3">
+              <a:avLst/>
+            </a:prstGeom>
+            <a:ln w="19050">
+              <a:tailEnd type="triangle"/>
+            </a:ln>
+          </p:spPr>
+          <p:style>
+            <a:lnRef idx="1">
+              <a:schemeClr val="accent1"/>
+            </a:lnRef>
+            <a:fillRef idx="0">
+              <a:schemeClr val="accent1"/>
+            </a:fillRef>
+            <a:effectRef idx="0">
+              <a:schemeClr val="accent1"/>
+            </a:effectRef>
+            <a:fontRef idx="minor">
+              <a:schemeClr val="tx1"/>
+            </a:fontRef>
+          </p:style>
+        </p:cxnSp>
+        <p:cxnSp>
+          <p:nvCxnSpPr>
+            <p:cNvPr id="7" name="Elbow Connector 6"/>
+            <p:cNvCxnSpPr/>
+            <p:nvPr/>
+          </p:nvCxnSpPr>
+          <p:spPr>
+            <a:xfrm flipV="1">
+              <a:off x="5578764" y="4322618"/>
+              <a:ext cx="683491" cy="64655"/>
+            </a:xfrm>
+            <a:prstGeom prst="bentConnector3">
+              <a:avLst/>
+            </a:prstGeom>
+            <a:ln w="19050">
+              <a:tailEnd type="triangle"/>
+            </a:ln>
+          </p:spPr>
+          <p:style>
+            <a:lnRef idx="1">
+              <a:schemeClr val="accent1"/>
+            </a:lnRef>
+            <a:fillRef idx="0">
+              <a:schemeClr val="accent1"/>
+            </a:fillRef>
+            <a:effectRef idx="0">
+              <a:schemeClr val="accent1"/>
+            </a:effectRef>
+            <a:fontRef idx="minor">
+              <a:schemeClr val="tx1"/>
+            </a:fontRef>
+          </p:style>
+        </p:cxnSp>
+        <p:cxnSp>
+          <p:nvCxnSpPr>
+            <p:cNvPr id="8" name="Elbow Connector 7"/>
+            <p:cNvCxnSpPr/>
+            <p:nvPr/>
+          </p:nvCxnSpPr>
+          <p:spPr>
+            <a:xfrm>
+              <a:off x="5578764" y="4387273"/>
+              <a:ext cx="683491" cy="646545"/>
+            </a:xfrm>
+            <a:prstGeom prst="bentConnector3">
+              <a:avLst/>
+            </a:prstGeom>
+            <a:ln w="19050">
+              <a:tailEnd type="triangle"/>
+            </a:ln>
+          </p:spPr>
+          <p:style>
+            <a:lnRef idx="1">
+              <a:schemeClr val="accent1"/>
+            </a:lnRef>
+            <a:fillRef idx="0">
+              <a:schemeClr val="accent1"/>
+            </a:fillRef>
+            <a:effectRef idx="0">
+              <a:schemeClr val="accent1"/>
+            </a:effectRef>
+            <a:fontRef idx="minor">
+              <a:schemeClr val="tx1"/>
+            </a:fontRef>
+          </p:style>
+        </p:cxnSp>
+        <p:cxnSp>
+          <p:nvCxnSpPr>
+            <p:cNvPr id="9" name="Elbow Connector 8"/>
+            <p:cNvCxnSpPr/>
+            <p:nvPr/>
+          </p:nvCxnSpPr>
+          <p:spPr>
+            <a:xfrm>
+              <a:off x="5578764" y="5440217"/>
+              <a:ext cx="683491" cy="157019"/>
+            </a:xfrm>
+            <a:prstGeom prst="bentConnector3">
+              <a:avLst/>
+            </a:prstGeom>
+            <a:ln w="19050">
+              <a:tailEnd type="triangle"/>
+            </a:ln>
+          </p:spPr>
+          <p:style>
+            <a:lnRef idx="1">
+              <a:schemeClr val="accent1"/>
+            </a:lnRef>
+            <a:fillRef idx="0">
+              <a:schemeClr val="accent1"/>
+            </a:fillRef>
+            <a:effectRef idx="0">
+              <a:schemeClr val="accent1"/>
+            </a:effectRef>
+            <a:fontRef idx="minor">
+              <a:schemeClr val="tx1"/>
+            </a:fontRef>
+          </p:style>
+        </p:cxnSp>
+        <p:cxnSp>
+          <p:nvCxnSpPr>
+            <p:cNvPr id="20" name="Elbow Connector 19"/>
+            <p:cNvCxnSpPr/>
+            <p:nvPr/>
+          </p:nvCxnSpPr>
+          <p:spPr>
+            <a:xfrm rot="10800000">
+              <a:off x="2890983" y="2983656"/>
+              <a:ext cx="683493" cy="336711"/>
+            </a:xfrm>
+            <a:prstGeom prst="bentConnector3">
+              <a:avLst/>
+            </a:prstGeom>
+            <a:ln w="19050">
+              <a:tailEnd type="triangle"/>
+            </a:ln>
+          </p:spPr>
+          <p:style>
+            <a:lnRef idx="1">
+              <a:schemeClr val="accent1"/>
+            </a:lnRef>
+            <a:fillRef idx="0">
+              <a:schemeClr val="accent1"/>
+            </a:fillRef>
+            <a:effectRef idx="0">
+              <a:schemeClr val="accent1"/>
+            </a:effectRef>
+            <a:fontRef idx="minor">
+              <a:schemeClr val="tx1"/>
+            </a:fontRef>
+          </p:style>
+        </p:cxnSp>
+        <p:cxnSp>
+          <p:nvCxnSpPr>
+            <p:cNvPr id="25" name="Elbow Connector 24"/>
+            <p:cNvCxnSpPr/>
+            <p:nvPr/>
+          </p:nvCxnSpPr>
+          <p:spPr>
+            <a:xfrm>
+              <a:off x="5578764" y="3320364"/>
+              <a:ext cx="683491" cy="401619"/>
+            </a:xfrm>
+            <a:prstGeom prst="bentConnector3">
+              <a:avLst/>
+            </a:prstGeom>
+            <a:ln w="19050">
+              <a:tailEnd type="triangle"/>
+            </a:ln>
+          </p:spPr>
+          <p:style>
+            <a:lnRef idx="1">
+              <a:schemeClr val="accent1"/>
+            </a:lnRef>
+            <a:fillRef idx="0">
+              <a:schemeClr val="accent1"/>
+            </a:fillRef>
+            <a:effectRef idx="0">
+              <a:schemeClr val="accent1"/>
+            </a:effectRef>
+            <a:fontRef idx="minor">
+              <a:schemeClr val="tx1"/>
+            </a:fontRef>
+          </p:style>
+        </p:cxnSp>
+        <p:cxnSp>
+          <p:nvCxnSpPr>
+            <p:cNvPr id="36" name="Elbow Connector 35"/>
+            <p:cNvCxnSpPr/>
+            <p:nvPr/>
+          </p:nvCxnSpPr>
+          <p:spPr>
+            <a:xfrm rot="10800000" flipV="1">
+              <a:off x="2890984" y="3320363"/>
+              <a:ext cx="683492" cy="242265"/>
+            </a:xfrm>
+            <a:prstGeom prst="bentConnector3">
+              <a:avLst/>
+            </a:prstGeom>
+            <a:ln w="19050">
+              <a:tailEnd type="triangle"/>
+            </a:ln>
+          </p:spPr>
+          <p:style>
+            <a:lnRef idx="1">
+              <a:schemeClr val="accent1"/>
+            </a:lnRef>
+            <a:fillRef idx="0">
+              <a:schemeClr val="accent1"/>
+            </a:fillRef>
+            <a:effectRef idx="0">
+              <a:schemeClr val="accent1"/>
+            </a:effectRef>
+            <a:fontRef idx="minor">
+              <a:schemeClr val="tx1"/>
+            </a:fontRef>
+          </p:style>
+        </p:cxnSp>
+        <p:cxnSp>
+          <p:nvCxnSpPr>
+            <p:cNvPr id="38" name="Elbow Connector 37"/>
+            <p:cNvCxnSpPr/>
+            <p:nvPr/>
+          </p:nvCxnSpPr>
+          <p:spPr>
+            <a:xfrm rot="10800000">
+              <a:off x="2890982" y="4110183"/>
+              <a:ext cx="683496" cy="277093"/>
+            </a:xfrm>
+            <a:prstGeom prst="bentConnector3">
+              <a:avLst/>
+            </a:prstGeom>
+            <a:ln w="19050">
+              <a:tailEnd type="triangle"/>
+            </a:ln>
+          </p:spPr>
+          <p:style>
+            <a:lnRef idx="1">
+              <a:schemeClr val="accent1"/>
+            </a:lnRef>
+            <a:fillRef idx="0">
+              <a:schemeClr val="accent1"/>
+            </a:fillRef>
+            <a:effectRef idx="0">
+              <a:schemeClr val="accent1"/>
+            </a:effectRef>
+            <a:fontRef idx="minor">
+              <a:schemeClr val="tx1"/>
+            </a:fontRef>
+          </p:style>
+        </p:cxnSp>
+        <p:cxnSp>
+          <p:nvCxnSpPr>
+            <p:cNvPr id="42" name="Elbow Connector 41"/>
+            <p:cNvCxnSpPr/>
+            <p:nvPr/>
+          </p:nvCxnSpPr>
+          <p:spPr>
+            <a:xfrm rot="10800000" flipV="1">
+              <a:off x="2890982" y="4383960"/>
+              <a:ext cx="683494" cy="273778"/>
+            </a:xfrm>
+            <a:prstGeom prst="bentConnector3">
+              <a:avLst/>
+            </a:prstGeom>
+            <a:ln w="19050">
+              <a:tailEnd type="triangle"/>
+            </a:ln>
+          </p:spPr>
+          <p:style>
+            <a:lnRef idx="1">
+              <a:schemeClr val="accent1"/>
+            </a:lnRef>
+            <a:fillRef idx="0">
+              <a:schemeClr val="accent1"/>
+            </a:fillRef>
+            <a:effectRef idx="0">
+              <a:schemeClr val="accent1"/>
+            </a:effectRef>
+            <a:fontRef idx="minor">
+              <a:schemeClr val="tx1"/>
+            </a:fontRef>
+          </p:style>
+        </p:cxnSp>
+        <p:cxnSp>
+          <p:nvCxnSpPr>
+            <p:cNvPr id="45" name="Elbow Connector 44"/>
+            <p:cNvCxnSpPr/>
+            <p:nvPr/>
+          </p:nvCxnSpPr>
+          <p:spPr>
+            <a:xfrm rot="10800000">
+              <a:off x="2890982" y="5177093"/>
+              <a:ext cx="683494" cy="263124"/>
+            </a:xfrm>
+            <a:prstGeom prst="bentConnector3">
+              <a:avLst/>
+            </a:prstGeom>
+            <a:ln w="19050">
+              <a:tailEnd type="triangle"/>
+            </a:ln>
+          </p:spPr>
+          <p:style>
+            <a:lnRef idx="1">
+              <a:schemeClr val="accent1"/>
+            </a:lnRef>
+            <a:fillRef idx="0">
+              <a:schemeClr val="accent1"/>
+            </a:fillRef>
+            <a:effectRef idx="0">
+              <a:schemeClr val="accent1"/>
+            </a:effectRef>
+            <a:fontRef idx="minor">
+              <a:schemeClr val="tx1"/>
+            </a:fontRef>
+          </p:style>
+        </p:cxnSp>
+        <p:cxnSp>
+          <p:nvCxnSpPr>
+            <p:cNvPr id="46" name="Elbow Connector 45"/>
+            <p:cNvCxnSpPr/>
+            <p:nvPr/>
+          </p:nvCxnSpPr>
+          <p:spPr>
+            <a:xfrm rot="10800000" flipV="1">
+              <a:off x="2890982" y="5440217"/>
+              <a:ext cx="683494" cy="273778"/>
+            </a:xfrm>
+            <a:prstGeom prst="bentConnector3">
+              <a:avLst/>
+            </a:prstGeom>
+            <a:ln w="19050">
+              <a:tailEnd type="triangle"/>
+            </a:ln>
+          </p:spPr>
+          <p:style>
+            <a:lnRef idx="1">
+              <a:schemeClr val="accent1"/>
+            </a:lnRef>
+            <a:fillRef idx="0">
+              <a:schemeClr val="accent1"/>
+            </a:fillRef>
+            <a:effectRef idx="0">
+              <a:schemeClr val="accent1"/>
+            </a:effectRef>
+            <a:fontRef idx="minor">
+              <a:schemeClr val="tx1"/>
+            </a:fontRef>
+          </p:style>
+        </p:cxnSp>
+      </p:grpSp>
+    </p:spTree>
+    <p:extLst>
+      <p:ext uri="{BB962C8B-B14F-4D97-AF65-F5344CB8AC3E}">
+        <p14:creationId xmlns:p14="http://schemas.microsoft.com/office/powerpoint/2010/main" val="2113103158"/>
+      </p:ext>
+    </p:extLst>
+  </p:cSld>
+  <p:clrMapOvr>
+    <a:masterClrMapping/>
+  </p:clrMapOvr>
+  <p:timing>
+    <p:tnLst>
+      <p:par>
+        <p:cTn id="1" dur="indefinite" restart="never" nodeType="tmRoot"/>
+      </p:par>
+    </p:tnLst>
+  </p:timing>
+</p:sld>
+</file>
+
+<file path=ppt/slides/slide11.xml><?xml version="1.0" encoding="utf-8"?>
+<p:sld xmlns:a="http://schemas.openxmlformats.org/drawingml/2006/main" xmlns:r="http://schemas.openxmlformats.org/officeDocument/2006/relationships" xmlns:p="http://schemas.openxmlformats.org/presentationml/2006/main">
+  <p:cSld>
+    <p:spTree>
+      <p:nvGrpSpPr>
+        <p:cNvPr id="1" name=""/>
+        <p:cNvGrpSpPr/>
+        <p:nvPr/>
+      </p:nvGrpSpPr>
+      <p:grpSpPr>
+        <a:xfrm>
+          <a:off x="0" y="0"/>
+          <a:ext cx="0" cy="0"/>
+          <a:chOff x="0" y="0"/>
+          <a:chExt cx="0" cy="0"/>
+        </a:xfrm>
+      </p:grpSpPr>
+      <p:sp>
+        <p:nvSpPr>
+          <p:cNvPr id="2" name="Title 1"/>
+          <p:cNvSpPr>
+            <a:spLocks noGrp="1"/>
+          </p:cNvSpPr>
+          <p:nvPr>
+            <p:ph type="title"/>
+          </p:nvPr>
+        </p:nvSpPr>
+        <p:spPr/>
+        <p:txBody>
+          <a:bodyPr>
+            <a:normAutofit/>
+          </a:bodyPr>
+          <a:lstStyle/>
+          <a:p>
+            <a:r>
+              <a:rPr lang="zh-CN" altLang="en-US" sz="3200" dirty="0" smtClean="0"/>
+              <a:t>总体规划思路</a:t>
+            </a:r>
+            <a:r>
+              <a:rPr lang="en-US" altLang="zh-CN" sz="3200" dirty="0" smtClean="0"/>
+              <a:t>——</a:t>
+            </a:r>
+            <a:r>
+              <a:rPr lang="zh-CN" altLang="en-US" sz="3200" dirty="0" smtClean="0"/>
+              <a:t>三位同构</a:t>
+            </a:r>
+            <a:endParaRPr lang="zh-CN" altLang="en-US" sz="3200" dirty="0"/>
+          </a:p>
+        </p:txBody>
+      </p:sp>
+      <p:graphicFrame>
+        <p:nvGraphicFramePr>
+          <p:cNvPr id="4" name="Content Placeholder 3"/>
+          <p:cNvGraphicFramePr>
+            <a:graphicFrameLocks noGrp="1"/>
+          </p:cNvGraphicFramePr>
+          <p:nvPr>
+            <p:ph idx="1"/>
+            <p:extLst>
+              <p:ext uri="{D42A27DB-BD31-4B8C-83A1-F6EECF244321}">
+                <p14:modId xmlns:p14="http://schemas.microsoft.com/office/powerpoint/2010/main" val="2504912433"/>
+              </p:ext>
+            </p:extLst>
+          </p:nvPr>
+        </p:nvGraphicFramePr>
+        <p:xfrm>
+          <a:off x="-1809751" y="1320799"/>
+          <a:ext cx="10561865" cy="4860000"/>
+        </p:xfrm>
+        <a:graphic>
+          <a:graphicData uri="http://schemas.openxmlformats.org/drawingml/2006/diagram">
+            <dgm:relIds xmlns:dgm="http://schemas.openxmlformats.org/drawingml/2006/diagram" xmlns:r="http://schemas.openxmlformats.org/officeDocument/2006/relationships" r:dm="rId2" r:lo="rId3" r:qs="rId4" r:cs="rId5"/>
+          </a:graphicData>
+        </a:graphic>
+      </p:graphicFrame>
+      <p:grpSp>
+        <p:nvGrpSpPr>
+          <p:cNvPr id="49" name="Group 48"/>
+          <p:cNvGrpSpPr/>
+          <p:nvPr/>
+        </p:nvGrpSpPr>
+        <p:grpSpPr>
+          <a:xfrm>
+            <a:off x="452582" y="2983656"/>
+            <a:ext cx="3371273" cy="2730339"/>
+            <a:chOff x="2890982" y="2983656"/>
+            <a:chExt cx="3371273" cy="2730339"/>
+          </a:xfrm>
+        </p:grpSpPr>
+        <p:cxnSp>
+          <p:nvCxnSpPr>
+            <p:cNvPr id="6" name="Elbow Connector 5"/>
+            <p:cNvCxnSpPr/>
+            <p:nvPr/>
+          </p:nvCxnSpPr>
+          <p:spPr>
+            <a:xfrm flipV="1">
+              <a:off x="5578764" y="3135637"/>
+              <a:ext cx="683491" cy="184728"/>
+            </a:xfrm>
+            <a:prstGeom prst="bentConnector3">
+              <a:avLst/>
+            </a:prstGeom>
+            <a:ln w="19050">
+              <a:tailEnd type="triangle"/>
+            </a:ln>
+          </p:spPr>
+          <p:style>
+            <a:lnRef idx="1">
+              <a:schemeClr val="accent1"/>
+            </a:lnRef>
+            <a:fillRef idx="0">
+              <a:schemeClr val="accent1"/>
+            </a:fillRef>
+            <a:effectRef idx="0">
+              <a:schemeClr val="accent1"/>
+            </a:effectRef>
+            <a:fontRef idx="minor">
+              <a:schemeClr val="tx1"/>
+            </a:fontRef>
+          </p:style>
+        </p:cxnSp>
+        <p:cxnSp>
+          <p:nvCxnSpPr>
+            <p:cNvPr id="7" name="Elbow Connector 6"/>
+            <p:cNvCxnSpPr/>
+            <p:nvPr/>
+          </p:nvCxnSpPr>
+          <p:spPr>
+            <a:xfrm flipV="1">
+              <a:off x="5578764" y="4322618"/>
+              <a:ext cx="683491" cy="64655"/>
+            </a:xfrm>
+            <a:prstGeom prst="bentConnector3">
+              <a:avLst/>
+            </a:prstGeom>
+            <a:ln w="19050">
+              <a:tailEnd type="triangle"/>
+            </a:ln>
+          </p:spPr>
+          <p:style>
+            <a:lnRef idx="1">
+              <a:schemeClr val="accent1"/>
+            </a:lnRef>
+            <a:fillRef idx="0">
+              <a:schemeClr val="accent1"/>
+            </a:fillRef>
+            <a:effectRef idx="0">
+              <a:schemeClr val="accent1"/>
+            </a:effectRef>
+            <a:fontRef idx="minor">
+              <a:schemeClr val="tx1"/>
+            </a:fontRef>
+          </p:style>
+        </p:cxnSp>
+        <p:cxnSp>
+          <p:nvCxnSpPr>
+            <p:cNvPr id="8" name="Elbow Connector 7"/>
+            <p:cNvCxnSpPr/>
+            <p:nvPr/>
+          </p:nvCxnSpPr>
+          <p:spPr>
+            <a:xfrm>
+              <a:off x="5578764" y="4387273"/>
+              <a:ext cx="683491" cy="646545"/>
+            </a:xfrm>
+            <a:prstGeom prst="bentConnector3">
+              <a:avLst/>
+            </a:prstGeom>
+            <a:ln w="19050">
+              <a:tailEnd type="triangle"/>
+            </a:ln>
+          </p:spPr>
+          <p:style>
+            <a:lnRef idx="1">
+              <a:schemeClr val="accent1"/>
+            </a:lnRef>
+            <a:fillRef idx="0">
+              <a:schemeClr val="accent1"/>
+            </a:fillRef>
+            <a:effectRef idx="0">
+              <a:schemeClr val="accent1"/>
+            </a:effectRef>
+            <a:fontRef idx="minor">
+              <a:schemeClr val="tx1"/>
+            </a:fontRef>
+          </p:style>
+        </p:cxnSp>
+        <p:cxnSp>
+          <p:nvCxnSpPr>
+            <p:cNvPr id="9" name="Elbow Connector 8"/>
+            <p:cNvCxnSpPr/>
+            <p:nvPr/>
+          </p:nvCxnSpPr>
+          <p:spPr>
+            <a:xfrm>
+              <a:off x="5578764" y="5440217"/>
+              <a:ext cx="683491" cy="157019"/>
+            </a:xfrm>
+            <a:prstGeom prst="bentConnector3">
+              <a:avLst/>
+            </a:prstGeom>
+            <a:ln w="19050">
+              <a:tailEnd type="triangle"/>
+            </a:ln>
+          </p:spPr>
+          <p:style>
+            <a:lnRef idx="1">
+              <a:schemeClr val="accent1"/>
+            </a:lnRef>
+            <a:fillRef idx="0">
+              <a:schemeClr val="accent1"/>
+            </a:fillRef>
+            <a:effectRef idx="0">
+              <a:schemeClr val="accent1"/>
+            </a:effectRef>
+            <a:fontRef idx="minor">
+              <a:schemeClr val="tx1"/>
+            </a:fontRef>
+          </p:style>
+        </p:cxnSp>
+        <p:cxnSp>
+          <p:nvCxnSpPr>
+            <p:cNvPr id="20" name="Elbow Connector 19"/>
+            <p:cNvCxnSpPr/>
+            <p:nvPr/>
+          </p:nvCxnSpPr>
+          <p:spPr>
+            <a:xfrm rot="10800000">
+              <a:off x="2890983" y="2983656"/>
+              <a:ext cx="683493" cy="336711"/>
+            </a:xfrm>
+            <a:prstGeom prst="bentConnector3">
+              <a:avLst/>
+            </a:prstGeom>
+            <a:ln w="19050">
+              <a:tailEnd type="triangle"/>
+            </a:ln>
+          </p:spPr>
+          <p:style>
+            <a:lnRef idx="1">
+              <a:schemeClr val="accent1"/>
+            </a:lnRef>
+            <a:fillRef idx="0">
+              <a:schemeClr val="accent1"/>
+            </a:fillRef>
+            <a:effectRef idx="0">
+              <a:schemeClr val="accent1"/>
+            </a:effectRef>
+            <a:fontRef idx="minor">
+              <a:schemeClr val="tx1"/>
+            </a:fontRef>
+          </p:style>
+        </p:cxnSp>
+        <p:cxnSp>
+          <p:nvCxnSpPr>
+            <p:cNvPr id="25" name="Elbow Connector 24"/>
+            <p:cNvCxnSpPr/>
+            <p:nvPr/>
+          </p:nvCxnSpPr>
+          <p:spPr>
+            <a:xfrm>
+              <a:off x="5578764" y="3320364"/>
+              <a:ext cx="683491" cy="401619"/>
+            </a:xfrm>
+            <a:prstGeom prst="bentConnector3">
+              <a:avLst/>
+            </a:prstGeom>
+            <a:ln w="19050">
+              <a:tailEnd type="triangle"/>
+            </a:ln>
+          </p:spPr>
+          <p:style>
+            <a:lnRef idx="1">
+              <a:schemeClr val="accent1"/>
+            </a:lnRef>
+            <a:fillRef idx="0">
+              <a:schemeClr val="accent1"/>
+            </a:fillRef>
+            <a:effectRef idx="0">
+              <a:schemeClr val="accent1"/>
+            </a:effectRef>
+            <a:fontRef idx="minor">
+              <a:schemeClr val="tx1"/>
+            </a:fontRef>
+          </p:style>
+        </p:cxnSp>
+        <p:cxnSp>
+          <p:nvCxnSpPr>
+            <p:cNvPr id="36" name="Elbow Connector 35"/>
+            <p:cNvCxnSpPr/>
+            <p:nvPr/>
+          </p:nvCxnSpPr>
+          <p:spPr>
+            <a:xfrm rot="10800000" flipV="1">
+              <a:off x="2890984" y="3320363"/>
+              <a:ext cx="683492" cy="242265"/>
+            </a:xfrm>
+            <a:prstGeom prst="bentConnector3">
+              <a:avLst/>
+            </a:prstGeom>
+            <a:ln w="19050">
+              <a:tailEnd type="triangle"/>
+            </a:ln>
+          </p:spPr>
+          <p:style>
+            <a:lnRef idx="1">
+              <a:schemeClr val="accent1"/>
+            </a:lnRef>
+            <a:fillRef idx="0">
+              <a:schemeClr val="accent1"/>
+            </a:fillRef>
+            <a:effectRef idx="0">
+              <a:schemeClr val="accent1"/>
+            </a:effectRef>
+            <a:fontRef idx="minor">
+              <a:schemeClr val="tx1"/>
+            </a:fontRef>
+          </p:style>
+        </p:cxnSp>
+        <p:cxnSp>
+          <p:nvCxnSpPr>
+            <p:cNvPr id="38" name="Elbow Connector 37"/>
+            <p:cNvCxnSpPr/>
+            <p:nvPr/>
+          </p:nvCxnSpPr>
+          <p:spPr>
+            <a:xfrm rot="10800000">
+              <a:off x="2890982" y="4110183"/>
+              <a:ext cx="683496" cy="277093"/>
+            </a:xfrm>
+            <a:prstGeom prst="bentConnector3">
+              <a:avLst/>
+            </a:prstGeom>
+            <a:ln w="19050">
+              <a:tailEnd type="triangle"/>
+            </a:ln>
+          </p:spPr>
+          <p:style>
+            <a:lnRef idx="1">
+              <a:schemeClr val="accent1"/>
+            </a:lnRef>
+            <a:fillRef idx="0">
+              <a:schemeClr val="accent1"/>
+            </a:fillRef>
+            <a:effectRef idx="0">
+              <a:schemeClr val="accent1"/>
+            </a:effectRef>
+            <a:fontRef idx="minor">
+              <a:schemeClr val="tx1"/>
+            </a:fontRef>
+          </p:style>
+        </p:cxnSp>
+        <p:cxnSp>
+          <p:nvCxnSpPr>
+            <p:cNvPr id="42" name="Elbow Connector 41"/>
+            <p:cNvCxnSpPr/>
+            <p:nvPr/>
+          </p:nvCxnSpPr>
+          <p:spPr>
+            <a:xfrm rot="10800000" flipV="1">
+              <a:off x="2890982" y="4383960"/>
+              <a:ext cx="683494" cy="273778"/>
+            </a:xfrm>
+            <a:prstGeom prst="bentConnector3">
+              <a:avLst/>
+            </a:prstGeom>
+            <a:ln w="19050">
+              <a:tailEnd type="triangle"/>
+            </a:ln>
+          </p:spPr>
+          <p:style>
+            <a:lnRef idx="1">
+              <a:schemeClr val="accent1"/>
+            </a:lnRef>
+            <a:fillRef idx="0">
+              <a:schemeClr val="accent1"/>
+            </a:fillRef>
+            <a:effectRef idx="0">
+              <a:schemeClr val="accent1"/>
+            </a:effectRef>
+            <a:fontRef idx="minor">
+              <a:schemeClr val="tx1"/>
+            </a:fontRef>
+          </p:style>
+        </p:cxnSp>
+        <p:cxnSp>
+          <p:nvCxnSpPr>
+            <p:cNvPr id="45" name="Elbow Connector 44"/>
+            <p:cNvCxnSpPr/>
+            <p:nvPr/>
+          </p:nvCxnSpPr>
+          <p:spPr>
+            <a:xfrm rot="10800000">
+              <a:off x="2890982" y="5177093"/>
+              <a:ext cx="683494" cy="263124"/>
+            </a:xfrm>
+            <a:prstGeom prst="bentConnector3">
+              <a:avLst/>
+            </a:prstGeom>
+            <a:ln w="19050">
+              <a:tailEnd type="triangle"/>
+            </a:ln>
+          </p:spPr>
+          <p:style>
+            <a:lnRef idx="1">
+              <a:schemeClr val="accent1"/>
+            </a:lnRef>
+            <a:fillRef idx="0">
+              <a:schemeClr val="accent1"/>
+            </a:fillRef>
+            <a:effectRef idx="0">
+              <a:schemeClr val="accent1"/>
+            </a:effectRef>
+            <a:fontRef idx="minor">
+              <a:schemeClr val="tx1"/>
+            </a:fontRef>
+          </p:style>
+        </p:cxnSp>
+        <p:cxnSp>
+          <p:nvCxnSpPr>
+            <p:cNvPr id="46" name="Elbow Connector 45"/>
+            <p:cNvCxnSpPr/>
+            <p:nvPr/>
+          </p:nvCxnSpPr>
+          <p:spPr>
+            <a:xfrm rot="10800000" flipV="1">
+              <a:off x="2890982" y="5440217"/>
+              <a:ext cx="683494" cy="273778"/>
+            </a:xfrm>
+            <a:prstGeom prst="bentConnector3">
+              <a:avLst/>
+            </a:prstGeom>
+            <a:ln w="19050">
+              <a:tailEnd type="triangle"/>
+            </a:ln>
+          </p:spPr>
+          <p:style>
+            <a:lnRef idx="1">
+              <a:schemeClr val="accent1"/>
+            </a:lnRef>
+            <a:fillRef idx="0">
+              <a:schemeClr val="accent1"/>
+            </a:fillRef>
+            <a:effectRef idx="0">
+              <a:schemeClr val="accent1"/>
+            </a:effectRef>
+            <a:fontRef idx="minor">
+              <a:schemeClr val="tx1"/>
+            </a:fontRef>
+          </p:style>
+        </p:cxnSp>
+      </p:grpSp>
+    </p:spTree>
+    <p:extLst>
+      <p:ext uri="{BB962C8B-B14F-4D97-AF65-F5344CB8AC3E}">
+        <p14:creationId xmlns:p14="http://schemas.microsoft.com/office/powerpoint/2010/main" val="68482054"/>
+      </p:ext>
+    </p:extLst>
+  </p:cSld>
+  <p:clrMapOvr>
+    <a:masterClrMapping/>
+  </p:clrMapOvr>
+  <p:transition spd="slow">
+    <p:wipe/>
+  </p:transition>
+  <p:timing>
+    <p:tnLst>
+      <p:par>
+        <p:cTn id="1" dur="indefinite" restart="never" nodeType="tmRoot"/>
+      </p:par>
+    </p:tnLst>
+  </p:timing>
+</p:sld>
+</file>
+
+<file path=ppt/slides/slide12.xml><?xml version="1.0" encoding="utf-8"?>
+<p:sld xmlns:a="http://schemas.openxmlformats.org/drawingml/2006/main" xmlns:r="http://schemas.openxmlformats.org/officeDocument/2006/relationships" xmlns:p="http://schemas.openxmlformats.org/presentationml/2006/main">
+  <p:cSld>
+    <p:spTree>
+      <p:nvGrpSpPr>
+        <p:cNvPr id="1" name=""/>
+        <p:cNvGrpSpPr/>
+        <p:nvPr/>
+      </p:nvGrpSpPr>
+      <p:grpSpPr>
+        <a:xfrm>
+          <a:off x="0" y="0"/>
+          <a:ext cx="0" cy="0"/>
+          <a:chOff x="0" y="0"/>
+          <a:chExt cx="0" cy="0"/>
+        </a:xfrm>
+      </p:grpSpPr>
+      <p:pic>
+        <p:nvPicPr>
+          <p:cNvPr id="2" name="Picture 1"/>
+          <p:cNvPicPr>
+            <a:picLocks noChangeAspect="1"/>
+          </p:cNvPicPr>
+          <p:nvPr/>
+        </p:nvPicPr>
+        <p:blipFill rotWithShape="1">
+          <a:blip r:embed="rId2"/>
+          <a:srcRect l="24466" t="30208" r="3126" b="16276"/>
+          <a:stretch/>
+        </p:blipFill>
+        <p:spPr>
+          <a:xfrm>
+            <a:off x="0" y="1790700"/>
+            <a:ext cx="5670550" cy="3352800"/>
+          </a:xfrm>
+          <a:prstGeom prst="rect">
+            <a:avLst/>
+          </a:prstGeom>
+        </p:spPr>
+      </p:pic>
+      <p:sp>
+        <p:nvSpPr>
+          <p:cNvPr id="3" name="Content Placeholder 5"/>
+          <p:cNvSpPr txBox="1">
+            <a:spLocks/>
+          </p:cNvSpPr>
+          <p:nvPr/>
+        </p:nvSpPr>
+        <p:spPr>
+          <a:xfrm>
+            <a:off x="5708650" y="1471325"/>
+            <a:ext cx="3435350" cy="4769138"/>
+          </a:xfrm>
+          <a:prstGeom prst="rect">
+            <a:avLst/>
+          </a:prstGeom>
+        </p:spPr>
+        <p:txBody>
+          <a:bodyPr>
+            <a:noAutofit/>
+          </a:bodyPr>
+          <a:lstStyle>
+            <a:lvl1pPr marL="228600" indent="-228600" algn="l" defTabSz="914400" rtl="0" eaLnBrk="1" latinLnBrk="0" hangingPunct="1">
+              <a:lnSpc>
+                <a:spcPct val="90000"/>
+              </a:lnSpc>
+              <a:spcBef>
+                <a:spcPts val="1000"/>
+              </a:spcBef>
+              <a:buFont typeface="Arial" panose="020B0604020202020204" pitchFamily="34" charset="0"/>
+              <a:buChar char="•"/>
+              <a:defRPr sz="2000" kern="1200">
+                <a:solidFill>
+                  <a:schemeClr val="tx1"/>
+                </a:solidFill>
+                <a:latin typeface="+mn-lt"/>
+                <a:ea typeface="+mn-ea"/>
+                <a:cs typeface="+mn-cs"/>
+              </a:defRPr>
+            </a:lvl1pPr>
+            <a:lvl2pPr marL="685800" indent="-228600" algn="l" defTabSz="914400" rtl="0" eaLnBrk="1" latinLnBrk="0" hangingPunct="1">
+              <a:lnSpc>
+                <a:spcPct val="90000"/>
+              </a:lnSpc>
+              <a:spcBef>
+                <a:spcPts val="500"/>
+              </a:spcBef>
+              <a:buFont typeface="Arial" panose="020B0604020202020204" pitchFamily="34" charset="0"/>
+              <a:buChar char="•"/>
+              <a:defRPr sz="1800" kern="1200">
+                <a:solidFill>
+                  <a:schemeClr val="tx1"/>
+                </a:solidFill>
+                <a:latin typeface="+mn-lt"/>
+                <a:ea typeface="+mn-ea"/>
+                <a:cs typeface="+mn-cs"/>
+              </a:defRPr>
+            </a:lvl2pPr>
+            <a:lvl3pPr marL="1143000" indent="-228600" algn="l" defTabSz="914400" rtl="0" eaLnBrk="1" latinLnBrk="0" hangingPunct="1">
+              <a:lnSpc>
+                <a:spcPct val="90000"/>
+              </a:lnSpc>
+              <a:spcBef>
+                <a:spcPts val="500"/>
+              </a:spcBef>
+              <a:buFont typeface="Arial" panose="020B0604020202020204" pitchFamily="34" charset="0"/>
+              <a:buChar char="•"/>
+              <a:defRPr sz="1600" kern="1200">
+                <a:solidFill>
+                  <a:schemeClr val="tx1"/>
+                </a:solidFill>
+                <a:latin typeface="+mn-lt"/>
+                <a:ea typeface="+mn-ea"/>
+                <a:cs typeface="+mn-cs"/>
+              </a:defRPr>
+            </a:lvl3pPr>
+            <a:lvl4pPr marL="1600200" indent="-228600" algn="l" defTabSz="914400" rtl="0" eaLnBrk="1" latinLnBrk="0" hangingPunct="1">
+              <a:lnSpc>
+                <a:spcPct val="90000"/>
+              </a:lnSpc>
+              <a:spcBef>
+                <a:spcPts val="500"/>
+              </a:spcBef>
+              <a:buFont typeface="Arial" panose="020B0604020202020204" pitchFamily="34" charset="0"/>
+              <a:buChar char="•"/>
+              <a:defRPr sz="1400" kern="1200">
+                <a:solidFill>
+                  <a:schemeClr val="tx1"/>
+                </a:solidFill>
+                <a:latin typeface="+mn-lt"/>
+                <a:ea typeface="+mn-ea"/>
+                <a:cs typeface="+mn-cs"/>
+              </a:defRPr>
+            </a:lvl4pPr>
+            <a:lvl5pPr marL="2057400" indent="-228600" algn="l" defTabSz="914400" rtl="0" eaLnBrk="1" latinLnBrk="0" hangingPunct="1">
+              <a:lnSpc>
+                <a:spcPct val="90000"/>
+              </a:lnSpc>
+              <a:spcBef>
+                <a:spcPts val="500"/>
+              </a:spcBef>
+              <a:buFont typeface="Arial" panose="020B0604020202020204" pitchFamily="34" charset="0"/>
+              <a:buChar char="•"/>
+              <a:defRPr sz="1400" kern="1200">
+                <a:solidFill>
+                  <a:schemeClr val="tx1"/>
+                </a:solidFill>
+                <a:latin typeface="+mn-lt"/>
+                <a:ea typeface="+mn-ea"/>
+                <a:cs typeface="+mn-cs"/>
+              </a:defRPr>
+            </a:lvl5pPr>
+            <a:lvl6pPr marL="2514600" indent="-228600" algn="l" defTabSz="914400" rtl="0" eaLnBrk="1" latinLnBrk="0" hangingPunct="1">
+              <a:lnSpc>
+                <a:spcPct val="90000"/>
+              </a:lnSpc>
+              <a:spcBef>
+                <a:spcPts val="500"/>
+              </a:spcBef>
+              <a:buFont typeface="Arial" panose="020B0604020202020204" pitchFamily="34" charset="0"/>
+              <a:buChar char="•"/>
+              <a:defRPr sz="1800" kern="1200">
+                <a:solidFill>
+                  <a:schemeClr val="tx1"/>
+                </a:solidFill>
+                <a:latin typeface="+mn-lt"/>
+                <a:ea typeface="+mn-ea"/>
+                <a:cs typeface="+mn-cs"/>
+              </a:defRPr>
+            </a:lvl6pPr>
+            <a:lvl7pPr marL="2971800" indent="-228600" algn="l" defTabSz="914400" rtl="0" eaLnBrk="1" latinLnBrk="0" hangingPunct="1">
+              <a:lnSpc>
+                <a:spcPct val="90000"/>
+              </a:lnSpc>
+              <a:spcBef>
+                <a:spcPts val="500"/>
+              </a:spcBef>
+              <a:buFont typeface="Arial" panose="020B0604020202020204" pitchFamily="34" charset="0"/>
+              <a:buChar char="•"/>
+              <a:defRPr sz="1800" kern="1200">
+                <a:solidFill>
+                  <a:schemeClr val="tx1"/>
+                </a:solidFill>
+                <a:latin typeface="+mn-lt"/>
+                <a:ea typeface="+mn-ea"/>
+                <a:cs typeface="+mn-cs"/>
+              </a:defRPr>
+            </a:lvl7pPr>
+            <a:lvl8pPr marL="3429000" indent="-228600" algn="l" defTabSz="914400" rtl="0" eaLnBrk="1" latinLnBrk="0" hangingPunct="1">
+              <a:lnSpc>
+                <a:spcPct val="90000"/>
+              </a:lnSpc>
+              <a:spcBef>
+                <a:spcPts val="500"/>
+              </a:spcBef>
+              <a:buFont typeface="Arial" panose="020B0604020202020204" pitchFamily="34" charset="0"/>
+              <a:buChar char="•"/>
+              <a:defRPr sz="1800" kern="1200">
+                <a:solidFill>
+                  <a:schemeClr val="tx1"/>
+                </a:solidFill>
+                <a:latin typeface="+mn-lt"/>
+                <a:ea typeface="+mn-ea"/>
+                <a:cs typeface="+mn-cs"/>
+              </a:defRPr>
+            </a:lvl8pPr>
+            <a:lvl9pPr marL="3886200" indent="-228600" algn="l" defTabSz="914400" rtl="0" eaLnBrk="1" latinLnBrk="0" hangingPunct="1">
+              <a:lnSpc>
+                <a:spcPct val="90000"/>
+              </a:lnSpc>
+              <a:spcBef>
+                <a:spcPts val="500"/>
+              </a:spcBef>
+              <a:buFont typeface="Arial" panose="020B0604020202020204" pitchFamily="34" charset="0"/>
+              <a:buChar char="•"/>
+              <a:defRPr sz="1800" kern="1200">
+                <a:solidFill>
+                  <a:schemeClr val="tx1"/>
+                </a:solidFill>
+                <a:latin typeface="+mn-lt"/>
+                <a:ea typeface="+mn-ea"/>
+                <a:cs typeface="+mn-cs"/>
+              </a:defRPr>
+            </a:lvl9pPr>
+          </a:lstStyle>
+          <a:p>
+            <a:pPr marL="0">
+              <a:lnSpc>
+                <a:spcPct val="150000"/>
+              </a:lnSpc>
+              <a:spcBef>
+                <a:spcPts val="0"/>
+              </a:spcBef>
+            </a:pPr>
+            <a:r>
+              <a:rPr lang="zh-CN" altLang="zh-CN" sz="1200" b="1" dirty="0" smtClean="0"/>
+              <a:t>基础课程</a:t>
+            </a:r>
+            <a:r>
+              <a:rPr lang="zh-CN" altLang="zh-CN" sz="1200" dirty="0" smtClean="0"/>
+              <a:t>系列面向全校各年级学生。</a:t>
+            </a:r>
+          </a:p>
+          <a:p>
+            <a:pPr marL="0">
+              <a:lnSpc>
+                <a:spcPct val="150000"/>
+              </a:lnSpc>
+              <a:spcBef>
+                <a:spcPts val="0"/>
+              </a:spcBef>
+            </a:pPr>
+            <a:r>
+              <a:rPr lang="zh-CN" altLang="zh-CN" sz="1200" dirty="0" smtClean="0"/>
+              <a:t>各科系低年级学生首先通过</a:t>
+            </a:r>
+            <a:r>
+              <a:rPr lang="zh-CN" altLang="zh-CN" sz="1200" b="1" dirty="0" smtClean="0"/>
+              <a:t>导引课</a:t>
+            </a:r>
+            <a:r>
+              <a:rPr lang="zh-CN" altLang="zh-CN" sz="1200" dirty="0" smtClean="0"/>
+              <a:t>了解合约设计概念以及知识产权、订单等协作交互标准模式的使用技巧，为升入高年级后开展项目做好准备。</a:t>
+            </a:r>
+          </a:p>
+          <a:p>
+            <a:pPr marL="0">
+              <a:lnSpc>
+                <a:spcPct val="150000"/>
+              </a:lnSpc>
+              <a:spcBef>
+                <a:spcPts val="0"/>
+              </a:spcBef>
+            </a:pPr>
+            <a:r>
+              <a:rPr lang="zh-CN" altLang="zh-CN" sz="1200" b="1" dirty="0" smtClean="0"/>
+              <a:t>学科竞赛</a:t>
+            </a:r>
+            <a:r>
+              <a:rPr lang="zh-CN" altLang="zh-CN" sz="1200" dirty="0" smtClean="0"/>
+              <a:t>、</a:t>
+            </a:r>
+            <a:r>
+              <a:rPr lang="zh-CN" altLang="zh-CN" sz="1200" b="1" dirty="0" smtClean="0"/>
+              <a:t>学生社团</a:t>
+            </a:r>
+            <a:r>
+              <a:rPr lang="zh-CN" altLang="zh-CN" sz="1200" dirty="0" smtClean="0"/>
+              <a:t>、</a:t>
+            </a:r>
+            <a:r>
+              <a:rPr lang="en-US" altLang="zh-CN" sz="1200" b="1" dirty="0" smtClean="0"/>
+              <a:t>SRT</a:t>
+            </a:r>
+            <a:r>
+              <a:rPr lang="zh-CN" altLang="zh-CN" sz="1200" b="1" dirty="0" smtClean="0"/>
+              <a:t>项目</a:t>
+            </a:r>
+            <a:r>
+              <a:rPr lang="zh-CN" altLang="zh-CN" sz="1200" dirty="0" smtClean="0"/>
+              <a:t>中，学生通过特定主题的产品设计实践，发散培养系统设计思维。学生团队可以选修交叉融合空间开设的设计类课程，系统性学习设计方法</a:t>
+            </a:r>
+          </a:p>
+          <a:p>
+            <a:pPr marL="0">
+              <a:lnSpc>
+                <a:spcPct val="150000"/>
+              </a:lnSpc>
+              <a:spcBef>
+                <a:spcPts val="0"/>
+              </a:spcBef>
+              <a:tabLst>
+                <a:tab pos="1163638" algn="l"/>
+              </a:tabLst>
+            </a:pPr>
+            <a:r>
+              <a:rPr lang="zh-CN" altLang="zh-CN" sz="1200" b="1" dirty="0" smtClean="0"/>
+              <a:t>高年级本科生</a:t>
+            </a:r>
+            <a:r>
+              <a:rPr lang="zh-CN" altLang="zh-CN" sz="1200" dirty="0" smtClean="0"/>
+              <a:t>以及</a:t>
+            </a:r>
+            <a:r>
+              <a:rPr lang="zh-CN" altLang="zh-CN" sz="1200" b="1" dirty="0" smtClean="0"/>
+              <a:t>研究生</a:t>
+            </a:r>
+            <a:r>
+              <a:rPr lang="zh-CN" altLang="zh-CN" sz="1200" dirty="0" smtClean="0"/>
+              <a:t>，专业课程中涉及到产品或系统开发项目的，可以选修产品战略课程，从而结合本专业内容，进行产业调研、建立全球化产业思维、制定产品战略规划等。同时，课程还将包含个人战略发展规划的内容。</a:t>
+            </a:r>
+            <a:endParaRPr lang="zh-CN" altLang="zh-CN" sz="1200" dirty="0"/>
+          </a:p>
+        </p:txBody>
+      </p:sp>
+      <p:sp>
+        <p:nvSpPr>
+          <p:cNvPr id="6" name="Title 5"/>
+          <p:cNvSpPr>
+            <a:spLocks noGrp="1"/>
+          </p:cNvSpPr>
+          <p:nvPr>
+            <p:ph type="title"/>
+          </p:nvPr>
+        </p:nvSpPr>
+        <p:spPr/>
+        <p:txBody>
+          <a:bodyPr/>
+          <a:lstStyle/>
+          <a:p>
+            <a:r>
+              <a:rPr lang="zh-CN" altLang="en-US" dirty="0"/>
+              <a:t>总体规划思路</a:t>
+            </a:r>
+            <a:r>
+              <a:rPr lang="en-US" altLang="zh-CN" dirty="0"/>
+              <a:t>——</a:t>
+            </a:r>
+            <a:r>
+              <a:rPr lang="zh-CN" altLang="en-US" dirty="0"/>
+              <a:t>三位同构</a:t>
+            </a:r>
+          </a:p>
+        </p:txBody>
+      </p:sp>
+    </p:spTree>
+    <p:extLst>
+      <p:ext uri="{BB962C8B-B14F-4D97-AF65-F5344CB8AC3E}">
+        <p14:creationId xmlns:p14="http://schemas.microsoft.com/office/powerpoint/2010/main" val="2830420290"/>
+      </p:ext>
+    </p:extLst>
+  </p:cSld>
+  <p:clrMapOvr>
+    <a:masterClrMapping/>
+  </p:clrMapOvr>
+  <p:timing>
+    <p:tnLst>
+      <p:par>
+        <p:cTn id="1" dur="indefinite" restart="never" nodeType="tmRoot"/>
+      </p:par>
+    </p:tnLst>
+  </p:timing>
+</p:sld>
+</file>
+
+<file path=ppt/slides/slide13.xml><?xml version="1.0" encoding="utf-8"?>
+<p:sld xmlns:a="http://schemas.openxmlformats.org/drawingml/2006/main" xmlns:r="http://schemas.openxmlformats.org/officeDocument/2006/relationships" xmlns:p="http://schemas.openxmlformats.org/presentationml/2006/main">
+  <p:cSld>
+    <p:spTree>
+      <p:nvGrpSpPr>
+        <p:cNvPr id="1" name=""/>
+        <p:cNvGrpSpPr/>
+        <p:nvPr/>
+      </p:nvGrpSpPr>
+      <p:grpSpPr>
+        <a:xfrm>
+          <a:off x="0" y="0"/>
+          <a:ext cx="0" cy="0"/>
+          <a:chOff x="0" y="0"/>
+          <a:chExt cx="0" cy="0"/>
+        </a:xfrm>
+      </p:grpSpPr>
+      <p:sp>
+        <p:nvSpPr>
+          <p:cNvPr id="2" name="Title 1"/>
+          <p:cNvSpPr>
+            <a:spLocks noGrp="1"/>
+          </p:cNvSpPr>
+          <p:nvPr>
+            <p:ph type="title"/>
+          </p:nvPr>
+        </p:nvSpPr>
+        <p:spPr/>
+        <p:txBody>
+          <a:bodyPr>
+            <a:normAutofit/>
+          </a:bodyPr>
+          <a:lstStyle/>
+          <a:p>
+            <a:r>
+              <a:rPr lang="zh-CN" altLang="en-US" sz="3200" dirty="0" smtClean="0"/>
+              <a:t>总体规划思路</a:t>
+            </a:r>
+            <a:r>
+              <a:rPr lang="en-US" altLang="zh-CN" sz="3200" dirty="0" smtClean="0"/>
+              <a:t>——</a:t>
+            </a:r>
+            <a:r>
+              <a:rPr lang="zh-CN" altLang="en-US" sz="3200" dirty="0" smtClean="0"/>
+              <a:t>三位同构</a:t>
+            </a:r>
+            <a:endParaRPr lang="zh-CN" altLang="en-US" sz="3200" dirty="0"/>
+          </a:p>
+        </p:txBody>
+      </p:sp>
+      <p:graphicFrame>
+        <p:nvGraphicFramePr>
+          <p:cNvPr id="4" name="Content Placeholder 3"/>
+          <p:cNvGraphicFramePr>
+            <a:graphicFrameLocks noGrp="1"/>
+          </p:cNvGraphicFramePr>
+          <p:nvPr>
+            <p:ph idx="1"/>
+            <p:extLst>
+              <p:ext uri="{D42A27DB-BD31-4B8C-83A1-F6EECF244321}">
+                <p14:modId xmlns:p14="http://schemas.microsoft.com/office/powerpoint/2010/main" val="2987665306"/>
+              </p:ext>
+            </p:extLst>
+          </p:nvPr>
+        </p:nvGraphicFramePr>
+        <p:xfrm>
+          <a:off x="404714" y="1320800"/>
+          <a:ext cx="10584000" cy="4856163"/>
+        </p:xfrm>
+        <a:graphic>
+          <a:graphicData uri="http://schemas.openxmlformats.org/drawingml/2006/diagram">
+            <dgm:relIds xmlns:dgm="http://schemas.openxmlformats.org/drawingml/2006/diagram" xmlns:r="http://schemas.openxmlformats.org/officeDocument/2006/relationships" r:dm="rId2" r:lo="rId3" r:qs="rId4" r:cs="rId5"/>
+          </a:graphicData>
+        </a:graphic>
+      </p:graphicFrame>
+      <p:grpSp>
+        <p:nvGrpSpPr>
+          <p:cNvPr id="49" name="Group 48"/>
+          <p:cNvGrpSpPr/>
+          <p:nvPr/>
+        </p:nvGrpSpPr>
+        <p:grpSpPr>
+          <a:xfrm>
+            <a:off x="5363594" y="2983656"/>
+            <a:ext cx="3371273" cy="2730339"/>
+            <a:chOff x="2890982" y="2983656"/>
+            <a:chExt cx="3371273" cy="2730339"/>
+          </a:xfrm>
+        </p:grpSpPr>
+        <p:cxnSp>
+          <p:nvCxnSpPr>
+            <p:cNvPr id="6" name="Elbow Connector 5"/>
+            <p:cNvCxnSpPr/>
+            <p:nvPr/>
+          </p:nvCxnSpPr>
+          <p:spPr>
+            <a:xfrm flipV="1">
+              <a:off x="5578764" y="3135637"/>
+              <a:ext cx="683491" cy="184728"/>
+            </a:xfrm>
+            <a:prstGeom prst="bentConnector3">
+              <a:avLst/>
+            </a:prstGeom>
+            <a:ln w="19050">
+              <a:tailEnd type="triangle"/>
+            </a:ln>
+          </p:spPr>
+          <p:style>
+            <a:lnRef idx="1">
+              <a:schemeClr val="accent1"/>
+            </a:lnRef>
+            <a:fillRef idx="0">
+              <a:schemeClr val="accent1"/>
+            </a:fillRef>
+            <a:effectRef idx="0">
+              <a:schemeClr val="accent1"/>
+            </a:effectRef>
+            <a:fontRef idx="minor">
+              <a:schemeClr val="tx1"/>
+            </a:fontRef>
+          </p:style>
+        </p:cxnSp>
+        <p:cxnSp>
+          <p:nvCxnSpPr>
+            <p:cNvPr id="7" name="Elbow Connector 6"/>
+            <p:cNvCxnSpPr/>
+            <p:nvPr/>
+          </p:nvCxnSpPr>
+          <p:spPr>
+            <a:xfrm flipV="1">
+              <a:off x="5578764" y="4322618"/>
+              <a:ext cx="683491" cy="64655"/>
+            </a:xfrm>
+            <a:prstGeom prst="bentConnector3">
+              <a:avLst/>
+            </a:prstGeom>
+            <a:ln w="19050">
+              <a:tailEnd type="triangle"/>
+            </a:ln>
+          </p:spPr>
+          <p:style>
+            <a:lnRef idx="1">
+              <a:schemeClr val="accent1"/>
+            </a:lnRef>
+            <a:fillRef idx="0">
+              <a:schemeClr val="accent1"/>
+            </a:fillRef>
+            <a:effectRef idx="0">
+              <a:schemeClr val="accent1"/>
+            </a:effectRef>
+            <a:fontRef idx="minor">
+              <a:schemeClr val="tx1"/>
+            </a:fontRef>
+          </p:style>
+        </p:cxnSp>
+        <p:cxnSp>
+          <p:nvCxnSpPr>
+            <p:cNvPr id="8" name="Elbow Connector 7"/>
+            <p:cNvCxnSpPr/>
+            <p:nvPr/>
+          </p:nvCxnSpPr>
+          <p:spPr>
+            <a:xfrm>
+              <a:off x="5578764" y="4387273"/>
+              <a:ext cx="683491" cy="646545"/>
+            </a:xfrm>
+            <a:prstGeom prst="bentConnector3">
+              <a:avLst/>
+            </a:prstGeom>
+            <a:ln w="19050">
+              <a:tailEnd type="triangle"/>
+            </a:ln>
+          </p:spPr>
+          <p:style>
+            <a:lnRef idx="1">
+              <a:schemeClr val="accent1"/>
+            </a:lnRef>
+            <a:fillRef idx="0">
+              <a:schemeClr val="accent1"/>
+            </a:fillRef>
+            <a:effectRef idx="0">
+              <a:schemeClr val="accent1"/>
+            </a:effectRef>
+            <a:fontRef idx="minor">
+              <a:schemeClr val="tx1"/>
+            </a:fontRef>
+          </p:style>
+        </p:cxnSp>
+        <p:cxnSp>
+          <p:nvCxnSpPr>
+            <p:cNvPr id="9" name="Elbow Connector 8"/>
+            <p:cNvCxnSpPr/>
+            <p:nvPr/>
+          </p:nvCxnSpPr>
+          <p:spPr>
+            <a:xfrm>
+              <a:off x="5578764" y="5440217"/>
+              <a:ext cx="683491" cy="157019"/>
+            </a:xfrm>
+            <a:prstGeom prst="bentConnector3">
+              <a:avLst/>
+            </a:prstGeom>
+            <a:ln w="19050">
+              <a:tailEnd type="triangle"/>
+            </a:ln>
+          </p:spPr>
+          <p:style>
+            <a:lnRef idx="1">
+              <a:schemeClr val="accent1"/>
+            </a:lnRef>
+            <a:fillRef idx="0">
+              <a:schemeClr val="accent1"/>
+            </a:fillRef>
+            <a:effectRef idx="0">
+              <a:schemeClr val="accent1"/>
+            </a:effectRef>
+            <a:fontRef idx="minor">
+              <a:schemeClr val="tx1"/>
+            </a:fontRef>
+          </p:style>
+        </p:cxnSp>
+        <p:cxnSp>
+          <p:nvCxnSpPr>
+            <p:cNvPr id="20" name="Elbow Connector 19"/>
+            <p:cNvCxnSpPr/>
+            <p:nvPr/>
+          </p:nvCxnSpPr>
+          <p:spPr>
+            <a:xfrm rot="10800000">
+              <a:off x="2890983" y="2983656"/>
+              <a:ext cx="683493" cy="336711"/>
+            </a:xfrm>
+            <a:prstGeom prst="bentConnector3">
+              <a:avLst/>
+            </a:prstGeom>
+            <a:ln w="19050">
+              <a:tailEnd type="triangle"/>
+            </a:ln>
+          </p:spPr>
+          <p:style>
+            <a:lnRef idx="1">
+              <a:schemeClr val="accent1"/>
+            </a:lnRef>
+            <a:fillRef idx="0">
+              <a:schemeClr val="accent1"/>
+            </a:fillRef>
+            <a:effectRef idx="0">
+              <a:schemeClr val="accent1"/>
+            </a:effectRef>
+            <a:fontRef idx="minor">
+              <a:schemeClr val="tx1"/>
+            </a:fontRef>
+          </p:style>
+        </p:cxnSp>
+        <p:cxnSp>
+          <p:nvCxnSpPr>
+            <p:cNvPr id="25" name="Elbow Connector 24"/>
+            <p:cNvCxnSpPr/>
+            <p:nvPr/>
+          </p:nvCxnSpPr>
+          <p:spPr>
+            <a:xfrm>
+              <a:off x="5578764" y="3320364"/>
+              <a:ext cx="683491" cy="401619"/>
+            </a:xfrm>
+            <a:prstGeom prst="bentConnector3">
+              <a:avLst/>
+            </a:prstGeom>
+            <a:ln w="19050">
+              <a:tailEnd type="triangle"/>
+            </a:ln>
+          </p:spPr>
+          <p:style>
+            <a:lnRef idx="1">
+              <a:schemeClr val="accent1"/>
+            </a:lnRef>
+            <a:fillRef idx="0">
+              <a:schemeClr val="accent1"/>
+            </a:fillRef>
+            <a:effectRef idx="0">
+              <a:schemeClr val="accent1"/>
+            </a:effectRef>
+            <a:fontRef idx="minor">
+              <a:schemeClr val="tx1"/>
+            </a:fontRef>
+          </p:style>
+        </p:cxnSp>
+        <p:cxnSp>
+          <p:nvCxnSpPr>
+            <p:cNvPr id="36" name="Elbow Connector 35"/>
+            <p:cNvCxnSpPr/>
+            <p:nvPr/>
+          </p:nvCxnSpPr>
+          <p:spPr>
+            <a:xfrm rot="10800000" flipV="1">
+              <a:off x="2890984" y="3320363"/>
+              <a:ext cx="683492" cy="242265"/>
+            </a:xfrm>
+            <a:prstGeom prst="bentConnector3">
+              <a:avLst/>
+            </a:prstGeom>
+            <a:ln w="19050">
+              <a:tailEnd type="triangle"/>
+            </a:ln>
+          </p:spPr>
+          <p:style>
+            <a:lnRef idx="1">
+              <a:schemeClr val="accent1"/>
+            </a:lnRef>
+            <a:fillRef idx="0">
+              <a:schemeClr val="accent1"/>
+            </a:fillRef>
+            <a:effectRef idx="0">
+              <a:schemeClr val="accent1"/>
+            </a:effectRef>
+            <a:fontRef idx="minor">
+              <a:schemeClr val="tx1"/>
+            </a:fontRef>
+          </p:style>
+        </p:cxnSp>
+        <p:cxnSp>
+          <p:nvCxnSpPr>
+            <p:cNvPr id="38" name="Elbow Connector 37"/>
+            <p:cNvCxnSpPr/>
+            <p:nvPr/>
+          </p:nvCxnSpPr>
+          <p:spPr>
+            <a:xfrm rot="10800000">
+              <a:off x="2890982" y="4110183"/>
+              <a:ext cx="683496" cy="277093"/>
+            </a:xfrm>
+            <a:prstGeom prst="bentConnector3">
+              <a:avLst/>
+            </a:prstGeom>
+            <a:ln w="19050">
+              <a:tailEnd type="triangle"/>
+            </a:ln>
+          </p:spPr>
+          <p:style>
+            <a:lnRef idx="1">
+              <a:schemeClr val="accent1"/>
+            </a:lnRef>
+            <a:fillRef idx="0">
+              <a:schemeClr val="accent1"/>
+            </a:fillRef>
+            <a:effectRef idx="0">
+              <a:schemeClr val="accent1"/>
+            </a:effectRef>
+            <a:fontRef idx="minor">
+              <a:schemeClr val="tx1"/>
+            </a:fontRef>
+          </p:style>
+        </p:cxnSp>
+        <p:cxnSp>
+          <p:nvCxnSpPr>
+            <p:cNvPr id="42" name="Elbow Connector 41"/>
+            <p:cNvCxnSpPr/>
+            <p:nvPr/>
+          </p:nvCxnSpPr>
+          <p:spPr>
+            <a:xfrm rot="10800000" flipV="1">
+              <a:off x="2890982" y="4383960"/>
+              <a:ext cx="683494" cy="273778"/>
+            </a:xfrm>
+            <a:prstGeom prst="bentConnector3">
+              <a:avLst/>
+            </a:prstGeom>
+            <a:ln w="19050">
+              <a:tailEnd type="triangle"/>
+            </a:ln>
+          </p:spPr>
+          <p:style>
+            <a:lnRef idx="1">
+              <a:schemeClr val="accent1"/>
+            </a:lnRef>
+            <a:fillRef idx="0">
+              <a:schemeClr val="accent1"/>
+            </a:fillRef>
+            <a:effectRef idx="0">
+              <a:schemeClr val="accent1"/>
+            </a:effectRef>
+            <a:fontRef idx="minor">
+              <a:schemeClr val="tx1"/>
+            </a:fontRef>
+          </p:style>
+        </p:cxnSp>
+        <p:cxnSp>
+          <p:nvCxnSpPr>
+            <p:cNvPr id="45" name="Elbow Connector 44"/>
+            <p:cNvCxnSpPr/>
+            <p:nvPr/>
+          </p:nvCxnSpPr>
+          <p:spPr>
+            <a:xfrm rot="10800000">
+              <a:off x="2890982" y="5177093"/>
+              <a:ext cx="683494" cy="263124"/>
+            </a:xfrm>
+            <a:prstGeom prst="bentConnector3">
+              <a:avLst/>
+            </a:prstGeom>
+            <a:ln w="19050">
+              <a:tailEnd type="triangle"/>
+            </a:ln>
+          </p:spPr>
+          <p:style>
+            <a:lnRef idx="1">
+              <a:schemeClr val="accent1"/>
+            </a:lnRef>
+            <a:fillRef idx="0">
+              <a:schemeClr val="accent1"/>
+            </a:fillRef>
+            <a:effectRef idx="0">
+              <a:schemeClr val="accent1"/>
+            </a:effectRef>
+            <a:fontRef idx="minor">
+              <a:schemeClr val="tx1"/>
+            </a:fontRef>
+          </p:style>
+        </p:cxnSp>
+        <p:cxnSp>
+          <p:nvCxnSpPr>
+            <p:cNvPr id="46" name="Elbow Connector 45"/>
+            <p:cNvCxnSpPr/>
+            <p:nvPr/>
+          </p:nvCxnSpPr>
+          <p:spPr>
+            <a:xfrm rot="10800000" flipV="1">
+              <a:off x="2890982" y="5440217"/>
+              <a:ext cx="683494" cy="273778"/>
+            </a:xfrm>
+            <a:prstGeom prst="bentConnector3">
+              <a:avLst/>
+            </a:prstGeom>
+            <a:ln w="19050">
+              <a:tailEnd type="triangle"/>
+            </a:ln>
+          </p:spPr>
+          <p:style>
+            <a:lnRef idx="1">
+              <a:schemeClr val="accent1"/>
+            </a:lnRef>
+            <a:fillRef idx="0">
+              <a:schemeClr val="accent1"/>
+            </a:fillRef>
+            <a:effectRef idx="0">
+              <a:schemeClr val="accent1"/>
+            </a:effectRef>
+            <a:fontRef idx="minor">
+              <a:schemeClr val="tx1"/>
+            </a:fontRef>
+          </p:style>
+        </p:cxnSp>
+      </p:grpSp>
+    </p:spTree>
+    <p:extLst>
+      <p:ext uri="{BB962C8B-B14F-4D97-AF65-F5344CB8AC3E}">
+        <p14:creationId xmlns:p14="http://schemas.microsoft.com/office/powerpoint/2010/main" val="2322291747"/>
+      </p:ext>
+    </p:extLst>
+  </p:cSld>
+  <p:clrMapOvr>
+    <a:masterClrMapping/>
+  </p:clrMapOvr>
+  <p:transition spd="slow">
+    <p:wipe dir="r"/>
+  </p:transition>
+  <p:timing>
+    <p:tnLst>
+      <p:par>
+        <p:cTn id="1" dur="indefinite" restart="never" nodeType="tmRoot"/>
+      </p:par>
+    </p:tnLst>
+  </p:timing>
+</p:sld>
+</file>
+
+<file path=ppt/slides/slide14.xml><?xml version="1.0" encoding="utf-8"?>
+<p:sld xmlns:a="http://schemas.openxmlformats.org/drawingml/2006/main" xmlns:r="http://schemas.openxmlformats.org/officeDocument/2006/relationships" xmlns:p="http://schemas.openxmlformats.org/presentationml/2006/main">
+  <p:cSld>
+    <p:spTree>
+      <p:nvGrpSpPr>
+        <p:cNvPr id="1" name=""/>
+        <p:cNvGrpSpPr/>
+        <p:nvPr/>
+      </p:nvGrpSpPr>
+      <p:grpSpPr>
+        <a:xfrm>
+          <a:off x="0" y="0"/>
+          <a:ext cx="0" cy="0"/>
+          <a:chOff x="0" y="0"/>
+          <a:chExt cx="0" cy="0"/>
+        </a:xfrm>
+      </p:grpSpPr>
+      <p:sp>
+        <p:nvSpPr>
           <p:cNvPr id="3" name="Content Placeholder 5"/>
           <p:cNvSpPr txBox="1">
             <a:spLocks/>
@@ -33823,7 +32043,7 @@
 </p:sld>
 </file>
 
-<file path=ppt/slides/slide11.xml><?xml version="1.0" encoding="utf-8"?>
+<file path=ppt/slides/slide15.xml><?xml version="1.0" encoding="utf-8"?>
 <p:sld xmlns:a="http://schemas.openxmlformats.org/drawingml/2006/main" xmlns:r="http://schemas.openxmlformats.org/officeDocument/2006/relationships" xmlns:p="http://schemas.openxmlformats.org/presentationml/2006/main">
   <p:cSld>
     <p:spTree>
@@ -37133,7 +35353,7 @@
 </p:sld>
 </file>
 
-<file path=ppt/slides/slide12.xml><?xml version="1.0" encoding="utf-8"?>
+<file path=ppt/slides/slide16.xml><?xml version="1.0" encoding="utf-8"?>
 <p:sld xmlns:a="http://schemas.openxmlformats.org/drawingml/2006/main" xmlns:r="http://schemas.openxmlformats.org/officeDocument/2006/relationships" xmlns:p="http://schemas.openxmlformats.org/presentationml/2006/main">
   <p:cSld>
     <p:spTree>
@@ -39755,7 +37975,7 @@
 </p:sld>
 </file>
 
-<file path=ppt/slides/slide13.xml><?xml version="1.0" encoding="utf-8"?>
+<file path=ppt/slides/slide17.xml><?xml version="1.0" encoding="utf-8"?>
 <p:sld xmlns:a="http://schemas.openxmlformats.org/drawingml/2006/main" xmlns:r="http://schemas.openxmlformats.org/officeDocument/2006/relationships" xmlns:p="http://schemas.openxmlformats.org/presentationml/2006/main">
   <p:cSld>
     <p:spTree>
@@ -42501,7 +40721,7 @@
 </p:sld>
 </file>
 
-<file path=ppt/slides/slide14.xml><?xml version="1.0" encoding="utf-8"?>
+<file path=ppt/slides/slide18.xml><?xml version="1.0" encoding="utf-8"?>
 <p:sld xmlns:a="http://schemas.openxmlformats.org/drawingml/2006/main" xmlns:r="http://schemas.openxmlformats.org/officeDocument/2006/relationships" xmlns:p="http://schemas.openxmlformats.org/presentationml/2006/main">
   <p:cSld>
     <p:spTree>
@@ -43776,6 +41996,1011 @@
           <a:chExt cx="0" cy="0"/>
         </a:xfrm>
       </p:grpSpPr>
+      <p:sp>
+        <p:nvSpPr>
+          <p:cNvPr id="3" name="Title 2"/>
+          <p:cNvSpPr>
+            <a:spLocks noGrp="1"/>
+          </p:cNvSpPr>
+          <p:nvPr>
+            <p:ph type="title"/>
+          </p:nvPr>
+        </p:nvSpPr>
+        <p:spPr/>
+        <p:txBody>
+          <a:bodyPr/>
+          <a:lstStyle/>
+          <a:p>
+            <a:r>
+              <a:rPr lang="zh-CN" altLang="en-US" dirty="0" smtClean="0"/>
+              <a:t>活动形式</a:t>
+            </a:r>
+            <a:endParaRPr lang="zh-CN" altLang="en-US" dirty="0"/>
+          </a:p>
+        </p:txBody>
+      </p:sp>
+      <p:sp>
+        <p:nvSpPr>
+          <p:cNvPr id="4" name="Content Placeholder 3"/>
+          <p:cNvSpPr>
+            <a:spLocks noGrp="1"/>
+          </p:cNvSpPr>
+          <p:nvPr>
+            <p:ph idx="1"/>
+          </p:nvPr>
+        </p:nvSpPr>
+        <p:spPr/>
+        <p:txBody>
+          <a:bodyPr/>
+          <a:lstStyle/>
+          <a:p>
+            <a:pPr lvl="1"/>
+            <a:r>
+              <a:rPr lang="zh-CN" altLang="en-US" dirty="0" smtClean="0"/>
+              <a:t>常见创客团队的产品生命周期</a:t>
+            </a:r>
+            <a:endParaRPr lang="en-US" altLang="zh-CN" dirty="0" smtClean="0"/>
+          </a:p>
+          <a:p>
+            <a:pPr lvl="1"/>
+            <a:r>
+              <a:rPr lang="zh-CN" altLang="en-US" dirty="0" smtClean="0"/>
+              <a:t>初步想法</a:t>
+            </a:r>
+            <a:r>
+              <a:rPr lang="en-US" altLang="zh-CN" dirty="0"/>
+              <a:t> </a:t>
+            </a:r>
+            <a:r>
+              <a:rPr lang="en-US" altLang="zh-CN" dirty="0" smtClean="0"/>
+              <a:t>– </a:t>
+            </a:r>
+            <a:r>
+              <a:rPr lang="zh-CN" altLang="en-US" dirty="0" smtClean="0"/>
+              <a:t>创意完善 </a:t>
+            </a:r>
+            <a:r>
+              <a:rPr lang="en-US" altLang="zh-CN" dirty="0" smtClean="0"/>
+              <a:t>– </a:t>
+            </a:r>
+            <a:r>
+              <a:rPr lang="zh-CN" altLang="en-US" dirty="0" smtClean="0"/>
+              <a:t>原型制作 </a:t>
+            </a:r>
+            <a:r>
+              <a:rPr lang="en-US" altLang="zh-CN" dirty="0" smtClean="0"/>
+              <a:t>– </a:t>
+            </a:r>
+            <a:r>
+              <a:rPr lang="zh-CN" altLang="en-US" dirty="0" smtClean="0"/>
+              <a:t>测试 </a:t>
+            </a:r>
+            <a:r>
+              <a:rPr lang="en-US" altLang="zh-CN" dirty="0" smtClean="0"/>
+              <a:t>– </a:t>
+            </a:r>
+            <a:r>
+              <a:rPr lang="zh-CN" altLang="en-US" dirty="0" smtClean="0"/>
+              <a:t>成品制作 </a:t>
+            </a:r>
+            <a:r>
+              <a:rPr lang="en-US" altLang="zh-CN" dirty="0" smtClean="0"/>
+              <a:t>– </a:t>
+            </a:r>
+            <a:r>
+              <a:rPr lang="zh-CN" altLang="en-US" dirty="0" smtClean="0"/>
+              <a:t>推广</a:t>
+            </a:r>
+            <a:endParaRPr lang="en-US" altLang="zh-CN" dirty="0" smtClean="0"/>
+          </a:p>
+          <a:p>
+            <a:r>
+              <a:rPr lang="en-US" altLang="zh-CN" dirty="0"/>
+              <a:t>A</a:t>
+            </a:r>
+            <a:r>
+              <a:rPr lang="en-US" altLang="zh-CN" dirty="0" smtClean="0"/>
+              <a:t>. </a:t>
+            </a:r>
+            <a:r>
+              <a:rPr lang="zh-CN" altLang="en-US" dirty="0" smtClean="0"/>
+              <a:t>开放讨论室</a:t>
+            </a:r>
+            <a:endParaRPr lang="en-US" altLang="zh-CN" dirty="0" smtClean="0"/>
+          </a:p>
+          <a:p>
+            <a:pPr lvl="1"/>
+            <a:r>
+              <a:rPr lang="zh-CN" altLang="en-US" dirty="0" smtClean="0"/>
+              <a:t>解决学生在清华校园南部、系馆集中的地区，缺少讨论室的局面</a:t>
+            </a:r>
+            <a:endParaRPr lang="en-US" altLang="zh-CN" dirty="0" smtClean="0"/>
+          </a:p>
+          <a:p>
+            <a:pPr lvl="1"/>
+            <a:r>
+              <a:rPr lang="zh-CN" altLang="en-US" u="sng" dirty="0" smtClean="0">
+                <a:solidFill>
+                  <a:schemeClr val="bg1">
+                    <a:lumMod val="75000"/>
+                  </a:schemeClr>
+                </a:solidFill>
+              </a:rPr>
+              <a:t>初步</a:t>
+            </a:r>
+            <a:r>
+              <a:rPr lang="zh-CN" altLang="en-US" u="sng" dirty="0">
+                <a:solidFill>
+                  <a:schemeClr val="bg1">
+                    <a:lumMod val="75000"/>
+                  </a:schemeClr>
+                </a:solidFill>
+              </a:rPr>
+              <a:t>想法</a:t>
+            </a:r>
+            <a:r>
+              <a:rPr lang="en-US" altLang="zh-CN" u="sng" dirty="0">
+                <a:solidFill>
+                  <a:schemeClr val="bg1">
+                    <a:lumMod val="75000"/>
+                  </a:schemeClr>
+                </a:solidFill>
+              </a:rPr>
+              <a:t> – </a:t>
+            </a:r>
+            <a:r>
+              <a:rPr lang="zh-CN" altLang="en-US" u="sng" dirty="0"/>
+              <a:t>创意完善</a:t>
+            </a:r>
+            <a:r>
+              <a:rPr lang="zh-CN" altLang="en-US" u="sng" dirty="0">
+                <a:solidFill>
+                  <a:schemeClr val="bg1">
+                    <a:lumMod val="75000"/>
+                  </a:schemeClr>
+                </a:solidFill>
+              </a:rPr>
+              <a:t> </a:t>
+            </a:r>
+            <a:r>
+              <a:rPr lang="en-US" altLang="zh-CN" u="sng" dirty="0">
+                <a:solidFill>
+                  <a:schemeClr val="bg1">
+                    <a:lumMod val="75000"/>
+                  </a:schemeClr>
+                </a:solidFill>
+              </a:rPr>
+              <a:t>– </a:t>
+            </a:r>
+            <a:r>
+              <a:rPr lang="zh-CN" altLang="en-US" u="sng" dirty="0">
+                <a:solidFill>
+                  <a:schemeClr val="bg1">
+                    <a:lumMod val="75000"/>
+                  </a:schemeClr>
+                </a:solidFill>
+              </a:rPr>
+              <a:t>原型制作 </a:t>
+            </a:r>
+            <a:r>
+              <a:rPr lang="en-US" altLang="zh-CN" u="sng" dirty="0">
+                <a:solidFill>
+                  <a:schemeClr val="bg1">
+                    <a:lumMod val="75000"/>
+                  </a:schemeClr>
+                </a:solidFill>
+              </a:rPr>
+              <a:t>– </a:t>
+            </a:r>
+            <a:r>
+              <a:rPr lang="zh-CN" altLang="en-US" u="sng" dirty="0">
+                <a:solidFill>
+                  <a:schemeClr val="bg1">
+                    <a:lumMod val="75000"/>
+                  </a:schemeClr>
+                </a:solidFill>
+              </a:rPr>
+              <a:t>测试 </a:t>
+            </a:r>
+            <a:r>
+              <a:rPr lang="en-US" altLang="zh-CN" u="sng" dirty="0">
+                <a:solidFill>
+                  <a:schemeClr val="bg1">
+                    <a:lumMod val="75000"/>
+                  </a:schemeClr>
+                </a:solidFill>
+              </a:rPr>
+              <a:t>– </a:t>
+            </a:r>
+            <a:r>
+              <a:rPr lang="zh-CN" altLang="en-US" u="sng" dirty="0">
+                <a:solidFill>
+                  <a:schemeClr val="bg1">
+                    <a:lumMod val="75000"/>
+                  </a:schemeClr>
+                </a:solidFill>
+              </a:rPr>
+              <a:t>成品制作 </a:t>
+            </a:r>
+            <a:r>
+              <a:rPr lang="en-US" altLang="zh-CN" u="sng" dirty="0">
+                <a:solidFill>
+                  <a:schemeClr val="bg1">
+                    <a:lumMod val="75000"/>
+                  </a:schemeClr>
+                </a:solidFill>
+              </a:rPr>
+              <a:t>– </a:t>
+            </a:r>
+            <a:r>
+              <a:rPr lang="zh-CN" altLang="en-US" u="sng" dirty="0" smtClean="0">
+                <a:solidFill>
+                  <a:schemeClr val="bg1">
+                    <a:lumMod val="75000"/>
+                  </a:schemeClr>
+                </a:solidFill>
+              </a:rPr>
+              <a:t>推广</a:t>
+            </a:r>
+            <a:endParaRPr lang="en-US" altLang="zh-CN" u="sng" dirty="0" smtClean="0">
+              <a:solidFill>
+                <a:schemeClr val="bg1">
+                  <a:lumMod val="75000"/>
+                </a:schemeClr>
+              </a:solidFill>
+            </a:endParaRPr>
+          </a:p>
+          <a:p>
+            <a:r>
+              <a:rPr lang="en-US" altLang="zh-CN" dirty="0" smtClean="0"/>
+              <a:t>B. </a:t>
+            </a:r>
+            <a:r>
+              <a:rPr lang="zh-CN" altLang="en-US" dirty="0" smtClean="0"/>
+              <a:t>产品原型制作及测试基地</a:t>
+            </a:r>
+            <a:endParaRPr lang="en-US" altLang="zh-CN" dirty="0" smtClean="0"/>
+          </a:p>
+          <a:p>
+            <a:pPr lvl="1"/>
+            <a:r>
+              <a:rPr lang="zh-CN" altLang="en-US" dirty="0" smtClean="0"/>
+              <a:t>支持</a:t>
+            </a:r>
+            <a:r>
+              <a:rPr lang="zh-CN" altLang="en-US" b="1" dirty="0" smtClean="0"/>
+              <a:t>小型</a:t>
+            </a:r>
+            <a:r>
+              <a:rPr lang="zh-CN" altLang="en-US" dirty="0" smtClean="0"/>
+              <a:t>及</a:t>
+            </a:r>
+            <a:r>
+              <a:rPr lang="zh-CN" altLang="en-US" b="1" dirty="0" smtClean="0"/>
+              <a:t>大型</a:t>
+            </a:r>
+            <a:r>
+              <a:rPr lang="zh-CN" altLang="en-US" dirty="0" smtClean="0"/>
+              <a:t>原型产品的制作、加工、测试、调试</a:t>
+            </a:r>
+            <a:endParaRPr lang="en-US" altLang="zh-CN" dirty="0" smtClean="0"/>
+          </a:p>
+          <a:p>
+            <a:pPr lvl="1"/>
+            <a:r>
+              <a:rPr lang="zh-CN" altLang="en-US" u="sng" dirty="0">
+                <a:solidFill>
+                  <a:schemeClr val="bg1">
+                    <a:lumMod val="75000"/>
+                  </a:schemeClr>
+                </a:solidFill>
+              </a:rPr>
+              <a:t>初步想法</a:t>
+            </a:r>
+            <a:r>
+              <a:rPr lang="en-US" altLang="zh-CN" u="sng" dirty="0">
+                <a:solidFill>
+                  <a:schemeClr val="bg1">
+                    <a:lumMod val="75000"/>
+                  </a:schemeClr>
+                </a:solidFill>
+              </a:rPr>
+              <a:t> – </a:t>
+            </a:r>
+            <a:r>
+              <a:rPr lang="zh-CN" altLang="en-US" u="sng" dirty="0">
+                <a:solidFill>
+                  <a:schemeClr val="bg1">
+                    <a:lumMod val="75000"/>
+                  </a:schemeClr>
+                </a:solidFill>
+              </a:rPr>
+              <a:t>创意完善 </a:t>
+            </a:r>
+            <a:r>
+              <a:rPr lang="en-US" altLang="zh-CN" u="sng" dirty="0">
+                <a:solidFill>
+                  <a:schemeClr val="bg1">
+                    <a:lumMod val="75000"/>
+                  </a:schemeClr>
+                </a:solidFill>
+              </a:rPr>
+              <a:t>– </a:t>
+            </a:r>
+            <a:r>
+              <a:rPr lang="zh-CN" altLang="en-US" u="sng" dirty="0"/>
+              <a:t>原型制作</a:t>
+            </a:r>
+            <a:r>
+              <a:rPr lang="zh-CN" altLang="en-US" u="sng" dirty="0">
+                <a:solidFill>
+                  <a:schemeClr val="bg1">
+                    <a:lumMod val="75000"/>
+                  </a:schemeClr>
+                </a:solidFill>
+              </a:rPr>
+              <a:t> </a:t>
+            </a:r>
+            <a:r>
+              <a:rPr lang="en-US" altLang="zh-CN" u="sng" dirty="0">
+                <a:solidFill>
+                  <a:schemeClr val="bg1">
+                    <a:lumMod val="75000"/>
+                  </a:schemeClr>
+                </a:solidFill>
+              </a:rPr>
+              <a:t>– </a:t>
+            </a:r>
+            <a:r>
+              <a:rPr lang="zh-CN" altLang="en-US" u="sng" dirty="0"/>
+              <a:t>测试</a:t>
+            </a:r>
+            <a:r>
+              <a:rPr lang="zh-CN" altLang="en-US" u="sng" dirty="0">
+                <a:solidFill>
+                  <a:schemeClr val="bg1">
+                    <a:lumMod val="75000"/>
+                  </a:schemeClr>
+                </a:solidFill>
+              </a:rPr>
+              <a:t> </a:t>
+            </a:r>
+            <a:r>
+              <a:rPr lang="en-US" altLang="zh-CN" u="sng" dirty="0">
+                <a:solidFill>
+                  <a:schemeClr val="bg1">
+                    <a:lumMod val="75000"/>
+                  </a:schemeClr>
+                </a:solidFill>
+              </a:rPr>
+              <a:t>– </a:t>
+            </a:r>
+            <a:r>
+              <a:rPr lang="zh-CN" altLang="en-US" u="sng" dirty="0">
+                <a:solidFill>
+                  <a:schemeClr val="bg1">
+                    <a:lumMod val="75000"/>
+                  </a:schemeClr>
+                </a:solidFill>
+              </a:rPr>
+              <a:t>成品制作 </a:t>
+            </a:r>
+            <a:r>
+              <a:rPr lang="en-US" altLang="zh-CN" u="sng" dirty="0">
+                <a:solidFill>
+                  <a:schemeClr val="bg1">
+                    <a:lumMod val="75000"/>
+                  </a:schemeClr>
+                </a:solidFill>
+              </a:rPr>
+              <a:t>– </a:t>
+            </a:r>
+            <a:r>
+              <a:rPr lang="zh-CN" altLang="en-US" u="sng" dirty="0">
+                <a:solidFill>
+                  <a:schemeClr val="bg1">
+                    <a:lumMod val="75000"/>
+                  </a:schemeClr>
+                </a:solidFill>
+              </a:rPr>
+              <a:t>推广</a:t>
+            </a:r>
+            <a:endParaRPr lang="en-US" altLang="zh-CN" u="sng" dirty="0">
+              <a:solidFill>
+                <a:schemeClr val="bg1">
+                  <a:lumMod val="75000"/>
+                </a:schemeClr>
+              </a:solidFill>
+            </a:endParaRPr>
+          </a:p>
+          <a:p>
+            <a:r>
+              <a:rPr lang="en-US" altLang="zh-CN" dirty="0" smtClean="0"/>
+              <a:t>C. </a:t>
+            </a:r>
+            <a:r>
+              <a:rPr lang="zh-CN" altLang="en-US" dirty="0" smtClean="0"/>
+              <a:t>产品发布与展示平台</a:t>
+            </a:r>
+            <a:endParaRPr lang="en-US" altLang="zh-CN" dirty="0" smtClean="0"/>
+          </a:p>
+          <a:p>
+            <a:pPr lvl="1"/>
+            <a:r>
+              <a:rPr lang="zh-CN" altLang="en-US" dirty="0" smtClean="0"/>
+              <a:t>专业高端的产品发布场地</a:t>
+            </a:r>
+            <a:endParaRPr lang="en-US" altLang="zh-CN" dirty="0" smtClean="0"/>
+          </a:p>
+          <a:p>
+            <a:pPr lvl="1"/>
+            <a:r>
+              <a:rPr lang="zh-CN" altLang="en-US" dirty="0" smtClean="0"/>
+              <a:t>与社团、兴趣团队、课程等对接，提供拍摄产品定妆照、举办产品发布会的场地。</a:t>
+            </a:r>
+            <a:endParaRPr lang="en-US" altLang="zh-CN" dirty="0" smtClean="0"/>
+          </a:p>
+          <a:p>
+            <a:pPr lvl="1"/>
+            <a:r>
+              <a:rPr lang="zh-CN" altLang="en-US" u="sng" dirty="0">
+                <a:solidFill>
+                  <a:schemeClr val="bg1">
+                    <a:lumMod val="75000"/>
+                  </a:schemeClr>
+                </a:solidFill>
+              </a:rPr>
+              <a:t>初步想法</a:t>
+            </a:r>
+            <a:r>
+              <a:rPr lang="en-US" altLang="zh-CN" u="sng" dirty="0">
+                <a:solidFill>
+                  <a:schemeClr val="bg1">
+                    <a:lumMod val="75000"/>
+                  </a:schemeClr>
+                </a:solidFill>
+              </a:rPr>
+              <a:t> – </a:t>
+            </a:r>
+            <a:r>
+              <a:rPr lang="zh-CN" altLang="en-US" u="sng" dirty="0">
+                <a:solidFill>
+                  <a:schemeClr val="bg1">
+                    <a:lumMod val="75000"/>
+                  </a:schemeClr>
+                </a:solidFill>
+              </a:rPr>
+              <a:t>创意完善 </a:t>
+            </a:r>
+            <a:r>
+              <a:rPr lang="en-US" altLang="zh-CN" u="sng" dirty="0">
+                <a:solidFill>
+                  <a:schemeClr val="bg1">
+                    <a:lumMod val="75000"/>
+                  </a:schemeClr>
+                </a:solidFill>
+              </a:rPr>
+              <a:t>– </a:t>
+            </a:r>
+            <a:r>
+              <a:rPr lang="zh-CN" altLang="en-US" u="sng" dirty="0">
+                <a:solidFill>
+                  <a:schemeClr val="bg1">
+                    <a:lumMod val="75000"/>
+                  </a:schemeClr>
+                </a:solidFill>
+              </a:rPr>
+              <a:t>原型制作 </a:t>
+            </a:r>
+            <a:r>
+              <a:rPr lang="en-US" altLang="zh-CN" u="sng" dirty="0">
+                <a:solidFill>
+                  <a:schemeClr val="bg1">
+                    <a:lumMod val="75000"/>
+                  </a:schemeClr>
+                </a:solidFill>
+              </a:rPr>
+              <a:t>– </a:t>
+            </a:r>
+            <a:r>
+              <a:rPr lang="zh-CN" altLang="en-US" u="sng" dirty="0">
+                <a:solidFill>
+                  <a:schemeClr val="bg1">
+                    <a:lumMod val="75000"/>
+                  </a:schemeClr>
+                </a:solidFill>
+              </a:rPr>
+              <a:t>测试 </a:t>
+            </a:r>
+            <a:r>
+              <a:rPr lang="en-US" altLang="zh-CN" u="sng" dirty="0">
+                <a:solidFill>
+                  <a:schemeClr val="bg1">
+                    <a:lumMod val="75000"/>
+                  </a:schemeClr>
+                </a:solidFill>
+              </a:rPr>
+              <a:t>– </a:t>
+            </a:r>
+            <a:r>
+              <a:rPr lang="zh-CN" altLang="en-US" u="sng" dirty="0">
+                <a:solidFill>
+                  <a:schemeClr val="bg1">
+                    <a:lumMod val="75000"/>
+                  </a:schemeClr>
+                </a:solidFill>
+              </a:rPr>
+              <a:t>成品制作 </a:t>
+            </a:r>
+            <a:r>
+              <a:rPr lang="en-US" altLang="zh-CN" u="sng" dirty="0">
+                <a:solidFill>
+                  <a:schemeClr val="bg1">
+                    <a:lumMod val="75000"/>
+                  </a:schemeClr>
+                </a:solidFill>
+              </a:rPr>
+              <a:t>– </a:t>
+            </a:r>
+            <a:r>
+              <a:rPr lang="zh-CN" altLang="en-US" u="sng" dirty="0" smtClean="0"/>
+              <a:t>推广</a:t>
+            </a:r>
+            <a:endParaRPr lang="en-US" altLang="zh-CN" u="sng" dirty="0"/>
+          </a:p>
+        </p:txBody>
+      </p:sp>
+    </p:spTree>
+    <p:extLst>
+      <p:ext uri="{BB962C8B-B14F-4D97-AF65-F5344CB8AC3E}">
+        <p14:creationId xmlns:p14="http://schemas.microsoft.com/office/powerpoint/2010/main" val="2748846182"/>
+      </p:ext>
+    </p:extLst>
+  </p:cSld>
+  <p:clrMapOvr>
+    <a:masterClrMapping/>
+  </p:clrMapOvr>
+</p:sld>
+</file>
+
+<file path=ppt/slides/slide3.xml><?xml version="1.0" encoding="utf-8"?>
+<p:sld xmlns:a="http://schemas.openxmlformats.org/drawingml/2006/main" xmlns:r="http://schemas.openxmlformats.org/officeDocument/2006/relationships" xmlns:p="http://schemas.openxmlformats.org/presentationml/2006/main">
+  <p:cSld>
+    <p:spTree>
+      <p:nvGrpSpPr>
+        <p:cNvPr id="1" name=""/>
+        <p:cNvGrpSpPr/>
+        <p:nvPr/>
+      </p:nvGrpSpPr>
+      <p:grpSpPr>
+        <a:xfrm>
+          <a:off x="0" y="0"/>
+          <a:ext cx="0" cy="0"/>
+          <a:chOff x="0" y="0"/>
+          <a:chExt cx="0" cy="0"/>
+        </a:xfrm>
+      </p:grpSpPr>
+      <p:sp>
+        <p:nvSpPr>
+          <p:cNvPr id="2" name="Title 1"/>
+          <p:cNvSpPr>
+            <a:spLocks noGrp="1"/>
+          </p:cNvSpPr>
+          <p:nvPr>
+            <p:ph type="title"/>
+          </p:nvPr>
+        </p:nvSpPr>
+        <p:spPr/>
+        <p:txBody>
+          <a:bodyPr/>
+          <a:lstStyle/>
+          <a:p>
+            <a:r>
+              <a:rPr lang="zh-CN" altLang="en-US" dirty="0" smtClean="0"/>
+              <a:t>高度互动性</a:t>
+            </a:r>
+            <a:endParaRPr lang="zh-CN" altLang="en-US" dirty="0"/>
+          </a:p>
+        </p:txBody>
+      </p:sp>
+      <p:sp>
+        <p:nvSpPr>
+          <p:cNvPr id="3" name="Content Placeholder 2"/>
+          <p:cNvSpPr>
+            <a:spLocks noGrp="1"/>
+          </p:cNvSpPr>
+          <p:nvPr>
+            <p:ph idx="1"/>
+          </p:nvPr>
+        </p:nvSpPr>
+        <p:spPr/>
+        <p:txBody>
+          <a:bodyPr/>
+          <a:lstStyle/>
+          <a:p>
+            <a:r>
+              <a:rPr lang="zh-CN" altLang="en-US" dirty="0" smtClean="0"/>
+              <a:t>“我的空间我做主”</a:t>
+            </a:r>
+            <a:endParaRPr lang="en-US" altLang="zh-CN" dirty="0" smtClean="0"/>
+          </a:p>
+          <a:p>
+            <a:pPr lvl="1"/>
+            <a:r>
+              <a:rPr lang="zh-CN" altLang="en-US" dirty="0"/>
+              <a:t>创</a:t>
+            </a:r>
+            <a:r>
+              <a:rPr lang="zh-CN" altLang="en-US" dirty="0" smtClean="0"/>
+              <a:t>客空间中的设备、设施、用品等，均可以由来访者提出修改意见，或提出设计方案</a:t>
+            </a:r>
+            <a:endParaRPr lang="en-US" altLang="zh-CN" dirty="0" smtClean="0"/>
+          </a:p>
+          <a:p>
+            <a:r>
+              <a:rPr lang="zh-CN" altLang="en-US" dirty="0" smtClean="0"/>
+              <a:t>“可见之处皆创意”</a:t>
+            </a:r>
+            <a:endParaRPr lang="en-US" altLang="zh-CN" dirty="0" smtClean="0"/>
+          </a:p>
+          <a:p>
+            <a:pPr lvl="1"/>
+            <a:r>
+              <a:rPr lang="zh-CN" altLang="en-US" dirty="0" smtClean="0"/>
+              <a:t>选用来自全球的创意产品作为空间中的日常用品</a:t>
+            </a:r>
+            <a:endParaRPr lang="en-US" altLang="zh-CN" dirty="0" smtClean="0"/>
+          </a:p>
+          <a:p>
+            <a:pPr lvl="1"/>
+            <a:r>
+              <a:rPr lang="zh-CN" altLang="en-US" dirty="0"/>
+              <a:t>在</a:t>
+            </a:r>
+            <a:r>
+              <a:rPr lang="zh-CN" altLang="en-US" dirty="0" smtClean="0"/>
+              <a:t>这里，唯一不变的就是打破常规</a:t>
+            </a:r>
+            <a:endParaRPr lang="en-US" altLang="zh-CN" dirty="0" smtClean="0"/>
+          </a:p>
+          <a:p>
+            <a:r>
+              <a:rPr lang="zh-CN" altLang="en-US" dirty="0" smtClean="0"/>
+              <a:t>创意池</a:t>
+            </a:r>
+            <a:endParaRPr lang="en-US" altLang="zh-CN" dirty="0" smtClean="0"/>
+          </a:p>
+          <a:p>
+            <a:pPr lvl="1"/>
+            <a:r>
+              <a:rPr lang="zh-CN" altLang="en-US" dirty="0" smtClean="0"/>
+              <a:t>来访者可通过留言用的</a:t>
+            </a:r>
+            <a:r>
+              <a:rPr lang="en-US" altLang="zh-CN" dirty="0" smtClean="0"/>
+              <a:t>iPad</a:t>
+            </a:r>
+            <a:r>
+              <a:rPr lang="zh-CN" altLang="en-US" dirty="0" smtClean="0"/>
+              <a:t>来记录自己的感受</a:t>
+            </a:r>
+            <a:endParaRPr lang="en-US" altLang="zh-CN" dirty="0" smtClean="0"/>
+          </a:p>
+          <a:p>
+            <a:pPr lvl="1"/>
+            <a:r>
+              <a:rPr lang="zh-CN" altLang="en-US" dirty="0" smtClean="0"/>
+              <a:t>针对空间提供一个创意，即可换取一定的创币，用于支付相应资源</a:t>
+            </a:r>
+            <a:endParaRPr lang="en-US" altLang="zh-CN" dirty="0" smtClean="0"/>
+          </a:p>
+        </p:txBody>
+      </p:sp>
+    </p:spTree>
+    <p:extLst>
+      <p:ext uri="{BB962C8B-B14F-4D97-AF65-F5344CB8AC3E}">
+        <p14:creationId xmlns:p14="http://schemas.microsoft.com/office/powerpoint/2010/main" val="2840015645"/>
+      </p:ext>
+    </p:extLst>
+  </p:cSld>
+  <p:clrMapOvr>
+    <a:masterClrMapping/>
+  </p:clrMapOvr>
+</p:sld>
+</file>
+
+<file path=ppt/slides/slide4.xml><?xml version="1.0" encoding="utf-8"?>
+<p:sld xmlns:a="http://schemas.openxmlformats.org/drawingml/2006/main" xmlns:r="http://schemas.openxmlformats.org/officeDocument/2006/relationships" xmlns:p="http://schemas.openxmlformats.org/presentationml/2006/main">
+  <p:cSld>
+    <p:spTree>
+      <p:nvGrpSpPr>
+        <p:cNvPr id="1" name=""/>
+        <p:cNvGrpSpPr/>
+        <p:nvPr/>
+      </p:nvGrpSpPr>
+      <p:grpSpPr>
+        <a:xfrm>
+          <a:off x="0" y="0"/>
+          <a:ext cx="0" cy="0"/>
+          <a:chOff x="0" y="0"/>
+          <a:chExt cx="0" cy="0"/>
+        </a:xfrm>
+      </p:grpSpPr>
+      <p:sp>
+        <p:nvSpPr>
+          <p:cNvPr id="2" name="Title 1"/>
+          <p:cNvSpPr>
+            <a:spLocks noGrp="1"/>
+          </p:cNvSpPr>
+          <p:nvPr>
+            <p:ph type="title"/>
+          </p:nvPr>
+        </p:nvSpPr>
+        <p:spPr/>
+        <p:txBody>
+          <a:bodyPr/>
+          <a:lstStyle/>
+          <a:p>
+            <a:r>
+              <a:rPr lang="zh-CN" altLang="en-US" dirty="0" smtClean="0"/>
+              <a:t>设备与设施完善</a:t>
+            </a:r>
+            <a:endParaRPr lang="zh-CN" altLang="en-US" dirty="0"/>
+          </a:p>
+        </p:txBody>
+      </p:sp>
+      <p:sp>
+        <p:nvSpPr>
+          <p:cNvPr id="3" name="Content Placeholder 2"/>
+          <p:cNvSpPr>
+            <a:spLocks noGrp="1"/>
+          </p:cNvSpPr>
+          <p:nvPr>
+            <p:ph idx="1"/>
+          </p:nvPr>
+        </p:nvSpPr>
+        <p:spPr/>
+        <p:txBody>
+          <a:bodyPr/>
+          <a:lstStyle/>
+          <a:p>
+            <a:r>
+              <a:rPr lang="zh-CN" altLang="en-US" dirty="0" smtClean="0"/>
+              <a:t>独立灵活讨论空间</a:t>
+            </a:r>
+            <a:endParaRPr lang="en-US" altLang="zh-CN" dirty="0" smtClean="0"/>
+          </a:p>
+          <a:p>
+            <a:pPr lvl="1"/>
+            <a:r>
+              <a:rPr lang="zh-CN" altLang="en-US" dirty="0" smtClean="0"/>
+              <a:t>可移动屏风隔断（高度</a:t>
+            </a:r>
+            <a:r>
+              <a:rPr lang="en-US" altLang="zh-CN" dirty="0" smtClean="0"/>
+              <a:t>2</a:t>
+            </a:r>
+            <a:r>
+              <a:rPr lang="zh-CN" altLang="en-US" dirty="0" smtClean="0"/>
+              <a:t>米以上）</a:t>
+            </a:r>
+            <a:endParaRPr lang="en-US" altLang="zh-CN" dirty="0" smtClean="0"/>
+          </a:p>
+          <a:p>
+            <a:pPr lvl="1"/>
+            <a:r>
+              <a:rPr lang="zh-CN" altLang="en-US" dirty="0" smtClean="0"/>
+              <a:t>白板、软木板</a:t>
+            </a:r>
+            <a:endParaRPr lang="en-US" altLang="zh-CN" dirty="0" smtClean="0"/>
+          </a:p>
+          <a:p>
+            <a:r>
+              <a:rPr lang="zh-CN" altLang="en-US" dirty="0" smtClean="0"/>
+              <a:t>小型产品原型制作工位</a:t>
+            </a:r>
+            <a:endParaRPr lang="en-US" altLang="zh-CN" dirty="0" smtClean="0"/>
+          </a:p>
+          <a:p>
+            <a:pPr lvl="1"/>
+            <a:r>
+              <a:rPr lang="zh-CN" altLang="en-US" dirty="0"/>
+              <a:t>切割</a:t>
+            </a:r>
+            <a:r>
+              <a:rPr lang="zh-CN" altLang="en-US" dirty="0" smtClean="0"/>
+              <a:t>垫板</a:t>
+            </a:r>
+            <a:endParaRPr lang="en-US" altLang="zh-CN" dirty="0" smtClean="0"/>
+          </a:p>
+          <a:p>
+            <a:pPr lvl="1"/>
+            <a:r>
+              <a:rPr lang="zh-CN" altLang="en-US" dirty="0" smtClean="0"/>
+              <a:t>电烙铁套装、吸锡器等</a:t>
+            </a:r>
+            <a:endParaRPr lang="en-US" altLang="zh-CN" dirty="0" smtClean="0"/>
+          </a:p>
+          <a:p>
+            <a:pPr lvl="1"/>
+            <a:r>
+              <a:rPr lang="zh-CN" altLang="en-US" dirty="0" smtClean="0"/>
+              <a:t>大型可移动工具柜（工具集中式管理）</a:t>
+            </a:r>
+            <a:endParaRPr lang="en-US" altLang="zh-CN" dirty="0" smtClean="0"/>
+          </a:p>
+          <a:p>
+            <a:pPr lvl="1"/>
+            <a:r>
+              <a:rPr lang="en-US" altLang="zh-CN" dirty="0" smtClean="0"/>
+              <a:t>3D</a:t>
+            </a:r>
+            <a:r>
+              <a:rPr lang="zh-CN" altLang="en-US" dirty="0" smtClean="0"/>
+              <a:t>打印机</a:t>
+            </a:r>
+            <a:endParaRPr lang="en-US" altLang="zh-CN" dirty="0" smtClean="0"/>
+          </a:p>
+          <a:p>
+            <a:r>
+              <a:rPr lang="zh-CN" altLang="en-US" dirty="0" smtClean="0"/>
+              <a:t>数字制造平台访问终端</a:t>
+            </a:r>
+            <a:endParaRPr lang="en-US" altLang="zh-CN" dirty="0" smtClean="0"/>
+          </a:p>
+          <a:p>
+            <a:pPr lvl="1"/>
+            <a:r>
+              <a:rPr lang="zh-CN" altLang="en-US" dirty="0" smtClean="0"/>
+              <a:t>连接数字制造平台的客户端计算机（监控、下订单）</a:t>
+            </a:r>
+            <a:endParaRPr lang="en-US" altLang="zh-CN" dirty="0" smtClean="0"/>
+          </a:p>
+          <a:p>
+            <a:pPr lvl="1"/>
+            <a:r>
+              <a:rPr lang="zh-CN" altLang="en-US" dirty="0" smtClean="0"/>
+              <a:t>内线电话</a:t>
+            </a:r>
+            <a:endParaRPr lang="en-US" altLang="zh-CN" dirty="0" smtClean="0"/>
+          </a:p>
+          <a:p>
+            <a:r>
+              <a:rPr lang="zh-CN" altLang="en-US" dirty="0" smtClean="0"/>
+              <a:t>互动终端</a:t>
+            </a:r>
+            <a:endParaRPr lang="en-US" altLang="zh-CN" dirty="0" smtClean="0"/>
+          </a:p>
+          <a:p>
+            <a:pPr lvl="1"/>
+            <a:r>
+              <a:rPr lang="zh-CN" altLang="en-US" dirty="0" smtClean="0"/>
+              <a:t>展示及留言用的</a:t>
+            </a:r>
+            <a:r>
+              <a:rPr lang="en-US" altLang="zh-CN" dirty="0" smtClean="0"/>
+              <a:t>iPad</a:t>
+            </a:r>
+            <a:endParaRPr lang="zh-CN" altLang="en-US" dirty="0"/>
+          </a:p>
+        </p:txBody>
+      </p:sp>
+    </p:spTree>
+    <p:extLst>
+      <p:ext uri="{BB962C8B-B14F-4D97-AF65-F5344CB8AC3E}">
+        <p14:creationId xmlns:p14="http://schemas.microsoft.com/office/powerpoint/2010/main" val="3619350472"/>
+      </p:ext>
+    </p:extLst>
+  </p:cSld>
+  <p:clrMapOvr>
+    <a:masterClrMapping/>
+  </p:clrMapOvr>
+</p:sld>
+</file>
+
+<file path=ppt/slides/slide5.xml><?xml version="1.0" encoding="utf-8"?>
+<p:sld xmlns:a="http://schemas.openxmlformats.org/drawingml/2006/main" xmlns:r="http://schemas.openxmlformats.org/officeDocument/2006/relationships" xmlns:p="http://schemas.openxmlformats.org/presentationml/2006/main">
+  <p:cSld>
+    <p:spTree>
+      <p:nvGrpSpPr>
+        <p:cNvPr id="1" name=""/>
+        <p:cNvGrpSpPr/>
+        <p:nvPr/>
+      </p:nvGrpSpPr>
+      <p:grpSpPr>
+        <a:xfrm>
+          <a:off x="0" y="0"/>
+          <a:ext cx="0" cy="0"/>
+          <a:chOff x="0" y="0"/>
+          <a:chExt cx="0" cy="0"/>
+        </a:xfrm>
+      </p:grpSpPr>
+      <p:sp>
+        <p:nvSpPr>
+          <p:cNvPr id="2" name="Title 1"/>
+          <p:cNvSpPr>
+            <a:spLocks noGrp="1"/>
+          </p:cNvSpPr>
+          <p:nvPr>
+            <p:ph type="title"/>
+          </p:nvPr>
+        </p:nvSpPr>
+        <p:spPr/>
+        <p:txBody>
+          <a:bodyPr/>
+          <a:lstStyle/>
+          <a:p>
+            <a:r>
+              <a:rPr lang="zh-CN" altLang="en-US" dirty="0" smtClean="0"/>
+              <a:t>创意氛围营造</a:t>
+            </a:r>
+            <a:endParaRPr lang="zh-CN" altLang="en-US" dirty="0"/>
+          </a:p>
+        </p:txBody>
+      </p:sp>
+      <p:sp>
+        <p:nvSpPr>
+          <p:cNvPr id="3" name="Content Placeholder 2"/>
+          <p:cNvSpPr>
+            <a:spLocks noGrp="1"/>
+          </p:cNvSpPr>
+          <p:nvPr>
+            <p:ph idx="1"/>
+          </p:nvPr>
+        </p:nvSpPr>
+        <p:spPr/>
+        <p:txBody>
+          <a:bodyPr/>
+          <a:lstStyle/>
+          <a:p>
+            <a:r>
+              <a:rPr lang="zh-CN" altLang="en-US" dirty="0" smtClean="0"/>
+              <a:t>入口处地板上铺设功能区导引图（可以用贴纸，也可在地板上铺设显示屏动态呈现）</a:t>
+            </a:r>
+            <a:endParaRPr lang="en-US" altLang="zh-CN" dirty="0" smtClean="0"/>
+          </a:p>
+          <a:p>
+            <a:r>
+              <a:rPr lang="zh-CN" altLang="en-US" dirty="0" smtClean="0"/>
+              <a:t>创意装饰</a:t>
+            </a:r>
+            <a:endParaRPr lang="en-US" altLang="zh-CN" dirty="0" smtClean="0"/>
+          </a:p>
+          <a:p>
+            <a:endParaRPr lang="en-US" altLang="zh-CN" dirty="0" smtClean="0"/>
+          </a:p>
+        </p:txBody>
+      </p:sp>
+    </p:spTree>
+    <p:extLst>
+      <p:ext uri="{BB962C8B-B14F-4D97-AF65-F5344CB8AC3E}">
+        <p14:creationId xmlns:p14="http://schemas.microsoft.com/office/powerpoint/2010/main" val="1771226653"/>
+      </p:ext>
+    </p:extLst>
+  </p:cSld>
+  <p:clrMapOvr>
+    <a:masterClrMapping/>
+  </p:clrMapOvr>
+</p:sld>
+</file>
+
+<file path=ppt/slides/slide6.xml><?xml version="1.0" encoding="utf-8"?>
+<p:sld xmlns:a="http://schemas.openxmlformats.org/drawingml/2006/main" xmlns:r="http://schemas.openxmlformats.org/officeDocument/2006/relationships" xmlns:p="http://schemas.openxmlformats.org/presentationml/2006/main">
+  <p:cSld>
+    <p:spTree>
+      <p:nvGrpSpPr>
+        <p:cNvPr id="1" name=""/>
+        <p:cNvGrpSpPr/>
+        <p:nvPr/>
+      </p:nvGrpSpPr>
+      <p:grpSpPr>
+        <a:xfrm>
+          <a:off x="0" y="0"/>
+          <a:ext cx="0" cy="0"/>
+          <a:chOff x="0" y="0"/>
+          <a:chExt cx="0" cy="0"/>
+        </a:xfrm>
+      </p:grpSpPr>
       <p:graphicFrame>
         <p:nvGraphicFramePr>
           <p:cNvPr id="2" name="Diagram 1"/>
@@ -43834,7 +43059,7 @@
 </p:sld>
 </file>
 
-<file path=ppt/slides/slide3.xml><?xml version="1.0" encoding="utf-8"?>
+<file path=ppt/slides/slide7.xml><?xml version="1.0" encoding="utf-8"?>
 <p:sld xmlns:a="http://schemas.openxmlformats.org/drawingml/2006/main" xmlns:r="http://schemas.openxmlformats.org/officeDocument/2006/relationships" xmlns:p="http://schemas.openxmlformats.org/presentationml/2006/main">
   <p:cSld>
     <p:spTree>
@@ -44129,7 +43354,7 @@
 </p:sld>
 </file>
 
-<file path=ppt/slides/slide4.xml><?xml version="1.0" encoding="utf-8"?>
+<file path=ppt/slides/slide8.xml><?xml version="1.0" encoding="utf-8"?>
 <p:sld xmlns:a="http://schemas.openxmlformats.org/drawingml/2006/main" xmlns:r="http://schemas.openxmlformats.org/officeDocument/2006/relationships" xmlns:p="http://schemas.openxmlformats.org/presentationml/2006/main">
   <p:cSld>
     <p:spTree>
@@ -44163,11 +43388,7 @@
           <a:p>
             <a:r>
               <a:rPr lang="zh-CN" altLang="en-US" dirty="0" smtClean="0"/>
-              <a:t>三创</a:t>
-            </a:r>
-            <a:r>
-              <a:rPr lang="zh-CN" altLang="en-US" dirty="0" smtClean="0"/>
-              <a:t>空间</a:t>
+              <a:t>三创空间</a:t>
             </a:r>
             <a:r>
               <a:rPr lang="zh-CN" altLang="en-US" dirty="0"/>
@@ -44216,7 +43437,7 @@
 </p:sld>
 </file>
 
-<file path=ppt/slides/slide5.xml><?xml version="1.0" encoding="utf-8"?>
+<file path=ppt/slides/slide9.xml><?xml version="1.0" encoding="utf-8"?>
 <p:sld xmlns:a="http://schemas.openxmlformats.org/drawingml/2006/main" xmlns:r="http://schemas.openxmlformats.org/officeDocument/2006/relationships" xmlns:p="http://schemas.openxmlformats.org/presentationml/2006/main">
   <p:cSld>
     <p:spTree>
@@ -44413,1816 +43634,6 @@
   <p:clrMapOvr>
     <a:masterClrMapping/>
   </p:clrMapOvr>
-</p:sld>
-</file>
-
-<file path=ppt/slides/slide6.xml><?xml version="1.0" encoding="utf-8"?>
-<p:sld xmlns:a="http://schemas.openxmlformats.org/drawingml/2006/main" xmlns:r="http://schemas.openxmlformats.org/officeDocument/2006/relationships" xmlns:p="http://schemas.openxmlformats.org/presentationml/2006/main">
-  <p:cSld>
-    <p:spTree>
-      <p:nvGrpSpPr>
-        <p:cNvPr id="1" name=""/>
-        <p:cNvGrpSpPr/>
-        <p:nvPr/>
-      </p:nvGrpSpPr>
-      <p:grpSpPr>
-        <a:xfrm>
-          <a:off x="0" y="0"/>
-          <a:ext cx="0" cy="0"/>
-          <a:chOff x="0" y="0"/>
-          <a:chExt cx="0" cy="0"/>
-        </a:xfrm>
-      </p:grpSpPr>
-      <p:sp>
-        <p:nvSpPr>
-          <p:cNvPr id="2" name="Title 1"/>
-          <p:cNvSpPr>
-            <a:spLocks noGrp="1"/>
-          </p:cNvSpPr>
-          <p:nvPr>
-            <p:ph type="title"/>
-          </p:nvPr>
-        </p:nvSpPr>
-        <p:spPr/>
-        <p:txBody>
-          <a:bodyPr>
-            <a:normAutofit/>
-          </a:bodyPr>
-          <a:lstStyle/>
-          <a:p>
-            <a:r>
-              <a:rPr lang="zh-CN" altLang="en-US" sz="3200" dirty="0" smtClean="0"/>
-              <a:t>总体规划思路</a:t>
-            </a:r>
-            <a:r>
-              <a:rPr lang="en-US" altLang="zh-CN" sz="3200" dirty="0" smtClean="0"/>
-              <a:t>——</a:t>
-            </a:r>
-            <a:r>
-              <a:rPr lang="zh-CN" altLang="en-US" sz="3200" dirty="0" smtClean="0"/>
-              <a:t>三位同构</a:t>
-            </a:r>
-            <a:endParaRPr lang="zh-CN" altLang="en-US" sz="3200" dirty="0"/>
-          </a:p>
-        </p:txBody>
-      </p:sp>
-      <p:graphicFrame>
-        <p:nvGraphicFramePr>
-          <p:cNvPr id="4" name="Content Placeholder 3"/>
-          <p:cNvGraphicFramePr>
-            <a:graphicFrameLocks noGrp="1"/>
-          </p:cNvGraphicFramePr>
-          <p:nvPr>
-            <p:ph idx="1"/>
-            <p:extLst>
-              <p:ext uri="{D42A27DB-BD31-4B8C-83A1-F6EECF244321}">
-                <p14:modId xmlns:p14="http://schemas.microsoft.com/office/powerpoint/2010/main" val="4143607681"/>
-              </p:ext>
-            </p:extLst>
-          </p:nvPr>
-        </p:nvGraphicFramePr>
-        <p:xfrm>
-          <a:off x="628650" y="1320800"/>
-          <a:ext cx="7886700" cy="4856163"/>
-        </p:xfrm>
-        <a:graphic>
-          <a:graphicData uri="http://schemas.openxmlformats.org/drawingml/2006/diagram">
-            <dgm:relIds xmlns:dgm="http://schemas.openxmlformats.org/drawingml/2006/diagram" xmlns:r="http://schemas.openxmlformats.org/officeDocument/2006/relationships" r:dm="rId2" r:lo="rId3" r:qs="rId4" r:cs="rId5"/>
-          </a:graphicData>
-        </a:graphic>
-      </p:graphicFrame>
-      <p:grpSp>
-        <p:nvGrpSpPr>
-          <p:cNvPr id="49" name="Group 48"/>
-          <p:cNvGrpSpPr/>
-          <p:nvPr/>
-        </p:nvGrpSpPr>
-        <p:grpSpPr>
-          <a:xfrm>
-            <a:off x="2890982" y="2983656"/>
-            <a:ext cx="3371273" cy="2730339"/>
-            <a:chOff x="2890982" y="2983656"/>
-            <a:chExt cx="3371273" cy="2730339"/>
-          </a:xfrm>
-        </p:grpSpPr>
-        <p:cxnSp>
-          <p:nvCxnSpPr>
-            <p:cNvPr id="6" name="Elbow Connector 5"/>
-            <p:cNvCxnSpPr/>
-            <p:nvPr/>
-          </p:nvCxnSpPr>
-          <p:spPr>
-            <a:xfrm flipV="1">
-              <a:off x="5578764" y="3135637"/>
-              <a:ext cx="683491" cy="184728"/>
-            </a:xfrm>
-            <a:prstGeom prst="bentConnector3">
-              <a:avLst/>
-            </a:prstGeom>
-            <a:ln w="19050">
-              <a:tailEnd type="triangle"/>
-            </a:ln>
-          </p:spPr>
-          <p:style>
-            <a:lnRef idx="1">
-              <a:schemeClr val="accent1"/>
-            </a:lnRef>
-            <a:fillRef idx="0">
-              <a:schemeClr val="accent1"/>
-            </a:fillRef>
-            <a:effectRef idx="0">
-              <a:schemeClr val="accent1"/>
-            </a:effectRef>
-            <a:fontRef idx="minor">
-              <a:schemeClr val="tx1"/>
-            </a:fontRef>
-          </p:style>
-        </p:cxnSp>
-        <p:cxnSp>
-          <p:nvCxnSpPr>
-            <p:cNvPr id="7" name="Elbow Connector 6"/>
-            <p:cNvCxnSpPr/>
-            <p:nvPr/>
-          </p:nvCxnSpPr>
-          <p:spPr>
-            <a:xfrm flipV="1">
-              <a:off x="5578764" y="4322618"/>
-              <a:ext cx="683491" cy="64655"/>
-            </a:xfrm>
-            <a:prstGeom prst="bentConnector3">
-              <a:avLst/>
-            </a:prstGeom>
-            <a:ln w="19050">
-              <a:tailEnd type="triangle"/>
-            </a:ln>
-          </p:spPr>
-          <p:style>
-            <a:lnRef idx="1">
-              <a:schemeClr val="accent1"/>
-            </a:lnRef>
-            <a:fillRef idx="0">
-              <a:schemeClr val="accent1"/>
-            </a:fillRef>
-            <a:effectRef idx="0">
-              <a:schemeClr val="accent1"/>
-            </a:effectRef>
-            <a:fontRef idx="minor">
-              <a:schemeClr val="tx1"/>
-            </a:fontRef>
-          </p:style>
-        </p:cxnSp>
-        <p:cxnSp>
-          <p:nvCxnSpPr>
-            <p:cNvPr id="8" name="Elbow Connector 7"/>
-            <p:cNvCxnSpPr/>
-            <p:nvPr/>
-          </p:nvCxnSpPr>
-          <p:spPr>
-            <a:xfrm>
-              <a:off x="5578764" y="4387273"/>
-              <a:ext cx="683491" cy="646545"/>
-            </a:xfrm>
-            <a:prstGeom prst="bentConnector3">
-              <a:avLst/>
-            </a:prstGeom>
-            <a:ln w="19050">
-              <a:tailEnd type="triangle"/>
-            </a:ln>
-          </p:spPr>
-          <p:style>
-            <a:lnRef idx="1">
-              <a:schemeClr val="accent1"/>
-            </a:lnRef>
-            <a:fillRef idx="0">
-              <a:schemeClr val="accent1"/>
-            </a:fillRef>
-            <a:effectRef idx="0">
-              <a:schemeClr val="accent1"/>
-            </a:effectRef>
-            <a:fontRef idx="minor">
-              <a:schemeClr val="tx1"/>
-            </a:fontRef>
-          </p:style>
-        </p:cxnSp>
-        <p:cxnSp>
-          <p:nvCxnSpPr>
-            <p:cNvPr id="9" name="Elbow Connector 8"/>
-            <p:cNvCxnSpPr/>
-            <p:nvPr/>
-          </p:nvCxnSpPr>
-          <p:spPr>
-            <a:xfrm>
-              <a:off x="5578764" y="5440217"/>
-              <a:ext cx="683491" cy="157019"/>
-            </a:xfrm>
-            <a:prstGeom prst="bentConnector3">
-              <a:avLst/>
-            </a:prstGeom>
-            <a:ln w="19050">
-              <a:tailEnd type="triangle"/>
-            </a:ln>
-          </p:spPr>
-          <p:style>
-            <a:lnRef idx="1">
-              <a:schemeClr val="accent1"/>
-            </a:lnRef>
-            <a:fillRef idx="0">
-              <a:schemeClr val="accent1"/>
-            </a:fillRef>
-            <a:effectRef idx="0">
-              <a:schemeClr val="accent1"/>
-            </a:effectRef>
-            <a:fontRef idx="minor">
-              <a:schemeClr val="tx1"/>
-            </a:fontRef>
-          </p:style>
-        </p:cxnSp>
-        <p:cxnSp>
-          <p:nvCxnSpPr>
-            <p:cNvPr id="20" name="Elbow Connector 19"/>
-            <p:cNvCxnSpPr/>
-            <p:nvPr/>
-          </p:nvCxnSpPr>
-          <p:spPr>
-            <a:xfrm rot="10800000">
-              <a:off x="2890983" y="2983656"/>
-              <a:ext cx="683493" cy="336711"/>
-            </a:xfrm>
-            <a:prstGeom prst="bentConnector3">
-              <a:avLst/>
-            </a:prstGeom>
-            <a:ln w="19050">
-              <a:tailEnd type="triangle"/>
-            </a:ln>
-          </p:spPr>
-          <p:style>
-            <a:lnRef idx="1">
-              <a:schemeClr val="accent1"/>
-            </a:lnRef>
-            <a:fillRef idx="0">
-              <a:schemeClr val="accent1"/>
-            </a:fillRef>
-            <a:effectRef idx="0">
-              <a:schemeClr val="accent1"/>
-            </a:effectRef>
-            <a:fontRef idx="minor">
-              <a:schemeClr val="tx1"/>
-            </a:fontRef>
-          </p:style>
-        </p:cxnSp>
-        <p:cxnSp>
-          <p:nvCxnSpPr>
-            <p:cNvPr id="25" name="Elbow Connector 24"/>
-            <p:cNvCxnSpPr/>
-            <p:nvPr/>
-          </p:nvCxnSpPr>
-          <p:spPr>
-            <a:xfrm>
-              <a:off x="5578764" y="3320364"/>
-              <a:ext cx="683491" cy="401619"/>
-            </a:xfrm>
-            <a:prstGeom prst="bentConnector3">
-              <a:avLst/>
-            </a:prstGeom>
-            <a:ln w="19050">
-              <a:tailEnd type="triangle"/>
-            </a:ln>
-          </p:spPr>
-          <p:style>
-            <a:lnRef idx="1">
-              <a:schemeClr val="accent1"/>
-            </a:lnRef>
-            <a:fillRef idx="0">
-              <a:schemeClr val="accent1"/>
-            </a:fillRef>
-            <a:effectRef idx="0">
-              <a:schemeClr val="accent1"/>
-            </a:effectRef>
-            <a:fontRef idx="minor">
-              <a:schemeClr val="tx1"/>
-            </a:fontRef>
-          </p:style>
-        </p:cxnSp>
-        <p:cxnSp>
-          <p:nvCxnSpPr>
-            <p:cNvPr id="36" name="Elbow Connector 35"/>
-            <p:cNvCxnSpPr/>
-            <p:nvPr/>
-          </p:nvCxnSpPr>
-          <p:spPr>
-            <a:xfrm rot="10800000" flipV="1">
-              <a:off x="2890984" y="3320363"/>
-              <a:ext cx="683492" cy="242265"/>
-            </a:xfrm>
-            <a:prstGeom prst="bentConnector3">
-              <a:avLst/>
-            </a:prstGeom>
-            <a:ln w="19050">
-              <a:tailEnd type="triangle"/>
-            </a:ln>
-          </p:spPr>
-          <p:style>
-            <a:lnRef idx="1">
-              <a:schemeClr val="accent1"/>
-            </a:lnRef>
-            <a:fillRef idx="0">
-              <a:schemeClr val="accent1"/>
-            </a:fillRef>
-            <a:effectRef idx="0">
-              <a:schemeClr val="accent1"/>
-            </a:effectRef>
-            <a:fontRef idx="minor">
-              <a:schemeClr val="tx1"/>
-            </a:fontRef>
-          </p:style>
-        </p:cxnSp>
-        <p:cxnSp>
-          <p:nvCxnSpPr>
-            <p:cNvPr id="38" name="Elbow Connector 37"/>
-            <p:cNvCxnSpPr/>
-            <p:nvPr/>
-          </p:nvCxnSpPr>
-          <p:spPr>
-            <a:xfrm rot="10800000">
-              <a:off x="2890982" y="4110183"/>
-              <a:ext cx="683496" cy="277093"/>
-            </a:xfrm>
-            <a:prstGeom prst="bentConnector3">
-              <a:avLst/>
-            </a:prstGeom>
-            <a:ln w="19050">
-              <a:tailEnd type="triangle"/>
-            </a:ln>
-          </p:spPr>
-          <p:style>
-            <a:lnRef idx="1">
-              <a:schemeClr val="accent1"/>
-            </a:lnRef>
-            <a:fillRef idx="0">
-              <a:schemeClr val="accent1"/>
-            </a:fillRef>
-            <a:effectRef idx="0">
-              <a:schemeClr val="accent1"/>
-            </a:effectRef>
-            <a:fontRef idx="minor">
-              <a:schemeClr val="tx1"/>
-            </a:fontRef>
-          </p:style>
-        </p:cxnSp>
-        <p:cxnSp>
-          <p:nvCxnSpPr>
-            <p:cNvPr id="42" name="Elbow Connector 41"/>
-            <p:cNvCxnSpPr/>
-            <p:nvPr/>
-          </p:nvCxnSpPr>
-          <p:spPr>
-            <a:xfrm rot="10800000" flipV="1">
-              <a:off x="2890982" y="4383960"/>
-              <a:ext cx="683494" cy="273778"/>
-            </a:xfrm>
-            <a:prstGeom prst="bentConnector3">
-              <a:avLst/>
-            </a:prstGeom>
-            <a:ln w="19050">
-              <a:tailEnd type="triangle"/>
-            </a:ln>
-          </p:spPr>
-          <p:style>
-            <a:lnRef idx="1">
-              <a:schemeClr val="accent1"/>
-            </a:lnRef>
-            <a:fillRef idx="0">
-              <a:schemeClr val="accent1"/>
-            </a:fillRef>
-            <a:effectRef idx="0">
-              <a:schemeClr val="accent1"/>
-            </a:effectRef>
-            <a:fontRef idx="minor">
-              <a:schemeClr val="tx1"/>
-            </a:fontRef>
-          </p:style>
-        </p:cxnSp>
-        <p:cxnSp>
-          <p:nvCxnSpPr>
-            <p:cNvPr id="45" name="Elbow Connector 44"/>
-            <p:cNvCxnSpPr/>
-            <p:nvPr/>
-          </p:nvCxnSpPr>
-          <p:spPr>
-            <a:xfrm rot="10800000">
-              <a:off x="2890982" y="5177093"/>
-              <a:ext cx="683494" cy="263124"/>
-            </a:xfrm>
-            <a:prstGeom prst="bentConnector3">
-              <a:avLst/>
-            </a:prstGeom>
-            <a:ln w="19050">
-              <a:tailEnd type="triangle"/>
-            </a:ln>
-          </p:spPr>
-          <p:style>
-            <a:lnRef idx="1">
-              <a:schemeClr val="accent1"/>
-            </a:lnRef>
-            <a:fillRef idx="0">
-              <a:schemeClr val="accent1"/>
-            </a:fillRef>
-            <a:effectRef idx="0">
-              <a:schemeClr val="accent1"/>
-            </a:effectRef>
-            <a:fontRef idx="minor">
-              <a:schemeClr val="tx1"/>
-            </a:fontRef>
-          </p:style>
-        </p:cxnSp>
-        <p:cxnSp>
-          <p:nvCxnSpPr>
-            <p:cNvPr id="46" name="Elbow Connector 45"/>
-            <p:cNvCxnSpPr/>
-            <p:nvPr/>
-          </p:nvCxnSpPr>
-          <p:spPr>
-            <a:xfrm rot="10800000" flipV="1">
-              <a:off x="2890982" y="5440217"/>
-              <a:ext cx="683494" cy="273778"/>
-            </a:xfrm>
-            <a:prstGeom prst="bentConnector3">
-              <a:avLst/>
-            </a:prstGeom>
-            <a:ln w="19050">
-              <a:tailEnd type="triangle"/>
-            </a:ln>
-          </p:spPr>
-          <p:style>
-            <a:lnRef idx="1">
-              <a:schemeClr val="accent1"/>
-            </a:lnRef>
-            <a:fillRef idx="0">
-              <a:schemeClr val="accent1"/>
-            </a:fillRef>
-            <a:effectRef idx="0">
-              <a:schemeClr val="accent1"/>
-            </a:effectRef>
-            <a:fontRef idx="minor">
-              <a:schemeClr val="tx1"/>
-            </a:fontRef>
-          </p:style>
-        </p:cxnSp>
-      </p:grpSp>
-    </p:spTree>
-    <p:extLst>
-      <p:ext uri="{BB962C8B-B14F-4D97-AF65-F5344CB8AC3E}">
-        <p14:creationId xmlns:p14="http://schemas.microsoft.com/office/powerpoint/2010/main" val="2113103158"/>
-      </p:ext>
-    </p:extLst>
-  </p:cSld>
-  <p:clrMapOvr>
-    <a:masterClrMapping/>
-  </p:clrMapOvr>
-  <p:timing>
-    <p:tnLst>
-      <p:par>
-        <p:cTn id="1" dur="indefinite" restart="never" nodeType="tmRoot"/>
-      </p:par>
-    </p:tnLst>
-  </p:timing>
-</p:sld>
-</file>
-
-<file path=ppt/slides/slide7.xml><?xml version="1.0" encoding="utf-8"?>
-<p:sld xmlns:a="http://schemas.openxmlformats.org/drawingml/2006/main" xmlns:r="http://schemas.openxmlformats.org/officeDocument/2006/relationships" xmlns:p="http://schemas.openxmlformats.org/presentationml/2006/main">
-  <p:cSld>
-    <p:spTree>
-      <p:nvGrpSpPr>
-        <p:cNvPr id="1" name=""/>
-        <p:cNvGrpSpPr/>
-        <p:nvPr/>
-      </p:nvGrpSpPr>
-      <p:grpSpPr>
-        <a:xfrm>
-          <a:off x="0" y="0"/>
-          <a:ext cx="0" cy="0"/>
-          <a:chOff x="0" y="0"/>
-          <a:chExt cx="0" cy="0"/>
-        </a:xfrm>
-      </p:grpSpPr>
-      <p:sp>
-        <p:nvSpPr>
-          <p:cNvPr id="2" name="Title 1"/>
-          <p:cNvSpPr>
-            <a:spLocks noGrp="1"/>
-          </p:cNvSpPr>
-          <p:nvPr>
-            <p:ph type="title"/>
-          </p:nvPr>
-        </p:nvSpPr>
-        <p:spPr/>
-        <p:txBody>
-          <a:bodyPr>
-            <a:normAutofit/>
-          </a:bodyPr>
-          <a:lstStyle/>
-          <a:p>
-            <a:r>
-              <a:rPr lang="zh-CN" altLang="en-US" sz="3200" dirty="0" smtClean="0"/>
-              <a:t>总体规划思路</a:t>
-            </a:r>
-            <a:r>
-              <a:rPr lang="en-US" altLang="zh-CN" sz="3200" dirty="0" smtClean="0"/>
-              <a:t>——</a:t>
-            </a:r>
-            <a:r>
-              <a:rPr lang="zh-CN" altLang="en-US" sz="3200" dirty="0" smtClean="0"/>
-              <a:t>三位同构</a:t>
-            </a:r>
-            <a:endParaRPr lang="zh-CN" altLang="en-US" sz="3200" dirty="0"/>
-          </a:p>
-        </p:txBody>
-      </p:sp>
-      <p:graphicFrame>
-        <p:nvGraphicFramePr>
-          <p:cNvPr id="4" name="Content Placeholder 3"/>
-          <p:cNvGraphicFramePr>
-            <a:graphicFrameLocks noGrp="1"/>
-          </p:cNvGraphicFramePr>
-          <p:nvPr>
-            <p:ph idx="1"/>
-            <p:extLst>
-              <p:ext uri="{D42A27DB-BD31-4B8C-83A1-F6EECF244321}">
-                <p14:modId xmlns:p14="http://schemas.microsoft.com/office/powerpoint/2010/main" val="2504912433"/>
-              </p:ext>
-            </p:extLst>
-          </p:nvPr>
-        </p:nvGraphicFramePr>
-        <p:xfrm>
-          <a:off x="-1809751" y="1320799"/>
-          <a:ext cx="10561865" cy="4860000"/>
-        </p:xfrm>
-        <a:graphic>
-          <a:graphicData uri="http://schemas.openxmlformats.org/drawingml/2006/diagram">
-            <dgm:relIds xmlns:dgm="http://schemas.openxmlformats.org/drawingml/2006/diagram" xmlns:r="http://schemas.openxmlformats.org/officeDocument/2006/relationships" r:dm="rId2" r:lo="rId3" r:qs="rId4" r:cs="rId5"/>
-          </a:graphicData>
-        </a:graphic>
-      </p:graphicFrame>
-      <p:grpSp>
-        <p:nvGrpSpPr>
-          <p:cNvPr id="49" name="Group 48"/>
-          <p:cNvGrpSpPr/>
-          <p:nvPr/>
-        </p:nvGrpSpPr>
-        <p:grpSpPr>
-          <a:xfrm>
-            <a:off x="452582" y="2983656"/>
-            <a:ext cx="3371273" cy="2730339"/>
-            <a:chOff x="2890982" y="2983656"/>
-            <a:chExt cx="3371273" cy="2730339"/>
-          </a:xfrm>
-        </p:grpSpPr>
-        <p:cxnSp>
-          <p:nvCxnSpPr>
-            <p:cNvPr id="6" name="Elbow Connector 5"/>
-            <p:cNvCxnSpPr/>
-            <p:nvPr/>
-          </p:nvCxnSpPr>
-          <p:spPr>
-            <a:xfrm flipV="1">
-              <a:off x="5578764" y="3135637"/>
-              <a:ext cx="683491" cy="184728"/>
-            </a:xfrm>
-            <a:prstGeom prst="bentConnector3">
-              <a:avLst/>
-            </a:prstGeom>
-            <a:ln w="19050">
-              <a:tailEnd type="triangle"/>
-            </a:ln>
-          </p:spPr>
-          <p:style>
-            <a:lnRef idx="1">
-              <a:schemeClr val="accent1"/>
-            </a:lnRef>
-            <a:fillRef idx="0">
-              <a:schemeClr val="accent1"/>
-            </a:fillRef>
-            <a:effectRef idx="0">
-              <a:schemeClr val="accent1"/>
-            </a:effectRef>
-            <a:fontRef idx="minor">
-              <a:schemeClr val="tx1"/>
-            </a:fontRef>
-          </p:style>
-        </p:cxnSp>
-        <p:cxnSp>
-          <p:nvCxnSpPr>
-            <p:cNvPr id="7" name="Elbow Connector 6"/>
-            <p:cNvCxnSpPr/>
-            <p:nvPr/>
-          </p:nvCxnSpPr>
-          <p:spPr>
-            <a:xfrm flipV="1">
-              <a:off x="5578764" y="4322618"/>
-              <a:ext cx="683491" cy="64655"/>
-            </a:xfrm>
-            <a:prstGeom prst="bentConnector3">
-              <a:avLst/>
-            </a:prstGeom>
-            <a:ln w="19050">
-              <a:tailEnd type="triangle"/>
-            </a:ln>
-          </p:spPr>
-          <p:style>
-            <a:lnRef idx="1">
-              <a:schemeClr val="accent1"/>
-            </a:lnRef>
-            <a:fillRef idx="0">
-              <a:schemeClr val="accent1"/>
-            </a:fillRef>
-            <a:effectRef idx="0">
-              <a:schemeClr val="accent1"/>
-            </a:effectRef>
-            <a:fontRef idx="minor">
-              <a:schemeClr val="tx1"/>
-            </a:fontRef>
-          </p:style>
-        </p:cxnSp>
-        <p:cxnSp>
-          <p:nvCxnSpPr>
-            <p:cNvPr id="8" name="Elbow Connector 7"/>
-            <p:cNvCxnSpPr/>
-            <p:nvPr/>
-          </p:nvCxnSpPr>
-          <p:spPr>
-            <a:xfrm>
-              <a:off x="5578764" y="4387273"/>
-              <a:ext cx="683491" cy="646545"/>
-            </a:xfrm>
-            <a:prstGeom prst="bentConnector3">
-              <a:avLst/>
-            </a:prstGeom>
-            <a:ln w="19050">
-              <a:tailEnd type="triangle"/>
-            </a:ln>
-          </p:spPr>
-          <p:style>
-            <a:lnRef idx="1">
-              <a:schemeClr val="accent1"/>
-            </a:lnRef>
-            <a:fillRef idx="0">
-              <a:schemeClr val="accent1"/>
-            </a:fillRef>
-            <a:effectRef idx="0">
-              <a:schemeClr val="accent1"/>
-            </a:effectRef>
-            <a:fontRef idx="minor">
-              <a:schemeClr val="tx1"/>
-            </a:fontRef>
-          </p:style>
-        </p:cxnSp>
-        <p:cxnSp>
-          <p:nvCxnSpPr>
-            <p:cNvPr id="9" name="Elbow Connector 8"/>
-            <p:cNvCxnSpPr/>
-            <p:nvPr/>
-          </p:nvCxnSpPr>
-          <p:spPr>
-            <a:xfrm>
-              <a:off x="5578764" y="5440217"/>
-              <a:ext cx="683491" cy="157019"/>
-            </a:xfrm>
-            <a:prstGeom prst="bentConnector3">
-              <a:avLst/>
-            </a:prstGeom>
-            <a:ln w="19050">
-              <a:tailEnd type="triangle"/>
-            </a:ln>
-          </p:spPr>
-          <p:style>
-            <a:lnRef idx="1">
-              <a:schemeClr val="accent1"/>
-            </a:lnRef>
-            <a:fillRef idx="0">
-              <a:schemeClr val="accent1"/>
-            </a:fillRef>
-            <a:effectRef idx="0">
-              <a:schemeClr val="accent1"/>
-            </a:effectRef>
-            <a:fontRef idx="minor">
-              <a:schemeClr val="tx1"/>
-            </a:fontRef>
-          </p:style>
-        </p:cxnSp>
-        <p:cxnSp>
-          <p:nvCxnSpPr>
-            <p:cNvPr id="20" name="Elbow Connector 19"/>
-            <p:cNvCxnSpPr/>
-            <p:nvPr/>
-          </p:nvCxnSpPr>
-          <p:spPr>
-            <a:xfrm rot="10800000">
-              <a:off x="2890983" y="2983656"/>
-              <a:ext cx="683493" cy="336711"/>
-            </a:xfrm>
-            <a:prstGeom prst="bentConnector3">
-              <a:avLst/>
-            </a:prstGeom>
-            <a:ln w="19050">
-              <a:tailEnd type="triangle"/>
-            </a:ln>
-          </p:spPr>
-          <p:style>
-            <a:lnRef idx="1">
-              <a:schemeClr val="accent1"/>
-            </a:lnRef>
-            <a:fillRef idx="0">
-              <a:schemeClr val="accent1"/>
-            </a:fillRef>
-            <a:effectRef idx="0">
-              <a:schemeClr val="accent1"/>
-            </a:effectRef>
-            <a:fontRef idx="minor">
-              <a:schemeClr val="tx1"/>
-            </a:fontRef>
-          </p:style>
-        </p:cxnSp>
-        <p:cxnSp>
-          <p:nvCxnSpPr>
-            <p:cNvPr id="25" name="Elbow Connector 24"/>
-            <p:cNvCxnSpPr/>
-            <p:nvPr/>
-          </p:nvCxnSpPr>
-          <p:spPr>
-            <a:xfrm>
-              <a:off x="5578764" y="3320364"/>
-              <a:ext cx="683491" cy="401619"/>
-            </a:xfrm>
-            <a:prstGeom prst="bentConnector3">
-              <a:avLst/>
-            </a:prstGeom>
-            <a:ln w="19050">
-              <a:tailEnd type="triangle"/>
-            </a:ln>
-          </p:spPr>
-          <p:style>
-            <a:lnRef idx="1">
-              <a:schemeClr val="accent1"/>
-            </a:lnRef>
-            <a:fillRef idx="0">
-              <a:schemeClr val="accent1"/>
-            </a:fillRef>
-            <a:effectRef idx="0">
-              <a:schemeClr val="accent1"/>
-            </a:effectRef>
-            <a:fontRef idx="minor">
-              <a:schemeClr val="tx1"/>
-            </a:fontRef>
-          </p:style>
-        </p:cxnSp>
-        <p:cxnSp>
-          <p:nvCxnSpPr>
-            <p:cNvPr id="36" name="Elbow Connector 35"/>
-            <p:cNvCxnSpPr/>
-            <p:nvPr/>
-          </p:nvCxnSpPr>
-          <p:spPr>
-            <a:xfrm rot="10800000" flipV="1">
-              <a:off x="2890984" y="3320363"/>
-              <a:ext cx="683492" cy="242265"/>
-            </a:xfrm>
-            <a:prstGeom prst="bentConnector3">
-              <a:avLst/>
-            </a:prstGeom>
-            <a:ln w="19050">
-              <a:tailEnd type="triangle"/>
-            </a:ln>
-          </p:spPr>
-          <p:style>
-            <a:lnRef idx="1">
-              <a:schemeClr val="accent1"/>
-            </a:lnRef>
-            <a:fillRef idx="0">
-              <a:schemeClr val="accent1"/>
-            </a:fillRef>
-            <a:effectRef idx="0">
-              <a:schemeClr val="accent1"/>
-            </a:effectRef>
-            <a:fontRef idx="minor">
-              <a:schemeClr val="tx1"/>
-            </a:fontRef>
-          </p:style>
-        </p:cxnSp>
-        <p:cxnSp>
-          <p:nvCxnSpPr>
-            <p:cNvPr id="38" name="Elbow Connector 37"/>
-            <p:cNvCxnSpPr/>
-            <p:nvPr/>
-          </p:nvCxnSpPr>
-          <p:spPr>
-            <a:xfrm rot="10800000">
-              <a:off x="2890982" y="4110183"/>
-              <a:ext cx="683496" cy="277093"/>
-            </a:xfrm>
-            <a:prstGeom prst="bentConnector3">
-              <a:avLst/>
-            </a:prstGeom>
-            <a:ln w="19050">
-              <a:tailEnd type="triangle"/>
-            </a:ln>
-          </p:spPr>
-          <p:style>
-            <a:lnRef idx="1">
-              <a:schemeClr val="accent1"/>
-            </a:lnRef>
-            <a:fillRef idx="0">
-              <a:schemeClr val="accent1"/>
-            </a:fillRef>
-            <a:effectRef idx="0">
-              <a:schemeClr val="accent1"/>
-            </a:effectRef>
-            <a:fontRef idx="minor">
-              <a:schemeClr val="tx1"/>
-            </a:fontRef>
-          </p:style>
-        </p:cxnSp>
-        <p:cxnSp>
-          <p:nvCxnSpPr>
-            <p:cNvPr id="42" name="Elbow Connector 41"/>
-            <p:cNvCxnSpPr/>
-            <p:nvPr/>
-          </p:nvCxnSpPr>
-          <p:spPr>
-            <a:xfrm rot="10800000" flipV="1">
-              <a:off x="2890982" y="4383960"/>
-              <a:ext cx="683494" cy="273778"/>
-            </a:xfrm>
-            <a:prstGeom prst="bentConnector3">
-              <a:avLst/>
-            </a:prstGeom>
-            <a:ln w="19050">
-              <a:tailEnd type="triangle"/>
-            </a:ln>
-          </p:spPr>
-          <p:style>
-            <a:lnRef idx="1">
-              <a:schemeClr val="accent1"/>
-            </a:lnRef>
-            <a:fillRef idx="0">
-              <a:schemeClr val="accent1"/>
-            </a:fillRef>
-            <a:effectRef idx="0">
-              <a:schemeClr val="accent1"/>
-            </a:effectRef>
-            <a:fontRef idx="minor">
-              <a:schemeClr val="tx1"/>
-            </a:fontRef>
-          </p:style>
-        </p:cxnSp>
-        <p:cxnSp>
-          <p:nvCxnSpPr>
-            <p:cNvPr id="45" name="Elbow Connector 44"/>
-            <p:cNvCxnSpPr/>
-            <p:nvPr/>
-          </p:nvCxnSpPr>
-          <p:spPr>
-            <a:xfrm rot="10800000">
-              <a:off x="2890982" y="5177093"/>
-              <a:ext cx="683494" cy="263124"/>
-            </a:xfrm>
-            <a:prstGeom prst="bentConnector3">
-              <a:avLst/>
-            </a:prstGeom>
-            <a:ln w="19050">
-              <a:tailEnd type="triangle"/>
-            </a:ln>
-          </p:spPr>
-          <p:style>
-            <a:lnRef idx="1">
-              <a:schemeClr val="accent1"/>
-            </a:lnRef>
-            <a:fillRef idx="0">
-              <a:schemeClr val="accent1"/>
-            </a:fillRef>
-            <a:effectRef idx="0">
-              <a:schemeClr val="accent1"/>
-            </a:effectRef>
-            <a:fontRef idx="minor">
-              <a:schemeClr val="tx1"/>
-            </a:fontRef>
-          </p:style>
-        </p:cxnSp>
-        <p:cxnSp>
-          <p:nvCxnSpPr>
-            <p:cNvPr id="46" name="Elbow Connector 45"/>
-            <p:cNvCxnSpPr/>
-            <p:nvPr/>
-          </p:nvCxnSpPr>
-          <p:spPr>
-            <a:xfrm rot="10800000" flipV="1">
-              <a:off x="2890982" y="5440217"/>
-              <a:ext cx="683494" cy="273778"/>
-            </a:xfrm>
-            <a:prstGeom prst="bentConnector3">
-              <a:avLst/>
-            </a:prstGeom>
-            <a:ln w="19050">
-              <a:tailEnd type="triangle"/>
-            </a:ln>
-          </p:spPr>
-          <p:style>
-            <a:lnRef idx="1">
-              <a:schemeClr val="accent1"/>
-            </a:lnRef>
-            <a:fillRef idx="0">
-              <a:schemeClr val="accent1"/>
-            </a:fillRef>
-            <a:effectRef idx="0">
-              <a:schemeClr val="accent1"/>
-            </a:effectRef>
-            <a:fontRef idx="minor">
-              <a:schemeClr val="tx1"/>
-            </a:fontRef>
-          </p:style>
-        </p:cxnSp>
-      </p:grpSp>
-    </p:spTree>
-    <p:extLst>
-      <p:ext uri="{BB962C8B-B14F-4D97-AF65-F5344CB8AC3E}">
-        <p14:creationId xmlns:p14="http://schemas.microsoft.com/office/powerpoint/2010/main" val="68482054"/>
-      </p:ext>
-    </p:extLst>
-  </p:cSld>
-  <p:clrMapOvr>
-    <a:masterClrMapping/>
-  </p:clrMapOvr>
-  <p:transition spd="slow">
-    <p:wipe/>
-  </p:transition>
-  <p:timing>
-    <p:tnLst>
-      <p:par>
-        <p:cTn id="1" dur="indefinite" restart="never" nodeType="tmRoot"/>
-      </p:par>
-    </p:tnLst>
-  </p:timing>
-</p:sld>
-</file>
-
-<file path=ppt/slides/slide8.xml><?xml version="1.0" encoding="utf-8"?>
-<p:sld xmlns:a="http://schemas.openxmlformats.org/drawingml/2006/main" xmlns:r="http://schemas.openxmlformats.org/officeDocument/2006/relationships" xmlns:p="http://schemas.openxmlformats.org/presentationml/2006/main">
-  <p:cSld>
-    <p:spTree>
-      <p:nvGrpSpPr>
-        <p:cNvPr id="1" name=""/>
-        <p:cNvGrpSpPr/>
-        <p:nvPr/>
-      </p:nvGrpSpPr>
-      <p:grpSpPr>
-        <a:xfrm>
-          <a:off x="0" y="0"/>
-          <a:ext cx="0" cy="0"/>
-          <a:chOff x="0" y="0"/>
-          <a:chExt cx="0" cy="0"/>
-        </a:xfrm>
-      </p:grpSpPr>
-      <p:pic>
-        <p:nvPicPr>
-          <p:cNvPr id="2" name="Picture 1"/>
-          <p:cNvPicPr>
-            <a:picLocks noChangeAspect="1"/>
-          </p:cNvPicPr>
-          <p:nvPr/>
-        </p:nvPicPr>
-        <p:blipFill rotWithShape="1">
-          <a:blip r:embed="rId2"/>
-          <a:srcRect l="24466" t="30208" r="3126" b="16276"/>
-          <a:stretch/>
-        </p:blipFill>
-        <p:spPr>
-          <a:xfrm>
-            <a:off x="0" y="1790700"/>
-            <a:ext cx="5670550" cy="3352800"/>
-          </a:xfrm>
-          <a:prstGeom prst="rect">
-            <a:avLst/>
-          </a:prstGeom>
-        </p:spPr>
-      </p:pic>
-      <p:sp>
-        <p:nvSpPr>
-          <p:cNvPr id="3" name="Content Placeholder 5"/>
-          <p:cNvSpPr txBox="1">
-            <a:spLocks/>
-          </p:cNvSpPr>
-          <p:nvPr/>
-        </p:nvSpPr>
-        <p:spPr>
-          <a:xfrm>
-            <a:off x="5708650" y="1471325"/>
-            <a:ext cx="3435350" cy="4769138"/>
-          </a:xfrm>
-          <a:prstGeom prst="rect">
-            <a:avLst/>
-          </a:prstGeom>
-        </p:spPr>
-        <p:txBody>
-          <a:bodyPr>
-            <a:noAutofit/>
-          </a:bodyPr>
-          <a:lstStyle>
-            <a:lvl1pPr marL="228600" indent="-228600" algn="l" defTabSz="914400" rtl="0" eaLnBrk="1" latinLnBrk="0" hangingPunct="1">
-              <a:lnSpc>
-                <a:spcPct val="90000"/>
-              </a:lnSpc>
-              <a:spcBef>
-                <a:spcPts val="1000"/>
-              </a:spcBef>
-              <a:buFont typeface="Arial" panose="020B0604020202020204" pitchFamily="34" charset="0"/>
-              <a:buChar char="•"/>
-              <a:defRPr sz="2000" kern="1200">
-                <a:solidFill>
-                  <a:schemeClr val="tx1"/>
-                </a:solidFill>
-                <a:latin typeface="+mn-lt"/>
-                <a:ea typeface="+mn-ea"/>
-                <a:cs typeface="+mn-cs"/>
-              </a:defRPr>
-            </a:lvl1pPr>
-            <a:lvl2pPr marL="685800" indent="-228600" algn="l" defTabSz="914400" rtl="0" eaLnBrk="1" latinLnBrk="0" hangingPunct="1">
-              <a:lnSpc>
-                <a:spcPct val="90000"/>
-              </a:lnSpc>
-              <a:spcBef>
-                <a:spcPts val="500"/>
-              </a:spcBef>
-              <a:buFont typeface="Arial" panose="020B0604020202020204" pitchFamily="34" charset="0"/>
-              <a:buChar char="•"/>
-              <a:defRPr sz="1800" kern="1200">
-                <a:solidFill>
-                  <a:schemeClr val="tx1"/>
-                </a:solidFill>
-                <a:latin typeface="+mn-lt"/>
-                <a:ea typeface="+mn-ea"/>
-                <a:cs typeface="+mn-cs"/>
-              </a:defRPr>
-            </a:lvl2pPr>
-            <a:lvl3pPr marL="1143000" indent="-228600" algn="l" defTabSz="914400" rtl="0" eaLnBrk="1" latinLnBrk="0" hangingPunct="1">
-              <a:lnSpc>
-                <a:spcPct val="90000"/>
-              </a:lnSpc>
-              <a:spcBef>
-                <a:spcPts val="500"/>
-              </a:spcBef>
-              <a:buFont typeface="Arial" panose="020B0604020202020204" pitchFamily="34" charset="0"/>
-              <a:buChar char="•"/>
-              <a:defRPr sz="1600" kern="1200">
-                <a:solidFill>
-                  <a:schemeClr val="tx1"/>
-                </a:solidFill>
-                <a:latin typeface="+mn-lt"/>
-                <a:ea typeface="+mn-ea"/>
-                <a:cs typeface="+mn-cs"/>
-              </a:defRPr>
-            </a:lvl3pPr>
-            <a:lvl4pPr marL="1600200" indent="-228600" algn="l" defTabSz="914400" rtl="0" eaLnBrk="1" latinLnBrk="0" hangingPunct="1">
-              <a:lnSpc>
-                <a:spcPct val="90000"/>
-              </a:lnSpc>
-              <a:spcBef>
-                <a:spcPts val="500"/>
-              </a:spcBef>
-              <a:buFont typeface="Arial" panose="020B0604020202020204" pitchFamily="34" charset="0"/>
-              <a:buChar char="•"/>
-              <a:defRPr sz="1400" kern="1200">
-                <a:solidFill>
-                  <a:schemeClr val="tx1"/>
-                </a:solidFill>
-                <a:latin typeface="+mn-lt"/>
-                <a:ea typeface="+mn-ea"/>
-                <a:cs typeface="+mn-cs"/>
-              </a:defRPr>
-            </a:lvl4pPr>
-            <a:lvl5pPr marL="2057400" indent="-228600" algn="l" defTabSz="914400" rtl="0" eaLnBrk="1" latinLnBrk="0" hangingPunct="1">
-              <a:lnSpc>
-                <a:spcPct val="90000"/>
-              </a:lnSpc>
-              <a:spcBef>
-                <a:spcPts val="500"/>
-              </a:spcBef>
-              <a:buFont typeface="Arial" panose="020B0604020202020204" pitchFamily="34" charset="0"/>
-              <a:buChar char="•"/>
-              <a:defRPr sz="1400" kern="1200">
-                <a:solidFill>
-                  <a:schemeClr val="tx1"/>
-                </a:solidFill>
-                <a:latin typeface="+mn-lt"/>
-                <a:ea typeface="+mn-ea"/>
-                <a:cs typeface="+mn-cs"/>
-              </a:defRPr>
-            </a:lvl5pPr>
-            <a:lvl6pPr marL="2514600" indent="-228600" algn="l" defTabSz="914400" rtl="0" eaLnBrk="1" latinLnBrk="0" hangingPunct="1">
-              <a:lnSpc>
-                <a:spcPct val="90000"/>
-              </a:lnSpc>
-              <a:spcBef>
-                <a:spcPts val="500"/>
-              </a:spcBef>
-              <a:buFont typeface="Arial" panose="020B0604020202020204" pitchFamily="34" charset="0"/>
-              <a:buChar char="•"/>
-              <a:defRPr sz="1800" kern="1200">
-                <a:solidFill>
-                  <a:schemeClr val="tx1"/>
-                </a:solidFill>
-                <a:latin typeface="+mn-lt"/>
-                <a:ea typeface="+mn-ea"/>
-                <a:cs typeface="+mn-cs"/>
-              </a:defRPr>
-            </a:lvl6pPr>
-            <a:lvl7pPr marL="2971800" indent="-228600" algn="l" defTabSz="914400" rtl="0" eaLnBrk="1" latinLnBrk="0" hangingPunct="1">
-              <a:lnSpc>
-                <a:spcPct val="90000"/>
-              </a:lnSpc>
-              <a:spcBef>
-                <a:spcPts val="500"/>
-              </a:spcBef>
-              <a:buFont typeface="Arial" panose="020B0604020202020204" pitchFamily="34" charset="0"/>
-              <a:buChar char="•"/>
-              <a:defRPr sz="1800" kern="1200">
-                <a:solidFill>
-                  <a:schemeClr val="tx1"/>
-                </a:solidFill>
-                <a:latin typeface="+mn-lt"/>
-                <a:ea typeface="+mn-ea"/>
-                <a:cs typeface="+mn-cs"/>
-              </a:defRPr>
-            </a:lvl7pPr>
-            <a:lvl8pPr marL="3429000" indent="-228600" algn="l" defTabSz="914400" rtl="0" eaLnBrk="1" latinLnBrk="0" hangingPunct="1">
-              <a:lnSpc>
-                <a:spcPct val="90000"/>
-              </a:lnSpc>
-              <a:spcBef>
-                <a:spcPts val="500"/>
-              </a:spcBef>
-              <a:buFont typeface="Arial" panose="020B0604020202020204" pitchFamily="34" charset="0"/>
-              <a:buChar char="•"/>
-              <a:defRPr sz="1800" kern="1200">
-                <a:solidFill>
-                  <a:schemeClr val="tx1"/>
-                </a:solidFill>
-                <a:latin typeface="+mn-lt"/>
-                <a:ea typeface="+mn-ea"/>
-                <a:cs typeface="+mn-cs"/>
-              </a:defRPr>
-            </a:lvl8pPr>
-            <a:lvl9pPr marL="3886200" indent="-228600" algn="l" defTabSz="914400" rtl="0" eaLnBrk="1" latinLnBrk="0" hangingPunct="1">
-              <a:lnSpc>
-                <a:spcPct val="90000"/>
-              </a:lnSpc>
-              <a:spcBef>
-                <a:spcPts val="500"/>
-              </a:spcBef>
-              <a:buFont typeface="Arial" panose="020B0604020202020204" pitchFamily="34" charset="0"/>
-              <a:buChar char="•"/>
-              <a:defRPr sz="1800" kern="1200">
-                <a:solidFill>
-                  <a:schemeClr val="tx1"/>
-                </a:solidFill>
-                <a:latin typeface="+mn-lt"/>
-                <a:ea typeface="+mn-ea"/>
-                <a:cs typeface="+mn-cs"/>
-              </a:defRPr>
-            </a:lvl9pPr>
-          </a:lstStyle>
-          <a:p>
-            <a:pPr marL="0">
-              <a:lnSpc>
-                <a:spcPct val="150000"/>
-              </a:lnSpc>
-              <a:spcBef>
-                <a:spcPts val="0"/>
-              </a:spcBef>
-            </a:pPr>
-            <a:r>
-              <a:rPr lang="zh-CN" altLang="zh-CN" sz="1200" b="1" dirty="0" smtClean="0"/>
-              <a:t>基础课程</a:t>
-            </a:r>
-            <a:r>
-              <a:rPr lang="zh-CN" altLang="zh-CN" sz="1200" dirty="0" smtClean="0"/>
-              <a:t>系列面向全校各年级学生。</a:t>
-            </a:r>
-          </a:p>
-          <a:p>
-            <a:pPr marL="0">
-              <a:lnSpc>
-                <a:spcPct val="150000"/>
-              </a:lnSpc>
-              <a:spcBef>
-                <a:spcPts val="0"/>
-              </a:spcBef>
-            </a:pPr>
-            <a:r>
-              <a:rPr lang="zh-CN" altLang="zh-CN" sz="1200" dirty="0" smtClean="0"/>
-              <a:t>各科系低年级学生首先通过</a:t>
-            </a:r>
-            <a:r>
-              <a:rPr lang="zh-CN" altLang="zh-CN" sz="1200" b="1" dirty="0" smtClean="0"/>
-              <a:t>导引课</a:t>
-            </a:r>
-            <a:r>
-              <a:rPr lang="zh-CN" altLang="zh-CN" sz="1200" dirty="0" smtClean="0"/>
-              <a:t>了解合约设计概念以及知识产权、订单等协作交互标准模式的使用技巧，为升入高年级后开展项目做好准备。</a:t>
-            </a:r>
-          </a:p>
-          <a:p>
-            <a:pPr marL="0">
-              <a:lnSpc>
-                <a:spcPct val="150000"/>
-              </a:lnSpc>
-              <a:spcBef>
-                <a:spcPts val="0"/>
-              </a:spcBef>
-            </a:pPr>
-            <a:r>
-              <a:rPr lang="zh-CN" altLang="zh-CN" sz="1200" b="1" dirty="0" smtClean="0"/>
-              <a:t>学科竞赛</a:t>
-            </a:r>
-            <a:r>
-              <a:rPr lang="zh-CN" altLang="zh-CN" sz="1200" dirty="0" smtClean="0"/>
-              <a:t>、</a:t>
-            </a:r>
-            <a:r>
-              <a:rPr lang="zh-CN" altLang="zh-CN" sz="1200" b="1" dirty="0" smtClean="0"/>
-              <a:t>学生社团</a:t>
-            </a:r>
-            <a:r>
-              <a:rPr lang="zh-CN" altLang="zh-CN" sz="1200" dirty="0" smtClean="0"/>
-              <a:t>、</a:t>
-            </a:r>
-            <a:r>
-              <a:rPr lang="en-US" altLang="zh-CN" sz="1200" b="1" dirty="0" smtClean="0"/>
-              <a:t>SRT</a:t>
-            </a:r>
-            <a:r>
-              <a:rPr lang="zh-CN" altLang="zh-CN" sz="1200" b="1" dirty="0" smtClean="0"/>
-              <a:t>项目</a:t>
-            </a:r>
-            <a:r>
-              <a:rPr lang="zh-CN" altLang="zh-CN" sz="1200" dirty="0" smtClean="0"/>
-              <a:t>中，学生通过特定主题的产品设计实践，发散培养系统设计思维。学生团队可以选修交叉融合空间开设的设计类课程，系统性学习设计方法</a:t>
-            </a:r>
-          </a:p>
-          <a:p>
-            <a:pPr marL="0">
-              <a:lnSpc>
-                <a:spcPct val="150000"/>
-              </a:lnSpc>
-              <a:spcBef>
-                <a:spcPts val="0"/>
-              </a:spcBef>
-              <a:tabLst>
-                <a:tab pos="1163638" algn="l"/>
-              </a:tabLst>
-            </a:pPr>
-            <a:r>
-              <a:rPr lang="zh-CN" altLang="zh-CN" sz="1200" b="1" dirty="0" smtClean="0"/>
-              <a:t>高年级本科生</a:t>
-            </a:r>
-            <a:r>
-              <a:rPr lang="zh-CN" altLang="zh-CN" sz="1200" dirty="0" smtClean="0"/>
-              <a:t>以及</a:t>
-            </a:r>
-            <a:r>
-              <a:rPr lang="zh-CN" altLang="zh-CN" sz="1200" b="1" dirty="0" smtClean="0"/>
-              <a:t>研究生</a:t>
-            </a:r>
-            <a:r>
-              <a:rPr lang="zh-CN" altLang="zh-CN" sz="1200" dirty="0" smtClean="0"/>
-              <a:t>，专业课程中涉及到产品或系统开发项目的，可以选修产品战略课程，从而结合本专业内容，进行产业调研、建立全球化产业思维、制定产品战略规划等。同时，课程还将包含个人战略发展规划的内容。</a:t>
-            </a:r>
-            <a:endParaRPr lang="zh-CN" altLang="zh-CN" sz="1200" dirty="0"/>
-          </a:p>
-        </p:txBody>
-      </p:sp>
-      <p:sp>
-        <p:nvSpPr>
-          <p:cNvPr id="6" name="Title 5"/>
-          <p:cNvSpPr>
-            <a:spLocks noGrp="1"/>
-          </p:cNvSpPr>
-          <p:nvPr>
-            <p:ph type="title"/>
-          </p:nvPr>
-        </p:nvSpPr>
-        <p:spPr/>
-        <p:txBody>
-          <a:bodyPr/>
-          <a:lstStyle/>
-          <a:p>
-            <a:r>
-              <a:rPr lang="zh-CN" altLang="en-US" dirty="0"/>
-              <a:t>总体规划思路</a:t>
-            </a:r>
-            <a:r>
-              <a:rPr lang="en-US" altLang="zh-CN" dirty="0"/>
-              <a:t>——</a:t>
-            </a:r>
-            <a:r>
-              <a:rPr lang="zh-CN" altLang="en-US" dirty="0"/>
-              <a:t>三位同构</a:t>
-            </a:r>
-          </a:p>
-        </p:txBody>
-      </p:sp>
-    </p:spTree>
-    <p:extLst>
-      <p:ext uri="{BB962C8B-B14F-4D97-AF65-F5344CB8AC3E}">
-        <p14:creationId xmlns:p14="http://schemas.microsoft.com/office/powerpoint/2010/main" val="2830420290"/>
-      </p:ext>
-    </p:extLst>
-  </p:cSld>
-  <p:clrMapOvr>
-    <a:masterClrMapping/>
-  </p:clrMapOvr>
-  <p:timing>
-    <p:tnLst>
-      <p:par>
-        <p:cTn id="1" dur="indefinite" restart="never" nodeType="tmRoot"/>
-      </p:par>
-    </p:tnLst>
-  </p:timing>
-</p:sld>
-</file>
-
-<file path=ppt/slides/slide9.xml><?xml version="1.0" encoding="utf-8"?>
-<p:sld xmlns:a="http://schemas.openxmlformats.org/drawingml/2006/main" xmlns:r="http://schemas.openxmlformats.org/officeDocument/2006/relationships" xmlns:p="http://schemas.openxmlformats.org/presentationml/2006/main">
-  <p:cSld>
-    <p:spTree>
-      <p:nvGrpSpPr>
-        <p:cNvPr id="1" name=""/>
-        <p:cNvGrpSpPr/>
-        <p:nvPr/>
-      </p:nvGrpSpPr>
-      <p:grpSpPr>
-        <a:xfrm>
-          <a:off x="0" y="0"/>
-          <a:ext cx="0" cy="0"/>
-          <a:chOff x="0" y="0"/>
-          <a:chExt cx="0" cy="0"/>
-        </a:xfrm>
-      </p:grpSpPr>
-      <p:sp>
-        <p:nvSpPr>
-          <p:cNvPr id="2" name="Title 1"/>
-          <p:cNvSpPr>
-            <a:spLocks noGrp="1"/>
-          </p:cNvSpPr>
-          <p:nvPr>
-            <p:ph type="title"/>
-          </p:nvPr>
-        </p:nvSpPr>
-        <p:spPr/>
-        <p:txBody>
-          <a:bodyPr>
-            <a:normAutofit/>
-          </a:bodyPr>
-          <a:lstStyle/>
-          <a:p>
-            <a:r>
-              <a:rPr lang="zh-CN" altLang="en-US" sz="3200" dirty="0" smtClean="0"/>
-              <a:t>总体规划思路</a:t>
-            </a:r>
-            <a:r>
-              <a:rPr lang="en-US" altLang="zh-CN" sz="3200" dirty="0" smtClean="0"/>
-              <a:t>——</a:t>
-            </a:r>
-            <a:r>
-              <a:rPr lang="zh-CN" altLang="en-US" sz="3200" dirty="0" smtClean="0"/>
-              <a:t>三位同构</a:t>
-            </a:r>
-            <a:endParaRPr lang="zh-CN" altLang="en-US" sz="3200" dirty="0"/>
-          </a:p>
-        </p:txBody>
-      </p:sp>
-      <p:graphicFrame>
-        <p:nvGraphicFramePr>
-          <p:cNvPr id="4" name="Content Placeholder 3"/>
-          <p:cNvGraphicFramePr>
-            <a:graphicFrameLocks noGrp="1"/>
-          </p:cNvGraphicFramePr>
-          <p:nvPr>
-            <p:ph idx="1"/>
-            <p:extLst>
-              <p:ext uri="{D42A27DB-BD31-4B8C-83A1-F6EECF244321}">
-                <p14:modId xmlns:p14="http://schemas.microsoft.com/office/powerpoint/2010/main" val="2987665306"/>
-              </p:ext>
-            </p:extLst>
-          </p:nvPr>
-        </p:nvGraphicFramePr>
-        <p:xfrm>
-          <a:off x="404714" y="1320800"/>
-          <a:ext cx="10584000" cy="4856163"/>
-        </p:xfrm>
-        <a:graphic>
-          <a:graphicData uri="http://schemas.openxmlformats.org/drawingml/2006/diagram">
-            <dgm:relIds xmlns:dgm="http://schemas.openxmlformats.org/drawingml/2006/diagram" xmlns:r="http://schemas.openxmlformats.org/officeDocument/2006/relationships" r:dm="rId2" r:lo="rId3" r:qs="rId4" r:cs="rId5"/>
-          </a:graphicData>
-        </a:graphic>
-      </p:graphicFrame>
-      <p:grpSp>
-        <p:nvGrpSpPr>
-          <p:cNvPr id="49" name="Group 48"/>
-          <p:cNvGrpSpPr/>
-          <p:nvPr/>
-        </p:nvGrpSpPr>
-        <p:grpSpPr>
-          <a:xfrm>
-            <a:off x="5363594" y="2983656"/>
-            <a:ext cx="3371273" cy="2730339"/>
-            <a:chOff x="2890982" y="2983656"/>
-            <a:chExt cx="3371273" cy="2730339"/>
-          </a:xfrm>
-        </p:grpSpPr>
-        <p:cxnSp>
-          <p:nvCxnSpPr>
-            <p:cNvPr id="6" name="Elbow Connector 5"/>
-            <p:cNvCxnSpPr/>
-            <p:nvPr/>
-          </p:nvCxnSpPr>
-          <p:spPr>
-            <a:xfrm flipV="1">
-              <a:off x="5578764" y="3135637"/>
-              <a:ext cx="683491" cy="184728"/>
-            </a:xfrm>
-            <a:prstGeom prst="bentConnector3">
-              <a:avLst/>
-            </a:prstGeom>
-            <a:ln w="19050">
-              <a:tailEnd type="triangle"/>
-            </a:ln>
-          </p:spPr>
-          <p:style>
-            <a:lnRef idx="1">
-              <a:schemeClr val="accent1"/>
-            </a:lnRef>
-            <a:fillRef idx="0">
-              <a:schemeClr val="accent1"/>
-            </a:fillRef>
-            <a:effectRef idx="0">
-              <a:schemeClr val="accent1"/>
-            </a:effectRef>
-            <a:fontRef idx="minor">
-              <a:schemeClr val="tx1"/>
-            </a:fontRef>
-          </p:style>
-        </p:cxnSp>
-        <p:cxnSp>
-          <p:nvCxnSpPr>
-            <p:cNvPr id="7" name="Elbow Connector 6"/>
-            <p:cNvCxnSpPr/>
-            <p:nvPr/>
-          </p:nvCxnSpPr>
-          <p:spPr>
-            <a:xfrm flipV="1">
-              <a:off x="5578764" y="4322618"/>
-              <a:ext cx="683491" cy="64655"/>
-            </a:xfrm>
-            <a:prstGeom prst="bentConnector3">
-              <a:avLst/>
-            </a:prstGeom>
-            <a:ln w="19050">
-              <a:tailEnd type="triangle"/>
-            </a:ln>
-          </p:spPr>
-          <p:style>
-            <a:lnRef idx="1">
-              <a:schemeClr val="accent1"/>
-            </a:lnRef>
-            <a:fillRef idx="0">
-              <a:schemeClr val="accent1"/>
-            </a:fillRef>
-            <a:effectRef idx="0">
-              <a:schemeClr val="accent1"/>
-            </a:effectRef>
-            <a:fontRef idx="minor">
-              <a:schemeClr val="tx1"/>
-            </a:fontRef>
-          </p:style>
-        </p:cxnSp>
-        <p:cxnSp>
-          <p:nvCxnSpPr>
-            <p:cNvPr id="8" name="Elbow Connector 7"/>
-            <p:cNvCxnSpPr/>
-            <p:nvPr/>
-          </p:nvCxnSpPr>
-          <p:spPr>
-            <a:xfrm>
-              <a:off x="5578764" y="4387273"/>
-              <a:ext cx="683491" cy="646545"/>
-            </a:xfrm>
-            <a:prstGeom prst="bentConnector3">
-              <a:avLst/>
-            </a:prstGeom>
-            <a:ln w="19050">
-              <a:tailEnd type="triangle"/>
-            </a:ln>
-          </p:spPr>
-          <p:style>
-            <a:lnRef idx="1">
-              <a:schemeClr val="accent1"/>
-            </a:lnRef>
-            <a:fillRef idx="0">
-              <a:schemeClr val="accent1"/>
-            </a:fillRef>
-            <a:effectRef idx="0">
-              <a:schemeClr val="accent1"/>
-            </a:effectRef>
-            <a:fontRef idx="minor">
-              <a:schemeClr val="tx1"/>
-            </a:fontRef>
-          </p:style>
-        </p:cxnSp>
-        <p:cxnSp>
-          <p:nvCxnSpPr>
-            <p:cNvPr id="9" name="Elbow Connector 8"/>
-            <p:cNvCxnSpPr/>
-            <p:nvPr/>
-          </p:nvCxnSpPr>
-          <p:spPr>
-            <a:xfrm>
-              <a:off x="5578764" y="5440217"/>
-              <a:ext cx="683491" cy="157019"/>
-            </a:xfrm>
-            <a:prstGeom prst="bentConnector3">
-              <a:avLst/>
-            </a:prstGeom>
-            <a:ln w="19050">
-              <a:tailEnd type="triangle"/>
-            </a:ln>
-          </p:spPr>
-          <p:style>
-            <a:lnRef idx="1">
-              <a:schemeClr val="accent1"/>
-            </a:lnRef>
-            <a:fillRef idx="0">
-              <a:schemeClr val="accent1"/>
-            </a:fillRef>
-            <a:effectRef idx="0">
-              <a:schemeClr val="accent1"/>
-            </a:effectRef>
-            <a:fontRef idx="minor">
-              <a:schemeClr val="tx1"/>
-            </a:fontRef>
-          </p:style>
-        </p:cxnSp>
-        <p:cxnSp>
-          <p:nvCxnSpPr>
-            <p:cNvPr id="20" name="Elbow Connector 19"/>
-            <p:cNvCxnSpPr/>
-            <p:nvPr/>
-          </p:nvCxnSpPr>
-          <p:spPr>
-            <a:xfrm rot="10800000">
-              <a:off x="2890983" y="2983656"/>
-              <a:ext cx="683493" cy="336711"/>
-            </a:xfrm>
-            <a:prstGeom prst="bentConnector3">
-              <a:avLst/>
-            </a:prstGeom>
-            <a:ln w="19050">
-              <a:tailEnd type="triangle"/>
-            </a:ln>
-          </p:spPr>
-          <p:style>
-            <a:lnRef idx="1">
-              <a:schemeClr val="accent1"/>
-            </a:lnRef>
-            <a:fillRef idx="0">
-              <a:schemeClr val="accent1"/>
-            </a:fillRef>
-            <a:effectRef idx="0">
-              <a:schemeClr val="accent1"/>
-            </a:effectRef>
-            <a:fontRef idx="minor">
-              <a:schemeClr val="tx1"/>
-            </a:fontRef>
-          </p:style>
-        </p:cxnSp>
-        <p:cxnSp>
-          <p:nvCxnSpPr>
-            <p:cNvPr id="25" name="Elbow Connector 24"/>
-            <p:cNvCxnSpPr/>
-            <p:nvPr/>
-          </p:nvCxnSpPr>
-          <p:spPr>
-            <a:xfrm>
-              <a:off x="5578764" y="3320364"/>
-              <a:ext cx="683491" cy="401619"/>
-            </a:xfrm>
-            <a:prstGeom prst="bentConnector3">
-              <a:avLst/>
-            </a:prstGeom>
-            <a:ln w="19050">
-              <a:tailEnd type="triangle"/>
-            </a:ln>
-          </p:spPr>
-          <p:style>
-            <a:lnRef idx="1">
-              <a:schemeClr val="accent1"/>
-            </a:lnRef>
-            <a:fillRef idx="0">
-              <a:schemeClr val="accent1"/>
-            </a:fillRef>
-            <a:effectRef idx="0">
-              <a:schemeClr val="accent1"/>
-            </a:effectRef>
-            <a:fontRef idx="minor">
-              <a:schemeClr val="tx1"/>
-            </a:fontRef>
-          </p:style>
-        </p:cxnSp>
-        <p:cxnSp>
-          <p:nvCxnSpPr>
-            <p:cNvPr id="36" name="Elbow Connector 35"/>
-            <p:cNvCxnSpPr/>
-            <p:nvPr/>
-          </p:nvCxnSpPr>
-          <p:spPr>
-            <a:xfrm rot="10800000" flipV="1">
-              <a:off x="2890984" y="3320363"/>
-              <a:ext cx="683492" cy="242265"/>
-            </a:xfrm>
-            <a:prstGeom prst="bentConnector3">
-              <a:avLst/>
-            </a:prstGeom>
-            <a:ln w="19050">
-              <a:tailEnd type="triangle"/>
-            </a:ln>
-          </p:spPr>
-          <p:style>
-            <a:lnRef idx="1">
-              <a:schemeClr val="accent1"/>
-            </a:lnRef>
-            <a:fillRef idx="0">
-              <a:schemeClr val="accent1"/>
-            </a:fillRef>
-            <a:effectRef idx="0">
-              <a:schemeClr val="accent1"/>
-            </a:effectRef>
-            <a:fontRef idx="minor">
-              <a:schemeClr val="tx1"/>
-            </a:fontRef>
-          </p:style>
-        </p:cxnSp>
-        <p:cxnSp>
-          <p:nvCxnSpPr>
-            <p:cNvPr id="38" name="Elbow Connector 37"/>
-            <p:cNvCxnSpPr/>
-            <p:nvPr/>
-          </p:nvCxnSpPr>
-          <p:spPr>
-            <a:xfrm rot="10800000">
-              <a:off x="2890982" y="4110183"/>
-              <a:ext cx="683496" cy="277093"/>
-            </a:xfrm>
-            <a:prstGeom prst="bentConnector3">
-              <a:avLst/>
-            </a:prstGeom>
-            <a:ln w="19050">
-              <a:tailEnd type="triangle"/>
-            </a:ln>
-          </p:spPr>
-          <p:style>
-            <a:lnRef idx="1">
-              <a:schemeClr val="accent1"/>
-            </a:lnRef>
-            <a:fillRef idx="0">
-              <a:schemeClr val="accent1"/>
-            </a:fillRef>
-            <a:effectRef idx="0">
-              <a:schemeClr val="accent1"/>
-            </a:effectRef>
-            <a:fontRef idx="minor">
-              <a:schemeClr val="tx1"/>
-            </a:fontRef>
-          </p:style>
-        </p:cxnSp>
-        <p:cxnSp>
-          <p:nvCxnSpPr>
-            <p:cNvPr id="42" name="Elbow Connector 41"/>
-            <p:cNvCxnSpPr/>
-            <p:nvPr/>
-          </p:nvCxnSpPr>
-          <p:spPr>
-            <a:xfrm rot="10800000" flipV="1">
-              <a:off x="2890982" y="4383960"/>
-              <a:ext cx="683494" cy="273778"/>
-            </a:xfrm>
-            <a:prstGeom prst="bentConnector3">
-              <a:avLst/>
-            </a:prstGeom>
-            <a:ln w="19050">
-              <a:tailEnd type="triangle"/>
-            </a:ln>
-          </p:spPr>
-          <p:style>
-            <a:lnRef idx="1">
-              <a:schemeClr val="accent1"/>
-            </a:lnRef>
-            <a:fillRef idx="0">
-              <a:schemeClr val="accent1"/>
-            </a:fillRef>
-            <a:effectRef idx="0">
-              <a:schemeClr val="accent1"/>
-            </a:effectRef>
-            <a:fontRef idx="minor">
-              <a:schemeClr val="tx1"/>
-            </a:fontRef>
-          </p:style>
-        </p:cxnSp>
-        <p:cxnSp>
-          <p:nvCxnSpPr>
-            <p:cNvPr id="45" name="Elbow Connector 44"/>
-            <p:cNvCxnSpPr/>
-            <p:nvPr/>
-          </p:nvCxnSpPr>
-          <p:spPr>
-            <a:xfrm rot="10800000">
-              <a:off x="2890982" y="5177093"/>
-              <a:ext cx="683494" cy="263124"/>
-            </a:xfrm>
-            <a:prstGeom prst="bentConnector3">
-              <a:avLst/>
-            </a:prstGeom>
-            <a:ln w="19050">
-              <a:tailEnd type="triangle"/>
-            </a:ln>
-          </p:spPr>
-          <p:style>
-            <a:lnRef idx="1">
-              <a:schemeClr val="accent1"/>
-            </a:lnRef>
-            <a:fillRef idx="0">
-              <a:schemeClr val="accent1"/>
-            </a:fillRef>
-            <a:effectRef idx="0">
-              <a:schemeClr val="accent1"/>
-            </a:effectRef>
-            <a:fontRef idx="minor">
-              <a:schemeClr val="tx1"/>
-            </a:fontRef>
-          </p:style>
-        </p:cxnSp>
-        <p:cxnSp>
-          <p:nvCxnSpPr>
-            <p:cNvPr id="46" name="Elbow Connector 45"/>
-            <p:cNvCxnSpPr/>
-            <p:nvPr/>
-          </p:nvCxnSpPr>
-          <p:spPr>
-            <a:xfrm rot="10800000" flipV="1">
-              <a:off x="2890982" y="5440217"/>
-              <a:ext cx="683494" cy="273778"/>
-            </a:xfrm>
-            <a:prstGeom prst="bentConnector3">
-              <a:avLst/>
-            </a:prstGeom>
-            <a:ln w="19050">
-              <a:tailEnd type="triangle"/>
-            </a:ln>
-          </p:spPr>
-          <p:style>
-            <a:lnRef idx="1">
-              <a:schemeClr val="accent1"/>
-            </a:lnRef>
-            <a:fillRef idx="0">
-              <a:schemeClr val="accent1"/>
-            </a:fillRef>
-            <a:effectRef idx="0">
-              <a:schemeClr val="accent1"/>
-            </a:effectRef>
-            <a:fontRef idx="minor">
-              <a:schemeClr val="tx1"/>
-            </a:fontRef>
-          </p:style>
-        </p:cxnSp>
-      </p:grpSp>
-    </p:spTree>
-    <p:extLst>
-      <p:ext uri="{BB962C8B-B14F-4D97-AF65-F5344CB8AC3E}">
-        <p14:creationId xmlns:p14="http://schemas.microsoft.com/office/powerpoint/2010/main" val="2322291747"/>
-      </p:ext>
-    </p:extLst>
-  </p:cSld>
-  <p:clrMapOvr>
-    <a:masterClrMapping/>
-  </p:clrMapOvr>
-  <p:transition spd="slow">
-    <p:wipe dir="r"/>
-  </p:transition>
-  <p:timing>
-    <p:tnLst>
-      <p:par>
-        <p:cTn id="1" dur="indefinite" restart="never" nodeType="tmRoot"/>
-      </p:par>
-    </p:tnLst>
-  </p:timing>
 </p:sld>
 </file>
 
